--- a/Capstone_hdfc.pptx
+++ b/Capstone_hdfc.pptx
@@ -5,7 +5,7 @@
     <p:sldMasterId id="2147483648" r:id="rId1"/>
   </p:sldMasterIdLst>
   <p:notesMasterIdLst>
-    <p:notesMasterId r:id="rId34"/>
+    <p:notesMasterId r:id="rId36"/>
   </p:notesMasterIdLst>
   <p:sldIdLst>
     <p:sldId id="256" r:id="rId2"/>
@@ -16,30 +16,32 @@
     <p:sldId id="261" r:id="rId7"/>
     <p:sldId id="288" r:id="rId8"/>
     <p:sldId id="272" r:id="rId9"/>
-    <p:sldId id="263" r:id="rId10"/>
-    <p:sldId id="264" r:id="rId11"/>
-    <p:sldId id="289" r:id="rId12"/>
-    <p:sldId id="265" r:id="rId13"/>
-    <p:sldId id="273" r:id="rId14"/>
-    <p:sldId id="266" r:id="rId15"/>
-    <p:sldId id="274" r:id="rId16"/>
-    <p:sldId id="275" r:id="rId17"/>
-    <p:sldId id="287" r:id="rId18"/>
-    <p:sldId id="283" r:id="rId19"/>
-    <p:sldId id="279" r:id="rId20"/>
-    <p:sldId id="281" r:id="rId21"/>
-    <p:sldId id="282" r:id="rId22"/>
-    <p:sldId id="284" r:id="rId23"/>
-    <p:sldId id="267" r:id="rId24"/>
-    <p:sldId id="268" r:id="rId25"/>
-    <p:sldId id="269" r:id="rId26"/>
-    <p:sldId id="270" r:id="rId27"/>
-    <p:sldId id="285" r:id="rId28"/>
-    <p:sldId id="276" r:id="rId29"/>
-    <p:sldId id="277" r:id="rId30"/>
-    <p:sldId id="278" r:id="rId31"/>
-    <p:sldId id="286" r:id="rId32"/>
-    <p:sldId id="280" r:id="rId33"/>
+    <p:sldId id="290" r:id="rId10"/>
+    <p:sldId id="263" r:id="rId11"/>
+    <p:sldId id="264" r:id="rId12"/>
+    <p:sldId id="289" r:id="rId13"/>
+    <p:sldId id="265" r:id="rId14"/>
+    <p:sldId id="273" r:id="rId15"/>
+    <p:sldId id="266" r:id="rId16"/>
+    <p:sldId id="274" r:id="rId17"/>
+    <p:sldId id="275" r:id="rId18"/>
+    <p:sldId id="287" r:id="rId19"/>
+    <p:sldId id="283" r:id="rId20"/>
+    <p:sldId id="279" r:id="rId21"/>
+    <p:sldId id="281" r:id="rId22"/>
+    <p:sldId id="282" r:id="rId23"/>
+    <p:sldId id="284" r:id="rId24"/>
+    <p:sldId id="267" r:id="rId25"/>
+    <p:sldId id="268" r:id="rId26"/>
+    <p:sldId id="269" r:id="rId27"/>
+    <p:sldId id="270" r:id="rId28"/>
+    <p:sldId id="285" r:id="rId29"/>
+    <p:sldId id="276" r:id="rId30"/>
+    <p:sldId id="277" r:id="rId31"/>
+    <p:sldId id="278" r:id="rId32"/>
+    <p:sldId id="291" r:id="rId33"/>
+    <p:sldId id="286" r:id="rId34"/>
+    <p:sldId id="280" r:id="rId35"/>
   </p:sldIdLst>
   <p:sldSz cx="12192000" cy="6858000"/>
   <p:notesSz cx="6858000" cy="9144000"/>
@@ -146,6 +148,18 @@
 </p:presentation>
 </file>
 
+<file path=ppt/commentAuthors.xml><?xml version="1.0" encoding="utf-8"?>
+<p:cmAuthorLst xmlns:a="http://schemas.openxmlformats.org/drawingml/2006/main" xmlns:r="http://schemas.openxmlformats.org/officeDocument/2006/relationships" xmlns:p="http://schemas.openxmlformats.org/presentationml/2006/main">
+  <p:cmAuthor id="1" name="Sahil Vishwakarma" initials="SV" lastIdx="1" clrIdx="0">
+    <p:extLst>
+      <p:ext uri="{19B8F6BF-5375-455C-9EA6-DF929625EA0E}">
+        <p15:presenceInfo xmlns:p15="http://schemas.microsoft.com/office/powerpoint/2012/main" userId="818e7b402a52d3e7" providerId="Windows Live"/>
+      </p:ext>
+    </p:extLst>
+  </p:cmAuthor>
+</p:cmAuthorLst>
+</file>
+
 <file path=ppt/notesMasters/notesMaster1.xml><?xml version="1.0" encoding="utf-8"?>
 <p:notesMaster xmlns:a="http://schemas.openxmlformats.org/drawingml/2006/main" xmlns:r="http://schemas.openxmlformats.org/officeDocument/2006/relationships" xmlns:p="http://schemas.openxmlformats.org/presentationml/2006/main">
   <p:cSld>
@@ -228,7 +242,7 @@
           <a:p>
             <a:fld id="{DBBD1C85-E1A4-447F-BAAD-9CEDE6E82C22}" type="datetimeFigureOut">
               <a:rPr lang="en-IN" smtClean="0"/>
-              <a:t>28-04-2023</a:t>
+              <a:t>30-04-2023</a:t>
             </a:fld>
             <a:endParaRPr lang="en-IN"/>
           </a:p>
@@ -645,7 +659,7 @@
           <a:p>
             <a:fld id="{6D3052E0-193B-4471-BAD0-B156ECCE0645}" type="datetimeFigureOut">
               <a:rPr lang="en-IN" smtClean="0"/>
-              <a:t>28-04-2023</a:t>
+              <a:t>30-04-2023</a:t>
             </a:fld>
             <a:endParaRPr lang="en-IN"/>
           </a:p>
@@ -715,6 +729,9 @@
   <p:clrMapOvr>
     <a:masterClrMapping/>
   </p:clrMapOvr>
+  <p:transition spd="slow">
+    <p:push/>
+  </p:transition>
 </p:sldLayout>
 </file>
 
@@ -845,7 +862,7 @@
           <a:p>
             <a:fld id="{6D3052E0-193B-4471-BAD0-B156ECCE0645}" type="datetimeFigureOut">
               <a:rPr lang="en-IN" smtClean="0"/>
-              <a:t>28-04-2023</a:t>
+              <a:t>30-04-2023</a:t>
             </a:fld>
             <a:endParaRPr lang="en-IN"/>
           </a:p>
@@ -915,6 +932,9 @@
   <p:clrMapOvr>
     <a:masterClrMapping/>
   </p:clrMapOvr>
+  <p:transition spd="slow">
+    <p:push/>
+  </p:transition>
 </p:sldLayout>
 </file>
 
@@ -1055,7 +1075,7 @@
           <a:p>
             <a:fld id="{6D3052E0-193B-4471-BAD0-B156ECCE0645}" type="datetimeFigureOut">
               <a:rPr lang="en-IN" smtClean="0"/>
-              <a:t>28-04-2023</a:t>
+              <a:t>30-04-2023</a:t>
             </a:fld>
             <a:endParaRPr lang="en-IN"/>
           </a:p>
@@ -1125,6 +1145,9 @@
   <p:clrMapOvr>
     <a:masterClrMapping/>
   </p:clrMapOvr>
+  <p:transition spd="slow">
+    <p:push/>
+  </p:transition>
 </p:sldLayout>
 </file>
 
@@ -1255,7 +1278,7 @@
           <a:p>
             <a:fld id="{6D3052E0-193B-4471-BAD0-B156ECCE0645}" type="datetimeFigureOut">
               <a:rPr lang="en-IN" smtClean="0"/>
-              <a:t>28-04-2023</a:t>
+              <a:t>30-04-2023</a:t>
             </a:fld>
             <a:endParaRPr lang="en-IN"/>
           </a:p>
@@ -1325,6 +1348,9 @@
   <p:clrMapOvr>
     <a:masterClrMapping/>
   </p:clrMapOvr>
+  <p:transition spd="slow">
+    <p:push/>
+  </p:transition>
 </p:sldLayout>
 </file>
 
@@ -1531,7 +1557,7 @@
           <a:p>
             <a:fld id="{6D3052E0-193B-4471-BAD0-B156ECCE0645}" type="datetimeFigureOut">
               <a:rPr lang="en-IN" smtClean="0"/>
-              <a:t>28-04-2023</a:t>
+              <a:t>30-04-2023</a:t>
             </a:fld>
             <a:endParaRPr lang="en-IN"/>
           </a:p>
@@ -1601,6 +1627,9 @@
   <p:clrMapOvr>
     <a:masterClrMapping/>
   </p:clrMapOvr>
+  <p:transition spd="slow">
+    <p:push/>
+  </p:transition>
 </p:sldLayout>
 </file>
 
@@ -1799,7 +1828,7 @@
           <a:p>
             <a:fld id="{6D3052E0-193B-4471-BAD0-B156ECCE0645}" type="datetimeFigureOut">
               <a:rPr lang="en-IN" smtClean="0"/>
-              <a:t>28-04-2023</a:t>
+              <a:t>30-04-2023</a:t>
             </a:fld>
             <a:endParaRPr lang="en-IN"/>
           </a:p>
@@ -1869,6 +1898,9 @@
   <p:clrMapOvr>
     <a:masterClrMapping/>
   </p:clrMapOvr>
+  <p:transition spd="slow">
+    <p:push/>
+  </p:transition>
 </p:sldLayout>
 </file>
 
@@ -2214,7 +2246,7 @@
           <a:p>
             <a:fld id="{6D3052E0-193B-4471-BAD0-B156ECCE0645}" type="datetimeFigureOut">
               <a:rPr lang="en-IN" smtClean="0"/>
-              <a:t>28-04-2023</a:t>
+              <a:t>30-04-2023</a:t>
             </a:fld>
             <a:endParaRPr lang="en-IN"/>
           </a:p>
@@ -2284,6 +2316,9 @@
   <p:clrMapOvr>
     <a:masterClrMapping/>
   </p:clrMapOvr>
+  <p:transition spd="slow">
+    <p:push/>
+  </p:transition>
 </p:sldLayout>
 </file>
 
@@ -2356,7 +2391,7 @@
           <a:p>
             <a:fld id="{6D3052E0-193B-4471-BAD0-B156ECCE0645}" type="datetimeFigureOut">
               <a:rPr lang="en-IN" smtClean="0"/>
-              <a:t>28-04-2023</a:t>
+              <a:t>30-04-2023</a:t>
             </a:fld>
             <a:endParaRPr lang="en-IN"/>
           </a:p>
@@ -2426,6 +2461,9 @@
   <p:clrMapOvr>
     <a:masterClrMapping/>
   </p:clrMapOvr>
+  <p:transition spd="slow">
+    <p:push/>
+  </p:transition>
 </p:sldLayout>
 </file>
 
@@ -2469,7 +2507,7 @@
           <a:p>
             <a:fld id="{6D3052E0-193B-4471-BAD0-B156ECCE0645}" type="datetimeFigureOut">
               <a:rPr lang="en-IN" smtClean="0"/>
-              <a:t>28-04-2023</a:t>
+              <a:t>30-04-2023</a:t>
             </a:fld>
             <a:endParaRPr lang="en-IN"/>
           </a:p>
@@ -2539,6 +2577,9 @@
   <p:clrMapOvr>
     <a:masterClrMapping/>
   </p:clrMapOvr>
+  <p:transition spd="slow">
+    <p:push/>
+  </p:transition>
 </p:sldLayout>
 </file>
 
@@ -2782,7 +2823,7 @@
           <a:p>
             <a:fld id="{6D3052E0-193B-4471-BAD0-B156ECCE0645}" type="datetimeFigureOut">
               <a:rPr lang="en-IN" smtClean="0"/>
-              <a:t>28-04-2023</a:t>
+              <a:t>30-04-2023</a:t>
             </a:fld>
             <a:endParaRPr lang="en-IN"/>
           </a:p>
@@ -2852,6 +2893,9 @@
   <p:clrMapOvr>
     <a:masterClrMapping/>
   </p:clrMapOvr>
+  <p:transition spd="slow">
+    <p:push/>
+  </p:transition>
 </p:sldLayout>
 </file>
 
@@ -3075,7 +3119,7 @@
           <a:p>
             <a:fld id="{6D3052E0-193B-4471-BAD0-B156ECCE0645}" type="datetimeFigureOut">
               <a:rPr lang="en-IN" smtClean="0"/>
-              <a:t>28-04-2023</a:t>
+              <a:t>30-04-2023</a:t>
             </a:fld>
             <a:endParaRPr lang="en-IN"/>
           </a:p>
@@ -3145,6 +3189,9 @@
   <p:clrMapOvr>
     <a:masterClrMapping/>
   </p:clrMapOvr>
+  <p:transition spd="slow">
+    <p:push/>
+  </p:transition>
 </p:sldLayout>
 </file>
 
@@ -3318,7 +3365,7 @@
           <a:p>
             <a:fld id="{6D3052E0-193B-4471-BAD0-B156ECCE0645}" type="datetimeFigureOut">
               <a:rPr lang="en-IN" smtClean="0"/>
-              <a:t>28-04-2023</a:t>
+              <a:t>30-04-2023</a:t>
             </a:fld>
             <a:endParaRPr lang="en-IN"/>
           </a:p>
@@ -3435,6 +3482,9 @@
     <p:sldLayoutId id="2147483658" r:id="rId10"/>
     <p:sldLayoutId id="2147483659" r:id="rId11"/>
   </p:sldLayoutIdLst>
+  <p:transition spd="slow">
+    <p:push/>
+  </p:transition>
   <p:txStyles>
     <p:titleStyle>
       <a:lvl1pPr algn="l" defTabSz="914400" rtl="0" eaLnBrk="1" latinLnBrk="0" hangingPunct="1">
@@ -4117,6 +4167,9 @@
   <p:clrMapOvr>
     <a:masterClrMapping/>
   </p:clrMapOvr>
+  <p:transition spd="slow">
+    <p:push/>
+  </p:transition>
 </p:sld>
 </file>
 
@@ -4165,7 +4218,7 @@
         </p:blipFill>
         <p:spPr>
           <a:xfrm flipH="1">
-            <a:off x="0" y="0"/>
+            <a:off x="0" y="18088"/>
             <a:ext cx="12192000" cy="6858000"/>
           </a:xfrm>
           <a:prstGeom prst="rect">
@@ -4268,7 +4321,7 @@
         <p:spPr>
           <a:xfrm>
             <a:off x="2499360" y="383848"/>
-            <a:ext cx="8818879" cy="483017"/>
+            <a:ext cx="8818879" cy="482633"/>
           </a:xfrm>
           <a:prstGeom prst="rect">
             <a:avLst/>
@@ -4288,16 +4341,6 @@
                 <a:spcPct val="115000"/>
               </a:lnSpc>
             </a:pPr>
-            <a:r>
-              <a:rPr lang="en-IN" sz="2400" b="1" dirty="0">
-                <a:solidFill>
-                  <a:schemeClr val="bg1"/>
-                </a:solidFill>
-                <a:latin typeface="Times New Roman" panose="02020603050405020304" pitchFamily="18" charset="0"/>
-                <a:ea typeface="Arial" panose="020B0604020202020204" pitchFamily="34" charset="0"/>
-              </a:rPr>
-              <a:t>Back</a:t>
-            </a:r>
             <a:r>
               <a:rPr lang="en-IN" sz="2400" b="1" dirty="0">
                 <a:solidFill>
@@ -4307,19 +4350,16 @@
                 <a:latin typeface="Times New Roman" panose="02020603050405020304" pitchFamily="18" charset="0"/>
                 <a:ea typeface="Arial" panose="020B0604020202020204" pitchFamily="34" charset="0"/>
               </a:rPr>
-              <a:t>-end Development</a:t>
-            </a:r>
-            <a:r>
-              <a:rPr lang="en-IN" sz="1400" dirty="0">
-                <a:solidFill>
-                  <a:schemeClr val="bg1"/>
-                </a:solidFill>
-                <a:effectLst/>
-                <a:latin typeface="Arial" panose="020B0604020202020204" pitchFamily="34" charset="0"/>
-                <a:ea typeface="Arial" panose="020B0604020202020204" pitchFamily="34" charset="0"/>
-              </a:rPr>
-              <a:t> </a:t>
-            </a:r>
+              <a:t>Back-end Development</a:t>
+            </a:r>
+            <a:endParaRPr lang="en-IN" sz="1400" dirty="0">
+              <a:solidFill>
+                <a:schemeClr val="bg1"/>
+              </a:solidFill>
+              <a:effectLst/>
+              <a:latin typeface="Arial" panose="020B0604020202020204" pitchFamily="34" charset="0"/>
+              <a:ea typeface="Arial" panose="020B0604020202020204" pitchFamily="34" charset="0"/>
+            </a:endParaRPr>
           </a:p>
         </p:txBody>
       </p:sp>
@@ -4328,7 +4368,7 @@
           <p:cNvPr id="7" name="TextBox 6">
             <a:extLst>
               <a:ext uri="{FF2B5EF4-FFF2-40B4-BE49-F238E27FC236}">
-                <a16:creationId xmlns:a16="http://schemas.microsoft.com/office/drawing/2014/main" id="{42C9D8A8-1C42-C2FD-EA56-C22FFDE8AF0E}"/>
+                <a16:creationId xmlns:a16="http://schemas.microsoft.com/office/drawing/2014/main" id="{02FB6A81-F334-0D76-10FC-F69162C07E4E}"/>
               </a:ext>
             </a:extLst>
           </p:cNvPr>
@@ -4337,264 +4377,349 @@
         </p:nvSpPr>
         <p:spPr>
           <a:xfrm>
-            <a:off x="4056336" y="1076527"/>
-            <a:ext cx="3730382" cy="392030"/>
+            <a:off x="217505" y="1349647"/>
+            <a:ext cx="11539066" cy="6019789"/>
           </a:xfrm>
           <a:prstGeom prst="rect">
             <a:avLst/>
           </a:prstGeom>
           <a:noFill/>
-          <a:ln w="9525" cap="flat" cmpd="sng" algn="ctr">
-            <a:solidFill>
-              <a:schemeClr val="accent2"/>
-            </a:solidFill>
-            <a:prstDash val="solid"/>
-            <a:round/>
-            <a:headEnd type="none" w="med" len="med"/>
-            <a:tailEnd type="none" w="med" len="med"/>
-          </a:ln>
-        </p:spPr>
-        <p:style>
-          <a:lnRef idx="0">
-            <a:scrgbClr r="0" g="0" b="0"/>
-          </a:lnRef>
-          <a:fillRef idx="0">
-            <a:scrgbClr r="0" g="0" b="0"/>
-          </a:fillRef>
-          <a:effectRef idx="0">
-            <a:scrgbClr r="0" g="0" b="0"/>
-          </a:effectRef>
-          <a:fontRef idx="minor">
-            <a:schemeClr val="accent2"/>
-          </a:fontRef>
-        </p:style>
+        </p:spPr>
         <p:txBody>
           <a:bodyPr wrap="square">
             <a:spAutoFit/>
           </a:bodyPr>
           <a:lstStyle/>
           <a:p>
-            <a:pPr algn="ctr">
+            <a:pPr algn="just">
               <a:lnSpc>
                 <a:spcPct val="115000"/>
               </a:lnSpc>
             </a:pPr>
             <a:r>
-              <a:rPr lang="en-IN" dirty="0">
+              <a:rPr lang="en-US" sz="1600" dirty="0">
+                <a:effectLst>
+                  <a:outerShdw blurRad="38100" dist="38100" dir="2700000" algn="tl">
+                    <a:srgbClr val="000000">
+                      <a:alpha val="43137"/>
+                    </a:srgbClr>
+                  </a:outerShdw>
+                </a:effectLst>
+                <a:latin typeface="Bahnschrift" panose="020B0502040204020203" pitchFamily="34" charset="0"/>
+                <a:ea typeface="Arial" panose="020B0604020202020204" pitchFamily="34" charset="0"/>
+              </a:rPr>
+              <a:t>Programming language</a:t>
+            </a:r>
+            <a:r>
+              <a:rPr lang="en-US" sz="1600" dirty="0">
                 <a:effectLst/>
-                <a:latin typeface="Arial Black" panose="020B0A04020102020204" pitchFamily="34" charset="0"/>
+                <a:latin typeface="Times New Roman" panose="02020603050405020304" pitchFamily="18" charset="0"/>
                 <a:ea typeface="Arial" panose="020B0604020202020204" pitchFamily="34" charset="0"/>
               </a:rPr>
-              <a:t>PROJECT SETUP(Gradle)</a:t>
-            </a:r>
-          </a:p>
-        </p:txBody>
-      </p:sp>
-      <p:pic>
-        <p:nvPicPr>
-          <p:cNvPr id="3" name="Picture 2">
-            <a:extLst>
-              <a:ext uri="{FF2B5EF4-FFF2-40B4-BE49-F238E27FC236}">
-                <a16:creationId xmlns:a16="http://schemas.microsoft.com/office/drawing/2014/main" id="{72D4B2E1-59DD-44F6-7385-713A989D4486}"/>
-              </a:ext>
-            </a:extLst>
-          </p:cNvPr>
-          <p:cNvPicPr>
-            <a:picLocks noChangeAspect="1"/>
-          </p:cNvPicPr>
-          <p:nvPr/>
-        </p:nvPicPr>
-        <p:blipFill>
-          <a:blip r:embed="rId4"/>
-          <a:stretch>
-            <a:fillRect/>
-          </a:stretch>
-        </p:blipFill>
-        <p:spPr>
-          <a:xfrm>
-            <a:off x="113590" y="2012193"/>
-            <a:ext cx="3942746" cy="4227217"/>
-          </a:xfrm>
-          <a:prstGeom prst="rect">
-            <a:avLst/>
-          </a:prstGeom>
-        </p:spPr>
-      </p:pic>
-      <p:pic>
-        <p:nvPicPr>
-          <p:cNvPr id="10" name="Picture 9">
-            <a:extLst>
-              <a:ext uri="{FF2B5EF4-FFF2-40B4-BE49-F238E27FC236}">
-                <a16:creationId xmlns:a16="http://schemas.microsoft.com/office/drawing/2014/main" id="{716824EA-9CA3-B4BD-BA77-BFC78374C2EB}"/>
-              </a:ext>
-            </a:extLst>
-          </p:cNvPr>
-          <p:cNvPicPr>
-            <a:picLocks noChangeAspect="1"/>
-          </p:cNvPicPr>
-          <p:nvPr/>
-        </p:nvPicPr>
-        <p:blipFill>
-          <a:blip r:embed="rId5"/>
-          <a:stretch>
-            <a:fillRect/>
-          </a:stretch>
-        </p:blipFill>
-        <p:spPr>
-          <a:xfrm>
-            <a:off x="4224785" y="2012192"/>
-            <a:ext cx="3742429" cy="4227217"/>
-          </a:xfrm>
-          <a:prstGeom prst="rect">
-            <a:avLst/>
-          </a:prstGeom>
-        </p:spPr>
-      </p:pic>
-      <p:pic>
-        <p:nvPicPr>
-          <p:cNvPr id="12" name="Picture 11">
-            <a:extLst>
-              <a:ext uri="{FF2B5EF4-FFF2-40B4-BE49-F238E27FC236}">
-                <a16:creationId xmlns:a16="http://schemas.microsoft.com/office/drawing/2014/main" id="{3F783ED3-37EF-87E2-2BDD-9793AE911AB4}"/>
-              </a:ext>
-            </a:extLst>
-          </p:cNvPr>
-          <p:cNvPicPr>
-            <a:picLocks noChangeAspect="1"/>
-          </p:cNvPicPr>
-          <p:nvPr/>
-        </p:nvPicPr>
-        <p:blipFill>
-          <a:blip r:embed="rId6"/>
-          <a:stretch>
-            <a:fillRect/>
-          </a:stretch>
-        </p:blipFill>
-        <p:spPr>
-          <a:xfrm>
-            <a:off x="8135663" y="2012192"/>
-            <a:ext cx="3942747" cy="4227217"/>
-          </a:xfrm>
-          <a:prstGeom prst="rect">
-            <a:avLst/>
-          </a:prstGeom>
-        </p:spPr>
-      </p:pic>
-      <p:sp>
-        <p:nvSpPr>
-          <p:cNvPr id="13" name="TextBox 12">
-            <a:extLst>
-              <a:ext uri="{FF2B5EF4-FFF2-40B4-BE49-F238E27FC236}">
-                <a16:creationId xmlns:a16="http://schemas.microsoft.com/office/drawing/2014/main" id="{86F3E2ED-19F7-A36C-0390-FCEFE0633B4B}"/>
-              </a:ext>
-            </a:extLst>
-          </p:cNvPr>
-          <p:cNvSpPr txBox="1"/>
-          <p:nvPr/>
-        </p:nvSpPr>
-        <p:spPr>
-          <a:xfrm>
-            <a:off x="38895" y="1678219"/>
-            <a:ext cx="2067380" cy="369332"/>
-          </a:xfrm>
-          <a:prstGeom prst="rect">
-            <a:avLst/>
-          </a:prstGeom>
-          <a:noFill/>
-        </p:spPr>
-        <p:txBody>
-          <a:bodyPr wrap="square" rtlCol="0">
-            <a:spAutoFit/>
-          </a:bodyPr>
-          <a:lstStyle/>
-          <a:p>
-            <a:r>
-              <a:rPr lang="en-IN" dirty="0"/>
-              <a:t>build.gradle</a:t>
-            </a:r>
-          </a:p>
-        </p:txBody>
-      </p:sp>
-      <p:sp>
-        <p:nvSpPr>
-          <p:cNvPr id="15" name="TextBox 14">
-            <a:extLst>
-              <a:ext uri="{FF2B5EF4-FFF2-40B4-BE49-F238E27FC236}">
-                <a16:creationId xmlns:a16="http://schemas.microsoft.com/office/drawing/2014/main" id="{9834B94D-CAD1-3D6F-8F36-38D85974C825}"/>
-              </a:ext>
-            </a:extLst>
-          </p:cNvPr>
-          <p:cNvSpPr txBox="1"/>
-          <p:nvPr/>
-        </p:nvSpPr>
-        <p:spPr>
-          <a:xfrm>
-            <a:off x="4169926" y="1678219"/>
-            <a:ext cx="2480815" cy="369332"/>
-          </a:xfrm>
-          <a:prstGeom prst="rect">
-            <a:avLst/>
-          </a:prstGeom>
-          <a:noFill/>
-        </p:spPr>
-        <p:txBody>
-          <a:bodyPr wrap="square" rtlCol="0">
-            <a:spAutoFit/>
-          </a:bodyPr>
-          <a:lstStyle/>
-          <a:p>
-            <a:r>
-              <a:rPr lang="en-IN" dirty="0"/>
-              <a:t>application.properties</a:t>
-            </a:r>
-          </a:p>
-        </p:txBody>
-      </p:sp>
-      <p:sp>
-        <p:nvSpPr>
-          <p:cNvPr id="18" name="TextBox 17">
-            <a:extLst>
-              <a:ext uri="{FF2B5EF4-FFF2-40B4-BE49-F238E27FC236}">
-                <a16:creationId xmlns:a16="http://schemas.microsoft.com/office/drawing/2014/main" id="{EF61A0C3-2722-B822-3605-3CE9BE0F6AD9}"/>
-              </a:ext>
-            </a:extLst>
-          </p:cNvPr>
-          <p:cNvSpPr txBox="1"/>
-          <p:nvPr/>
-        </p:nvSpPr>
-        <p:spPr>
-          <a:xfrm>
-            <a:off x="8244113" y="1678219"/>
-            <a:ext cx="3074125" cy="369332"/>
-          </a:xfrm>
-          <a:prstGeom prst="rect">
-            <a:avLst/>
-          </a:prstGeom>
-          <a:noFill/>
-        </p:spPr>
-        <p:txBody>
-          <a:bodyPr wrap="square" rtlCol="0">
-            <a:spAutoFit/>
-          </a:bodyPr>
-          <a:lstStyle/>
-          <a:p>
-            <a:r>
-              <a:rPr lang="en-IN" dirty="0"/>
-              <a:t>Spring boot project setup</a:t>
-            </a:r>
+              <a:t>: Java with Spring Boot, using Spring Data JPA for database communication.</a:t>
+            </a:r>
+          </a:p>
+          <a:p>
+            <a:pPr algn="just">
+              <a:lnSpc>
+                <a:spcPct val="115000"/>
+              </a:lnSpc>
+            </a:pPr>
+            <a:endParaRPr lang="en-US" sz="1600" dirty="0">
+              <a:effectLst/>
+              <a:latin typeface="Times New Roman" panose="02020603050405020304" pitchFamily="18" charset="0"/>
+              <a:ea typeface="Arial" panose="020B0604020202020204" pitchFamily="34" charset="0"/>
+            </a:endParaRPr>
+          </a:p>
+          <a:p>
+            <a:pPr algn="just">
+              <a:lnSpc>
+                <a:spcPct val="115000"/>
+              </a:lnSpc>
+            </a:pPr>
+            <a:r>
+              <a:rPr lang="en-US" sz="1600" dirty="0">
+                <a:effectLst>
+                  <a:outerShdw blurRad="38100" dist="38100" dir="2700000" algn="tl">
+                    <a:srgbClr val="000000">
+                      <a:alpha val="43137"/>
+                    </a:srgbClr>
+                  </a:outerShdw>
+                </a:effectLst>
+                <a:latin typeface="Bahnschrift" panose="020B0502040204020203" pitchFamily="34" charset="0"/>
+                <a:ea typeface="Arial" panose="020B0604020202020204" pitchFamily="34" charset="0"/>
+              </a:rPr>
+              <a:t>Database Schema</a:t>
+            </a:r>
+            <a:r>
+              <a:rPr lang="en-US" sz="1600" dirty="0">
+                <a:latin typeface="Times New Roman" panose="02020603050405020304" pitchFamily="18" charset="0"/>
+                <a:ea typeface="Arial" panose="020B0604020202020204" pitchFamily="34" charset="0"/>
+              </a:rPr>
+              <a:t>: One table named "employee" with columns "employee_id" (int), "employee_name" (varchar(50)), and "employee_date_of_birth" (date).</a:t>
+            </a:r>
+          </a:p>
+          <a:p>
+            <a:pPr algn="just">
+              <a:lnSpc>
+                <a:spcPct val="115000"/>
+              </a:lnSpc>
+            </a:pPr>
+            <a:endParaRPr lang="en-US" sz="1600" dirty="0">
+              <a:effectLst/>
+              <a:latin typeface="Times New Roman" panose="02020603050405020304" pitchFamily="18" charset="0"/>
+              <a:ea typeface="Arial" panose="020B0604020202020204" pitchFamily="34" charset="0"/>
+            </a:endParaRPr>
+          </a:p>
+          <a:p>
+            <a:pPr algn="just">
+              <a:lnSpc>
+                <a:spcPct val="115000"/>
+              </a:lnSpc>
+            </a:pPr>
+            <a:r>
+              <a:rPr lang="en-US" sz="1600" dirty="0">
+                <a:effectLst>
+                  <a:outerShdw blurRad="38100" dist="38100" dir="2700000" algn="tl">
+                    <a:srgbClr val="000000">
+                      <a:alpha val="43137"/>
+                    </a:srgbClr>
+                  </a:outerShdw>
+                </a:effectLst>
+                <a:latin typeface="Bahnschrift" panose="020B0502040204020203" pitchFamily="34" charset="0"/>
+                <a:ea typeface="Arial" panose="020B0604020202020204" pitchFamily="34" charset="0"/>
+              </a:rPr>
+              <a:t>APIs</a:t>
+            </a:r>
+            <a:r>
+              <a:rPr lang="en-US" sz="1600" dirty="0">
+                <a:effectLst/>
+                <a:latin typeface="Times New Roman" panose="02020603050405020304" pitchFamily="18" charset="0"/>
+                <a:ea typeface="Arial" panose="020B0604020202020204" pitchFamily="34" charset="0"/>
+              </a:rPr>
+              <a:t>:   RESTful API with a single endpoint for GET request operations on the employee table. Example endpoint could be:</a:t>
+            </a:r>
+          </a:p>
+          <a:p>
+            <a:pPr algn="just">
+              <a:lnSpc>
+                <a:spcPct val="115000"/>
+              </a:lnSpc>
+            </a:pPr>
+            <a:r>
+              <a:rPr lang="en-US" sz="1600" dirty="0">
+                <a:latin typeface="Times New Roman" panose="02020603050405020304" pitchFamily="18" charset="0"/>
+                <a:ea typeface="Arial" panose="020B0604020202020204" pitchFamily="34" charset="0"/>
+              </a:rPr>
+              <a:t>		GET /employees/{id} - get an employee by ID</a:t>
+            </a:r>
+          </a:p>
+          <a:p>
+            <a:pPr algn="just">
+              <a:lnSpc>
+                <a:spcPct val="115000"/>
+              </a:lnSpc>
+            </a:pPr>
+            <a:endParaRPr lang="en-US" sz="1600" dirty="0">
+              <a:latin typeface="Times New Roman" panose="02020603050405020304" pitchFamily="18" charset="0"/>
+              <a:ea typeface="Arial" panose="020B0604020202020204" pitchFamily="34" charset="0"/>
+            </a:endParaRPr>
+          </a:p>
+          <a:p>
+            <a:pPr algn="just">
+              <a:lnSpc>
+                <a:spcPct val="115000"/>
+              </a:lnSpc>
+            </a:pPr>
+            <a:r>
+              <a:rPr lang="en-US" sz="1600" u="sng" dirty="0">
+                <a:solidFill>
+                  <a:schemeClr val="accent2">
+                    <a:lumMod val="75000"/>
+                  </a:schemeClr>
+                </a:solidFill>
+                <a:latin typeface="Times New Roman" panose="02020603050405020304" pitchFamily="18" charset="0"/>
+                <a:ea typeface="Arial" panose="020B0604020202020204" pitchFamily="34" charset="0"/>
+              </a:rPr>
+              <a:t>BACK-END DEVELOPMENT PROCESS: </a:t>
+            </a:r>
+          </a:p>
+          <a:p>
+            <a:pPr marL="342900" indent="-342900" algn="just">
+              <a:lnSpc>
+                <a:spcPct val="115000"/>
+              </a:lnSpc>
+              <a:buFont typeface="+mj-lt"/>
+              <a:buAutoNum type="arabicPeriod"/>
+            </a:pPr>
+            <a:r>
+              <a:rPr lang="en-US" sz="1600" dirty="0">
+                <a:latin typeface="Times New Roman" panose="02020603050405020304" pitchFamily="18" charset="0"/>
+                <a:ea typeface="Arial" panose="020B0604020202020204" pitchFamily="34" charset="0"/>
+              </a:rPr>
+              <a:t>Define Database Schema: </a:t>
+            </a:r>
+            <a:r>
+              <a:rPr lang="en-US" sz="1630" dirty="0">
+                <a:latin typeface="Times New Roman" panose="02020603050405020304" pitchFamily="18" charset="0"/>
+                <a:ea typeface="Arial" panose="020B0604020202020204" pitchFamily="34" charset="0"/>
+              </a:rPr>
+              <a:t>Define</a:t>
+            </a:r>
+            <a:r>
+              <a:rPr lang="en-US" sz="1600" dirty="0">
+                <a:latin typeface="Times New Roman" panose="02020603050405020304" pitchFamily="18" charset="0"/>
+                <a:ea typeface="Arial" panose="020B0604020202020204" pitchFamily="34" charset="0"/>
+              </a:rPr>
+              <a:t> the database schema for your employee table with the columns mentioned earlier.</a:t>
+            </a:r>
+          </a:p>
+          <a:p>
+            <a:pPr marL="342900" indent="-342900" algn="just">
+              <a:lnSpc>
+                <a:spcPct val="115000"/>
+              </a:lnSpc>
+              <a:buFont typeface="+mj-lt"/>
+              <a:buAutoNum type="arabicPeriod"/>
+            </a:pPr>
+            <a:r>
+              <a:rPr lang="en-US" sz="1600" dirty="0">
+                <a:latin typeface="Times New Roman" panose="02020603050405020304" pitchFamily="18" charset="0"/>
+                <a:ea typeface="Arial" panose="020B0604020202020204" pitchFamily="34" charset="0"/>
+              </a:rPr>
+              <a:t>Create Entity class: Create an entity class with the instance variables matching the column name and data types of employee table.</a:t>
+            </a:r>
+          </a:p>
+          <a:p>
+            <a:pPr marL="342900" indent="-342900" algn="just">
+              <a:lnSpc>
+                <a:spcPct val="115000"/>
+              </a:lnSpc>
+              <a:buFont typeface="+mj-lt"/>
+              <a:buAutoNum type="arabicPeriod"/>
+            </a:pPr>
+            <a:r>
+              <a:rPr lang="en-US" sz="1600" dirty="0">
+                <a:latin typeface="Times New Roman" panose="02020603050405020304" pitchFamily="18" charset="0"/>
+                <a:ea typeface="Arial" panose="020B0604020202020204" pitchFamily="34" charset="0"/>
+              </a:rPr>
+              <a:t>Create JPA repository: Create an EmployeeRepository interface that encapsulates the logic for retrieving employee details from the database.</a:t>
+            </a:r>
+          </a:p>
+          <a:p>
+            <a:pPr marL="342900" indent="-342900" algn="just">
+              <a:lnSpc>
+                <a:spcPct val="115000"/>
+              </a:lnSpc>
+              <a:buFont typeface="+mj-lt"/>
+              <a:buAutoNum type="arabicPeriod"/>
+            </a:pPr>
+            <a:r>
+              <a:rPr lang="en-US" sz="1600" dirty="0">
+                <a:latin typeface="Times New Roman" panose="02020603050405020304" pitchFamily="18" charset="0"/>
+                <a:ea typeface="Arial" panose="020B0604020202020204" pitchFamily="34" charset="0"/>
+              </a:rPr>
+              <a:t>Create a Service class: Create an EmployeeService class that acts as an interface between the DAO and the REST endpoint.</a:t>
+            </a:r>
+          </a:p>
+          <a:p>
+            <a:pPr marL="342900" indent="-342900" algn="just">
+              <a:lnSpc>
+                <a:spcPct val="115000"/>
+              </a:lnSpc>
+              <a:buFont typeface="+mj-lt"/>
+              <a:buAutoNum type="arabicPeriod"/>
+            </a:pPr>
+            <a:r>
+              <a:rPr lang="en-US" sz="1600" dirty="0">
+                <a:latin typeface="Times New Roman" panose="02020603050405020304" pitchFamily="18" charset="0"/>
+                <a:ea typeface="Arial" panose="020B0604020202020204" pitchFamily="34" charset="0"/>
+              </a:rPr>
+              <a:t>Create Controller class: Create an EmployeeController with a single GET endpoint for handling the incoming client requests.</a:t>
+            </a:r>
+          </a:p>
+          <a:p>
+            <a:pPr marL="342900" indent="-342900" algn="just">
+              <a:lnSpc>
+                <a:spcPct val="115000"/>
+              </a:lnSpc>
+              <a:buFont typeface="+mj-lt"/>
+              <a:buAutoNum type="arabicPeriod"/>
+            </a:pPr>
+            <a:r>
+              <a:rPr lang="en-US" sz="1600" dirty="0">
+                <a:latin typeface="Times New Roman" panose="02020603050405020304" pitchFamily="18" charset="0"/>
+                <a:ea typeface="Arial" panose="020B0604020202020204" pitchFamily="34" charset="0"/>
+              </a:rPr>
+              <a:t>Write unit tests: Write JUnit tests to test the functionality of the service class.</a:t>
+            </a:r>
+          </a:p>
+          <a:p>
+            <a:pPr marL="342900" indent="-342900" algn="just">
+              <a:lnSpc>
+                <a:spcPct val="115000"/>
+              </a:lnSpc>
+              <a:buFont typeface="+mj-lt"/>
+              <a:buAutoNum type="arabicPeriod"/>
+            </a:pPr>
+            <a:r>
+              <a:rPr lang="en-US" sz="1600" dirty="0">
+                <a:latin typeface="Times New Roman" panose="02020603050405020304" pitchFamily="18" charset="0"/>
+                <a:ea typeface="Arial" panose="020B0604020202020204" pitchFamily="34" charset="0"/>
+              </a:rPr>
+              <a:t>Deploy the application: Deploy the Spring Boot application to a web server like Tomcat or Jetty, and test the endpoint using a REST client like Postman.</a:t>
+            </a:r>
+          </a:p>
+          <a:p>
+            <a:pPr algn="just">
+              <a:lnSpc>
+                <a:spcPct val="115000"/>
+              </a:lnSpc>
+            </a:pPr>
+            <a:endParaRPr lang="en-US" sz="1600" dirty="0">
+              <a:latin typeface="Times New Roman" panose="02020603050405020304" pitchFamily="18" charset="0"/>
+              <a:ea typeface="Arial" panose="020B0604020202020204" pitchFamily="34" charset="0"/>
+            </a:endParaRPr>
+          </a:p>
+          <a:p>
+            <a:pPr algn="just">
+              <a:lnSpc>
+                <a:spcPct val="115000"/>
+              </a:lnSpc>
+            </a:pPr>
+            <a:endParaRPr lang="en-US" sz="1600" dirty="0">
+              <a:effectLst/>
+              <a:latin typeface="Times New Roman" panose="02020603050405020304" pitchFamily="18" charset="0"/>
+              <a:ea typeface="Arial" panose="020B0604020202020204" pitchFamily="34" charset="0"/>
+            </a:endParaRPr>
+          </a:p>
+          <a:p>
+            <a:pPr algn="just">
+              <a:lnSpc>
+                <a:spcPct val="115000"/>
+              </a:lnSpc>
+            </a:pPr>
+            <a:endParaRPr lang="en-IN" sz="1600" dirty="0">
+              <a:effectLst/>
+              <a:latin typeface="Arial" panose="020B0604020202020204" pitchFamily="34" charset="0"/>
+              <a:ea typeface="Arial" panose="020B0604020202020204" pitchFamily="34" charset="0"/>
+            </a:endParaRPr>
           </a:p>
         </p:txBody>
       </p:sp>
     </p:spTree>
     <p:extLst>
       <p:ext uri="{BB962C8B-B14F-4D97-AF65-F5344CB8AC3E}">
-        <p14:creationId xmlns:p14="http://schemas.microsoft.com/office/powerpoint/2010/main" val="3755091390"/>
+        <p14:creationId xmlns:p14="http://schemas.microsoft.com/office/powerpoint/2010/main" val="41928864"/>
       </p:ext>
     </p:extLst>
   </p:cSld>
   <p:clrMapOvr>
     <a:masterClrMapping/>
   </p:clrMapOvr>
+  <p:transition spd="slow">
+    <p:push/>
+  </p:transition>
 </p:sld>
 </file>
 
@@ -4761,54 +4886,40 @@
           </a:bodyPr>
           <a:lstStyle/>
           <a:p>
-            <a:pPr marL="0" marR="0" lvl="0" indent="0" algn="l" defTabSz="914400" rtl="0" eaLnBrk="1" fontAlgn="auto" latinLnBrk="0" hangingPunct="1">
+            <a:pPr>
               <a:lnSpc>
                 <a:spcPct val="115000"/>
               </a:lnSpc>
-              <a:spcBef>
-                <a:spcPts val="0"/>
-              </a:spcBef>
-              <a:spcAft>
-                <a:spcPts val="0"/>
-              </a:spcAft>
-              <a:buClrTx/>
-              <a:buSzTx/>
-              <a:buFontTx/>
-              <a:buNone/>
-              <a:tabLst/>
-              <a:defRPr/>
             </a:pPr>
             <a:r>
-              <a:rPr kumimoji="0" lang="en-IN" sz="2400" b="1" i="0" u="none" strike="noStrike" kern="1200" cap="none" spc="0" normalizeH="0" baseline="0" noProof="0" dirty="0">
-                <a:ln>
-                  <a:noFill/>
-                </a:ln>
+              <a:rPr lang="en-IN" sz="2400" b="1" dirty="0">
                 <a:solidFill>
-                  <a:prstClr val="white"/>
+                  <a:schemeClr val="bg1"/>
+                </a:solidFill>
+                <a:latin typeface="Times New Roman" panose="02020603050405020304" pitchFamily="18" charset="0"/>
+                <a:ea typeface="Arial" panose="020B0604020202020204" pitchFamily="34" charset="0"/>
+              </a:rPr>
+              <a:t>Back</a:t>
+            </a:r>
+            <a:r>
+              <a:rPr lang="en-IN" sz="2400" b="1" dirty="0">
+                <a:solidFill>
+                  <a:schemeClr val="bg1"/>
                 </a:solidFill>
                 <a:effectLst/>
-                <a:uLnTx/>
-                <a:uFillTx/>
                 <a:latin typeface="Times New Roman" panose="02020603050405020304" pitchFamily="18" charset="0"/>
                 <a:ea typeface="Arial" panose="020B0604020202020204" pitchFamily="34" charset="0"/>
-                <a:cs typeface="+mn-cs"/>
-              </a:rPr>
-              <a:t>Back-end Development</a:t>
-            </a:r>
-            <a:r>
-              <a:rPr kumimoji="0" lang="en-IN" sz="1400" b="0" i="0" u="none" strike="noStrike" kern="1200" cap="none" spc="0" normalizeH="0" baseline="0" noProof="0" dirty="0">
-                <a:ln>
-                  <a:noFill/>
-                </a:ln>
+              </a:rPr>
+              <a:t>-end Development</a:t>
+            </a:r>
+            <a:r>
+              <a:rPr lang="en-IN" sz="1400" dirty="0">
                 <a:solidFill>
-                  <a:prstClr val="white"/>
+                  <a:schemeClr val="bg1"/>
                 </a:solidFill>
                 <a:effectLst/>
-                <a:uLnTx/>
-                <a:uFillTx/>
                 <a:latin typeface="Arial" panose="020B0604020202020204" pitchFamily="34" charset="0"/>
                 <a:ea typeface="Arial" panose="020B0604020202020204" pitchFamily="34" charset="0"/>
-                <a:cs typeface="+mn-cs"/>
               </a:rPr>
               <a:t> </a:t>
             </a:r>
@@ -4829,7 +4940,7 @@
         </p:nvSpPr>
         <p:spPr>
           <a:xfrm>
-            <a:off x="4230809" y="945134"/>
+            <a:off x="4056336" y="1076527"/>
             <a:ext cx="3730382" cy="392030"/>
           </a:xfrm>
           <a:prstGeom prst="rect">
@@ -4866,49 +4977,28 @@
           </a:bodyPr>
           <a:lstStyle/>
           <a:p>
-            <a:pPr marL="0" marR="0" lvl="0" indent="0" algn="ctr" defTabSz="914400" rtl="0" eaLnBrk="1" fontAlgn="auto" latinLnBrk="0" hangingPunct="1">
+            <a:pPr algn="ctr">
               <a:lnSpc>
                 <a:spcPct val="115000"/>
               </a:lnSpc>
-              <a:spcBef>
-                <a:spcPts val="0"/>
-              </a:spcBef>
-              <a:spcAft>
-                <a:spcPts val="0"/>
-              </a:spcAft>
-              <a:buClrTx/>
-              <a:buSzTx/>
-              <a:buFontTx/>
-              <a:buNone/>
-              <a:tabLst/>
-              <a:defRPr/>
             </a:pPr>
             <a:r>
-              <a:rPr kumimoji="0" lang="en-IN" sz="1800" b="0" i="0" u="none" strike="noStrike" kern="1200" cap="none" spc="0" normalizeH="0" baseline="0" noProof="0" dirty="0">
-                <a:ln>
-                  <a:noFill/>
-                </a:ln>
-                <a:solidFill>
-                  <a:srgbClr val="ED7D31"/>
-                </a:solidFill>
+              <a:rPr lang="en-IN" dirty="0">
                 <a:effectLst/>
-                <a:uLnTx/>
-                <a:uFillTx/>
                 <a:latin typeface="Arial Black" panose="020B0A04020102020204" pitchFamily="34" charset="0"/>
                 <a:ea typeface="Arial" panose="020B0604020202020204" pitchFamily="34" charset="0"/>
-                <a:cs typeface="+mn-cs"/>
-              </a:rPr>
-              <a:t>DATABASE SETUP</a:t>
+              </a:rPr>
+              <a:t>PROJECT SETUP(Gradle)</a:t>
             </a:r>
           </a:p>
         </p:txBody>
       </p:sp>
       <p:pic>
         <p:nvPicPr>
-          <p:cNvPr id="9" name="Picture 8">
-            <a:extLst>
-              <a:ext uri="{FF2B5EF4-FFF2-40B4-BE49-F238E27FC236}">
-                <a16:creationId xmlns:a16="http://schemas.microsoft.com/office/drawing/2014/main" id="{4DE68276-4598-B1E0-9565-4F26B1893786}"/>
+          <p:cNvPr id="3" name="Picture 2">
+            <a:extLst>
+              <a:ext uri="{FF2B5EF4-FFF2-40B4-BE49-F238E27FC236}">
+                <a16:creationId xmlns:a16="http://schemas.microsoft.com/office/drawing/2014/main" id="{72D4B2E1-59DD-44F6-7385-713A989D4486}"/>
               </a:ext>
             </a:extLst>
           </p:cNvPr>
@@ -4925,24 +5015,192 @@
         </p:blipFill>
         <p:spPr>
           <a:xfrm>
-            <a:off x="326572" y="1515346"/>
-            <a:ext cx="11538855" cy="5164472"/>
+            <a:off x="113590" y="2012193"/>
+            <a:ext cx="3942746" cy="4227217"/>
           </a:xfrm>
           <a:prstGeom prst="rect">
             <a:avLst/>
           </a:prstGeom>
         </p:spPr>
       </p:pic>
+      <p:pic>
+        <p:nvPicPr>
+          <p:cNvPr id="10" name="Picture 9">
+            <a:extLst>
+              <a:ext uri="{FF2B5EF4-FFF2-40B4-BE49-F238E27FC236}">
+                <a16:creationId xmlns:a16="http://schemas.microsoft.com/office/drawing/2014/main" id="{716824EA-9CA3-B4BD-BA77-BFC78374C2EB}"/>
+              </a:ext>
+            </a:extLst>
+          </p:cNvPr>
+          <p:cNvPicPr>
+            <a:picLocks noChangeAspect="1"/>
+          </p:cNvPicPr>
+          <p:nvPr/>
+        </p:nvPicPr>
+        <p:blipFill>
+          <a:blip r:embed="rId5"/>
+          <a:stretch>
+            <a:fillRect/>
+          </a:stretch>
+        </p:blipFill>
+        <p:spPr>
+          <a:xfrm>
+            <a:off x="4224785" y="2012192"/>
+            <a:ext cx="3742429" cy="4227217"/>
+          </a:xfrm>
+          <a:prstGeom prst="rect">
+            <a:avLst/>
+          </a:prstGeom>
+        </p:spPr>
+      </p:pic>
+      <p:pic>
+        <p:nvPicPr>
+          <p:cNvPr id="12" name="Picture 11">
+            <a:extLst>
+              <a:ext uri="{FF2B5EF4-FFF2-40B4-BE49-F238E27FC236}">
+                <a16:creationId xmlns:a16="http://schemas.microsoft.com/office/drawing/2014/main" id="{3F783ED3-37EF-87E2-2BDD-9793AE911AB4}"/>
+              </a:ext>
+            </a:extLst>
+          </p:cNvPr>
+          <p:cNvPicPr>
+            <a:picLocks noChangeAspect="1"/>
+          </p:cNvPicPr>
+          <p:nvPr/>
+        </p:nvPicPr>
+        <p:blipFill>
+          <a:blip r:embed="rId6"/>
+          <a:stretch>
+            <a:fillRect/>
+          </a:stretch>
+        </p:blipFill>
+        <p:spPr>
+          <a:xfrm>
+            <a:off x="8135663" y="2012192"/>
+            <a:ext cx="3942747" cy="4227217"/>
+          </a:xfrm>
+          <a:prstGeom prst="rect">
+            <a:avLst/>
+          </a:prstGeom>
+        </p:spPr>
+      </p:pic>
+      <p:sp>
+        <p:nvSpPr>
+          <p:cNvPr id="13" name="TextBox 12">
+            <a:extLst>
+              <a:ext uri="{FF2B5EF4-FFF2-40B4-BE49-F238E27FC236}">
+                <a16:creationId xmlns:a16="http://schemas.microsoft.com/office/drawing/2014/main" id="{86F3E2ED-19F7-A36C-0390-FCEFE0633B4B}"/>
+              </a:ext>
+            </a:extLst>
+          </p:cNvPr>
+          <p:cNvSpPr txBox="1"/>
+          <p:nvPr/>
+        </p:nvSpPr>
+        <p:spPr>
+          <a:xfrm>
+            <a:off x="38895" y="1678219"/>
+            <a:ext cx="2067380" cy="369332"/>
+          </a:xfrm>
+          <a:prstGeom prst="rect">
+            <a:avLst/>
+          </a:prstGeom>
+          <a:noFill/>
+        </p:spPr>
+        <p:txBody>
+          <a:bodyPr wrap="square" rtlCol="0">
+            <a:spAutoFit/>
+          </a:bodyPr>
+          <a:lstStyle/>
+          <a:p>
+            <a:r>
+              <a:rPr lang="en-IN" dirty="0"/>
+              <a:t>build.gradle</a:t>
+            </a:r>
+          </a:p>
+        </p:txBody>
+      </p:sp>
+      <p:sp>
+        <p:nvSpPr>
+          <p:cNvPr id="15" name="TextBox 14">
+            <a:extLst>
+              <a:ext uri="{FF2B5EF4-FFF2-40B4-BE49-F238E27FC236}">
+                <a16:creationId xmlns:a16="http://schemas.microsoft.com/office/drawing/2014/main" id="{9834B94D-CAD1-3D6F-8F36-38D85974C825}"/>
+              </a:ext>
+            </a:extLst>
+          </p:cNvPr>
+          <p:cNvSpPr txBox="1"/>
+          <p:nvPr/>
+        </p:nvSpPr>
+        <p:spPr>
+          <a:xfrm>
+            <a:off x="4169926" y="1678219"/>
+            <a:ext cx="2480815" cy="369332"/>
+          </a:xfrm>
+          <a:prstGeom prst="rect">
+            <a:avLst/>
+          </a:prstGeom>
+          <a:noFill/>
+        </p:spPr>
+        <p:txBody>
+          <a:bodyPr wrap="square" rtlCol="0">
+            <a:spAutoFit/>
+          </a:bodyPr>
+          <a:lstStyle/>
+          <a:p>
+            <a:r>
+              <a:rPr lang="en-IN" dirty="0"/>
+              <a:t>application.properties</a:t>
+            </a:r>
+          </a:p>
+        </p:txBody>
+      </p:sp>
+      <p:sp>
+        <p:nvSpPr>
+          <p:cNvPr id="18" name="TextBox 17">
+            <a:extLst>
+              <a:ext uri="{FF2B5EF4-FFF2-40B4-BE49-F238E27FC236}">
+                <a16:creationId xmlns:a16="http://schemas.microsoft.com/office/drawing/2014/main" id="{EF61A0C3-2722-B822-3605-3CE9BE0F6AD9}"/>
+              </a:ext>
+            </a:extLst>
+          </p:cNvPr>
+          <p:cNvSpPr txBox="1"/>
+          <p:nvPr/>
+        </p:nvSpPr>
+        <p:spPr>
+          <a:xfrm>
+            <a:off x="8244113" y="1678219"/>
+            <a:ext cx="3074125" cy="369332"/>
+          </a:xfrm>
+          <a:prstGeom prst="rect">
+            <a:avLst/>
+          </a:prstGeom>
+          <a:noFill/>
+        </p:spPr>
+        <p:txBody>
+          <a:bodyPr wrap="square" rtlCol="0">
+            <a:spAutoFit/>
+          </a:bodyPr>
+          <a:lstStyle/>
+          <a:p>
+            <a:r>
+              <a:rPr lang="en-IN" dirty="0"/>
+              <a:t>Spring boot project setup</a:t>
+            </a:r>
+          </a:p>
+        </p:txBody>
+      </p:sp>
     </p:spTree>
     <p:extLst>
       <p:ext uri="{BB962C8B-B14F-4D97-AF65-F5344CB8AC3E}">
-        <p14:creationId xmlns:p14="http://schemas.microsoft.com/office/powerpoint/2010/main" val="964845552"/>
+        <p14:creationId xmlns:p14="http://schemas.microsoft.com/office/powerpoint/2010/main" val="3755091390"/>
       </p:ext>
     </p:extLst>
   </p:cSld>
   <p:clrMapOvr>
     <a:masterClrMapping/>
   </p:clrMapOvr>
+  <p:transition spd="slow">
+    <p:push/>
+  </p:transition>
 </p:sld>
 </file>
 
@@ -4991,7 +5249,7 @@
         </p:blipFill>
         <p:spPr>
           <a:xfrm flipH="1">
-            <a:off x="0" y="-20320"/>
+            <a:off x="0" y="0"/>
             <a:ext cx="12192000" cy="6858000"/>
           </a:xfrm>
           <a:prstGeom prst="rect">
@@ -5109,19 +5367,56 @@
           </a:bodyPr>
           <a:lstStyle/>
           <a:p>
-            <a:pPr>
+            <a:pPr marL="0" marR="0" lvl="0" indent="0" algn="l" defTabSz="914400" rtl="0" eaLnBrk="1" fontAlgn="auto" latinLnBrk="0" hangingPunct="1">
               <a:lnSpc>
                 <a:spcPct val="115000"/>
               </a:lnSpc>
+              <a:spcBef>
+                <a:spcPts val="0"/>
+              </a:spcBef>
+              <a:spcAft>
+                <a:spcPts val="0"/>
+              </a:spcAft>
+              <a:buClrTx/>
+              <a:buSzTx/>
+              <a:buFontTx/>
+              <a:buNone/>
+              <a:tabLst/>
+              <a:defRPr/>
             </a:pPr>
             <a:r>
-              <a:rPr lang="en-IN" sz="2400" b="1" dirty="0">
+              <a:rPr kumimoji="0" lang="en-IN" sz="2400" b="1" i="0" u="none" strike="noStrike" kern="1200" cap="none" spc="0" normalizeH="0" baseline="0" noProof="0" dirty="0">
+                <a:ln>
+                  <a:noFill/>
+                </a:ln>
                 <a:solidFill>
-                  <a:schemeClr val="bg1"/>
+                  <a:prstClr val="white"/>
                 </a:solidFill>
+                <a:effectLst/>
+                <a:uLnTx/>
+                <a:uFillTx/>
                 <a:latin typeface="Times New Roman" panose="02020603050405020304" pitchFamily="18" charset="0"/>
-              </a:rPr>
-              <a:t>Integration and Testing</a:t>
+                <a:ea typeface="Arial" panose="020B0604020202020204" pitchFamily="34" charset="0"/>
+                <a:cs typeface="+mn-cs"/>
+              </a:rPr>
+              <a:t>Back-end Development</a:t>
+            </a:r>
+            <a:r>
+              <a:rPr kumimoji="0" lang="en-IN" sz="1400" b="0" i="0" u="none" strike="noStrike" kern="1200" cap="none" spc="0" normalizeH="0" baseline="0" noProof="0" dirty="0">
+                <a:ln>
+                  <a:noFill/>
+                </a:ln>
+                <a:solidFill>
+                  <a:prstClr val="white"/>
+                </a:solidFill>
+                <a:effectLst/>
+                <a:uLnTx/>
+                <a:uFillTx/>
+                <a:latin typeface="Arial" panose="020B0604020202020204" pitchFamily="34" charset="0"/>
+                <a:ea typeface="Arial" panose="020B0604020202020204" pitchFamily="34" charset="0"/>
+                <a:cs typeface="+mn-cs"/>
+              </a:rPr>
+              <a:t> </a:t>
             </a:r>
           </a:p>
         </p:txBody>
@@ -5131,7 +5426,7 @@
           <p:cNvPr id="7" name="TextBox 6">
             <a:extLst>
               <a:ext uri="{FF2B5EF4-FFF2-40B4-BE49-F238E27FC236}">
-                <a16:creationId xmlns:a16="http://schemas.microsoft.com/office/drawing/2014/main" id="{7A00B694-CE8C-1B3C-6470-234A7FE34C41}"/>
+                <a16:creationId xmlns:a16="http://schemas.microsoft.com/office/drawing/2014/main" id="{42C9D8A8-1C42-C2FD-EA56-C22FFDE8AF0E}"/>
               </a:ext>
             </a:extLst>
           </p:cNvPr>
@@ -5140,25 +5435,35 @@
         </p:nvSpPr>
         <p:spPr>
           <a:xfrm>
-            <a:off x="3364048" y="1271033"/>
-            <a:ext cx="5026660" cy="392030"/>
-          </a:xfrm>
-          <a:prstGeom prst="rect">
-            <a:avLst/>
-          </a:prstGeom>
+            <a:off x="4230809" y="945134"/>
+            <a:ext cx="3730382" cy="392030"/>
+          </a:xfrm>
+          <a:prstGeom prst="rect">
+            <a:avLst/>
+          </a:prstGeom>
+          <a:noFill/>
+          <a:ln w="9525" cap="flat" cmpd="sng" algn="ctr">
+            <a:solidFill>
+              <a:schemeClr val="accent2"/>
+            </a:solidFill>
+            <a:prstDash val="solid"/>
+            <a:round/>
+            <a:headEnd type="none" w="med" len="med"/>
+            <a:tailEnd type="none" w="med" len="med"/>
+          </a:ln>
         </p:spPr>
         <p:style>
-          <a:lnRef idx="1">
-            <a:schemeClr val="accent2"/>
+          <a:lnRef idx="0">
+            <a:scrgbClr r="0" g="0" b="0"/>
           </a:lnRef>
-          <a:fillRef idx="2">
-            <a:schemeClr val="accent2"/>
+          <a:fillRef idx="0">
+            <a:scrgbClr r="0" g="0" b="0"/>
           </a:fillRef>
-          <a:effectRef idx="1">
-            <a:schemeClr val="accent2"/>
+          <a:effectRef idx="0">
+            <a:scrgbClr r="0" g="0" b="0"/>
           </a:effectRef>
           <a:fontRef idx="minor">
-            <a:schemeClr val="dk1"/>
+            <a:schemeClr val="accent2"/>
           </a:fontRef>
         </p:style>
         <p:txBody>
@@ -5167,145 +5472,86 @@
           </a:bodyPr>
           <a:lstStyle/>
           <a:p>
-            <a:pPr algn="ctr">
+            <a:pPr marL="0" marR="0" lvl="0" indent="0" algn="ctr" defTabSz="914400" rtl="0" eaLnBrk="1" fontAlgn="auto" latinLnBrk="0" hangingPunct="1">
               <a:lnSpc>
                 <a:spcPct val="115000"/>
               </a:lnSpc>
+              <a:spcBef>
+                <a:spcPts val="0"/>
+              </a:spcBef>
+              <a:spcAft>
+                <a:spcPts val="0"/>
+              </a:spcAft>
+              <a:buClrTx/>
+              <a:buSzTx/>
+              <a:buFontTx/>
+              <a:buNone/>
+              <a:tabLst/>
+              <a:defRPr/>
             </a:pPr>
             <a:r>
-              <a:rPr lang="en-IN" sz="1800" dirty="0">
+              <a:rPr kumimoji="0" lang="en-IN" sz="1800" b="0" i="0" u="none" strike="noStrike" kern="1200" cap="none" spc="0" normalizeH="0" baseline="0" noProof="0" dirty="0">
+                <a:ln>
+                  <a:noFill/>
+                </a:ln>
+                <a:solidFill>
+                  <a:srgbClr val="ED7D31"/>
+                </a:solidFill>
                 <a:effectLst/>
+                <a:uLnTx/>
+                <a:uFillTx/>
                 <a:latin typeface="Arial Black" panose="020B0A04020102020204" pitchFamily="34" charset="0"/>
                 <a:ea typeface="Arial" panose="020B0604020202020204" pitchFamily="34" charset="0"/>
-              </a:rPr>
-              <a:t>Unit Testing</a:t>
-            </a:r>
-            <a:endParaRPr lang="en-IN" sz="1400" dirty="0">
-              <a:effectLst/>
-              <a:latin typeface="Arial Black" panose="020B0A04020102020204" pitchFamily="34" charset="0"/>
-              <a:ea typeface="Arial" panose="020B0604020202020204" pitchFamily="34" charset="0"/>
-            </a:endParaRPr>
+                <a:cs typeface="+mn-cs"/>
+              </a:rPr>
+              <a:t>DATABASE SETUP</a:t>
+            </a:r>
           </a:p>
         </p:txBody>
       </p:sp>
-      <p:sp>
-        <p:nvSpPr>
-          <p:cNvPr id="3" name="TextBox 2">
-            <a:extLst>
-              <a:ext uri="{FF2B5EF4-FFF2-40B4-BE49-F238E27FC236}">
-                <a16:creationId xmlns:a16="http://schemas.microsoft.com/office/drawing/2014/main" id="{9BC39EBA-529F-6C60-1181-DA2DE262E4D9}"/>
-              </a:ext>
-            </a:extLst>
-          </p:cNvPr>
-          <p:cNvSpPr txBox="1"/>
-          <p:nvPr/>
-        </p:nvSpPr>
-        <p:spPr>
-          <a:xfrm>
-            <a:off x="740229" y="2119086"/>
-            <a:ext cx="10885712" cy="3970318"/>
-          </a:xfrm>
-          <a:prstGeom prst="rect">
-            <a:avLst/>
-          </a:prstGeom>
-          <a:noFill/>
-        </p:spPr>
-        <p:txBody>
-          <a:bodyPr wrap="square" rtlCol="0">
-            <a:spAutoFit/>
-          </a:bodyPr>
-          <a:lstStyle/>
-          <a:p>
-            <a:pPr marL="285750" indent="-285750">
-              <a:buFont typeface="Arial" panose="020B0604020202020204" pitchFamily="34" charset="0"/>
-              <a:buChar char="•"/>
-            </a:pPr>
-            <a:r>
-              <a:rPr lang="en-US" dirty="0"/>
-              <a:t>Early bug detection: Unit tests help detect bugs early in the development process, making it easier and less expensive to fix them.</a:t>
-            </a:r>
-          </a:p>
-          <a:p>
-            <a:pPr marL="285750" indent="-285750">
-              <a:buFont typeface="Arial" panose="020B0604020202020204" pitchFamily="34" charset="0"/>
-              <a:buChar char="•"/>
-            </a:pPr>
-            <a:endParaRPr lang="en-US" dirty="0"/>
-          </a:p>
-          <a:p>
-            <a:pPr marL="285750" indent="-285750">
-              <a:buFont typeface="Arial" panose="020B0604020202020204" pitchFamily="34" charset="0"/>
-              <a:buChar char="•"/>
-            </a:pPr>
-            <a:r>
-              <a:rPr lang="en-US" dirty="0"/>
-              <a:t>Code quality improvement: Writing unit tests forces developers to write more modular, reusable, and maintainable code.</a:t>
-            </a:r>
-          </a:p>
-          <a:p>
-            <a:pPr marL="285750" indent="-285750">
-              <a:buFont typeface="Arial" panose="020B0604020202020204" pitchFamily="34" charset="0"/>
-              <a:buChar char="•"/>
-            </a:pPr>
-            <a:endParaRPr lang="en-US" dirty="0"/>
-          </a:p>
-          <a:p>
-            <a:pPr marL="285750" indent="-285750">
-              <a:buFont typeface="Arial" panose="020B0604020202020204" pitchFamily="34" charset="0"/>
-              <a:buChar char="•"/>
-            </a:pPr>
-            <a:r>
-              <a:rPr lang="en-US" dirty="0"/>
-              <a:t>Refactoring support: Unit tests provide a safety net when refactoring code, ensuring that changes to one part of the codebase do not break other parts.</a:t>
-            </a:r>
-          </a:p>
-          <a:p>
-            <a:pPr marL="285750" indent="-285750">
-              <a:buFont typeface="Arial" panose="020B0604020202020204" pitchFamily="34" charset="0"/>
-              <a:buChar char="•"/>
-            </a:pPr>
-            <a:endParaRPr lang="en-US" dirty="0"/>
-          </a:p>
-          <a:p>
-            <a:pPr marL="285750" indent="-285750">
-              <a:buFont typeface="Arial" panose="020B0604020202020204" pitchFamily="34" charset="0"/>
-              <a:buChar char="•"/>
-            </a:pPr>
-            <a:r>
-              <a:rPr lang="en-US" dirty="0"/>
-              <a:t>Regression testing: Unit tests help prevent regression issues by providing a suite of tests that can be run after changes are made to the code.</a:t>
-            </a:r>
-          </a:p>
-          <a:p>
-            <a:pPr marL="285750" indent="-285750">
-              <a:buFont typeface="Arial" panose="020B0604020202020204" pitchFamily="34" charset="0"/>
-              <a:buChar char="•"/>
-            </a:pPr>
-            <a:endParaRPr lang="en-US" dirty="0"/>
-          </a:p>
-          <a:p>
-            <a:pPr marL="285750" indent="-285750">
-              <a:buFont typeface="Arial" panose="020B0604020202020204" pitchFamily="34" charset="0"/>
-              <a:buChar char="•"/>
-            </a:pPr>
-            <a:r>
-              <a:rPr lang="en-US" dirty="0"/>
-              <a:t>Documentation: Unit tests serve as a form of documentation, providing examples of how the code should be used and what its expected behavior is.</a:t>
-            </a:r>
-            <a:endParaRPr lang="en-IN" dirty="0"/>
-          </a:p>
-        </p:txBody>
-      </p:sp>
+      <p:pic>
+        <p:nvPicPr>
+          <p:cNvPr id="3" name="Picture 2">
+            <a:extLst>
+              <a:ext uri="{FF2B5EF4-FFF2-40B4-BE49-F238E27FC236}">
+                <a16:creationId xmlns:a16="http://schemas.microsoft.com/office/drawing/2014/main" id="{C5821FFF-C7B4-BAE7-1A24-41CDB05FFFE4}"/>
+              </a:ext>
+            </a:extLst>
+          </p:cNvPr>
+          <p:cNvPicPr>
+            <a:picLocks noChangeAspect="1"/>
+          </p:cNvPicPr>
+          <p:nvPr/>
+        </p:nvPicPr>
+        <p:blipFill>
+          <a:blip r:embed="rId4"/>
+          <a:stretch>
+            <a:fillRect/>
+          </a:stretch>
+        </p:blipFill>
+        <p:spPr>
+          <a:xfrm>
+            <a:off x="217610" y="1474270"/>
+            <a:ext cx="11756780" cy="5383730"/>
+          </a:xfrm>
+          <a:prstGeom prst="rect">
+            <a:avLst/>
+          </a:prstGeom>
+        </p:spPr>
+      </p:pic>
     </p:spTree>
     <p:extLst>
       <p:ext uri="{BB962C8B-B14F-4D97-AF65-F5344CB8AC3E}">
-        <p14:creationId xmlns:p14="http://schemas.microsoft.com/office/powerpoint/2010/main" val="3984528251"/>
+        <p14:creationId xmlns:p14="http://schemas.microsoft.com/office/powerpoint/2010/main" val="964845552"/>
       </p:ext>
     </p:extLst>
   </p:cSld>
   <p:clrMapOvr>
     <a:masterClrMapping/>
   </p:clrMapOvr>
+  <p:transition spd="slow">
+    <p:push/>
+  </p:transition>
 </p:sld>
 </file>
 
@@ -5472,6 +5718,372 @@
           </a:bodyPr>
           <a:lstStyle/>
           <a:p>
+            <a:pPr>
+              <a:lnSpc>
+                <a:spcPct val="115000"/>
+              </a:lnSpc>
+            </a:pPr>
+            <a:r>
+              <a:rPr lang="en-IN" sz="2400" b="1" dirty="0">
+                <a:solidFill>
+                  <a:schemeClr val="bg1"/>
+                </a:solidFill>
+                <a:latin typeface="Times New Roman" panose="02020603050405020304" pitchFamily="18" charset="0"/>
+              </a:rPr>
+              <a:t>Integration and Testing</a:t>
+            </a:r>
+          </a:p>
+        </p:txBody>
+      </p:sp>
+      <p:sp>
+        <p:nvSpPr>
+          <p:cNvPr id="7" name="TextBox 6">
+            <a:extLst>
+              <a:ext uri="{FF2B5EF4-FFF2-40B4-BE49-F238E27FC236}">
+                <a16:creationId xmlns:a16="http://schemas.microsoft.com/office/drawing/2014/main" id="{7A00B694-CE8C-1B3C-6470-234A7FE34C41}"/>
+              </a:ext>
+            </a:extLst>
+          </p:cNvPr>
+          <p:cNvSpPr txBox="1"/>
+          <p:nvPr/>
+        </p:nvSpPr>
+        <p:spPr>
+          <a:xfrm>
+            <a:off x="3364048" y="1271033"/>
+            <a:ext cx="5026660" cy="392030"/>
+          </a:xfrm>
+          <a:prstGeom prst="rect">
+            <a:avLst/>
+          </a:prstGeom>
+        </p:spPr>
+        <p:style>
+          <a:lnRef idx="1">
+            <a:schemeClr val="accent2"/>
+          </a:lnRef>
+          <a:fillRef idx="2">
+            <a:schemeClr val="accent2"/>
+          </a:fillRef>
+          <a:effectRef idx="1">
+            <a:schemeClr val="accent2"/>
+          </a:effectRef>
+          <a:fontRef idx="minor">
+            <a:schemeClr val="dk1"/>
+          </a:fontRef>
+        </p:style>
+        <p:txBody>
+          <a:bodyPr wrap="square">
+            <a:spAutoFit/>
+          </a:bodyPr>
+          <a:lstStyle/>
+          <a:p>
+            <a:pPr algn="ctr">
+              <a:lnSpc>
+                <a:spcPct val="115000"/>
+              </a:lnSpc>
+            </a:pPr>
+            <a:r>
+              <a:rPr lang="en-IN" sz="1800" dirty="0">
+                <a:effectLst/>
+                <a:latin typeface="Arial Black" panose="020B0A04020102020204" pitchFamily="34" charset="0"/>
+                <a:ea typeface="Arial" panose="020B0604020202020204" pitchFamily="34" charset="0"/>
+              </a:rPr>
+              <a:t>Unit Testing</a:t>
+            </a:r>
+            <a:endParaRPr lang="en-IN" sz="1400" dirty="0">
+              <a:effectLst/>
+              <a:latin typeface="Arial Black" panose="020B0A04020102020204" pitchFamily="34" charset="0"/>
+              <a:ea typeface="Arial" panose="020B0604020202020204" pitchFamily="34" charset="0"/>
+            </a:endParaRPr>
+          </a:p>
+        </p:txBody>
+      </p:sp>
+      <p:sp>
+        <p:nvSpPr>
+          <p:cNvPr id="3" name="TextBox 2">
+            <a:extLst>
+              <a:ext uri="{FF2B5EF4-FFF2-40B4-BE49-F238E27FC236}">
+                <a16:creationId xmlns:a16="http://schemas.microsoft.com/office/drawing/2014/main" id="{9BC39EBA-529F-6C60-1181-DA2DE262E4D9}"/>
+              </a:ext>
+            </a:extLst>
+          </p:cNvPr>
+          <p:cNvSpPr txBox="1"/>
+          <p:nvPr/>
+        </p:nvSpPr>
+        <p:spPr>
+          <a:xfrm>
+            <a:off x="740229" y="2119086"/>
+            <a:ext cx="10885712" cy="3970318"/>
+          </a:xfrm>
+          <a:prstGeom prst="rect">
+            <a:avLst/>
+          </a:prstGeom>
+          <a:noFill/>
+        </p:spPr>
+        <p:txBody>
+          <a:bodyPr wrap="square" rtlCol="0">
+            <a:spAutoFit/>
+          </a:bodyPr>
+          <a:lstStyle/>
+          <a:p>
+            <a:pPr marL="285750" indent="-285750">
+              <a:buFont typeface="Arial" panose="020B0604020202020204" pitchFamily="34" charset="0"/>
+              <a:buChar char="•"/>
+            </a:pPr>
+            <a:r>
+              <a:rPr lang="en-US" dirty="0"/>
+              <a:t>Early bug detection: Unit tests help detect bugs early in the development process, making it easier and less expensive to fix them.</a:t>
+            </a:r>
+          </a:p>
+          <a:p>
+            <a:pPr marL="285750" indent="-285750">
+              <a:buFont typeface="Arial" panose="020B0604020202020204" pitchFamily="34" charset="0"/>
+              <a:buChar char="•"/>
+            </a:pPr>
+            <a:endParaRPr lang="en-US" dirty="0"/>
+          </a:p>
+          <a:p>
+            <a:pPr marL="285750" indent="-285750">
+              <a:buFont typeface="Arial" panose="020B0604020202020204" pitchFamily="34" charset="0"/>
+              <a:buChar char="•"/>
+            </a:pPr>
+            <a:r>
+              <a:rPr lang="en-US" dirty="0"/>
+              <a:t>Code quality improvement: Writing unit tests forces developers to write more modular, reusable, and maintainable code.</a:t>
+            </a:r>
+          </a:p>
+          <a:p>
+            <a:pPr marL="285750" indent="-285750">
+              <a:buFont typeface="Arial" panose="020B0604020202020204" pitchFamily="34" charset="0"/>
+              <a:buChar char="•"/>
+            </a:pPr>
+            <a:endParaRPr lang="en-US" dirty="0"/>
+          </a:p>
+          <a:p>
+            <a:pPr marL="285750" indent="-285750">
+              <a:buFont typeface="Arial" panose="020B0604020202020204" pitchFamily="34" charset="0"/>
+              <a:buChar char="•"/>
+            </a:pPr>
+            <a:r>
+              <a:rPr lang="en-US" dirty="0"/>
+              <a:t>Refactoring support: Unit tests provide a safety net when refactoring code, ensuring that changes to one part of the codebase do not break other parts.</a:t>
+            </a:r>
+          </a:p>
+          <a:p>
+            <a:pPr marL="285750" indent="-285750">
+              <a:buFont typeface="Arial" panose="020B0604020202020204" pitchFamily="34" charset="0"/>
+              <a:buChar char="•"/>
+            </a:pPr>
+            <a:endParaRPr lang="en-US" dirty="0"/>
+          </a:p>
+          <a:p>
+            <a:pPr marL="285750" indent="-285750">
+              <a:buFont typeface="Arial" panose="020B0604020202020204" pitchFamily="34" charset="0"/>
+              <a:buChar char="•"/>
+            </a:pPr>
+            <a:r>
+              <a:rPr lang="en-US" dirty="0"/>
+              <a:t>Regression testing: Unit tests help prevent regression issues by providing a suite of tests that can be run after changes are made to the code.</a:t>
+            </a:r>
+          </a:p>
+          <a:p>
+            <a:pPr marL="285750" indent="-285750">
+              <a:buFont typeface="Arial" panose="020B0604020202020204" pitchFamily="34" charset="0"/>
+              <a:buChar char="•"/>
+            </a:pPr>
+            <a:endParaRPr lang="en-US" dirty="0"/>
+          </a:p>
+          <a:p>
+            <a:pPr marL="285750" indent="-285750">
+              <a:buFont typeface="Arial" panose="020B0604020202020204" pitchFamily="34" charset="0"/>
+              <a:buChar char="•"/>
+            </a:pPr>
+            <a:r>
+              <a:rPr lang="en-US" dirty="0"/>
+              <a:t>Documentation: Unit tests serve as a form of documentation, providing examples of how the code should be used and what its expected behavior is.</a:t>
+            </a:r>
+            <a:endParaRPr lang="en-IN" dirty="0"/>
+          </a:p>
+        </p:txBody>
+      </p:sp>
+    </p:spTree>
+    <p:extLst>
+      <p:ext uri="{BB962C8B-B14F-4D97-AF65-F5344CB8AC3E}">
+        <p14:creationId xmlns:p14="http://schemas.microsoft.com/office/powerpoint/2010/main" val="3984528251"/>
+      </p:ext>
+    </p:extLst>
+  </p:cSld>
+  <p:clrMapOvr>
+    <a:masterClrMapping/>
+  </p:clrMapOvr>
+  <p:transition spd="slow">
+    <p:push/>
+  </p:transition>
+</p:sld>
+</file>
+
+<file path=ppt/slides/slide14.xml><?xml version="1.0" encoding="utf-8"?>
+<p:sld xmlns:a="http://schemas.openxmlformats.org/drawingml/2006/main" xmlns:r="http://schemas.openxmlformats.org/officeDocument/2006/relationships" xmlns:p="http://schemas.openxmlformats.org/presentationml/2006/main">
+  <p:cSld>
+    <p:spTree>
+      <p:nvGrpSpPr>
+        <p:cNvPr id="1" name=""/>
+        <p:cNvGrpSpPr/>
+        <p:nvPr/>
+      </p:nvGrpSpPr>
+      <p:grpSpPr>
+        <a:xfrm>
+          <a:off x="0" y="0"/>
+          <a:ext cx="0" cy="0"/>
+          <a:chOff x="0" y="0"/>
+          <a:chExt cx="0" cy="0"/>
+        </a:xfrm>
+      </p:grpSpPr>
+      <p:pic>
+        <p:nvPicPr>
+          <p:cNvPr id="4" name="Picture 3">
+            <a:extLst>
+              <a:ext uri="{FF2B5EF4-FFF2-40B4-BE49-F238E27FC236}">
+                <a16:creationId xmlns:a16="http://schemas.microsoft.com/office/drawing/2014/main" id="{3893C3C6-E6B4-0EAA-6168-B66B664B265B}"/>
+              </a:ext>
+            </a:extLst>
+          </p:cNvPr>
+          <p:cNvPicPr>
+            <a:picLocks noGrp="1" noRot="1" noChangeAspect="1" noMove="1" noResize="1" noEditPoints="1" noAdjustHandles="1" noChangeArrowheads="1" noChangeShapeType="1" noCrop="1"/>
+          </p:cNvPicPr>
+          <p:nvPr/>
+        </p:nvPicPr>
+        <p:blipFill>
+          <a:blip r:embed="rId2" cstate="email">
+            <a:extLst>
+              <a:ext uri="{28A0092B-C50C-407E-A947-70E740481C1C}">
+                <a14:useLocalDpi xmlns:a14="http://schemas.microsoft.com/office/drawing/2010/main"/>
+              </a:ext>
+            </a:extLst>
+          </a:blip>
+          <a:stretch>
+            <a:fillRect/>
+          </a:stretch>
+        </p:blipFill>
+        <p:spPr>
+          <a:xfrm flipH="1">
+            <a:off x="0" y="-20320"/>
+            <a:ext cx="12192000" cy="6858000"/>
+          </a:xfrm>
+          <a:prstGeom prst="rect">
+            <a:avLst/>
+          </a:prstGeom>
+        </p:spPr>
+      </p:pic>
+      <p:cxnSp>
+        <p:nvCxnSpPr>
+          <p:cNvPr id="5" name="Straight Connector 4">
+            <a:extLst>
+              <a:ext uri="{FF2B5EF4-FFF2-40B4-BE49-F238E27FC236}">
+                <a16:creationId xmlns:a16="http://schemas.microsoft.com/office/drawing/2014/main" id="{6317BEF4-F659-05B0-B884-5FBC9950BC38}"/>
+              </a:ext>
+            </a:extLst>
+          </p:cNvPr>
+          <p:cNvCxnSpPr>
+            <a:cxnSpLocks/>
+          </p:cNvCxnSpPr>
+          <p:nvPr/>
+        </p:nvCxnSpPr>
+        <p:spPr>
+          <a:xfrm>
+            <a:off x="2404113" y="383848"/>
+            <a:ext cx="0" cy="429893"/>
+          </a:xfrm>
+          <a:prstGeom prst="line">
+            <a:avLst/>
+          </a:prstGeom>
+          <a:ln w="12700">
+            <a:solidFill>
+              <a:srgbClr val="DD4F22"/>
+            </a:solidFill>
+          </a:ln>
+        </p:spPr>
+        <p:style>
+          <a:lnRef idx="1">
+            <a:schemeClr val="accent1"/>
+          </a:lnRef>
+          <a:fillRef idx="0">
+            <a:schemeClr val="accent1"/>
+          </a:fillRef>
+          <a:effectRef idx="0">
+            <a:schemeClr val="accent1"/>
+          </a:effectRef>
+          <a:fontRef idx="minor">
+            <a:schemeClr val="tx1"/>
+          </a:fontRef>
+        </p:style>
+      </p:cxnSp>
+      <p:pic>
+        <p:nvPicPr>
+          <p:cNvPr id="6" name="Picture 5">
+            <a:extLst>
+              <a:ext uri="{FF2B5EF4-FFF2-40B4-BE49-F238E27FC236}">
+                <a16:creationId xmlns:a16="http://schemas.microsoft.com/office/drawing/2014/main" id="{4C8E9BB0-02EA-460A-EDCE-9CB013DFF909}"/>
+              </a:ext>
+            </a:extLst>
+          </p:cNvPr>
+          <p:cNvPicPr>
+            <a:picLocks noGrp="1" noRot="1" noChangeAspect="1" noMove="1" noResize="1" noEditPoints="1" noAdjustHandles="1" noChangeArrowheads="1" noChangeShapeType="1" noCrop="1"/>
+          </p:cNvPicPr>
+          <p:nvPr/>
+        </p:nvPicPr>
+        <p:blipFill>
+          <a:blip r:embed="rId3">
+            <a:extLst>
+              <a:ext uri="{28A0092B-C50C-407E-A947-70E740481C1C}">
+                <a14:useLocalDpi xmlns:a14="http://schemas.microsoft.com/office/drawing/2010/main" val="0"/>
+              </a:ext>
+            </a:extLst>
+          </a:blip>
+          <a:srcRect/>
+          <a:stretch/>
+        </p:blipFill>
+        <p:spPr>
+          <a:xfrm>
+            <a:off x="217505" y="338023"/>
+            <a:ext cx="1963465" cy="521544"/>
+          </a:xfrm>
+          <a:prstGeom prst="rect">
+            <a:avLst/>
+          </a:prstGeom>
+        </p:spPr>
+      </p:pic>
+      <p:sp>
+        <p:nvSpPr>
+          <p:cNvPr id="8" name="TextBox 7">
+            <a:extLst>
+              <a:ext uri="{FF2B5EF4-FFF2-40B4-BE49-F238E27FC236}">
+                <a16:creationId xmlns:a16="http://schemas.microsoft.com/office/drawing/2014/main" id="{83A5D50A-7BF5-47B2-27E6-96AA33171B2B}"/>
+              </a:ext>
+            </a:extLst>
+          </p:cNvPr>
+          <p:cNvSpPr txBox="1">
+            <a:spLocks noGrp="1" noRot="1" noMove="1" noResize="1" noEditPoints="1" noAdjustHandles="1" noChangeArrowheads="1" noChangeShapeType="1"/>
+          </p:cNvSpPr>
+          <p:nvPr/>
+        </p:nvSpPr>
+        <p:spPr>
+          <a:xfrm>
+            <a:off x="2499360" y="383848"/>
+            <a:ext cx="8818879" cy="483017"/>
+          </a:xfrm>
+          <a:prstGeom prst="rect">
+            <a:avLst/>
+          </a:prstGeom>
+          <a:solidFill>
+            <a:srgbClr val="FF6709"/>
+          </a:solidFill>
+        </p:spPr>
+        <p:txBody>
+          <a:bodyPr wrap="square" rtlCol="0">
+            <a:spAutoFit/>
+          </a:bodyPr>
+          <a:lstStyle/>
+          <a:p>
             <a:pPr marL="0" marR="0" lvl="0" indent="0" algn="l" defTabSz="914400" rtl="0" eaLnBrk="1" fontAlgn="auto" latinLnBrk="0" hangingPunct="1">
               <a:lnSpc>
                 <a:spcPct val="115000"/>
@@ -5625,8 +6237,8 @@
         </p:nvSpPr>
         <p:spPr>
           <a:xfrm>
-            <a:off x="2180970" y="1740659"/>
-            <a:ext cx="4586724" cy="369332"/>
+            <a:off x="2180970" y="1763310"/>
+            <a:ext cx="2714597" cy="369332"/>
           </a:xfrm>
           <a:prstGeom prst="rect">
             <a:avLst/>
@@ -5660,8 +6272,8 @@
         </p:nvSpPr>
         <p:spPr>
           <a:xfrm>
-            <a:off x="8948664" y="1740659"/>
-            <a:ext cx="1785257" cy="369332"/>
+            <a:off x="8948665" y="1740659"/>
+            <a:ext cx="1225850" cy="369332"/>
           </a:xfrm>
           <a:prstGeom prst="rect">
             <a:avLst/>
@@ -5683,10 +6295,10 @@
       </p:sp>
       <p:pic>
         <p:nvPicPr>
-          <p:cNvPr id="3" name="Picture 2">
-            <a:extLst>
-              <a:ext uri="{FF2B5EF4-FFF2-40B4-BE49-F238E27FC236}">
-                <a16:creationId xmlns:a16="http://schemas.microsoft.com/office/drawing/2014/main" id="{EEFF350C-651A-6FDD-8026-2EAAF632D153}"/>
+          <p:cNvPr id="14" name="Picture 13">
+            <a:extLst>
+              <a:ext uri="{FF2B5EF4-FFF2-40B4-BE49-F238E27FC236}">
+                <a16:creationId xmlns:a16="http://schemas.microsoft.com/office/drawing/2014/main" id="{45E923A8-565F-558D-8896-681BF15C5173}"/>
               </a:ext>
             </a:extLst>
           </p:cNvPr>
@@ -5703,8 +6315,8 @@
         </p:blipFill>
         <p:spPr>
           <a:xfrm>
-            <a:off x="308843" y="2063460"/>
-            <a:ext cx="6966858" cy="4636085"/>
+            <a:off x="7296434" y="2063460"/>
+            <a:ext cx="4586723" cy="4636085"/>
           </a:xfrm>
           <a:prstGeom prst="rect">
             <a:avLst/>
@@ -5713,10 +6325,10 @@
       </p:pic>
       <p:pic>
         <p:nvPicPr>
-          <p:cNvPr id="14" name="Picture 13">
-            <a:extLst>
-              <a:ext uri="{FF2B5EF4-FFF2-40B4-BE49-F238E27FC236}">
-                <a16:creationId xmlns:a16="http://schemas.microsoft.com/office/drawing/2014/main" id="{45E923A8-565F-558D-8896-681BF15C5173}"/>
+          <p:cNvPr id="9" name="Picture 8">
+            <a:extLst>
+              <a:ext uri="{FF2B5EF4-FFF2-40B4-BE49-F238E27FC236}">
+                <a16:creationId xmlns:a16="http://schemas.microsoft.com/office/drawing/2014/main" id="{34178FC6-432B-BEF9-0B8C-121FC4F8ACE7}"/>
               </a:ext>
             </a:extLst>
           </p:cNvPr>
@@ -5733,8 +6345,8 @@
         </p:blipFill>
         <p:spPr>
           <a:xfrm>
-            <a:off x="7403838" y="2063460"/>
-            <a:ext cx="4479319" cy="4636085"/>
+            <a:off x="308843" y="2109991"/>
+            <a:ext cx="6458851" cy="4589553"/>
           </a:xfrm>
           <a:prstGeom prst="rect">
             <a:avLst/>
@@ -5751,10 +6363,13 @@
   <p:clrMapOvr>
     <a:masterClrMapping/>
   </p:clrMapOvr>
+  <p:transition spd="slow">
+    <p:push/>
+  </p:transition>
 </p:sld>
 </file>
 
-<file path=ppt/slides/slide14.xml><?xml version="1.0" encoding="utf-8"?>
+<file path=ppt/slides/slide15.xml><?xml version="1.0" encoding="utf-8"?>
 <p:sld xmlns:a="http://schemas.openxmlformats.org/drawingml/2006/main" xmlns:r="http://schemas.openxmlformats.org/officeDocument/2006/relationships" xmlns:p="http://schemas.openxmlformats.org/presentationml/2006/main">
   <p:cSld>
     <p:bg>
@@ -6060,10 +6675,13 @@
   <p:clrMapOvr>
     <a:overrideClrMapping bg1="lt1" tx1="dk1" bg2="lt2" tx2="dk2" accent1="accent1" accent2="accent2" accent3="accent3" accent4="accent4" accent5="accent5" accent6="accent6" hlink="hlink" folHlink="folHlink"/>
   </p:clrMapOvr>
+  <p:transition spd="slow">
+    <p:push/>
+  </p:transition>
 </p:sld>
 </file>
 
-<file path=ppt/slides/slide15.xml><?xml version="1.0" encoding="utf-8"?>
+<file path=ppt/slides/slide16.xml><?xml version="1.0" encoding="utf-8"?>
 <p:sld xmlns:a="http://schemas.openxmlformats.org/drawingml/2006/main" xmlns:r="http://schemas.openxmlformats.org/officeDocument/2006/relationships" xmlns:p="http://schemas.openxmlformats.org/presentationml/2006/main">
   <p:cSld>
     <p:bg>
@@ -6916,10 +7534,13 @@
   <p:clrMapOvr>
     <a:overrideClrMapping bg1="lt1" tx1="dk1" bg2="lt2" tx2="dk2" accent1="accent1" accent2="accent2" accent3="accent3" accent4="accent4" accent5="accent5" accent6="accent6" hlink="hlink" folHlink="folHlink"/>
   </p:clrMapOvr>
+  <p:transition spd="slow">
+    <p:push/>
+  </p:transition>
 </p:sld>
 </file>
 
-<file path=ppt/slides/slide16.xml><?xml version="1.0" encoding="utf-8"?>
+<file path=ppt/slides/slide17.xml><?xml version="1.0" encoding="utf-8"?>
 <p:sld xmlns:a="http://schemas.openxmlformats.org/drawingml/2006/main" xmlns:r="http://schemas.openxmlformats.org/officeDocument/2006/relationships" xmlns:p="http://schemas.openxmlformats.org/presentationml/2006/main">
   <p:cSld>
     <p:bg>
@@ -7251,8 +7872,8 @@
         </p:blipFill>
         <p:spPr bwMode="auto">
           <a:xfrm>
-            <a:off x="0" y="1643512"/>
-            <a:ext cx="12192000" cy="2215271"/>
+            <a:off x="0" y="1510794"/>
+            <a:ext cx="12192000" cy="2347989"/>
           </a:xfrm>
           <a:prstGeom prst="rect">
             <a:avLst/>
@@ -7269,6 +7890,55 @@
           </a:extLst>
         </p:spPr>
       </p:pic>
+      <p:sp>
+        <p:nvSpPr>
+          <p:cNvPr id="2" name="Rectangle 1">
+            <a:extLst>
+              <a:ext uri="{FF2B5EF4-FFF2-40B4-BE49-F238E27FC236}">
+                <a16:creationId xmlns:a16="http://schemas.microsoft.com/office/drawing/2014/main" id="{2BF8C609-46AF-7D5B-FCFB-AFD3BDB97D4D}"/>
+              </a:ext>
+            </a:extLst>
+          </p:cNvPr>
+          <p:cNvSpPr/>
+          <p:nvPr/>
+        </p:nvSpPr>
+        <p:spPr>
+          <a:xfrm>
+            <a:off x="595086" y="5588000"/>
+            <a:ext cx="1204685" cy="261257"/>
+          </a:xfrm>
+          <a:prstGeom prst="rect">
+            <a:avLst/>
+          </a:prstGeom>
+          <a:ln>
+            <a:solidFill>
+              <a:schemeClr val="bg1"/>
+            </a:solidFill>
+          </a:ln>
+        </p:spPr>
+        <p:style>
+          <a:lnRef idx="2">
+            <a:schemeClr val="accent6"/>
+          </a:lnRef>
+          <a:fillRef idx="1">
+            <a:schemeClr val="lt1"/>
+          </a:fillRef>
+          <a:effectRef idx="0">
+            <a:schemeClr val="accent6"/>
+          </a:effectRef>
+          <a:fontRef idx="minor">
+            <a:schemeClr val="dk1"/>
+          </a:fontRef>
+        </p:style>
+        <p:txBody>
+          <a:bodyPr rtlCol="0" anchor="ctr"/>
+          <a:lstStyle/>
+          <a:p>
+            <a:pPr algn="ctr"/>
+            <a:endParaRPr lang="en-IN"/>
+          </a:p>
+        </p:txBody>
+      </p:sp>
     </p:spTree>
     <p:extLst>
       <p:ext uri="{BB962C8B-B14F-4D97-AF65-F5344CB8AC3E}">
@@ -7279,333 +7949,9 @@
   <p:clrMapOvr>
     <a:overrideClrMapping bg1="lt1" tx1="dk1" bg2="lt2" tx2="dk2" accent1="accent1" accent2="accent2" accent3="accent3" accent4="accent4" accent5="accent5" accent6="accent6" hlink="hlink" folHlink="folHlink"/>
   </p:clrMapOvr>
-</p:sld>
-</file>
-
-<file path=ppt/slides/slide17.xml><?xml version="1.0" encoding="utf-8"?>
-<p:sld xmlns:a="http://schemas.openxmlformats.org/drawingml/2006/main" xmlns:r="http://schemas.openxmlformats.org/officeDocument/2006/relationships" xmlns:p="http://schemas.openxmlformats.org/presentationml/2006/main">
-  <p:cSld>
-    <p:spTree>
-      <p:nvGrpSpPr>
-        <p:cNvPr id="1" name=""/>
-        <p:cNvGrpSpPr/>
-        <p:nvPr/>
-      </p:nvGrpSpPr>
-      <p:grpSpPr>
-        <a:xfrm>
-          <a:off x="0" y="0"/>
-          <a:ext cx="0" cy="0"/>
-          <a:chOff x="0" y="0"/>
-          <a:chExt cx="0" cy="0"/>
-        </a:xfrm>
-      </p:grpSpPr>
-      <p:pic>
-        <p:nvPicPr>
-          <p:cNvPr id="4" name="Picture 3">
-            <a:extLst>
-              <a:ext uri="{FF2B5EF4-FFF2-40B4-BE49-F238E27FC236}">
-                <a16:creationId xmlns:a16="http://schemas.microsoft.com/office/drawing/2014/main" id="{3893C3C6-E6B4-0EAA-6168-B66B664B265B}"/>
-              </a:ext>
-            </a:extLst>
-          </p:cNvPr>
-          <p:cNvPicPr>
-            <a:picLocks noGrp="1" noRot="1" noChangeAspect="1" noMove="1" noResize="1" noEditPoints="1" noAdjustHandles="1" noChangeArrowheads="1" noChangeShapeType="1" noCrop="1"/>
-          </p:cNvPicPr>
-          <p:nvPr/>
-        </p:nvPicPr>
-        <p:blipFill>
-          <a:blip r:embed="rId2" cstate="email">
-            <a:extLst>
-              <a:ext uri="{28A0092B-C50C-407E-A947-70E740481C1C}">
-                <a14:useLocalDpi xmlns:a14="http://schemas.microsoft.com/office/drawing/2010/main"/>
-              </a:ext>
-            </a:extLst>
-          </a:blip>
-          <a:stretch>
-            <a:fillRect/>
-          </a:stretch>
-        </p:blipFill>
-        <p:spPr>
-          <a:xfrm flipH="1">
-            <a:off x="0" y="0"/>
-            <a:ext cx="12192000" cy="6858000"/>
-          </a:xfrm>
-          <a:prstGeom prst="rect">
-            <a:avLst/>
-          </a:prstGeom>
-        </p:spPr>
-      </p:pic>
-      <p:cxnSp>
-        <p:nvCxnSpPr>
-          <p:cNvPr id="5" name="Straight Connector 4">
-            <a:extLst>
-              <a:ext uri="{FF2B5EF4-FFF2-40B4-BE49-F238E27FC236}">
-                <a16:creationId xmlns:a16="http://schemas.microsoft.com/office/drawing/2014/main" id="{6317BEF4-F659-05B0-B884-5FBC9950BC38}"/>
-              </a:ext>
-            </a:extLst>
-          </p:cNvPr>
-          <p:cNvCxnSpPr>
-            <a:cxnSpLocks/>
-          </p:cNvCxnSpPr>
-          <p:nvPr/>
-        </p:nvCxnSpPr>
-        <p:spPr>
-          <a:xfrm>
-            <a:off x="2404113" y="383848"/>
-            <a:ext cx="0" cy="429893"/>
-          </a:xfrm>
-          <a:prstGeom prst="line">
-            <a:avLst/>
-          </a:prstGeom>
-          <a:ln w="12700">
-            <a:solidFill>
-              <a:srgbClr val="DD4F22"/>
-            </a:solidFill>
-          </a:ln>
-        </p:spPr>
-        <p:style>
-          <a:lnRef idx="1">
-            <a:schemeClr val="accent1"/>
-          </a:lnRef>
-          <a:fillRef idx="0">
-            <a:schemeClr val="accent1"/>
-          </a:fillRef>
-          <a:effectRef idx="0">
-            <a:schemeClr val="accent1"/>
-          </a:effectRef>
-          <a:fontRef idx="minor">
-            <a:schemeClr val="tx1"/>
-          </a:fontRef>
-        </p:style>
-      </p:cxnSp>
-      <p:pic>
-        <p:nvPicPr>
-          <p:cNvPr id="6" name="Picture 5">
-            <a:extLst>
-              <a:ext uri="{FF2B5EF4-FFF2-40B4-BE49-F238E27FC236}">
-                <a16:creationId xmlns:a16="http://schemas.microsoft.com/office/drawing/2014/main" id="{4C8E9BB0-02EA-460A-EDCE-9CB013DFF909}"/>
-              </a:ext>
-            </a:extLst>
-          </p:cNvPr>
-          <p:cNvPicPr>
-            <a:picLocks noGrp="1" noRot="1" noChangeAspect="1" noMove="1" noResize="1" noEditPoints="1" noAdjustHandles="1" noChangeArrowheads="1" noChangeShapeType="1" noCrop="1"/>
-          </p:cNvPicPr>
-          <p:nvPr/>
-        </p:nvPicPr>
-        <p:blipFill>
-          <a:blip r:embed="rId3">
-            <a:extLst>
-              <a:ext uri="{28A0092B-C50C-407E-A947-70E740481C1C}">
-                <a14:useLocalDpi xmlns:a14="http://schemas.microsoft.com/office/drawing/2010/main" val="0"/>
-              </a:ext>
-            </a:extLst>
-          </a:blip>
-          <a:srcRect/>
-          <a:stretch/>
-        </p:blipFill>
-        <p:spPr>
-          <a:xfrm>
-            <a:off x="217505" y="338023"/>
-            <a:ext cx="1963465" cy="521544"/>
-          </a:xfrm>
-          <a:prstGeom prst="rect">
-            <a:avLst/>
-          </a:prstGeom>
-        </p:spPr>
-      </p:pic>
-      <p:sp>
-        <p:nvSpPr>
-          <p:cNvPr id="2" name="TextBox 1">
-            <a:extLst>
-              <a:ext uri="{FF2B5EF4-FFF2-40B4-BE49-F238E27FC236}">
-                <a16:creationId xmlns:a16="http://schemas.microsoft.com/office/drawing/2014/main" id="{1A44BC85-1B87-95E2-D287-741884DBCDF1}"/>
-              </a:ext>
-            </a:extLst>
-          </p:cNvPr>
-          <p:cNvSpPr txBox="1">
-            <a:spLocks noGrp="1" noRot="1" noMove="1" noResize="1" noEditPoints="1" noAdjustHandles="1" noChangeArrowheads="1" noChangeShapeType="1"/>
-          </p:cNvSpPr>
-          <p:nvPr/>
-        </p:nvSpPr>
-        <p:spPr>
-          <a:xfrm>
-            <a:off x="2499360" y="383848"/>
-            <a:ext cx="8818879" cy="483017"/>
-          </a:xfrm>
-          <a:prstGeom prst="rect">
-            <a:avLst/>
-          </a:prstGeom>
-          <a:solidFill>
-            <a:srgbClr val="FF6709"/>
-          </a:solidFill>
-        </p:spPr>
-        <p:txBody>
-          <a:bodyPr wrap="square" rtlCol="0">
-            <a:spAutoFit/>
-          </a:bodyPr>
-          <a:lstStyle/>
-          <a:p>
-            <a:pPr marL="0" marR="0" lvl="0" indent="0" algn="l" defTabSz="914400" rtl="0" eaLnBrk="1" fontAlgn="auto" latinLnBrk="0" hangingPunct="1">
-              <a:lnSpc>
-                <a:spcPct val="115000"/>
-              </a:lnSpc>
-              <a:spcBef>
-                <a:spcPts val="0"/>
-              </a:spcBef>
-              <a:spcAft>
-                <a:spcPts val="0"/>
-              </a:spcAft>
-              <a:buClrTx/>
-              <a:buSzTx/>
-              <a:buFontTx/>
-              <a:buNone/>
-              <a:tabLst/>
-              <a:defRPr/>
-            </a:pPr>
-            <a:r>
-              <a:rPr lang="en-IN" sz="2400" b="1" dirty="0">
-                <a:solidFill>
-                  <a:prstClr val="white"/>
-                </a:solidFill>
-                <a:latin typeface="Times New Roman" panose="02020603050405020304" pitchFamily="18" charset="0"/>
-              </a:rPr>
-              <a:t>Deployment</a:t>
-            </a:r>
-            <a:endParaRPr kumimoji="0" lang="en-IN" sz="2400" b="1" i="0" u="none" strike="noStrike" kern="1200" cap="none" spc="0" normalizeH="0" baseline="0" noProof="0" dirty="0">
-              <a:ln>
-                <a:noFill/>
-              </a:ln>
-              <a:solidFill>
-                <a:prstClr val="white"/>
-              </a:solidFill>
-              <a:effectLst/>
-              <a:uLnTx/>
-              <a:uFillTx/>
-              <a:latin typeface="Times New Roman" panose="02020603050405020304" pitchFamily="18" charset="0"/>
-              <a:ea typeface="+mn-ea"/>
-              <a:cs typeface="+mn-cs"/>
-            </a:endParaRPr>
-          </a:p>
-        </p:txBody>
-      </p:sp>
-      <p:sp>
-        <p:nvSpPr>
-          <p:cNvPr id="9" name="TextBox 8">
-            <a:extLst>
-              <a:ext uri="{FF2B5EF4-FFF2-40B4-BE49-F238E27FC236}">
-                <a16:creationId xmlns:a16="http://schemas.microsoft.com/office/drawing/2014/main" id="{8776E258-07B7-D5D9-7396-35BF7029BD2A}"/>
-              </a:ext>
-            </a:extLst>
-          </p:cNvPr>
-          <p:cNvSpPr txBox="1"/>
-          <p:nvPr/>
-        </p:nvSpPr>
-        <p:spPr>
-          <a:xfrm>
-            <a:off x="0" y="1096824"/>
-            <a:ext cx="3922487" cy="307777"/>
-          </a:xfrm>
-          <a:prstGeom prst="rect">
-            <a:avLst/>
-          </a:prstGeom>
-        </p:spPr>
-        <p:style>
-          <a:lnRef idx="1">
-            <a:schemeClr val="accent3"/>
-          </a:lnRef>
-          <a:fillRef idx="2">
-            <a:schemeClr val="accent3"/>
-          </a:fillRef>
-          <a:effectRef idx="1">
-            <a:schemeClr val="accent3"/>
-          </a:effectRef>
-          <a:fontRef idx="minor">
-            <a:schemeClr val="dk1"/>
-          </a:fontRef>
-        </p:style>
-        <p:txBody>
-          <a:bodyPr wrap="square" rtlCol="0">
-            <a:spAutoFit/>
-          </a:bodyPr>
-          <a:lstStyle/>
-          <a:p>
-            <a:pPr marL="0" marR="0" lvl="0" indent="0" algn="ctr" defTabSz="914400" rtl="0" eaLnBrk="1" fontAlgn="auto" latinLnBrk="0" hangingPunct="1">
-              <a:lnSpc>
-                <a:spcPct val="100000"/>
-              </a:lnSpc>
-              <a:spcBef>
-                <a:spcPts val="0"/>
-              </a:spcBef>
-              <a:spcAft>
-                <a:spcPts val="0"/>
-              </a:spcAft>
-              <a:buClrTx/>
-              <a:buSzTx/>
-              <a:buFontTx/>
-              <a:buNone/>
-              <a:tabLst/>
-              <a:defRPr/>
-            </a:pPr>
-            <a:r>
-              <a:rPr kumimoji="0" lang="en-IN" sz="1400" b="0" i="0" u="none" strike="noStrike" kern="1200" cap="none" spc="0" normalizeH="0" baseline="0" noProof="0" dirty="0">
-                <a:ln>
-                  <a:noFill/>
-                </a:ln>
-                <a:solidFill>
-                  <a:prstClr val="black"/>
-                </a:solidFill>
-                <a:effectLst/>
-                <a:uLnTx/>
-                <a:uFillTx/>
-                <a:latin typeface="Calibri" panose="020F0502020204030204"/>
-                <a:ea typeface="+mn-ea"/>
-                <a:cs typeface="+mn-cs"/>
-              </a:rPr>
-              <a:t>GITHUB</a:t>
-            </a:r>
-          </a:p>
-        </p:txBody>
-      </p:sp>
-      <p:pic>
-        <p:nvPicPr>
-          <p:cNvPr id="7" name="Picture 6">
-            <a:extLst>
-              <a:ext uri="{FF2B5EF4-FFF2-40B4-BE49-F238E27FC236}">
-                <a16:creationId xmlns:a16="http://schemas.microsoft.com/office/drawing/2014/main" id="{4A21FCFD-EF36-EDEC-34E0-42D9AFA8AA06}"/>
-              </a:ext>
-            </a:extLst>
-          </p:cNvPr>
-          <p:cNvPicPr>
-            <a:picLocks noChangeAspect="1"/>
-          </p:cNvPicPr>
-          <p:nvPr/>
-        </p:nvPicPr>
-        <p:blipFill>
-          <a:blip r:embed="rId4"/>
-          <a:stretch>
-            <a:fillRect/>
-          </a:stretch>
-        </p:blipFill>
-        <p:spPr>
-          <a:xfrm>
-            <a:off x="333619" y="1524000"/>
-            <a:ext cx="11321351" cy="5181600"/>
-          </a:xfrm>
-          <a:prstGeom prst="rect">
-            <a:avLst/>
-          </a:prstGeom>
-        </p:spPr>
-      </p:pic>
-    </p:spTree>
-    <p:extLst>
-      <p:ext uri="{BB962C8B-B14F-4D97-AF65-F5344CB8AC3E}">
-        <p14:creationId xmlns:p14="http://schemas.microsoft.com/office/powerpoint/2010/main" val="2042790164"/>
-      </p:ext>
-    </p:extLst>
-  </p:cSld>
-  <p:clrMapOvr>
-    <a:masterClrMapping/>
-  </p:clrMapOvr>
+  <p:transition spd="slow">
+    <p:push/>
+  </p:transition>
 </p:sld>
 </file>
 
@@ -7740,42 +8086,12 @@
           </a:prstGeom>
         </p:spPr>
       </p:pic>
-      <p:pic>
-        <p:nvPicPr>
-          <p:cNvPr id="3" name="Picture 2">
-            <a:extLst>
-              <a:ext uri="{FF2B5EF4-FFF2-40B4-BE49-F238E27FC236}">
-                <a16:creationId xmlns:a16="http://schemas.microsoft.com/office/drawing/2014/main" id="{9B4036C8-D5A5-2272-B8A5-0CB17DFBDD48}"/>
-              </a:ext>
-            </a:extLst>
-          </p:cNvPr>
-          <p:cNvPicPr>
-            <a:picLocks noChangeAspect="1"/>
-          </p:cNvPicPr>
-          <p:nvPr/>
-        </p:nvPicPr>
-        <p:blipFill>
-          <a:blip r:embed="rId4"/>
-          <a:stretch>
-            <a:fillRect/>
-          </a:stretch>
-        </p:blipFill>
-        <p:spPr>
-          <a:xfrm>
-            <a:off x="-4" y="1326782"/>
-            <a:ext cx="12192000" cy="5531217"/>
-          </a:xfrm>
-          <a:prstGeom prst="rect">
-            <a:avLst/>
-          </a:prstGeom>
-        </p:spPr>
-      </p:pic>
       <p:sp>
         <p:nvSpPr>
-          <p:cNvPr id="8" name="TextBox 7">
-            <a:extLst>
-              <a:ext uri="{FF2B5EF4-FFF2-40B4-BE49-F238E27FC236}">
-                <a16:creationId xmlns:a16="http://schemas.microsoft.com/office/drawing/2014/main" id="{B094668F-F1E5-02C0-AA7C-8EF11A297C8B}"/>
+          <p:cNvPr id="2" name="TextBox 1">
+            <a:extLst>
+              <a:ext uri="{FF2B5EF4-FFF2-40B4-BE49-F238E27FC236}">
+                <a16:creationId xmlns:a16="http://schemas.microsoft.com/office/drawing/2014/main" id="{1A44BC85-1B87-95E2-D287-741884DBCDF1}"/>
               </a:ext>
             </a:extLst>
           </p:cNvPr>
@@ -7850,7 +8166,7 @@
           <p:cNvPr id="9" name="TextBox 8">
             <a:extLst>
               <a:ext uri="{FF2B5EF4-FFF2-40B4-BE49-F238E27FC236}">
-                <a16:creationId xmlns:a16="http://schemas.microsoft.com/office/drawing/2014/main" id="{9A0283EA-267F-A655-F8A8-CD80CE9922C4}"/>
+                <a16:creationId xmlns:a16="http://schemas.microsoft.com/office/drawing/2014/main" id="{8776E258-07B7-D5D9-7396-35BF7029BD2A}"/>
               </a:ext>
             </a:extLst>
           </p:cNvPr>
@@ -7859,27 +8175,25 @@
         </p:nvSpPr>
         <p:spPr>
           <a:xfrm>
-            <a:off x="-4" y="935143"/>
-            <a:ext cx="6096000" cy="307777"/>
+            <a:off x="0" y="944759"/>
+            <a:ext cx="3922487" cy="307777"/>
           </a:xfrm>
           <a:prstGeom prst="rect">
             <a:avLst/>
           </a:prstGeom>
         </p:spPr>
         <p:style>
-          <a:lnRef idx="2">
-            <a:schemeClr val="accent6">
-              <a:shade val="50000"/>
-            </a:schemeClr>
+          <a:lnRef idx="1">
+            <a:schemeClr val="accent3"/>
           </a:lnRef>
-          <a:fillRef idx="1">
-            <a:schemeClr val="accent6"/>
+          <a:fillRef idx="2">
+            <a:schemeClr val="accent3"/>
           </a:fillRef>
-          <a:effectRef idx="0">
-            <a:schemeClr val="accent6"/>
+          <a:effectRef idx="1">
+            <a:schemeClr val="accent3"/>
           </a:effectRef>
           <a:fontRef idx="minor">
-            <a:schemeClr val="lt1"/>
+            <a:schemeClr val="dk1"/>
           </a:fontRef>
         </p:style>
         <p:txBody>
@@ -7888,7 +8202,7 @@
           </a:bodyPr>
           <a:lstStyle/>
           <a:p>
-            <a:pPr marL="0" marR="0" lvl="0" indent="0" algn="l" defTabSz="914400" rtl="0" eaLnBrk="1" fontAlgn="auto" latinLnBrk="0" hangingPunct="1">
+            <a:pPr marL="0" marR="0" lvl="0" indent="0" algn="ctr" defTabSz="914400" rtl="0" eaLnBrk="1" fontAlgn="auto" latinLnBrk="0" hangingPunct="1">
               <a:lnSpc>
                 <a:spcPct val="100000"/>
               </a:lnSpc>
@@ -7911,30 +8225,63 @@
                   <a:noFill/>
                 </a:ln>
                 <a:solidFill>
-                  <a:prstClr val="white"/>
+                  <a:prstClr val="black"/>
                 </a:solidFill>
                 <a:effectLst/>
                 <a:uLnTx/>
                 <a:uFillTx/>
-                <a:latin typeface="Arial" panose="020B0604020202020204" pitchFamily="34" charset="0"/>
+                <a:latin typeface="Calibri" panose="020F0502020204030204"/>
                 <a:ea typeface="+mn-ea"/>
-                <a:cs typeface="Arial" panose="020B0604020202020204" pitchFamily="34" charset="0"/>
-              </a:rPr>
-              <a:t>Jenkins Groovy Pipeline: Controlling DevOps Lifecycle</a:t>
+                <a:cs typeface="+mn-cs"/>
+              </a:rPr>
+              <a:t>GITHUB</a:t>
             </a:r>
           </a:p>
         </p:txBody>
       </p:sp>
+      <p:pic>
+        <p:nvPicPr>
+          <p:cNvPr id="8" name="Picture 7">
+            <a:extLst>
+              <a:ext uri="{FF2B5EF4-FFF2-40B4-BE49-F238E27FC236}">
+                <a16:creationId xmlns:a16="http://schemas.microsoft.com/office/drawing/2014/main" id="{31D09F07-519E-75FC-8B05-9CEFD575078A}"/>
+              </a:ext>
+            </a:extLst>
+          </p:cNvPr>
+          <p:cNvPicPr>
+            <a:picLocks noChangeAspect="1"/>
+          </p:cNvPicPr>
+          <p:nvPr/>
+        </p:nvPicPr>
+        <p:blipFill>
+          <a:blip r:embed="rId4"/>
+          <a:stretch>
+            <a:fillRect/>
+          </a:stretch>
+        </p:blipFill>
+        <p:spPr>
+          <a:xfrm>
+            <a:off x="217504" y="1330430"/>
+            <a:ext cx="11858381" cy="5404199"/>
+          </a:xfrm>
+          <a:prstGeom prst="rect">
+            <a:avLst/>
+          </a:prstGeom>
+        </p:spPr>
+      </p:pic>
     </p:spTree>
     <p:extLst>
       <p:ext uri="{BB962C8B-B14F-4D97-AF65-F5344CB8AC3E}">
-        <p14:creationId xmlns:p14="http://schemas.microsoft.com/office/powerpoint/2010/main" val="424134764"/>
+        <p14:creationId xmlns:p14="http://schemas.microsoft.com/office/powerpoint/2010/main" val="2042790164"/>
       </p:ext>
     </p:extLst>
   </p:cSld>
   <p:clrMapOvr>
     <a:masterClrMapping/>
   </p:clrMapOvr>
+  <p:transition spd="slow">
+    <p:push/>
+  </p:transition>
 </p:sld>
 </file>
 
@@ -8069,42 +8416,12 @@
           </a:prstGeom>
         </p:spPr>
       </p:pic>
-      <p:pic>
-        <p:nvPicPr>
-          <p:cNvPr id="7" name="Picture 6">
-            <a:extLst>
-              <a:ext uri="{FF2B5EF4-FFF2-40B4-BE49-F238E27FC236}">
-                <a16:creationId xmlns:a16="http://schemas.microsoft.com/office/drawing/2014/main" id="{D90EF053-E0C0-484D-E3C0-DFCC51409537}"/>
-              </a:ext>
-            </a:extLst>
-          </p:cNvPr>
-          <p:cNvPicPr>
-            <a:picLocks noChangeAspect="1"/>
-          </p:cNvPicPr>
-          <p:nvPr/>
-        </p:nvPicPr>
-        <p:blipFill>
-          <a:blip r:embed="rId4"/>
-          <a:stretch>
-            <a:fillRect/>
-          </a:stretch>
-        </p:blipFill>
-        <p:spPr>
-          <a:xfrm>
-            <a:off x="355496" y="1467978"/>
-            <a:ext cx="11481007" cy="5196114"/>
-          </a:xfrm>
-          <a:prstGeom prst="rect">
-            <a:avLst/>
-          </a:prstGeom>
-        </p:spPr>
-      </p:pic>
       <p:sp>
         <p:nvSpPr>
-          <p:cNvPr id="2" name="TextBox 1">
-            <a:extLst>
-              <a:ext uri="{FF2B5EF4-FFF2-40B4-BE49-F238E27FC236}">
-                <a16:creationId xmlns:a16="http://schemas.microsoft.com/office/drawing/2014/main" id="{EEAEF8D9-C0E9-A8F3-927A-422E2180A887}"/>
+          <p:cNvPr id="8" name="TextBox 7">
+            <a:extLst>
+              <a:ext uri="{FF2B5EF4-FFF2-40B4-BE49-F238E27FC236}">
+                <a16:creationId xmlns:a16="http://schemas.microsoft.com/office/drawing/2014/main" id="{B094668F-F1E5-02C0-AA7C-8EF11A297C8B}"/>
               </a:ext>
             </a:extLst>
           </p:cNvPr>
@@ -8176,10 +8493,10 @@
       </p:sp>
       <p:sp>
         <p:nvSpPr>
-          <p:cNvPr id="3" name="TextBox 2">
-            <a:extLst>
-              <a:ext uri="{FF2B5EF4-FFF2-40B4-BE49-F238E27FC236}">
-                <a16:creationId xmlns:a16="http://schemas.microsoft.com/office/drawing/2014/main" id="{5604D653-0BC0-AAFC-DF3D-07EA3DA7D3CF}"/>
+          <p:cNvPr id="9" name="TextBox 8">
+            <a:extLst>
+              <a:ext uri="{FF2B5EF4-FFF2-40B4-BE49-F238E27FC236}">
+                <a16:creationId xmlns:a16="http://schemas.microsoft.com/office/drawing/2014/main" id="{9A0283EA-267F-A655-F8A8-CD80CE9922C4}"/>
               </a:ext>
             </a:extLst>
           </p:cNvPr>
@@ -8188,25 +8505,27 @@
         </p:nvSpPr>
         <p:spPr>
           <a:xfrm>
-            <a:off x="0" y="1018282"/>
-            <a:ext cx="3440095" cy="307777"/>
+            <a:off x="-4" y="935143"/>
+            <a:ext cx="6096000" cy="307777"/>
           </a:xfrm>
           <a:prstGeom prst="rect">
             <a:avLst/>
           </a:prstGeom>
         </p:spPr>
         <p:style>
-          <a:lnRef idx="1">
-            <a:schemeClr val="accent3"/>
+          <a:lnRef idx="2">
+            <a:schemeClr val="accent6">
+              <a:shade val="50000"/>
+            </a:schemeClr>
           </a:lnRef>
-          <a:fillRef idx="2">
-            <a:schemeClr val="accent3"/>
+          <a:fillRef idx="1">
+            <a:schemeClr val="accent6"/>
           </a:fillRef>
-          <a:effectRef idx="1">
-            <a:schemeClr val="accent3"/>
+          <a:effectRef idx="0">
+            <a:schemeClr val="accent6"/>
           </a:effectRef>
           <a:fontRef idx="minor">
-            <a:schemeClr val="dk1"/>
+            <a:schemeClr val="lt1"/>
           </a:fontRef>
         </p:style>
         <p:txBody>
@@ -8238,7 +8557,7 @@
                   <a:noFill/>
                 </a:ln>
                 <a:solidFill>
-                  <a:prstClr val="black"/>
+                  <a:prstClr val="white"/>
                 </a:solidFill>
                 <a:effectLst/>
                 <a:uLnTx/>
@@ -8247,21 +8566,54 @@
                 <a:ea typeface="+mn-ea"/>
                 <a:cs typeface="Arial" panose="020B0604020202020204" pitchFamily="34" charset="0"/>
               </a:rPr>
-              <a:t>Jenkins Deployment result: Success</a:t>
+              <a:t>Jenkins Groovy Pipeline script for controlling DevOps lifecycle</a:t>
             </a:r>
           </a:p>
         </p:txBody>
       </p:sp>
+      <p:pic>
+        <p:nvPicPr>
+          <p:cNvPr id="11" name="Picture 10">
+            <a:extLst>
+              <a:ext uri="{FF2B5EF4-FFF2-40B4-BE49-F238E27FC236}">
+                <a16:creationId xmlns:a16="http://schemas.microsoft.com/office/drawing/2014/main" id="{25381E54-6535-8738-9F39-FF4F3BF7A42C}"/>
+              </a:ext>
+            </a:extLst>
+          </p:cNvPr>
+          <p:cNvPicPr>
+            <a:picLocks noChangeAspect="1"/>
+          </p:cNvPicPr>
+          <p:nvPr/>
+        </p:nvPicPr>
+        <p:blipFill>
+          <a:blip r:embed="rId4"/>
+          <a:stretch>
+            <a:fillRect/>
+          </a:stretch>
+        </p:blipFill>
+        <p:spPr>
+          <a:xfrm>
+            <a:off x="-3" y="1242920"/>
+            <a:ext cx="12192002" cy="5615080"/>
+          </a:xfrm>
+          <a:prstGeom prst="rect">
+            <a:avLst/>
+          </a:prstGeom>
+        </p:spPr>
+      </p:pic>
     </p:spTree>
     <p:extLst>
       <p:ext uri="{BB962C8B-B14F-4D97-AF65-F5344CB8AC3E}">
-        <p14:creationId xmlns:p14="http://schemas.microsoft.com/office/powerpoint/2010/main" val="2382435917"/>
+        <p14:creationId xmlns:p14="http://schemas.microsoft.com/office/powerpoint/2010/main" val="424134764"/>
       </p:ext>
     </p:extLst>
   </p:cSld>
   <p:clrMapOvr>
     <a:masterClrMapping/>
   </p:clrMapOvr>
+  <p:transition spd="slow">
+    <p:push/>
+  </p:transition>
 </p:sld>
 </file>
 
@@ -8670,6 +9022,9 @@
   <p:clrMapOvr>
     <a:masterClrMapping/>
   </p:clrMapOvr>
+  <p:transition spd="slow">
+    <p:push/>
+  </p:transition>
 </p:sld>
 </file>
 
@@ -8804,12 +9159,42 @@
           </a:prstGeom>
         </p:spPr>
       </p:pic>
+      <p:pic>
+        <p:nvPicPr>
+          <p:cNvPr id="7" name="Picture 6">
+            <a:extLst>
+              <a:ext uri="{FF2B5EF4-FFF2-40B4-BE49-F238E27FC236}">
+                <a16:creationId xmlns:a16="http://schemas.microsoft.com/office/drawing/2014/main" id="{D90EF053-E0C0-484D-E3C0-DFCC51409537}"/>
+              </a:ext>
+            </a:extLst>
+          </p:cNvPr>
+          <p:cNvPicPr>
+            <a:picLocks noChangeAspect="1"/>
+          </p:cNvPicPr>
+          <p:nvPr/>
+        </p:nvPicPr>
+        <p:blipFill>
+          <a:blip r:embed="rId4"/>
+          <a:stretch>
+            <a:fillRect/>
+          </a:stretch>
+        </p:blipFill>
+        <p:spPr>
+          <a:xfrm>
+            <a:off x="355496" y="1467978"/>
+            <a:ext cx="11481007" cy="5196114"/>
+          </a:xfrm>
+          <a:prstGeom prst="rect">
+            <a:avLst/>
+          </a:prstGeom>
+        </p:spPr>
+      </p:pic>
       <p:sp>
         <p:nvSpPr>
           <p:cNvPr id="2" name="TextBox 1">
             <a:extLst>
               <a:ext uri="{FF2B5EF4-FFF2-40B4-BE49-F238E27FC236}">
-                <a16:creationId xmlns:a16="http://schemas.microsoft.com/office/drawing/2014/main" id="{1A44BC85-1B87-95E2-D287-741884DBCDF1}"/>
+                <a16:creationId xmlns:a16="http://schemas.microsoft.com/office/drawing/2014/main" id="{EEAEF8D9-C0E9-A8F3-927A-422E2180A887}"/>
               </a:ext>
             </a:extLst>
           </p:cNvPr>
@@ -8879,76 +9264,97 @@
           </a:p>
         </p:txBody>
       </p:sp>
-      <p:pic>
-        <p:nvPicPr>
-          <p:cNvPr id="7" name="Picture 6">
-            <a:extLst>
-              <a:ext uri="{FF2B5EF4-FFF2-40B4-BE49-F238E27FC236}">
-                <a16:creationId xmlns:a16="http://schemas.microsoft.com/office/drawing/2014/main" id="{9B67380B-06E9-E6A2-76FD-7952FBC5CB63}"/>
-              </a:ext>
-            </a:extLst>
-          </p:cNvPr>
-          <p:cNvPicPr>
-            <a:picLocks noChangeAspect="1"/>
-          </p:cNvPicPr>
-          <p:nvPr/>
-        </p:nvPicPr>
-        <p:blipFill>
-          <a:blip r:embed="rId4"/>
-          <a:stretch>
-            <a:fillRect/>
-          </a:stretch>
-        </p:blipFill>
-        <p:spPr>
-          <a:xfrm>
-            <a:off x="103593" y="1250713"/>
-            <a:ext cx="4982270" cy="5269264"/>
-          </a:xfrm>
-          <a:prstGeom prst="rect">
-            <a:avLst/>
-          </a:prstGeom>
-        </p:spPr>
-      </p:pic>
-      <p:pic>
-        <p:nvPicPr>
-          <p:cNvPr id="9" name="Picture 8">
-            <a:extLst>
-              <a:ext uri="{FF2B5EF4-FFF2-40B4-BE49-F238E27FC236}">
-                <a16:creationId xmlns:a16="http://schemas.microsoft.com/office/drawing/2014/main" id="{31745E8F-1A54-E094-12D9-7A9D70E8C58C}"/>
-              </a:ext>
-            </a:extLst>
-          </p:cNvPr>
-          <p:cNvPicPr>
-            <a:picLocks noChangeAspect="1"/>
-          </p:cNvPicPr>
-          <p:nvPr/>
-        </p:nvPicPr>
-        <p:blipFill>
-          <a:blip r:embed="rId5"/>
-          <a:stretch>
-            <a:fillRect/>
-          </a:stretch>
-        </p:blipFill>
-        <p:spPr>
-          <a:xfrm>
-            <a:off x="5189455" y="1303836"/>
-            <a:ext cx="6898951" cy="5170315"/>
-          </a:xfrm>
-          <a:prstGeom prst="rect">
-            <a:avLst/>
-          </a:prstGeom>
-        </p:spPr>
-      </p:pic>
+      <p:sp>
+        <p:nvSpPr>
+          <p:cNvPr id="3" name="TextBox 2">
+            <a:extLst>
+              <a:ext uri="{FF2B5EF4-FFF2-40B4-BE49-F238E27FC236}">
+                <a16:creationId xmlns:a16="http://schemas.microsoft.com/office/drawing/2014/main" id="{5604D653-0BC0-AAFC-DF3D-07EA3DA7D3CF}"/>
+              </a:ext>
+            </a:extLst>
+          </p:cNvPr>
+          <p:cNvSpPr txBox="1"/>
+          <p:nvPr/>
+        </p:nvSpPr>
+        <p:spPr>
+          <a:xfrm>
+            <a:off x="0" y="1018282"/>
+            <a:ext cx="3440095" cy="307777"/>
+          </a:xfrm>
+          <a:prstGeom prst="rect">
+            <a:avLst/>
+          </a:prstGeom>
+        </p:spPr>
+        <p:style>
+          <a:lnRef idx="1">
+            <a:schemeClr val="accent3"/>
+          </a:lnRef>
+          <a:fillRef idx="2">
+            <a:schemeClr val="accent3"/>
+          </a:fillRef>
+          <a:effectRef idx="1">
+            <a:schemeClr val="accent3"/>
+          </a:effectRef>
+          <a:fontRef idx="minor">
+            <a:schemeClr val="dk1"/>
+          </a:fontRef>
+        </p:style>
+        <p:txBody>
+          <a:bodyPr wrap="square" rtlCol="0">
+            <a:spAutoFit/>
+          </a:bodyPr>
+          <a:lstStyle/>
+          <a:p>
+            <a:pPr marL="0" marR="0" lvl="0" indent="0" algn="l" defTabSz="914400" rtl="0" eaLnBrk="1" fontAlgn="auto" latinLnBrk="0" hangingPunct="1">
+              <a:lnSpc>
+                <a:spcPct val="100000"/>
+              </a:lnSpc>
+              <a:spcBef>
+                <a:spcPts val="0"/>
+              </a:spcBef>
+              <a:spcAft>
+                <a:spcPts val="0"/>
+              </a:spcAft>
+              <a:buClrTx/>
+              <a:buSzTx/>
+              <a:buFontTx/>
+              <a:buNone/>
+              <a:tabLst/>
+              <a:defRPr/>
+            </a:pPr>
+            <a:r>
+              <a:rPr kumimoji="0" lang="en-IN" sz="1400" b="0" i="0" u="none" strike="noStrike" kern="1200" cap="none" spc="0" normalizeH="0" baseline="0" noProof="0" dirty="0">
+                <a:ln>
+                  <a:noFill/>
+                </a:ln>
+                <a:solidFill>
+                  <a:prstClr val="black"/>
+                </a:solidFill>
+                <a:effectLst/>
+                <a:uLnTx/>
+                <a:uFillTx/>
+                <a:latin typeface="Arial" panose="020B0604020202020204" pitchFamily="34" charset="0"/>
+                <a:ea typeface="+mn-ea"/>
+                <a:cs typeface="Arial" panose="020B0604020202020204" pitchFamily="34" charset="0"/>
+              </a:rPr>
+              <a:t>Jenkins Deployment result: Success</a:t>
+            </a:r>
+          </a:p>
+        </p:txBody>
+      </p:sp>
     </p:spTree>
     <p:extLst>
       <p:ext uri="{BB962C8B-B14F-4D97-AF65-F5344CB8AC3E}">
-        <p14:creationId xmlns:p14="http://schemas.microsoft.com/office/powerpoint/2010/main" val="2322159276"/>
+        <p14:creationId xmlns:p14="http://schemas.microsoft.com/office/powerpoint/2010/main" val="2382435917"/>
       </p:ext>
     </p:extLst>
   </p:cSld>
   <p:clrMapOvr>
     <a:masterClrMapping/>
   </p:clrMapOvr>
+  <p:transition spd="slow">
+    <p:push/>
+  </p:transition>
 </p:sld>
 </file>
 
@@ -9083,132 +9489,12 @@
           </a:prstGeom>
         </p:spPr>
       </p:pic>
-      <p:pic>
-        <p:nvPicPr>
-          <p:cNvPr id="3" name="Picture 2">
-            <a:extLst>
-              <a:ext uri="{FF2B5EF4-FFF2-40B4-BE49-F238E27FC236}">
-                <a16:creationId xmlns:a16="http://schemas.microsoft.com/office/drawing/2014/main" id="{B6E6118E-0847-0EFD-890E-2ACAC7745C84}"/>
-              </a:ext>
-            </a:extLst>
-          </p:cNvPr>
-          <p:cNvPicPr>
-            <a:picLocks noChangeAspect="1"/>
-          </p:cNvPicPr>
-          <p:nvPr/>
-        </p:nvPicPr>
-        <p:blipFill>
-          <a:blip r:embed="rId4"/>
-          <a:stretch>
-            <a:fillRect/>
-          </a:stretch>
-        </p:blipFill>
-        <p:spPr>
-          <a:xfrm>
-            <a:off x="217505" y="2033025"/>
-            <a:ext cx="11481007" cy="1767720"/>
-          </a:xfrm>
-          <a:prstGeom prst="rect">
-            <a:avLst/>
-          </a:prstGeom>
-        </p:spPr>
-      </p:pic>
-      <p:pic>
-        <p:nvPicPr>
-          <p:cNvPr id="12" name="Picture 11">
-            <a:extLst>
-              <a:ext uri="{FF2B5EF4-FFF2-40B4-BE49-F238E27FC236}">
-                <a16:creationId xmlns:a16="http://schemas.microsoft.com/office/drawing/2014/main" id="{F6C62E4C-1C92-8296-F18D-1E16B2BB9295}"/>
-              </a:ext>
-            </a:extLst>
-          </p:cNvPr>
-          <p:cNvPicPr>
-            <a:picLocks noChangeAspect="1"/>
-          </p:cNvPicPr>
-          <p:nvPr/>
-        </p:nvPicPr>
-        <p:blipFill>
-          <a:blip r:embed="rId5"/>
-          <a:stretch>
-            <a:fillRect/>
-          </a:stretch>
-        </p:blipFill>
-        <p:spPr>
-          <a:xfrm>
-            <a:off x="217505" y="5272202"/>
-            <a:ext cx="11481009" cy="1247775"/>
-          </a:xfrm>
-          <a:prstGeom prst="rect">
-            <a:avLst/>
-          </a:prstGeom>
-        </p:spPr>
-      </p:pic>
-      <p:pic>
-        <p:nvPicPr>
-          <p:cNvPr id="14" name="Picture 13">
-            <a:extLst>
-              <a:ext uri="{FF2B5EF4-FFF2-40B4-BE49-F238E27FC236}">
-                <a16:creationId xmlns:a16="http://schemas.microsoft.com/office/drawing/2014/main" id="{671DE48C-3FEB-7884-6B2C-CD52872334BD}"/>
-              </a:ext>
-            </a:extLst>
-          </p:cNvPr>
-          <p:cNvPicPr>
-            <a:picLocks noChangeAspect="1"/>
-          </p:cNvPicPr>
-          <p:nvPr/>
-        </p:nvPicPr>
-        <p:blipFill>
-          <a:blip r:embed="rId6"/>
-          <a:stretch>
-            <a:fillRect/>
-          </a:stretch>
-        </p:blipFill>
-        <p:spPr>
-          <a:xfrm>
-            <a:off x="6037943" y="3969657"/>
-            <a:ext cx="5660569" cy="1133633"/>
-          </a:xfrm>
-          <a:prstGeom prst="rect">
-            <a:avLst/>
-          </a:prstGeom>
-        </p:spPr>
-      </p:pic>
-      <p:pic>
-        <p:nvPicPr>
-          <p:cNvPr id="16" name="Picture 15">
-            <a:extLst>
-              <a:ext uri="{FF2B5EF4-FFF2-40B4-BE49-F238E27FC236}">
-                <a16:creationId xmlns:a16="http://schemas.microsoft.com/office/drawing/2014/main" id="{9BE252CD-1FDC-03EC-E71E-5D173429C442}"/>
-              </a:ext>
-            </a:extLst>
-          </p:cNvPr>
-          <p:cNvPicPr>
-            <a:picLocks noChangeAspect="1"/>
-          </p:cNvPicPr>
-          <p:nvPr/>
-        </p:nvPicPr>
-        <p:blipFill>
-          <a:blip r:embed="rId7"/>
-          <a:stretch>
-            <a:fillRect/>
-          </a:stretch>
-        </p:blipFill>
-        <p:spPr>
-          <a:xfrm>
-            <a:off x="217505" y="3969658"/>
-            <a:ext cx="5733352" cy="1133633"/>
-          </a:xfrm>
-          <a:prstGeom prst="rect">
-            <a:avLst/>
-          </a:prstGeom>
-        </p:spPr>
-      </p:pic>
       <p:sp>
         <p:nvSpPr>
           <p:cNvPr id="2" name="TextBox 1">
             <a:extLst>
               <a:ext uri="{FF2B5EF4-FFF2-40B4-BE49-F238E27FC236}">
-                <a16:creationId xmlns:a16="http://schemas.microsoft.com/office/drawing/2014/main" id="{1F0D5815-B622-3828-139C-5E314246006D}"/>
+                <a16:creationId xmlns:a16="http://schemas.microsoft.com/office/drawing/2014/main" id="{1A44BC85-1B87-95E2-D287-741884DBCDF1}"/>
               </a:ext>
             </a:extLst>
           </p:cNvPr>
@@ -9280,10 +9566,10 @@
       </p:sp>
       <p:sp>
         <p:nvSpPr>
-          <p:cNvPr id="7" name="TextBox 6">
-            <a:extLst>
-              <a:ext uri="{FF2B5EF4-FFF2-40B4-BE49-F238E27FC236}">
-                <a16:creationId xmlns:a16="http://schemas.microsoft.com/office/drawing/2014/main" id="{45554C6C-BE6F-3DAB-4B4A-949D212D9797}"/>
+          <p:cNvPr id="3" name="TextBox 2">
+            <a:extLst>
+              <a:ext uri="{FF2B5EF4-FFF2-40B4-BE49-F238E27FC236}">
+                <a16:creationId xmlns:a16="http://schemas.microsoft.com/office/drawing/2014/main" id="{4226EECD-9ECE-D3DA-DC1F-96B04232A59E}"/>
               </a:ext>
             </a:extLst>
           </p:cNvPr>
@@ -9292,33 +9578,25 @@
         </p:nvSpPr>
         <p:spPr>
           <a:xfrm>
-            <a:off x="0" y="1148890"/>
-            <a:ext cx="7286379" cy="369332"/>
-          </a:xfrm>
-          <a:prstGeom prst="rect">
-            <a:avLst/>
-          </a:prstGeom>
-          <a:solidFill>
-            <a:schemeClr val="accent5">
-              <a:alpha val="50000"/>
-            </a:schemeClr>
-          </a:solidFill>
-          <a:ln>
-            <a:noFill/>
-          </a:ln>
+            <a:off x="0" y="996059"/>
+            <a:ext cx="2670627" cy="307777"/>
+          </a:xfrm>
+          <a:prstGeom prst="rect">
+            <a:avLst/>
+          </a:prstGeom>
         </p:spPr>
         <p:style>
-          <a:lnRef idx="0">
-            <a:scrgbClr r="0" g="0" b="0"/>
+          <a:lnRef idx="1">
+            <a:schemeClr val="accent3"/>
           </a:lnRef>
-          <a:fillRef idx="0">
-            <a:scrgbClr r="0" g="0" b="0"/>
+          <a:fillRef idx="2">
+            <a:schemeClr val="accent3"/>
           </a:fillRef>
-          <a:effectRef idx="0">
-            <a:scrgbClr r="0" g="0" b="0"/>
+          <a:effectRef idx="1">
+            <a:schemeClr val="accent3"/>
           </a:effectRef>
           <a:fontRef idx="minor">
-            <a:schemeClr val="lt1"/>
+            <a:schemeClr val="dk1"/>
           </a:fontRef>
         </p:style>
         <p:txBody>
@@ -9345,37 +9623,122 @@
               <a:defRPr/>
             </a:pPr>
             <a:r>
-              <a:rPr kumimoji="0" lang="en-IN" sz="1800" b="0" i="0" u="none" strike="noStrike" kern="1200" cap="none" spc="0" normalizeH="0" baseline="0" noProof="0" dirty="0">
+              <a:rPr kumimoji="0" lang="en-IN" sz="1400" b="0" i="0" u="none" strike="noStrike" kern="1200" cap="none" spc="0" normalizeH="0" baseline="0" noProof="0" dirty="0">
                 <a:ln>
                   <a:noFill/>
                 </a:ln>
                 <a:solidFill>
-                  <a:srgbClr val="E7E6E6">
-                    <a:lumMod val="25000"/>
-                  </a:srgbClr>
+                  <a:prstClr val="black"/>
                 </a:solidFill>
                 <a:effectLst/>
                 <a:uLnTx/>
                 <a:uFillTx/>
-                <a:latin typeface="Calibri" panose="020F0502020204030204"/>
+                <a:latin typeface="Arial" panose="020B0604020202020204" pitchFamily="34" charset="0"/>
                 <a:ea typeface="+mn-ea"/>
-                <a:cs typeface="+mn-cs"/>
-              </a:rPr>
-              <a:t>Accessing containerised webservice through external host using minikube</a:t>
-            </a:r>
+                <a:cs typeface="Arial" panose="020B0604020202020204" pitchFamily="34" charset="0"/>
+              </a:rPr>
+              <a:t>Jenkins </a:t>
+            </a:r>
+            <a:r>
+              <a:rPr lang="en-IN" sz="1400" dirty="0">
+                <a:solidFill>
+                  <a:prstClr val="black"/>
+                </a:solidFill>
+                <a:latin typeface="Arial" panose="020B0604020202020204" pitchFamily="34" charset="0"/>
+                <a:cs typeface="Arial" panose="020B0604020202020204" pitchFamily="34" charset="0"/>
+              </a:rPr>
+              <a:t>Pipeline Build history</a:t>
+            </a:r>
+            <a:endParaRPr kumimoji="0" lang="en-IN" sz="1400" b="0" i="0" u="none" strike="noStrike" kern="1200" cap="none" spc="0" normalizeH="0" baseline="0" noProof="0" dirty="0">
+              <a:ln>
+                <a:noFill/>
+              </a:ln>
+              <a:solidFill>
+                <a:prstClr val="black"/>
+              </a:solidFill>
+              <a:effectLst/>
+              <a:uLnTx/>
+              <a:uFillTx/>
+              <a:latin typeface="Arial" panose="020B0604020202020204" pitchFamily="34" charset="0"/>
+              <a:ea typeface="+mn-ea"/>
+              <a:cs typeface="Arial" panose="020B0604020202020204" pitchFamily="34" charset="0"/>
+            </a:endParaRPr>
           </a:p>
         </p:txBody>
       </p:sp>
+      <p:pic>
+        <p:nvPicPr>
+          <p:cNvPr id="24" name="Picture 23">
+            <a:extLst>
+              <a:ext uri="{FF2B5EF4-FFF2-40B4-BE49-F238E27FC236}">
+                <a16:creationId xmlns:a16="http://schemas.microsoft.com/office/drawing/2014/main" id="{335FC761-1431-3AA5-3A3B-FD3E75B50EA4}"/>
+              </a:ext>
+            </a:extLst>
+          </p:cNvPr>
+          <p:cNvPicPr>
+            <a:picLocks noChangeAspect="1"/>
+          </p:cNvPicPr>
+          <p:nvPr/>
+        </p:nvPicPr>
+        <p:blipFill>
+          <a:blip r:embed="rId4"/>
+          <a:stretch>
+            <a:fillRect/>
+          </a:stretch>
+        </p:blipFill>
+        <p:spPr>
+          <a:xfrm>
+            <a:off x="0" y="1372575"/>
+            <a:ext cx="5208108" cy="5508338"/>
+          </a:xfrm>
+          <a:prstGeom prst="rect">
+            <a:avLst/>
+          </a:prstGeom>
+        </p:spPr>
+      </p:pic>
+      <p:pic>
+        <p:nvPicPr>
+          <p:cNvPr id="26" name="Picture 25">
+            <a:extLst>
+              <a:ext uri="{FF2B5EF4-FFF2-40B4-BE49-F238E27FC236}">
+                <a16:creationId xmlns:a16="http://schemas.microsoft.com/office/drawing/2014/main" id="{4F107471-DCFE-C5BC-FD61-43C218E58EF8}"/>
+              </a:ext>
+            </a:extLst>
+          </p:cNvPr>
+          <p:cNvPicPr>
+            <a:picLocks noChangeAspect="1"/>
+          </p:cNvPicPr>
+          <p:nvPr/>
+        </p:nvPicPr>
+        <p:blipFill>
+          <a:blip r:embed="rId5"/>
+          <a:stretch>
+            <a:fillRect/>
+          </a:stretch>
+        </p:blipFill>
+        <p:spPr>
+          <a:xfrm>
+            <a:off x="5208108" y="1372576"/>
+            <a:ext cx="6983892" cy="5485424"/>
+          </a:xfrm>
+          <a:prstGeom prst="rect">
+            <a:avLst/>
+          </a:prstGeom>
+        </p:spPr>
+      </p:pic>
     </p:spTree>
     <p:extLst>
       <p:ext uri="{BB962C8B-B14F-4D97-AF65-F5344CB8AC3E}">
-        <p14:creationId xmlns:p14="http://schemas.microsoft.com/office/powerpoint/2010/main" val="3395621759"/>
+        <p14:creationId xmlns:p14="http://schemas.microsoft.com/office/powerpoint/2010/main" val="2322159276"/>
       </p:ext>
     </p:extLst>
   </p:cSld>
   <p:clrMapOvr>
     <a:masterClrMapping/>
   </p:clrMapOvr>
+  <p:transition spd="slow">
+    <p:push/>
+  </p:transition>
 </p:sld>
 </file>
 
@@ -9510,12 +9873,132 @@
           </a:prstGeom>
         </p:spPr>
       </p:pic>
+      <p:pic>
+        <p:nvPicPr>
+          <p:cNvPr id="3" name="Picture 2">
+            <a:extLst>
+              <a:ext uri="{FF2B5EF4-FFF2-40B4-BE49-F238E27FC236}">
+                <a16:creationId xmlns:a16="http://schemas.microsoft.com/office/drawing/2014/main" id="{B6E6118E-0847-0EFD-890E-2ACAC7745C84}"/>
+              </a:ext>
+            </a:extLst>
+          </p:cNvPr>
+          <p:cNvPicPr>
+            <a:picLocks noChangeAspect="1"/>
+          </p:cNvPicPr>
+          <p:nvPr/>
+        </p:nvPicPr>
+        <p:blipFill>
+          <a:blip r:embed="rId4"/>
+          <a:stretch>
+            <a:fillRect/>
+          </a:stretch>
+        </p:blipFill>
+        <p:spPr>
+          <a:xfrm>
+            <a:off x="217505" y="2033025"/>
+            <a:ext cx="11481007" cy="1767720"/>
+          </a:xfrm>
+          <a:prstGeom prst="rect">
+            <a:avLst/>
+          </a:prstGeom>
+        </p:spPr>
+      </p:pic>
+      <p:pic>
+        <p:nvPicPr>
+          <p:cNvPr id="12" name="Picture 11">
+            <a:extLst>
+              <a:ext uri="{FF2B5EF4-FFF2-40B4-BE49-F238E27FC236}">
+                <a16:creationId xmlns:a16="http://schemas.microsoft.com/office/drawing/2014/main" id="{F6C62E4C-1C92-8296-F18D-1E16B2BB9295}"/>
+              </a:ext>
+            </a:extLst>
+          </p:cNvPr>
+          <p:cNvPicPr>
+            <a:picLocks noChangeAspect="1"/>
+          </p:cNvPicPr>
+          <p:nvPr/>
+        </p:nvPicPr>
+        <p:blipFill>
+          <a:blip r:embed="rId5"/>
+          <a:stretch>
+            <a:fillRect/>
+          </a:stretch>
+        </p:blipFill>
+        <p:spPr>
+          <a:xfrm>
+            <a:off x="217505" y="5272202"/>
+            <a:ext cx="11481009" cy="1247775"/>
+          </a:xfrm>
+          <a:prstGeom prst="rect">
+            <a:avLst/>
+          </a:prstGeom>
+        </p:spPr>
+      </p:pic>
+      <p:pic>
+        <p:nvPicPr>
+          <p:cNvPr id="14" name="Picture 13">
+            <a:extLst>
+              <a:ext uri="{FF2B5EF4-FFF2-40B4-BE49-F238E27FC236}">
+                <a16:creationId xmlns:a16="http://schemas.microsoft.com/office/drawing/2014/main" id="{671DE48C-3FEB-7884-6B2C-CD52872334BD}"/>
+              </a:ext>
+            </a:extLst>
+          </p:cNvPr>
+          <p:cNvPicPr>
+            <a:picLocks noChangeAspect="1"/>
+          </p:cNvPicPr>
+          <p:nvPr/>
+        </p:nvPicPr>
+        <p:blipFill>
+          <a:blip r:embed="rId6"/>
+          <a:stretch>
+            <a:fillRect/>
+          </a:stretch>
+        </p:blipFill>
+        <p:spPr>
+          <a:xfrm>
+            <a:off x="6037943" y="3969657"/>
+            <a:ext cx="5660569" cy="1133633"/>
+          </a:xfrm>
+          <a:prstGeom prst="rect">
+            <a:avLst/>
+          </a:prstGeom>
+        </p:spPr>
+      </p:pic>
+      <p:pic>
+        <p:nvPicPr>
+          <p:cNvPr id="16" name="Picture 15">
+            <a:extLst>
+              <a:ext uri="{FF2B5EF4-FFF2-40B4-BE49-F238E27FC236}">
+                <a16:creationId xmlns:a16="http://schemas.microsoft.com/office/drawing/2014/main" id="{9BE252CD-1FDC-03EC-E71E-5D173429C442}"/>
+              </a:ext>
+            </a:extLst>
+          </p:cNvPr>
+          <p:cNvPicPr>
+            <a:picLocks noChangeAspect="1"/>
+          </p:cNvPicPr>
+          <p:nvPr/>
+        </p:nvPicPr>
+        <p:blipFill>
+          <a:blip r:embed="rId7"/>
+          <a:stretch>
+            <a:fillRect/>
+          </a:stretch>
+        </p:blipFill>
+        <p:spPr>
+          <a:xfrm>
+            <a:off x="217505" y="3969658"/>
+            <a:ext cx="5733352" cy="1133633"/>
+          </a:xfrm>
+          <a:prstGeom prst="rect">
+            <a:avLst/>
+          </a:prstGeom>
+        </p:spPr>
+      </p:pic>
       <p:sp>
         <p:nvSpPr>
           <p:cNvPr id="2" name="TextBox 1">
             <a:extLst>
               <a:ext uri="{FF2B5EF4-FFF2-40B4-BE49-F238E27FC236}">
-                <a16:creationId xmlns:a16="http://schemas.microsoft.com/office/drawing/2014/main" id="{1A44BC85-1B87-95E2-D287-741884DBCDF1}"/>
+                <a16:creationId xmlns:a16="http://schemas.microsoft.com/office/drawing/2014/main" id="{1F0D5815-B622-3828-139C-5E314246006D}"/>
               </a:ext>
             </a:extLst>
           </p:cNvPr>
@@ -9560,117 +10043,28 @@
               <a:defRPr/>
             </a:pPr>
             <a:r>
-              <a:rPr kumimoji="0" lang="en-IN" sz="2400" b="1" i="0" u="none" strike="noStrike" kern="1200" cap="none" spc="0" normalizeH="0" baseline="0" noProof="0" dirty="0">
-                <a:ln>
-                  <a:noFill/>
-                </a:ln>
+              <a:rPr lang="en-IN" sz="2400" b="1" dirty="0">
                 <a:solidFill>
                   <a:prstClr val="white"/>
                 </a:solidFill>
-                <a:effectLst/>
-                <a:uLnTx/>
-                <a:uFillTx/>
                 <a:latin typeface="Times New Roman" panose="02020603050405020304" pitchFamily="18" charset="0"/>
-                <a:ea typeface="+mn-ea"/>
-                <a:cs typeface="+mn-cs"/>
               </a:rPr>
               <a:t>Deployment</a:t>
             </a:r>
-          </a:p>
-        </p:txBody>
-      </p:sp>
-      <p:pic>
-        <p:nvPicPr>
-          <p:cNvPr id="8" name="Picture 7">
-            <a:extLst>
-              <a:ext uri="{FF2B5EF4-FFF2-40B4-BE49-F238E27FC236}">
-                <a16:creationId xmlns:a16="http://schemas.microsoft.com/office/drawing/2014/main" id="{7ACFEE9F-B9E0-F55C-BEBF-39FBFFEE7C83}"/>
-              </a:ext>
-            </a:extLst>
-          </p:cNvPr>
-          <p:cNvPicPr>
-            <a:picLocks noChangeAspect="1"/>
-          </p:cNvPicPr>
-          <p:nvPr/>
-        </p:nvPicPr>
-        <p:blipFill>
-          <a:blip r:embed="rId4"/>
-          <a:stretch>
-            <a:fillRect/>
-          </a:stretch>
-        </p:blipFill>
-        <p:spPr>
-          <a:xfrm>
-            <a:off x="160582" y="1557076"/>
-            <a:ext cx="5340331" cy="5177553"/>
-          </a:xfrm>
-          <a:prstGeom prst="rect">
-            <a:avLst/>
-          </a:prstGeom>
-        </p:spPr>
-      </p:pic>
-      <p:sp>
-        <p:nvSpPr>
-          <p:cNvPr id="3" name="TextBox 2">
-            <a:extLst>
-              <a:ext uri="{FF2B5EF4-FFF2-40B4-BE49-F238E27FC236}">
-                <a16:creationId xmlns:a16="http://schemas.microsoft.com/office/drawing/2014/main" id="{B18BCD5F-7D55-EF4C-731A-F37137B3DEE2}"/>
-              </a:ext>
-            </a:extLst>
-          </p:cNvPr>
-          <p:cNvSpPr txBox="1"/>
-          <p:nvPr/>
-        </p:nvSpPr>
-        <p:spPr>
-          <a:xfrm>
-            <a:off x="998057" y="1243415"/>
-            <a:ext cx="2365825" cy="307777"/>
-          </a:xfrm>
-          <a:prstGeom prst="rect">
-            <a:avLst/>
-          </a:prstGeom>
-          <a:noFill/>
-        </p:spPr>
-        <p:txBody>
-          <a:bodyPr wrap="square" rtlCol="0">
-            <a:spAutoFit/>
-          </a:bodyPr>
-          <a:lstStyle/>
-          <a:p>
-            <a:pPr marL="0" marR="0" lvl="0" indent="0" algn="ctr" defTabSz="914400" rtl="0" eaLnBrk="1" fontAlgn="auto" latinLnBrk="0" hangingPunct="1">
-              <a:lnSpc>
-                <a:spcPct val="100000"/>
-              </a:lnSpc>
-              <a:spcBef>
-                <a:spcPts val="0"/>
-              </a:spcBef>
-              <a:spcAft>
-                <a:spcPts val="0"/>
-              </a:spcAft>
-              <a:buClrTx/>
-              <a:buSzTx/>
-              <a:buFontTx/>
-              <a:buNone/>
-              <a:tabLst/>
-              <a:defRPr/>
-            </a:pPr>
-            <a:r>
-              <a:rPr kumimoji="0" lang="en-IN" sz="1400" b="0" i="0" u="none" strike="noStrike" kern="1200" cap="none" spc="0" normalizeH="0" baseline="0" noProof="0" dirty="0">
-                <a:ln>
-                  <a:noFill/>
-                </a:ln>
-                <a:solidFill>
-                  <a:prstClr val="black"/>
-                </a:solidFill>
-                <a:effectLst/>
-                <a:uLnTx/>
-                <a:uFillTx/>
-                <a:latin typeface="Arial" panose="020B0604020202020204" pitchFamily="34" charset="0"/>
-                <a:ea typeface="+mn-ea"/>
-                <a:cs typeface="Arial" panose="020B0604020202020204" pitchFamily="34" charset="0"/>
-              </a:rPr>
-              <a:t>Employee Table</a:t>
-            </a:r>
+            <a:endParaRPr kumimoji="0" lang="en-IN" sz="2400" b="1" i="0" u="none" strike="noStrike" kern="1200" cap="none" spc="0" normalizeH="0" baseline="0" noProof="0" dirty="0">
+              <a:ln>
+                <a:noFill/>
+              </a:ln>
+              <a:solidFill>
+                <a:prstClr val="white"/>
+              </a:solidFill>
+              <a:effectLst/>
+              <a:uLnTx/>
+              <a:uFillTx/>
+              <a:latin typeface="Times New Roman" panose="02020603050405020304" pitchFamily="18" charset="0"/>
+              <a:ea typeface="+mn-ea"/>
+              <a:cs typeface="+mn-cs"/>
+            </a:endParaRPr>
           </a:p>
         </p:txBody>
       </p:sp>
@@ -9679,7 +10073,7 @@
           <p:cNvPr id="7" name="TextBox 6">
             <a:extLst>
               <a:ext uri="{FF2B5EF4-FFF2-40B4-BE49-F238E27FC236}">
-                <a16:creationId xmlns:a16="http://schemas.microsoft.com/office/drawing/2014/main" id="{4C83CCD6-EE94-F670-0B4C-0C9FE07C57EE}"/>
+                <a16:creationId xmlns:a16="http://schemas.microsoft.com/office/drawing/2014/main" id="{45554C6C-BE6F-3DAB-4B4A-949D212D9797}"/>
               </a:ext>
             </a:extLst>
           </p:cNvPr>
@@ -9688,217 +10082,35 @@
         </p:nvSpPr>
         <p:spPr>
           <a:xfrm>
-            <a:off x="7911242" y="1327177"/>
-            <a:ext cx="1399175" cy="307777"/>
-          </a:xfrm>
-          <a:prstGeom prst="rect">
-            <a:avLst/>
-          </a:prstGeom>
-          <a:noFill/>
-        </p:spPr>
-        <p:txBody>
-          <a:bodyPr wrap="square" rtlCol="0">
-            <a:spAutoFit/>
-          </a:bodyPr>
-          <a:lstStyle/>
-          <a:p>
-            <a:pPr marL="0" marR="0" lvl="0" indent="0" algn="ctr" defTabSz="914400" rtl="0" eaLnBrk="1" fontAlgn="auto" latinLnBrk="0" hangingPunct="1">
-              <a:lnSpc>
-                <a:spcPct val="100000"/>
-              </a:lnSpc>
-              <a:spcBef>
-                <a:spcPts val="0"/>
-              </a:spcBef>
-              <a:spcAft>
-                <a:spcPts val="0"/>
-              </a:spcAft>
-              <a:buClrTx/>
-              <a:buSzTx/>
-              <a:buFontTx/>
-              <a:buNone/>
-              <a:tabLst/>
-              <a:defRPr/>
-            </a:pPr>
-            <a:r>
-              <a:rPr kumimoji="0" lang="en-IN" sz="1400" b="0" i="0" u="none" strike="noStrike" kern="1200" cap="none" spc="0" normalizeH="0" baseline="0" noProof="0" dirty="0">
-                <a:ln>
-                  <a:noFill/>
-                </a:ln>
-                <a:solidFill>
-                  <a:prstClr val="black"/>
-                </a:solidFill>
-                <a:effectLst/>
-                <a:uLnTx/>
-                <a:uFillTx/>
-                <a:latin typeface="Arial" panose="020B0604020202020204" pitchFamily="34" charset="0"/>
-                <a:ea typeface="+mn-ea"/>
-                <a:cs typeface="Arial" panose="020B0604020202020204" pitchFamily="34" charset="0"/>
-              </a:rPr>
-              <a:t>Table Schema</a:t>
-            </a:r>
-          </a:p>
-        </p:txBody>
-      </p:sp>
-      <p:sp>
-        <p:nvSpPr>
-          <p:cNvPr id="9" name="TextBox 8">
-            <a:extLst>
-              <a:ext uri="{FF2B5EF4-FFF2-40B4-BE49-F238E27FC236}">
-                <a16:creationId xmlns:a16="http://schemas.microsoft.com/office/drawing/2014/main" id="{8776E258-07B7-D5D9-7396-35BF7029BD2A}"/>
-              </a:ext>
-            </a:extLst>
-          </p:cNvPr>
-          <p:cNvSpPr txBox="1"/>
-          <p:nvPr/>
-        </p:nvSpPr>
-        <p:spPr>
-          <a:xfrm>
-            <a:off x="3749318" y="935638"/>
-            <a:ext cx="4693364" cy="307777"/>
-          </a:xfrm>
-          <a:prstGeom prst="rect">
-            <a:avLst/>
-          </a:prstGeom>
+            <a:off x="0" y="1148890"/>
+            <a:ext cx="7286379" cy="369332"/>
+          </a:xfrm>
+          <a:prstGeom prst="rect">
+            <a:avLst/>
+          </a:prstGeom>
+          <a:solidFill>
+            <a:schemeClr val="accent5">
+              <a:alpha val="50000"/>
+            </a:schemeClr>
+          </a:solidFill>
+          <a:ln>
+            <a:noFill/>
+          </a:ln>
         </p:spPr>
         <p:style>
-          <a:lnRef idx="1">
-            <a:schemeClr val="accent3"/>
+          <a:lnRef idx="0">
+            <a:scrgbClr r="0" g="0" b="0"/>
           </a:lnRef>
-          <a:fillRef idx="2">
-            <a:schemeClr val="accent3"/>
+          <a:fillRef idx="0">
+            <a:scrgbClr r="0" g="0" b="0"/>
           </a:fillRef>
-          <a:effectRef idx="1">
-            <a:schemeClr val="accent3"/>
+          <a:effectRef idx="0">
+            <a:scrgbClr r="0" g="0" b="0"/>
           </a:effectRef>
           <a:fontRef idx="minor">
-            <a:schemeClr val="dk1"/>
+            <a:schemeClr val="lt1"/>
           </a:fontRef>
         </p:style>
-        <p:txBody>
-          <a:bodyPr wrap="square" rtlCol="0">
-            <a:spAutoFit/>
-          </a:bodyPr>
-          <a:lstStyle/>
-          <a:p>
-            <a:pPr marL="0" marR="0" lvl="0" indent="0" algn="ctr" defTabSz="914400" rtl="0" eaLnBrk="1" fontAlgn="auto" latinLnBrk="0" hangingPunct="1">
-              <a:lnSpc>
-                <a:spcPct val="100000"/>
-              </a:lnSpc>
-              <a:spcBef>
-                <a:spcPts val="0"/>
-              </a:spcBef>
-              <a:spcAft>
-                <a:spcPts val="0"/>
-              </a:spcAft>
-              <a:buClrTx/>
-              <a:buSzTx/>
-              <a:buFontTx/>
-              <a:buNone/>
-              <a:tabLst/>
-              <a:defRPr/>
-            </a:pPr>
-            <a:r>
-              <a:rPr kumimoji="0" lang="en-IN" sz="1400" b="0" i="0" u="none" strike="noStrike" kern="1200" cap="none" spc="0" normalizeH="0" baseline="0" noProof="0" dirty="0">
-                <a:ln>
-                  <a:noFill/>
-                </a:ln>
-                <a:solidFill>
-                  <a:prstClr val="black"/>
-                </a:solidFill>
-                <a:effectLst/>
-                <a:uLnTx/>
-                <a:uFillTx/>
-                <a:latin typeface="Calibri" panose="020F0502020204030204"/>
-                <a:ea typeface="+mn-ea"/>
-                <a:cs typeface="+mn-cs"/>
-              </a:rPr>
-              <a:t>DATABASE STRUCTURE OF CONTAINERIZED WEBSERVICE</a:t>
-            </a:r>
-          </a:p>
-        </p:txBody>
-      </p:sp>
-      <p:pic>
-        <p:nvPicPr>
-          <p:cNvPr id="12" name="Picture 11">
-            <a:extLst>
-              <a:ext uri="{FF2B5EF4-FFF2-40B4-BE49-F238E27FC236}">
-                <a16:creationId xmlns:a16="http://schemas.microsoft.com/office/drawing/2014/main" id="{6BB3D807-13DF-6C0F-27B2-5827A669DA4F}"/>
-              </a:ext>
-            </a:extLst>
-          </p:cNvPr>
-          <p:cNvPicPr>
-            <a:picLocks noChangeAspect="1"/>
-          </p:cNvPicPr>
-          <p:nvPr/>
-        </p:nvPicPr>
-        <p:blipFill>
-          <a:blip r:embed="rId5"/>
-          <a:stretch>
-            <a:fillRect/>
-          </a:stretch>
-        </p:blipFill>
-        <p:spPr>
-          <a:xfrm>
-            <a:off x="5500914" y="1604437"/>
-            <a:ext cx="6139542" cy="1824564"/>
-          </a:xfrm>
-          <a:prstGeom prst="rect">
-            <a:avLst/>
-          </a:prstGeom>
-        </p:spPr>
-      </p:pic>
-      <p:pic>
-        <p:nvPicPr>
-          <p:cNvPr id="14" name="Picture 13">
-            <a:extLst>
-              <a:ext uri="{FF2B5EF4-FFF2-40B4-BE49-F238E27FC236}">
-                <a16:creationId xmlns:a16="http://schemas.microsoft.com/office/drawing/2014/main" id="{CFC0EA24-BEB9-43E9-8AD4-1BAB8498CEDC}"/>
-              </a:ext>
-            </a:extLst>
-          </p:cNvPr>
-          <p:cNvPicPr>
-            <a:picLocks noChangeAspect="1"/>
-          </p:cNvPicPr>
-          <p:nvPr/>
-        </p:nvPicPr>
-        <p:blipFill>
-          <a:blip r:embed="rId6"/>
-          <a:stretch>
-            <a:fillRect/>
-          </a:stretch>
-        </p:blipFill>
-        <p:spPr>
-          <a:xfrm>
-            <a:off x="5581204" y="3825754"/>
-            <a:ext cx="6059252" cy="2908875"/>
-          </a:xfrm>
-          <a:prstGeom prst="rect">
-            <a:avLst/>
-          </a:prstGeom>
-        </p:spPr>
-      </p:pic>
-      <p:sp>
-        <p:nvSpPr>
-          <p:cNvPr id="15" name="TextBox 14">
-            <a:extLst>
-              <a:ext uri="{FF2B5EF4-FFF2-40B4-BE49-F238E27FC236}">
-                <a16:creationId xmlns:a16="http://schemas.microsoft.com/office/drawing/2014/main" id="{D7668A47-3B3B-9F24-65C1-EFFC96A316AE}"/>
-              </a:ext>
-            </a:extLst>
-          </p:cNvPr>
-          <p:cNvSpPr txBox="1"/>
-          <p:nvPr/>
-        </p:nvSpPr>
-        <p:spPr>
-          <a:xfrm>
-            <a:off x="7402287" y="3548494"/>
-            <a:ext cx="2336799" cy="307777"/>
-          </a:xfrm>
-          <a:prstGeom prst="rect">
-            <a:avLst/>
-          </a:prstGeom>
-          <a:noFill/>
-        </p:spPr>
         <p:txBody>
           <a:bodyPr wrap="square" rtlCol="0">
             <a:spAutoFit/>
@@ -9923,21 +10135,23 @@
               <a:defRPr/>
             </a:pPr>
             <a:r>
-              <a:rPr kumimoji="0" lang="en-IN" sz="1400" b="0" i="0" u="none" strike="noStrike" kern="1200" cap="none" spc="0" normalizeH="0" baseline="0" noProof="0" dirty="0">
+              <a:rPr kumimoji="0" lang="en-IN" sz="1800" b="0" i="0" u="none" strike="noStrike" kern="1200" cap="none" spc="0" normalizeH="0" baseline="0" noProof="0" dirty="0">
                 <a:ln>
                   <a:noFill/>
                 </a:ln>
                 <a:solidFill>
-                  <a:prstClr val="black"/>
+                  <a:srgbClr val="E7E6E6">
+                    <a:lumMod val="25000"/>
+                  </a:srgbClr>
                 </a:solidFill>
                 <a:effectLst/>
                 <a:uLnTx/>
                 <a:uFillTx/>
-                <a:latin typeface="Arial" panose="020B0604020202020204" pitchFamily="34" charset="0"/>
+                <a:latin typeface="Calibri" panose="020F0502020204030204"/>
                 <a:ea typeface="+mn-ea"/>
-                <a:cs typeface="Arial" panose="020B0604020202020204" pitchFamily="34" charset="0"/>
-              </a:rPr>
-              <a:t>MySQL instance on cluster</a:t>
+                <a:cs typeface="+mn-cs"/>
+              </a:rPr>
+              <a:t>Accessing containerised webservice through external host using minikube</a:t>
             </a:r>
           </a:p>
         </p:txBody>
@@ -9945,13 +10159,16 @@
     </p:spTree>
     <p:extLst>
       <p:ext uri="{BB962C8B-B14F-4D97-AF65-F5344CB8AC3E}">
-        <p14:creationId xmlns:p14="http://schemas.microsoft.com/office/powerpoint/2010/main" val="1427677089"/>
+        <p14:creationId xmlns:p14="http://schemas.microsoft.com/office/powerpoint/2010/main" val="3395621759"/>
       </p:ext>
     </p:extLst>
   </p:cSld>
   <p:clrMapOvr>
     <a:masterClrMapping/>
   </p:clrMapOvr>
+  <p:transition spd="slow">
+    <p:push/>
+  </p:transition>
 </p:sld>
 </file>
 
@@ -10088,10 +10305,10 @@
       </p:pic>
       <p:sp>
         <p:nvSpPr>
-          <p:cNvPr id="8" name="TextBox 7">
-            <a:extLst>
-              <a:ext uri="{FF2B5EF4-FFF2-40B4-BE49-F238E27FC236}">
-                <a16:creationId xmlns:a16="http://schemas.microsoft.com/office/drawing/2014/main" id="{83A5D50A-7BF5-47B2-27E6-96AA33171B2B}"/>
+          <p:cNvPr id="2" name="TextBox 1">
+            <a:extLst>
+              <a:ext uri="{FF2B5EF4-FFF2-40B4-BE49-F238E27FC236}">
+                <a16:creationId xmlns:a16="http://schemas.microsoft.com/office/drawing/2014/main" id="{1A44BC85-1B87-95E2-D287-741884DBCDF1}"/>
               </a:ext>
             </a:extLst>
           </p:cNvPr>
@@ -10118,19 +10335,134 @@
           </a:bodyPr>
           <a:lstStyle/>
           <a:p>
-            <a:pPr>
+            <a:pPr marL="0" marR="0" lvl="0" indent="0" algn="l" defTabSz="914400" rtl="0" eaLnBrk="1" fontAlgn="auto" latinLnBrk="0" hangingPunct="1">
               <a:lnSpc>
                 <a:spcPct val="115000"/>
               </a:lnSpc>
+              <a:spcBef>
+                <a:spcPts val="0"/>
+              </a:spcBef>
+              <a:spcAft>
+                <a:spcPts val="0"/>
+              </a:spcAft>
+              <a:buClrTx/>
+              <a:buSzTx/>
+              <a:buFontTx/>
+              <a:buNone/>
+              <a:tabLst/>
+              <a:defRPr/>
             </a:pPr>
             <a:r>
-              <a:rPr lang="en-IN" sz="2400" b="1" dirty="0">
+              <a:rPr kumimoji="0" lang="en-IN" sz="2400" b="1" i="0" u="none" strike="noStrike" kern="1200" cap="none" spc="0" normalizeH="0" baseline="0" noProof="0" dirty="0">
+                <a:ln>
+                  <a:noFill/>
+                </a:ln>
                 <a:solidFill>
-                  <a:schemeClr val="bg1"/>
+                  <a:prstClr val="white"/>
                 </a:solidFill>
+                <a:effectLst/>
+                <a:uLnTx/>
+                <a:uFillTx/>
                 <a:latin typeface="Times New Roman" panose="02020603050405020304" pitchFamily="18" charset="0"/>
-              </a:rPr>
-              <a:t>Conclusion</a:t>
+                <a:ea typeface="+mn-ea"/>
+                <a:cs typeface="+mn-cs"/>
+              </a:rPr>
+              <a:t>Deployment</a:t>
+            </a:r>
+          </a:p>
+        </p:txBody>
+      </p:sp>
+      <p:pic>
+        <p:nvPicPr>
+          <p:cNvPr id="8" name="Picture 7">
+            <a:extLst>
+              <a:ext uri="{FF2B5EF4-FFF2-40B4-BE49-F238E27FC236}">
+                <a16:creationId xmlns:a16="http://schemas.microsoft.com/office/drawing/2014/main" id="{7ACFEE9F-B9E0-F55C-BEBF-39FBFFEE7C83}"/>
+              </a:ext>
+            </a:extLst>
+          </p:cNvPr>
+          <p:cNvPicPr>
+            <a:picLocks noChangeAspect="1"/>
+          </p:cNvPicPr>
+          <p:nvPr/>
+        </p:nvPicPr>
+        <p:blipFill>
+          <a:blip r:embed="rId4"/>
+          <a:stretch>
+            <a:fillRect/>
+          </a:stretch>
+        </p:blipFill>
+        <p:spPr>
+          <a:xfrm>
+            <a:off x="160582" y="1557076"/>
+            <a:ext cx="5340331" cy="5177553"/>
+          </a:xfrm>
+          <a:prstGeom prst="rect">
+            <a:avLst/>
+          </a:prstGeom>
+        </p:spPr>
+      </p:pic>
+      <p:sp>
+        <p:nvSpPr>
+          <p:cNvPr id="3" name="TextBox 2">
+            <a:extLst>
+              <a:ext uri="{FF2B5EF4-FFF2-40B4-BE49-F238E27FC236}">
+                <a16:creationId xmlns:a16="http://schemas.microsoft.com/office/drawing/2014/main" id="{B18BCD5F-7D55-EF4C-731A-F37137B3DEE2}"/>
+              </a:ext>
+            </a:extLst>
+          </p:cNvPr>
+          <p:cNvSpPr txBox="1"/>
+          <p:nvPr/>
+        </p:nvSpPr>
+        <p:spPr>
+          <a:xfrm>
+            <a:off x="998057" y="1243415"/>
+            <a:ext cx="2365825" cy="307777"/>
+          </a:xfrm>
+          <a:prstGeom prst="rect">
+            <a:avLst/>
+          </a:prstGeom>
+          <a:noFill/>
+        </p:spPr>
+        <p:txBody>
+          <a:bodyPr wrap="square" rtlCol="0">
+            <a:spAutoFit/>
+          </a:bodyPr>
+          <a:lstStyle/>
+          <a:p>
+            <a:pPr marL="0" marR="0" lvl="0" indent="0" algn="ctr" defTabSz="914400" rtl="0" eaLnBrk="1" fontAlgn="auto" latinLnBrk="0" hangingPunct="1">
+              <a:lnSpc>
+                <a:spcPct val="100000"/>
+              </a:lnSpc>
+              <a:spcBef>
+                <a:spcPts val="0"/>
+              </a:spcBef>
+              <a:spcAft>
+                <a:spcPts val="0"/>
+              </a:spcAft>
+              <a:buClrTx/>
+              <a:buSzTx/>
+              <a:buFontTx/>
+              <a:buNone/>
+              <a:tabLst/>
+              <a:defRPr/>
+            </a:pPr>
+            <a:r>
+              <a:rPr kumimoji="0" lang="en-IN" sz="1400" b="0" i="0" u="none" strike="noStrike" kern="1200" cap="none" spc="0" normalizeH="0" baseline="0" noProof="0" dirty="0">
+                <a:ln>
+                  <a:noFill/>
+                </a:ln>
+                <a:solidFill>
+                  <a:prstClr val="black"/>
+                </a:solidFill>
+                <a:effectLst/>
+                <a:uLnTx/>
+                <a:uFillTx/>
+                <a:latin typeface="Arial" panose="020B0604020202020204" pitchFamily="34" charset="0"/>
+                <a:ea typeface="+mn-ea"/>
+                <a:cs typeface="Arial" panose="020B0604020202020204" pitchFamily="34" charset="0"/>
+              </a:rPr>
+              <a:t>Employee Table</a:t>
             </a:r>
           </a:p>
         </p:txBody>
@@ -10140,7 +10472,7 @@
           <p:cNvPr id="7" name="TextBox 6">
             <a:extLst>
               <a:ext uri="{FF2B5EF4-FFF2-40B4-BE49-F238E27FC236}">
-                <a16:creationId xmlns:a16="http://schemas.microsoft.com/office/drawing/2014/main" id="{B4E07FE1-E878-E386-9DF4-34E931415690}"/>
+                <a16:creationId xmlns:a16="http://schemas.microsoft.com/office/drawing/2014/main" id="{4C83CCD6-EE94-F670-0B4C-0C9FE07C57EE}"/>
               </a:ext>
             </a:extLst>
           </p:cNvPr>
@@ -10149,8 +10481,8 @@
         </p:nvSpPr>
         <p:spPr>
           <a:xfrm>
-            <a:off x="490219" y="1349647"/>
-            <a:ext cx="11106695" cy="5078313"/>
+            <a:off x="7911242" y="1327177"/>
+            <a:ext cx="1399175" cy="307777"/>
           </a:xfrm>
           <a:prstGeom prst="rect">
             <a:avLst/>
@@ -10158,70 +10490,247 @@
           <a:noFill/>
         </p:spPr>
         <p:txBody>
-          <a:bodyPr wrap="square">
+          <a:bodyPr wrap="square" rtlCol="0">
             <a:spAutoFit/>
           </a:bodyPr>
           <a:lstStyle/>
           <a:p>
-            <a:r>
-              <a:rPr lang="en-US" b="0" i="0" dirty="0">
+            <a:pPr marL="0" marR="0" lvl="0" indent="0" algn="ctr" defTabSz="914400" rtl="0" eaLnBrk="1" fontAlgn="auto" latinLnBrk="0" hangingPunct="1">
+              <a:lnSpc>
+                <a:spcPct val="100000"/>
+              </a:lnSpc>
+              <a:spcBef>
+                <a:spcPts val="0"/>
+              </a:spcBef>
+              <a:spcAft>
+                <a:spcPts val="0"/>
+              </a:spcAft>
+              <a:buClrTx/>
+              <a:buSzTx/>
+              <a:buFontTx/>
+              <a:buNone/>
+              <a:tabLst/>
+              <a:defRPr/>
+            </a:pPr>
+            <a:r>
+              <a:rPr kumimoji="0" lang="en-IN" sz="1400" b="0" i="0" u="none" strike="noStrike" kern="1200" cap="none" spc="0" normalizeH="0" baseline="0" noProof="0" dirty="0">
+                <a:ln>
+                  <a:noFill/>
+                </a:ln>
+                <a:solidFill>
+                  <a:prstClr val="black"/>
+                </a:solidFill>
                 <a:effectLst/>
-                <a:latin typeface="Söhne"/>
-              </a:rPr>
-              <a:t> This capstone project involved creating a database table for Employee with EmployeeID, EmployeeName, and DateOfBirth columns. A Java program was written to query a single record based on EmployeeID, and Jenkins was used to deploy changes to the code to the Application server. A client program was also created to interact with our webservice.</a:t>
-            </a:r>
-          </a:p>
-          <a:p>
-            <a:endParaRPr lang="en-US" dirty="0">
-              <a:latin typeface="Söhne"/>
-            </a:endParaRPr>
-          </a:p>
-          <a:p>
-            <a:r>
-              <a:rPr lang="en-US" b="0" i="0" dirty="0">
+                <a:uLnTx/>
+                <a:uFillTx/>
+                <a:latin typeface="Arial" panose="020B0604020202020204" pitchFamily="34" charset="0"/>
+                <a:ea typeface="+mn-ea"/>
+                <a:cs typeface="Arial" panose="020B0604020202020204" pitchFamily="34" charset="0"/>
+              </a:rPr>
+              <a:t>Table Schema</a:t>
+            </a:r>
+          </a:p>
+        </p:txBody>
+      </p:sp>
+      <p:sp>
+        <p:nvSpPr>
+          <p:cNvPr id="9" name="TextBox 8">
+            <a:extLst>
+              <a:ext uri="{FF2B5EF4-FFF2-40B4-BE49-F238E27FC236}">
+                <a16:creationId xmlns:a16="http://schemas.microsoft.com/office/drawing/2014/main" id="{8776E258-07B7-D5D9-7396-35BF7029BD2A}"/>
+              </a:ext>
+            </a:extLst>
+          </p:cNvPr>
+          <p:cNvSpPr txBox="1"/>
+          <p:nvPr/>
+        </p:nvSpPr>
+        <p:spPr>
+          <a:xfrm>
+            <a:off x="3749318" y="935638"/>
+            <a:ext cx="4693364" cy="307777"/>
+          </a:xfrm>
+          <a:prstGeom prst="rect">
+            <a:avLst/>
+          </a:prstGeom>
+        </p:spPr>
+        <p:style>
+          <a:lnRef idx="1">
+            <a:schemeClr val="accent3"/>
+          </a:lnRef>
+          <a:fillRef idx="2">
+            <a:schemeClr val="accent3"/>
+          </a:fillRef>
+          <a:effectRef idx="1">
+            <a:schemeClr val="accent3"/>
+          </a:effectRef>
+          <a:fontRef idx="minor">
+            <a:schemeClr val="dk1"/>
+          </a:fontRef>
+        </p:style>
+        <p:txBody>
+          <a:bodyPr wrap="square" rtlCol="0">
+            <a:spAutoFit/>
+          </a:bodyPr>
+          <a:lstStyle/>
+          <a:p>
+            <a:pPr marL="0" marR="0" lvl="0" indent="0" algn="ctr" defTabSz="914400" rtl="0" eaLnBrk="1" fontAlgn="auto" latinLnBrk="0" hangingPunct="1">
+              <a:lnSpc>
+                <a:spcPct val="100000"/>
+              </a:lnSpc>
+              <a:spcBef>
+                <a:spcPts val="0"/>
+              </a:spcBef>
+              <a:spcAft>
+                <a:spcPts val="0"/>
+              </a:spcAft>
+              <a:buClrTx/>
+              <a:buSzTx/>
+              <a:buFontTx/>
+              <a:buNone/>
+              <a:tabLst/>
+              <a:defRPr/>
+            </a:pPr>
+            <a:r>
+              <a:rPr kumimoji="0" lang="en-IN" sz="1400" b="0" i="0" u="none" strike="noStrike" kern="1200" cap="none" spc="0" normalizeH="0" baseline="0" noProof="0" dirty="0">
+                <a:ln>
+                  <a:noFill/>
+                </a:ln>
+                <a:solidFill>
+                  <a:prstClr val="black"/>
+                </a:solidFill>
                 <a:effectLst/>
-                <a:latin typeface="Söhne"/>
-              </a:rPr>
-              <a:t>In conclusion, our capstone project successfully achieved the goal of creating a RESTful web service that queries a single record from a database and returns a response containing all relevant employee information. We also ensured security by using HTTPS with a self-signed certificate and encrypting sensitive information with AES-256. </a:t>
-            </a:r>
-          </a:p>
-          <a:p>
-            <a:r>
-              <a:rPr lang="en-US" b="0" i="0" dirty="0">
+                <a:uLnTx/>
+                <a:uFillTx/>
+                <a:latin typeface="Calibri" panose="020F0502020204030204"/>
+                <a:ea typeface="+mn-ea"/>
+                <a:cs typeface="+mn-cs"/>
+              </a:rPr>
+              <a:t>DATABASE STRUCTURE OF CONTAINERIZED WEBSERVICE</a:t>
+            </a:r>
+          </a:p>
+        </p:txBody>
+      </p:sp>
+      <p:pic>
+        <p:nvPicPr>
+          <p:cNvPr id="12" name="Picture 11">
+            <a:extLst>
+              <a:ext uri="{FF2B5EF4-FFF2-40B4-BE49-F238E27FC236}">
+                <a16:creationId xmlns:a16="http://schemas.microsoft.com/office/drawing/2014/main" id="{6BB3D807-13DF-6C0F-27B2-5827A669DA4F}"/>
+              </a:ext>
+            </a:extLst>
+          </p:cNvPr>
+          <p:cNvPicPr>
+            <a:picLocks noChangeAspect="1"/>
+          </p:cNvPicPr>
+          <p:nvPr/>
+        </p:nvPicPr>
+        <p:blipFill>
+          <a:blip r:embed="rId5"/>
+          <a:stretch>
+            <a:fillRect/>
+          </a:stretch>
+        </p:blipFill>
+        <p:spPr>
+          <a:xfrm>
+            <a:off x="5500914" y="1604437"/>
+            <a:ext cx="6139542" cy="1824564"/>
+          </a:xfrm>
+          <a:prstGeom prst="rect">
+            <a:avLst/>
+          </a:prstGeom>
+        </p:spPr>
+      </p:pic>
+      <p:pic>
+        <p:nvPicPr>
+          <p:cNvPr id="14" name="Picture 13">
+            <a:extLst>
+              <a:ext uri="{FF2B5EF4-FFF2-40B4-BE49-F238E27FC236}">
+                <a16:creationId xmlns:a16="http://schemas.microsoft.com/office/drawing/2014/main" id="{CFC0EA24-BEB9-43E9-8AD4-1BAB8498CEDC}"/>
+              </a:ext>
+            </a:extLst>
+          </p:cNvPr>
+          <p:cNvPicPr>
+            <a:picLocks noChangeAspect="1"/>
+          </p:cNvPicPr>
+          <p:nvPr/>
+        </p:nvPicPr>
+        <p:blipFill>
+          <a:blip r:embed="rId6"/>
+          <a:stretch>
+            <a:fillRect/>
+          </a:stretch>
+        </p:blipFill>
+        <p:spPr>
+          <a:xfrm>
+            <a:off x="5581204" y="3825754"/>
+            <a:ext cx="6059252" cy="2908875"/>
+          </a:xfrm>
+          <a:prstGeom prst="rect">
+            <a:avLst/>
+          </a:prstGeom>
+        </p:spPr>
+      </p:pic>
+      <p:sp>
+        <p:nvSpPr>
+          <p:cNvPr id="15" name="TextBox 14">
+            <a:extLst>
+              <a:ext uri="{FF2B5EF4-FFF2-40B4-BE49-F238E27FC236}">
+                <a16:creationId xmlns:a16="http://schemas.microsoft.com/office/drawing/2014/main" id="{D7668A47-3B3B-9F24-65C1-EFFC96A316AE}"/>
+              </a:ext>
+            </a:extLst>
+          </p:cNvPr>
+          <p:cNvSpPr txBox="1"/>
+          <p:nvPr/>
+        </p:nvSpPr>
+        <p:spPr>
+          <a:xfrm>
+            <a:off x="7402287" y="3548494"/>
+            <a:ext cx="2336799" cy="307777"/>
+          </a:xfrm>
+          <a:prstGeom prst="rect">
+            <a:avLst/>
+          </a:prstGeom>
+          <a:noFill/>
+        </p:spPr>
+        <p:txBody>
+          <a:bodyPr wrap="square" rtlCol="0">
+            <a:spAutoFit/>
+          </a:bodyPr>
+          <a:lstStyle/>
+          <a:p>
+            <a:pPr marL="0" marR="0" lvl="0" indent="0" algn="l" defTabSz="914400" rtl="0" eaLnBrk="1" fontAlgn="auto" latinLnBrk="0" hangingPunct="1">
+              <a:lnSpc>
+                <a:spcPct val="100000"/>
+              </a:lnSpc>
+              <a:spcBef>
+                <a:spcPts val="0"/>
+              </a:spcBef>
+              <a:spcAft>
+                <a:spcPts val="0"/>
+              </a:spcAft>
+              <a:buClrTx/>
+              <a:buSzTx/>
+              <a:buFontTx/>
+              <a:buNone/>
+              <a:tabLst/>
+              <a:defRPr/>
+            </a:pPr>
+            <a:r>
+              <a:rPr kumimoji="0" lang="en-IN" sz="1400" b="0" i="0" u="none" strike="noStrike" kern="1200" cap="none" spc="0" normalizeH="0" baseline="0" noProof="0" dirty="0">
+                <a:ln>
+                  <a:noFill/>
+                </a:ln>
+                <a:solidFill>
+                  <a:prstClr val="black"/>
+                </a:solidFill>
                 <a:effectLst/>
-                <a:latin typeface="Söhne"/>
-              </a:rPr>
-              <a:t>We utilized Spring boot and Jenkins for continuous integration and deployment, and deployed our containerized web service on Kubernetes. </a:t>
-            </a:r>
-          </a:p>
-          <a:p>
-            <a:endParaRPr lang="en-US" dirty="0">
-              <a:latin typeface="Söhne"/>
-            </a:endParaRPr>
-          </a:p>
-          <a:p>
-            <a:r>
-              <a:rPr lang="en-US" b="0" i="0" dirty="0">
-                <a:effectLst/>
-                <a:latin typeface="Söhne"/>
-              </a:rPr>
-              <a:t>During the development process, we faced several challenges such as debugging and troubleshooting issues with our containerized deployment on Kubernetes, ensuring secure communication between the client and server, and managing the rotation of log files. However, we were able to overcome these challenges by using online resources and interacting with batchmates to find effective solutions.</a:t>
-            </a:r>
-          </a:p>
-          <a:p>
-            <a:endParaRPr lang="en-US" b="0" i="0" dirty="0">
-              <a:effectLst/>
-              <a:latin typeface="Söhne"/>
-            </a:endParaRPr>
-          </a:p>
-          <a:p>
-            <a:pPr algn="l"/>
-            <a:r>
-              <a:rPr lang="en-US" b="0" i="0" dirty="0">
-                <a:effectLst/>
-                <a:latin typeface="Söhne"/>
-              </a:rPr>
-              <a:t>Overall, this capstone project provided valuable experience in developing and deploying a secure, scalable, and containerized web service, while also learning how to overcome challenges in a development environment.</a:t>
+                <a:uLnTx/>
+                <a:uFillTx/>
+                <a:latin typeface="Arial" panose="020B0604020202020204" pitchFamily="34" charset="0"/>
+                <a:ea typeface="+mn-ea"/>
+                <a:cs typeface="Arial" panose="020B0604020202020204" pitchFamily="34" charset="0"/>
+              </a:rPr>
+              <a:t>MySQL instance on cluster</a:t>
             </a:r>
           </a:p>
         </p:txBody>
@@ -10229,13 +10738,16 @@
     </p:spTree>
     <p:extLst>
       <p:ext uri="{BB962C8B-B14F-4D97-AF65-F5344CB8AC3E}">
-        <p14:creationId xmlns:p14="http://schemas.microsoft.com/office/powerpoint/2010/main" val="984102935"/>
+        <p14:creationId xmlns:p14="http://schemas.microsoft.com/office/powerpoint/2010/main" val="1427677089"/>
       </p:ext>
     </p:extLst>
   </p:cSld>
   <p:clrMapOvr>
     <a:masterClrMapping/>
   </p:clrMapOvr>
+  <p:transition spd="slow">
+    <p:push/>
+  </p:transition>
 </p:sld>
 </file>
 
@@ -10414,17 +10926,17 @@
                 </a:solidFill>
                 <a:latin typeface="Times New Roman" panose="02020603050405020304" pitchFamily="18" charset="0"/>
               </a:rPr>
-              <a:t>Future Work</a:t>
+              <a:t>Conclusion</a:t>
             </a:r>
           </a:p>
         </p:txBody>
       </p:sp>
       <p:sp>
         <p:nvSpPr>
-          <p:cNvPr id="3" name="TextBox 2">
-            <a:extLst>
-              <a:ext uri="{FF2B5EF4-FFF2-40B4-BE49-F238E27FC236}">
-                <a16:creationId xmlns:a16="http://schemas.microsoft.com/office/drawing/2014/main" id="{0619899A-31DA-FCDF-48CA-B2A307298A93}"/>
+          <p:cNvPr id="7" name="TextBox 6">
+            <a:extLst>
+              <a:ext uri="{FF2B5EF4-FFF2-40B4-BE49-F238E27FC236}">
+                <a16:creationId xmlns:a16="http://schemas.microsoft.com/office/drawing/2014/main" id="{B4E07FE1-E878-E386-9DF4-34E931415690}"/>
               </a:ext>
             </a:extLst>
           </p:cNvPr>
@@ -10433,184 +10945,79 @@
         </p:nvSpPr>
         <p:spPr>
           <a:xfrm>
-            <a:off x="226060" y="1250713"/>
-            <a:ext cx="11092179" cy="703591"/>
-          </a:xfrm>
-          <a:prstGeom prst="rect">
-            <a:avLst/>
-          </a:prstGeom>
-        </p:spPr>
-        <p:style>
-          <a:lnRef idx="2">
-            <a:schemeClr val="accent2"/>
-          </a:lnRef>
-          <a:fillRef idx="1">
-            <a:schemeClr val="lt1"/>
-          </a:fillRef>
-          <a:effectRef idx="0">
-            <a:schemeClr val="accent2"/>
-          </a:effectRef>
-          <a:fontRef idx="minor">
-            <a:schemeClr val="dk1"/>
-          </a:fontRef>
-        </p:style>
+            <a:off x="490219" y="1349647"/>
+            <a:ext cx="11106695" cy="5078313"/>
+          </a:xfrm>
+          <a:prstGeom prst="rect">
+            <a:avLst/>
+          </a:prstGeom>
+          <a:noFill/>
+        </p:spPr>
         <p:txBody>
           <a:bodyPr wrap="square">
             <a:spAutoFit/>
           </a:bodyPr>
           <a:lstStyle/>
           <a:p>
-            <a:pPr marL="285750" indent="-285750" algn="just">
-              <a:lnSpc>
-                <a:spcPct val="115000"/>
-              </a:lnSpc>
-              <a:buFont typeface="Wingdings" panose="05000000000000000000" pitchFamily="2" charset="2"/>
-              <a:buChar char="Ø"/>
-            </a:pPr>
-            <a:r>
-              <a:rPr lang="en-US" sz="1800" dirty="0">
-                <a:effectLst/>
-                <a:latin typeface="Bahnschrift" panose="020B0502040204020203" pitchFamily="34" charset="0"/>
-                <a:ea typeface="Arial" panose="020B0604020202020204" pitchFamily="34" charset="0"/>
-              </a:rPr>
-              <a:t>These future work items will improve the overall functionality, usability, and performance of the application, providing more value to end-users and stakeholders.</a:t>
-            </a:r>
-            <a:endParaRPr lang="en-IN" sz="1400" dirty="0">
-              <a:effectLst/>
-              <a:latin typeface="Bahnschrift" panose="020B0502040204020203" pitchFamily="34" charset="0"/>
-              <a:ea typeface="Arial" panose="020B0604020202020204" pitchFamily="34" charset="0"/>
-            </a:endParaRPr>
-          </a:p>
-        </p:txBody>
-      </p:sp>
-      <p:sp>
-        <p:nvSpPr>
-          <p:cNvPr id="2" name="TextBox 1">
-            <a:extLst>
-              <a:ext uri="{FF2B5EF4-FFF2-40B4-BE49-F238E27FC236}">
-                <a16:creationId xmlns:a16="http://schemas.microsoft.com/office/drawing/2014/main" id="{26903B5E-9549-41FD-B5F1-7E2A8E7217D1}"/>
-              </a:ext>
-            </a:extLst>
-          </p:cNvPr>
-          <p:cNvSpPr txBox="1"/>
-          <p:nvPr/>
-        </p:nvSpPr>
-        <p:spPr>
-          <a:xfrm>
-            <a:off x="226060" y="2336799"/>
-            <a:ext cx="11092179" cy="4247317"/>
-          </a:xfrm>
-          <a:prstGeom prst="rect">
-            <a:avLst/>
-          </a:prstGeom>
-          <a:noFill/>
-        </p:spPr>
-        <p:txBody>
-          <a:bodyPr wrap="square" rtlCol="0">
-            <a:spAutoFit/>
-          </a:bodyPr>
-          <a:lstStyle/>
-          <a:p>
-            <a:pPr marL="285750" indent="-285750" algn="l">
-              <a:buFont typeface="Arial" panose="020B0604020202020204" pitchFamily="34" charset="0"/>
-              <a:buChar char="•"/>
-            </a:pPr>
             <a:r>
               <a:rPr lang="en-US" b="0" i="0" dirty="0">
                 <a:effectLst/>
                 <a:latin typeface="Söhne"/>
               </a:rPr>
-              <a:t>Implement a User Interface - Although the current application is designed as a back-end service, creating a user interface will provide better usability and accessibility for end-users.</a:t>
-            </a:r>
-          </a:p>
-          <a:p>
-            <a:pPr marL="285750" indent="-285750" algn="l">
-              <a:buFont typeface="Arial" panose="020B0604020202020204" pitchFamily="34" charset="0"/>
-              <a:buChar char="•"/>
-            </a:pPr>
+              <a:t> This capstone project involved creating a database table for Employee with EmployeeID, EmployeeName, and DateOfBirth columns. A Java program was written to query a single record based on EmployeeID, and Jenkins was used to deploy changes to the code to the Application server. A client program was also created to interact with our webservice.</a:t>
+            </a:r>
+          </a:p>
+          <a:p>
             <a:endParaRPr lang="en-US" dirty="0">
               <a:latin typeface="Söhne"/>
             </a:endParaRPr>
           </a:p>
           <a:p>
-            <a:pPr marL="285750" indent="-285750" algn="l">
-              <a:buFont typeface="Arial" panose="020B0604020202020204" pitchFamily="34" charset="0"/>
-              <a:buChar char="•"/>
-            </a:pPr>
             <a:r>
               <a:rPr lang="en-US" b="0" i="0" dirty="0">
                 <a:effectLst/>
                 <a:latin typeface="Söhne"/>
               </a:rPr>
-              <a:t>Integration with Third-Party Services - The application can be enhanced by integrating it with third-party services such as payroll management, performance management, or attendance management systems.</a:t>
-            </a:r>
-          </a:p>
-          <a:p>
-            <a:pPr marL="285750" indent="-285750" algn="l">
-              <a:buFont typeface="Arial" panose="020B0604020202020204" pitchFamily="34" charset="0"/>
-              <a:buChar char="•"/>
-            </a:pPr>
+              <a:t>In conclusion, our capstone project successfully achieved the goal of creating a RESTful web service that queries a single record from a database and returns a response containing all relevant employee information. We also ensured security by using HTTPS with a self-signed certificate and encrypting sensitive information with AES-256. </a:t>
+            </a:r>
+          </a:p>
+          <a:p>
+            <a:r>
+              <a:rPr lang="en-US" b="0" i="0" dirty="0">
+                <a:effectLst/>
+                <a:latin typeface="Söhne"/>
+              </a:rPr>
+              <a:t>We utilized Spring boot and Jenkins for continuous integration and deployment, and deployed our containerized web service on Kubernetes. </a:t>
+            </a:r>
+          </a:p>
+          <a:p>
             <a:endParaRPr lang="en-US" dirty="0">
               <a:latin typeface="Söhne"/>
             </a:endParaRPr>
           </a:p>
           <a:p>
-            <a:pPr marL="285750" indent="-285750">
-              <a:buFont typeface="Arial" panose="020B0604020202020204" pitchFamily="34" charset="0"/>
-              <a:buChar char="•"/>
-            </a:pPr>
             <a:r>
               <a:rPr lang="en-US" b="0" i="0" dirty="0">
                 <a:effectLst/>
                 <a:latin typeface="Söhne"/>
               </a:rPr>
-              <a:t>Add Role-Based Access Control (RBAC) - Implementing RBAC will provide more fine-grained access control to the application, allowing different roles to access only the necessary functionality.</a:t>
-            </a:r>
-          </a:p>
-          <a:p>
-            <a:pPr marL="285750" indent="-285750" algn="l">
-              <a:buFont typeface="Arial" panose="020B0604020202020204" pitchFamily="34" charset="0"/>
-              <a:buChar char="•"/>
-            </a:pPr>
+              <a:t>During the development process, we faced several challenges such as debugging and troubleshooting issues with our containerized deployment on Kubernetes, ensuring secure communication between the client and server, and managing the rotation of log files. However, we were able to overcome these challenges by using online resources and interacting with batchmates to find effective solutions.</a:t>
+            </a:r>
+          </a:p>
+          <a:p>
             <a:endParaRPr lang="en-US" b="0" i="0" dirty="0">
               <a:effectLst/>
               <a:latin typeface="Söhne"/>
             </a:endParaRPr>
           </a:p>
           <a:p>
-            <a:pPr marL="285750" indent="-285750" algn="l">
-              <a:buFont typeface="Arial" panose="020B0604020202020204" pitchFamily="34" charset="0"/>
-              <a:buChar char="•"/>
-            </a:pPr>
+            <a:pPr algn="l"/>
             <a:r>
               <a:rPr lang="en-US" b="0" i="0" dirty="0">
                 <a:effectLst/>
                 <a:latin typeface="Söhne"/>
               </a:rPr>
-              <a:t>Introduce Machine Learning Algorithms - Integrating machine learning algorithms can provide better insights into employee performance, identifying trends and predicting future outcomes.</a:t>
-            </a:r>
-          </a:p>
-          <a:p>
-            <a:pPr marL="285750" indent="-285750" algn="l">
-              <a:buFont typeface="Arial" panose="020B0604020202020204" pitchFamily="34" charset="0"/>
-              <a:buChar char="•"/>
-            </a:pPr>
-            <a:endParaRPr lang="en-US" b="0" i="0" dirty="0">
-              <a:effectLst/>
-              <a:latin typeface="Söhne"/>
-            </a:endParaRPr>
-          </a:p>
-          <a:p>
-            <a:pPr marL="285750" indent="-285750" algn="l">
-              <a:buFont typeface="Arial" panose="020B0604020202020204" pitchFamily="34" charset="0"/>
-              <a:buChar char="•"/>
-            </a:pPr>
-            <a:r>
-              <a:rPr lang="en-US" b="0" i="0" dirty="0">
-                <a:effectLst/>
-                <a:latin typeface="Söhne"/>
-              </a:rPr>
-              <a:t>Optimize Containerization and Deployment - As the application scales and more instances of the container are added, optimizing the deployment and containerization process can improve the overall performance and efficiency of the application.</a:t>
+              <a:t>Overall, this capstone project provided valuable experience in developing and deploying a secure, scalable, and containerized web service, while also learning how to overcome challenges in a development environment.</a:t>
             </a:r>
           </a:p>
         </p:txBody>
@@ -10618,13 +11025,16 @@
     </p:spTree>
     <p:extLst>
       <p:ext uri="{BB962C8B-B14F-4D97-AF65-F5344CB8AC3E}">
-        <p14:creationId xmlns:p14="http://schemas.microsoft.com/office/powerpoint/2010/main" val="2343796108"/>
+        <p14:creationId xmlns:p14="http://schemas.microsoft.com/office/powerpoint/2010/main" val="984102935"/>
       </p:ext>
     </p:extLst>
   </p:cSld>
   <p:clrMapOvr>
     <a:masterClrMapping/>
   </p:clrMapOvr>
+  <p:transition spd="slow">
+    <p:push/>
+  </p:transition>
 </p:sld>
 </file>
 
@@ -10803,17 +11213,17 @@
                 </a:solidFill>
                 <a:latin typeface="Times New Roman" panose="02020603050405020304" pitchFamily="18" charset="0"/>
               </a:rPr>
-              <a:t>References</a:t>
+              <a:t>Future Work</a:t>
             </a:r>
           </a:p>
         </p:txBody>
       </p:sp>
       <p:sp>
         <p:nvSpPr>
-          <p:cNvPr id="10" name="TextBox 9">
-            <a:extLst>
-              <a:ext uri="{FF2B5EF4-FFF2-40B4-BE49-F238E27FC236}">
-                <a16:creationId xmlns:a16="http://schemas.microsoft.com/office/drawing/2014/main" id="{61206C2F-BDF5-071B-EC7C-A93066E34658}"/>
+          <p:cNvPr id="3" name="TextBox 2">
+            <a:extLst>
+              <a:ext uri="{FF2B5EF4-FFF2-40B4-BE49-F238E27FC236}">
+                <a16:creationId xmlns:a16="http://schemas.microsoft.com/office/drawing/2014/main" id="{0619899A-31DA-FCDF-48CA-B2A307298A93}"/>
               </a:ext>
             </a:extLst>
           </p:cNvPr>
@@ -10822,14 +11232,27 @@
         </p:nvSpPr>
         <p:spPr>
           <a:xfrm>
-            <a:off x="217505" y="1673850"/>
-            <a:ext cx="11974495" cy="4829014"/>
-          </a:xfrm>
-          <a:prstGeom prst="rect">
-            <a:avLst/>
-          </a:prstGeom>
-          <a:noFill/>
-        </p:spPr>
+            <a:off x="226060" y="1250713"/>
+            <a:ext cx="11092179" cy="703591"/>
+          </a:xfrm>
+          <a:prstGeom prst="rect">
+            <a:avLst/>
+          </a:prstGeom>
+        </p:spPr>
+        <p:style>
+          <a:lnRef idx="2">
+            <a:schemeClr val="accent2"/>
+          </a:lnRef>
+          <a:fillRef idx="1">
+            <a:schemeClr val="lt1"/>
+          </a:fillRef>
+          <a:effectRef idx="0">
+            <a:schemeClr val="accent2"/>
+          </a:effectRef>
+          <a:fontRef idx="minor">
+            <a:schemeClr val="dk1"/>
+          </a:fontRef>
+        </p:style>
         <p:txBody>
           <a:bodyPr wrap="square">
             <a:spAutoFit/>
@@ -10840,341 +11263,153 @@
               <a:lnSpc>
                 <a:spcPct val="115000"/>
               </a:lnSpc>
+              <a:buFont typeface="Wingdings" panose="05000000000000000000" pitchFamily="2" charset="2"/>
+              <a:buChar char="Ø"/>
+            </a:pPr>
+            <a:r>
+              <a:rPr lang="en-US" sz="1800" dirty="0">
+                <a:effectLst/>
+                <a:latin typeface="Bahnschrift" panose="020B0502040204020203" pitchFamily="34" charset="0"/>
+                <a:ea typeface="Arial" panose="020B0604020202020204" pitchFamily="34" charset="0"/>
+              </a:rPr>
+              <a:t>These future work items will improve the overall functionality, usability, and performance of the application, providing more value to end-users and stakeholders.</a:t>
+            </a:r>
+            <a:endParaRPr lang="en-IN" sz="1400" dirty="0">
+              <a:effectLst/>
+              <a:latin typeface="Bahnschrift" panose="020B0502040204020203" pitchFamily="34" charset="0"/>
+              <a:ea typeface="Arial" panose="020B0604020202020204" pitchFamily="34" charset="0"/>
+            </a:endParaRPr>
+          </a:p>
+        </p:txBody>
+      </p:sp>
+      <p:sp>
+        <p:nvSpPr>
+          <p:cNvPr id="2" name="TextBox 1">
+            <a:extLst>
+              <a:ext uri="{FF2B5EF4-FFF2-40B4-BE49-F238E27FC236}">
+                <a16:creationId xmlns:a16="http://schemas.microsoft.com/office/drawing/2014/main" id="{26903B5E-9549-41FD-B5F1-7E2A8E7217D1}"/>
+              </a:ext>
+            </a:extLst>
+          </p:cNvPr>
+          <p:cNvSpPr txBox="1"/>
+          <p:nvPr/>
+        </p:nvSpPr>
+        <p:spPr>
+          <a:xfrm>
+            <a:off x="226060" y="2336799"/>
+            <a:ext cx="11092179" cy="4247317"/>
+          </a:xfrm>
+          <a:prstGeom prst="rect">
+            <a:avLst/>
+          </a:prstGeom>
+          <a:noFill/>
+        </p:spPr>
+        <p:txBody>
+          <a:bodyPr wrap="square" rtlCol="0">
+            <a:spAutoFit/>
+          </a:bodyPr>
+          <a:lstStyle/>
+          <a:p>
+            <a:pPr marL="285750" indent="-285750" algn="l">
               <a:buFont typeface="Arial" panose="020B0604020202020204" pitchFamily="34" charset="0"/>
               <a:buChar char="•"/>
             </a:pPr>
             <a:r>
-              <a:rPr lang="en-US" dirty="0">
-                <a:latin typeface="Arial" panose="020B0604020202020204" pitchFamily="34" charset="0"/>
-                <a:cs typeface="Arial" panose="020B0604020202020204" pitchFamily="34" charset="0"/>
-              </a:rPr>
-              <a:t>Spring framework documentation(2022). Retrieved from </a:t>
-            </a:r>
-            <a:r>
-              <a:rPr lang="en-IN" sz="1400" dirty="0">
-                <a:latin typeface="Arial" panose="020B0604020202020204" pitchFamily="34" charset="0"/>
-                <a:ea typeface="Arial" panose="020B0604020202020204" pitchFamily="34" charset="0"/>
-                <a:hlinkClick r:id="rId4"/>
-              </a:rPr>
-              <a:t>https://docs.spring.io/spring-framework/docs/current/reference/html/</a:t>
-            </a:r>
-            <a:r>
-              <a:rPr lang="en-US" dirty="0">
-                <a:latin typeface="Arial" panose="020B0604020202020204" pitchFamily="34" charset="0"/>
-                <a:cs typeface="Arial" panose="020B0604020202020204" pitchFamily="34" charset="0"/>
-              </a:rPr>
-              <a:t>											</a:t>
-            </a:r>
-          </a:p>
-          <a:p>
-            <a:pPr marL="285750" indent="-285750" algn="just">
-              <a:lnSpc>
-                <a:spcPct val="115000"/>
-              </a:lnSpc>
+              <a:rPr lang="en-US" b="0" i="0" dirty="0">
+                <a:effectLst/>
+                <a:latin typeface="Söhne"/>
+              </a:rPr>
+              <a:t>Implement a User Interface - Although the current application is designed as a back-end service, creating a user interface will provide better usability and accessibility for end-users.</a:t>
+            </a:r>
+          </a:p>
+          <a:p>
+            <a:pPr marL="285750" indent="-285750" algn="l">
               <a:buFont typeface="Arial" panose="020B0604020202020204" pitchFamily="34" charset="0"/>
               <a:buChar char="•"/>
             </a:pPr>
-            <a:r>
-              <a:rPr lang="en-US" dirty="0">
-                <a:latin typeface="Arial" panose="020B0604020202020204" pitchFamily="34" charset="0"/>
-                <a:cs typeface="Arial" panose="020B0604020202020204" pitchFamily="34" charset="0"/>
-              </a:rPr>
-              <a:t>AES256 encryption-decryption reference from</a:t>
-            </a:r>
-            <a:r>
-              <a:rPr lang="en-IN" dirty="0">
-                <a:latin typeface="Arial" panose="020B0604020202020204" pitchFamily="34" charset="0"/>
-                <a:cs typeface="Arial" panose="020B0604020202020204" pitchFamily="34" charset="0"/>
-              </a:rPr>
-              <a:t> </a:t>
-            </a:r>
-            <a:r>
-              <a:rPr lang="en-IN" sz="1600" dirty="0">
-                <a:solidFill>
-                  <a:srgbClr val="0563C1"/>
-                </a:solidFill>
-                <a:latin typeface="Arial" panose="020B0604020202020204" pitchFamily="34" charset="0"/>
-                <a:cs typeface="Arial" panose="020B0604020202020204" pitchFamily="34" charset="0"/>
-                <a:hlinkClick r:id="rId5">
-                  <a:extLst>
-                    <a:ext uri="{A12FA001-AC4F-418D-AE19-62706E023703}">
-                      <ahyp:hlinkClr xmlns:ahyp="http://schemas.microsoft.com/office/drawing/2018/hyperlinkcolor" val="tx"/>
-                    </a:ext>
-                  </a:extLst>
-                </a:hlinkClick>
-              </a:rPr>
-              <a:t>Java AES Encryption and Decryption | Baeldung</a:t>
-            </a:r>
-            <a:endParaRPr lang="en-IN" sz="1600" dirty="0">
-              <a:solidFill>
-                <a:srgbClr val="0563C1"/>
-              </a:solidFill>
-              <a:latin typeface="Arial" panose="020B0604020202020204" pitchFamily="34" charset="0"/>
-              <a:cs typeface="Arial" panose="020B0604020202020204" pitchFamily="34" charset="0"/>
+            <a:endParaRPr lang="en-US" dirty="0">
+              <a:latin typeface="Söhne"/>
             </a:endParaRPr>
           </a:p>
           <a:p>
-            <a:pPr marL="285750" indent="-285750" algn="just">
-              <a:lnSpc>
-                <a:spcPct val="115000"/>
-              </a:lnSpc>
+            <a:pPr marL="285750" indent="-285750" algn="l">
               <a:buFont typeface="Arial" panose="020B0604020202020204" pitchFamily="34" charset="0"/>
               <a:buChar char="•"/>
             </a:pPr>
-            <a:endParaRPr lang="en-IN" dirty="0">
-              <a:solidFill>
-                <a:srgbClr val="0563C1"/>
-              </a:solidFill>
-              <a:latin typeface="Arial" panose="020B0604020202020204" pitchFamily="34" charset="0"/>
-              <a:cs typeface="Arial" panose="020B0604020202020204" pitchFamily="34" charset="0"/>
-            </a:endParaRPr>
-          </a:p>
-          <a:p>
-            <a:pPr marL="285750" indent="-285750" algn="just">
-              <a:lnSpc>
-                <a:spcPct val="115000"/>
-              </a:lnSpc>
+            <a:r>
+              <a:rPr lang="en-US" b="0" i="0" dirty="0">
+                <a:effectLst/>
+                <a:latin typeface="Söhne"/>
+              </a:rPr>
+              <a:t>Integration with Third-Party Services - The application can be enhanced by integrating it with third-party services such as payroll management, performance management, or attendance management systems.</a:t>
+            </a:r>
+          </a:p>
+          <a:p>
+            <a:pPr marL="285750" indent="-285750" algn="l">
               <a:buFont typeface="Arial" panose="020B0604020202020204" pitchFamily="34" charset="0"/>
               <a:buChar char="•"/>
             </a:pPr>
-            <a:r>
-              <a:rPr lang="en-IN" dirty="0">
-                <a:latin typeface="Arial" panose="020B0604020202020204" pitchFamily="34" charset="0"/>
-                <a:cs typeface="Arial" panose="020B0604020202020204" pitchFamily="34" charset="0"/>
-              </a:rPr>
-              <a:t>Https self-signed certificate reference retrieved from </a:t>
-            </a:r>
-            <a:r>
-              <a:rPr lang="en-US" sz="1600" dirty="0">
-                <a:latin typeface="Arial" panose="020B0604020202020204" pitchFamily="34" charset="0"/>
-                <a:cs typeface="Arial" panose="020B0604020202020204" pitchFamily="34" charset="0"/>
-                <a:hlinkClick r:id="rId6"/>
-              </a:rPr>
-              <a:t>HTTPS using Self-Signed Certificate in Spring Boot | Baeldung</a:t>
-            </a:r>
-            <a:endParaRPr lang="en-IN" sz="1600" dirty="0">
-              <a:latin typeface="Arial" panose="020B0604020202020204" pitchFamily="34" charset="0"/>
-              <a:cs typeface="Arial" panose="020B0604020202020204" pitchFamily="34" charset="0"/>
+            <a:endParaRPr lang="en-US" dirty="0">
+              <a:latin typeface="Söhne"/>
             </a:endParaRPr>
           </a:p>
           <a:p>
-            <a:pPr marL="285750" indent="-285750" algn="just">
-              <a:lnSpc>
-                <a:spcPct val="115000"/>
-              </a:lnSpc>
+            <a:pPr marL="285750" indent="-285750">
               <a:buFont typeface="Arial" panose="020B0604020202020204" pitchFamily="34" charset="0"/>
               <a:buChar char="•"/>
             </a:pPr>
-            <a:endParaRPr lang="en-IN" dirty="0">
-              <a:latin typeface="Arial" panose="020B0604020202020204" pitchFamily="34" charset="0"/>
-              <a:cs typeface="Arial" panose="020B0604020202020204" pitchFamily="34" charset="0"/>
-            </a:endParaRPr>
-          </a:p>
-          <a:p>
-            <a:pPr marL="285750" indent="-285750" algn="just">
-              <a:lnSpc>
-                <a:spcPct val="115000"/>
-              </a:lnSpc>
+            <a:r>
+              <a:rPr lang="en-US" b="0" i="0" dirty="0">
+                <a:effectLst/>
+                <a:latin typeface="Söhne"/>
+              </a:rPr>
+              <a:t>Add Role-Based Access Control (RBAC) - Implementing RBAC will provide more fine-grained access control to the application, allowing different roles to access only the necessary functionality.</a:t>
+            </a:r>
+          </a:p>
+          <a:p>
+            <a:pPr marL="285750" indent="-285750" algn="l">
               <a:buFont typeface="Arial" panose="020B0604020202020204" pitchFamily="34" charset="0"/>
               <a:buChar char="•"/>
             </a:pPr>
-            <a:r>
-              <a:rPr lang="en-IN" dirty="0">
-                <a:latin typeface="Arial" panose="020B0604020202020204" pitchFamily="34" charset="0"/>
-                <a:cs typeface="Arial" panose="020B0604020202020204" pitchFamily="34" charset="0"/>
-              </a:rPr>
-              <a:t>Bouncy Castle library reference from </a:t>
-            </a:r>
-            <a:r>
-              <a:rPr lang="en-IN" dirty="0">
-                <a:latin typeface="Arial" panose="020B0604020202020204" pitchFamily="34" charset="0"/>
-                <a:cs typeface="Arial" panose="020B0604020202020204" pitchFamily="34" charset="0"/>
-                <a:hlinkClick r:id="rId7"/>
-              </a:rPr>
-              <a:t>bouncycastle.org</a:t>
-            </a:r>
-            <a:endParaRPr lang="en-IN" dirty="0">
-              <a:latin typeface="Arial" panose="020B0604020202020204" pitchFamily="34" charset="0"/>
-              <a:cs typeface="Arial" panose="020B0604020202020204" pitchFamily="34" charset="0"/>
+            <a:endParaRPr lang="en-US" b="0" i="0" dirty="0">
+              <a:effectLst/>
+              <a:latin typeface="Söhne"/>
             </a:endParaRPr>
           </a:p>
           <a:p>
-            <a:pPr marL="285750" indent="-285750" algn="just">
-              <a:lnSpc>
-                <a:spcPct val="115000"/>
-              </a:lnSpc>
+            <a:pPr marL="285750" indent="-285750" algn="l">
               <a:buFont typeface="Arial" panose="020B0604020202020204" pitchFamily="34" charset="0"/>
               <a:buChar char="•"/>
             </a:pPr>
-            <a:endParaRPr lang="en-IN" dirty="0">
-              <a:latin typeface="Arial" panose="020B0604020202020204" pitchFamily="34" charset="0"/>
-              <a:cs typeface="Arial" panose="020B0604020202020204" pitchFamily="34" charset="0"/>
-            </a:endParaRPr>
-          </a:p>
-          <a:p>
-            <a:pPr marL="285750" indent="-285750" algn="just">
-              <a:lnSpc>
-                <a:spcPct val="115000"/>
-              </a:lnSpc>
+            <a:r>
+              <a:rPr lang="en-US" b="0" i="0" dirty="0">
+                <a:effectLst/>
+                <a:latin typeface="Söhne"/>
+              </a:rPr>
+              <a:t>Introduce Machine Learning Algorithms - Integrating machine learning algorithms can provide better insights into employee performance, identifying trends and predicting future outcomes.</a:t>
+            </a:r>
+          </a:p>
+          <a:p>
+            <a:pPr marL="285750" indent="-285750" algn="l">
               <a:buFont typeface="Arial" panose="020B0604020202020204" pitchFamily="34" charset="0"/>
               <a:buChar char="•"/>
             </a:pPr>
-            <a:r>
-              <a:rPr lang="en-IN" dirty="0">
-                <a:latin typeface="Arial" panose="020B0604020202020204" pitchFamily="34" charset="0"/>
-                <a:cs typeface="Arial" panose="020B0604020202020204" pitchFamily="34" charset="0"/>
-              </a:rPr>
-              <a:t>Jenkins automation tool reference retrieved from </a:t>
-            </a:r>
-            <a:r>
-              <a:rPr lang="en-IN" dirty="0">
-                <a:latin typeface="Arial" panose="020B0604020202020204" pitchFamily="34" charset="0"/>
-                <a:cs typeface="Arial" panose="020B0604020202020204" pitchFamily="34" charset="0"/>
-                <a:hlinkClick r:id="rId8"/>
-              </a:rPr>
-              <a:t>Jenkins User Documentation</a:t>
-            </a:r>
-            <a:r>
-              <a:rPr lang="en-IN" dirty="0">
-                <a:latin typeface="Arial" panose="020B0604020202020204" pitchFamily="34" charset="0"/>
-                <a:cs typeface="Arial" panose="020B0604020202020204" pitchFamily="34" charset="0"/>
-              </a:rPr>
-              <a:t>.</a:t>
-            </a:r>
-          </a:p>
-          <a:p>
-            <a:pPr marL="285750" indent="-285750" algn="just">
-              <a:lnSpc>
-                <a:spcPct val="115000"/>
-              </a:lnSpc>
+            <a:endParaRPr lang="en-US" b="0" i="0" dirty="0">
+              <a:effectLst/>
+              <a:latin typeface="Söhne"/>
+            </a:endParaRPr>
+          </a:p>
+          <a:p>
+            <a:pPr marL="285750" indent="-285750" algn="l">
               <a:buFont typeface="Arial" panose="020B0604020202020204" pitchFamily="34" charset="0"/>
               <a:buChar char="•"/>
             </a:pPr>
-            <a:endParaRPr lang="en-IN" dirty="0">
-              <a:latin typeface="Arial" panose="020B0604020202020204" pitchFamily="34" charset="0"/>
-              <a:cs typeface="Arial" panose="020B0604020202020204" pitchFamily="34" charset="0"/>
-            </a:endParaRPr>
-          </a:p>
-          <a:p>
-            <a:pPr marL="285750" indent="-285750" algn="just">
-              <a:lnSpc>
-                <a:spcPct val="115000"/>
-              </a:lnSpc>
-              <a:buFont typeface="Arial" panose="020B0604020202020204" pitchFamily="34" charset="0"/>
-              <a:buChar char="•"/>
-            </a:pPr>
-            <a:r>
-              <a:rPr lang="en-IN" dirty="0">
+            <a:r>
+              <a:rPr lang="en-US" b="0" i="0" dirty="0">
                 <a:effectLst/>
-                <a:latin typeface="Arial" panose="020B0604020202020204" pitchFamily="34" charset="0"/>
-                <a:ea typeface="Arial" panose="020B0604020202020204" pitchFamily="34" charset="0"/>
-                <a:cs typeface="Arial" panose="020B0604020202020204" pitchFamily="34" charset="0"/>
-              </a:rPr>
-              <a:t>Docker Documentation. (2021). Retrieved from </a:t>
-            </a:r>
-            <a:r>
-              <a:rPr lang="en-IN" dirty="0">
-                <a:effectLst/>
-                <a:latin typeface="Arial" panose="020B0604020202020204" pitchFamily="34" charset="0"/>
-                <a:ea typeface="Arial" panose="020B0604020202020204" pitchFamily="34" charset="0"/>
-                <a:cs typeface="Arial" panose="020B0604020202020204" pitchFamily="34" charset="0"/>
-                <a:hlinkClick r:id="rId9"/>
-              </a:rPr>
-              <a:t>https://docs.docker.com/</a:t>
-            </a:r>
-            <a:endParaRPr lang="en-IN" dirty="0">
-              <a:effectLst/>
-              <a:latin typeface="Arial" panose="020B0604020202020204" pitchFamily="34" charset="0"/>
-              <a:ea typeface="Arial" panose="020B0604020202020204" pitchFamily="34" charset="0"/>
-              <a:cs typeface="Arial" panose="020B0604020202020204" pitchFamily="34" charset="0"/>
-            </a:endParaRPr>
-          </a:p>
-          <a:p>
-            <a:pPr marL="285750" indent="-285750" algn="just">
-              <a:lnSpc>
-                <a:spcPct val="115000"/>
-              </a:lnSpc>
-              <a:buFont typeface="Arial" panose="020B0604020202020204" pitchFamily="34" charset="0"/>
-              <a:buChar char="•"/>
-            </a:pPr>
-            <a:endParaRPr lang="en-IN" dirty="0">
-              <a:latin typeface="Arial" panose="020B0604020202020204" pitchFamily="34" charset="0"/>
-              <a:ea typeface="Arial" panose="020B0604020202020204" pitchFamily="34" charset="0"/>
-              <a:cs typeface="Arial" panose="020B0604020202020204" pitchFamily="34" charset="0"/>
-            </a:endParaRPr>
-          </a:p>
-          <a:p>
-            <a:pPr marL="285750" indent="-285750" algn="just">
-              <a:lnSpc>
-                <a:spcPct val="115000"/>
-              </a:lnSpc>
-              <a:buFont typeface="Arial" panose="020B0604020202020204" pitchFamily="34" charset="0"/>
-              <a:buChar char="•"/>
-            </a:pPr>
-            <a:r>
-              <a:rPr lang="en-IN" dirty="0">
-                <a:effectLst/>
-                <a:latin typeface="Arial" panose="020B0604020202020204" pitchFamily="34" charset="0"/>
-                <a:ea typeface="Arial" panose="020B0604020202020204" pitchFamily="34" charset="0"/>
-                <a:cs typeface="Arial" panose="020B0604020202020204" pitchFamily="34" charset="0"/>
-              </a:rPr>
-              <a:t>Kubernetes Documentation. (2021). Retrieved from </a:t>
-            </a:r>
-            <a:r>
-              <a:rPr lang="en-IN" b="0" i="0" u="sng" dirty="0">
-                <a:effectLst/>
-                <a:latin typeface="Arial" panose="020B0604020202020204" pitchFamily="34" charset="0"/>
-                <a:cs typeface="Arial" panose="020B0604020202020204" pitchFamily="34" charset="0"/>
-                <a:hlinkClick r:id="rId10"/>
-              </a:rPr>
-              <a:t>https://kubernetes.io/docs/home/</a:t>
-            </a:r>
-            <a:endParaRPr lang="en-IN" b="0" i="0" u="sng" dirty="0">
-              <a:effectLst/>
-              <a:latin typeface="Arial" panose="020B0604020202020204" pitchFamily="34" charset="0"/>
-              <a:cs typeface="Arial" panose="020B0604020202020204" pitchFamily="34" charset="0"/>
-            </a:endParaRPr>
-          </a:p>
-          <a:p>
-            <a:pPr marL="285750" indent="-285750" algn="just">
-              <a:lnSpc>
-                <a:spcPct val="115000"/>
-              </a:lnSpc>
-              <a:buFont typeface="Arial" panose="020B0604020202020204" pitchFamily="34" charset="0"/>
-              <a:buChar char="•"/>
-            </a:pPr>
-            <a:endParaRPr lang="en-IN" u="sng" dirty="0">
-              <a:solidFill>
-                <a:schemeClr val="accent5">
-                  <a:lumMod val="75000"/>
-                </a:schemeClr>
-              </a:solidFill>
-              <a:latin typeface="Arial" panose="020B0604020202020204" pitchFamily="34" charset="0"/>
-              <a:ea typeface="Arial" panose="020B0604020202020204" pitchFamily="34" charset="0"/>
-              <a:cs typeface="Arial" panose="020B0604020202020204" pitchFamily="34" charset="0"/>
-            </a:endParaRPr>
-          </a:p>
-          <a:p>
-            <a:pPr marL="285750" indent="-285750" algn="l" fontAlgn="ctr">
-              <a:buFont typeface="Arial" panose="020B0604020202020204" pitchFamily="34" charset="0"/>
-              <a:buChar char="•"/>
-            </a:pPr>
-            <a:r>
-              <a:rPr lang="en-IN" dirty="0">
-                <a:effectLst/>
-                <a:latin typeface="Arial" panose="020B0604020202020204" pitchFamily="34" charset="0"/>
-                <a:ea typeface="Arial" panose="020B0604020202020204" pitchFamily="34" charset="0"/>
-                <a:cs typeface="Arial" panose="020B0604020202020204" pitchFamily="34" charset="0"/>
-              </a:rPr>
-              <a:t>Under Guidance of Mr. </a:t>
-            </a:r>
-            <a:r>
-              <a:rPr lang="en-IN" i="0" dirty="0">
-                <a:effectLst/>
-                <a:latin typeface="Arial" panose="020B0604020202020204" pitchFamily="34" charset="0"/>
-                <a:cs typeface="Arial" panose="020B0604020202020204" pitchFamily="34" charset="0"/>
-              </a:rPr>
-              <a:t>Javeed Mohammed Husnuddin Sir</a:t>
+                <a:latin typeface="Söhne"/>
+              </a:rPr>
+              <a:t>Optimize Containerization and Deployment - As the application scales and more instances of the container are added, optimizing the deployment and containerization process can improve the overall performance and efficiency of the application.</a:t>
             </a:r>
           </a:p>
         </p:txBody>
@@ -11182,13 +11417,16 @@
     </p:spTree>
     <p:extLst>
       <p:ext uri="{BB962C8B-B14F-4D97-AF65-F5344CB8AC3E}">
-        <p14:creationId xmlns:p14="http://schemas.microsoft.com/office/powerpoint/2010/main" val="1694362061"/>
+        <p14:creationId xmlns:p14="http://schemas.microsoft.com/office/powerpoint/2010/main" val="2343796108"/>
       </p:ext>
     </p:extLst>
   </p:cSld>
   <p:clrMapOvr>
     <a:masterClrMapping/>
   </p:clrMapOvr>
+  <p:transition spd="slow">
+    <p:push/>
+  </p:transition>
 </p:sld>
 </file>
 
@@ -11367,17 +11605,17 @@
                 </a:solidFill>
                 <a:latin typeface="Times New Roman" panose="02020603050405020304" pitchFamily="18" charset="0"/>
               </a:rPr>
-              <a:t>Appendices</a:t>
+              <a:t>References</a:t>
             </a:r>
           </a:p>
         </p:txBody>
       </p:sp>
       <p:sp>
         <p:nvSpPr>
-          <p:cNvPr id="7" name="TextBox 6">
-            <a:extLst>
-              <a:ext uri="{FF2B5EF4-FFF2-40B4-BE49-F238E27FC236}">
-                <a16:creationId xmlns:a16="http://schemas.microsoft.com/office/drawing/2014/main" id="{1A521886-A1DC-C1EC-6392-5263384F6C69}"/>
+          <p:cNvPr id="10" name="TextBox 9">
+            <a:extLst>
+              <a:ext uri="{FF2B5EF4-FFF2-40B4-BE49-F238E27FC236}">
+                <a16:creationId xmlns:a16="http://schemas.microsoft.com/office/drawing/2014/main" id="{61206C2F-BDF5-071B-EC7C-A93066E34658}"/>
               </a:ext>
             </a:extLst>
           </p:cNvPr>
@@ -11386,8 +11624,8 @@
         </p:nvSpPr>
         <p:spPr>
           <a:xfrm>
-            <a:off x="1889637" y="1402142"/>
-            <a:ext cx="1219446" cy="315151"/>
+            <a:off x="217505" y="1673850"/>
+            <a:ext cx="11974495" cy="4829014"/>
           </a:xfrm>
           <a:prstGeom prst="rect">
             <a:avLst/>
@@ -11400,177 +11638,362 @@
           </a:bodyPr>
           <a:lstStyle/>
           <a:p>
-            <a:pPr algn="just">
+            <a:pPr marL="285750" indent="-285750" algn="just">
               <a:lnSpc>
                 <a:spcPct val="115000"/>
               </a:lnSpc>
+              <a:buFont typeface="Arial" panose="020B0604020202020204" pitchFamily="34" charset="0"/>
+              <a:buChar char="•"/>
             </a:pPr>
             <a:r>
+              <a:rPr lang="en-US" dirty="0">
+                <a:latin typeface="Arial" panose="020B0604020202020204" pitchFamily="34" charset="0"/>
+                <a:cs typeface="Arial" panose="020B0604020202020204" pitchFamily="34" charset="0"/>
+              </a:rPr>
+              <a:t>Spring framework documentation(2022). Retrieved from </a:t>
+            </a:r>
+            <a:r>
               <a:rPr lang="en-IN" sz="1400" dirty="0">
+                <a:latin typeface="Arial" panose="020B0604020202020204" pitchFamily="34" charset="0"/>
+                <a:ea typeface="Arial" panose="020B0604020202020204" pitchFamily="34" charset="0"/>
+                <a:hlinkClick r:id="rId4"/>
+              </a:rPr>
+              <a:t>https://docs.spring.io/spring-framework/docs/current/reference/html/</a:t>
+            </a:r>
+            <a:r>
+              <a:rPr lang="en-US" dirty="0">
+                <a:latin typeface="Arial" panose="020B0604020202020204" pitchFamily="34" charset="0"/>
+                <a:cs typeface="Arial" panose="020B0604020202020204" pitchFamily="34" charset="0"/>
+              </a:rPr>
+              <a:t>											</a:t>
+            </a:r>
+          </a:p>
+          <a:p>
+            <a:pPr marL="285750" indent="-285750" algn="just">
+              <a:lnSpc>
+                <a:spcPct val="115000"/>
+              </a:lnSpc>
+              <a:buFont typeface="Arial" panose="020B0604020202020204" pitchFamily="34" charset="0"/>
+              <a:buChar char="•"/>
+            </a:pPr>
+            <a:r>
+              <a:rPr lang="en-US" dirty="0">
+                <a:latin typeface="Arial" panose="020B0604020202020204" pitchFamily="34" charset="0"/>
+                <a:cs typeface="Arial" panose="020B0604020202020204" pitchFamily="34" charset="0"/>
+              </a:rPr>
+              <a:t>AES256 encryption-decryption reference from</a:t>
+            </a:r>
+            <a:r>
+              <a:rPr lang="en-IN" dirty="0">
+                <a:latin typeface="Arial" panose="020B0604020202020204" pitchFamily="34" charset="0"/>
+                <a:cs typeface="Arial" panose="020B0604020202020204" pitchFamily="34" charset="0"/>
+              </a:rPr>
+              <a:t> </a:t>
+            </a:r>
+            <a:r>
+              <a:rPr lang="en-IN" sz="1600" dirty="0">
+                <a:solidFill>
+                  <a:srgbClr val="0563C1"/>
+                </a:solidFill>
+                <a:latin typeface="Arial" panose="020B0604020202020204" pitchFamily="34" charset="0"/>
+                <a:cs typeface="Arial" panose="020B0604020202020204" pitchFamily="34" charset="0"/>
+                <a:hlinkClick r:id="rId5">
+                  <a:extLst>
+                    <a:ext uri="{A12FA001-AC4F-418D-AE19-62706E023703}">
+                      <ahyp:hlinkClr xmlns:ahyp="http://schemas.microsoft.com/office/drawing/2018/hyperlinkcolor" val="tx"/>
+                    </a:ext>
+                  </a:extLst>
+                </a:hlinkClick>
+              </a:rPr>
+              <a:t>Java AES Encryption and Decryption | Baeldung</a:t>
+            </a:r>
+            <a:endParaRPr lang="en-IN" sz="1600" dirty="0">
+              <a:solidFill>
+                <a:srgbClr val="0563C1"/>
+              </a:solidFill>
+              <a:latin typeface="Arial" panose="020B0604020202020204" pitchFamily="34" charset="0"/>
+              <a:cs typeface="Arial" panose="020B0604020202020204" pitchFamily="34" charset="0"/>
+            </a:endParaRPr>
+          </a:p>
+          <a:p>
+            <a:pPr marL="285750" indent="-285750" algn="just">
+              <a:lnSpc>
+                <a:spcPct val="115000"/>
+              </a:lnSpc>
+              <a:buFont typeface="Arial" panose="020B0604020202020204" pitchFamily="34" charset="0"/>
+              <a:buChar char="•"/>
+            </a:pPr>
+            <a:endParaRPr lang="en-IN" dirty="0">
+              <a:solidFill>
+                <a:srgbClr val="0563C1"/>
+              </a:solidFill>
+              <a:latin typeface="Arial" panose="020B0604020202020204" pitchFamily="34" charset="0"/>
+              <a:cs typeface="Arial" panose="020B0604020202020204" pitchFamily="34" charset="0"/>
+            </a:endParaRPr>
+          </a:p>
+          <a:p>
+            <a:pPr marL="285750" indent="-285750" algn="just">
+              <a:lnSpc>
+                <a:spcPct val="115000"/>
+              </a:lnSpc>
+              <a:buFont typeface="Arial" panose="020B0604020202020204" pitchFamily="34" charset="0"/>
+              <a:buChar char="•"/>
+            </a:pPr>
+            <a:r>
+              <a:rPr lang="en-IN" dirty="0">
+                <a:latin typeface="Arial" panose="020B0604020202020204" pitchFamily="34" charset="0"/>
+                <a:cs typeface="Arial" panose="020B0604020202020204" pitchFamily="34" charset="0"/>
+              </a:rPr>
+              <a:t>Https self-signed certificate reference retrieved from </a:t>
+            </a:r>
+            <a:r>
+              <a:rPr lang="en-US" sz="1600" dirty="0">
+                <a:latin typeface="Arial" panose="020B0604020202020204" pitchFamily="34" charset="0"/>
+                <a:cs typeface="Arial" panose="020B0604020202020204" pitchFamily="34" charset="0"/>
+                <a:hlinkClick r:id="rId6"/>
+              </a:rPr>
+              <a:t>HTTPS using Self-Signed Certificate in Spring Boot | Baeldung</a:t>
+            </a:r>
+            <a:endParaRPr lang="en-IN" sz="1600" dirty="0">
+              <a:latin typeface="Arial" panose="020B0604020202020204" pitchFamily="34" charset="0"/>
+              <a:cs typeface="Arial" panose="020B0604020202020204" pitchFamily="34" charset="0"/>
+            </a:endParaRPr>
+          </a:p>
+          <a:p>
+            <a:pPr marL="285750" indent="-285750" algn="just">
+              <a:lnSpc>
+                <a:spcPct val="115000"/>
+              </a:lnSpc>
+              <a:buFont typeface="Arial" panose="020B0604020202020204" pitchFamily="34" charset="0"/>
+              <a:buChar char="•"/>
+            </a:pPr>
+            <a:endParaRPr lang="en-IN" dirty="0">
+              <a:latin typeface="Arial" panose="020B0604020202020204" pitchFamily="34" charset="0"/>
+              <a:cs typeface="Arial" panose="020B0604020202020204" pitchFamily="34" charset="0"/>
+            </a:endParaRPr>
+          </a:p>
+          <a:p>
+            <a:pPr marL="285750" indent="-285750" algn="just">
+              <a:lnSpc>
+                <a:spcPct val="115000"/>
+              </a:lnSpc>
+              <a:buFont typeface="Arial" panose="020B0604020202020204" pitchFamily="34" charset="0"/>
+              <a:buChar char="•"/>
+            </a:pPr>
+            <a:r>
+              <a:rPr lang="en-IN" dirty="0">
+                <a:latin typeface="Arial" panose="020B0604020202020204" pitchFamily="34" charset="0"/>
+                <a:cs typeface="Arial" panose="020B0604020202020204" pitchFamily="34" charset="0"/>
+              </a:rPr>
+              <a:t>Bouncy Castle library reference from </a:t>
+            </a:r>
+            <a:r>
+              <a:rPr lang="en-IN" dirty="0">
+                <a:latin typeface="Arial" panose="020B0604020202020204" pitchFamily="34" charset="0"/>
+                <a:cs typeface="Arial" panose="020B0604020202020204" pitchFamily="34" charset="0"/>
+                <a:hlinkClick r:id="rId7"/>
+              </a:rPr>
+              <a:t>bouncycastle.org</a:t>
+            </a:r>
+            <a:endParaRPr lang="en-IN" dirty="0">
+              <a:latin typeface="Arial" panose="020B0604020202020204" pitchFamily="34" charset="0"/>
+              <a:cs typeface="Arial" panose="020B0604020202020204" pitchFamily="34" charset="0"/>
+            </a:endParaRPr>
+          </a:p>
+          <a:p>
+            <a:pPr marL="285750" indent="-285750" algn="just">
+              <a:lnSpc>
+                <a:spcPct val="115000"/>
+              </a:lnSpc>
+              <a:buFont typeface="Arial" panose="020B0604020202020204" pitchFamily="34" charset="0"/>
+              <a:buChar char="•"/>
+            </a:pPr>
+            <a:endParaRPr lang="en-IN" dirty="0">
+              <a:latin typeface="Arial" panose="020B0604020202020204" pitchFamily="34" charset="0"/>
+              <a:cs typeface="Arial" panose="020B0604020202020204" pitchFamily="34" charset="0"/>
+            </a:endParaRPr>
+          </a:p>
+          <a:p>
+            <a:pPr marL="285750" indent="-285750" algn="just">
+              <a:lnSpc>
+                <a:spcPct val="115000"/>
+              </a:lnSpc>
+              <a:buFont typeface="Arial" panose="020B0604020202020204" pitchFamily="34" charset="0"/>
+              <a:buChar char="•"/>
+            </a:pPr>
+            <a:r>
+              <a:rPr lang="en-IN" dirty="0">
+                <a:latin typeface="Arial" panose="020B0604020202020204" pitchFamily="34" charset="0"/>
+                <a:cs typeface="Arial" panose="020B0604020202020204" pitchFamily="34" charset="0"/>
+              </a:rPr>
+              <a:t>Jenkins automation tool reference retrieved from </a:t>
+            </a:r>
+            <a:r>
+              <a:rPr lang="en-IN" dirty="0">
+                <a:latin typeface="Arial" panose="020B0604020202020204" pitchFamily="34" charset="0"/>
+                <a:cs typeface="Arial" panose="020B0604020202020204" pitchFamily="34" charset="0"/>
+                <a:hlinkClick r:id="rId8"/>
+              </a:rPr>
+              <a:t>Jenkins User Documentation</a:t>
+            </a:r>
+            <a:r>
+              <a:rPr lang="en-IN" dirty="0">
+                <a:latin typeface="Arial" panose="020B0604020202020204" pitchFamily="34" charset="0"/>
+                <a:cs typeface="Arial" panose="020B0604020202020204" pitchFamily="34" charset="0"/>
+              </a:rPr>
+              <a:t>.</a:t>
+            </a:r>
+          </a:p>
+          <a:p>
+            <a:pPr marL="285750" indent="-285750" algn="just">
+              <a:lnSpc>
+                <a:spcPct val="115000"/>
+              </a:lnSpc>
+              <a:buFont typeface="Arial" panose="020B0604020202020204" pitchFamily="34" charset="0"/>
+              <a:buChar char="•"/>
+            </a:pPr>
+            <a:endParaRPr lang="en-IN" dirty="0">
+              <a:latin typeface="Arial" panose="020B0604020202020204" pitchFamily="34" charset="0"/>
+              <a:cs typeface="Arial" panose="020B0604020202020204" pitchFamily="34" charset="0"/>
+            </a:endParaRPr>
+          </a:p>
+          <a:p>
+            <a:pPr marL="285750" indent="-285750" algn="just">
+              <a:lnSpc>
+                <a:spcPct val="115000"/>
+              </a:lnSpc>
+              <a:buFont typeface="Arial" panose="020B0604020202020204" pitchFamily="34" charset="0"/>
+              <a:buChar char="•"/>
+            </a:pPr>
+            <a:r>
+              <a:rPr lang="en-IN" dirty="0">
                 <a:effectLst/>
-                <a:latin typeface="Bahnschrift" panose="020B0502040204020203" pitchFamily="34" charset="0"/>
+                <a:latin typeface="Arial" panose="020B0604020202020204" pitchFamily="34" charset="0"/>
                 <a:ea typeface="Arial" panose="020B0604020202020204" pitchFamily="34" charset="0"/>
-              </a:rPr>
-              <a:t>Entity Class</a:t>
+                <a:cs typeface="Arial" panose="020B0604020202020204" pitchFamily="34" charset="0"/>
+              </a:rPr>
+              <a:t>Docker Documentation. (2021). Retrieved from </a:t>
+            </a:r>
+            <a:r>
+              <a:rPr lang="en-IN" dirty="0">
+                <a:effectLst/>
+                <a:latin typeface="Arial" panose="020B0604020202020204" pitchFamily="34" charset="0"/>
+                <a:ea typeface="Arial" panose="020B0604020202020204" pitchFamily="34" charset="0"/>
+                <a:cs typeface="Arial" panose="020B0604020202020204" pitchFamily="34" charset="0"/>
+                <a:hlinkClick r:id="rId9"/>
+              </a:rPr>
+              <a:t>https://docs.docker.com/</a:t>
+            </a:r>
+            <a:endParaRPr lang="en-IN" dirty="0">
+              <a:effectLst/>
+              <a:latin typeface="Arial" panose="020B0604020202020204" pitchFamily="34" charset="0"/>
+              <a:ea typeface="Arial" panose="020B0604020202020204" pitchFamily="34" charset="0"/>
+              <a:cs typeface="Arial" panose="020B0604020202020204" pitchFamily="34" charset="0"/>
+            </a:endParaRPr>
+          </a:p>
+          <a:p>
+            <a:pPr marL="285750" indent="-285750" algn="just">
+              <a:lnSpc>
+                <a:spcPct val="115000"/>
+              </a:lnSpc>
+              <a:buFont typeface="Arial" panose="020B0604020202020204" pitchFamily="34" charset="0"/>
+              <a:buChar char="•"/>
+            </a:pPr>
+            <a:endParaRPr lang="en-IN" dirty="0">
+              <a:latin typeface="Arial" panose="020B0604020202020204" pitchFamily="34" charset="0"/>
+              <a:ea typeface="Arial" panose="020B0604020202020204" pitchFamily="34" charset="0"/>
+              <a:cs typeface="Arial" panose="020B0604020202020204" pitchFamily="34" charset="0"/>
+            </a:endParaRPr>
+          </a:p>
+          <a:p>
+            <a:pPr marL="285750" indent="-285750" algn="just">
+              <a:lnSpc>
+                <a:spcPct val="115000"/>
+              </a:lnSpc>
+              <a:buFont typeface="Arial" panose="020B0604020202020204" pitchFamily="34" charset="0"/>
+              <a:buChar char="•"/>
+            </a:pPr>
+            <a:r>
+              <a:rPr lang="en-IN" dirty="0">
+                <a:effectLst/>
+                <a:latin typeface="Arial" panose="020B0604020202020204" pitchFamily="34" charset="0"/>
+                <a:ea typeface="Arial" panose="020B0604020202020204" pitchFamily="34" charset="0"/>
+                <a:cs typeface="Arial" panose="020B0604020202020204" pitchFamily="34" charset="0"/>
+              </a:rPr>
+              <a:t>Kubernetes Documentation. (2021). Retrieved from </a:t>
+            </a:r>
+            <a:r>
+              <a:rPr lang="en-IN" b="0" i="0" u="sng" dirty="0">
+                <a:effectLst/>
+                <a:latin typeface="Arial" panose="020B0604020202020204" pitchFamily="34" charset="0"/>
+                <a:cs typeface="Arial" panose="020B0604020202020204" pitchFamily="34" charset="0"/>
+                <a:hlinkClick r:id="rId10"/>
+              </a:rPr>
+              <a:t>https://kubernetes.io/docs/home/</a:t>
+            </a:r>
+            <a:endParaRPr lang="en-IN" b="0" i="0" u="sng" dirty="0">
+              <a:effectLst/>
+              <a:latin typeface="Arial" panose="020B0604020202020204" pitchFamily="34" charset="0"/>
+              <a:cs typeface="Arial" panose="020B0604020202020204" pitchFamily="34" charset="0"/>
+            </a:endParaRPr>
+          </a:p>
+          <a:p>
+            <a:pPr marL="285750" indent="-285750" algn="just">
+              <a:lnSpc>
+                <a:spcPct val="115000"/>
+              </a:lnSpc>
+              <a:buFont typeface="Arial" panose="020B0604020202020204" pitchFamily="34" charset="0"/>
+              <a:buChar char="•"/>
+            </a:pPr>
+            <a:endParaRPr lang="en-IN" u="sng" dirty="0">
+              <a:solidFill>
+                <a:schemeClr val="accent5">
+                  <a:lumMod val="75000"/>
+                </a:schemeClr>
+              </a:solidFill>
+              <a:latin typeface="Arial" panose="020B0604020202020204" pitchFamily="34" charset="0"/>
+              <a:ea typeface="Arial" panose="020B0604020202020204" pitchFamily="34" charset="0"/>
+              <a:cs typeface="Arial" panose="020B0604020202020204" pitchFamily="34" charset="0"/>
+            </a:endParaRPr>
+          </a:p>
+          <a:p>
+            <a:pPr marL="285750" indent="-285750" algn="l" fontAlgn="ctr">
+              <a:buFont typeface="Arial" panose="020B0604020202020204" pitchFamily="34" charset="0"/>
+              <a:buChar char="•"/>
+            </a:pPr>
+            <a:r>
+              <a:rPr lang="en-IN" dirty="0">
+                <a:effectLst/>
+                <a:latin typeface="Arial" panose="020B0604020202020204" pitchFamily="34" charset="0"/>
+                <a:ea typeface="Arial" panose="020B0604020202020204" pitchFamily="34" charset="0"/>
+                <a:cs typeface="Arial" panose="020B0604020202020204" pitchFamily="34" charset="0"/>
+              </a:rPr>
+              <a:t>Under Guidance of Mr. </a:t>
+            </a:r>
+            <a:r>
+              <a:rPr lang="en-IN" i="0" dirty="0">
+                <a:effectLst/>
+                <a:latin typeface="Arial" panose="020B0604020202020204" pitchFamily="34" charset="0"/>
+                <a:cs typeface="Arial" panose="020B0604020202020204" pitchFamily="34" charset="0"/>
+              </a:rPr>
+              <a:t>Javeed Mohammed Husnuddin Sir</a:t>
             </a:r>
           </a:p>
         </p:txBody>
       </p:sp>
-      <p:pic>
-        <p:nvPicPr>
-          <p:cNvPr id="3" name="Picture 2">
-            <a:extLst>
-              <a:ext uri="{FF2B5EF4-FFF2-40B4-BE49-F238E27FC236}">
-                <a16:creationId xmlns:a16="http://schemas.microsoft.com/office/drawing/2014/main" id="{87EE6B9D-468D-E6E6-713C-F9711E7D06CC}"/>
-              </a:ext>
-            </a:extLst>
-          </p:cNvPr>
-          <p:cNvPicPr>
-            <a:picLocks noChangeAspect="1"/>
-          </p:cNvPicPr>
-          <p:nvPr/>
-        </p:nvPicPr>
-        <p:blipFill>
-          <a:blip r:embed="rId4"/>
-          <a:stretch>
-            <a:fillRect/>
-          </a:stretch>
-        </p:blipFill>
-        <p:spPr>
-          <a:xfrm>
-            <a:off x="99234" y="1694729"/>
-            <a:ext cx="5401679" cy="5185835"/>
-          </a:xfrm>
-          <a:prstGeom prst="rect">
-            <a:avLst/>
-          </a:prstGeom>
-        </p:spPr>
-      </p:pic>
-      <p:sp>
-        <p:nvSpPr>
-          <p:cNvPr id="9" name="TextBox 8">
-            <a:extLst>
-              <a:ext uri="{FF2B5EF4-FFF2-40B4-BE49-F238E27FC236}">
-                <a16:creationId xmlns:a16="http://schemas.microsoft.com/office/drawing/2014/main" id="{6EFC0530-9B9F-4025-AECD-21FC40BAD8C5}"/>
-              </a:ext>
-            </a:extLst>
-          </p:cNvPr>
-          <p:cNvSpPr txBox="1"/>
-          <p:nvPr/>
-        </p:nvSpPr>
-        <p:spPr>
-          <a:xfrm>
-            <a:off x="4365170" y="911994"/>
-            <a:ext cx="3283859" cy="369332"/>
-          </a:xfrm>
-          <a:prstGeom prst="rect">
-            <a:avLst/>
-          </a:prstGeom>
-        </p:spPr>
-        <p:style>
-          <a:lnRef idx="1">
-            <a:schemeClr val="accent3"/>
-          </a:lnRef>
-          <a:fillRef idx="2">
-            <a:schemeClr val="accent3"/>
-          </a:fillRef>
-          <a:effectRef idx="1">
-            <a:schemeClr val="accent3"/>
-          </a:effectRef>
-          <a:fontRef idx="minor">
-            <a:schemeClr val="dk1"/>
-          </a:fontRef>
-        </p:style>
-        <p:txBody>
-          <a:bodyPr wrap="square" rtlCol="0">
-            <a:spAutoFit/>
-          </a:bodyPr>
-          <a:lstStyle/>
-          <a:p>
-            <a:r>
-              <a:rPr lang="en-IN" dirty="0"/>
-              <a:t>Structure of Spring boot project</a:t>
-            </a:r>
-          </a:p>
-        </p:txBody>
-      </p:sp>
-      <p:sp>
-        <p:nvSpPr>
-          <p:cNvPr id="23" name="TextBox 22">
-            <a:extLst>
-              <a:ext uri="{FF2B5EF4-FFF2-40B4-BE49-F238E27FC236}">
-                <a16:creationId xmlns:a16="http://schemas.microsoft.com/office/drawing/2014/main" id="{47AEC542-BB99-4B57-538C-516CAE53B6E7}"/>
-              </a:ext>
-            </a:extLst>
-          </p:cNvPr>
-          <p:cNvSpPr txBox="1"/>
-          <p:nvPr/>
-        </p:nvSpPr>
-        <p:spPr>
-          <a:xfrm>
-            <a:off x="7949754" y="1391021"/>
-            <a:ext cx="1868343" cy="307777"/>
-          </a:xfrm>
-          <a:prstGeom prst="rect">
-            <a:avLst/>
-          </a:prstGeom>
-          <a:noFill/>
-        </p:spPr>
-        <p:txBody>
-          <a:bodyPr wrap="square" rtlCol="0">
-            <a:spAutoFit/>
-          </a:bodyPr>
-          <a:lstStyle/>
-          <a:p>
-            <a:r>
-              <a:rPr lang="en-IN" sz="1400" dirty="0">
-                <a:latin typeface="Bahnschrift" panose="020B0502040204020203" pitchFamily="34" charset="0"/>
-              </a:rPr>
-              <a:t>Employee Controller</a:t>
-            </a:r>
-          </a:p>
-        </p:txBody>
-      </p:sp>
-      <p:pic>
-        <p:nvPicPr>
-          <p:cNvPr id="11" name="Picture 10">
-            <a:extLst>
-              <a:ext uri="{FF2B5EF4-FFF2-40B4-BE49-F238E27FC236}">
-                <a16:creationId xmlns:a16="http://schemas.microsoft.com/office/drawing/2014/main" id="{7694634D-2D86-A106-FD62-2B1CCD8DEB03}"/>
-              </a:ext>
-            </a:extLst>
-          </p:cNvPr>
-          <p:cNvPicPr>
-            <a:picLocks noChangeAspect="1"/>
-          </p:cNvPicPr>
-          <p:nvPr/>
-        </p:nvPicPr>
-        <p:blipFill>
-          <a:blip r:embed="rId5"/>
-          <a:stretch>
-            <a:fillRect/>
-          </a:stretch>
-        </p:blipFill>
-        <p:spPr>
-          <a:xfrm>
-            <a:off x="5675086" y="1694729"/>
-            <a:ext cx="6417680" cy="5163271"/>
-          </a:xfrm>
-          <a:prstGeom prst="rect">
-            <a:avLst/>
-          </a:prstGeom>
-        </p:spPr>
-      </p:pic>
     </p:spTree>
     <p:extLst>
       <p:ext uri="{BB962C8B-B14F-4D97-AF65-F5344CB8AC3E}">
-        <p14:creationId xmlns:p14="http://schemas.microsoft.com/office/powerpoint/2010/main" val="2714149063"/>
+        <p14:creationId xmlns:p14="http://schemas.microsoft.com/office/powerpoint/2010/main" val="1694362061"/>
       </p:ext>
     </p:extLst>
   </p:cSld>
   <p:clrMapOvr>
     <a:masterClrMapping/>
   </p:clrMapOvr>
+  <p:transition spd="slow">
+    <p:push/>
+  </p:transition>
 </p:sld>
 </file>
 
@@ -11737,37 +12160,17 @@
           </a:bodyPr>
           <a:lstStyle/>
           <a:p>
-            <a:pPr marL="0" marR="0" lvl="0" indent="0" algn="l" defTabSz="914400" rtl="0" eaLnBrk="1" fontAlgn="auto" latinLnBrk="0" hangingPunct="1">
+            <a:pPr>
               <a:lnSpc>
                 <a:spcPct val="115000"/>
               </a:lnSpc>
-              <a:spcBef>
-                <a:spcPts val="0"/>
-              </a:spcBef>
-              <a:spcAft>
-                <a:spcPts val="0"/>
-              </a:spcAft>
-              <a:buClrTx/>
-              <a:buSzTx/>
-              <a:buFontTx/>
-              <a:buNone/>
-              <a:tabLst/>
-              <a:defRPr/>
             </a:pPr>
             <a:r>
-              <a:rPr kumimoji="0" lang="en-IN" sz="2400" b="1" i="0" u="none" strike="noStrike" kern="1200" cap="none" spc="0" normalizeH="0" baseline="0" noProof="0" dirty="0">
-                <a:ln>
-                  <a:noFill/>
-                </a:ln>
+              <a:rPr lang="en-IN" sz="2400" b="1" dirty="0">
                 <a:solidFill>
-                  <a:prstClr val="white"/>
+                  <a:schemeClr val="bg1"/>
                 </a:solidFill>
-                <a:effectLst/>
-                <a:uLnTx/>
-                <a:uFillTx/>
                 <a:latin typeface="Times New Roman" panose="02020603050405020304" pitchFamily="18" charset="0"/>
-                <a:ea typeface="+mn-ea"/>
-                <a:cs typeface="+mn-cs"/>
               </a:rPr>
               <a:t>Appendices</a:t>
             </a:r>
@@ -11776,6 +12179,80 @@
       </p:sp>
       <p:sp>
         <p:nvSpPr>
+          <p:cNvPr id="7" name="TextBox 6">
+            <a:extLst>
+              <a:ext uri="{FF2B5EF4-FFF2-40B4-BE49-F238E27FC236}">
+                <a16:creationId xmlns:a16="http://schemas.microsoft.com/office/drawing/2014/main" id="{1A521886-A1DC-C1EC-6392-5263384F6C69}"/>
+              </a:ext>
+            </a:extLst>
+          </p:cNvPr>
+          <p:cNvSpPr txBox="1"/>
+          <p:nvPr/>
+        </p:nvSpPr>
+        <p:spPr>
+          <a:xfrm>
+            <a:off x="1889637" y="1402142"/>
+            <a:ext cx="1219446" cy="315151"/>
+          </a:xfrm>
+          <a:prstGeom prst="rect">
+            <a:avLst/>
+          </a:prstGeom>
+          <a:noFill/>
+        </p:spPr>
+        <p:txBody>
+          <a:bodyPr wrap="square">
+            <a:spAutoFit/>
+          </a:bodyPr>
+          <a:lstStyle/>
+          <a:p>
+            <a:pPr algn="just">
+              <a:lnSpc>
+                <a:spcPct val="115000"/>
+              </a:lnSpc>
+            </a:pPr>
+            <a:r>
+              <a:rPr lang="en-IN" sz="1400" dirty="0">
+                <a:effectLst/>
+                <a:latin typeface="Bahnschrift" panose="020B0502040204020203" pitchFamily="34" charset="0"/>
+                <a:ea typeface="Arial" panose="020B0604020202020204" pitchFamily="34" charset="0"/>
+              </a:rPr>
+              <a:t>Entity Class</a:t>
+            </a:r>
+          </a:p>
+        </p:txBody>
+      </p:sp>
+      <p:pic>
+        <p:nvPicPr>
+          <p:cNvPr id="3" name="Picture 2">
+            <a:extLst>
+              <a:ext uri="{FF2B5EF4-FFF2-40B4-BE49-F238E27FC236}">
+                <a16:creationId xmlns:a16="http://schemas.microsoft.com/office/drawing/2014/main" id="{87EE6B9D-468D-E6E6-713C-F9711E7D06CC}"/>
+              </a:ext>
+            </a:extLst>
+          </p:cNvPr>
+          <p:cNvPicPr>
+            <a:picLocks noChangeAspect="1"/>
+          </p:cNvPicPr>
+          <p:nvPr/>
+        </p:nvPicPr>
+        <p:blipFill>
+          <a:blip r:embed="rId4"/>
+          <a:stretch>
+            <a:fillRect/>
+          </a:stretch>
+        </p:blipFill>
+        <p:spPr>
+          <a:xfrm>
+            <a:off x="99234" y="1694729"/>
+            <a:ext cx="5401679" cy="5185835"/>
+          </a:xfrm>
+          <a:prstGeom prst="rect">
+            <a:avLst/>
+          </a:prstGeom>
+        </p:spPr>
+      </p:pic>
+      <p:sp>
+        <p:nvSpPr>
           <p:cNvPr id="9" name="TextBox 8">
             <a:extLst>
               <a:ext uri="{FF2B5EF4-FFF2-40B4-BE49-F238E27FC236}">
@@ -11788,7 +12265,7 @@
         </p:nvSpPr>
         <p:spPr>
           <a:xfrm>
-            <a:off x="0" y="911994"/>
+            <a:off x="4365170" y="911994"/>
             <a:ext cx="3283859" cy="369332"/>
           </a:xfrm>
           <a:prstGeom prst="rect">
@@ -11815,79 +12292,19 @@
           </a:bodyPr>
           <a:lstStyle/>
           <a:p>
-            <a:pPr marL="0" marR="0" lvl="0" indent="0" algn="l" defTabSz="914400" rtl="0" eaLnBrk="1" fontAlgn="auto" latinLnBrk="0" hangingPunct="1">
-              <a:lnSpc>
-                <a:spcPct val="100000"/>
-              </a:lnSpc>
-              <a:spcBef>
-                <a:spcPts val="0"/>
-              </a:spcBef>
-              <a:spcAft>
-                <a:spcPts val="0"/>
-              </a:spcAft>
-              <a:buClrTx/>
-              <a:buSzTx/>
-              <a:buFontTx/>
-              <a:buNone/>
-              <a:tabLst/>
-              <a:defRPr/>
-            </a:pPr>
-            <a:r>
-              <a:rPr kumimoji="0" lang="en-IN" sz="1800" b="0" i="0" u="none" strike="noStrike" kern="1200" cap="none" spc="0" normalizeH="0" baseline="0" noProof="0" dirty="0">
-                <a:ln>
-                  <a:noFill/>
-                </a:ln>
-                <a:solidFill>
-                  <a:prstClr val="black"/>
-                </a:solidFill>
-                <a:effectLst/>
-                <a:uLnTx/>
-                <a:uFillTx/>
-                <a:latin typeface="Calibri" panose="020F0502020204030204"/>
-                <a:ea typeface="+mn-ea"/>
-                <a:cs typeface="+mn-cs"/>
-              </a:rPr>
+            <a:r>
+              <a:rPr lang="en-IN" dirty="0"/>
               <a:t>Structure of Spring boot project</a:t>
             </a:r>
           </a:p>
         </p:txBody>
       </p:sp>
-      <p:pic>
-        <p:nvPicPr>
-          <p:cNvPr id="7" name="Picture 6">
-            <a:extLst>
-              <a:ext uri="{FF2B5EF4-FFF2-40B4-BE49-F238E27FC236}">
-                <a16:creationId xmlns:a16="http://schemas.microsoft.com/office/drawing/2014/main" id="{C9A34C19-263C-2454-6863-07B3227020A3}"/>
-              </a:ext>
-            </a:extLst>
-          </p:cNvPr>
-          <p:cNvPicPr>
-            <a:picLocks noChangeAspect="1"/>
-          </p:cNvPicPr>
-          <p:nvPr/>
-        </p:nvPicPr>
-        <p:blipFill>
-          <a:blip r:embed="rId4"/>
-          <a:stretch>
-            <a:fillRect/>
-          </a:stretch>
-        </p:blipFill>
-        <p:spPr>
-          <a:xfrm>
-            <a:off x="4630057" y="2712607"/>
-            <a:ext cx="7397083" cy="1338535"/>
-          </a:xfrm>
-          <a:prstGeom prst="rect">
-            <a:avLst/>
-          </a:prstGeom>
-        </p:spPr>
-      </p:pic>
       <p:sp>
         <p:nvSpPr>
-          <p:cNvPr id="10" name="TextBox 9">
-            <a:extLst>
-              <a:ext uri="{FF2B5EF4-FFF2-40B4-BE49-F238E27FC236}">
-                <a16:creationId xmlns:a16="http://schemas.microsoft.com/office/drawing/2014/main" id="{61C538E0-86F4-9279-B451-3B47EDB4B592}"/>
+          <p:cNvPr id="23" name="TextBox 22">
+            <a:extLst>
+              <a:ext uri="{FF2B5EF4-FFF2-40B4-BE49-F238E27FC236}">
+                <a16:creationId xmlns:a16="http://schemas.microsoft.com/office/drawing/2014/main" id="{47AEC542-BB99-4B57-538C-516CAE53B6E7}"/>
               </a:ext>
             </a:extLst>
           </p:cNvPr>
@@ -11896,8 +12313,8 @@
         </p:nvSpPr>
         <p:spPr>
           <a:xfrm>
-            <a:off x="1735985" y="1796683"/>
-            <a:ext cx="2293784" cy="307777"/>
+            <a:off x="7949754" y="1391021"/>
+            <a:ext cx="1868343" cy="307777"/>
           </a:xfrm>
           <a:prstGeom prst="rect">
             <a:avLst/>
@@ -11914,17 +12331,17 @@
               <a:rPr lang="en-IN" sz="1400" dirty="0">
                 <a:latin typeface="Bahnschrift" panose="020B0502040204020203" pitchFamily="34" charset="0"/>
               </a:rPr>
-              <a:t>JPA Repository interface</a:t>
+              <a:t>Employee Controller</a:t>
             </a:r>
           </a:p>
         </p:txBody>
       </p:sp>
       <p:pic>
         <p:nvPicPr>
-          <p:cNvPr id="15" name="Picture 14">
-            <a:extLst>
-              <a:ext uri="{FF2B5EF4-FFF2-40B4-BE49-F238E27FC236}">
-                <a16:creationId xmlns:a16="http://schemas.microsoft.com/office/drawing/2014/main" id="{BAD9BE89-D56E-28CC-F44A-84A941456B89}"/>
+          <p:cNvPr id="11" name="Picture 10">
+            <a:extLst>
+              <a:ext uri="{FF2B5EF4-FFF2-40B4-BE49-F238E27FC236}">
+                <a16:creationId xmlns:a16="http://schemas.microsoft.com/office/drawing/2014/main" id="{7694634D-2D86-A106-FD62-2B1CCD8DEB03}"/>
               </a:ext>
             </a:extLst>
           </p:cNvPr>
@@ -11941,250 +12358,8 @@
         </p:blipFill>
         <p:spPr>
           <a:xfrm>
-            <a:off x="4630057" y="4145393"/>
-            <a:ext cx="7397083" cy="2588187"/>
-          </a:xfrm>
-          <a:prstGeom prst="rect">
-            <a:avLst/>
-          </a:prstGeom>
-        </p:spPr>
-      </p:pic>
-      <p:sp>
-        <p:nvSpPr>
-          <p:cNvPr id="16" name="TextBox 15">
-            <a:extLst>
-              <a:ext uri="{FF2B5EF4-FFF2-40B4-BE49-F238E27FC236}">
-                <a16:creationId xmlns:a16="http://schemas.microsoft.com/office/drawing/2014/main" id="{500DAC5D-7AAA-E36A-0AAB-82919B96CDDE}"/>
-              </a:ext>
-            </a:extLst>
-          </p:cNvPr>
-          <p:cNvSpPr txBox="1"/>
-          <p:nvPr/>
-        </p:nvSpPr>
-        <p:spPr>
-          <a:xfrm>
-            <a:off x="1199237" y="3247323"/>
-            <a:ext cx="2770310" cy="307777"/>
-          </a:xfrm>
-          <a:prstGeom prst="rect">
-            <a:avLst/>
-          </a:prstGeom>
-          <a:noFill/>
-        </p:spPr>
-        <p:txBody>
-          <a:bodyPr wrap="none" rtlCol="0">
-            <a:spAutoFit/>
-          </a:bodyPr>
-          <a:lstStyle/>
-          <a:p>
-            <a:r>
-              <a:rPr lang="en-IN" sz="1400" dirty="0">
-                <a:latin typeface="Bahnschrift" panose="020B0502040204020203" pitchFamily="34" charset="0"/>
-              </a:rPr>
-              <a:t>EmployeeSpecification Interface</a:t>
-            </a:r>
-          </a:p>
-        </p:txBody>
-      </p:sp>
-      <p:sp>
-        <p:nvSpPr>
-          <p:cNvPr id="17" name="TextBox 16">
-            <a:extLst>
-              <a:ext uri="{FF2B5EF4-FFF2-40B4-BE49-F238E27FC236}">
-                <a16:creationId xmlns:a16="http://schemas.microsoft.com/office/drawing/2014/main" id="{D7A482D9-A3E1-8B57-C375-1A6EDD09A6AD}"/>
-              </a:ext>
-            </a:extLst>
-          </p:cNvPr>
-          <p:cNvSpPr txBox="1"/>
-          <p:nvPr/>
-        </p:nvSpPr>
-        <p:spPr>
-          <a:xfrm>
-            <a:off x="1684759" y="5131708"/>
-            <a:ext cx="2047355" cy="307777"/>
-          </a:xfrm>
-          <a:prstGeom prst="rect">
-            <a:avLst/>
-          </a:prstGeom>
-          <a:noFill/>
-        </p:spPr>
-        <p:txBody>
-          <a:bodyPr wrap="none" rtlCol="0">
-            <a:spAutoFit/>
-          </a:bodyPr>
-          <a:lstStyle/>
-          <a:p>
-            <a:r>
-              <a:rPr lang="en-IN" sz="1400" dirty="0">
-                <a:latin typeface="Bahnschrift" panose="020B0502040204020203" pitchFamily="34" charset="0"/>
-              </a:rPr>
-              <a:t>EmployeeService class</a:t>
-            </a:r>
-          </a:p>
-        </p:txBody>
-      </p:sp>
-      <p:sp>
-        <p:nvSpPr>
-          <p:cNvPr id="22" name="Arrow: Right 21">
-            <a:extLst>
-              <a:ext uri="{FF2B5EF4-FFF2-40B4-BE49-F238E27FC236}">
-                <a16:creationId xmlns:a16="http://schemas.microsoft.com/office/drawing/2014/main" id="{D275EEBC-49C9-59AC-6328-DA58277C6280}"/>
-              </a:ext>
-            </a:extLst>
-          </p:cNvPr>
-          <p:cNvSpPr/>
-          <p:nvPr/>
-        </p:nvSpPr>
-        <p:spPr>
-          <a:xfrm>
-            <a:off x="3941623" y="1793966"/>
-            <a:ext cx="435428" cy="307777"/>
-          </a:xfrm>
-          <a:prstGeom prst="rightArrow">
-            <a:avLst/>
-          </a:prstGeom>
-        </p:spPr>
-        <p:style>
-          <a:lnRef idx="2">
-            <a:schemeClr val="accent1">
-              <a:shade val="50000"/>
-            </a:schemeClr>
-          </a:lnRef>
-          <a:fillRef idx="1">
-            <a:schemeClr val="accent1"/>
-          </a:fillRef>
-          <a:effectRef idx="0">
-            <a:schemeClr val="accent1"/>
-          </a:effectRef>
-          <a:fontRef idx="minor">
-            <a:schemeClr val="lt1"/>
-          </a:fontRef>
-        </p:style>
-        <p:txBody>
-          <a:bodyPr rtlCol="0" anchor="ctr"/>
-          <a:lstStyle/>
-          <a:p>
-            <a:pPr algn="ctr"/>
-            <a:endParaRPr lang="en-IN" dirty="0"/>
-          </a:p>
-        </p:txBody>
-      </p:sp>
-      <p:sp>
-        <p:nvSpPr>
-          <p:cNvPr id="23" name="Arrow: Right 22">
-            <a:extLst>
-              <a:ext uri="{FF2B5EF4-FFF2-40B4-BE49-F238E27FC236}">
-                <a16:creationId xmlns:a16="http://schemas.microsoft.com/office/drawing/2014/main" id="{CE965569-BA7F-29A2-A39A-D51A2D28FA12}"/>
-              </a:ext>
-            </a:extLst>
-          </p:cNvPr>
-          <p:cNvSpPr/>
-          <p:nvPr/>
-        </p:nvSpPr>
-        <p:spPr>
-          <a:xfrm>
-            <a:off x="3969547" y="3247323"/>
-            <a:ext cx="435428" cy="307777"/>
-          </a:xfrm>
-          <a:prstGeom prst="rightArrow">
-            <a:avLst/>
-          </a:prstGeom>
-        </p:spPr>
-        <p:style>
-          <a:lnRef idx="2">
-            <a:schemeClr val="accent1">
-              <a:shade val="50000"/>
-            </a:schemeClr>
-          </a:lnRef>
-          <a:fillRef idx="1">
-            <a:schemeClr val="accent1"/>
-          </a:fillRef>
-          <a:effectRef idx="0">
-            <a:schemeClr val="accent1"/>
-          </a:effectRef>
-          <a:fontRef idx="minor">
-            <a:schemeClr val="lt1"/>
-          </a:fontRef>
-        </p:style>
-        <p:txBody>
-          <a:bodyPr rtlCol="0" anchor="ctr"/>
-          <a:lstStyle/>
-          <a:p>
-            <a:pPr algn="ctr"/>
-            <a:endParaRPr lang="en-IN"/>
-          </a:p>
-        </p:txBody>
-      </p:sp>
-      <p:sp>
-        <p:nvSpPr>
-          <p:cNvPr id="24" name="Arrow: Right 23">
-            <a:extLst>
-              <a:ext uri="{FF2B5EF4-FFF2-40B4-BE49-F238E27FC236}">
-                <a16:creationId xmlns:a16="http://schemas.microsoft.com/office/drawing/2014/main" id="{3C786F4F-818A-2332-B5A3-5C8DEC5DC6A0}"/>
-              </a:ext>
-            </a:extLst>
-          </p:cNvPr>
-          <p:cNvSpPr/>
-          <p:nvPr/>
-        </p:nvSpPr>
-        <p:spPr>
-          <a:xfrm>
-            <a:off x="3922745" y="5131708"/>
-            <a:ext cx="462513" cy="307777"/>
-          </a:xfrm>
-          <a:prstGeom prst="rightArrow">
-            <a:avLst/>
-          </a:prstGeom>
-        </p:spPr>
-        <p:style>
-          <a:lnRef idx="2">
-            <a:schemeClr val="accent1">
-              <a:shade val="50000"/>
-            </a:schemeClr>
-          </a:lnRef>
-          <a:fillRef idx="1">
-            <a:schemeClr val="accent1"/>
-          </a:fillRef>
-          <a:effectRef idx="0">
-            <a:schemeClr val="accent1"/>
-          </a:effectRef>
-          <a:fontRef idx="minor">
-            <a:schemeClr val="lt1"/>
-          </a:fontRef>
-        </p:style>
-        <p:txBody>
-          <a:bodyPr rtlCol="0" anchor="ctr"/>
-          <a:lstStyle/>
-          <a:p>
-            <a:pPr algn="ctr"/>
-            <a:endParaRPr lang="en-IN"/>
-          </a:p>
-        </p:txBody>
-      </p:sp>
-      <p:pic>
-        <p:nvPicPr>
-          <p:cNvPr id="26" name="Picture 25">
-            <a:extLst>
-              <a:ext uri="{FF2B5EF4-FFF2-40B4-BE49-F238E27FC236}">
-                <a16:creationId xmlns:a16="http://schemas.microsoft.com/office/drawing/2014/main" id="{29B59F12-5CCD-FFD3-CA62-3438BFBFB832}"/>
-              </a:ext>
-            </a:extLst>
-          </p:cNvPr>
-          <p:cNvPicPr>
-            <a:picLocks noChangeAspect="1"/>
-          </p:cNvPicPr>
-          <p:nvPr/>
-        </p:nvPicPr>
-        <p:blipFill>
-          <a:blip r:embed="rId6"/>
-          <a:stretch>
-            <a:fillRect/>
-          </a:stretch>
-        </p:blipFill>
-        <p:spPr>
-          <a:xfrm>
-            <a:off x="4630057" y="1250713"/>
-            <a:ext cx="7397083" cy="1378394"/>
+            <a:off x="5675086" y="1694729"/>
+            <a:ext cx="6417680" cy="5163271"/>
           </a:xfrm>
           <a:prstGeom prst="rect">
             <a:avLst/>
@@ -12194,13 +12369,16 @@
     </p:spTree>
     <p:extLst>
       <p:ext uri="{BB962C8B-B14F-4D97-AF65-F5344CB8AC3E}">
-        <p14:creationId xmlns:p14="http://schemas.microsoft.com/office/powerpoint/2010/main" val="3406773361"/>
+        <p14:creationId xmlns:p14="http://schemas.microsoft.com/office/powerpoint/2010/main" val="2714149063"/>
       </p:ext>
     </p:extLst>
   </p:cSld>
   <p:clrMapOvr>
     <a:masterClrMapping/>
   </p:clrMapOvr>
+  <p:transition spd="slow">
+    <p:push/>
+  </p:transition>
 </p:sld>
 </file>
 
@@ -12418,7 +12596,7 @@
         </p:nvSpPr>
         <p:spPr>
           <a:xfrm>
-            <a:off x="4365170" y="911994"/>
+            <a:off x="0" y="911994"/>
             <a:ext cx="3283859" cy="369332"/>
           </a:xfrm>
           <a:prstGeom prst="rect">
@@ -12484,10 +12662,10 @@
       </p:sp>
       <p:pic>
         <p:nvPicPr>
-          <p:cNvPr id="11" name="Picture 10">
-            <a:extLst>
-              <a:ext uri="{FF2B5EF4-FFF2-40B4-BE49-F238E27FC236}">
-                <a16:creationId xmlns:a16="http://schemas.microsoft.com/office/drawing/2014/main" id="{6BE54F50-43AE-B057-AF5D-3693331BD133}"/>
+          <p:cNvPr id="7" name="Picture 6">
+            <a:extLst>
+              <a:ext uri="{FF2B5EF4-FFF2-40B4-BE49-F238E27FC236}">
+                <a16:creationId xmlns:a16="http://schemas.microsoft.com/office/drawing/2014/main" id="{C9A34C19-263C-2454-6863-07B3227020A3}"/>
               </a:ext>
             </a:extLst>
           </p:cNvPr>
@@ -12504,8 +12682,8 @@
         </p:blipFill>
         <p:spPr>
           <a:xfrm>
-            <a:off x="159658" y="1669987"/>
-            <a:ext cx="6110514" cy="5163271"/>
+            <a:off x="4630057" y="2712607"/>
+            <a:ext cx="7397083" cy="1338535"/>
           </a:xfrm>
           <a:prstGeom prst="rect">
             <a:avLst/>
@@ -12514,10 +12692,10 @@
       </p:pic>
       <p:sp>
         <p:nvSpPr>
-          <p:cNvPr id="19" name="TextBox 18">
-            <a:extLst>
-              <a:ext uri="{FF2B5EF4-FFF2-40B4-BE49-F238E27FC236}">
-                <a16:creationId xmlns:a16="http://schemas.microsoft.com/office/drawing/2014/main" id="{BD19879F-E0FA-FC0F-170B-4758E7372E9C}"/>
+          <p:cNvPr id="10" name="TextBox 9">
+            <a:extLst>
+              <a:ext uri="{FF2B5EF4-FFF2-40B4-BE49-F238E27FC236}">
+                <a16:creationId xmlns:a16="http://schemas.microsoft.com/office/drawing/2014/main" id="{61C538E0-86F4-9279-B451-3B47EDB4B592}"/>
               </a:ext>
             </a:extLst>
           </p:cNvPr>
@@ -12526,8 +12704,8 @@
         </p:nvSpPr>
         <p:spPr>
           <a:xfrm>
-            <a:off x="1133906" y="1388605"/>
-            <a:ext cx="3947882" cy="307778"/>
+            <a:off x="1735985" y="1796683"/>
+            <a:ext cx="2293784" cy="307777"/>
           </a:xfrm>
           <a:prstGeom prst="rect">
             <a:avLst/>
@@ -12544,54 +12722,17 @@
               <a:rPr lang="en-IN" sz="1400" dirty="0">
                 <a:latin typeface="Bahnschrift" panose="020B0502040204020203" pitchFamily="34" charset="0"/>
               </a:rPr>
-              <a:t>DTO Class(Encryption to AES-256 in DTO class)</a:t>
-            </a:r>
-          </a:p>
-        </p:txBody>
-      </p:sp>
-      <p:sp>
-        <p:nvSpPr>
-          <p:cNvPr id="21" name="TextBox 20">
-            <a:extLst>
-              <a:ext uri="{FF2B5EF4-FFF2-40B4-BE49-F238E27FC236}">
-                <a16:creationId xmlns:a16="http://schemas.microsoft.com/office/drawing/2014/main" id="{BAC8FEB0-4C41-A710-D22A-583BF42C1331}"/>
-              </a:ext>
-            </a:extLst>
-          </p:cNvPr>
-          <p:cNvSpPr txBox="1"/>
-          <p:nvPr/>
-        </p:nvSpPr>
-        <p:spPr>
-          <a:xfrm>
-            <a:off x="7751524" y="1388605"/>
-            <a:ext cx="3077028" cy="307778"/>
-          </a:xfrm>
-          <a:prstGeom prst="rect">
-            <a:avLst/>
-          </a:prstGeom>
-          <a:noFill/>
-        </p:spPr>
-        <p:txBody>
-          <a:bodyPr wrap="square" rtlCol="0">
-            <a:spAutoFit/>
-          </a:bodyPr>
-          <a:lstStyle/>
-          <a:p>
-            <a:r>
-              <a:rPr lang="en-IN" sz="1400" dirty="0">
-                <a:latin typeface="Bahnschrift" panose="020B0502040204020203" pitchFamily="34" charset="0"/>
-              </a:rPr>
-              <a:t>Employee Service Test using Junit</a:t>
+              <a:t>JPA Repository interface</a:t>
             </a:r>
           </a:p>
         </p:txBody>
       </p:sp>
       <p:pic>
         <p:nvPicPr>
-          <p:cNvPr id="3" name="Picture 2">
-            <a:extLst>
-              <a:ext uri="{FF2B5EF4-FFF2-40B4-BE49-F238E27FC236}">
-                <a16:creationId xmlns:a16="http://schemas.microsoft.com/office/drawing/2014/main" id="{8F47B1A5-AA12-606C-2A06-58E67EFC167F}"/>
+          <p:cNvPr id="15" name="Picture 14">
+            <a:extLst>
+              <a:ext uri="{FF2B5EF4-FFF2-40B4-BE49-F238E27FC236}">
+                <a16:creationId xmlns:a16="http://schemas.microsoft.com/office/drawing/2014/main" id="{BAD9BE89-D56E-28CC-F44A-84A941456B89}"/>
               </a:ext>
             </a:extLst>
           </p:cNvPr>
@@ -12608,8 +12749,250 @@
         </p:blipFill>
         <p:spPr>
           <a:xfrm>
-            <a:off x="6388076" y="1669987"/>
-            <a:ext cx="5644267" cy="5163270"/>
+            <a:off x="4630057" y="4145393"/>
+            <a:ext cx="7397083" cy="2588187"/>
+          </a:xfrm>
+          <a:prstGeom prst="rect">
+            <a:avLst/>
+          </a:prstGeom>
+        </p:spPr>
+      </p:pic>
+      <p:sp>
+        <p:nvSpPr>
+          <p:cNvPr id="16" name="TextBox 15">
+            <a:extLst>
+              <a:ext uri="{FF2B5EF4-FFF2-40B4-BE49-F238E27FC236}">
+                <a16:creationId xmlns:a16="http://schemas.microsoft.com/office/drawing/2014/main" id="{500DAC5D-7AAA-E36A-0AAB-82919B96CDDE}"/>
+              </a:ext>
+            </a:extLst>
+          </p:cNvPr>
+          <p:cNvSpPr txBox="1"/>
+          <p:nvPr/>
+        </p:nvSpPr>
+        <p:spPr>
+          <a:xfrm>
+            <a:off x="1199237" y="3247323"/>
+            <a:ext cx="2770310" cy="307777"/>
+          </a:xfrm>
+          <a:prstGeom prst="rect">
+            <a:avLst/>
+          </a:prstGeom>
+          <a:noFill/>
+        </p:spPr>
+        <p:txBody>
+          <a:bodyPr wrap="none" rtlCol="0">
+            <a:spAutoFit/>
+          </a:bodyPr>
+          <a:lstStyle/>
+          <a:p>
+            <a:r>
+              <a:rPr lang="en-IN" sz="1400" dirty="0">
+                <a:latin typeface="Bahnschrift" panose="020B0502040204020203" pitchFamily="34" charset="0"/>
+              </a:rPr>
+              <a:t>EmployeeSpecification Interface</a:t>
+            </a:r>
+          </a:p>
+        </p:txBody>
+      </p:sp>
+      <p:sp>
+        <p:nvSpPr>
+          <p:cNvPr id="17" name="TextBox 16">
+            <a:extLst>
+              <a:ext uri="{FF2B5EF4-FFF2-40B4-BE49-F238E27FC236}">
+                <a16:creationId xmlns:a16="http://schemas.microsoft.com/office/drawing/2014/main" id="{D7A482D9-A3E1-8B57-C375-1A6EDD09A6AD}"/>
+              </a:ext>
+            </a:extLst>
+          </p:cNvPr>
+          <p:cNvSpPr txBox="1"/>
+          <p:nvPr/>
+        </p:nvSpPr>
+        <p:spPr>
+          <a:xfrm>
+            <a:off x="1684759" y="5131708"/>
+            <a:ext cx="2047355" cy="307777"/>
+          </a:xfrm>
+          <a:prstGeom prst="rect">
+            <a:avLst/>
+          </a:prstGeom>
+          <a:noFill/>
+        </p:spPr>
+        <p:txBody>
+          <a:bodyPr wrap="none" rtlCol="0">
+            <a:spAutoFit/>
+          </a:bodyPr>
+          <a:lstStyle/>
+          <a:p>
+            <a:r>
+              <a:rPr lang="en-IN" sz="1400" dirty="0">
+                <a:latin typeface="Bahnschrift" panose="020B0502040204020203" pitchFamily="34" charset="0"/>
+              </a:rPr>
+              <a:t>EmployeeService class</a:t>
+            </a:r>
+          </a:p>
+        </p:txBody>
+      </p:sp>
+      <p:sp>
+        <p:nvSpPr>
+          <p:cNvPr id="22" name="Arrow: Right 21">
+            <a:extLst>
+              <a:ext uri="{FF2B5EF4-FFF2-40B4-BE49-F238E27FC236}">
+                <a16:creationId xmlns:a16="http://schemas.microsoft.com/office/drawing/2014/main" id="{D275EEBC-49C9-59AC-6328-DA58277C6280}"/>
+              </a:ext>
+            </a:extLst>
+          </p:cNvPr>
+          <p:cNvSpPr/>
+          <p:nvPr/>
+        </p:nvSpPr>
+        <p:spPr>
+          <a:xfrm>
+            <a:off x="3941623" y="1793966"/>
+            <a:ext cx="435428" cy="307777"/>
+          </a:xfrm>
+          <a:prstGeom prst="rightArrow">
+            <a:avLst/>
+          </a:prstGeom>
+        </p:spPr>
+        <p:style>
+          <a:lnRef idx="2">
+            <a:schemeClr val="accent1">
+              <a:shade val="50000"/>
+            </a:schemeClr>
+          </a:lnRef>
+          <a:fillRef idx="1">
+            <a:schemeClr val="accent1"/>
+          </a:fillRef>
+          <a:effectRef idx="0">
+            <a:schemeClr val="accent1"/>
+          </a:effectRef>
+          <a:fontRef idx="minor">
+            <a:schemeClr val="lt1"/>
+          </a:fontRef>
+        </p:style>
+        <p:txBody>
+          <a:bodyPr rtlCol="0" anchor="ctr"/>
+          <a:lstStyle/>
+          <a:p>
+            <a:pPr algn="ctr"/>
+            <a:endParaRPr lang="en-IN" dirty="0"/>
+          </a:p>
+        </p:txBody>
+      </p:sp>
+      <p:sp>
+        <p:nvSpPr>
+          <p:cNvPr id="23" name="Arrow: Right 22">
+            <a:extLst>
+              <a:ext uri="{FF2B5EF4-FFF2-40B4-BE49-F238E27FC236}">
+                <a16:creationId xmlns:a16="http://schemas.microsoft.com/office/drawing/2014/main" id="{CE965569-BA7F-29A2-A39A-D51A2D28FA12}"/>
+              </a:ext>
+            </a:extLst>
+          </p:cNvPr>
+          <p:cNvSpPr/>
+          <p:nvPr/>
+        </p:nvSpPr>
+        <p:spPr>
+          <a:xfrm>
+            <a:off x="3969547" y="3247323"/>
+            <a:ext cx="435428" cy="307777"/>
+          </a:xfrm>
+          <a:prstGeom prst="rightArrow">
+            <a:avLst/>
+          </a:prstGeom>
+        </p:spPr>
+        <p:style>
+          <a:lnRef idx="2">
+            <a:schemeClr val="accent1">
+              <a:shade val="50000"/>
+            </a:schemeClr>
+          </a:lnRef>
+          <a:fillRef idx="1">
+            <a:schemeClr val="accent1"/>
+          </a:fillRef>
+          <a:effectRef idx="0">
+            <a:schemeClr val="accent1"/>
+          </a:effectRef>
+          <a:fontRef idx="minor">
+            <a:schemeClr val="lt1"/>
+          </a:fontRef>
+        </p:style>
+        <p:txBody>
+          <a:bodyPr rtlCol="0" anchor="ctr"/>
+          <a:lstStyle/>
+          <a:p>
+            <a:pPr algn="ctr"/>
+            <a:endParaRPr lang="en-IN"/>
+          </a:p>
+        </p:txBody>
+      </p:sp>
+      <p:sp>
+        <p:nvSpPr>
+          <p:cNvPr id="24" name="Arrow: Right 23">
+            <a:extLst>
+              <a:ext uri="{FF2B5EF4-FFF2-40B4-BE49-F238E27FC236}">
+                <a16:creationId xmlns:a16="http://schemas.microsoft.com/office/drawing/2014/main" id="{3C786F4F-818A-2332-B5A3-5C8DEC5DC6A0}"/>
+              </a:ext>
+            </a:extLst>
+          </p:cNvPr>
+          <p:cNvSpPr/>
+          <p:nvPr/>
+        </p:nvSpPr>
+        <p:spPr>
+          <a:xfrm>
+            <a:off x="3922745" y="5131708"/>
+            <a:ext cx="462513" cy="307777"/>
+          </a:xfrm>
+          <a:prstGeom prst="rightArrow">
+            <a:avLst/>
+          </a:prstGeom>
+        </p:spPr>
+        <p:style>
+          <a:lnRef idx="2">
+            <a:schemeClr val="accent1">
+              <a:shade val="50000"/>
+            </a:schemeClr>
+          </a:lnRef>
+          <a:fillRef idx="1">
+            <a:schemeClr val="accent1"/>
+          </a:fillRef>
+          <a:effectRef idx="0">
+            <a:schemeClr val="accent1"/>
+          </a:effectRef>
+          <a:fontRef idx="minor">
+            <a:schemeClr val="lt1"/>
+          </a:fontRef>
+        </p:style>
+        <p:txBody>
+          <a:bodyPr rtlCol="0" anchor="ctr"/>
+          <a:lstStyle/>
+          <a:p>
+            <a:pPr algn="ctr"/>
+            <a:endParaRPr lang="en-IN"/>
+          </a:p>
+        </p:txBody>
+      </p:sp>
+      <p:pic>
+        <p:nvPicPr>
+          <p:cNvPr id="26" name="Picture 25">
+            <a:extLst>
+              <a:ext uri="{FF2B5EF4-FFF2-40B4-BE49-F238E27FC236}">
+                <a16:creationId xmlns:a16="http://schemas.microsoft.com/office/drawing/2014/main" id="{29B59F12-5CCD-FFD3-CA62-3438BFBFB832}"/>
+              </a:ext>
+            </a:extLst>
+          </p:cNvPr>
+          <p:cNvPicPr>
+            <a:picLocks noChangeAspect="1"/>
+          </p:cNvPicPr>
+          <p:nvPr/>
+        </p:nvPicPr>
+        <p:blipFill>
+          <a:blip r:embed="rId6"/>
+          <a:stretch>
+            <a:fillRect/>
+          </a:stretch>
+        </p:blipFill>
+        <p:spPr>
+          <a:xfrm>
+            <a:off x="4630057" y="1250713"/>
+            <a:ext cx="7397083" cy="1378394"/>
           </a:xfrm>
           <a:prstGeom prst="rect">
             <a:avLst/>
@@ -12619,13 +13002,16 @@
     </p:spTree>
     <p:extLst>
       <p:ext uri="{BB962C8B-B14F-4D97-AF65-F5344CB8AC3E}">
-        <p14:creationId xmlns:p14="http://schemas.microsoft.com/office/powerpoint/2010/main" val="1715802902"/>
+        <p14:creationId xmlns:p14="http://schemas.microsoft.com/office/powerpoint/2010/main" val="3406773361"/>
       </p:ext>
     </p:extLst>
   </p:cSld>
   <p:clrMapOvr>
     <a:masterClrMapping/>
   </p:clrMapOvr>
+  <p:transition spd="slow">
+    <p:push/>
+  </p:transition>
 </p:sld>
 </file>
 
@@ -12870,7 +13256,7 @@
           </a:bodyPr>
           <a:lstStyle/>
           <a:p>
-            <a:pPr marL="0" marR="0" lvl="0" indent="0" algn="ctr" defTabSz="914400" rtl="0" eaLnBrk="1" fontAlgn="auto" latinLnBrk="0" hangingPunct="1">
+            <a:pPr marL="0" marR="0" lvl="0" indent="0" algn="l" defTabSz="914400" rtl="0" eaLnBrk="1" fontAlgn="auto" latinLnBrk="0" hangingPunct="1">
               <a:lnSpc>
                 <a:spcPct val="100000"/>
               </a:lnSpc>
@@ -12902,7 +13288,81 @@
                 <a:ea typeface="+mn-ea"/>
                 <a:cs typeface="+mn-cs"/>
               </a:rPr>
-              <a:t>Structure of Client program</a:t>
+              <a:t>Structure of Spring boot project</a:t>
+            </a:r>
+          </a:p>
+        </p:txBody>
+      </p:sp>
+      <p:sp>
+        <p:nvSpPr>
+          <p:cNvPr id="19" name="TextBox 18">
+            <a:extLst>
+              <a:ext uri="{FF2B5EF4-FFF2-40B4-BE49-F238E27FC236}">
+                <a16:creationId xmlns:a16="http://schemas.microsoft.com/office/drawing/2014/main" id="{BD19879F-E0FA-FC0F-170B-4758E7372E9C}"/>
+              </a:ext>
+            </a:extLst>
+          </p:cNvPr>
+          <p:cNvSpPr txBox="1"/>
+          <p:nvPr/>
+        </p:nvSpPr>
+        <p:spPr>
+          <a:xfrm>
+            <a:off x="1260011" y="1388605"/>
+            <a:ext cx="3947882" cy="307778"/>
+          </a:xfrm>
+          <a:prstGeom prst="rect">
+            <a:avLst/>
+          </a:prstGeom>
+          <a:noFill/>
+        </p:spPr>
+        <p:txBody>
+          <a:bodyPr wrap="square" rtlCol="0">
+            <a:spAutoFit/>
+          </a:bodyPr>
+          <a:lstStyle/>
+          <a:p>
+            <a:r>
+              <a:rPr lang="en-IN" sz="1400" dirty="0">
+                <a:latin typeface="Bahnschrift" panose="020B0502040204020203" pitchFamily="34" charset="0"/>
+              </a:rPr>
+              <a:t>DTO Class(Encryption to AES-256 in DTO class)</a:t>
+            </a:r>
+          </a:p>
+        </p:txBody>
+      </p:sp>
+      <p:sp>
+        <p:nvSpPr>
+          <p:cNvPr id="21" name="TextBox 20">
+            <a:extLst>
+              <a:ext uri="{FF2B5EF4-FFF2-40B4-BE49-F238E27FC236}">
+                <a16:creationId xmlns:a16="http://schemas.microsoft.com/office/drawing/2014/main" id="{BAC8FEB0-4C41-A710-D22A-583BF42C1331}"/>
+              </a:ext>
+            </a:extLst>
+          </p:cNvPr>
+          <p:cNvSpPr txBox="1"/>
+          <p:nvPr/>
+        </p:nvSpPr>
+        <p:spPr>
+          <a:xfrm>
+            <a:off x="7751523" y="1388605"/>
+            <a:ext cx="3077028" cy="307778"/>
+          </a:xfrm>
+          <a:prstGeom prst="rect">
+            <a:avLst/>
+          </a:prstGeom>
+          <a:noFill/>
+        </p:spPr>
+        <p:txBody>
+          <a:bodyPr wrap="square" rtlCol="0">
+            <a:spAutoFit/>
+          </a:bodyPr>
+          <a:lstStyle/>
+          <a:p>
+            <a:r>
+              <a:rPr lang="en-IN" sz="1400" dirty="0">
+                <a:latin typeface="Bahnschrift" panose="020B0502040204020203" pitchFamily="34" charset="0"/>
+              </a:rPr>
+              <a:t>Employee Service Test using Junit</a:t>
             </a:r>
           </a:p>
         </p:txBody>
@@ -12912,7 +13372,7 @@
           <p:cNvPr id="3" name="Picture 2">
             <a:extLst>
               <a:ext uri="{FF2B5EF4-FFF2-40B4-BE49-F238E27FC236}">
-                <a16:creationId xmlns:a16="http://schemas.microsoft.com/office/drawing/2014/main" id="{DC18F906-500E-430F-03D0-7477F6644BBE}"/>
+                <a16:creationId xmlns:a16="http://schemas.microsoft.com/office/drawing/2014/main" id="{8F47B1A5-AA12-606C-2A06-58E67EFC167F}"/>
               </a:ext>
             </a:extLst>
           </p:cNvPr>
@@ -12929,8 +13389,8 @@
         </p:blipFill>
         <p:spPr>
           <a:xfrm>
-            <a:off x="5994400" y="1594447"/>
-            <a:ext cx="6066187" cy="2700971"/>
+            <a:off x="6467904" y="1693904"/>
+            <a:ext cx="5644267" cy="5163270"/>
           </a:xfrm>
           <a:prstGeom prst="rect">
             <a:avLst/>
@@ -12939,10 +13399,10 @@
       </p:pic>
       <p:pic>
         <p:nvPicPr>
-          <p:cNvPr id="10" name="Picture 9">
-            <a:extLst>
-              <a:ext uri="{FF2B5EF4-FFF2-40B4-BE49-F238E27FC236}">
-                <a16:creationId xmlns:a16="http://schemas.microsoft.com/office/drawing/2014/main" id="{9BC7212A-FFA7-47A3-7A7C-BB1B3F3A47D2}"/>
+          <p:cNvPr id="7" name="Picture 6">
+            <a:extLst>
+              <a:ext uri="{FF2B5EF4-FFF2-40B4-BE49-F238E27FC236}">
+                <a16:creationId xmlns:a16="http://schemas.microsoft.com/office/drawing/2014/main" id="{A59C060B-9BE0-349A-3FF0-92FE23E9804C}"/>
               </a:ext>
             </a:extLst>
           </p:cNvPr>
@@ -12959,128 +13419,27 @@
         </p:blipFill>
         <p:spPr>
           <a:xfrm>
-            <a:off x="6007099" y="4357082"/>
-            <a:ext cx="6066187" cy="2362530"/>
+            <a:off x="79829" y="1693904"/>
+            <a:ext cx="6308246" cy="5144218"/>
           </a:xfrm>
           <a:prstGeom prst="rect">
             <a:avLst/>
           </a:prstGeom>
         </p:spPr>
       </p:pic>
-      <p:pic>
-        <p:nvPicPr>
-          <p:cNvPr id="13" name="Picture 12">
-            <a:extLst>
-              <a:ext uri="{FF2B5EF4-FFF2-40B4-BE49-F238E27FC236}">
-                <a16:creationId xmlns:a16="http://schemas.microsoft.com/office/drawing/2014/main" id="{3D3225B4-3828-06AD-B257-6FC29F74AFC5}"/>
-              </a:ext>
-            </a:extLst>
-          </p:cNvPr>
-          <p:cNvPicPr>
-            <a:picLocks noChangeAspect="1"/>
-          </p:cNvPicPr>
-          <p:nvPr/>
-        </p:nvPicPr>
-        <p:blipFill>
-          <a:blip r:embed="rId6"/>
-          <a:stretch>
-            <a:fillRect/>
-          </a:stretch>
-        </p:blipFill>
-        <p:spPr>
-          <a:xfrm>
-            <a:off x="131413" y="1594447"/>
-            <a:ext cx="5506218" cy="5125165"/>
-          </a:xfrm>
-          <a:prstGeom prst="rect">
-            <a:avLst/>
-          </a:prstGeom>
-        </p:spPr>
-      </p:pic>
-      <p:sp>
-        <p:nvSpPr>
-          <p:cNvPr id="16" name="TextBox 15">
-            <a:extLst>
-              <a:ext uri="{FF2B5EF4-FFF2-40B4-BE49-F238E27FC236}">
-                <a16:creationId xmlns:a16="http://schemas.microsoft.com/office/drawing/2014/main" id="{9566F95F-AD14-0E73-C183-4EF8A781B37D}"/>
-              </a:ext>
-            </a:extLst>
-          </p:cNvPr>
-          <p:cNvSpPr txBox="1"/>
-          <p:nvPr/>
-        </p:nvSpPr>
-        <p:spPr>
-          <a:xfrm>
-            <a:off x="833350" y="1293968"/>
-            <a:ext cx="4102343" cy="307777"/>
-          </a:xfrm>
-          <a:prstGeom prst="rect">
-            <a:avLst/>
-          </a:prstGeom>
-          <a:noFill/>
-        </p:spPr>
-        <p:txBody>
-          <a:bodyPr wrap="square" rtlCol="0">
-            <a:spAutoFit/>
-          </a:bodyPr>
-          <a:lstStyle/>
-          <a:p>
-            <a:r>
-              <a:rPr lang="en-IN" sz="1400" dirty="0">
-                <a:latin typeface="Bahnschrift" panose="020B0502040204020203" pitchFamily="34" charset="0"/>
-              </a:rPr>
-              <a:t>DTO class(Decryption of webservice response)</a:t>
-            </a:r>
-          </a:p>
-        </p:txBody>
-      </p:sp>
-      <p:sp>
-        <p:nvSpPr>
-          <p:cNvPr id="18" name="TextBox 17">
-            <a:extLst>
-              <a:ext uri="{FF2B5EF4-FFF2-40B4-BE49-F238E27FC236}">
-                <a16:creationId xmlns:a16="http://schemas.microsoft.com/office/drawing/2014/main" id="{AB33C17F-C27F-0ED4-83AB-DA26095A4261}"/>
-              </a:ext>
-            </a:extLst>
-          </p:cNvPr>
-          <p:cNvSpPr txBox="1"/>
-          <p:nvPr/>
-        </p:nvSpPr>
-        <p:spPr>
-          <a:xfrm>
-            <a:off x="6832825" y="1326455"/>
-            <a:ext cx="4485414" cy="307777"/>
-          </a:xfrm>
-          <a:prstGeom prst="rect">
-            <a:avLst/>
-          </a:prstGeom>
-          <a:noFill/>
-        </p:spPr>
-        <p:txBody>
-          <a:bodyPr wrap="square" rtlCol="0">
-            <a:spAutoFit/>
-          </a:bodyPr>
-          <a:lstStyle/>
-          <a:p>
-            <a:r>
-              <a:rPr lang="en-IN" sz="1400" dirty="0">
-                <a:latin typeface="Bahnschrift" panose="020B0502040204020203" pitchFamily="34" charset="0"/>
-              </a:rPr>
-              <a:t>RestTemplate custom config &amp; Client Controller class</a:t>
-            </a:r>
-          </a:p>
-        </p:txBody>
-      </p:sp>
     </p:spTree>
     <p:extLst>
       <p:ext uri="{BB962C8B-B14F-4D97-AF65-F5344CB8AC3E}">
-        <p14:creationId xmlns:p14="http://schemas.microsoft.com/office/powerpoint/2010/main" val="3316123681"/>
+        <p14:creationId xmlns:p14="http://schemas.microsoft.com/office/powerpoint/2010/main" val="1715802902"/>
       </p:ext>
     </p:extLst>
   </p:cSld>
   <p:clrMapOvr>
     <a:masterClrMapping/>
   </p:clrMapOvr>
+  <p:transition spd="slow">
+    <p:push/>
+  </p:transition>
 </p:sld>
 </file>
 
@@ -13536,6 +13895,9 @@
   <p:clrMapOvr>
     <a:masterClrMapping/>
   </p:clrMapOvr>
+  <p:transition spd="slow">
+    <p:push/>
+  </p:transition>
 </p:sld>
 </file>
 
@@ -13753,8 +14115,8 @@
         </p:nvSpPr>
         <p:spPr>
           <a:xfrm>
-            <a:off x="4134756" y="934087"/>
-            <a:ext cx="3922487" cy="307777"/>
+            <a:off x="4365170" y="911994"/>
+            <a:ext cx="3283859" cy="369332"/>
           </a:xfrm>
           <a:prstGeom prst="rect">
             <a:avLst/>
@@ -13798,37 +14160,105 @@
               <a:defRPr/>
             </a:pPr>
             <a:r>
-              <a:rPr lang="en-IN" sz="1400" dirty="0">
+              <a:rPr kumimoji="0" lang="en-IN" sz="1800" b="0" i="0" u="none" strike="noStrike" kern="1200" cap="none" spc="0" normalizeH="0" baseline="0" noProof="0" dirty="0">
+                <a:ln>
+                  <a:noFill/>
+                </a:ln>
                 <a:solidFill>
                   <a:prstClr val="black"/>
                 </a:solidFill>
+                <a:effectLst/>
+                <a:uLnTx/>
+                <a:uFillTx/>
                 <a:latin typeface="Calibri" panose="020F0502020204030204"/>
-              </a:rPr>
-              <a:t>Postman API Platform Screenshots</a:t>
-            </a:r>
-            <a:endParaRPr kumimoji="0" lang="en-IN" sz="1400" b="0" i="0" u="none" strike="noStrike" kern="1200" cap="none" spc="0" normalizeH="0" baseline="0" noProof="0" dirty="0">
-              <a:ln>
-                <a:noFill/>
-              </a:ln>
-              <a:solidFill>
-                <a:prstClr val="black"/>
-              </a:solidFill>
-              <a:effectLst/>
-              <a:uLnTx/>
-              <a:uFillTx/>
-              <a:latin typeface="Calibri" panose="020F0502020204030204"/>
-              <a:ea typeface="+mn-ea"/>
-              <a:cs typeface="+mn-cs"/>
-            </a:endParaRPr>
+                <a:ea typeface="+mn-ea"/>
+                <a:cs typeface="+mn-cs"/>
+              </a:rPr>
+              <a:t>Structure of Client program</a:t>
+            </a:r>
+          </a:p>
+        </p:txBody>
+      </p:sp>
+      <p:sp>
+        <p:nvSpPr>
+          <p:cNvPr id="16" name="TextBox 15">
+            <a:extLst>
+              <a:ext uri="{FF2B5EF4-FFF2-40B4-BE49-F238E27FC236}">
+                <a16:creationId xmlns:a16="http://schemas.microsoft.com/office/drawing/2014/main" id="{9566F95F-AD14-0E73-C183-4EF8A781B37D}"/>
+              </a:ext>
+            </a:extLst>
+          </p:cNvPr>
+          <p:cNvSpPr txBox="1"/>
+          <p:nvPr/>
+        </p:nvSpPr>
+        <p:spPr>
+          <a:xfrm>
+            <a:off x="873021" y="1326454"/>
+            <a:ext cx="4102343" cy="307777"/>
+          </a:xfrm>
+          <a:prstGeom prst="rect">
+            <a:avLst/>
+          </a:prstGeom>
+          <a:noFill/>
+        </p:spPr>
+        <p:txBody>
+          <a:bodyPr wrap="square" rtlCol="0">
+            <a:spAutoFit/>
+          </a:bodyPr>
+          <a:lstStyle/>
+          <a:p>
+            <a:r>
+              <a:rPr lang="en-IN" sz="1400" dirty="0">
+                <a:latin typeface="Bahnschrift" panose="020B0502040204020203" pitchFamily="34" charset="0"/>
+              </a:rPr>
+              <a:t>DTO class(Decryption of webservice response)</a:t>
+            </a:r>
+          </a:p>
+        </p:txBody>
+      </p:sp>
+      <p:sp>
+        <p:nvSpPr>
+          <p:cNvPr id="18" name="TextBox 17">
+            <a:extLst>
+              <a:ext uri="{FF2B5EF4-FFF2-40B4-BE49-F238E27FC236}">
+                <a16:creationId xmlns:a16="http://schemas.microsoft.com/office/drawing/2014/main" id="{AB33C17F-C27F-0ED4-83AB-DA26095A4261}"/>
+              </a:ext>
+            </a:extLst>
+          </p:cNvPr>
+          <p:cNvSpPr txBox="1"/>
+          <p:nvPr/>
+        </p:nvSpPr>
+        <p:spPr>
+          <a:xfrm>
+            <a:off x="6718128" y="1326455"/>
+            <a:ext cx="4485414" cy="307777"/>
+          </a:xfrm>
+          <a:prstGeom prst="rect">
+            <a:avLst/>
+          </a:prstGeom>
+          <a:noFill/>
+        </p:spPr>
+        <p:txBody>
+          <a:bodyPr wrap="square" rtlCol="0">
+            <a:spAutoFit/>
+          </a:bodyPr>
+          <a:lstStyle/>
+          <a:p>
+            <a:r>
+              <a:rPr lang="en-IN" sz="1400" dirty="0">
+                <a:latin typeface="Bahnschrift" panose="020B0502040204020203" pitchFamily="34" charset="0"/>
+              </a:rPr>
+              <a:t>RestTemplate custom config &amp; Client Controller class</a:t>
+            </a:r>
           </a:p>
         </p:txBody>
       </p:sp>
       <p:pic>
         <p:nvPicPr>
-          <p:cNvPr id="3" name="Picture 2">
-            <a:extLst>
-              <a:ext uri="{FF2B5EF4-FFF2-40B4-BE49-F238E27FC236}">
-                <a16:creationId xmlns:a16="http://schemas.microsoft.com/office/drawing/2014/main" id="{4EEF5A40-DD82-80C5-1641-6FC742A43F7A}"/>
+          <p:cNvPr id="7" name="Picture 6">
+            <a:extLst>
+              <a:ext uri="{FF2B5EF4-FFF2-40B4-BE49-F238E27FC236}">
+                <a16:creationId xmlns:a16="http://schemas.microsoft.com/office/drawing/2014/main" id="{BA9A4B21-CEB9-5DB6-570A-C0D3D15C6FE1}"/>
               </a:ext>
             </a:extLst>
           </p:cNvPr>
@@ -13845,8 +14275,8 @@
         </p:blipFill>
         <p:spPr>
           <a:xfrm>
-            <a:off x="129914" y="1639337"/>
-            <a:ext cx="3005380" cy="5146092"/>
+            <a:off x="118715" y="1634232"/>
+            <a:ext cx="5610956" cy="5096586"/>
           </a:xfrm>
           <a:prstGeom prst="rect">
             <a:avLst/>
@@ -13855,10 +14285,10 @@
       </p:pic>
       <p:pic>
         <p:nvPicPr>
-          <p:cNvPr id="10" name="Picture 9">
-            <a:extLst>
-              <a:ext uri="{FF2B5EF4-FFF2-40B4-BE49-F238E27FC236}">
-                <a16:creationId xmlns:a16="http://schemas.microsoft.com/office/drawing/2014/main" id="{2568C0AB-A13E-7C8A-CE4C-76EEFC181C3B}"/>
+          <p:cNvPr id="3" name="Picture 2">
+            <a:extLst>
+              <a:ext uri="{FF2B5EF4-FFF2-40B4-BE49-F238E27FC236}">
+                <a16:creationId xmlns:a16="http://schemas.microsoft.com/office/drawing/2014/main" id="{F2498466-6BF8-6707-6663-CBAF012B50A3}"/>
               </a:ext>
             </a:extLst>
           </p:cNvPr>
@@ -13875,134 +14305,20 @@
         </p:blipFill>
         <p:spPr>
           <a:xfrm>
-            <a:off x="3265208" y="1639337"/>
-            <a:ext cx="3290279" cy="5146092"/>
+            <a:off x="5848385" y="1634233"/>
+            <a:ext cx="6224900" cy="2667484"/>
           </a:xfrm>
           <a:prstGeom prst="rect">
             <a:avLst/>
           </a:prstGeom>
         </p:spPr>
       </p:pic>
-      <p:sp>
-        <p:nvSpPr>
-          <p:cNvPr id="11" name="TextBox 10">
-            <a:extLst>
-              <a:ext uri="{FF2B5EF4-FFF2-40B4-BE49-F238E27FC236}">
-                <a16:creationId xmlns:a16="http://schemas.microsoft.com/office/drawing/2014/main" id="{3BC6FD12-CA8B-B962-2D94-4DEE254BBA0F}"/>
-              </a:ext>
-            </a:extLst>
-          </p:cNvPr>
-          <p:cNvSpPr txBox="1"/>
-          <p:nvPr/>
-        </p:nvSpPr>
-        <p:spPr>
-          <a:xfrm>
-            <a:off x="43795" y="1317002"/>
-            <a:ext cx="3352800" cy="307777"/>
-          </a:xfrm>
-          <a:prstGeom prst="rect">
-            <a:avLst/>
-          </a:prstGeom>
-          <a:noFill/>
-        </p:spPr>
-        <p:txBody>
-          <a:bodyPr wrap="square" rtlCol="0">
-            <a:spAutoFit/>
-          </a:bodyPr>
-          <a:lstStyle/>
-          <a:p>
-            <a:r>
-              <a:rPr lang="en-IN" sz="1400" dirty="0">
-                <a:latin typeface="Arial" panose="020B0604020202020204" pitchFamily="34" charset="0"/>
-                <a:cs typeface="Arial" panose="020B0604020202020204" pitchFamily="34" charset="0"/>
-              </a:rPr>
-              <a:t>Webservice Response Data encrypted</a:t>
-            </a:r>
-          </a:p>
-        </p:txBody>
-      </p:sp>
-      <p:sp>
-        <p:nvSpPr>
-          <p:cNvPr id="12" name="TextBox 11">
-            <a:extLst>
-              <a:ext uri="{FF2B5EF4-FFF2-40B4-BE49-F238E27FC236}">
-                <a16:creationId xmlns:a16="http://schemas.microsoft.com/office/drawing/2014/main" id="{08C072EB-BE10-EC35-1038-BF3F3E49CFCD}"/>
-              </a:ext>
-            </a:extLst>
-          </p:cNvPr>
-          <p:cNvSpPr txBox="1"/>
-          <p:nvPr/>
-        </p:nvSpPr>
-        <p:spPr>
-          <a:xfrm flipH="1">
-            <a:off x="3888242" y="1350613"/>
-            <a:ext cx="2309358" cy="307777"/>
-          </a:xfrm>
-          <a:prstGeom prst="rect">
-            <a:avLst/>
-          </a:prstGeom>
-          <a:noFill/>
-        </p:spPr>
-        <p:txBody>
-          <a:bodyPr wrap="square" rtlCol="0">
-            <a:spAutoFit/>
-          </a:bodyPr>
-          <a:lstStyle/>
-          <a:p>
-            <a:r>
-              <a:rPr lang="en-IN" sz="1400" dirty="0">
-                <a:latin typeface="Arial" panose="020B0604020202020204" pitchFamily="34" charset="0"/>
-                <a:cs typeface="Arial" panose="020B0604020202020204" pitchFamily="34" charset="0"/>
-              </a:rPr>
-              <a:t>Client request-response</a:t>
-            </a:r>
-          </a:p>
-        </p:txBody>
-      </p:sp>
-      <p:sp>
-        <p:nvSpPr>
-          <p:cNvPr id="15" name="TextBox 14">
-            <a:extLst>
-              <a:ext uri="{FF2B5EF4-FFF2-40B4-BE49-F238E27FC236}">
-                <a16:creationId xmlns:a16="http://schemas.microsoft.com/office/drawing/2014/main" id="{F2BC25FA-5028-C6FC-BE21-EF109BD91364}"/>
-              </a:ext>
-            </a:extLst>
-          </p:cNvPr>
-          <p:cNvSpPr txBox="1"/>
-          <p:nvPr/>
-        </p:nvSpPr>
-        <p:spPr>
-          <a:xfrm>
-            <a:off x="8258589" y="1350613"/>
-            <a:ext cx="2503357" cy="307777"/>
-          </a:xfrm>
-          <a:prstGeom prst="rect">
-            <a:avLst/>
-          </a:prstGeom>
-          <a:noFill/>
-        </p:spPr>
-        <p:txBody>
-          <a:bodyPr wrap="square" rtlCol="0">
-            <a:spAutoFit/>
-          </a:bodyPr>
-          <a:lstStyle/>
-          <a:p>
-            <a:r>
-              <a:rPr lang="en-IN" sz="1400" dirty="0">
-                <a:latin typeface="Arial" panose="020B0604020202020204" pitchFamily="34" charset="0"/>
-                <a:cs typeface="Arial" panose="020B0604020202020204" pitchFamily="34" charset="0"/>
-              </a:rPr>
-              <a:t>Exception Handling</a:t>
-            </a:r>
-          </a:p>
-        </p:txBody>
-      </p:sp>
       <p:pic>
         <p:nvPicPr>
-          <p:cNvPr id="7" name="Picture 6">
-            <a:extLst>
-              <a:ext uri="{FF2B5EF4-FFF2-40B4-BE49-F238E27FC236}">
-                <a16:creationId xmlns:a16="http://schemas.microsoft.com/office/drawing/2014/main" id="{FD51F1C2-1D27-CE2F-FE4A-27162522FCAA}"/>
+          <p:cNvPr id="13" name="Picture 12">
+            <a:extLst>
+              <a:ext uri="{FF2B5EF4-FFF2-40B4-BE49-F238E27FC236}">
+                <a16:creationId xmlns:a16="http://schemas.microsoft.com/office/drawing/2014/main" id="{49108ACA-19E4-176D-3735-376FB0DAFCC2}"/>
               </a:ext>
             </a:extLst>
           </p:cNvPr>
@@ -14019,38 +14335,8 @@
         </p:blipFill>
         <p:spPr>
           <a:xfrm>
-            <a:off x="6685400" y="1639338"/>
-            <a:ext cx="5376685" cy="2273932"/>
-          </a:xfrm>
-          <a:prstGeom prst="rect">
-            <a:avLst/>
-          </a:prstGeom>
-        </p:spPr>
-      </p:pic>
-      <p:pic>
-        <p:nvPicPr>
-          <p:cNvPr id="16" name="Picture 15">
-            <a:extLst>
-              <a:ext uri="{FF2B5EF4-FFF2-40B4-BE49-F238E27FC236}">
-                <a16:creationId xmlns:a16="http://schemas.microsoft.com/office/drawing/2014/main" id="{DC4434CB-0D3D-FE55-8951-B45E5C8746E3}"/>
-              </a:ext>
-            </a:extLst>
-          </p:cNvPr>
-          <p:cNvPicPr>
-            <a:picLocks noChangeAspect="1"/>
-          </p:cNvPicPr>
-          <p:nvPr/>
-        </p:nvPicPr>
-        <p:blipFill>
-          <a:blip r:embed="rId7"/>
-          <a:stretch>
-            <a:fillRect/>
-          </a:stretch>
-        </p:blipFill>
-        <p:spPr>
-          <a:xfrm>
-            <a:off x="6685400" y="4020457"/>
-            <a:ext cx="5376685" cy="2764972"/>
+            <a:off x="5848385" y="4426857"/>
+            <a:ext cx="6224900" cy="2303961"/>
           </a:xfrm>
           <a:prstGeom prst="rect">
             <a:avLst/>
@@ -14060,13 +14346,16 @@
     </p:spTree>
     <p:extLst>
       <p:ext uri="{BB962C8B-B14F-4D97-AF65-F5344CB8AC3E}">
-        <p14:creationId xmlns:p14="http://schemas.microsoft.com/office/powerpoint/2010/main" val="4278196989"/>
+        <p14:creationId xmlns:p14="http://schemas.microsoft.com/office/powerpoint/2010/main" val="3316123681"/>
       </p:ext>
     </p:extLst>
   </p:cSld>
   <p:clrMapOvr>
     <a:masterClrMapping/>
   </p:clrMapOvr>
+  <p:transition spd="slow">
+    <p:push/>
+  </p:transition>
 </p:sld>
 </file>
 
@@ -14203,10 +14492,10 @@
       </p:pic>
       <p:sp>
         <p:nvSpPr>
-          <p:cNvPr id="2" name="TextBox 1">
-            <a:extLst>
-              <a:ext uri="{FF2B5EF4-FFF2-40B4-BE49-F238E27FC236}">
-                <a16:creationId xmlns:a16="http://schemas.microsoft.com/office/drawing/2014/main" id="{1A44BC85-1B87-95E2-D287-741884DBCDF1}"/>
+          <p:cNvPr id="8" name="TextBox 7">
+            <a:extLst>
+              <a:ext uri="{FF2B5EF4-FFF2-40B4-BE49-F238E27FC236}">
+                <a16:creationId xmlns:a16="http://schemas.microsoft.com/office/drawing/2014/main" id="{83A5D50A-7BF5-47B2-27E6-96AA33171B2B}"/>
               </a:ext>
             </a:extLst>
           </p:cNvPr>
@@ -14275,7 +14564,7 @@
           <p:cNvPr id="9" name="TextBox 8">
             <a:extLst>
               <a:ext uri="{FF2B5EF4-FFF2-40B4-BE49-F238E27FC236}">
-                <a16:creationId xmlns:a16="http://schemas.microsoft.com/office/drawing/2014/main" id="{8776E258-07B7-D5D9-7396-35BF7029BD2A}"/>
+                <a16:creationId xmlns:a16="http://schemas.microsoft.com/office/drawing/2014/main" id="{6EFC0530-9B9F-4025-AECD-21FC40BAD8C5}"/>
               </a:ext>
             </a:extLst>
           </p:cNvPr>
@@ -14284,7 +14573,7 @@
         </p:nvSpPr>
         <p:spPr>
           <a:xfrm>
-            <a:off x="0" y="1096824"/>
+            <a:off x="4134756" y="934087"/>
             <a:ext cx="3922487" cy="307777"/>
           </a:xfrm>
           <a:prstGeom prst="rect">
@@ -14335,7 +14624,7 @@
                 </a:solidFill>
                 <a:latin typeface="Calibri" panose="020F0502020204030204"/>
               </a:rPr>
-              <a:t>CURL RESPONSE</a:t>
+              <a:t>Postman API Platform Screenshots</a:t>
             </a:r>
             <a:endParaRPr kumimoji="0" lang="en-IN" sz="1400" b="0" i="0" u="none" strike="noStrike" kern="1200" cap="none" spc="0" normalizeH="0" baseline="0" noProof="0" dirty="0">
               <a:ln>
@@ -14356,10 +14645,10 @@
       </p:sp>
       <p:pic>
         <p:nvPicPr>
-          <p:cNvPr id="12" name="Picture 11">
-            <a:extLst>
-              <a:ext uri="{FF2B5EF4-FFF2-40B4-BE49-F238E27FC236}">
-                <a16:creationId xmlns:a16="http://schemas.microsoft.com/office/drawing/2014/main" id="{75C7C632-8BE3-4EF6-CEE9-4D028AEE174A}"/>
+          <p:cNvPr id="3" name="Picture 2">
+            <a:extLst>
+              <a:ext uri="{FF2B5EF4-FFF2-40B4-BE49-F238E27FC236}">
+                <a16:creationId xmlns:a16="http://schemas.microsoft.com/office/drawing/2014/main" id="{4EEF5A40-DD82-80C5-1641-6FC742A43F7A}"/>
               </a:ext>
             </a:extLst>
           </p:cNvPr>
@@ -14376,8 +14665,212 @@
         </p:blipFill>
         <p:spPr>
           <a:xfrm>
-            <a:off x="333829" y="1641857"/>
-            <a:ext cx="10244309" cy="5020199"/>
+            <a:off x="129914" y="1639337"/>
+            <a:ext cx="3005380" cy="5146092"/>
+          </a:xfrm>
+          <a:prstGeom prst="rect">
+            <a:avLst/>
+          </a:prstGeom>
+        </p:spPr>
+      </p:pic>
+      <p:pic>
+        <p:nvPicPr>
+          <p:cNvPr id="10" name="Picture 9">
+            <a:extLst>
+              <a:ext uri="{FF2B5EF4-FFF2-40B4-BE49-F238E27FC236}">
+                <a16:creationId xmlns:a16="http://schemas.microsoft.com/office/drawing/2014/main" id="{2568C0AB-A13E-7C8A-CE4C-76EEFC181C3B}"/>
+              </a:ext>
+            </a:extLst>
+          </p:cNvPr>
+          <p:cNvPicPr>
+            <a:picLocks noChangeAspect="1"/>
+          </p:cNvPicPr>
+          <p:nvPr/>
+        </p:nvPicPr>
+        <p:blipFill>
+          <a:blip r:embed="rId5"/>
+          <a:stretch>
+            <a:fillRect/>
+          </a:stretch>
+        </p:blipFill>
+        <p:spPr>
+          <a:xfrm>
+            <a:off x="3265208" y="1639337"/>
+            <a:ext cx="3290279" cy="5146092"/>
+          </a:xfrm>
+          <a:prstGeom prst="rect">
+            <a:avLst/>
+          </a:prstGeom>
+        </p:spPr>
+      </p:pic>
+      <p:sp>
+        <p:nvSpPr>
+          <p:cNvPr id="11" name="TextBox 10">
+            <a:extLst>
+              <a:ext uri="{FF2B5EF4-FFF2-40B4-BE49-F238E27FC236}">
+                <a16:creationId xmlns:a16="http://schemas.microsoft.com/office/drawing/2014/main" id="{3BC6FD12-CA8B-B962-2D94-4DEE254BBA0F}"/>
+              </a:ext>
+            </a:extLst>
+          </p:cNvPr>
+          <p:cNvSpPr txBox="1"/>
+          <p:nvPr/>
+        </p:nvSpPr>
+        <p:spPr>
+          <a:xfrm>
+            <a:off x="43795" y="1317002"/>
+            <a:ext cx="3352800" cy="307777"/>
+          </a:xfrm>
+          <a:prstGeom prst="rect">
+            <a:avLst/>
+          </a:prstGeom>
+          <a:noFill/>
+        </p:spPr>
+        <p:txBody>
+          <a:bodyPr wrap="square" rtlCol="0">
+            <a:spAutoFit/>
+          </a:bodyPr>
+          <a:lstStyle/>
+          <a:p>
+            <a:r>
+              <a:rPr lang="en-IN" sz="1400" dirty="0">
+                <a:latin typeface="Arial" panose="020B0604020202020204" pitchFamily="34" charset="0"/>
+                <a:cs typeface="Arial" panose="020B0604020202020204" pitchFamily="34" charset="0"/>
+              </a:rPr>
+              <a:t>Webservice Response Data encrypted</a:t>
+            </a:r>
+          </a:p>
+        </p:txBody>
+      </p:sp>
+      <p:sp>
+        <p:nvSpPr>
+          <p:cNvPr id="12" name="TextBox 11">
+            <a:extLst>
+              <a:ext uri="{FF2B5EF4-FFF2-40B4-BE49-F238E27FC236}">
+                <a16:creationId xmlns:a16="http://schemas.microsoft.com/office/drawing/2014/main" id="{08C072EB-BE10-EC35-1038-BF3F3E49CFCD}"/>
+              </a:ext>
+            </a:extLst>
+          </p:cNvPr>
+          <p:cNvSpPr txBox="1"/>
+          <p:nvPr/>
+        </p:nvSpPr>
+        <p:spPr>
+          <a:xfrm flipH="1">
+            <a:off x="3888242" y="1350613"/>
+            <a:ext cx="2309358" cy="307777"/>
+          </a:xfrm>
+          <a:prstGeom prst="rect">
+            <a:avLst/>
+          </a:prstGeom>
+          <a:noFill/>
+        </p:spPr>
+        <p:txBody>
+          <a:bodyPr wrap="square" rtlCol="0">
+            <a:spAutoFit/>
+          </a:bodyPr>
+          <a:lstStyle/>
+          <a:p>
+            <a:r>
+              <a:rPr lang="en-IN" sz="1400" dirty="0">
+                <a:latin typeface="Arial" panose="020B0604020202020204" pitchFamily="34" charset="0"/>
+                <a:cs typeface="Arial" panose="020B0604020202020204" pitchFamily="34" charset="0"/>
+              </a:rPr>
+              <a:t>Client request-response</a:t>
+            </a:r>
+          </a:p>
+        </p:txBody>
+      </p:sp>
+      <p:sp>
+        <p:nvSpPr>
+          <p:cNvPr id="15" name="TextBox 14">
+            <a:extLst>
+              <a:ext uri="{FF2B5EF4-FFF2-40B4-BE49-F238E27FC236}">
+                <a16:creationId xmlns:a16="http://schemas.microsoft.com/office/drawing/2014/main" id="{F2BC25FA-5028-C6FC-BE21-EF109BD91364}"/>
+              </a:ext>
+            </a:extLst>
+          </p:cNvPr>
+          <p:cNvSpPr txBox="1"/>
+          <p:nvPr/>
+        </p:nvSpPr>
+        <p:spPr>
+          <a:xfrm>
+            <a:off x="8258589" y="1350613"/>
+            <a:ext cx="2503357" cy="307777"/>
+          </a:xfrm>
+          <a:prstGeom prst="rect">
+            <a:avLst/>
+          </a:prstGeom>
+          <a:noFill/>
+        </p:spPr>
+        <p:txBody>
+          <a:bodyPr wrap="square" rtlCol="0">
+            <a:spAutoFit/>
+          </a:bodyPr>
+          <a:lstStyle/>
+          <a:p>
+            <a:r>
+              <a:rPr lang="en-IN" sz="1400" dirty="0">
+                <a:latin typeface="Arial" panose="020B0604020202020204" pitchFamily="34" charset="0"/>
+                <a:cs typeface="Arial" panose="020B0604020202020204" pitchFamily="34" charset="0"/>
+              </a:rPr>
+              <a:t>Exception Handling</a:t>
+            </a:r>
+          </a:p>
+        </p:txBody>
+      </p:sp>
+      <p:pic>
+        <p:nvPicPr>
+          <p:cNvPr id="7" name="Picture 6">
+            <a:extLst>
+              <a:ext uri="{FF2B5EF4-FFF2-40B4-BE49-F238E27FC236}">
+                <a16:creationId xmlns:a16="http://schemas.microsoft.com/office/drawing/2014/main" id="{FD51F1C2-1D27-CE2F-FE4A-27162522FCAA}"/>
+              </a:ext>
+            </a:extLst>
+          </p:cNvPr>
+          <p:cNvPicPr>
+            <a:picLocks noChangeAspect="1"/>
+          </p:cNvPicPr>
+          <p:nvPr/>
+        </p:nvPicPr>
+        <p:blipFill>
+          <a:blip r:embed="rId6"/>
+          <a:stretch>
+            <a:fillRect/>
+          </a:stretch>
+        </p:blipFill>
+        <p:spPr>
+          <a:xfrm>
+            <a:off x="6685400" y="1639338"/>
+            <a:ext cx="5376685" cy="2273932"/>
+          </a:xfrm>
+          <a:prstGeom prst="rect">
+            <a:avLst/>
+          </a:prstGeom>
+        </p:spPr>
+      </p:pic>
+      <p:pic>
+        <p:nvPicPr>
+          <p:cNvPr id="16" name="Picture 15">
+            <a:extLst>
+              <a:ext uri="{FF2B5EF4-FFF2-40B4-BE49-F238E27FC236}">
+                <a16:creationId xmlns:a16="http://schemas.microsoft.com/office/drawing/2014/main" id="{DC4434CB-0D3D-FE55-8951-B45E5C8746E3}"/>
+              </a:ext>
+            </a:extLst>
+          </p:cNvPr>
+          <p:cNvPicPr>
+            <a:picLocks noChangeAspect="1"/>
+          </p:cNvPicPr>
+          <p:nvPr/>
+        </p:nvPicPr>
+        <p:blipFill>
+          <a:blip r:embed="rId7"/>
+          <a:stretch>
+            <a:fillRect/>
+          </a:stretch>
+        </p:blipFill>
+        <p:spPr>
+          <a:xfrm>
+            <a:off x="6685400" y="4020457"/>
+            <a:ext cx="5376685" cy="2764972"/>
           </a:xfrm>
           <a:prstGeom prst="rect">
             <a:avLst/>
@@ -14387,13 +14880,16 @@
     </p:spTree>
     <p:extLst>
       <p:ext uri="{BB962C8B-B14F-4D97-AF65-F5344CB8AC3E}">
-        <p14:creationId xmlns:p14="http://schemas.microsoft.com/office/powerpoint/2010/main" val="230037471"/>
+        <p14:creationId xmlns:p14="http://schemas.microsoft.com/office/powerpoint/2010/main" val="4278196989"/>
       </p:ext>
     </p:extLst>
   </p:cSld>
   <p:clrMapOvr>
     <a:masterClrMapping/>
   </p:clrMapOvr>
+  <p:transition spd="slow">
+    <p:push/>
+  </p:transition>
 </p:sld>
 </file>
 
@@ -14530,6 +15026,610 @@
       </p:pic>
       <p:sp>
         <p:nvSpPr>
+          <p:cNvPr id="8" name="TextBox 7">
+            <a:extLst>
+              <a:ext uri="{FF2B5EF4-FFF2-40B4-BE49-F238E27FC236}">
+                <a16:creationId xmlns:a16="http://schemas.microsoft.com/office/drawing/2014/main" id="{83A5D50A-7BF5-47B2-27E6-96AA33171B2B}"/>
+              </a:ext>
+            </a:extLst>
+          </p:cNvPr>
+          <p:cNvSpPr txBox="1">
+            <a:spLocks noGrp="1" noRot="1" noMove="1" noResize="1" noEditPoints="1" noAdjustHandles="1" noChangeArrowheads="1" noChangeShapeType="1"/>
+          </p:cNvSpPr>
+          <p:nvPr/>
+        </p:nvSpPr>
+        <p:spPr>
+          <a:xfrm>
+            <a:off x="2499360" y="383848"/>
+            <a:ext cx="8818879" cy="483017"/>
+          </a:xfrm>
+          <a:prstGeom prst="rect">
+            <a:avLst/>
+          </a:prstGeom>
+          <a:solidFill>
+            <a:srgbClr val="FF6709"/>
+          </a:solidFill>
+        </p:spPr>
+        <p:txBody>
+          <a:bodyPr wrap="square" rtlCol="0">
+            <a:spAutoFit/>
+          </a:bodyPr>
+          <a:lstStyle/>
+          <a:p>
+            <a:pPr>
+              <a:lnSpc>
+                <a:spcPct val="115000"/>
+              </a:lnSpc>
+            </a:pPr>
+            <a:r>
+              <a:rPr lang="en-IN" sz="2400" b="1" dirty="0">
+                <a:solidFill>
+                  <a:schemeClr val="bg1"/>
+                </a:solidFill>
+                <a:latin typeface="Times New Roman" panose="02020603050405020304" pitchFamily="18" charset="0"/>
+              </a:rPr>
+              <a:t>Appendices</a:t>
+            </a:r>
+          </a:p>
+        </p:txBody>
+      </p:sp>
+      <p:sp>
+        <p:nvSpPr>
+          <p:cNvPr id="9" name="TextBox 8">
+            <a:extLst>
+              <a:ext uri="{FF2B5EF4-FFF2-40B4-BE49-F238E27FC236}">
+                <a16:creationId xmlns:a16="http://schemas.microsoft.com/office/drawing/2014/main" id="{6EFC0530-9B9F-4025-AECD-21FC40BAD8C5}"/>
+              </a:ext>
+            </a:extLst>
+          </p:cNvPr>
+          <p:cNvSpPr txBox="1"/>
+          <p:nvPr/>
+        </p:nvSpPr>
+        <p:spPr>
+          <a:xfrm>
+            <a:off x="4944835" y="908345"/>
+            <a:ext cx="2302330" cy="369332"/>
+          </a:xfrm>
+          <a:prstGeom prst="rect">
+            <a:avLst/>
+          </a:prstGeom>
+        </p:spPr>
+        <p:style>
+          <a:lnRef idx="1">
+            <a:schemeClr val="accent3"/>
+          </a:lnRef>
+          <a:fillRef idx="2">
+            <a:schemeClr val="accent3"/>
+          </a:fillRef>
+          <a:effectRef idx="1">
+            <a:schemeClr val="accent3"/>
+          </a:effectRef>
+          <a:fontRef idx="minor">
+            <a:schemeClr val="dk1"/>
+          </a:fontRef>
+        </p:style>
+        <p:txBody>
+          <a:bodyPr wrap="square" rtlCol="0">
+            <a:spAutoFit/>
+          </a:bodyPr>
+          <a:lstStyle/>
+          <a:p>
+            <a:r>
+              <a:rPr lang="en-IN" dirty="0"/>
+              <a:t>SonarQube Inspection</a:t>
+            </a:r>
+          </a:p>
+        </p:txBody>
+      </p:sp>
+      <p:pic>
+        <p:nvPicPr>
+          <p:cNvPr id="15" name="Picture 14">
+            <a:extLst>
+              <a:ext uri="{FF2B5EF4-FFF2-40B4-BE49-F238E27FC236}">
+                <a16:creationId xmlns:a16="http://schemas.microsoft.com/office/drawing/2014/main" id="{FA67BD38-4DCE-D0D5-0967-6B05540207D8}"/>
+              </a:ext>
+            </a:extLst>
+          </p:cNvPr>
+          <p:cNvPicPr>
+            <a:picLocks noChangeAspect="1"/>
+          </p:cNvPicPr>
+          <p:nvPr/>
+        </p:nvPicPr>
+        <p:blipFill>
+          <a:blip r:embed="rId4"/>
+          <a:stretch>
+            <a:fillRect/>
+          </a:stretch>
+        </p:blipFill>
+        <p:spPr>
+          <a:xfrm>
+            <a:off x="101600" y="1326454"/>
+            <a:ext cx="12090399" cy="5531546"/>
+          </a:xfrm>
+          <a:prstGeom prst="rect">
+            <a:avLst/>
+          </a:prstGeom>
+        </p:spPr>
+      </p:pic>
+    </p:spTree>
+    <p:extLst>
+      <p:ext uri="{BB962C8B-B14F-4D97-AF65-F5344CB8AC3E}">
+        <p14:creationId xmlns:p14="http://schemas.microsoft.com/office/powerpoint/2010/main" val="311276636"/>
+      </p:ext>
+    </p:extLst>
+  </p:cSld>
+  <p:clrMapOvr>
+    <a:masterClrMapping/>
+  </p:clrMapOvr>
+  <p:transition spd="slow">
+    <p:push/>
+  </p:transition>
+</p:sld>
+</file>
+
+<file path=ppt/slides/slide33.xml><?xml version="1.0" encoding="utf-8"?>
+<p:sld xmlns:a="http://schemas.openxmlformats.org/drawingml/2006/main" xmlns:r="http://schemas.openxmlformats.org/officeDocument/2006/relationships" xmlns:p="http://schemas.openxmlformats.org/presentationml/2006/main">
+  <p:cSld>
+    <p:spTree>
+      <p:nvGrpSpPr>
+        <p:cNvPr id="1" name=""/>
+        <p:cNvGrpSpPr/>
+        <p:nvPr/>
+      </p:nvGrpSpPr>
+      <p:grpSpPr>
+        <a:xfrm>
+          <a:off x="0" y="0"/>
+          <a:ext cx="0" cy="0"/>
+          <a:chOff x="0" y="0"/>
+          <a:chExt cx="0" cy="0"/>
+        </a:xfrm>
+      </p:grpSpPr>
+      <p:pic>
+        <p:nvPicPr>
+          <p:cNvPr id="4" name="Picture 3">
+            <a:extLst>
+              <a:ext uri="{FF2B5EF4-FFF2-40B4-BE49-F238E27FC236}">
+                <a16:creationId xmlns:a16="http://schemas.microsoft.com/office/drawing/2014/main" id="{3893C3C6-E6B4-0EAA-6168-B66B664B265B}"/>
+              </a:ext>
+            </a:extLst>
+          </p:cNvPr>
+          <p:cNvPicPr>
+            <a:picLocks noGrp="1" noRot="1" noChangeAspect="1" noMove="1" noResize="1" noEditPoints="1" noAdjustHandles="1" noChangeArrowheads="1" noChangeShapeType="1" noCrop="1"/>
+          </p:cNvPicPr>
+          <p:nvPr/>
+        </p:nvPicPr>
+        <p:blipFill>
+          <a:blip r:embed="rId2" cstate="email">
+            <a:extLst>
+              <a:ext uri="{28A0092B-C50C-407E-A947-70E740481C1C}">
+                <a14:useLocalDpi xmlns:a14="http://schemas.microsoft.com/office/drawing/2010/main"/>
+              </a:ext>
+            </a:extLst>
+          </a:blip>
+          <a:stretch>
+            <a:fillRect/>
+          </a:stretch>
+        </p:blipFill>
+        <p:spPr>
+          <a:xfrm flipH="1">
+            <a:off x="0" y="0"/>
+            <a:ext cx="12192000" cy="6858000"/>
+          </a:xfrm>
+          <a:prstGeom prst="rect">
+            <a:avLst/>
+          </a:prstGeom>
+        </p:spPr>
+      </p:pic>
+      <p:cxnSp>
+        <p:nvCxnSpPr>
+          <p:cNvPr id="5" name="Straight Connector 4">
+            <a:extLst>
+              <a:ext uri="{FF2B5EF4-FFF2-40B4-BE49-F238E27FC236}">
+                <a16:creationId xmlns:a16="http://schemas.microsoft.com/office/drawing/2014/main" id="{6317BEF4-F659-05B0-B884-5FBC9950BC38}"/>
+              </a:ext>
+            </a:extLst>
+          </p:cNvPr>
+          <p:cNvCxnSpPr>
+            <a:cxnSpLocks/>
+          </p:cNvCxnSpPr>
+          <p:nvPr/>
+        </p:nvCxnSpPr>
+        <p:spPr>
+          <a:xfrm>
+            <a:off x="2404113" y="383848"/>
+            <a:ext cx="0" cy="429893"/>
+          </a:xfrm>
+          <a:prstGeom prst="line">
+            <a:avLst/>
+          </a:prstGeom>
+          <a:ln w="12700">
+            <a:solidFill>
+              <a:srgbClr val="DD4F22"/>
+            </a:solidFill>
+          </a:ln>
+        </p:spPr>
+        <p:style>
+          <a:lnRef idx="1">
+            <a:schemeClr val="accent1"/>
+          </a:lnRef>
+          <a:fillRef idx="0">
+            <a:schemeClr val="accent1"/>
+          </a:fillRef>
+          <a:effectRef idx="0">
+            <a:schemeClr val="accent1"/>
+          </a:effectRef>
+          <a:fontRef idx="minor">
+            <a:schemeClr val="tx1"/>
+          </a:fontRef>
+        </p:style>
+      </p:cxnSp>
+      <p:pic>
+        <p:nvPicPr>
+          <p:cNvPr id="6" name="Picture 5">
+            <a:extLst>
+              <a:ext uri="{FF2B5EF4-FFF2-40B4-BE49-F238E27FC236}">
+                <a16:creationId xmlns:a16="http://schemas.microsoft.com/office/drawing/2014/main" id="{4C8E9BB0-02EA-460A-EDCE-9CB013DFF909}"/>
+              </a:ext>
+            </a:extLst>
+          </p:cNvPr>
+          <p:cNvPicPr>
+            <a:picLocks noGrp="1" noRot="1" noChangeAspect="1" noMove="1" noResize="1" noEditPoints="1" noAdjustHandles="1" noChangeArrowheads="1" noChangeShapeType="1" noCrop="1"/>
+          </p:cNvPicPr>
+          <p:nvPr/>
+        </p:nvPicPr>
+        <p:blipFill>
+          <a:blip r:embed="rId3">
+            <a:extLst>
+              <a:ext uri="{28A0092B-C50C-407E-A947-70E740481C1C}">
+                <a14:useLocalDpi xmlns:a14="http://schemas.microsoft.com/office/drawing/2010/main" val="0"/>
+              </a:ext>
+            </a:extLst>
+          </a:blip>
+          <a:srcRect/>
+          <a:stretch/>
+        </p:blipFill>
+        <p:spPr>
+          <a:xfrm>
+            <a:off x="217505" y="338023"/>
+            <a:ext cx="1963465" cy="521544"/>
+          </a:xfrm>
+          <a:prstGeom prst="rect">
+            <a:avLst/>
+          </a:prstGeom>
+        </p:spPr>
+      </p:pic>
+      <p:sp>
+        <p:nvSpPr>
+          <p:cNvPr id="2" name="TextBox 1">
+            <a:extLst>
+              <a:ext uri="{FF2B5EF4-FFF2-40B4-BE49-F238E27FC236}">
+                <a16:creationId xmlns:a16="http://schemas.microsoft.com/office/drawing/2014/main" id="{1A44BC85-1B87-95E2-D287-741884DBCDF1}"/>
+              </a:ext>
+            </a:extLst>
+          </p:cNvPr>
+          <p:cNvSpPr txBox="1">
+            <a:spLocks noGrp="1" noRot="1" noMove="1" noResize="1" noEditPoints="1" noAdjustHandles="1" noChangeArrowheads="1" noChangeShapeType="1"/>
+          </p:cNvSpPr>
+          <p:nvPr/>
+        </p:nvSpPr>
+        <p:spPr>
+          <a:xfrm>
+            <a:off x="2499360" y="383848"/>
+            <a:ext cx="8818879" cy="483017"/>
+          </a:xfrm>
+          <a:prstGeom prst="rect">
+            <a:avLst/>
+          </a:prstGeom>
+          <a:solidFill>
+            <a:srgbClr val="FF6709"/>
+          </a:solidFill>
+        </p:spPr>
+        <p:txBody>
+          <a:bodyPr wrap="square" rtlCol="0">
+            <a:spAutoFit/>
+          </a:bodyPr>
+          <a:lstStyle/>
+          <a:p>
+            <a:pPr marL="0" marR="0" lvl="0" indent="0" algn="l" defTabSz="914400" rtl="0" eaLnBrk="1" fontAlgn="auto" latinLnBrk="0" hangingPunct="1">
+              <a:lnSpc>
+                <a:spcPct val="115000"/>
+              </a:lnSpc>
+              <a:spcBef>
+                <a:spcPts val="0"/>
+              </a:spcBef>
+              <a:spcAft>
+                <a:spcPts val="0"/>
+              </a:spcAft>
+              <a:buClrTx/>
+              <a:buSzTx/>
+              <a:buFontTx/>
+              <a:buNone/>
+              <a:tabLst/>
+              <a:defRPr/>
+            </a:pPr>
+            <a:r>
+              <a:rPr kumimoji="0" lang="en-IN" sz="2400" b="1" i="0" u="none" strike="noStrike" kern="1200" cap="none" spc="0" normalizeH="0" baseline="0" noProof="0" dirty="0">
+                <a:ln>
+                  <a:noFill/>
+                </a:ln>
+                <a:solidFill>
+                  <a:prstClr val="white"/>
+                </a:solidFill>
+                <a:effectLst/>
+                <a:uLnTx/>
+                <a:uFillTx/>
+                <a:latin typeface="Times New Roman" panose="02020603050405020304" pitchFamily="18" charset="0"/>
+                <a:ea typeface="+mn-ea"/>
+                <a:cs typeface="+mn-cs"/>
+              </a:rPr>
+              <a:t>Appendices</a:t>
+            </a:r>
+          </a:p>
+        </p:txBody>
+      </p:sp>
+      <p:sp>
+        <p:nvSpPr>
+          <p:cNvPr id="9" name="TextBox 8">
+            <a:extLst>
+              <a:ext uri="{FF2B5EF4-FFF2-40B4-BE49-F238E27FC236}">
+                <a16:creationId xmlns:a16="http://schemas.microsoft.com/office/drawing/2014/main" id="{8776E258-07B7-D5D9-7396-35BF7029BD2A}"/>
+              </a:ext>
+            </a:extLst>
+          </p:cNvPr>
+          <p:cNvSpPr txBox="1"/>
+          <p:nvPr/>
+        </p:nvSpPr>
+        <p:spPr>
+          <a:xfrm>
+            <a:off x="0" y="1096824"/>
+            <a:ext cx="3922487" cy="307777"/>
+          </a:xfrm>
+          <a:prstGeom prst="rect">
+            <a:avLst/>
+          </a:prstGeom>
+        </p:spPr>
+        <p:style>
+          <a:lnRef idx="1">
+            <a:schemeClr val="accent3"/>
+          </a:lnRef>
+          <a:fillRef idx="2">
+            <a:schemeClr val="accent3"/>
+          </a:fillRef>
+          <a:effectRef idx="1">
+            <a:schemeClr val="accent3"/>
+          </a:effectRef>
+          <a:fontRef idx="minor">
+            <a:schemeClr val="dk1"/>
+          </a:fontRef>
+        </p:style>
+        <p:txBody>
+          <a:bodyPr wrap="square" rtlCol="0">
+            <a:spAutoFit/>
+          </a:bodyPr>
+          <a:lstStyle/>
+          <a:p>
+            <a:pPr marL="0" marR="0" lvl="0" indent="0" algn="ctr" defTabSz="914400" rtl="0" eaLnBrk="1" fontAlgn="auto" latinLnBrk="0" hangingPunct="1">
+              <a:lnSpc>
+                <a:spcPct val="100000"/>
+              </a:lnSpc>
+              <a:spcBef>
+                <a:spcPts val="0"/>
+              </a:spcBef>
+              <a:spcAft>
+                <a:spcPts val="0"/>
+              </a:spcAft>
+              <a:buClrTx/>
+              <a:buSzTx/>
+              <a:buFontTx/>
+              <a:buNone/>
+              <a:tabLst/>
+              <a:defRPr/>
+            </a:pPr>
+            <a:r>
+              <a:rPr lang="en-IN" sz="1400" dirty="0">
+                <a:solidFill>
+                  <a:prstClr val="black"/>
+                </a:solidFill>
+                <a:latin typeface="Calibri" panose="020F0502020204030204"/>
+              </a:rPr>
+              <a:t>CURL RESPONSE</a:t>
+            </a:r>
+            <a:endParaRPr kumimoji="0" lang="en-IN" sz="1400" b="0" i="0" u="none" strike="noStrike" kern="1200" cap="none" spc="0" normalizeH="0" baseline="0" noProof="0" dirty="0">
+              <a:ln>
+                <a:noFill/>
+              </a:ln>
+              <a:solidFill>
+                <a:prstClr val="black"/>
+              </a:solidFill>
+              <a:effectLst/>
+              <a:uLnTx/>
+              <a:uFillTx/>
+              <a:latin typeface="Calibri" panose="020F0502020204030204"/>
+              <a:ea typeface="+mn-ea"/>
+              <a:cs typeface="+mn-cs"/>
+            </a:endParaRPr>
+          </a:p>
+        </p:txBody>
+      </p:sp>
+      <p:pic>
+        <p:nvPicPr>
+          <p:cNvPr id="12" name="Picture 11">
+            <a:extLst>
+              <a:ext uri="{FF2B5EF4-FFF2-40B4-BE49-F238E27FC236}">
+                <a16:creationId xmlns:a16="http://schemas.microsoft.com/office/drawing/2014/main" id="{75C7C632-8BE3-4EF6-CEE9-4D028AEE174A}"/>
+              </a:ext>
+            </a:extLst>
+          </p:cNvPr>
+          <p:cNvPicPr>
+            <a:picLocks noChangeAspect="1"/>
+          </p:cNvPicPr>
+          <p:nvPr/>
+        </p:nvPicPr>
+        <p:blipFill>
+          <a:blip r:embed="rId4"/>
+          <a:stretch>
+            <a:fillRect/>
+          </a:stretch>
+        </p:blipFill>
+        <p:spPr>
+          <a:xfrm>
+            <a:off x="333829" y="1641857"/>
+            <a:ext cx="10244309" cy="5020199"/>
+          </a:xfrm>
+          <a:prstGeom prst="rect">
+            <a:avLst/>
+          </a:prstGeom>
+        </p:spPr>
+      </p:pic>
+    </p:spTree>
+    <p:extLst>
+      <p:ext uri="{BB962C8B-B14F-4D97-AF65-F5344CB8AC3E}">
+        <p14:creationId xmlns:p14="http://schemas.microsoft.com/office/powerpoint/2010/main" val="230037471"/>
+      </p:ext>
+    </p:extLst>
+  </p:cSld>
+  <p:clrMapOvr>
+    <a:masterClrMapping/>
+  </p:clrMapOvr>
+  <p:transition spd="slow">
+    <p:push/>
+  </p:transition>
+</p:sld>
+</file>
+
+<file path=ppt/slides/slide34.xml><?xml version="1.0" encoding="utf-8"?>
+<p:sld xmlns:a="http://schemas.openxmlformats.org/drawingml/2006/main" xmlns:r="http://schemas.openxmlformats.org/officeDocument/2006/relationships" xmlns:p="http://schemas.openxmlformats.org/presentationml/2006/main">
+  <p:cSld>
+    <p:spTree>
+      <p:nvGrpSpPr>
+        <p:cNvPr id="1" name=""/>
+        <p:cNvGrpSpPr/>
+        <p:nvPr/>
+      </p:nvGrpSpPr>
+      <p:grpSpPr>
+        <a:xfrm>
+          <a:off x="0" y="0"/>
+          <a:ext cx="0" cy="0"/>
+          <a:chOff x="0" y="0"/>
+          <a:chExt cx="0" cy="0"/>
+        </a:xfrm>
+      </p:grpSpPr>
+      <p:pic>
+        <p:nvPicPr>
+          <p:cNvPr id="4" name="Picture 3">
+            <a:extLst>
+              <a:ext uri="{FF2B5EF4-FFF2-40B4-BE49-F238E27FC236}">
+                <a16:creationId xmlns:a16="http://schemas.microsoft.com/office/drawing/2014/main" id="{3893C3C6-E6B4-0EAA-6168-B66B664B265B}"/>
+              </a:ext>
+            </a:extLst>
+          </p:cNvPr>
+          <p:cNvPicPr>
+            <a:picLocks noGrp="1" noRot="1" noChangeAspect="1" noMove="1" noResize="1" noEditPoints="1" noAdjustHandles="1" noChangeArrowheads="1" noChangeShapeType="1" noCrop="1"/>
+          </p:cNvPicPr>
+          <p:nvPr/>
+        </p:nvPicPr>
+        <p:blipFill>
+          <a:blip r:embed="rId2" cstate="email">
+            <a:extLst>
+              <a:ext uri="{28A0092B-C50C-407E-A947-70E740481C1C}">
+                <a14:useLocalDpi xmlns:a14="http://schemas.microsoft.com/office/drawing/2010/main"/>
+              </a:ext>
+            </a:extLst>
+          </a:blip>
+          <a:stretch>
+            <a:fillRect/>
+          </a:stretch>
+        </p:blipFill>
+        <p:spPr>
+          <a:xfrm flipH="1">
+            <a:off x="0" y="0"/>
+            <a:ext cx="12192000" cy="6858000"/>
+          </a:xfrm>
+          <a:prstGeom prst="rect">
+            <a:avLst/>
+          </a:prstGeom>
+        </p:spPr>
+      </p:pic>
+      <p:cxnSp>
+        <p:nvCxnSpPr>
+          <p:cNvPr id="5" name="Straight Connector 4">
+            <a:extLst>
+              <a:ext uri="{FF2B5EF4-FFF2-40B4-BE49-F238E27FC236}">
+                <a16:creationId xmlns:a16="http://schemas.microsoft.com/office/drawing/2014/main" id="{6317BEF4-F659-05B0-B884-5FBC9950BC38}"/>
+              </a:ext>
+            </a:extLst>
+          </p:cNvPr>
+          <p:cNvCxnSpPr>
+            <a:cxnSpLocks/>
+          </p:cNvCxnSpPr>
+          <p:nvPr/>
+        </p:nvCxnSpPr>
+        <p:spPr>
+          <a:xfrm>
+            <a:off x="2404113" y="383848"/>
+            <a:ext cx="0" cy="429893"/>
+          </a:xfrm>
+          <a:prstGeom prst="line">
+            <a:avLst/>
+          </a:prstGeom>
+          <a:ln w="12700">
+            <a:solidFill>
+              <a:srgbClr val="DD4F22"/>
+            </a:solidFill>
+          </a:ln>
+        </p:spPr>
+        <p:style>
+          <a:lnRef idx="1">
+            <a:schemeClr val="accent1"/>
+          </a:lnRef>
+          <a:fillRef idx="0">
+            <a:schemeClr val="accent1"/>
+          </a:fillRef>
+          <a:effectRef idx="0">
+            <a:schemeClr val="accent1"/>
+          </a:effectRef>
+          <a:fontRef idx="minor">
+            <a:schemeClr val="tx1"/>
+          </a:fontRef>
+        </p:style>
+      </p:cxnSp>
+      <p:pic>
+        <p:nvPicPr>
+          <p:cNvPr id="6" name="Picture 5">
+            <a:extLst>
+              <a:ext uri="{FF2B5EF4-FFF2-40B4-BE49-F238E27FC236}">
+                <a16:creationId xmlns:a16="http://schemas.microsoft.com/office/drawing/2014/main" id="{4C8E9BB0-02EA-460A-EDCE-9CB013DFF909}"/>
+              </a:ext>
+            </a:extLst>
+          </p:cNvPr>
+          <p:cNvPicPr>
+            <a:picLocks noGrp="1" noRot="1" noChangeAspect="1" noMove="1" noResize="1" noEditPoints="1" noAdjustHandles="1" noChangeArrowheads="1" noChangeShapeType="1" noCrop="1"/>
+          </p:cNvPicPr>
+          <p:nvPr/>
+        </p:nvPicPr>
+        <p:blipFill>
+          <a:blip r:embed="rId3">
+            <a:extLst>
+              <a:ext uri="{28A0092B-C50C-407E-A947-70E740481C1C}">
+                <a14:useLocalDpi xmlns:a14="http://schemas.microsoft.com/office/drawing/2010/main" val="0"/>
+              </a:ext>
+            </a:extLst>
+          </a:blip>
+          <a:srcRect/>
+          <a:stretch/>
+        </p:blipFill>
+        <p:spPr>
+          <a:xfrm>
+            <a:off x="217505" y="338023"/>
+            <a:ext cx="1963465" cy="521544"/>
+          </a:xfrm>
+          <a:prstGeom prst="rect">
+            <a:avLst/>
+          </a:prstGeom>
+        </p:spPr>
+      </p:pic>
+      <p:sp>
+        <p:nvSpPr>
           <p:cNvPr id="2" name="TextBox 1">
             <a:extLst>
               <a:ext uri="{FF2B5EF4-FFF2-40B4-BE49-F238E27FC236}">
@@ -14626,6 +15726,9 @@
   <p:clrMapOvr>
     <a:masterClrMapping/>
   </p:clrMapOvr>
+  <p:transition spd="slow">
+    <p:push/>
+  </p:transition>
 </p:sld>
 </file>
 
@@ -15077,6 +16180,9 @@
   <p:clrMapOvr>
     <a:masterClrMapping/>
   </p:clrMapOvr>
+  <p:transition spd="slow">
+    <p:push/>
+  </p:transition>
 </p:sld>
 </file>
 
@@ -15623,6 +16729,9 @@
   <p:clrMapOvr>
     <a:masterClrMapping/>
   </p:clrMapOvr>
+  <p:transition spd="slow">
+    <p:push/>
+  </p:transition>
 </p:sld>
 </file>
 
@@ -16046,6 +17155,9 @@
   <p:clrMapOvr>
     <a:masterClrMapping/>
   </p:clrMapOvr>
+  <p:transition spd="slow">
+    <p:push/>
+  </p:transition>
 </p:sld>
 </file>
 
@@ -16273,79 +17385,6 @@
               <a:latin typeface="Arial" panose="020B0604020202020204" pitchFamily="34" charset="0"/>
               <a:ea typeface="Arial" panose="020B0604020202020204" pitchFamily="34" charset="0"/>
               <a:cs typeface="+mn-cs"/>
-            </a:endParaRPr>
-          </a:p>
-        </p:txBody>
-      </p:sp>
-      <p:sp>
-        <p:nvSpPr>
-          <p:cNvPr id="10" name="TextBox 9">
-            <a:extLst>
-              <a:ext uri="{FF2B5EF4-FFF2-40B4-BE49-F238E27FC236}">
-                <a16:creationId xmlns:a16="http://schemas.microsoft.com/office/drawing/2014/main" id="{F71EEDC0-3CC6-66B5-D744-43E72A9CA66B}"/>
-              </a:ext>
-            </a:extLst>
-          </p:cNvPr>
-          <p:cNvSpPr txBox="1"/>
-          <p:nvPr/>
-        </p:nvSpPr>
-        <p:spPr>
-          <a:xfrm>
-            <a:off x="217505" y="939134"/>
-            <a:ext cx="4891523" cy="378822"/>
-          </a:xfrm>
-          <a:prstGeom prst="rect">
-            <a:avLst/>
-          </a:prstGeom>
-          <a:noFill/>
-        </p:spPr>
-        <p:txBody>
-          <a:bodyPr wrap="square">
-            <a:spAutoFit/>
-          </a:bodyPr>
-          <a:lstStyle/>
-          <a:p>
-            <a:pPr marL="285750" marR="0" lvl="0" indent="-285750" algn="just" defTabSz="914400" rtl="0" eaLnBrk="1" fontAlgn="auto" latinLnBrk="0" hangingPunct="1">
-              <a:lnSpc>
-                <a:spcPct val="115000"/>
-              </a:lnSpc>
-              <a:spcBef>
-                <a:spcPts val="0"/>
-              </a:spcBef>
-              <a:spcAft>
-                <a:spcPts val="0"/>
-              </a:spcAft>
-              <a:buClrTx/>
-              <a:buSzTx/>
-              <a:buFont typeface="Arial" panose="020B0604020202020204" pitchFamily="34" charset="0"/>
-              <a:buChar char="•"/>
-              <a:tabLst/>
-              <a:defRPr/>
-            </a:pPr>
-            <a:r>
-              <a:rPr lang="en-US" dirty="0">
-                <a:solidFill>
-                  <a:prstClr val="black"/>
-                </a:solidFill>
-                <a:latin typeface="Bahnschrift SemiBold Condensed" panose="020B0502040204020203" pitchFamily="34" charset="0"/>
-                <a:ea typeface="Arial" panose="020B0604020202020204" pitchFamily="34" charset="0"/>
-                <a:cs typeface="Times New Roman" panose="02020603050405020304" pitchFamily="18" charset="0"/>
-              </a:rPr>
-              <a:t>ARCHITECTURE DESIGN OF EMPLOYEE MANAGEMENT SYSTEM</a:t>
-            </a:r>
-            <a:endParaRPr kumimoji="0" lang="en-IN" sz="1800" b="0" i="0" u="none" strike="noStrike" kern="1200" cap="none" spc="0" normalizeH="0" baseline="0" noProof="0" dirty="0">
-              <a:ln>
-                <a:noFill/>
-              </a:ln>
-              <a:solidFill>
-                <a:prstClr val="black"/>
-              </a:solidFill>
-              <a:effectLst/>
-              <a:uLnTx/>
-              <a:uFillTx/>
-              <a:latin typeface="Bahnschrift SemiBold Condensed" panose="020B0502040204020203" pitchFamily="34" charset="0"/>
-              <a:ea typeface="Arial" panose="020B0604020202020204" pitchFamily="34" charset="0"/>
-              <a:cs typeface="Times New Roman" panose="02020603050405020304" pitchFamily="18" charset="0"/>
             </a:endParaRPr>
           </a:p>
         </p:txBody>
@@ -16736,7 +17775,7 @@
         </p:nvSpPr>
         <p:spPr>
           <a:xfrm>
-            <a:off x="5871029" y="1655750"/>
+            <a:off x="5863774" y="1551855"/>
             <a:ext cx="2278742" cy="489642"/>
           </a:xfrm>
           <a:prstGeom prst="roundRect">
@@ -16786,9 +17825,9 @@
           <p:nvPr/>
         </p:nvCxnSpPr>
         <p:spPr>
-          <a:xfrm flipH="1">
-            <a:off x="7003145" y="2145392"/>
-            <a:ext cx="7255" cy="176942"/>
+          <a:xfrm>
+            <a:off x="7003145" y="2041497"/>
+            <a:ext cx="0" cy="280837"/>
           </a:xfrm>
           <a:prstGeom prst="straightConnector1">
             <a:avLst/>
@@ -17378,8 +18417,8 @@
         </p:nvSpPr>
         <p:spPr>
           <a:xfrm>
-            <a:off x="6291945" y="3037850"/>
-            <a:ext cx="1422400" cy="418143"/>
+            <a:off x="6074228" y="3023435"/>
+            <a:ext cx="1872343" cy="418143"/>
           </a:xfrm>
           <a:prstGeom prst="rect">
             <a:avLst/>
@@ -17420,7 +18459,7 @@
                 <a:latin typeface="Arial" panose="020B0604020202020204" pitchFamily="34" charset="0"/>
                 <a:cs typeface="Arial" panose="020B0604020202020204" pitchFamily="34" charset="0"/>
               </a:rPr>
-              <a:t>Repository Class</a:t>
+              <a:t>Repository Interface</a:t>
             </a:r>
           </a:p>
         </p:txBody>
@@ -17444,7 +18483,7 @@
         <p:spPr>
           <a:xfrm>
             <a:off x="7003145" y="2811977"/>
-            <a:ext cx="0" cy="225873"/>
+            <a:ext cx="7255" cy="211458"/>
           </a:xfrm>
           <a:prstGeom prst="straightConnector1">
             <a:avLst/>
@@ -17485,8 +18524,8 @@
         </p:nvCxnSpPr>
         <p:spPr>
           <a:xfrm>
-            <a:off x="7003145" y="3455993"/>
-            <a:ext cx="0" cy="250027"/>
+            <a:off x="7010400" y="3441578"/>
+            <a:ext cx="0" cy="231584"/>
           </a:xfrm>
           <a:prstGeom prst="straightConnector1">
             <a:avLst/>
@@ -17723,6 +18762,177 @@
           </a:p>
         </p:txBody>
       </p:sp>
+      <p:sp>
+        <p:nvSpPr>
+          <p:cNvPr id="36" name="TextBox 35">
+            <a:extLst>
+              <a:ext uri="{FF2B5EF4-FFF2-40B4-BE49-F238E27FC236}">
+                <a16:creationId xmlns:a16="http://schemas.microsoft.com/office/drawing/2014/main" id="{D11FCB3C-ED3D-2450-F829-DD17D104D70A}"/>
+              </a:ext>
+            </a:extLst>
+          </p:cNvPr>
+          <p:cNvSpPr txBox="1"/>
+          <p:nvPr/>
+        </p:nvSpPr>
+        <p:spPr>
+          <a:xfrm>
+            <a:off x="6480626" y="925721"/>
+            <a:ext cx="1886860" cy="369332"/>
+          </a:xfrm>
+          <a:prstGeom prst="rect">
+            <a:avLst/>
+          </a:prstGeom>
+          <a:gradFill flip="none" rotWithShape="1">
+            <a:gsLst>
+              <a:gs pos="0">
+                <a:schemeClr val="dk1">
+                  <a:lumMod val="67000"/>
+                </a:schemeClr>
+              </a:gs>
+              <a:gs pos="48000">
+                <a:schemeClr val="dk1">
+                  <a:lumMod val="97000"/>
+                  <a:lumOff val="3000"/>
+                </a:schemeClr>
+              </a:gs>
+              <a:gs pos="100000">
+                <a:schemeClr val="dk1">
+                  <a:lumMod val="60000"/>
+                  <a:lumOff val="40000"/>
+                </a:schemeClr>
+              </a:gs>
+            </a:gsLst>
+            <a:lin ang="16200000" scaled="1"/>
+            <a:tileRect/>
+          </a:gradFill>
+          <a:ln>
+            <a:noFill/>
+          </a:ln>
+        </p:spPr>
+        <p:style>
+          <a:lnRef idx="0">
+            <a:scrgbClr r="0" g="0" b="0"/>
+          </a:lnRef>
+          <a:fillRef idx="0">
+            <a:scrgbClr r="0" g="0" b="0"/>
+          </a:fillRef>
+          <a:effectRef idx="0">
+            <a:scrgbClr r="0" g="0" b="0"/>
+          </a:effectRef>
+          <a:fontRef idx="minor">
+            <a:schemeClr val="lt1"/>
+          </a:fontRef>
+        </p:style>
+        <p:txBody>
+          <a:bodyPr wrap="square" rtlCol="0">
+            <a:spAutoFit/>
+          </a:bodyPr>
+          <a:lstStyle/>
+          <a:p>
+            <a:pPr algn="ctr"/>
+            <a:r>
+              <a:rPr lang="en-IN" b="1" dirty="0">
+                <a:latin typeface="Arial" panose="020B0604020202020204" pitchFamily="34" charset="0"/>
+                <a:cs typeface="Arial" panose="020B0604020202020204" pitchFamily="34" charset="0"/>
+              </a:rPr>
+              <a:t>WEBSERVICE</a:t>
+            </a:r>
+          </a:p>
+        </p:txBody>
+      </p:sp>
+      <p:sp>
+        <p:nvSpPr>
+          <p:cNvPr id="45" name="Left Brace 44">
+            <a:extLst>
+              <a:ext uri="{FF2B5EF4-FFF2-40B4-BE49-F238E27FC236}">
+                <a16:creationId xmlns:a16="http://schemas.microsoft.com/office/drawing/2014/main" id="{F64B7F63-0F21-0741-A840-B3C6EB5F4E31}"/>
+              </a:ext>
+            </a:extLst>
+          </p:cNvPr>
+          <p:cNvSpPr/>
+          <p:nvPr/>
+        </p:nvSpPr>
+        <p:spPr>
+          <a:xfrm>
+            <a:off x="1950069" y="1362754"/>
+            <a:ext cx="392095" cy="1580618"/>
+          </a:xfrm>
+          <a:prstGeom prst="leftBrace">
+            <a:avLst/>
+          </a:prstGeom>
+        </p:spPr>
+        <p:style>
+          <a:lnRef idx="3">
+            <a:schemeClr val="dk1"/>
+          </a:lnRef>
+          <a:fillRef idx="0">
+            <a:schemeClr val="dk1"/>
+          </a:fillRef>
+          <a:effectRef idx="2">
+            <a:schemeClr val="dk1"/>
+          </a:effectRef>
+          <a:fontRef idx="minor">
+            <a:schemeClr val="tx1"/>
+          </a:fontRef>
+        </p:style>
+        <p:txBody>
+          <a:bodyPr rtlCol="0" anchor="ctr"/>
+          <a:lstStyle/>
+          <a:p>
+            <a:pPr algn="ctr"/>
+            <a:endParaRPr lang="en-IN"/>
+          </a:p>
+        </p:txBody>
+      </p:sp>
+      <p:sp>
+        <p:nvSpPr>
+          <p:cNvPr id="47" name="Rectangle: Rounded Corners 46">
+            <a:extLst>
+              <a:ext uri="{FF2B5EF4-FFF2-40B4-BE49-F238E27FC236}">
+                <a16:creationId xmlns:a16="http://schemas.microsoft.com/office/drawing/2014/main" id="{CC44D7A2-7DF9-A7D7-6603-1B0B80E62E04}"/>
+              </a:ext>
+            </a:extLst>
+          </p:cNvPr>
+          <p:cNvSpPr/>
+          <p:nvPr/>
+        </p:nvSpPr>
+        <p:spPr>
+          <a:xfrm>
+            <a:off x="156614" y="1362754"/>
+            <a:ext cx="1671286" cy="1556213"/>
+          </a:xfrm>
+          <a:prstGeom prst="roundRect">
+            <a:avLst/>
+          </a:prstGeom>
+        </p:spPr>
+        <p:style>
+          <a:lnRef idx="2">
+            <a:schemeClr val="accent4"/>
+          </a:lnRef>
+          <a:fillRef idx="1">
+            <a:schemeClr val="lt1"/>
+          </a:fillRef>
+          <a:effectRef idx="0">
+            <a:schemeClr val="accent4"/>
+          </a:effectRef>
+          <a:fontRef idx="minor">
+            <a:schemeClr val="dk1"/>
+          </a:fontRef>
+        </p:style>
+        <p:txBody>
+          <a:bodyPr rtlCol="0" anchor="ctr"/>
+          <a:lstStyle/>
+          <a:p>
+            <a:pPr algn="ctr"/>
+            <a:r>
+              <a:rPr lang="en-IN" sz="1500" i="1" dirty="0">
+                <a:latin typeface="Bahnschrift" panose="020B0502040204020203" pitchFamily="34" charset="0"/>
+              </a:rPr>
+              <a:t>Architecture of Employee Management System</a:t>
+            </a:r>
+          </a:p>
+        </p:txBody>
+      </p:sp>
     </p:spTree>
     <p:extLst>
       <p:ext uri="{BB962C8B-B14F-4D97-AF65-F5344CB8AC3E}">
@@ -17733,6 +18943,9 @@
   <p:clrMapOvr>
     <a:masterClrMapping/>
   </p:clrMapOvr>
+  <p:transition spd="slow">
+    <p:push/>
+  </p:transition>
 </p:sld>
 </file>
 
@@ -18065,6 +19278,159 @@
           </a:prstGeom>
         </p:spPr>
       </p:pic>
+      <p:sp>
+        <p:nvSpPr>
+          <p:cNvPr id="2" name="Cylinder 1">
+            <a:extLst>
+              <a:ext uri="{FF2B5EF4-FFF2-40B4-BE49-F238E27FC236}">
+                <a16:creationId xmlns:a16="http://schemas.microsoft.com/office/drawing/2014/main" id="{BEDBF13A-51F9-505F-D65C-B4F9E09D6BCC}"/>
+              </a:ext>
+            </a:extLst>
+          </p:cNvPr>
+          <p:cNvSpPr/>
+          <p:nvPr/>
+        </p:nvSpPr>
+        <p:spPr>
+          <a:xfrm>
+            <a:off x="9869607" y="3294743"/>
+            <a:ext cx="885265" cy="1407886"/>
+          </a:xfrm>
+          <a:prstGeom prst="can">
+            <a:avLst/>
+          </a:prstGeom>
+        </p:spPr>
+        <p:style>
+          <a:lnRef idx="2">
+            <a:schemeClr val="accent1">
+              <a:shade val="50000"/>
+            </a:schemeClr>
+          </a:lnRef>
+          <a:fillRef idx="1">
+            <a:schemeClr val="accent1"/>
+          </a:fillRef>
+          <a:effectRef idx="0">
+            <a:schemeClr val="accent1"/>
+          </a:effectRef>
+          <a:fontRef idx="minor">
+            <a:schemeClr val="lt1"/>
+          </a:fontRef>
+        </p:style>
+        <p:txBody>
+          <a:bodyPr rtlCol="0" anchor="ctr"/>
+          <a:lstStyle/>
+          <a:p>
+            <a:pPr algn="ctr"/>
+            <a:r>
+              <a:rPr lang="en-IN" dirty="0"/>
+              <a:t>MySQL</a:t>
+            </a:r>
+          </a:p>
+        </p:txBody>
+      </p:sp>
+      <p:sp>
+        <p:nvSpPr>
+          <p:cNvPr id="11" name="TextBox 10">
+            <a:extLst>
+              <a:ext uri="{FF2B5EF4-FFF2-40B4-BE49-F238E27FC236}">
+                <a16:creationId xmlns:a16="http://schemas.microsoft.com/office/drawing/2014/main" id="{D5C9C772-1A11-E2B1-5C4D-E6E20CDD4FA5}"/>
+              </a:ext>
+            </a:extLst>
+          </p:cNvPr>
+          <p:cNvSpPr txBox="1"/>
+          <p:nvPr/>
+        </p:nvSpPr>
+        <p:spPr>
+          <a:xfrm>
+            <a:off x="1033417" y="3024157"/>
+            <a:ext cx="4496526" cy="369332"/>
+          </a:xfrm>
+          <a:prstGeom prst="rect">
+            <a:avLst/>
+          </a:prstGeom>
+          <a:ln>
+            <a:solidFill>
+              <a:schemeClr val="bg1"/>
+            </a:solidFill>
+          </a:ln>
+        </p:spPr>
+        <p:style>
+          <a:lnRef idx="2">
+            <a:schemeClr val="accent1"/>
+          </a:lnRef>
+          <a:fillRef idx="1">
+            <a:schemeClr val="lt1"/>
+          </a:fillRef>
+          <a:effectRef idx="0">
+            <a:schemeClr val="accent1"/>
+          </a:effectRef>
+          <a:fontRef idx="minor">
+            <a:schemeClr val="dk1"/>
+          </a:fontRef>
+        </p:style>
+        <p:txBody>
+          <a:bodyPr wrap="square" rtlCol="0">
+            <a:spAutoFit/>
+          </a:bodyPr>
+          <a:lstStyle/>
+          <a:p>
+            <a:pPr algn="ctr"/>
+            <a:r>
+              <a:rPr lang="en-IN" dirty="0"/>
+              <a:t>HTTPS Request</a:t>
+            </a:r>
+          </a:p>
+        </p:txBody>
+      </p:sp>
+      <p:sp>
+        <p:nvSpPr>
+          <p:cNvPr id="13" name="TextBox 12">
+            <a:extLst>
+              <a:ext uri="{FF2B5EF4-FFF2-40B4-BE49-F238E27FC236}">
+                <a16:creationId xmlns:a16="http://schemas.microsoft.com/office/drawing/2014/main" id="{46F396EB-1C14-0419-368B-7541EBC41049}"/>
+              </a:ext>
+            </a:extLst>
+          </p:cNvPr>
+          <p:cNvSpPr txBox="1"/>
+          <p:nvPr/>
+        </p:nvSpPr>
+        <p:spPr>
+          <a:xfrm>
+            <a:off x="1190171" y="4399231"/>
+            <a:ext cx="551543" cy="369332"/>
+          </a:xfrm>
+          <a:prstGeom prst="rect">
+            <a:avLst/>
+          </a:prstGeom>
+          <a:ln>
+            <a:solidFill>
+              <a:schemeClr val="bg1"/>
+            </a:solidFill>
+          </a:ln>
+        </p:spPr>
+        <p:style>
+          <a:lnRef idx="2">
+            <a:schemeClr val="accent1"/>
+          </a:lnRef>
+          <a:fillRef idx="1">
+            <a:schemeClr val="lt1"/>
+          </a:fillRef>
+          <a:effectRef idx="0">
+            <a:schemeClr val="accent1"/>
+          </a:effectRef>
+          <a:fontRef idx="minor">
+            <a:schemeClr val="dk1"/>
+          </a:fontRef>
+        </p:style>
+        <p:txBody>
+          <a:bodyPr wrap="square" rtlCol="0">
+            <a:spAutoFit/>
+          </a:bodyPr>
+          <a:lstStyle/>
+          <a:p>
+            <a:endParaRPr lang="en-IN" dirty="0"/>
+          </a:p>
+        </p:txBody>
+      </p:sp>
     </p:spTree>
     <p:extLst>
       <p:ext uri="{BB962C8B-B14F-4D97-AF65-F5344CB8AC3E}">
@@ -18075,6 +19441,9 @@
   <p:clrMapOvr>
     <a:masterClrMapping/>
   </p:clrMapOvr>
+  <p:transition spd="slow">
+    <p:push/>
+  </p:transition>
 </p:sld>
 </file>
 
@@ -18123,7 +19492,7 @@
         </p:blipFill>
         <p:spPr>
           <a:xfrm flipH="1">
-            <a:off x="0" y="18088"/>
+            <a:off x="0" y="0"/>
             <a:ext cx="12192000" cy="6858000"/>
           </a:xfrm>
           <a:prstGeom prst="rect">
@@ -18226,7 +19595,7 @@
         <p:spPr>
           <a:xfrm>
             <a:off x="2499360" y="383848"/>
-            <a:ext cx="8818879" cy="482633"/>
+            <a:ext cx="8818879" cy="461665"/>
           </a:xfrm>
           <a:prstGeom prst="rect">
             <a:avLst/>
@@ -18241,39 +19610,63 @@
           </a:bodyPr>
           <a:lstStyle/>
           <a:p>
-            <a:pPr>
+            <a:pPr marL="0" marR="0" lvl="0" indent="0" algn="l" defTabSz="914400" rtl="0" eaLnBrk="1" fontAlgn="auto" latinLnBrk="0" hangingPunct="1">
               <a:lnSpc>
-                <a:spcPct val="115000"/>
+                <a:spcPct val="100000"/>
               </a:lnSpc>
+              <a:spcBef>
+                <a:spcPts val="0"/>
+              </a:spcBef>
+              <a:spcAft>
+                <a:spcPts val="0"/>
+              </a:spcAft>
+              <a:buClrTx/>
+              <a:buSzTx/>
+              <a:buFontTx/>
+              <a:buNone/>
+              <a:tabLst/>
+              <a:defRPr/>
             </a:pPr>
             <a:r>
-              <a:rPr lang="en-IN" sz="2400" b="1" dirty="0">
+              <a:rPr kumimoji="0" lang="en-IN" sz="2400" b="1" i="0" u="none" strike="noStrike" kern="1200" cap="none" spc="0" normalizeH="0" baseline="0" noProof="0" dirty="0">
+                <a:ln>
+                  <a:noFill/>
+                </a:ln>
                 <a:solidFill>
-                  <a:schemeClr val="bg1"/>
+                  <a:prstClr val="white"/>
                 </a:solidFill>
                 <a:effectLst/>
+                <a:uLnTx/>
+                <a:uFillTx/>
                 <a:latin typeface="Times New Roman" panose="02020603050405020304" pitchFamily="18" charset="0"/>
                 <a:ea typeface="Arial" panose="020B0604020202020204" pitchFamily="34" charset="0"/>
-              </a:rPr>
-              <a:t>Back-end Development</a:t>
-            </a:r>
-            <a:endParaRPr lang="en-IN" sz="1400" dirty="0">
+                <a:cs typeface="+mn-cs"/>
+              </a:rPr>
+              <a:t>Architecture Design</a:t>
+            </a:r>
+            <a:endParaRPr kumimoji="0" lang="en-IN" sz="1400" b="0" i="0" u="none" strike="noStrike" kern="1200" cap="none" spc="0" normalizeH="0" baseline="0" noProof="0" dirty="0">
+              <a:ln>
+                <a:noFill/>
+              </a:ln>
               <a:solidFill>
-                <a:schemeClr val="bg1"/>
+                <a:prstClr val="white"/>
               </a:solidFill>
               <a:effectLst/>
+              <a:uLnTx/>
+              <a:uFillTx/>
               <a:latin typeface="Arial" panose="020B0604020202020204" pitchFamily="34" charset="0"/>
               <a:ea typeface="Arial" panose="020B0604020202020204" pitchFamily="34" charset="0"/>
+              <a:cs typeface="+mn-cs"/>
             </a:endParaRPr>
           </a:p>
         </p:txBody>
       </p:sp>
       <p:sp>
         <p:nvSpPr>
-          <p:cNvPr id="7" name="TextBox 6">
-            <a:extLst>
-              <a:ext uri="{FF2B5EF4-FFF2-40B4-BE49-F238E27FC236}">
-                <a16:creationId xmlns:a16="http://schemas.microsoft.com/office/drawing/2014/main" id="{02FB6A81-F334-0D76-10FC-F69162C07E4E}"/>
+          <p:cNvPr id="13" name="TextBox 12">
+            <a:extLst>
+              <a:ext uri="{FF2B5EF4-FFF2-40B4-BE49-F238E27FC236}">
+                <a16:creationId xmlns:a16="http://schemas.microsoft.com/office/drawing/2014/main" id="{46F396EB-1C14-0419-368B-7541EBC41049}"/>
               </a:ext>
             </a:extLst>
           </p:cNvPr>
@@ -18282,346 +19675,173 @@
         </p:nvSpPr>
         <p:spPr>
           <a:xfrm>
-            <a:off x="217505" y="1349647"/>
-            <a:ext cx="11539066" cy="6019789"/>
-          </a:xfrm>
-          <a:prstGeom prst="rect">
-            <a:avLst/>
-          </a:prstGeom>
-          <a:noFill/>
-        </p:spPr>
+            <a:off x="1190171" y="4399231"/>
+            <a:ext cx="551543" cy="369332"/>
+          </a:xfrm>
+          <a:prstGeom prst="rect">
+            <a:avLst/>
+          </a:prstGeom>
+          <a:ln>
+            <a:solidFill>
+              <a:schemeClr val="bg1"/>
+            </a:solidFill>
+          </a:ln>
+        </p:spPr>
+        <p:style>
+          <a:lnRef idx="2">
+            <a:schemeClr val="accent1"/>
+          </a:lnRef>
+          <a:fillRef idx="1">
+            <a:schemeClr val="lt1"/>
+          </a:fillRef>
+          <a:effectRef idx="0">
+            <a:schemeClr val="accent1"/>
+          </a:effectRef>
+          <a:fontRef idx="minor">
+            <a:schemeClr val="dk1"/>
+          </a:fontRef>
+        </p:style>
         <p:txBody>
-          <a:bodyPr wrap="square">
+          <a:bodyPr wrap="square" rtlCol="0">
             <a:spAutoFit/>
           </a:bodyPr>
           <a:lstStyle/>
           <a:p>
-            <a:pPr algn="just">
+            <a:pPr marL="0" marR="0" lvl="0" indent="0" algn="l" defTabSz="914400" rtl="0" eaLnBrk="1" fontAlgn="auto" latinLnBrk="0" hangingPunct="1">
               <a:lnSpc>
-                <a:spcPct val="115000"/>
+                <a:spcPct val="100000"/>
               </a:lnSpc>
+              <a:spcBef>
+                <a:spcPts val="0"/>
+              </a:spcBef>
+              <a:spcAft>
+                <a:spcPts val="0"/>
+              </a:spcAft>
+              <a:buClrTx/>
+              <a:buSzTx/>
+              <a:buFontTx/>
+              <a:buNone/>
+              <a:tabLst/>
+              <a:defRPr/>
             </a:pPr>
-            <a:r>
-              <a:rPr lang="en-US" sz="1600" dirty="0">
-                <a:effectLst>
-                  <a:outerShdw blurRad="38100" dist="38100" dir="2700000" algn="tl">
-                    <a:srgbClr val="000000">
-                      <a:alpha val="43137"/>
-                    </a:srgbClr>
-                  </a:outerShdw>
-                </a:effectLst>
-                <a:latin typeface="Bahnschrift" panose="020B0502040204020203" pitchFamily="34" charset="0"/>
-                <a:ea typeface="Arial" panose="020B0604020202020204" pitchFamily="34" charset="0"/>
-              </a:rPr>
-              <a:t>Programming language</a:t>
-            </a:r>
-            <a:r>
-              <a:rPr lang="en-US" sz="1600" dirty="0">
-                <a:effectLst/>
-                <a:latin typeface="Times New Roman" panose="02020603050405020304" pitchFamily="18" charset="0"/>
-                <a:ea typeface="Arial" panose="020B0604020202020204" pitchFamily="34" charset="0"/>
-              </a:rPr>
-              <a:t>: Java with Spring Boot, using Spring Data JPA for database communication.</a:t>
-            </a:r>
-          </a:p>
-          <a:p>
-            <a:pPr algn="just">
-              <a:lnSpc>
-                <a:spcPct val="115000"/>
-              </a:lnSpc>
+            <a:endParaRPr kumimoji="0" lang="en-IN" sz="1800" b="0" i="0" u="none" strike="noStrike" kern="1200" cap="none" spc="0" normalizeH="0" baseline="0" noProof="0" dirty="0">
+              <a:ln>
+                <a:noFill/>
+              </a:ln>
+              <a:solidFill>
+                <a:prstClr val="black"/>
+              </a:solidFill>
+              <a:effectLst/>
+              <a:uLnTx/>
+              <a:uFillTx/>
+              <a:latin typeface="Calibri" panose="020F0502020204030204"/>
+              <a:ea typeface="+mn-ea"/>
+              <a:cs typeface="+mn-cs"/>
+            </a:endParaRPr>
+          </a:p>
+        </p:txBody>
+      </p:sp>
+      <p:pic>
+        <p:nvPicPr>
+          <p:cNvPr id="1026" name="Picture 2">
+            <a:extLst>
+              <a:ext uri="{FF2B5EF4-FFF2-40B4-BE49-F238E27FC236}">
+                <a16:creationId xmlns:a16="http://schemas.microsoft.com/office/drawing/2014/main" id="{BCB1EC68-A0F5-3CFF-38F0-24AACCDBCF60}"/>
+              </a:ext>
+            </a:extLst>
+          </p:cNvPr>
+          <p:cNvPicPr>
+            <a:picLocks noChangeAspect="1" noChangeArrowheads="1"/>
+          </p:cNvPicPr>
+          <p:nvPr/>
+        </p:nvPicPr>
+        <p:blipFill>
+          <a:blip r:embed="rId4">
+            <a:extLst>
+              <a:ext uri="{28A0092B-C50C-407E-A947-70E740481C1C}">
+                <a14:useLocalDpi xmlns:a14="http://schemas.microsoft.com/office/drawing/2010/main" val="0"/>
+              </a:ext>
+            </a:extLst>
+          </a:blip>
+          <a:srcRect/>
+          <a:stretch>
+            <a:fillRect/>
+          </a:stretch>
+        </p:blipFill>
+        <p:spPr bwMode="auto">
+          <a:xfrm>
+            <a:off x="1" y="859568"/>
+            <a:ext cx="12191999" cy="5998432"/>
+          </a:xfrm>
+          <a:prstGeom prst="rect">
+            <a:avLst/>
+          </a:prstGeom>
+          <a:noFill/>
+          <a:extLst>
+            <a:ext uri="{909E8E84-426E-40DD-AFC4-6F175D3DCCD1}">
+              <a14:hiddenFill xmlns:a14="http://schemas.microsoft.com/office/drawing/2010/main">
+                <a:solidFill>
+                  <a:srgbClr val="FFFFFF"/>
+                </a:solidFill>
+              </a14:hiddenFill>
+            </a:ext>
+          </a:extLst>
+        </p:spPr>
+      </p:pic>
+      <p:sp>
+        <p:nvSpPr>
+          <p:cNvPr id="7" name="TextBox 6">
+            <a:extLst>
+              <a:ext uri="{FF2B5EF4-FFF2-40B4-BE49-F238E27FC236}">
+                <a16:creationId xmlns:a16="http://schemas.microsoft.com/office/drawing/2014/main" id="{09330288-EB39-F34E-A948-38EA56F00773}"/>
+              </a:ext>
+            </a:extLst>
+          </p:cNvPr>
+          <p:cNvSpPr txBox="1"/>
+          <p:nvPr/>
+        </p:nvSpPr>
+        <p:spPr>
+          <a:xfrm>
+            <a:off x="6995887" y="1044695"/>
+            <a:ext cx="5196114" cy="338554"/>
+          </a:xfrm>
+          <a:prstGeom prst="rect">
+            <a:avLst/>
+          </a:prstGeom>
+          <a:noFill/>
+        </p:spPr>
+        <p:txBody>
+          <a:bodyPr wrap="square" rtlCol="0">
+            <a:spAutoFit/>
+          </a:bodyPr>
+          <a:lstStyle/>
+          <a:p>
+            <a:pPr marL="285750" indent="-285750">
+              <a:buFont typeface="Arial" panose="020B0604020202020204" pitchFamily="34" charset="0"/>
+              <a:buChar char="•"/>
             </a:pPr>
-            <a:endParaRPr lang="en-US" sz="1600" dirty="0">
-              <a:effectLst/>
-              <a:latin typeface="Times New Roman" panose="02020603050405020304" pitchFamily="18" charset="0"/>
-              <a:ea typeface="Arial" panose="020B0604020202020204" pitchFamily="34" charset="0"/>
-            </a:endParaRPr>
-          </a:p>
-          <a:p>
-            <a:pPr algn="just">
-              <a:lnSpc>
-                <a:spcPct val="115000"/>
-              </a:lnSpc>
-            </a:pPr>
-            <a:r>
-              <a:rPr lang="en-US" sz="1600" dirty="0">
-                <a:effectLst>
-                  <a:outerShdw blurRad="38100" dist="38100" dir="2700000" algn="tl">
-                    <a:srgbClr val="000000">
-                      <a:alpha val="43137"/>
-                    </a:srgbClr>
-                  </a:outerShdw>
-                </a:effectLst>
-                <a:latin typeface="Bahnschrift" panose="020B0502040204020203" pitchFamily="34" charset="0"/>
-                <a:ea typeface="Arial" panose="020B0604020202020204" pitchFamily="34" charset="0"/>
-              </a:rPr>
-              <a:t>Database Schema</a:t>
-            </a:r>
-            <a:r>
-              <a:rPr lang="en-US" sz="1600" dirty="0">
-                <a:latin typeface="Times New Roman" panose="02020603050405020304" pitchFamily="18" charset="0"/>
-                <a:ea typeface="Arial" panose="020B0604020202020204" pitchFamily="34" charset="0"/>
-              </a:rPr>
-              <a:t>: One table named "employee" with columns "employee_id" (int), "employee_name" (varchar(50)), and "employee_date_of_birth" (date).</a:t>
-            </a:r>
-          </a:p>
-          <a:p>
-            <a:pPr algn="just">
-              <a:lnSpc>
-                <a:spcPct val="115000"/>
-              </a:lnSpc>
-            </a:pPr>
-            <a:endParaRPr lang="en-US" sz="1600" dirty="0">
-              <a:effectLst/>
-              <a:latin typeface="Times New Roman" panose="02020603050405020304" pitchFamily="18" charset="0"/>
-              <a:ea typeface="Arial" panose="020B0604020202020204" pitchFamily="34" charset="0"/>
-            </a:endParaRPr>
-          </a:p>
-          <a:p>
-            <a:pPr algn="just">
-              <a:lnSpc>
-                <a:spcPct val="115000"/>
-              </a:lnSpc>
-            </a:pPr>
-            <a:r>
-              <a:rPr lang="en-US" sz="1600" dirty="0">
-                <a:effectLst>
-                  <a:outerShdw blurRad="38100" dist="38100" dir="2700000" algn="tl">
-                    <a:srgbClr val="000000">
-                      <a:alpha val="43137"/>
-                    </a:srgbClr>
-                  </a:outerShdw>
-                </a:effectLst>
-                <a:latin typeface="Bahnschrift" panose="020B0502040204020203" pitchFamily="34" charset="0"/>
-                <a:ea typeface="Arial" panose="020B0604020202020204" pitchFamily="34" charset="0"/>
-              </a:rPr>
-              <a:t>APIs</a:t>
-            </a:r>
-            <a:r>
-              <a:rPr lang="en-US" sz="1600" dirty="0">
-                <a:effectLst/>
-                <a:latin typeface="Times New Roman" panose="02020603050405020304" pitchFamily="18" charset="0"/>
-                <a:ea typeface="Arial" panose="020B0604020202020204" pitchFamily="34" charset="0"/>
-              </a:rPr>
-              <a:t>:   RESTful API with a single endpoint for GET request operations on the employee table. Example endpoint could be:</a:t>
-            </a:r>
-          </a:p>
-          <a:p>
-            <a:pPr algn="just">
-              <a:lnSpc>
-                <a:spcPct val="115000"/>
-              </a:lnSpc>
-            </a:pPr>
-            <a:r>
-              <a:rPr lang="en-US" sz="1600" dirty="0">
-                <a:latin typeface="Times New Roman" panose="02020603050405020304" pitchFamily="18" charset="0"/>
-                <a:ea typeface="Arial" panose="020B0604020202020204" pitchFamily="34" charset="0"/>
-              </a:rPr>
-              <a:t>		GET /employees/{id} - get an employee by ID</a:t>
-            </a:r>
-          </a:p>
-          <a:p>
-            <a:pPr algn="just">
-              <a:lnSpc>
-                <a:spcPct val="115000"/>
-              </a:lnSpc>
-            </a:pPr>
-            <a:endParaRPr lang="en-US" sz="1600" dirty="0">
-              <a:latin typeface="Times New Roman" panose="02020603050405020304" pitchFamily="18" charset="0"/>
-              <a:ea typeface="Arial" panose="020B0604020202020204" pitchFamily="34" charset="0"/>
-            </a:endParaRPr>
-          </a:p>
-          <a:p>
-            <a:pPr algn="just">
-              <a:lnSpc>
-                <a:spcPct val="115000"/>
-              </a:lnSpc>
-            </a:pPr>
-            <a:r>
-              <a:rPr lang="en-US" sz="1600" u="sng" dirty="0">
-                <a:solidFill>
-                  <a:schemeClr val="accent2">
-                    <a:lumMod val="75000"/>
-                  </a:schemeClr>
-                </a:solidFill>
-                <a:latin typeface="Times New Roman" panose="02020603050405020304" pitchFamily="18" charset="0"/>
-                <a:ea typeface="Arial" panose="020B0604020202020204" pitchFamily="34" charset="0"/>
-              </a:rPr>
-              <a:t>BACK-END DEVELOPMENT PROCESS: </a:t>
-            </a:r>
-          </a:p>
-          <a:p>
-            <a:pPr marL="342900" indent="-342900" algn="just">
-              <a:lnSpc>
-                <a:spcPct val="115000"/>
-              </a:lnSpc>
-              <a:buFont typeface="+mj-lt"/>
-              <a:buAutoNum type="arabicPeriod"/>
-            </a:pPr>
-            <a:r>
-              <a:rPr lang="en-US" sz="1600" dirty="0">
-                <a:latin typeface="Times New Roman" panose="02020603050405020304" pitchFamily="18" charset="0"/>
-                <a:ea typeface="Arial" panose="020B0604020202020204" pitchFamily="34" charset="0"/>
-              </a:rPr>
-              <a:t>Define Database Schema: </a:t>
-            </a:r>
-            <a:r>
-              <a:rPr lang="en-US" sz="1630" dirty="0">
-                <a:latin typeface="Times New Roman" panose="02020603050405020304" pitchFamily="18" charset="0"/>
-                <a:ea typeface="Arial" panose="020B0604020202020204" pitchFamily="34" charset="0"/>
-              </a:rPr>
-              <a:t>Define</a:t>
-            </a:r>
-            <a:r>
-              <a:rPr lang="en-US" sz="1600" dirty="0">
-                <a:latin typeface="Times New Roman" panose="02020603050405020304" pitchFamily="18" charset="0"/>
-                <a:ea typeface="Arial" panose="020B0604020202020204" pitchFamily="34" charset="0"/>
-              </a:rPr>
-              <a:t> the database schema for your employee table with the columns mentioned earlier.</a:t>
-            </a:r>
-          </a:p>
-          <a:p>
-            <a:pPr marL="342900" indent="-342900" algn="just">
-              <a:lnSpc>
-                <a:spcPct val="115000"/>
-              </a:lnSpc>
-              <a:buFont typeface="+mj-lt"/>
-              <a:buAutoNum type="arabicPeriod"/>
-            </a:pPr>
-            <a:r>
-              <a:rPr lang="en-US" sz="1600" dirty="0">
-                <a:latin typeface="Times New Roman" panose="02020603050405020304" pitchFamily="18" charset="0"/>
-                <a:ea typeface="Arial" panose="020B0604020202020204" pitchFamily="34" charset="0"/>
-              </a:rPr>
-              <a:t>Create Entity class: Create an entity class with the instance variables matching the column name and data types of employee table.</a:t>
-            </a:r>
-          </a:p>
-          <a:p>
-            <a:pPr marL="342900" indent="-342900" algn="just">
-              <a:lnSpc>
-                <a:spcPct val="115000"/>
-              </a:lnSpc>
-              <a:buFont typeface="+mj-lt"/>
-              <a:buAutoNum type="arabicPeriod"/>
-            </a:pPr>
-            <a:r>
-              <a:rPr lang="en-US" sz="1600" dirty="0">
-                <a:latin typeface="Times New Roman" panose="02020603050405020304" pitchFamily="18" charset="0"/>
-                <a:ea typeface="Arial" panose="020B0604020202020204" pitchFamily="34" charset="0"/>
-              </a:rPr>
-              <a:t>Create JPA repository: Create an EmployeeRepository interface that encapsulates the logic for retrieving employee details from the database.</a:t>
-            </a:r>
-          </a:p>
-          <a:p>
-            <a:pPr marL="342900" indent="-342900" algn="just">
-              <a:lnSpc>
-                <a:spcPct val="115000"/>
-              </a:lnSpc>
-              <a:buFont typeface="+mj-lt"/>
-              <a:buAutoNum type="arabicPeriod"/>
-            </a:pPr>
-            <a:r>
-              <a:rPr lang="en-US" sz="1600" dirty="0">
-                <a:latin typeface="Times New Roman" panose="02020603050405020304" pitchFamily="18" charset="0"/>
-                <a:ea typeface="Arial" panose="020B0604020202020204" pitchFamily="34" charset="0"/>
-              </a:rPr>
-              <a:t>Create a Service class: Create an EmployeeService class that acts as an interface between the DAO and the REST endpoint.</a:t>
-            </a:r>
-          </a:p>
-          <a:p>
-            <a:pPr marL="342900" indent="-342900" algn="just">
-              <a:lnSpc>
-                <a:spcPct val="115000"/>
-              </a:lnSpc>
-              <a:buFont typeface="+mj-lt"/>
-              <a:buAutoNum type="arabicPeriod"/>
-            </a:pPr>
-            <a:r>
-              <a:rPr lang="en-US" sz="1600" dirty="0">
-                <a:latin typeface="Times New Roman" panose="02020603050405020304" pitchFamily="18" charset="0"/>
-                <a:ea typeface="Arial" panose="020B0604020202020204" pitchFamily="34" charset="0"/>
-              </a:rPr>
-              <a:t>Create Controller class: Create an EmployeeController with a single GET endpoint for handling the incoming client requests.</a:t>
-            </a:r>
-          </a:p>
-          <a:p>
-            <a:pPr marL="342900" indent="-342900" algn="just">
-              <a:lnSpc>
-                <a:spcPct val="115000"/>
-              </a:lnSpc>
-              <a:buFont typeface="+mj-lt"/>
-              <a:buAutoNum type="arabicPeriod"/>
-            </a:pPr>
-            <a:r>
-              <a:rPr lang="en-US" sz="1600" dirty="0">
-                <a:latin typeface="Times New Roman" panose="02020603050405020304" pitchFamily="18" charset="0"/>
-                <a:ea typeface="Arial" panose="020B0604020202020204" pitchFamily="34" charset="0"/>
-              </a:rPr>
-              <a:t>Write unit tests: Write JUnit tests to test the functionality of the service class.</a:t>
-            </a:r>
-          </a:p>
-          <a:p>
-            <a:pPr marL="342900" indent="-342900" algn="just">
-              <a:lnSpc>
-                <a:spcPct val="115000"/>
-              </a:lnSpc>
-              <a:buFont typeface="+mj-lt"/>
-              <a:buAutoNum type="arabicPeriod"/>
-            </a:pPr>
-            <a:r>
-              <a:rPr lang="en-US" sz="1600" dirty="0">
-                <a:latin typeface="Times New Roman" panose="02020603050405020304" pitchFamily="18" charset="0"/>
-                <a:ea typeface="Arial" panose="020B0604020202020204" pitchFamily="34" charset="0"/>
-              </a:rPr>
-              <a:t>Deploy the application: Deploy the Spring Boot application to a web server like Tomcat or Jetty, and test the endpoint using a REST client like Postman.</a:t>
-            </a:r>
-          </a:p>
-          <a:p>
-            <a:pPr algn="just">
-              <a:lnSpc>
-                <a:spcPct val="115000"/>
-              </a:lnSpc>
-            </a:pPr>
-            <a:endParaRPr lang="en-US" sz="1600" dirty="0">
-              <a:latin typeface="Times New Roman" panose="02020603050405020304" pitchFamily="18" charset="0"/>
-              <a:ea typeface="Arial" panose="020B0604020202020204" pitchFamily="34" charset="0"/>
-            </a:endParaRPr>
-          </a:p>
-          <a:p>
-            <a:pPr algn="just">
-              <a:lnSpc>
-                <a:spcPct val="115000"/>
-              </a:lnSpc>
-            </a:pPr>
-            <a:endParaRPr lang="en-US" sz="1600" dirty="0">
-              <a:effectLst/>
-              <a:latin typeface="Times New Roman" panose="02020603050405020304" pitchFamily="18" charset="0"/>
-              <a:ea typeface="Arial" panose="020B0604020202020204" pitchFamily="34" charset="0"/>
-            </a:endParaRPr>
-          </a:p>
-          <a:p>
-            <a:pPr algn="just">
-              <a:lnSpc>
-                <a:spcPct val="115000"/>
-              </a:lnSpc>
-            </a:pPr>
-            <a:endParaRPr lang="en-IN" sz="1600" dirty="0">
-              <a:effectLst/>
-              <a:latin typeface="Arial" panose="020B0604020202020204" pitchFamily="34" charset="0"/>
-              <a:ea typeface="Arial" panose="020B0604020202020204" pitchFamily="34" charset="0"/>
-            </a:endParaRPr>
+            <a:r>
+              <a:rPr lang="en-IN" sz="1600" dirty="0">
+                <a:latin typeface="Bahnschrift SemiBold" panose="020B0502040204020203" pitchFamily="34" charset="0"/>
+              </a:rPr>
+              <a:t>Class Diagram for Employee Management System</a:t>
+            </a:r>
           </a:p>
         </p:txBody>
       </p:sp>
     </p:spTree>
     <p:extLst>
       <p:ext uri="{BB962C8B-B14F-4D97-AF65-F5344CB8AC3E}">
-        <p14:creationId xmlns:p14="http://schemas.microsoft.com/office/powerpoint/2010/main" val="41928864"/>
+        <p14:creationId xmlns:p14="http://schemas.microsoft.com/office/powerpoint/2010/main" val="495068569"/>
       </p:ext>
     </p:extLst>
   </p:cSld>
   <p:clrMapOvr>
     <a:masterClrMapping/>
   </p:clrMapOvr>
+  <p:transition spd="slow">
+    <p:push/>
+  </p:transition>
 </p:sld>
 </file>
 

--- a/Capstone_hdfc.pptx
+++ b/Capstone_hdfc.pptx
@@ -5,7 +5,7 @@
     <p:sldMasterId id="2147483648" r:id="rId1"/>
   </p:sldMasterIdLst>
   <p:notesMasterIdLst>
-    <p:notesMasterId r:id="rId36"/>
+    <p:notesMasterId r:id="rId38"/>
   </p:notesMasterIdLst>
   <p:sldIdLst>
     <p:sldId id="256" r:id="rId2"/>
@@ -29,19 +29,21 @@
     <p:sldId id="283" r:id="rId20"/>
     <p:sldId id="279" r:id="rId21"/>
     <p:sldId id="281" r:id="rId22"/>
-    <p:sldId id="282" r:id="rId23"/>
-    <p:sldId id="284" r:id="rId24"/>
-    <p:sldId id="267" r:id="rId25"/>
-    <p:sldId id="268" r:id="rId26"/>
-    <p:sldId id="269" r:id="rId27"/>
-    <p:sldId id="270" r:id="rId28"/>
-    <p:sldId id="285" r:id="rId29"/>
-    <p:sldId id="276" r:id="rId30"/>
-    <p:sldId id="277" r:id="rId31"/>
-    <p:sldId id="278" r:id="rId32"/>
-    <p:sldId id="291" r:id="rId33"/>
-    <p:sldId id="286" r:id="rId34"/>
-    <p:sldId id="280" r:id="rId35"/>
+    <p:sldId id="292" r:id="rId23"/>
+    <p:sldId id="293" r:id="rId24"/>
+    <p:sldId id="282" r:id="rId25"/>
+    <p:sldId id="284" r:id="rId26"/>
+    <p:sldId id="267" r:id="rId27"/>
+    <p:sldId id="268" r:id="rId28"/>
+    <p:sldId id="269" r:id="rId29"/>
+    <p:sldId id="270" r:id="rId30"/>
+    <p:sldId id="285" r:id="rId31"/>
+    <p:sldId id="276" r:id="rId32"/>
+    <p:sldId id="277" r:id="rId33"/>
+    <p:sldId id="278" r:id="rId34"/>
+    <p:sldId id="291" r:id="rId35"/>
+    <p:sldId id="286" r:id="rId36"/>
+    <p:sldId id="280" r:id="rId37"/>
   </p:sldIdLst>
   <p:sldSz cx="12192000" cy="6858000"/>
   <p:notesSz cx="6858000" cy="9144000"/>
@@ -9873,132 +9875,12 @@
           </a:prstGeom>
         </p:spPr>
       </p:pic>
-      <p:pic>
-        <p:nvPicPr>
-          <p:cNvPr id="3" name="Picture 2">
-            <a:extLst>
-              <a:ext uri="{FF2B5EF4-FFF2-40B4-BE49-F238E27FC236}">
-                <a16:creationId xmlns:a16="http://schemas.microsoft.com/office/drawing/2014/main" id="{B6E6118E-0847-0EFD-890E-2ACAC7745C84}"/>
-              </a:ext>
-            </a:extLst>
-          </p:cNvPr>
-          <p:cNvPicPr>
-            <a:picLocks noChangeAspect="1"/>
-          </p:cNvPicPr>
-          <p:nvPr/>
-        </p:nvPicPr>
-        <p:blipFill>
-          <a:blip r:embed="rId4"/>
-          <a:stretch>
-            <a:fillRect/>
-          </a:stretch>
-        </p:blipFill>
-        <p:spPr>
-          <a:xfrm>
-            <a:off x="217505" y="2033025"/>
-            <a:ext cx="11481007" cy="1767720"/>
-          </a:xfrm>
-          <a:prstGeom prst="rect">
-            <a:avLst/>
-          </a:prstGeom>
-        </p:spPr>
-      </p:pic>
-      <p:pic>
-        <p:nvPicPr>
-          <p:cNvPr id="12" name="Picture 11">
-            <a:extLst>
-              <a:ext uri="{FF2B5EF4-FFF2-40B4-BE49-F238E27FC236}">
-                <a16:creationId xmlns:a16="http://schemas.microsoft.com/office/drawing/2014/main" id="{F6C62E4C-1C92-8296-F18D-1E16B2BB9295}"/>
-              </a:ext>
-            </a:extLst>
-          </p:cNvPr>
-          <p:cNvPicPr>
-            <a:picLocks noChangeAspect="1"/>
-          </p:cNvPicPr>
-          <p:nvPr/>
-        </p:nvPicPr>
-        <p:blipFill>
-          <a:blip r:embed="rId5"/>
-          <a:stretch>
-            <a:fillRect/>
-          </a:stretch>
-        </p:blipFill>
-        <p:spPr>
-          <a:xfrm>
-            <a:off x="217505" y="5272202"/>
-            <a:ext cx="11481009" cy="1247775"/>
-          </a:xfrm>
-          <a:prstGeom prst="rect">
-            <a:avLst/>
-          </a:prstGeom>
-        </p:spPr>
-      </p:pic>
-      <p:pic>
-        <p:nvPicPr>
-          <p:cNvPr id="14" name="Picture 13">
-            <a:extLst>
-              <a:ext uri="{FF2B5EF4-FFF2-40B4-BE49-F238E27FC236}">
-                <a16:creationId xmlns:a16="http://schemas.microsoft.com/office/drawing/2014/main" id="{671DE48C-3FEB-7884-6B2C-CD52872334BD}"/>
-              </a:ext>
-            </a:extLst>
-          </p:cNvPr>
-          <p:cNvPicPr>
-            <a:picLocks noChangeAspect="1"/>
-          </p:cNvPicPr>
-          <p:nvPr/>
-        </p:nvPicPr>
-        <p:blipFill>
-          <a:blip r:embed="rId6"/>
-          <a:stretch>
-            <a:fillRect/>
-          </a:stretch>
-        </p:blipFill>
-        <p:spPr>
-          <a:xfrm>
-            <a:off x="6037943" y="3969657"/>
-            <a:ext cx="5660569" cy="1133633"/>
-          </a:xfrm>
-          <a:prstGeom prst="rect">
-            <a:avLst/>
-          </a:prstGeom>
-        </p:spPr>
-      </p:pic>
-      <p:pic>
-        <p:nvPicPr>
-          <p:cNvPr id="16" name="Picture 15">
-            <a:extLst>
-              <a:ext uri="{FF2B5EF4-FFF2-40B4-BE49-F238E27FC236}">
-                <a16:creationId xmlns:a16="http://schemas.microsoft.com/office/drawing/2014/main" id="{9BE252CD-1FDC-03EC-E71E-5D173429C442}"/>
-              </a:ext>
-            </a:extLst>
-          </p:cNvPr>
-          <p:cNvPicPr>
-            <a:picLocks noChangeAspect="1"/>
-          </p:cNvPicPr>
-          <p:nvPr/>
-        </p:nvPicPr>
-        <p:blipFill>
-          <a:blip r:embed="rId7"/>
-          <a:stretch>
-            <a:fillRect/>
-          </a:stretch>
-        </p:blipFill>
-        <p:spPr>
-          <a:xfrm>
-            <a:off x="217505" y="3969658"/>
-            <a:ext cx="5733352" cy="1133633"/>
-          </a:xfrm>
-          <a:prstGeom prst="rect">
-            <a:avLst/>
-          </a:prstGeom>
-        </p:spPr>
-      </p:pic>
       <p:sp>
         <p:nvSpPr>
           <p:cNvPr id="2" name="TextBox 1">
             <a:extLst>
               <a:ext uri="{FF2B5EF4-FFF2-40B4-BE49-F238E27FC236}">
-                <a16:creationId xmlns:a16="http://schemas.microsoft.com/office/drawing/2014/main" id="{1F0D5815-B622-3828-139C-5E314246006D}"/>
+                <a16:creationId xmlns:a16="http://schemas.microsoft.com/office/drawing/2014/main" id="{1A44BC85-1B87-95E2-D287-741884DBCDF1}"/>
               </a:ext>
             </a:extLst>
           </p:cNvPr>
@@ -10070,10 +9952,10 @@
       </p:sp>
       <p:sp>
         <p:nvSpPr>
-          <p:cNvPr id="7" name="TextBox 6">
-            <a:extLst>
-              <a:ext uri="{FF2B5EF4-FFF2-40B4-BE49-F238E27FC236}">
-                <a16:creationId xmlns:a16="http://schemas.microsoft.com/office/drawing/2014/main" id="{45554C6C-BE6F-3DAB-4B4A-949D212D9797}"/>
+          <p:cNvPr id="3" name="TextBox 2">
+            <a:extLst>
+              <a:ext uri="{FF2B5EF4-FFF2-40B4-BE49-F238E27FC236}">
+                <a16:creationId xmlns:a16="http://schemas.microsoft.com/office/drawing/2014/main" id="{4226EECD-9ECE-D3DA-DC1F-96B04232A59E}"/>
               </a:ext>
             </a:extLst>
           </p:cNvPr>
@@ -10082,33 +9964,25 @@
         </p:nvSpPr>
         <p:spPr>
           <a:xfrm>
-            <a:off x="0" y="1148890"/>
-            <a:ext cx="7286379" cy="369332"/>
-          </a:xfrm>
-          <a:prstGeom prst="rect">
-            <a:avLst/>
-          </a:prstGeom>
-          <a:solidFill>
-            <a:schemeClr val="accent5">
-              <a:alpha val="50000"/>
-            </a:schemeClr>
-          </a:solidFill>
-          <a:ln>
-            <a:noFill/>
-          </a:ln>
+            <a:off x="0" y="996059"/>
+            <a:ext cx="3396343" cy="307777"/>
+          </a:xfrm>
+          <a:prstGeom prst="rect">
+            <a:avLst/>
+          </a:prstGeom>
         </p:spPr>
         <p:style>
-          <a:lnRef idx="0">
-            <a:scrgbClr r="0" g="0" b="0"/>
+          <a:lnRef idx="1">
+            <a:schemeClr val="accent3"/>
           </a:lnRef>
-          <a:fillRef idx="0">
-            <a:scrgbClr r="0" g="0" b="0"/>
+          <a:fillRef idx="2">
+            <a:schemeClr val="accent3"/>
           </a:fillRef>
-          <a:effectRef idx="0">
-            <a:scrgbClr r="0" g="0" b="0"/>
+          <a:effectRef idx="1">
+            <a:schemeClr val="accent3"/>
           </a:effectRef>
           <a:fontRef idx="minor">
-            <a:schemeClr val="lt1"/>
+            <a:schemeClr val="dk1"/>
           </a:fontRef>
         </p:style>
         <p:txBody>
@@ -10117,7 +9991,7 @@
           </a:bodyPr>
           <a:lstStyle/>
           <a:p>
-            <a:pPr marL="0" marR="0" lvl="0" indent="0" algn="l" defTabSz="914400" rtl="0" eaLnBrk="1" fontAlgn="auto" latinLnBrk="0" hangingPunct="1">
+            <a:pPr marL="0" marR="0" lvl="0" indent="0" algn="ctr" defTabSz="914400" rtl="0" eaLnBrk="1" fontAlgn="auto" latinLnBrk="0" hangingPunct="1">
               <a:lnSpc>
                 <a:spcPct val="100000"/>
               </a:lnSpc>
@@ -10135,31 +10009,59 @@
               <a:defRPr/>
             </a:pPr>
             <a:r>
-              <a:rPr kumimoji="0" lang="en-IN" sz="1800" b="0" i="0" u="none" strike="noStrike" kern="1200" cap="none" spc="0" normalizeH="0" baseline="0" noProof="0" dirty="0">
+              <a:rPr kumimoji="0" lang="en-IN" sz="1400" b="0" i="0" u="none" strike="noStrike" kern="1200" cap="none" spc="0" normalizeH="0" baseline="0" noProof="0" dirty="0">
                 <a:ln>
                   <a:noFill/>
                 </a:ln>
                 <a:solidFill>
-                  <a:srgbClr val="E7E6E6">
-                    <a:lumMod val="25000"/>
-                  </a:srgbClr>
+                  <a:prstClr val="black"/>
                 </a:solidFill>
                 <a:effectLst/>
                 <a:uLnTx/>
                 <a:uFillTx/>
-                <a:latin typeface="Calibri" panose="020F0502020204030204"/>
+                <a:latin typeface="Arial" panose="020B0604020202020204" pitchFamily="34" charset="0"/>
                 <a:ea typeface="+mn-ea"/>
-                <a:cs typeface="+mn-cs"/>
+                <a:cs typeface="Arial" panose="020B0604020202020204" pitchFamily="34" charset="0"/>
               </a:rPr>
-              <a:t>Accessing containerised webservice through external host using minikube</a:t>
+              <a:t>Kubernetes Deployment Information</a:t>
             </a:r>
           </a:p>
         </p:txBody>
       </p:sp>
+      <p:pic>
+        <p:nvPicPr>
+          <p:cNvPr id="8" name="Picture 7">
+            <a:extLst>
+              <a:ext uri="{FF2B5EF4-FFF2-40B4-BE49-F238E27FC236}">
+                <a16:creationId xmlns:a16="http://schemas.microsoft.com/office/drawing/2014/main" id="{21572C7C-BFCB-909C-9EF8-9D0D64538CB0}"/>
+              </a:ext>
+            </a:extLst>
+          </p:cNvPr>
+          <p:cNvPicPr>
+            <a:picLocks noChangeAspect="1"/>
+          </p:cNvPicPr>
+          <p:nvPr/>
+        </p:nvPicPr>
+        <p:blipFill>
+          <a:blip r:embed="rId4"/>
+          <a:stretch>
+            <a:fillRect/>
+          </a:stretch>
+        </p:blipFill>
+        <p:spPr>
+          <a:xfrm>
+            <a:off x="217504" y="1433030"/>
+            <a:ext cx="11785809" cy="5301599"/>
+          </a:xfrm>
+          <a:prstGeom prst="rect">
+            <a:avLst/>
+          </a:prstGeom>
+        </p:spPr>
+      </p:pic>
     </p:spTree>
     <p:extLst>
       <p:ext uri="{BB962C8B-B14F-4D97-AF65-F5344CB8AC3E}">
-        <p14:creationId xmlns:p14="http://schemas.microsoft.com/office/powerpoint/2010/main" val="3395621759"/>
+        <p14:creationId xmlns:p14="http://schemas.microsoft.com/office/powerpoint/2010/main" val="1014207337"/>
       </p:ext>
     </p:extLst>
   </p:cSld>
@@ -10353,126 +10255,37 @@
               <a:defRPr/>
             </a:pPr>
             <a:r>
-              <a:rPr kumimoji="0" lang="en-IN" sz="2400" b="1" i="0" u="none" strike="noStrike" kern="1200" cap="none" spc="0" normalizeH="0" baseline="0" noProof="0" dirty="0">
-                <a:ln>
-                  <a:noFill/>
-                </a:ln>
+              <a:rPr lang="en-IN" sz="2400" b="1" dirty="0">
                 <a:solidFill>
                   <a:prstClr val="white"/>
                 </a:solidFill>
-                <a:effectLst/>
-                <a:uLnTx/>
-                <a:uFillTx/>
                 <a:latin typeface="Times New Roman" panose="02020603050405020304" pitchFamily="18" charset="0"/>
-                <a:ea typeface="+mn-ea"/>
-                <a:cs typeface="+mn-cs"/>
               </a:rPr>
               <a:t>Deployment</a:t>
             </a:r>
-          </a:p>
-        </p:txBody>
-      </p:sp>
-      <p:pic>
-        <p:nvPicPr>
-          <p:cNvPr id="8" name="Picture 7">
-            <a:extLst>
-              <a:ext uri="{FF2B5EF4-FFF2-40B4-BE49-F238E27FC236}">
-                <a16:creationId xmlns:a16="http://schemas.microsoft.com/office/drawing/2014/main" id="{7ACFEE9F-B9E0-F55C-BEBF-39FBFFEE7C83}"/>
-              </a:ext>
-            </a:extLst>
-          </p:cNvPr>
-          <p:cNvPicPr>
-            <a:picLocks noChangeAspect="1"/>
-          </p:cNvPicPr>
-          <p:nvPr/>
-        </p:nvPicPr>
-        <p:blipFill>
-          <a:blip r:embed="rId4"/>
-          <a:stretch>
-            <a:fillRect/>
-          </a:stretch>
-        </p:blipFill>
-        <p:spPr>
-          <a:xfrm>
-            <a:off x="160582" y="1557076"/>
-            <a:ext cx="5340331" cy="5177553"/>
-          </a:xfrm>
-          <a:prstGeom prst="rect">
-            <a:avLst/>
-          </a:prstGeom>
-        </p:spPr>
-      </p:pic>
-      <p:sp>
-        <p:nvSpPr>
-          <p:cNvPr id="3" name="TextBox 2">
-            <a:extLst>
-              <a:ext uri="{FF2B5EF4-FFF2-40B4-BE49-F238E27FC236}">
-                <a16:creationId xmlns:a16="http://schemas.microsoft.com/office/drawing/2014/main" id="{B18BCD5F-7D55-EF4C-731A-F37137B3DEE2}"/>
-              </a:ext>
-            </a:extLst>
-          </p:cNvPr>
-          <p:cNvSpPr txBox="1"/>
-          <p:nvPr/>
-        </p:nvSpPr>
-        <p:spPr>
-          <a:xfrm>
-            <a:off x="998057" y="1243415"/>
-            <a:ext cx="2365825" cy="307777"/>
-          </a:xfrm>
-          <a:prstGeom prst="rect">
-            <a:avLst/>
-          </a:prstGeom>
-          <a:noFill/>
-        </p:spPr>
-        <p:txBody>
-          <a:bodyPr wrap="square" rtlCol="0">
-            <a:spAutoFit/>
-          </a:bodyPr>
-          <a:lstStyle/>
-          <a:p>
-            <a:pPr marL="0" marR="0" lvl="0" indent="0" algn="ctr" defTabSz="914400" rtl="0" eaLnBrk="1" fontAlgn="auto" latinLnBrk="0" hangingPunct="1">
-              <a:lnSpc>
-                <a:spcPct val="100000"/>
-              </a:lnSpc>
-              <a:spcBef>
-                <a:spcPts val="0"/>
-              </a:spcBef>
-              <a:spcAft>
-                <a:spcPts val="0"/>
-              </a:spcAft>
-              <a:buClrTx/>
-              <a:buSzTx/>
-              <a:buFontTx/>
-              <a:buNone/>
-              <a:tabLst/>
-              <a:defRPr/>
-            </a:pPr>
-            <a:r>
-              <a:rPr kumimoji="0" lang="en-IN" sz="1400" b="0" i="0" u="none" strike="noStrike" kern="1200" cap="none" spc="0" normalizeH="0" baseline="0" noProof="0" dirty="0">
-                <a:ln>
-                  <a:noFill/>
-                </a:ln>
-                <a:solidFill>
-                  <a:prstClr val="black"/>
-                </a:solidFill>
-                <a:effectLst/>
-                <a:uLnTx/>
-                <a:uFillTx/>
-                <a:latin typeface="Arial" panose="020B0604020202020204" pitchFamily="34" charset="0"/>
-                <a:ea typeface="+mn-ea"/>
-                <a:cs typeface="Arial" panose="020B0604020202020204" pitchFamily="34" charset="0"/>
-              </a:rPr>
-              <a:t>Employee Table</a:t>
-            </a:r>
+            <a:endParaRPr kumimoji="0" lang="en-IN" sz="2400" b="1" i="0" u="none" strike="noStrike" kern="1200" cap="none" spc="0" normalizeH="0" baseline="0" noProof="0" dirty="0">
+              <a:ln>
+                <a:noFill/>
+              </a:ln>
+              <a:solidFill>
+                <a:prstClr val="white"/>
+              </a:solidFill>
+              <a:effectLst/>
+              <a:uLnTx/>
+              <a:uFillTx/>
+              <a:latin typeface="Times New Roman" panose="02020603050405020304" pitchFamily="18" charset="0"/>
+              <a:ea typeface="+mn-ea"/>
+              <a:cs typeface="+mn-cs"/>
+            </a:endParaRPr>
           </a:p>
         </p:txBody>
       </p:sp>
       <p:sp>
         <p:nvSpPr>
-          <p:cNvPr id="7" name="TextBox 6">
-            <a:extLst>
-              <a:ext uri="{FF2B5EF4-FFF2-40B4-BE49-F238E27FC236}">
-                <a16:creationId xmlns:a16="http://schemas.microsoft.com/office/drawing/2014/main" id="{4C83CCD6-EE94-F670-0B4C-0C9FE07C57EE}"/>
+          <p:cNvPr id="3" name="TextBox 2">
+            <a:extLst>
+              <a:ext uri="{FF2B5EF4-FFF2-40B4-BE49-F238E27FC236}">
+                <a16:creationId xmlns:a16="http://schemas.microsoft.com/office/drawing/2014/main" id="{4226EECD-9ECE-D3DA-DC1F-96B04232A59E}"/>
               </a:ext>
             </a:extLst>
           </p:cNvPr>
@@ -10481,73 +10294,8 @@
         </p:nvSpPr>
         <p:spPr>
           <a:xfrm>
-            <a:off x="7911242" y="1327177"/>
-            <a:ext cx="1399175" cy="307777"/>
-          </a:xfrm>
-          <a:prstGeom prst="rect">
-            <a:avLst/>
-          </a:prstGeom>
-          <a:noFill/>
-        </p:spPr>
-        <p:txBody>
-          <a:bodyPr wrap="square" rtlCol="0">
-            <a:spAutoFit/>
-          </a:bodyPr>
-          <a:lstStyle/>
-          <a:p>
-            <a:pPr marL="0" marR="0" lvl="0" indent="0" algn="ctr" defTabSz="914400" rtl="0" eaLnBrk="1" fontAlgn="auto" latinLnBrk="0" hangingPunct="1">
-              <a:lnSpc>
-                <a:spcPct val="100000"/>
-              </a:lnSpc>
-              <a:spcBef>
-                <a:spcPts val="0"/>
-              </a:spcBef>
-              <a:spcAft>
-                <a:spcPts val="0"/>
-              </a:spcAft>
-              <a:buClrTx/>
-              <a:buSzTx/>
-              <a:buFontTx/>
-              <a:buNone/>
-              <a:tabLst/>
-              <a:defRPr/>
-            </a:pPr>
-            <a:r>
-              <a:rPr kumimoji="0" lang="en-IN" sz="1400" b="0" i="0" u="none" strike="noStrike" kern="1200" cap="none" spc="0" normalizeH="0" baseline="0" noProof="0" dirty="0">
-                <a:ln>
-                  <a:noFill/>
-                </a:ln>
-                <a:solidFill>
-                  <a:prstClr val="black"/>
-                </a:solidFill>
-                <a:effectLst/>
-                <a:uLnTx/>
-                <a:uFillTx/>
-                <a:latin typeface="Arial" panose="020B0604020202020204" pitchFamily="34" charset="0"/>
-                <a:ea typeface="+mn-ea"/>
-                <a:cs typeface="Arial" panose="020B0604020202020204" pitchFamily="34" charset="0"/>
-              </a:rPr>
-              <a:t>Table Schema</a:t>
-            </a:r>
-          </a:p>
-        </p:txBody>
-      </p:sp>
-      <p:sp>
-        <p:nvSpPr>
-          <p:cNvPr id="9" name="TextBox 8">
-            <a:extLst>
-              <a:ext uri="{FF2B5EF4-FFF2-40B4-BE49-F238E27FC236}">
-                <a16:creationId xmlns:a16="http://schemas.microsoft.com/office/drawing/2014/main" id="{8776E258-07B7-D5D9-7396-35BF7029BD2A}"/>
-              </a:ext>
-            </a:extLst>
-          </p:cNvPr>
-          <p:cNvSpPr txBox="1"/>
-          <p:nvPr/>
-        </p:nvSpPr>
-        <p:spPr>
-          <a:xfrm>
-            <a:off x="3749318" y="935638"/>
-            <a:ext cx="4693364" cy="307777"/>
+            <a:off x="0" y="923572"/>
+            <a:ext cx="3846286" cy="307777"/>
           </a:xfrm>
           <a:prstGeom prst="rect">
             <a:avLst/>
@@ -10601,21 +10349,51 @@
                 <a:effectLst/>
                 <a:uLnTx/>
                 <a:uFillTx/>
-                <a:latin typeface="Calibri" panose="020F0502020204030204"/>
+                <a:latin typeface="Arial" panose="020B0604020202020204" pitchFamily="34" charset="0"/>
                 <a:ea typeface="+mn-ea"/>
-                <a:cs typeface="+mn-cs"/>
+                <a:cs typeface="Arial" panose="020B0604020202020204" pitchFamily="34" charset="0"/>
               </a:rPr>
-              <a:t>DATABASE STRUCTURE OF CONTAINERIZED WEBSERVICE</a:t>
+              <a:t>Pod status &amp; Config Maps &amp; Secrets</a:t>
             </a:r>
           </a:p>
         </p:txBody>
       </p:sp>
       <p:pic>
         <p:nvPicPr>
-          <p:cNvPr id="12" name="Picture 11">
-            <a:extLst>
-              <a:ext uri="{FF2B5EF4-FFF2-40B4-BE49-F238E27FC236}">
-                <a16:creationId xmlns:a16="http://schemas.microsoft.com/office/drawing/2014/main" id="{6BB3D807-13DF-6C0F-27B2-5827A669DA4F}"/>
+          <p:cNvPr id="10" name="Picture 9">
+            <a:extLst>
+              <a:ext uri="{FF2B5EF4-FFF2-40B4-BE49-F238E27FC236}">
+                <a16:creationId xmlns:a16="http://schemas.microsoft.com/office/drawing/2014/main" id="{A162A91C-C0B7-B6E3-C26B-1E97F771CDC1}"/>
+              </a:ext>
+            </a:extLst>
+          </p:cNvPr>
+          <p:cNvPicPr>
+            <a:picLocks noChangeAspect="1"/>
+          </p:cNvPicPr>
+          <p:nvPr/>
+        </p:nvPicPr>
+        <p:blipFill>
+          <a:blip r:embed="rId4"/>
+          <a:stretch>
+            <a:fillRect/>
+          </a:stretch>
+        </p:blipFill>
+        <p:spPr>
+          <a:xfrm>
+            <a:off x="108752" y="1303836"/>
+            <a:ext cx="11974495" cy="2877713"/>
+          </a:xfrm>
+          <a:prstGeom prst="rect">
+            <a:avLst/>
+          </a:prstGeom>
+        </p:spPr>
+      </p:pic>
+      <p:pic>
+        <p:nvPicPr>
+          <p:cNvPr id="9" name="Picture 8">
+            <a:extLst>
+              <a:ext uri="{FF2B5EF4-FFF2-40B4-BE49-F238E27FC236}">
+                <a16:creationId xmlns:a16="http://schemas.microsoft.com/office/drawing/2014/main" id="{8D21192E-824F-E48D-6E76-9B6035DCD776}"/>
               </a:ext>
             </a:extLst>
           </p:cNvPr>
@@ -10632,8 +10410,8 @@
         </p:blipFill>
         <p:spPr>
           <a:xfrm>
-            <a:off x="5500914" y="1604437"/>
-            <a:ext cx="6139542" cy="1824564"/>
+            <a:off x="108752" y="4254036"/>
+            <a:ext cx="11974494" cy="1379884"/>
           </a:xfrm>
           <a:prstGeom prst="rect">
             <a:avLst/>
@@ -10642,10 +10420,10 @@
       </p:pic>
       <p:pic>
         <p:nvPicPr>
-          <p:cNvPr id="14" name="Picture 13">
-            <a:extLst>
-              <a:ext uri="{FF2B5EF4-FFF2-40B4-BE49-F238E27FC236}">
-                <a16:creationId xmlns:a16="http://schemas.microsoft.com/office/drawing/2014/main" id="{CFC0EA24-BEB9-43E9-8AD4-1BAB8498CEDC}"/>
+          <p:cNvPr id="12" name="Picture 11">
+            <a:extLst>
+              <a:ext uri="{FF2B5EF4-FFF2-40B4-BE49-F238E27FC236}">
+                <a16:creationId xmlns:a16="http://schemas.microsoft.com/office/drawing/2014/main" id="{9DD3C40D-DC28-908A-C10D-DEFDC7D3CECD}"/>
               </a:ext>
             </a:extLst>
           </p:cNvPr>
@@ -10662,83 +10440,18 @@
         </p:blipFill>
         <p:spPr>
           <a:xfrm>
-            <a:off x="5581204" y="3825754"/>
-            <a:ext cx="6059252" cy="2908875"/>
+            <a:off x="108752" y="5722012"/>
+            <a:ext cx="11974494" cy="1047896"/>
           </a:xfrm>
           <a:prstGeom prst="rect">
             <a:avLst/>
           </a:prstGeom>
         </p:spPr>
       </p:pic>
-      <p:sp>
-        <p:nvSpPr>
-          <p:cNvPr id="15" name="TextBox 14">
-            <a:extLst>
-              <a:ext uri="{FF2B5EF4-FFF2-40B4-BE49-F238E27FC236}">
-                <a16:creationId xmlns:a16="http://schemas.microsoft.com/office/drawing/2014/main" id="{D7668A47-3B3B-9F24-65C1-EFFC96A316AE}"/>
-              </a:ext>
-            </a:extLst>
-          </p:cNvPr>
-          <p:cNvSpPr txBox="1"/>
-          <p:nvPr/>
-        </p:nvSpPr>
-        <p:spPr>
-          <a:xfrm>
-            <a:off x="7402287" y="3548494"/>
-            <a:ext cx="2336799" cy="307777"/>
-          </a:xfrm>
-          <a:prstGeom prst="rect">
-            <a:avLst/>
-          </a:prstGeom>
-          <a:noFill/>
-        </p:spPr>
-        <p:txBody>
-          <a:bodyPr wrap="square" rtlCol="0">
-            <a:spAutoFit/>
-          </a:bodyPr>
-          <a:lstStyle/>
-          <a:p>
-            <a:pPr marL="0" marR="0" lvl="0" indent="0" algn="l" defTabSz="914400" rtl="0" eaLnBrk="1" fontAlgn="auto" latinLnBrk="0" hangingPunct="1">
-              <a:lnSpc>
-                <a:spcPct val="100000"/>
-              </a:lnSpc>
-              <a:spcBef>
-                <a:spcPts val="0"/>
-              </a:spcBef>
-              <a:spcAft>
-                <a:spcPts val="0"/>
-              </a:spcAft>
-              <a:buClrTx/>
-              <a:buSzTx/>
-              <a:buFontTx/>
-              <a:buNone/>
-              <a:tabLst/>
-              <a:defRPr/>
-            </a:pPr>
-            <a:r>
-              <a:rPr kumimoji="0" lang="en-IN" sz="1400" b="0" i="0" u="none" strike="noStrike" kern="1200" cap="none" spc="0" normalizeH="0" baseline="0" noProof="0" dirty="0">
-                <a:ln>
-                  <a:noFill/>
-                </a:ln>
-                <a:solidFill>
-                  <a:prstClr val="black"/>
-                </a:solidFill>
-                <a:effectLst/>
-                <a:uLnTx/>
-                <a:uFillTx/>
-                <a:latin typeface="Arial" panose="020B0604020202020204" pitchFamily="34" charset="0"/>
-                <a:ea typeface="+mn-ea"/>
-                <a:cs typeface="Arial" panose="020B0604020202020204" pitchFamily="34" charset="0"/>
-              </a:rPr>
-              <a:t>MySQL instance on cluster</a:t>
-            </a:r>
-          </a:p>
-        </p:txBody>
-      </p:sp>
     </p:spTree>
     <p:extLst>
       <p:ext uri="{BB962C8B-B14F-4D97-AF65-F5344CB8AC3E}">
-        <p14:creationId xmlns:p14="http://schemas.microsoft.com/office/powerpoint/2010/main" val="1427677089"/>
+        <p14:creationId xmlns:p14="http://schemas.microsoft.com/office/powerpoint/2010/main" val="4294038686"/>
       </p:ext>
     </p:extLst>
   </p:cSld>
@@ -10882,12 +10595,132 @@
           </a:prstGeom>
         </p:spPr>
       </p:pic>
+      <p:pic>
+        <p:nvPicPr>
+          <p:cNvPr id="3" name="Picture 2">
+            <a:extLst>
+              <a:ext uri="{FF2B5EF4-FFF2-40B4-BE49-F238E27FC236}">
+                <a16:creationId xmlns:a16="http://schemas.microsoft.com/office/drawing/2014/main" id="{B6E6118E-0847-0EFD-890E-2ACAC7745C84}"/>
+              </a:ext>
+            </a:extLst>
+          </p:cNvPr>
+          <p:cNvPicPr>
+            <a:picLocks noChangeAspect="1"/>
+          </p:cNvPicPr>
+          <p:nvPr/>
+        </p:nvPicPr>
+        <p:blipFill>
+          <a:blip r:embed="rId4"/>
+          <a:stretch>
+            <a:fillRect/>
+          </a:stretch>
+        </p:blipFill>
+        <p:spPr>
+          <a:xfrm>
+            <a:off x="217505" y="2033025"/>
+            <a:ext cx="11481007" cy="1767720"/>
+          </a:xfrm>
+          <a:prstGeom prst="rect">
+            <a:avLst/>
+          </a:prstGeom>
+        </p:spPr>
+      </p:pic>
+      <p:pic>
+        <p:nvPicPr>
+          <p:cNvPr id="12" name="Picture 11">
+            <a:extLst>
+              <a:ext uri="{FF2B5EF4-FFF2-40B4-BE49-F238E27FC236}">
+                <a16:creationId xmlns:a16="http://schemas.microsoft.com/office/drawing/2014/main" id="{F6C62E4C-1C92-8296-F18D-1E16B2BB9295}"/>
+              </a:ext>
+            </a:extLst>
+          </p:cNvPr>
+          <p:cNvPicPr>
+            <a:picLocks noChangeAspect="1"/>
+          </p:cNvPicPr>
+          <p:nvPr/>
+        </p:nvPicPr>
+        <p:blipFill>
+          <a:blip r:embed="rId5"/>
+          <a:stretch>
+            <a:fillRect/>
+          </a:stretch>
+        </p:blipFill>
+        <p:spPr>
+          <a:xfrm>
+            <a:off x="217505" y="5272202"/>
+            <a:ext cx="11481009" cy="1247775"/>
+          </a:xfrm>
+          <a:prstGeom prst="rect">
+            <a:avLst/>
+          </a:prstGeom>
+        </p:spPr>
+      </p:pic>
+      <p:pic>
+        <p:nvPicPr>
+          <p:cNvPr id="14" name="Picture 13">
+            <a:extLst>
+              <a:ext uri="{FF2B5EF4-FFF2-40B4-BE49-F238E27FC236}">
+                <a16:creationId xmlns:a16="http://schemas.microsoft.com/office/drawing/2014/main" id="{671DE48C-3FEB-7884-6B2C-CD52872334BD}"/>
+              </a:ext>
+            </a:extLst>
+          </p:cNvPr>
+          <p:cNvPicPr>
+            <a:picLocks noChangeAspect="1"/>
+          </p:cNvPicPr>
+          <p:nvPr/>
+        </p:nvPicPr>
+        <p:blipFill>
+          <a:blip r:embed="rId6"/>
+          <a:stretch>
+            <a:fillRect/>
+          </a:stretch>
+        </p:blipFill>
+        <p:spPr>
+          <a:xfrm>
+            <a:off x="6037943" y="3969657"/>
+            <a:ext cx="5660569" cy="1133633"/>
+          </a:xfrm>
+          <a:prstGeom prst="rect">
+            <a:avLst/>
+          </a:prstGeom>
+        </p:spPr>
+      </p:pic>
+      <p:pic>
+        <p:nvPicPr>
+          <p:cNvPr id="16" name="Picture 15">
+            <a:extLst>
+              <a:ext uri="{FF2B5EF4-FFF2-40B4-BE49-F238E27FC236}">
+                <a16:creationId xmlns:a16="http://schemas.microsoft.com/office/drawing/2014/main" id="{9BE252CD-1FDC-03EC-E71E-5D173429C442}"/>
+              </a:ext>
+            </a:extLst>
+          </p:cNvPr>
+          <p:cNvPicPr>
+            <a:picLocks noChangeAspect="1"/>
+          </p:cNvPicPr>
+          <p:nvPr/>
+        </p:nvPicPr>
+        <p:blipFill>
+          <a:blip r:embed="rId7"/>
+          <a:stretch>
+            <a:fillRect/>
+          </a:stretch>
+        </p:blipFill>
+        <p:spPr>
+          <a:xfrm>
+            <a:off x="217505" y="3969658"/>
+            <a:ext cx="5733352" cy="1133633"/>
+          </a:xfrm>
+          <a:prstGeom prst="rect">
+            <a:avLst/>
+          </a:prstGeom>
+        </p:spPr>
+      </p:pic>
       <p:sp>
         <p:nvSpPr>
-          <p:cNvPr id="8" name="TextBox 7">
-            <a:extLst>
-              <a:ext uri="{FF2B5EF4-FFF2-40B4-BE49-F238E27FC236}">
-                <a16:creationId xmlns:a16="http://schemas.microsoft.com/office/drawing/2014/main" id="{83A5D50A-7BF5-47B2-27E6-96AA33171B2B}"/>
+          <p:cNvPr id="2" name="TextBox 1">
+            <a:extLst>
+              <a:ext uri="{FF2B5EF4-FFF2-40B4-BE49-F238E27FC236}">
+                <a16:creationId xmlns:a16="http://schemas.microsoft.com/office/drawing/2014/main" id="{1F0D5815-B622-3828-139C-5E314246006D}"/>
               </a:ext>
             </a:extLst>
           </p:cNvPr>
@@ -10914,20 +10747,46 @@
           </a:bodyPr>
           <a:lstStyle/>
           <a:p>
-            <a:pPr>
+            <a:pPr marL="0" marR="0" lvl="0" indent="0" algn="l" defTabSz="914400" rtl="0" eaLnBrk="1" fontAlgn="auto" latinLnBrk="0" hangingPunct="1">
               <a:lnSpc>
                 <a:spcPct val="115000"/>
               </a:lnSpc>
+              <a:spcBef>
+                <a:spcPts val="0"/>
+              </a:spcBef>
+              <a:spcAft>
+                <a:spcPts val="0"/>
+              </a:spcAft>
+              <a:buClrTx/>
+              <a:buSzTx/>
+              <a:buFontTx/>
+              <a:buNone/>
+              <a:tabLst/>
+              <a:defRPr/>
             </a:pPr>
             <a:r>
               <a:rPr lang="en-IN" sz="2400" b="1" dirty="0">
                 <a:solidFill>
-                  <a:schemeClr val="bg1"/>
+                  <a:prstClr val="white"/>
                 </a:solidFill>
                 <a:latin typeface="Times New Roman" panose="02020603050405020304" pitchFamily="18" charset="0"/>
               </a:rPr>
-              <a:t>Conclusion</a:t>
-            </a:r>
+              <a:t>Deployment</a:t>
+            </a:r>
+            <a:endParaRPr kumimoji="0" lang="en-IN" sz="2400" b="1" i="0" u="none" strike="noStrike" kern="1200" cap="none" spc="0" normalizeH="0" baseline="0" noProof="0" dirty="0">
+              <a:ln>
+                <a:noFill/>
+              </a:ln>
+              <a:solidFill>
+                <a:prstClr val="white"/>
+              </a:solidFill>
+              <a:effectLst/>
+              <a:uLnTx/>
+              <a:uFillTx/>
+              <a:latin typeface="Times New Roman" panose="02020603050405020304" pitchFamily="18" charset="0"/>
+              <a:ea typeface="+mn-ea"/>
+              <a:cs typeface="+mn-cs"/>
+            </a:endParaRPr>
           </a:p>
         </p:txBody>
       </p:sp>
@@ -10936,7 +10795,7 @@
           <p:cNvPr id="7" name="TextBox 6">
             <a:extLst>
               <a:ext uri="{FF2B5EF4-FFF2-40B4-BE49-F238E27FC236}">
-                <a16:creationId xmlns:a16="http://schemas.microsoft.com/office/drawing/2014/main" id="{B4E07FE1-E878-E386-9DF4-34E931415690}"/>
+                <a16:creationId xmlns:a16="http://schemas.microsoft.com/office/drawing/2014/main" id="{45554C6C-BE6F-3DAB-4B4A-949D212D9797}"/>
               </a:ext>
             </a:extLst>
           </p:cNvPr>
@@ -10945,79 +10804,76 @@
         </p:nvSpPr>
         <p:spPr>
           <a:xfrm>
-            <a:off x="490219" y="1349647"/>
-            <a:ext cx="11106695" cy="5078313"/>
-          </a:xfrm>
-          <a:prstGeom prst="rect">
-            <a:avLst/>
-          </a:prstGeom>
-          <a:noFill/>
-        </p:spPr>
+            <a:off x="0" y="1148890"/>
+            <a:ext cx="7286379" cy="369332"/>
+          </a:xfrm>
+          <a:prstGeom prst="rect">
+            <a:avLst/>
+          </a:prstGeom>
+          <a:solidFill>
+            <a:schemeClr val="accent5">
+              <a:alpha val="50000"/>
+            </a:schemeClr>
+          </a:solidFill>
+          <a:ln>
+            <a:noFill/>
+          </a:ln>
+        </p:spPr>
+        <p:style>
+          <a:lnRef idx="0">
+            <a:scrgbClr r="0" g="0" b="0"/>
+          </a:lnRef>
+          <a:fillRef idx="0">
+            <a:scrgbClr r="0" g="0" b="0"/>
+          </a:fillRef>
+          <a:effectRef idx="0">
+            <a:scrgbClr r="0" g="0" b="0"/>
+          </a:effectRef>
+          <a:fontRef idx="minor">
+            <a:schemeClr val="lt1"/>
+          </a:fontRef>
+        </p:style>
         <p:txBody>
-          <a:bodyPr wrap="square">
+          <a:bodyPr wrap="square" rtlCol="0">
             <a:spAutoFit/>
           </a:bodyPr>
           <a:lstStyle/>
           <a:p>
-            <a:r>
-              <a:rPr lang="en-US" b="0" i="0" dirty="0">
+            <a:pPr marL="0" marR="0" lvl="0" indent="0" algn="l" defTabSz="914400" rtl="0" eaLnBrk="1" fontAlgn="auto" latinLnBrk="0" hangingPunct="1">
+              <a:lnSpc>
+                <a:spcPct val="100000"/>
+              </a:lnSpc>
+              <a:spcBef>
+                <a:spcPts val="0"/>
+              </a:spcBef>
+              <a:spcAft>
+                <a:spcPts val="0"/>
+              </a:spcAft>
+              <a:buClrTx/>
+              <a:buSzTx/>
+              <a:buFontTx/>
+              <a:buNone/>
+              <a:tabLst/>
+              <a:defRPr/>
+            </a:pPr>
+            <a:r>
+              <a:rPr kumimoji="0" lang="en-IN" sz="1800" b="0" i="0" u="none" strike="noStrike" kern="1200" cap="none" spc="0" normalizeH="0" baseline="0" noProof="0" dirty="0">
+                <a:ln>
+                  <a:noFill/>
+                </a:ln>
+                <a:solidFill>
+                  <a:srgbClr val="E7E6E6">
+                    <a:lumMod val="25000"/>
+                  </a:srgbClr>
+                </a:solidFill>
                 <a:effectLst/>
-                <a:latin typeface="Söhne"/>
+                <a:uLnTx/>
+                <a:uFillTx/>
+                <a:latin typeface="Calibri" panose="020F0502020204030204"/>
+                <a:ea typeface="+mn-ea"/>
+                <a:cs typeface="+mn-cs"/>
               </a:rPr>
-              <a:t> This capstone project involved creating a database table for Employee with EmployeeID, EmployeeName, and DateOfBirth columns. A Java program was written to query a single record based on EmployeeID, and Jenkins was used to deploy changes to the code to the Application server. A client program was also created to interact with our webservice.</a:t>
-            </a:r>
-          </a:p>
-          <a:p>
-            <a:endParaRPr lang="en-US" dirty="0">
-              <a:latin typeface="Söhne"/>
-            </a:endParaRPr>
-          </a:p>
-          <a:p>
-            <a:r>
-              <a:rPr lang="en-US" b="0" i="0" dirty="0">
-                <a:effectLst/>
-                <a:latin typeface="Söhne"/>
-              </a:rPr>
-              <a:t>In conclusion, our capstone project successfully achieved the goal of creating a RESTful web service that queries a single record from a database and returns a response containing all relevant employee information. We also ensured security by using HTTPS with a self-signed certificate and encrypting sensitive information with AES-256. </a:t>
-            </a:r>
-          </a:p>
-          <a:p>
-            <a:r>
-              <a:rPr lang="en-US" b="0" i="0" dirty="0">
-                <a:effectLst/>
-                <a:latin typeface="Söhne"/>
-              </a:rPr>
-              <a:t>We utilized Spring boot and Jenkins for continuous integration and deployment, and deployed our containerized web service on Kubernetes. </a:t>
-            </a:r>
-          </a:p>
-          <a:p>
-            <a:endParaRPr lang="en-US" dirty="0">
-              <a:latin typeface="Söhne"/>
-            </a:endParaRPr>
-          </a:p>
-          <a:p>
-            <a:r>
-              <a:rPr lang="en-US" b="0" i="0" dirty="0">
-                <a:effectLst/>
-                <a:latin typeface="Söhne"/>
-              </a:rPr>
-              <a:t>During the development process, we faced several challenges such as debugging and troubleshooting issues with our containerized deployment on Kubernetes, ensuring secure communication between the client and server, and managing the rotation of log files. However, we were able to overcome these challenges by using online resources and interacting with batchmates to find effective solutions.</a:t>
-            </a:r>
-          </a:p>
-          <a:p>
-            <a:endParaRPr lang="en-US" b="0" i="0" dirty="0">
-              <a:effectLst/>
-              <a:latin typeface="Söhne"/>
-            </a:endParaRPr>
-          </a:p>
-          <a:p>
-            <a:pPr algn="l"/>
-            <a:r>
-              <a:rPr lang="en-US" b="0" i="0" dirty="0">
-                <a:effectLst/>
-                <a:latin typeface="Söhne"/>
-              </a:rPr>
-              <a:t>Overall, this capstone project provided valuable experience in developing and deploying a secure, scalable, and containerized web service, while also learning how to overcome challenges in a development environment.</a:t>
+              <a:t>Accessing containerised webservice through external host using minikube</a:t>
             </a:r>
           </a:p>
         </p:txBody>
@@ -11025,7 +10881,7 @@
     </p:spTree>
     <p:extLst>
       <p:ext uri="{BB962C8B-B14F-4D97-AF65-F5344CB8AC3E}">
-        <p14:creationId xmlns:p14="http://schemas.microsoft.com/office/powerpoint/2010/main" val="984102935"/>
+        <p14:creationId xmlns:p14="http://schemas.microsoft.com/office/powerpoint/2010/main" val="3395621759"/>
       </p:ext>
     </p:extLst>
   </p:cSld>
@@ -11171,10 +11027,10 @@
       </p:pic>
       <p:sp>
         <p:nvSpPr>
-          <p:cNvPr id="8" name="TextBox 7">
-            <a:extLst>
-              <a:ext uri="{FF2B5EF4-FFF2-40B4-BE49-F238E27FC236}">
-                <a16:creationId xmlns:a16="http://schemas.microsoft.com/office/drawing/2014/main" id="{83A5D50A-7BF5-47B2-27E6-96AA33171B2B}"/>
+          <p:cNvPr id="2" name="TextBox 1">
+            <a:extLst>
+              <a:ext uri="{FF2B5EF4-FFF2-40B4-BE49-F238E27FC236}">
+                <a16:creationId xmlns:a16="http://schemas.microsoft.com/office/drawing/2014/main" id="{1A44BC85-1B87-95E2-D287-741884DBCDF1}"/>
               </a:ext>
             </a:extLst>
           </p:cNvPr>
@@ -11201,29 +11057,144 @@
           </a:bodyPr>
           <a:lstStyle/>
           <a:p>
-            <a:pPr>
+            <a:pPr marL="0" marR="0" lvl="0" indent="0" algn="l" defTabSz="914400" rtl="0" eaLnBrk="1" fontAlgn="auto" latinLnBrk="0" hangingPunct="1">
               <a:lnSpc>
                 <a:spcPct val="115000"/>
               </a:lnSpc>
+              <a:spcBef>
+                <a:spcPts val="0"/>
+              </a:spcBef>
+              <a:spcAft>
+                <a:spcPts val="0"/>
+              </a:spcAft>
+              <a:buClrTx/>
+              <a:buSzTx/>
+              <a:buFontTx/>
+              <a:buNone/>
+              <a:tabLst/>
+              <a:defRPr/>
             </a:pPr>
             <a:r>
-              <a:rPr lang="en-IN" sz="2400" b="1" dirty="0">
+              <a:rPr kumimoji="0" lang="en-IN" sz="2400" b="1" i="0" u="none" strike="noStrike" kern="1200" cap="none" spc="0" normalizeH="0" baseline="0" noProof="0" dirty="0">
+                <a:ln>
+                  <a:noFill/>
+                </a:ln>
                 <a:solidFill>
-                  <a:schemeClr val="bg1"/>
+                  <a:prstClr val="white"/>
                 </a:solidFill>
+                <a:effectLst/>
+                <a:uLnTx/>
+                <a:uFillTx/>
                 <a:latin typeface="Times New Roman" panose="02020603050405020304" pitchFamily="18" charset="0"/>
+                <a:ea typeface="+mn-ea"/>
+                <a:cs typeface="+mn-cs"/>
               </a:rPr>
-              <a:t>Future Work</a:t>
+              <a:t>Deployment</a:t>
+            </a:r>
+          </a:p>
+        </p:txBody>
+      </p:sp>
+      <p:pic>
+        <p:nvPicPr>
+          <p:cNvPr id="8" name="Picture 7">
+            <a:extLst>
+              <a:ext uri="{FF2B5EF4-FFF2-40B4-BE49-F238E27FC236}">
+                <a16:creationId xmlns:a16="http://schemas.microsoft.com/office/drawing/2014/main" id="{7ACFEE9F-B9E0-F55C-BEBF-39FBFFEE7C83}"/>
+              </a:ext>
+            </a:extLst>
+          </p:cNvPr>
+          <p:cNvPicPr>
+            <a:picLocks noChangeAspect="1"/>
+          </p:cNvPicPr>
+          <p:nvPr/>
+        </p:nvPicPr>
+        <p:blipFill>
+          <a:blip r:embed="rId4"/>
+          <a:stretch>
+            <a:fillRect/>
+          </a:stretch>
+        </p:blipFill>
+        <p:spPr>
+          <a:xfrm>
+            <a:off x="160582" y="1557076"/>
+            <a:ext cx="5340331" cy="5177553"/>
+          </a:xfrm>
+          <a:prstGeom prst="rect">
+            <a:avLst/>
+          </a:prstGeom>
+        </p:spPr>
+      </p:pic>
+      <p:sp>
+        <p:nvSpPr>
+          <p:cNvPr id="3" name="TextBox 2">
+            <a:extLst>
+              <a:ext uri="{FF2B5EF4-FFF2-40B4-BE49-F238E27FC236}">
+                <a16:creationId xmlns:a16="http://schemas.microsoft.com/office/drawing/2014/main" id="{B18BCD5F-7D55-EF4C-731A-F37137B3DEE2}"/>
+              </a:ext>
+            </a:extLst>
+          </p:cNvPr>
+          <p:cNvSpPr txBox="1"/>
+          <p:nvPr/>
+        </p:nvSpPr>
+        <p:spPr>
+          <a:xfrm>
+            <a:off x="998057" y="1243415"/>
+            <a:ext cx="2365825" cy="307777"/>
+          </a:xfrm>
+          <a:prstGeom prst="rect">
+            <a:avLst/>
+          </a:prstGeom>
+          <a:noFill/>
+        </p:spPr>
+        <p:txBody>
+          <a:bodyPr wrap="square" rtlCol="0">
+            <a:spAutoFit/>
+          </a:bodyPr>
+          <a:lstStyle/>
+          <a:p>
+            <a:pPr marL="0" marR="0" lvl="0" indent="0" algn="ctr" defTabSz="914400" rtl="0" eaLnBrk="1" fontAlgn="auto" latinLnBrk="0" hangingPunct="1">
+              <a:lnSpc>
+                <a:spcPct val="100000"/>
+              </a:lnSpc>
+              <a:spcBef>
+                <a:spcPts val="0"/>
+              </a:spcBef>
+              <a:spcAft>
+                <a:spcPts val="0"/>
+              </a:spcAft>
+              <a:buClrTx/>
+              <a:buSzTx/>
+              <a:buFontTx/>
+              <a:buNone/>
+              <a:tabLst/>
+              <a:defRPr/>
+            </a:pPr>
+            <a:r>
+              <a:rPr kumimoji="0" lang="en-IN" sz="1400" b="0" i="0" u="none" strike="noStrike" kern="1200" cap="none" spc="0" normalizeH="0" baseline="0" noProof="0" dirty="0">
+                <a:ln>
+                  <a:noFill/>
+                </a:ln>
+                <a:solidFill>
+                  <a:prstClr val="black"/>
+                </a:solidFill>
+                <a:effectLst/>
+                <a:uLnTx/>
+                <a:uFillTx/>
+                <a:latin typeface="Arial" panose="020B0604020202020204" pitchFamily="34" charset="0"/>
+                <a:ea typeface="+mn-ea"/>
+                <a:cs typeface="Arial" panose="020B0604020202020204" pitchFamily="34" charset="0"/>
+              </a:rPr>
+              <a:t>Employee Table</a:t>
             </a:r>
           </a:p>
         </p:txBody>
       </p:sp>
       <p:sp>
         <p:nvSpPr>
-          <p:cNvPr id="3" name="TextBox 2">
-            <a:extLst>
-              <a:ext uri="{FF2B5EF4-FFF2-40B4-BE49-F238E27FC236}">
-                <a16:creationId xmlns:a16="http://schemas.microsoft.com/office/drawing/2014/main" id="{0619899A-31DA-FCDF-48CA-B2A307298A93}"/>
+          <p:cNvPr id="7" name="TextBox 6">
+            <a:extLst>
+              <a:ext uri="{FF2B5EF4-FFF2-40B4-BE49-F238E27FC236}">
+                <a16:creationId xmlns:a16="http://schemas.microsoft.com/office/drawing/2014/main" id="{4C83CCD6-EE94-F670-0B4C-0C9FE07C57EE}"/>
               </a:ext>
             </a:extLst>
           </p:cNvPr>
@@ -11232,62 +11203,201 @@
         </p:nvSpPr>
         <p:spPr>
           <a:xfrm>
-            <a:off x="226060" y="1250713"/>
-            <a:ext cx="11092179" cy="703591"/>
+            <a:off x="7911242" y="1327177"/>
+            <a:ext cx="1399175" cy="307777"/>
+          </a:xfrm>
+          <a:prstGeom prst="rect">
+            <a:avLst/>
+          </a:prstGeom>
+          <a:noFill/>
+        </p:spPr>
+        <p:txBody>
+          <a:bodyPr wrap="square" rtlCol="0">
+            <a:spAutoFit/>
+          </a:bodyPr>
+          <a:lstStyle/>
+          <a:p>
+            <a:pPr marL="0" marR="0" lvl="0" indent="0" algn="ctr" defTabSz="914400" rtl="0" eaLnBrk="1" fontAlgn="auto" latinLnBrk="0" hangingPunct="1">
+              <a:lnSpc>
+                <a:spcPct val="100000"/>
+              </a:lnSpc>
+              <a:spcBef>
+                <a:spcPts val="0"/>
+              </a:spcBef>
+              <a:spcAft>
+                <a:spcPts val="0"/>
+              </a:spcAft>
+              <a:buClrTx/>
+              <a:buSzTx/>
+              <a:buFontTx/>
+              <a:buNone/>
+              <a:tabLst/>
+              <a:defRPr/>
+            </a:pPr>
+            <a:r>
+              <a:rPr kumimoji="0" lang="en-IN" sz="1400" b="0" i="0" u="none" strike="noStrike" kern="1200" cap="none" spc="0" normalizeH="0" baseline="0" noProof="0" dirty="0">
+                <a:ln>
+                  <a:noFill/>
+                </a:ln>
+                <a:solidFill>
+                  <a:prstClr val="black"/>
+                </a:solidFill>
+                <a:effectLst/>
+                <a:uLnTx/>
+                <a:uFillTx/>
+                <a:latin typeface="Arial" panose="020B0604020202020204" pitchFamily="34" charset="0"/>
+                <a:ea typeface="+mn-ea"/>
+                <a:cs typeface="Arial" panose="020B0604020202020204" pitchFamily="34" charset="0"/>
+              </a:rPr>
+              <a:t>Table Schema</a:t>
+            </a:r>
+          </a:p>
+        </p:txBody>
+      </p:sp>
+      <p:sp>
+        <p:nvSpPr>
+          <p:cNvPr id="9" name="TextBox 8">
+            <a:extLst>
+              <a:ext uri="{FF2B5EF4-FFF2-40B4-BE49-F238E27FC236}">
+                <a16:creationId xmlns:a16="http://schemas.microsoft.com/office/drawing/2014/main" id="{8776E258-07B7-D5D9-7396-35BF7029BD2A}"/>
+              </a:ext>
+            </a:extLst>
+          </p:cNvPr>
+          <p:cNvSpPr txBox="1"/>
+          <p:nvPr/>
+        </p:nvSpPr>
+        <p:spPr>
+          <a:xfrm>
+            <a:off x="3749318" y="935638"/>
+            <a:ext cx="4693364" cy="307777"/>
           </a:xfrm>
           <a:prstGeom prst="rect">
             <a:avLst/>
           </a:prstGeom>
         </p:spPr>
         <p:style>
-          <a:lnRef idx="2">
-            <a:schemeClr val="accent2"/>
+          <a:lnRef idx="1">
+            <a:schemeClr val="accent3"/>
           </a:lnRef>
-          <a:fillRef idx="1">
-            <a:schemeClr val="lt1"/>
+          <a:fillRef idx="2">
+            <a:schemeClr val="accent3"/>
           </a:fillRef>
-          <a:effectRef idx="0">
-            <a:schemeClr val="accent2"/>
+          <a:effectRef idx="1">
+            <a:schemeClr val="accent3"/>
           </a:effectRef>
           <a:fontRef idx="minor">
             <a:schemeClr val="dk1"/>
           </a:fontRef>
         </p:style>
         <p:txBody>
-          <a:bodyPr wrap="square">
+          <a:bodyPr wrap="square" rtlCol="0">
             <a:spAutoFit/>
           </a:bodyPr>
           <a:lstStyle/>
           <a:p>
-            <a:pPr marL="285750" indent="-285750" algn="just">
+            <a:pPr marL="0" marR="0" lvl="0" indent="0" algn="ctr" defTabSz="914400" rtl="0" eaLnBrk="1" fontAlgn="auto" latinLnBrk="0" hangingPunct="1">
               <a:lnSpc>
-                <a:spcPct val="115000"/>
+                <a:spcPct val="100000"/>
               </a:lnSpc>
-              <a:buFont typeface="Wingdings" panose="05000000000000000000" pitchFamily="2" charset="2"/>
-              <a:buChar char="Ø"/>
+              <a:spcBef>
+                <a:spcPts val="0"/>
+              </a:spcBef>
+              <a:spcAft>
+                <a:spcPts val="0"/>
+              </a:spcAft>
+              <a:buClrTx/>
+              <a:buSzTx/>
+              <a:buFontTx/>
+              <a:buNone/>
+              <a:tabLst/>
+              <a:defRPr/>
             </a:pPr>
             <a:r>
-              <a:rPr lang="en-US" sz="1800" dirty="0">
+              <a:rPr kumimoji="0" lang="en-IN" sz="1400" b="0" i="0" u="none" strike="noStrike" kern="1200" cap="none" spc="0" normalizeH="0" baseline="0" noProof="0" dirty="0">
+                <a:ln>
+                  <a:noFill/>
+                </a:ln>
+                <a:solidFill>
+                  <a:prstClr val="black"/>
+                </a:solidFill>
                 <a:effectLst/>
-                <a:latin typeface="Bahnschrift" panose="020B0502040204020203" pitchFamily="34" charset="0"/>
-                <a:ea typeface="Arial" panose="020B0604020202020204" pitchFamily="34" charset="0"/>
+                <a:uLnTx/>
+                <a:uFillTx/>
+                <a:latin typeface="Calibri" panose="020F0502020204030204"/>
+                <a:ea typeface="+mn-ea"/>
+                <a:cs typeface="+mn-cs"/>
               </a:rPr>
-              <a:t>These future work items will improve the overall functionality, usability, and performance of the application, providing more value to end-users and stakeholders.</a:t>
-            </a:r>
-            <a:endParaRPr lang="en-IN" sz="1400" dirty="0">
-              <a:effectLst/>
-              <a:latin typeface="Bahnschrift" panose="020B0502040204020203" pitchFamily="34" charset="0"/>
-              <a:ea typeface="Arial" panose="020B0604020202020204" pitchFamily="34" charset="0"/>
-            </a:endParaRPr>
+              <a:t>DATABASE STRUCTURE OF CONTAINERIZED WEBSERVICE</a:t>
+            </a:r>
           </a:p>
         </p:txBody>
       </p:sp>
+      <p:pic>
+        <p:nvPicPr>
+          <p:cNvPr id="12" name="Picture 11">
+            <a:extLst>
+              <a:ext uri="{FF2B5EF4-FFF2-40B4-BE49-F238E27FC236}">
+                <a16:creationId xmlns:a16="http://schemas.microsoft.com/office/drawing/2014/main" id="{6BB3D807-13DF-6C0F-27B2-5827A669DA4F}"/>
+              </a:ext>
+            </a:extLst>
+          </p:cNvPr>
+          <p:cNvPicPr>
+            <a:picLocks noChangeAspect="1"/>
+          </p:cNvPicPr>
+          <p:nvPr/>
+        </p:nvPicPr>
+        <p:blipFill>
+          <a:blip r:embed="rId5"/>
+          <a:stretch>
+            <a:fillRect/>
+          </a:stretch>
+        </p:blipFill>
+        <p:spPr>
+          <a:xfrm>
+            <a:off x="5500914" y="1604437"/>
+            <a:ext cx="6139542" cy="1824564"/>
+          </a:xfrm>
+          <a:prstGeom prst="rect">
+            <a:avLst/>
+          </a:prstGeom>
+        </p:spPr>
+      </p:pic>
+      <p:pic>
+        <p:nvPicPr>
+          <p:cNvPr id="14" name="Picture 13">
+            <a:extLst>
+              <a:ext uri="{FF2B5EF4-FFF2-40B4-BE49-F238E27FC236}">
+                <a16:creationId xmlns:a16="http://schemas.microsoft.com/office/drawing/2014/main" id="{CFC0EA24-BEB9-43E9-8AD4-1BAB8498CEDC}"/>
+              </a:ext>
+            </a:extLst>
+          </p:cNvPr>
+          <p:cNvPicPr>
+            <a:picLocks noChangeAspect="1"/>
+          </p:cNvPicPr>
+          <p:nvPr/>
+        </p:nvPicPr>
+        <p:blipFill>
+          <a:blip r:embed="rId6"/>
+          <a:stretch>
+            <a:fillRect/>
+          </a:stretch>
+        </p:blipFill>
+        <p:spPr>
+          <a:xfrm>
+            <a:off x="5581204" y="3825754"/>
+            <a:ext cx="6059252" cy="2908875"/>
+          </a:xfrm>
+          <a:prstGeom prst="rect">
+            <a:avLst/>
+          </a:prstGeom>
+        </p:spPr>
+      </p:pic>
       <p:sp>
         <p:nvSpPr>
-          <p:cNvPr id="2" name="TextBox 1">
-            <a:extLst>
-              <a:ext uri="{FF2B5EF4-FFF2-40B4-BE49-F238E27FC236}">
-                <a16:creationId xmlns:a16="http://schemas.microsoft.com/office/drawing/2014/main" id="{26903B5E-9549-41FD-B5F1-7E2A8E7217D1}"/>
+          <p:cNvPr id="15" name="TextBox 14">
+            <a:extLst>
+              <a:ext uri="{FF2B5EF4-FFF2-40B4-BE49-F238E27FC236}">
+                <a16:creationId xmlns:a16="http://schemas.microsoft.com/office/drawing/2014/main" id="{D7668A47-3B3B-9F24-65C1-EFFC96A316AE}"/>
               </a:ext>
             </a:extLst>
           </p:cNvPr>
@@ -11296,8 +11406,8 @@
         </p:nvSpPr>
         <p:spPr>
           <a:xfrm>
-            <a:off x="226060" y="2336799"/>
-            <a:ext cx="11092179" cy="4247317"/>
+            <a:off x="7402287" y="3548494"/>
+            <a:ext cx="2336799" cy="307777"/>
           </a:xfrm>
           <a:prstGeom prst="rect">
             <a:avLst/>
@@ -11310,106 +11420,39 @@
           </a:bodyPr>
           <a:lstStyle/>
           <a:p>
-            <a:pPr marL="285750" indent="-285750" algn="l">
-              <a:buFont typeface="Arial" panose="020B0604020202020204" pitchFamily="34" charset="0"/>
-              <a:buChar char="•"/>
+            <a:pPr marL="0" marR="0" lvl="0" indent="0" algn="l" defTabSz="914400" rtl="0" eaLnBrk="1" fontAlgn="auto" latinLnBrk="0" hangingPunct="1">
+              <a:lnSpc>
+                <a:spcPct val="100000"/>
+              </a:lnSpc>
+              <a:spcBef>
+                <a:spcPts val="0"/>
+              </a:spcBef>
+              <a:spcAft>
+                <a:spcPts val="0"/>
+              </a:spcAft>
+              <a:buClrTx/>
+              <a:buSzTx/>
+              <a:buFontTx/>
+              <a:buNone/>
+              <a:tabLst/>
+              <a:defRPr/>
             </a:pPr>
             <a:r>
-              <a:rPr lang="en-US" b="0" i="0" dirty="0">
+              <a:rPr kumimoji="0" lang="en-IN" sz="1400" b="0" i="0" u="none" strike="noStrike" kern="1200" cap="none" spc="0" normalizeH="0" baseline="0" noProof="0" dirty="0">
+                <a:ln>
+                  <a:noFill/>
+                </a:ln>
+                <a:solidFill>
+                  <a:prstClr val="black"/>
+                </a:solidFill>
                 <a:effectLst/>
-                <a:latin typeface="Söhne"/>
+                <a:uLnTx/>
+                <a:uFillTx/>
+                <a:latin typeface="Arial" panose="020B0604020202020204" pitchFamily="34" charset="0"/>
+                <a:ea typeface="+mn-ea"/>
+                <a:cs typeface="Arial" panose="020B0604020202020204" pitchFamily="34" charset="0"/>
               </a:rPr>
-              <a:t>Implement a User Interface - Although the current application is designed as a back-end service, creating a user interface will provide better usability and accessibility for end-users.</a:t>
-            </a:r>
-          </a:p>
-          <a:p>
-            <a:pPr marL="285750" indent="-285750" algn="l">
-              <a:buFont typeface="Arial" panose="020B0604020202020204" pitchFamily="34" charset="0"/>
-              <a:buChar char="•"/>
-            </a:pPr>
-            <a:endParaRPr lang="en-US" dirty="0">
-              <a:latin typeface="Söhne"/>
-            </a:endParaRPr>
-          </a:p>
-          <a:p>
-            <a:pPr marL="285750" indent="-285750" algn="l">
-              <a:buFont typeface="Arial" panose="020B0604020202020204" pitchFamily="34" charset="0"/>
-              <a:buChar char="•"/>
-            </a:pPr>
-            <a:r>
-              <a:rPr lang="en-US" b="0" i="0" dirty="0">
-                <a:effectLst/>
-                <a:latin typeface="Söhne"/>
-              </a:rPr>
-              <a:t>Integration with Third-Party Services - The application can be enhanced by integrating it with third-party services such as payroll management, performance management, or attendance management systems.</a:t>
-            </a:r>
-          </a:p>
-          <a:p>
-            <a:pPr marL="285750" indent="-285750" algn="l">
-              <a:buFont typeface="Arial" panose="020B0604020202020204" pitchFamily="34" charset="0"/>
-              <a:buChar char="•"/>
-            </a:pPr>
-            <a:endParaRPr lang="en-US" dirty="0">
-              <a:latin typeface="Söhne"/>
-            </a:endParaRPr>
-          </a:p>
-          <a:p>
-            <a:pPr marL="285750" indent="-285750">
-              <a:buFont typeface="Arial" panose="020B0604020202020204" pitchFamily="34" charset="0"/>
-              <a:buChar char="•"/>
-            </a:pPr>
-            <a:r>
-              <a:rPr lang="en-US" b="0" i="0" dirty="0">
-                <a:effectLst/>
-                <a:latin typeface="Söhne"/>
-              </a:rPr>
-              <a:t>Add Role-Based Access Control (RBAC) - Implementing RBAC will provide more fine-grained access control to the application, allowing different roles to access only the necessary functionality.</a:t>
-            </a:r>
-          </a:p>
-          <a:p>
-            <a:pPr marL="285750" indent="-285750" algn="l">
-              <a:buFont typeface="Arial" panose="020B0604020202020204" pitchFamily="34" charset="0"/>
-              <a:buChar char="•"/>
-            </a:pPr>
-            <a:endParaRPr lang="en-US" b="0" i="0" dirty="0">
-              <a:effectLst/>
-              <a:latin typeface="Söhne"/>
-            </a:endParaRPr>
-          </a:p>
-          <a:p>
-            <a:pPr marL="285750" indent="-285750" algn="l">
-              <a:buFont typeface="Arial" panose="020B0604020202020204" pitchFamily="34" charset="0"/>
-              <a:buChar char="•"/>
-            </a:pPr>
-            <a:r>
-              <a:rPr lang="en-US" b="0" i="0" dirty="0">
-                <a:effectLst/>
-                <a:latin typeface="Söhne"/>
-              </a:rPr>
-              <a:t>Introduce Machine Learning Algorithms - Integrating machine learning algorithms can provide better insights into employee performance, identifying trends and predicting future outcomes.</a:t>
-            </a:r>
-          </a:p>
-          <a:p>
-            <a:pPr marL="285750" indent="-285750" algn="l">
-              <a:buFont typeface="Arial" panose="020B0604020202020204" pitchFamily="34" charset="0"/>
-              <a:buChar char="•"/>
-            </a:pPr>
-            <a:endParaRPr lang="en-US" b="0" i="0" dirty="0">
-              <a:effectLst/>
-              <a:latin typeface="Söhne"/>
-            </a:endParaRPr>
-          </a:p>
-          <a:p>
-            <a:pPr marL="285750" indent="-285750" algn="l">
-              <a:buFont typeface="Arial" panose="020B0604020202020204" pitchFamily="34" charset="0"/>
-              <a:buChar char="•"/>
-            </a:pPr>
-            <a:r>
-              <a:rPr lang="en-US" b="0" i="0" dirty="0">
-                <a:effectLst/>
-                <a:latin typeface="Söhne"/>
-              </a:rPr>
-              <a:t>Optimize Containerization and Deployment - As the application scales and more instances of the container are added, optimizing the deployment and containerization process can improve the overall performance and efficiency of the application.</a:t>
+              <a:t>MySQL instance on cluster</a:t>
             </a:r>
           </a:p>
         </p:txBody>
@@ -11417,7 +11460,7 @@
     </p:spTree>
     <p:extLst>
       <p:ext uri="{BB962C8B-B14F-4D97-AF65-F5344CB8AC3E}">
-        <p14:creationId xmlns:p14="http://schemas.microsoft.com/office/powerpoint/2010/main" val="2343796108"/>
+        <p14:creationId xmlns:p14="http://schemas.microsoft.com/office/powerpoint/2010/main" val="1427677089"/>
       </p:ext>
     </p:extLst>
   </p:cSld>
@@ -11605,17 +11648,17 @@
                 </a:solidFill>
                 <a:latin typeface="Times New Roman" panose="02020603050405020304" pitchFamily="18" charset="0"/>
               </a:rPr>
-              <a:t>References</a:t>
+              <a:t>Conclusion</a:t>
             </a:r>
           </a:p>
         </p:txBody>
       </p:sp>
       <p:sp>
         <p:nvSpPr>
-          <p:cNvPr id="10" name="TextBox 9">
-            <a:extLst>
-              <a:ext uri="{FF2B5EF4-FFF2-40B4-BE49-F238E27FC236}">
-                <a16:creationId xmlns:a16="http://schemas.microsoft.com/office/drawing/2014/main" id="{61206C2F-BDF5-071B-EC7C-A93066E34658}"/>
+          <p:cNvPr id="7" name="TextBox 6">
+            <a:extLst>
+              <a:ext uri="{FF2B5EF4-FFF2-40B4-BE49-F238E27FC236}">
+                <a16:creationId xmlns:a16="http://schemas.microsoft.com/office/drawing/2014/main" id="{B4E07FE1-E878-E386-9DF4-34E931415690}"/>
               </a:ext>
             </a:extLst>
           </p:cNvPr>
@@ -11624,8 +11667,8 @@
         </p:nvSpPr>
         <p:spPr>
           <a:xfrm>
-            <a:off x="217505" y="1673850"/>
-            <a:ext cx="11974495" cy="4829014"/>
+            <a:off x="490219" y="1349647"/>
+            <a:ext cx="11106695" cy="5078313"/>
           </a:xfrm>
           <a:prstGeom prst="rect">
             <a:avLst/>
@@ -11638,345 +11681,65 @@
           </a:bodyPr>
           <a:lstStyle/>
           <a:p>
-            <a:pPr marL="285750" indent="-285750" algn="just">
-              <a:lnSpc>
-                <a:spcPct val="115000"/>
-              </a:lnSpc>
-              <a:buFont typeface="Arial" panose="020B0604020202020204" pitchFamily="34" charset="0"/>
-              <a:buChar char="•"/>
-            </a:pPr>
-            <a:r>
-              <a:rPr lang="en-US" dirty="0">
-                <a:latin typeface="Arial" panose="020B0604020202020204" pitchFamily="34" charset="0"/>
-                <a:cs typeface="Arial" panose="020B0604020202020204" pitchFamily="34" charset="0"/>
+            <a:r>
+              <a:rPr lang="en-US" b="0" i="0" dirty="0">
+                <a:effectLst/>
+                <a:latin typeface="Söhne"/>
               </a:rPr>
-              <a:t>Spring framework documentation(2022). Retrieved from </a:t>
-            </a:r>
-            <a:r>
-              <a:rPr lang="en-IN" sz="1400" dirty="0">
-                <a:latin typeface="Arial" panose="020B0604020202020204" pitchFamily="34" charset="0"/>
-                <a:ea typeface="Arial" panose="020B0604020202020204" pitchFamily="34" charset="0"/>
-                <a:hlinkClick r:id="rId4"/>
+              <a:t> This capstone project involved creating a database table for Employee with EmployeeID, EmployeeName, and DateOfBirth columns. A Java program was written to query a single record based on EmployeeID, and Jenkins was used to deploy changes to the code to the Application server. A client program was also created to interact with our webservice.</a:t>
+            </a:r>
+          </a:p>
+          <a:p>
+            <a:endParaRPr lang="en-US" dirty="0">
+              <a:latin typeface="Söhne"/>
+            </a:endParaRPr>
+          </a:p>
+          <a:p>
+            <a:r>
+              <a:rPr lang="en-US" b="0" i="0" dirty="0">
+                <a:effectLst/>
+                <a:latin typeface="Söhne"/>
               </a:rPr>
-              <a:t>https://docs.spring.io/spring-framework/docs/current/reference/html/</a:t>
-            </a:r>
-            <a:r>
-              <a:rPr lang="en-US" dirty="0">
-                <a:latin typeface="Arial" panose="020B0604020202020204" pitchFamily="34" charset="0"/>
-                <a:cs typeface="Arial" panose="020B0604020202020204" pitchFamily="34" charset="0"/>
+              <a:t>In conclusion, our capstone project successfully achieved the goal of creating a RESTful web service that queries a single record from a database and returns a response containing all relevant employee information. We also ensured security by using HTTPS with a self-signed certificate and encrypting sensitive information with AES-256. </a:t>
+            </a:r>
+          </a:p>
+          <a:p>
+            <a:r>
+              <a:rPr lang="en-US" b="0" i="0" dirty="0">
+                <a:effectLst/>
+                <a:latin typeface="Söhne"/>
               </a:rPr>
-              <a:t>											</a:t>
-            </a:r>
-          </a:p>
-          <a:p>
-            <a:pPr marL="285750" indent="-285750" algn="just">
-              <a:lnSpc>
-                <a:spcPct val="115000"/>
-              </a:lnSpc>
-              <a:buFont typeface="Arial" panose="020B0604020202020204" pitchFamily="34" charset="0"/>
-              <a:buChar char="•"/>
-            </a:pPr>
-            <a:r>
-              <a:rPr lang="en-US" dirty="0">
-                <a:latin typeface="Arial" panose="020B0604020202020204" pitchFamily="34" charset="0"/>
-                <a:cs typeface="Arial" panose="020B0604020202020204" pitchFamily="34" charset="0"/>
+              <a:t>We utilized Spring boot and Jenkins for continuous integration and deployment, and deployed our containerized web service on Kubernetes. </a:t>
+            </a:r>
+          </a:p>
+          <a:p>
+            <a:endParaRPr lang="en-US" dirty="0">
+              <a:latin typeface="Söhne"/>
+            </a:endParaRPr>
+          </a:p>
+          <a:p>
+            <a:r>
+              <a:rPr lang="en-US" b="0" i="0" dirty="0">
+                <a:effectLst/>
+                <a:latin typeface="Söhne"/>
               </a:rPr>
-              <a:t>AES256 encryption-decryption reference from</a:t>
-            </a:r>
-            <a:r>
-              <a:rPr lang="en-IN" dirty="0">
-                <a:latin typeface="Arial" panose="020B0604020202020204" pitchFamily="34" charset="0"/>
-                <a:cs typeface="Arial" panose="020B0604020202020204" pitchFamily="34" charset="0"/>
+              <a:t>During the development process, we faced several challenges such as debugging and troubleshooting issues with our containerized deployment on Kubernetes, ensuring secure communication between the client and server, and managing the rotation of log files. However, we were able to overcome these challenges by using online resources and interacting with batchmates to find effective solutions.</a:t>
+            </a:r>
+          </a:p>
+          <a:p>
+            <a:endParaRPr lang="en-US" b="0" i="0" dirty="0">
+              <a:effectLst/>
+              <a:latin typeface="Söhne"/>
+            </a:endParaRPr>
+          </a:p>
+          <a:p>
+            <a:pPr algn="l"/>
+            <a:r>
+              <a:rPr lang="en-US" b="0" i="0" dirty="0">
+                <a:effectLst/>
+                <a:latin typeface="Söhne"/>
               </a:rPr>
-              <a:t> </a:t>
-            </a:r>
-            <a:r>
-              <a:rPr lang="en-IN" sz="1600" dirty="0">
-                <a:solidFill>
-                  <a:srgbClr val="0563C1"/>
-                </a:solidFill>
-                <a:latin typeface="Arial" panose="020B0604020202020204" pitchFamily="34" charset="0"/>
-                <a:cs typeface="Arial" panose="020B0604020202020204" pitchFamily="34" charset="0"/>
-                <a:hlinkClick r:id="rId5">
-                  <a:extLst>
-                    <a:ext uri="{A12FA001-AC4F-418D-AE19-62706E023703}">
-                      <ahyp:hlinkClr xmlns:ahyp="http://schemas.microsoft.com/office/drawing/2018/hyperlinkcolor" val="tx"/>
-                    </a:ext>
-                  </a:extLst>
-                </a:hlinkClick>
-              </a:rPr>
-              <a:t>Java AES Encryption and Decryption | Baeldung</a:t>
-            </a:r>
-            <a:endParaRPr lang="en-IN" sz="1600" dirty="0">
-              <a:solidFill>
-                <a:srgbClr val="0563C1"/>
-              </a:solidFill>
-              <a:latin typeface="Arial" panose="020B0604020202020204" pitchFamily="34" charset="0"/>
-              <a:cs typeface="Arial" panose="020B0604020202020204" pitchFamily="34" charset="0"/>
-            </a:endParaRPr>
-          </a:p>
-          <a:p>
-            <a:pPr marL="285750" indent="-285750" algn="just">
-              <a:lnSpc>
-                <a:spcPct val="115000"/>
-              </a:lnSpc>
-              <a:buFont typeface="Arial" panose="020B0604020202020204" pitchFamily="34" charset="0"/>
-              <a:buChar char="•"/>
-            </a:pPr>
-            <a:endParaRPr lang="en-IN" dirty="0">
-              <a:solidFill>
-                <a:srgbClr val="0563C1"/>
-              </a:solidFill>
-              <a:latin typeface="Arial" panose="020B0604020202020204" pitchFamily="34" charset="0"/>
-              <a:cs typeface="Arial" panose="020B0604020202020204" pitchFamily="34" charset="0"/>
-            </a:endParaRPr>
-          </a:p>
-          <a:p>
-            <a:pPr marL="285750" indent="-285750" algn="just">
-              <a:lnSpc>
-                <a:spcPct val="115000"/>
-              </a:lnSpc>
-              <a:buFont typeface="Arial" panose="020B0604020202020204" pitchFamily="34" charset="0"/>
-              <a:buChar char="•"/>
-            </a:pPr>
-            <a:r>
-              <a:rPr lang="en-IN" dirty="0">
-                <a:latin typeface="Arial" panose="020B0604020202020204" pitchFamily="34" charset="0"/>
-                <a:cs typeface="Arial" panose="020B0604020202020204" pitchFamily="34" charset="0"/>
-              </a:rPr>
-              <a:t>Https self-signed certificate reference retrieved from </a:t>
-            </a:r>
-            <a:r>
-              <a:rPr lang="en-US" sz="1600" dirty="0">
-                <a:latin typeface="Arial" panose="020B0604020202020204" pitchFamily="34" charset="0"/>
-                <a:cs typeface="Arial" panose="020B0604020202020204" pitchFamily="34" charset="0"/>
-                <a:hlinkClick r:id="rId6"/>
-              </a:rPr>
-              <a:t>HTTPS using Self-Signed Certificate in Spring Boot | Baeldung</a:t>
-            </a:r>
-            <a:endParaRPr lang="en-IN" sz="1600" dirty="0">
-              <a:latin typeface="Arial" panose="020B0604020202020204" pitchFamily="34" charset="0"/>
-              <a:cs typeface="Arial" panose="020B0604020202020204" pitchFamily="34" charset="0"/>
-            </a:endParaRPr>
-          </a:p>
-          <a:p>
-            <a:pPr marL="285750" indent="-285750" algn="just">
-              <a:lnSpc>
-                <a:spcPct val="115000"/>
-              </a:lnSpc>
-              <a:buFont typeface="Arial" panose="020B0604020202020204" pitchFamily="34" charset="0"/>
-              <a:buChar char="•"/>
-            </a:pPr>
-            <a:endParaRPr lang="en-IN" dirty="0">
-              <a:latin typeface="Arial" panose="020B0604020202020204" pitchFamily="34" charset="0"/>
-              <a:cs typeface="Arial" panose="020B0604020202020204" pitchFamily="34" charset="0"/>
-            </a:endParaRPr>
-          </a:p>
-          <a:p>
-            <a:pPr marL="285750" indent="-285750" algn="just">
-              <a:lnSpc>
-                <a:spcPct val="115000"/>
-              </a:lnSpc>
-              <a:buFont typeface="Arial" panose="020B0604020202020204" pitchFamily="34" charset="0"/>
-              <a:buChar char="•"/>
-            </a:pPr>
-            <a:r>
-              <a:rPr lang="en-IN" dirty="0">
-                <a:latin typeface="Arial" panose="020B0604020202020204" pitchFamily="34" charset="0"/>
-                <a:cs typeface="Arial" panose="020B0604020202020204" pitchFamily="34" charset="0"/>
-              </a:rPr>
-              <a:t>Bouncy Castle library reference from </a:t>
-            </a:r>
-            <a:r>
-              <a:rPr lang="en-IN" dirty="0">
-                <a:latin typeface="Arial" panose="020B0604020202020204" pitchFamily="34" charset="0"/>
-                <a:cs typeface="Arial" panose="020B0604020202020204" pitchFamily="34" charset="0"/>
-                <a:hlinkClick r:id="rId7"/>
-              </a:rPr>
-              <a:t>bouncycastle.org</a:t>
-            </a:r>
-            <a:endParaRPr lang="en-IN" dirty="0">
-              <a:latin typeface="Arial" panose="020B0604020202020204" pitchFamily="34" charset="0"/>
-              <a:cs typeface="Arial" panose="020B0604020202020204" pitchFamily="34" charset="0"/>
-            </a:endParaRPr>
-          </a:p>
-          <a:p>
-            <a:pPr marL="285750" indent="-285750" algn="just">
-              <a:lnSpc>
-                <a:spcPct val="115000"/>
-              </a:lnSpc>
-              <a:buFont typeface="Arial" panose="020B0604020202020204" pitchFamily="34" charset="0"/>
-              <a:buChar char="•"/>
-            </a:pPr>
-            <a:endParaRPr lang="en-IN" dirty="0">
-              <a:latin typeface="Arial" panose="020B0604020202020204" pitchFamily="34" charset="0"/>
-              <a:cs typeface="Arial" panose="020B0604020202020204" pitchFamily="34" charset="0"/>
-            </a:endParaRPr>
-          </a:p>
-          <a:p>
-            <a:pPr marL="285750" indent="-285750" algn="just">
-              <a:lnSpc>
-                <a:spcPct val="115000"/>
-              </a:lnSpc>
-              <a:buFont typeface="Arial" panose="020B0604020202020204" pitchFamily="34" charset="0"/>
-              <a:buChar char="•"/>
-            </a:pPr>
-            <a:r>
-              <a:rPr lang="en-IN" dirty="0">
-                <a:latin typeface="Arial" panose="020B0604020202020204" pitchFamily="34" charset="0"/>
-                <a:cs typeface="Arial" panose="020B0604020202020204" pitchFamily="34" charset="0"/>
-              </a:rPr>
-              <a:t>Jenkins automation tool reference retrieved from </a:t>
-            </a:r>
-            <a:r>
-              <a:rPr lang="en-IN" dirty="0">
-                <a:latin typeface="Arial" panose="020B0604020202020204" pitchFamily="34" charset="0"/>
-                <a:cs typeface="Arial" panose="020B0604020202020204" pitchFamily="34" charset="0"/>
-                <a:hlinkClick r:id="rId8"/>
-              </a:rPr>
-              <a:t>Jenkins User Documentation</a:t>
-            </a:r>
-            <a:r>
-              <a:rPr lang="en-IN" dirty="0">
-                <a:latin typeface="Arial" panose="020B0604020202020204" pitchFamily="34" charset="0"/>
-                <a:cs typeface="Arial" panose="020B0604020202020204" pitchFamily="34" charset="0"/>
-              </a:rPr>
-              <a:t>.</a:t>
-            </a:r>
-          </a:p>
-          <a:p>
-            <a:pPr marL="285750" indent="-285750" algn="just">
-              <a:lnSpc>
-                <a:spcPct val="115000"/>
-              </a:lnSpc>
-              <a:buFont typeface="Arial" panose="020B0604020202020204" pitchFamily="34" charset="0"/>
-              <a:buChar char="•"/>
-            </a:pPr>
-            <a:endParaRPr lang="en-IN" dirty="0">
-              <a:latin typeface="Arial" panose="020B0604020202020204" pitchFamily="34" charset="0"/>
-              <a:cs typeface="Arial" panose="020B0604020202020204" pitchFamily="34" charset="0"/>
-            </a:endParaRPr>
-          </a:p>
-          <a:p>
-            <a:pPr marL="285750" indent="-285750" algn="just">
-              <a:lnSpc>
-                <a:spcPct val="115000"/>
-              </a:lnSpc>
-              <a:buFont typeface="Arial" panose="020B0604020202020204" pitchFamily="34" charset="0"/>
-              <a:buChar char="•"/>
-            </a:pPr>
-            <a:r>
-              <a:rPr lang="en-IN" dirty="0">
-                <a:effectLst/>
-                <a:latin typeface="Arial" panose="020B0604020202020204" pitchFamily="34" charset="0"/>
-                <a:ea typeface="Arial" panose="020B0604020202020204" pitchFamily="34" charset="0"/>
-                <a:cs typeface="Arial" panose="020B0604020202020204" pitchFamily="34" charset="0"/>
-              </a:rPr>
-              <a:t>Docker Documentation. (2021). Retrieved from </a:t>
-            </a:r>
-            <a:r>
-              <a:rPr lang="en-IN" dirty="0">
-                <a:effectLst/>
-                <a:latin typeface="Arial" panose="020B0604020202020204" pitchFamily="34" charset="0"/>
-                <a:ea typeface="Arial" panose="020B0604020202020204" pitchFamily="34" charset="0"/>
-                <a:cs typeface="Arial" panose="020B0604020202020204" pitchFamily="34" charset="0"/>
-                <a:hlinkClick r:id="rId9"/>
-              </a:rPr>
-              <a:t>https://docs.docker.com/</a:t>
-            </a:r>
-            <a:endParaRPr lang="en-IN" dirty="0">
-              <a:effectLst/>
-              <a:latin typeface="Arial" panose="020B0604020202020204" pitchFamily="34" charset="0"/>
-              <a:ea typeface="Arial" panose="020B0604020202020204" pitchFamily="34" charset="0"/>
-              <a:cs typeface="Arial" panose="020B0604020202020204" pitchFamily="34" charset="0"/>
-            </a:endParaRPr>
-          </a:p>
-          <a:p>
-            <a:pPr marL="285750" indent="-285750" algn="just">
-              <a:lnSpc>
-                <a:spcPct val="115000"/>
-              </a:lnSpc>
-              <a:buFont typeface="Arial" panose="020B0604020202020204" pitchFamily="34" charset="0"/>
-              <a:buChar char="•"/>
-            </a:pPr>
-            <a:endParaRPr lang="en-IN" dirty="0">
-              <a:latin typeface="Arial" panose="020B0604020202020204" pitchFamily="34" charset="0"/>
-              <a:ea typeface="Arial" panose="020B0604020202020204" pitchFamily="34" charset="0"/>
-              <a:cs typeface="Arial" panose="020B0604020202020204" pitchFamily="34" charset="0"/>
-            </a:endParaRPr>
-          </a:p>
-          <a:p>
-            <a:pPr marL="285750" indent="-285750" algn="just">
-              <a:lnSpc>
-                <a:spcPct val="115000"/>
-              </a:lnSpc>
-              <a:buFont typeface="Arial" panose="020B0604020202020204" pitchFamily="34" charset="0"/>
-              <a:buChar char="•"/>
-            </a:pPr>
-            <a:r>
-              <a:rPr lang="en-IN" dirty="0">
-                <a:effectLst/>
-                <a:latin typeface="Arial" panose="020B0604020202020204" pitchFamily="34" charset="0"/>
-                <a:ea typeface="Arial" panose="020B0604020202020204" pitchFamily="34" charset="0"/>
-                <a:cs typeface="Arial" panose="020B0604020202020204" pitchFamily="34" charset="0"/>
-              </a:rPr>
-              <a:t>Kubernetes Documentation. (2021). Retrieved from </a:t>
-            </a:r>
-            <a:r>
-              <a:rPr lang="en-IN" b="0" i="0" u="sng" dirty="0">
-                <a:effectLst/>
-                <a:latin typeface="Arial" panose="020B0604020202020204" pitchFamily="34" charset="0"/>
-                <a:cs typeface="Arial" panose="020B0604020202020204" pitchFamily="34" charset="0"/>
-                <a:hlinkClick r:id="rId10"/>
-              </a:rPr>
-              <a:t>https://kubernetes.io/docs/home/</a:t>
-            </a:r>
-            <a:endParaRPr lang="en-IN" b="0" i="0" u="sng" dirty="0">
-              <a:effectLst/>
-              <a:latin typeface="Arial" panose="020B0604020202020204" pitchFamily="34" charset="0"/>
-              <a:cs typeface="Arial" panose="020B0604020202020204" pitchFamily="34" charset="0"/>
-            </a:endParaRPr>
-          </a:p>
-          <a:p>
-            <a:pPr marL="285750" indent="-285750" algn="just">
-              <a:lnSpc>
-                <a:spcPct val="115000"/>
-              </a:lnSpc>
-              <a:buFont typeface="Arial" panose="020B0604020202020204" pitchFamily="34" charset="0"/>
-              <a:buChar char="•"/>
-            </a:pPr>
-            <a:endParaRPr lang="en-IN" u="sng" dirty="0">
-              <a:solidFill>
-                <a:schemeClr val="accent5">
-                  <a:lumMod val="75000"/>
-                </a:schemeClr>
-              </a:solidFill>
-              <a:latin typeface="Arial" panose="020B0604020202020204" pitchFamily="34" charset="0"/>
-              <a:ea typeface="Arial" panose="020B0604020202020204" pitchFamily="34" charset="0"/>
-              <a:cs typeface="Arial" panose="020B0604020202020204" pitchFamily="34" charset="0"/>
-            </a:endParaRPr>
-          </a:p>
-          <a:p>
-            <a:pPr marL="285750" indent="-285750" algn="l" fontAlgn="ctr">
-              <a:buFont typeface="Arial" panose="020B0604020202020204" pitchFamily="34" charset="0"/>
-              <a:buChar char="•"/>
-            </a:pPr>
-            <a:r>
-              <a:rPr lang="en-IN" dirty="0">
-                <a:effectLst/>
-                <a:latin typeface="Arial" panose="020B0604020202020204" pitchFamily="34" charset="0"/>
-                <a:ea typeface="Arial" panose="020B0604020202020204" pitchFamily="34" charset="0"/>
-                <a:cs typeface="Arial" panose="020B0604020202020204" pitchFamily="34" charset="0"/>
-              </a:rPr>
-              <a:t>Under Guidance of Mr. </a:t>
-            </a:r>
-            <a:r>
-              <a:rPr lang="en-IN" i="0" dirty="0">
-                <a:effectLst/>
-                <a:latin typeface="Arial" panose="020B0604020202020204" pitchFamily="34" charset="0"/>
-                <a:cs typeface="Arial" panose="020B0604020202020204" pitchFamily="34" charset="0"/>
-              </a:rPr>
-              <a:t>Javeed Mohammed Husnuddin Sir</a:t>
+              <a:t>Overall, this capstone project provided valuable experience in developing and deploying a secure, scalable, and containerized web service, while also learning how to overcome challenges in a development environment.</a:t>
             </a:r>
           </a:p>
         </p:txBody>
@@ -11984,7 +11747,7 @@
     </p:spTree>
     <p:extLst>
       <p:ext uri="{BB962C8B-B14F-4D97-AF65-F5344CB8AC3E}">
-        <p14:creationId xmlns:p14="http://schemas.microsoft.com/office/powerpoint/2010/main" val="1694362061"/>
+        <p14:creationId xmlns:p14="http://schemas.microsoft.com/office/powerpoint/2010/main" val="984102935"/>
       </p:ext>
     </p:extLst>
   </p:cSld>
@@ -12172,17 +11935,17 @@
                 </a:solidFill>
                 <a:latin typeface="Times New Roman" panose="02020603050405020304" pitchFamily="18" charset="0"/>
               </a:rPr>
-              <a:t>Appendices</a:t>
+              <a:t>Future Work</a:t>
             </a:r>
           </a:p>
         </p:txBody>
       </p:sp>
       <p:sp>
         <p:nvSpPr>
-          <p:cNvPr id="7" name="TextBox 6">
-            <a:extLst>
-              <a:ext uri="{FF2B5EF4-FFF2-40B4-BE49-F238E27FC236}">
-                <a16:creationId xmlns:a16="http://schemas.microsoft.com/office/drawing/2014/main" id="{1A521886-A1DC-C1EC-6392-5263384F6C69}"/>
+          <p:cNvPr id="3" name="TextBox 2">
+            <a:extLst>
+              <a:ext uri="{FF2B5EF4-FFF2-40B4-BE49-F238E27FC236}">
+                <a16:creationId xmlns:a16="http://schemas.microsoft.com/office/drawing/2014/main" id="{0619899A-31DA-FCDF-48CA-B2A307298A93}"/>
               </a:ext>
             </a:extLst>
           </p:cNvPr>
@@ -12191,120 +11954,62 @@
         </p:nvSpPr>
         <p:spPr>
           <a:xfrm>
-            <a:off x="1889637" y="1402142"/>
-            <a:ext cx="1219446" cy="315151"/>
-          </a:xfrm>
-          <a:prstGeom prst="rect">
-            <a:avLst/>
-          </a:prstGeom>
-          <a:noFill/>
-        </p:spPr>
-        <p:txBody>
-          <a:bodyPr wrap="square">
-            <a:spAutoFit/>
-          </a:bodyPr>
-          <a:lstStyle/>
-          <a:p>
-            <a:pPr algn="just">
-              <a:lnSpc>
-                <a:spcPct val="115000"/>
-              </a:lnSpc>
-            </a:pPr>
-            <a:r>
-              <a:rPr lang="en-IN" sz="1400" dirty="0">
-                <a:effectLst/>
-                <a:latin typeface="Bahnschrift" panose="020B0502040204020203" pitchFamily="34" charset="0"/>
-                <a:ea typeface="Arial" panose="020B0604020202020204" pitchFamily="34" charset="0"/>
-              </a:rPr>
-              <a:t>Entity Class</a:t>
-            </a:r>
-          </a:p>
-        </p:txBody>
-      </p:sp>
-      <p:pic>
-        <p:nvPicPr>
-          <p:cNvPr id="3" name="Picture 2">
-            <a:extLst>
-              <a:ext uri="{FF2B5EF4-FFF2-40B4-BE49-F238E27FC236}">
-                <a16:creationId xmlns:a16="http://schemas.microsoft.com/office/drawing/2014/main" id="{87EE6B9D-468D-E6E6-713C-F9711E7D06CC}"/>
-              </a:ext>
-            </a:extLst>
-          </p:cNvPr>
-          <p:cNvPicPr>
-            <a:picLocks noChangeAspect="1"/>
-          </p:cNvPicPr>
-          <p:nvPr/>
-        </p:nvPicPr>
-        <p:blipFill>
-          <a:blip r:embed="rId4"/>
-          <a:stretch>
-            <a:fillRect/>
-          </a:stretch>
-        </p:blipFill>
-        <p:spPr>
-          <a:xfrm>
-            <a:off x="99234" y="1694729"/>
-            <a:ext cx="5401679" cy="5185835"/>
-          </a:xfrm>
-          <a:prstGeom prst="rect">
-            <a:avLst/>
-          </a:prstGeom>
-        </p:spPr>
-      </p:pic>
-      <p:sp>
-        <p:nvSpPr>
-          <p:cNvPr id="9" name="TextBox 8">
-            <a:extLst>
-              <a:ext uri="{FF2B5EF4-FFF2-40B4-BE49-F238E27FC236}">
-                <a16:creationId xmlns:a16="http://schemas.microsoft.com/office/drawing/2014/main" id="{6EFC0530-9B9F-4025-AECD-21FC40BAD8C5}"/>
-              </a:ext>
-            </a:extLst>
-          </p:cNvPr>
-          <p:cNvSpPr txBox="1"/>
-          <p:nvPr/>
-        </p:nvSpPr>
-        <p:spPr>
-          <a:xfrm>
-            <a:off x="4365170" y="911994"/>
-            <a:ext cx="3283859" cy="369332"/>
+            <a:off x="226060" y="1250713"/>
+            <a:ext cx="11092179" cy="703591"/>
           </a:xfrm>
           <a:prstGeom prst="rect">
             <a:avLst/>
           </a:prstGeom>
         </p:spPr>
         <p:style>
-          <a:lnRef idx="1">
-            <a:schemeClr val="accent3"/>
+          <a:lnRef idx="2">
+            <a:schemeClr val="accent2"/>
           </a:lnRef>
-          <a:fillRef idx="2">
-            <a:schemeClr val="accent3"/>
+          <a:fillRef idx="1">
+            <a:schemeClr val="lt1"/>
           </a:fillRef>
-          <a:effectRef idx="1">
-            <a:schemeClr val="accent3"/>
+          <a:effectRef idx="0">
+            <a:schemeClr val="accent2"/>
           </a:effectRef>
           <a:fontRef idx="minor">
             <a:schemeClr val="dk1"/>
           </a:fontRef>
         </p:style>
         <p:txBody>
-          <a:bodyPr wrap="square" rtlCol="0">
+          <a:bodyPr wrap="square">
             <a:spAutoFit/>
           </a:bodyPr>
           <a:lstStyle/>
           <a:p>
-            <a:r>
-              <a:rPr lang="en-IN" dirty="0"/>
-              <a:t>Structure of Spring boot project</a:t>
-            </a:r>
+            <a:pPr marL="285750" indent="-285750" algn="just">
+              <a:lnSpc>
+                <a:spcPct val="115000"/>
+              </a:lnSpc>
+              <a:buFont typeface="Wingdings" panose="05000000000000000000" pitchFamily="2" charset="2"/>
+              <a:buChar char="Ø"/>
+            </a:pPr>
+            <a:r>
+              <a:rPr lang="en-US" sz="1800" dirty="0">
+                <a:effectLst/>
+                <a:latin typeface="Bahnschrift" panose="020B0502040204020203" pitchFamily="34" charset="0"/>
+                <a:ea typeface="Arial" panose="020B0604020202020204" pitchFamily="34" charset="0"/>
+              </a:rPr>
+              <a:t>These future work items will improve the overall functionality, usability, and performance of the application, providing more value to end-users and stakeholders.</a:t>
+            </a:r>
+            <a:endParaRPr lang="en-IN" sz="1400" dirty="0">
+              <a:effectLst/>
+              <a:latin typeface="Bahnschrift" panose="020B0502040204020203" pitchFamily="34" charset="0"/>
+              <a:ea typeface="Arial" panose="020B0604020202020204" pitchFamily="34" charset="0"/>
+            </a:endParaRPr>
           </a:p>
         </p:txBody>
       </p:sp>
       <p:sp>
         <p:nvSpPr>
-          <p:cNvPr id="23" name="TextBox 22">
-            <a:extLst>
-              <a:ext uri="{FF2B5EF4-FFF2-40B4-BE49-F238E27FC236}">
-                <a16:creationId xmlns:a16="http://schemas.microsoft.com/office/drawing/2014/main" id="{47AEC542-BB99-4B57-538C-516CAE53B6E7}"/>
+          <p:cNvPr id="2" name="TextBox 1">
+            <a:extLst>
+              <a:ext uri="{FF2B5EF4-FFF2-40B4-BE49-F238E27FC236}">
+                <a16:creationId xmlns:a16="http://schemas.microsoft.com/office/drawing/2014/main" id="{26903B5E-9549-41FD-B5F1-7E2A8E7217D1}"/>
               </a:ext>
             </a:extLst>
           </p:cNvPr>
@@ -12313,8 +12018,8 @@
         </p:nvSpPr>
         <p:spPr>
           <a:xfrm>
-            <a:off x="7949754" y="1391021"/>
-            <a:ext cx="1868343" cy="307777"/>
+            <a:off x="226060" y="2336799"/>
+            <a:ext cx="11092179" cy="4247317"/>
           </a:xfrm>
           <a:prstGeom prst="rect">
             <a:avLst/>
@@ -12327,49 +12032,114 @@
           </a:bodyPr>
           <a:lstStyle/>
           <a:p>
-            <a:r>
-              <a:rPr lang="en-IN" sz="1400" dirty="0">
-                <a:latin typeface="Bahnschrift" panose="020B0502040204020203" pitchFamily="34" charset="0"/>
+            <a:pPr marL="285750" indent="-285750" algn="l">
+              <a:buFont typeface="Arial" panose="020B0604020202020204" pitchFamily="34" charset="0"/>
+              <a:buChar char="•"/>
+            </a:pPr>
+            <a:r>
+              <a:rPr lang="en-US" b="0" i="0" dirty="0">
+                <a:effectLst/>
+                <a:latin typeface="Söhne"/>
               </a:rPr>
-              <a:t>Employee Controller</a:t>
+              <a:t>Implement a User Interface - Although the current application is designed as a back-end service, creating a user interface will provide better usability and accessibility for end-users.</a:t>
+            </a:r>
+          </a:p>
+          <a:p>
+            <a:pPr marL="285750" indent="-285750" algn="l">
+              <a:buFont typeface="Arial" panose="020B0604020202020204" pitchFamily="34" charset="0"/>
+              <a:buChar char="•"/>
+            </a:pPr>
+            <a:endParaRPr lang="en-US" dirty="0">
+              <a:latin typeface="Söhne"/>
+            </a:endParaRPr>
+          </a:p>
+          <a:p>
+            <a:pPr marL="285750" indent="-285750" algn="l">
+              <a:buFont typeface="Arial" panose="020B0604020202020204" pitchFamily="34" charset="0"/>
+              <a:buChar char="•"/>
+            </a:pPr>
+            <a:r>
+              <a:rPr lang="en-US" b="0" i="0" dirty="0">
+                <a:effectLst/>
+                <a:latin typeface="Söhne"/>
+              </a:rPr>
+              <a:t>Integration with Third-Party Services - The application can be enhanced by integrating it with third-party services such as payroll management, performance management, or attendance management systems.</a:t>
+            </a:r>
+          </a:p>
+          <a:p>
+            <a:pPr marL="285750" indent="-285750" algn="l">
+              <a:buFont typeface="Arial" panose="020B0604020202020204" pitchFamily="34" charset="0"/>
+              <a:buChar char="•"/>
+            </a:pPr>
+            <a:endParaRPr lang="en-US" dirty="0">
+              <a:latin typeface="Söhne"/>
+            </a:endParaRPr>
+          </a:p>
+          <a:p>
+            <a:pPr marL="285750" indent="-285750">
+              <a:buFont typeface="Arial" panose="020B0604020202020204" pitchFamily="34" charset="0"/>
+              <a:buChar char="•"/>
+            </a:pPr>
+            <a:r>
+              <a:rPr lang="en-US" b="0" i="0" dirty="0">
+                <a:effectLst/>
+                <a:latin typeface="Söhne"/>
+              </a:rPr>
+              <a:t>Add Role-Based Access Control (RBAC) - Implementing RBAC will provide more fine-grained access control to the application, allowing different roles to access only the necessary functionality.</a:t>
+            </a:r>
+          </a:p>
+          <a:p>
+            <a:pPr marL="285750" indent="-285750" algn="l">
+              <a:buFont typeface="Arial" panose="020B0604020202020204" pitchFamily="34" charset="0"/>
+              <a:buChar char="•"/>
+            </a:pPr>
+            <a:endParaRPr lang="en-US" b="0" i="0" dirty="0">
+              <a:effectLst/>
+              <a:latin typeface="Söhne"/>
+            </a:endParaRPr>
+          </a:p>
+          <a:p>
+            <a:pPr marL="285750" indent="-285750" algn="l">
+              <a:buFont typeface="Arial" panose="020B0604020202020204" pitchFamily="34" charset="0"/>
+              <a:buChar char="•"/>
+            </a:pPr>
+            <a:r>
+              <a:rPr lang="en-US" b="0" i="0" dirty="0">
+                <a:effectLst/>
+                <a:latin typeface="Söhne"/>
+              </a:rPr>
+              <a:t>Introduce Machine Learning Algorithms - Integrating machine learning algorithms can provide better insights into employee performance, identifying trends and predicting future outcomes.</a:t>
+            </a:r>
+          </a:p>
+          <a:p>
+            <a:pPr marL="285750" indent="-285750" algn="l">
+              <a:buFont typeface="Arial" panose="020B0604020202020204" pitchFamily="34" charset="0"/>
+              <a:buChar char="•"/>
+            </a:pPr>
+            <a:endParaRPr lang="en-US" b="0" i="0" dirty="0">
+              <a:effectLst/>
+              <a:latin typeface="Söhne"/>
+            </a:endParaRPr>
+          </a:p>
+          <a:p>
+            <a:pPr marL="285750" indent="-285750" algn="l">
+              <a:buFont typeface="Arial" panose="020B0604020202020204" pitchFamily="34" charset="0"/>
+              <a:buChar char="•"/>
+            </a:pPr>
+            <a:r>
+              <a:rPr lang="en-US" b="0" i="0" dirty="0">
+                <a:effectLst/>
+                <a:latin typeface="Söhne"/>
+              </a:rPr>
+              <a:t>Optimize Containerization and Deployment - As the application scales and more instances of the container are added, optimizing the deployment and containerization process can improve the overall performance and efficiency of the application.</a:t>
             </a:r>
           </a:p>
         </p:txBody>
       </p:sp>
-      <p:pic>
-        <p:nvPicPr>
-          <p:cNvPr id="11" name="Picture 10">
-            <a:extLst>
-              <a:ext uri="{FF2B5EF4-FFF2-40B4-BE49-F238E27FC236}">
-                <a16:creationId xmlns:a16="http://schemas.microsoft.com/office/drawing/2014/main" id="{7694634D-2D86-A106-FD62-2B1CCD8DEB03}"/>
-              </a:ext>
-            </a:extLst>
-          </p:cNvPr>
-          <p:cNvPicPr>
-            <a:picLocks noChangeAspect="1"/>
-          </p:cNvPicPr>
-          <p:nvPr/>
-        </p:nvPicPr>
-        <p:blipFill>
-          <a:blip r:embed="rId5"/>
-          <a:stretch>
-            <a:fillRect/>
-          </a:stretch>
-        </p:blipFill>
-        <p:spPr>
-          <a:xfrm>
-            <a:off x="5675086" y="1694729"/>
-            <a:ext cx="6417680" cy="5163271"/>
-          </a:xfrm>
-          <a:prstGeom prst="rect">
-            <a:avLst/>
-          </a:prstGeom>
-        </p:spPr>
-      </p:pic>
     </p:spTree>
     <p:extLst>
       <p:ext uri="{BB962C8B-B14F-4D97-AF65-F5344CB8AC3E}">
-        <p14:creationId xmlns:p14="http://schemas.microsoft.com/office/powerpoint/2010/main" val="2714149063"/>
+        <p14:creationId xmlns:p14="http://schemas.microsoft.com/office/powerpoint/2010/main" val="2343796108"/>
       </p:ext>
     </p:extLst>
   </p:cSld>
@@ -12545,49 +12315,29 @@
           </a:bodyPr>
           <a:lstStyle/>
           <a:p>
-            <a:pPr marL="0" marR="0" lvl="0" indent="0" algn="l" defTabSz="914400" rtl="0" eaLnBrk="1" fontAlgn="auto" latinLnBrk="0" hangingPunct="1">
+            <a:pPr>
               <a:lnSpc>
                 <a:spcPct val="115000"/>
               </a:lnSpc>
-              <a:spcBef>
-                <a:spcPts val="0"/>
-              </a:spcBef>
-              <a:spcAft>
-                <a:spcPts val="0"/>
-              </a:spcAft>
-              <a:buClrTx/>
-              <a:buSzTx/>
-              <a:buFontTx/>
-              <a:buNone/>
-              <a:tabLst/>
-              <a:defRPr/>
             </a:pPr>
             <a:r>
-              <a:rPr kumimoji="0" lang="en-IN" sz="2400" b="1" i="0" u="none" strike="noStrike" kern="1200" cap="none" spc="0" normalizeH="0" baseline="0" noProof="0" dirty="0">
-                <a:ln>
-                  <a:noFill/>
-                </a:ln>
+              <a:rPr lang="en-IN" sz="2400" b="1" dirty="0">
                 <a:solidFill>
-                  <a:prstClr val="white"/>
+                  <a:schemeClr val="bg1"/>
                 </a:solidFill>
-                <a:effectLst/>
-                <a:uLnTx/>
-                <a:uFillTx/>
                 <a:latin typeface="Times New Roman" panose="02020603050405020304" pitchFamily="18" charset="0"/>
-                <a:ea typeface="+mn-ea"/>
-                <a:cs typeface="+mn-cs"/>
               </a:rPr>
-              <a:t>Appendices</a:t>
+              <a:t>References</a:t>
             </a:r>
           </a:p>
         </p:txBody>
       </p:sp>
       <p:sp>
         <p:nvSpPr>
-          <p:cNvPr id="9" name="TextBox 8">
-            <a:extLst>
-              <a:ext uri="{FF2B5EF4-FFF2-40B4-BE49-F238E27FC236}">
-                <a16:creationId xmlns:a16="http://schemas.microsoft.com/office/drawing/2014/main" id="{6EFC0530-9B9F-4025-AECD-21FC40BAD8C5}"/>
+          <p:cNvPr id="10" name="TextBox 9">
+            <a:extLst>
+              <a:ext uri="{FF2B5EF4-FFF2-40B4-BE49-F238E27FC236}">
+                <a16:creationId xmlns:a16="http://schemas.microsoft.com/office/drawing/2014/main" id="{61206C2F-BDF5-071B-EC7C-A93066E34658}"/>
               </a:ext>
             </a:extLst>
           </p:cNvPr>
@@ -12596,413 +12346,367 @@
         </p:nvSpPr>
         <p:spPr>
           <a:xfrm>
-            <a:off x="0" y="911994"/>
-            <a:ext cx="3283859" cy="369332"/>
-          </a:xfrm>
-          <a:prstGeom prst="rect">
-            <a:avLst/>
-          </a:prstGeom>
-        </p:spPr>
-        <p:style>
-          <a:lnRef idx="1">
-            <a:schemeClr val="accent3"/>
-          </a:lnRef>
-          <a:fillRef idx="2">
-            <a:schemeClr val="accent3"/>
-          </a:fillRef>
-          <a:effectRef idx="1">
-            <a:schemeClr val="accent3"/>
-          </a:effectRef>
-          <a:fontRef idx="minor">
-            <a:schemeClr val="dk1"/>
-          </a:fontRef>
-        </p:style>
+            <a:off x="217505" y="1673850"/>
+            <a:ext cx="11974495" cy="4829014"/>
+          </a:xfrm>
+          <a:prstGeom prst="rect">
+            <a:avLst/>
+          </a:prstGeom>
+          <a:noFill/>
+        </p:spPr>
         <p:txBody>
-          <a:bodyPr wrap="square" rtlCol="0">
+          <a:bodyPr wrap="square">
             <a:spAutoFit/>
           </a:bodyPr>
           <a:lstStyle/>
           <a:p>
-            <a:pPr marL="0" marR="0" lvl="0" indent="0" algn="l" defTabSz="914400" rtl="0" eaLnBrk="1" fontAlgn="auto" latinLnBrk="0" hangingPunct="1">
+            <a:pPr marL="285750" indent="-285750" algn="just">
               <a:lnSpc>
-                <a:spcPct val="100000"/>
+                <a:spcPct val="115000"/>
               </a:lnSpc>
-              <a:spcBef>
-                <a:spcPts val="0"/>
-              </a:spcBef>
-              <a:spcAft>
-                <a:spcPts val="0"/>
-              </a:spcAft>
-              <a:buClrTx/>
-              <a:buSzTx/>
-              <a:buFontTx/>
-              <a:buNone/>
-              <a:tabLst/>
-              <a:defRPr/>
+              <a:buFont typeface="Arial" panose="020B0604020202020204" pitchFamily="34" charset="0"/>
+              <a:buChar char="•"/>
             </a:pPr>
             <a:r>
-              <a:rPr kumimoji="0" lang="en-IN" sz="1800" b="0" i="0" u="none" strike="noStrike" kern="1200" cap="none" spc="0" normalizeH="0" baseline="0" noProof="0" dirty="0">
-                <a:ln>
-                  <a:noFill/>
-                </a:ln>
+              <a:rPr lang="en-US" dirty="0">
+                <a:latin typeface="Arial" panose="020B0604020202020204" pitchFamily="34" charset="0"/>
+                <a:cs typeface="Arial" panose="020B0604020202020204" pitchFamily="34" charset="0"/>
+              </a:rPr>
+              <a:t>Spring framework documentation(2022). Retrieved from </a:t>
+            </a:r>
+            <a:r>
+              <a:rPr lang="en-IN" sz="1400" dirty="0">
+                <a:latin typeface="Arial" panose="020B0604020202020204" pitchFamily="34" charset="0"/>
+                <a:ea typeface="Arial" panose="020B0604020202020204" pitchFamily="34" charset="0"/>
+                <a:hlinkClick r:id="rId4"/>
+              </a:rPr>
+              <a:t>https://docs.spring.io/spring-framework/docs/current/reference/html/</a:t>
+            </a:r>
+            <a:r>
+              <a:rPr lang="en-US" dirty="0">
+                <a:latin typeface="Arial" panose="020B0604020202020204" pitchFamily="34" charset="0"/>
+                <a:cs typeface="Arial" panose="020B0604020202020204" pitchFamily="34" charset="0"/>
+              </a:rPr>
+              <a:t>											</a:t>
+            </a:r>
+          </a:p>
+          <a:p>
+            <a:pPr marL="285750" indent="-285750" algn="just">
+              <a:lnSpc>
+                <a:spcPct val="115000"/>
+              </a:lnSpc>
+              <a:buFont typeface="Arial" panose="020B0604020202020204" pitchFamily="34" charset="0"/>
+              <a:buChar char="•"/>
+            </a:pPr>
+            <a:r>
+              <a:rPr lang="en-US" dirty="0">
+                <a:latin typeface="Arial" panose="020B0604020202020204" pitchFamily="34" charset="0"/>
+                <a:cs typeface="Arial" panose="020B0604020202020204" pitchFamily="34" charset="0"/>
+              </a:rPr>
+              <a:t>AES256 encryption-decryption reference from</a:t>
+            </a:r>
+            <a:r>
+              <a:rPr lang="en-IN" dirty="0">
+                <a:latin typeface="Arial" panose="020B0604020202020204" pitchFamily="34" charset="0"/>
+                <a:cs typeface="Arial" panose="020B0604020202020204" pitchFamily="34" charset="0"/>
+              </a:rPr>
+              <a:t> </a:t>
+            </a:r>
+            <a:r>
+              <a:rPr lang="en-IN" sz="1600" dirty="0">
                 <a:solidFill>
-                  <a:prstClr val="black"/>
+                  <a:srgbClr val="0563C1"/>
                 </a:solidFill>
+                <a:latin typeface="Arial" panose="020B0604020202020204" pitchFamily="34" charset="0"/>
+                <a:cs typeface="Arial" panose="020B0604020202020204" pitchFamily="34" charset="0"/>
+                <a:hlinkClick r:id="rId5">
+                  <a:extLst>
+                    <a:ext uri="{A12FA001-AC4F-418D-AE19-62706E023703}">
+                      <ahyp:hlinkClr xmlns:ahyp="http://schemas.microsoft.com/office/drawing/2018/hyperlinkcolor" val="tx"/>
+                    </a:ext>
+                  </a:extLst>
+                </a:hlinkClick>
+              </a:rPr>
+              <a:t>Java AES Encryption and Decryption | Baeldung</a:t>
+            </a:r>
+            <a:endParaRPr lang="en-IN" sz="1600" dirty="0">
+              <a:solidFill>
+                <a:srgbClr val="0563C1"/>
+              </a:solidFill>
+              <a:latin typeface="Arial" panose="020B0604020202020204" pitchFamily="34" charset="0"/>
+              <a:cs typeface="Arial" panose="020B0604020202020204" pitchFamily="34" charset="0"/>
+            </a:endParaRPr>
+          </a:p>
+          <a:p>
+            <a:pPr marL="285750" indent="-285750" algn="just">
+              <a:lnSpc>
+                <a:spcPct val="115000"/>
+              </a:lnSpc>
+              <a:buFont typeface="Arial" panose="020B0604020202020204" pitchFamily="34" charset="0"/>
+              <a:buChar char="•"/>
+            </a:pPr>
+            <a:endParaRPr lang="en-IN" dirty="0">
+              <a:solidFill>
+                <a:srgbClr val="0563C1"/>
+              </a:solidFill>
+              <a:latin typeface="Arial" panose="020B0604020202020204" pitchFamily="34" charset="0"/>
+              <a:cs typeface="Arial" panose="020B0604020202020204" pitchFamily="34" charset="0"/>
+            </a:endParaRPr>
+          </a:p>
+          <a:p>
+            <a:pPr marL="285750" indent="-285750" algn="just">
+              <a:lnSpc>
+                <a:spcPct val="115000"/>
+              </a:lnSpc>
+              <a:buFont typeface="Arial" panose="020B0604020202020204" pitchFamily="34" charset="0"/>
+              <a:buChar char="•"/>
+            </a:pPr>
+            <a:r>
+              <a:rPr lang="en-IN" dirty="0">
+                <a:latin typeface="Arial" panose="020B0604020202020204" pitchFamily="34" charset="0"/>
+                <a:cs typeface="Arial" panose="020B0604020202020204" pitchFamily="34" charset="0"/>
+              </a:rPr>
+              <a:t>Https self-signed certificate reference retrieved from </a:t>
+            </a:r>
+            <a:r>
+              <a:rPr lang="en-US" sz="1600" dirty="0">
+                <a:latin typeface="Arial" panose="020B0604020202020204" pitchFamily="34" charset="0"/>
+                <a:cs typeface="Arial" panose="020B0604020202020204" pitchFamily="34" charset="0"/>
+                <a:hlinkClick r:id="rId6"/>
+              </a:rPr>
+              <a:t>HTTPS using Self-Signed Certificate in Spring Boot | Baeldung</a:t>
+            </a:r>
+            <a:endParaRPr lang="en-IN" sz="1600" dirty="0">
+              <a:latin typeface="Arial" panose="020B0604020202020204" pitchFamily="34" charset="0"/>
+              <a:cs typeface="Arial" panose="020B0604020202020204" pitchFamily="34" charset="0"/>
+            </a:endParaRPr>
+          </a:p>
+          <a:p>
+            <a:pPr marL="285750" indent="-285750" algn="just">
+              <a:lnSpc>
+                <a:spcPct val="115000"/>
+              </a:lnSpc>
+              <a:buFont typeface="Arial" panose="020B0604020202020204" pitchFamily="34" charset="0"/>
+              <a:buChar char="•"/>
+            </a:pPr>
+            <a:endParaRPr lang="en-IN" dirty="0">
+              <a:latin typeface="Arial" panose="020B0604020202020204" pitchFamily="34" charset="0"/>
+              <a:cs typeface="Arial" panose="020B0604020202020204" pitchFamily="34" charset="0"/>
+            </a:endParaRPr>
+          </a:p>
+          <a:p>
+            <a:pPr marL="285750" indent="-285750" algn="just">
+              <a:lnSpc>
+                <a:spcPct val="115000"/>
+              </a:lnSpc>
+              <a:buFont typeface="Arial" panose="020B0604020202020204" pitchFamily="34" charset="0"/>
+              <a:buChar char="•"/>
+            </a:pPr>
+            <a:r>
+              <a:rPr lang="en-IN" dirty="0">
+                <a:latin typeface="Arial" panose="020B0604020202020204" pitchFamily="34" charset="0"/>
+                <a:cs typeface="Arial" panose="020B0604020202020204" pitchFamily="34" charset="0"/>
+              </a:rPr>
+              <a:t>Bouncy Castle library reference from </a:t>
+            </a:r>
+            <a:r>
+              <a:rPr lang="en-IN" dirty="0">
+                <a:latin typeface="Arial" panose="020B0604020202020204" pitchFamily="34" charset="0"/>
+                <a:cs typeface="Arial" panose="020B0604020202020204" pitchFamily="34" charset="0"/>
+                <a:hlinkClick r:id="rId7"/>
+              </a:rPr>
+              <a:t>bouncycastle.org</a:t>
+            </a:r>
+            <a:endParaRPr lang="en-IN" dirty="0">
+              <a:latin typeface="Arial" panose="020B0604020202020204" pitchFamily="34" charset="0"/>
+              <a:cs typeface="Arial" panose="020B0604020202020204" pitchFamily="34" charset="0"/>
+            </a:endParaRPr>
+          </a:p>
+          <a:p>
+            <a:pPr marL="285750" indent="-285750" algn="just">
+              <a:lnSpc>
+                <a:spcPct val="115000"/>
+              </a:lnSpc>
+              <a:buFont typeface="Arial" panose="020B0604020202020204" pitchFamily="34" charset="0"/>
+              <a:buChar char="•"/>
+            </a:pPr>
+            <a:endParaRPr lang="en-IN" dirty="0">
+              <a:latin typeface="Arial" panose="020B0604020202020204" pitchFamily="34" charset="0"/>
+              <a:cs typeface="Arial" panose="020B0604020202020204" pitchFamily="34" charset="0"/>
+            </a:endParaRPr>
+          </a:p>
+          <a:p>
+            <a:pPr marL="285750" indent="-285750" algn="just">
+              <a:lnSpc>
+                <a:spcPct val="115000"/>
+              </a:lnSpc>
+              <a:buFont typeface="Arial" panose="020B0604020202020204" pitchFamily="34" charset="0"/>
+              <a:buChar char="•"/>
+            </a:pPr>
+            <a:r>
+              <a:rPr lang="en-IN" dirty="0">
+                <a:latin typeface="Arial" panose="020B0604020202020204" pitchFamily="34" charset="0"/>
+                <a:cs typeface="Arial" panose="020B0604020202020204" pitchFamily="34" charset="0"/>
+              </a:rPr>
+              <a:t>Jenkins automation tool reference retrieved from </a:t>
+            </a:r>
+            <a:r>
+              <a:rPr lang="en-IN" dirty="0">
+                <a:latin typeface="Arial" panose="020B0604020202020204" pitchFamily="34" charset="0"/>
+                <a:cs typeface="Arial" panose="020B0604020202020204" pitchFamily="34" charset="0"/>
+                <a:hlinkClick r:id="rId8"/>
+              </a:rPr>
+              <a:t>Jenkins User Documentation</a:t>
+            </a:r>
+            <a:r>
+              <a:rPr lang="en-IN" dirty="0">
+                <a:latin typeface="Arial" panose="020B0604020202020204" pitchFamily="34" charset="0"/>
+                <a:cs typeface="Arial" panose="020B0604020202020204" pitchFamily="34" charset="0"/>
+              </a:rPr>
+              <a:t>.</a:t>
+            </a:r>
+          </a:p>
+          <a:p>
+            <a:pPr marL="285750" indent="-285750" algn="just">
+              <a:lnSpc>
+                <a:spcPct val="115000"/>
+              </a:lnSpc>
+              <a:buFont typeface="Arial" panose="020B0604020202020204" pitchFamily="34" charset="0"/>
+              <a:buChar char="•"/>
+            </a:pPr>
+            <a:endParaRPr lang="en-IN" dirty="0">
+              <a:latin typeface="Arial" panose="020B0604020202020204" pitchFamily="34" charset="0"/>
+              <a:cs typeface="Arial" panose="020B0604020202020204" pitchFamily="34" charset="0"/>
+            </a:endParaRPr>
+          </a:p>
+          <a:p>
+            <a:pPr marL="285750" indent="-285750" algn="just">
+              <a:lnSpc>
+                <a:spcPct val="115000"/>
+              </a:lnSpc>
+              <a:buFont typeface="Arial" panose="020B0604020202020204" pitchFamily="34" charset="0"/>
+              <a:buChar char="•"/>
+            </a:pPr>
+            <a:r>
+              <a:rPr lang="en-IN" dirty="0">
                 <a:effectLst/>
-                <a:uLnTx/>
-                <a:uFillTx/>
-                <a:latin typeface="Calibri" panose="020F0502020204030204"/>
-                <a:ea typeface="+mn-ea"/>
-                <a:cs typeface="+mn-cs"/>
+                <a:latin typeface="Arial" panose="020B0604020202020204" pitchFamily="34" charset="0"/>
+                <a:ea typeface="Arial" panose="020B0604020202020204" pitchFamily="34" charset="0"/>
+                <a:cs typeface="Arial" panose="020B0604020202020204" pitchFamily="34" charset="0"/>
               </a:rPr>
-              <a:t>Structure of Spring boot project</a:t>
+              <a:t>Docker Documentation. (2021). Retrieved from </a:t>
+            </a:r>
+            <a:r>
+              <a:rPr lang="en-IN" dirty="0">
+                <a:effectLst/>
+                <a:latin typeface="Arial" panose="020B0604020202020204" pitchFamily="34" charset="0"/>
+                <a:ea typeface="Arial" panose="020B0604020202020204" pitchFamily="34" charset="0"/>
+                <a:cs typeface="Arial" panose="020B0604020202020204" pitchFamily="34" charset="0"/>
+                <a:hlinkClick r:id="rId9"/>
+              </a:rPr>
+              <a:t>https://docs.docker.com/</a:t>
+            </a:r>
+            <a:endParaRPr lang="en-IN" dirty="0">
+              <a:effectLst/>
+              <a:latin typeface="Arial" panose="020B0604020202020204" pitchFamily="34" charset="0"/>
+              <a:ea typeface="Arial" panose="020B0604020202020204" pitchFamily="34" charset="0"/>
+              <a:cs typeface="Arial" panose="020B0604020202020204" pitchFamily="34" charset="0"/>
+            </a:endParaRPr>
+          </a:p>
+          <a:p>
+            <a:pPr marL="285750" indent="-285750" algn="just">
+              <a:lnSpc>
+                <a:spcPct val="115000"/>
+              </a:lnSpc>
+              <a:buFont typeface="Arial" panose="020B0604020202020204" pitchFamily="34" charset="0"/>
+              <a:buChar char="•"/>
+            </a:pPr>
+            <a:endParaRPr lang="en-IN" dirty="0">
+              <a:latin typeface="Arial" panose="020B0604020202020204" pitchFamily="34" charset="0"/>
+              <a:ea typeface="Arial" panose="020B0604020202020204" pitchFamily="34" charset="0"/>
+              <a:cs typeface="Arial" panose="020B0604020202020204" pitchFamily="34" charset="0"/>
+            </a:endParaRPr>
+          </a:p>
+          <a:p>
+            <a:pPr marL="285750" indent="-285750" algn="just">
+              <a:lnSpc>
+                <a:spcPct val="115000"/>
+              </a:lnSpc>
+              <a:buFont typeface="Arial" panose="020B0604020202020204" pitchFamily="34" charset="0"/>
+              <a:buChar char="•"/>
+            </a:pPr>
+            <a:r>
+              <a:rPr lang="en-IN" dirty="0">
+                <a:effectLst/>
+                <a:latin typeface="Arial" panose="020B0604020202020204" pitchFamily="34" charset="0"/>
+                <a:ea typeface="Arial" panose="020B0604020202020204" pitchFamily="34" charset="0"/>
+                <a:cs typeface="Arial" panose="020B0604020202020204" pitchFamily="34" charset="0"/>
+              </a:rPr>
+              <a:t>Kubernetes Documentation. (2021). Retrieved from </a:t>
+            </a:r>
+            <a:r>
+              <a:rPr lang="en-IN" b="0" i="0" u="sng" dirty="0">
+                <a:effectLst/>
+                <a:latin typeface="Arial" panose="020B0604020202020204" pitchFamily="34" charset="0"/>
+                <a:cs typeface="Arial" panose="020B0604020202020204" pitchFamily="34" charset="0"/>
+                <a:hlinkClick r:id="rId10"/>
+              </a:rPr>
+              <a:t>https://kubernetes.io/docs/home/</a:t>
+            </a:r>
+            <a:endParaRPr lang="en-IN" b="0" i="0" u="sng" dirty="0">
+              <a:effectLst/>
+              <a:latin typeface="Arial" panose="020B0604020202020204" pitchFamily="34" charset="0"/>
+              <a:cs typeface="Arial" panose="020B0604020202020204" pitchFamily="34" charset="0"/>
+            </a:endParaRPr>
+          </a:p>
+          <a:p>
+            <a:pPr marL="285750" indent="-285750" algn="just">
+              <a:lnSpc>
+                <a:spcPct val="115000"/>
+              </a:lnSpc>
+              <a:buFont typeface="Arial" panose="020B0604020202020204" pitchFamily="34" charset="0"/>
+              <a:buChar char="•"/>
+            </a:pPr>
+            <a:endParaRPr lang="en-IN" u="sng" dirty="0">
+              <a:solidFill>
+                <a:schemeClr val="accent5">
+                  <a:lumMod val="75000"/>
+                </a:schemeClr>
+              </a:solidFill>
+              <a:latin typeface="Arial" panose="020B0604020202020204" pitchFamily="34" charset="0"/>
+              <a:ea typeface="Arial" panose="020B0604020202020204" pitchFamily="34" charset="0"/>
+              <a:cs typeface="Arial" panose="020B0604020202020204" pitchFamily="34" charset="0"/>
+            </a:endParaRPr>
+          </a:p>
+          <a:p>
+            <a:pPr marL="285750" indent="-285750" algn="l" fontAlgn="ctr">
+              <a:buFont typeface="Arial" panose="020B0604020202020204" pitchFamily="34" charset="0"/>
+              <a:buChar char="•"/>
+            </a:pPr>
+            <a:r>
+              <a:rPr lang="en-IN" dirty="0">
+                <a:effectLst/>
+                <a:latin typeface="Arial" panose="020B0604020202020204" pitchFamily="34" charset="0"/>
+                <a:ea typeface="Arial" panose="020B0604020202020204" pitchFamily="34" charset="0"/>
+                <a:cs typeface="Arial" panose="020B0604020202020204" pitchFamily="34" charset="0"/>
+              </a:rPr>
+              <a:t>Under Guidance of Mr. </a:t>
+            </a:r>
+            <a:r>
+              <a:rPr lang="en-IN" i="0" dirty="0">
+                <a:effectLst/>
+                <a:latin typeface="Arial" panose="020B0604020202020204" pitchFamily="34" charset="0"/>
+                <a:cs typeface="Arial" panose="020B0604020202020204" pitchFamily="34" charset="0"/>
+              </a:rPr>
+              <a:t>Javeed Mohammed Husnuddin Sir</a:t>
             </a:r>
           </a:p>
         </p:txBody>
       </p:sp>
-      <p:pic>
-        <p:nvPicPr>
-          <p:cNvPr id="7" name="Picture 6">
-            <a:extLst>
-              <a:ext uri="{FF2B5EF4-FFF2-40B4-BE49-F238E27FC236}">
-                <a16:creationId xmlns:a16="http://schemas.microsoft.com/office/drawing/2014/main" id="{C9A34C19-263C-2454-6863-07B3227020A3}"/>
-              </a:ext>
-            </a:extLst>
-          </p:cNvPr>
-          <p:cNvPicPr>
-            <a:picLocks noChangeAspect="1"/>
-          </p:cNvPicPr>
-          <p:nvPr/>
-        </p:nvPicPr>
-        <p:blipFill>
-          <a:blip r:embed="rId4"/>
-          <a:stretch>
-            <a:fillRect/>
-          </a:stretch>
-        </p:blipFill>
-        <p:spPr>
-          <a:xfrm>
-            <a:off x="4630057" y="2712607"/>
-            <a:ext cx="7397083" cy="1338535"/>
-          </a:xfrm>
-          <a:prstGeom prst="rect">
-            <a:avLst/>
-          </a:prstGeom>
-        </p:spPr>
-      </p:pic>
-      <p:sp>
-        <p:nvSpPr>
-          <p:cNvPr id="10" name="TextBox 9">
-            <a:extLst>
-              <a:ext uri="{FF2B5EF4-FFF2-40B4-BE49-F238E27FC236}">
-                <a16:creationId xmlns:a16="http://schemas.microsoft.com/office/drawing/2014/main" id="{61C538E0-86F4-9279-B451-3B47EDB4B592}"/>
-              </a:ext>
-            </a:extLst>
-          </p:cNvPr>
-          <p:cNvSpPr txBox="1"/>
-          <p:nvPr/>
-        </p:nvSpPr>
-        <p:spPr>
-          <a:xfrm>
-            <a:off x="1735985" y="1796683"/>
-            <a:ext cx="2293784" cy="307777"/>
-          </a:xfrm>
-          <a:prstGeom prst="rect">
-            <a:avLst/>
-          </a:prstGeom>
-          <a:noFill/>
-        </p:spPr>
-        <p:txBody>
-          <a:bodyPr wrap="square" rtlCol="0">
-            <a:spAutoFit/>
-          </a:bodyPr>
-          <a:lstStyle/>
-          <a:p>
-            <a:r>
-              <a:rPr lang="en-IN" sz="1400" dirty="0">
-                <a:latin typeface="Bahnschrift" panose="020B0502040204020203" pitchFamily="34" charset="0"/>
-              </a:rPr>
-              <a:t>JPA Repository interface</a:t>
-            </a:r>
-          </a:p>
-        </p:txBody>
-      </p:sp>
-      <p:pic>
-        <p:nvPicPr>
-          <p:cNvPr id="15" name="Picture 14">
-            <a:extLst>
-              <a:ext uri="{FF2B5EF4-FFF2-40B4-BE49-F238E27FC236}">
-                <a16:creationId xmlns:a16="http://schemas.microsoft.com/office/drawing/2014/main" id="{BAD9BE89-D56E-28CC-F44A-84A941456B89}"/>
-              </a:ext>
-            </a:extLst>
-          </p:cNvPr>
-          <p:cNvPicPr>
-            <a:picLocks noChangeAspect="1"/>
-          </p:cNvPicPr>
-          <p:nvPr/>
-        </p:nvPicPr>
-        <p:blipFill>
-          <a:blip r:embed="rId5"/>
-          <a:stretch>
-            <a:fillRect/>
-          </a:stretch>
-        </p:blipFill>
-        <p:spPr>
-          <a:xfrm>
-            <a:off x="4630057" y="4145393"/>
-            <a:ext cx="7397083" cy="2588187"/>
-          </a:xfrm>
-          <a:prstGeom prst="rect">
-            <a:avLst/>
-          </a:prstGeom>
-        </p:spPr>
-      </p:pic>
-      <p:sp>
-        <p:nvSpPr>
-          <p:cNvPr id="16" name="TextBox 15">
-            <a:extLst>
-              <a:ext uri="{FF2B5EF4-FFF2-40B4-BE49-F238E27FC236}">
-                <a16:creationId xmlns:a16="http://schemas.microsoft.com/office/drawing/2014/main" id="{500DAC5D-7AAA-E36A-0AAB-82919B96CDDE}"/>
-              </a:ext>
-            </a:extLst>
-          </p:cNvPr>
-          <p:cNvSpPr txBox="1"/>
-          <p:nvPr/>
-        </p:nvSpPr>
-        <p:spPr>
-          <a:xfrm>
-            <a:off x="1199237" y="3247323"/>
-            <a:ext cx="2770310" cy="307777"/>
-          </a:xfrm>
-          <a:prstGeom prst="rect">
-            <a:avLst/>
-          </a:prstGeom>
-          <a:noFill/>
-        </p:spPr>
-        <p:txBody>
-          <a:bodyPr wrap="none" rtlCol="0">
-            <a:spAutoFit/>
-          </a:bodyPr>
-          <a:lstStyle/>
-          <a:p>
-            <a:r>
-              <a:rPr lang="en-IN" sz="1400" dirty="0">
-                <a:latin typeface="Bahnschrift" panose="020B0502040204020203" pitchFamily="34" charset="0"/>
-              </a:rPr>
-              <a:t>EmployeeSpecification Interface</a:t>
-            </a:r>
-          </a:p>
-        </p:txBody>
-      </p:sp>
-      <p:sp>
-        <p:nvSpPr>
-          <p:cNvPr id="17" name="TextBox 16">
-            <a:extLst>
-              <a:ext uri="{FF2B5EF4-FFF2-40B4-BE49-F238E27FC236}">
-                <a16:creationId xmlns:a16="http://schemas.microsoft.com/office/drawing/2014/main" id="{D7A482D9-A3E1-8B57-C375-1A6EDD09A6AD}"/>
-              </a:ext>
-            </a:extLst>
-          </p:cNvPr>
-          <p:cNvSpPr txBox="1"/>
-          <p:nvPr/>
-        </p:nvSpPr>
-        <p:spPr>
-          <a:xfrm>
-            <a:off x="1684759" y="5131708"/>
-            <a:ext cx="2047355" cy="307777"/>
-          </a:xfrm>
-          <a:prstGeom prst="rect">
-            <a:avLst/>
-          </a:prstGeom>
-          <a:noFill/>
-        </p:spPr>
-        <p:txBody>
-          <a:bodyPr wrap="none" rtlCol="0">
-            <a:spAutoFit/>
-          </a:bodyPr>
-          <a:lstStyle/>
-          <a:p>
-            <a:r>
-              <a:rPr lang="en-IN" sz="1400" dirty="0">
-                <a:latin typeface="Bahnschrift" panose="020B0502040204020203" pitchFamily="34" charset="0"/>
-              </a:rPr>
-              <a:t>EmployeeService class</a:t>
-            </a:r>
-          </a:p>
-        </p:txBody>
-      </p:sp>
-      <p:sp>
-        <p:nvSpPr>
-          <p:cNvPr id="22" name="Arrow: Right 21">
-            <a:extLst>
-              <a:ext uri="{FF2B5EF4-FFF2-40B4-BE49-F238E27FC236}">
-                <a16:creationId xmlns:a16="http://schemas.microsoft.com/office/drawing/2014/main" id="{D275EEBC-49C9-59AC-6328-DA58277C6280}"/>
-              </a:ext>
-            </a:extLst>
-          </p:cNvPr>
-          <p:cNvSpPr/>
-          <p:nvPr/>
-        </p:nvSpPr>
-        <p:spPr>
-          <a:xfrm>
-            <a:off x="3941623" y="1793966"/>
-            <a:ext cx="435428" cy="307777"/>
-          </a:xfrm>
-          <a:prstGeom prst="rightArrow">
-            <a:avLst/>
-          </a:prstGeom>
-        </p:spPr>
-        <p:style>
-          <a:lnRef idx="2">
-            <a:schemeClr val="accent1">
-              <a:shade val="50000"/>
-            </a:schemeClr>
-          </a:lnRef>
-          <a:fillRef idx="1">
-            <a:schemeClr val="accent1"/>
-          </a:fillRef>
-          <a:effectRef idx="0">
-            <a:schemeClr val="accent1"/>
-          </a:effectRef>
-          <a:fontRef idx="minor">
-            <a:schemeClr val="lt1"/>
-          </a:fontRef>
-        </p:style>
-        <p:txBody>
-          <a:bodyPr rtlCol="0" anchor="ctr"/>
-          <a:lstStyle/>
-          <a:p>
-            <a:pPr algn="ctr"/>
-            <a:endParaRPr lang="en-IN" dirty="0"/>
-          </a:p>
-        </p:txBody>
-      </p:sp>
-      <p:sp>
-        <p:nvSpPr>
-          <p:cNvPr id="23" name="Arrow: Right 22">
-            <a:extLst>
-              <a:ext uri="{FF2B5EF4-FFF2-40B4-BE49-F238E27FC236}">
-                <a16:creationId xmlns:a16="http://schemas.microsoft.com/office/drawing/2014/main" id="{CE965569-BA7F-29A2-A39A-D51A2D28FA12}"/>
-              </a:ext>
-            </a:extLst>
-          </p:cNvPr>
-          <p:cNvSpPr/>
-          <p:nvPr/>
-        </p:nvSpPr>
-        <p:spPr>
-          <a:xfrm>
-            <a:off x="3969547" y="3247323"/>
-            <a:ext cx="435428" cy="307777"/>
-          </a:xfrm>
-          <a:prstGeom prst="rightArrow">
-            <a:avLst/>
-          </a:prstGeom>
-        </p:spPr>
-        <p:style>
-          <a:lnRef idx="2">
-            <a:schemeClr val="accent1">
-              <a:shade val="50000"/>
-            </a:schemeClr>
-          </a:lnRef>
-          <a:fillRef idx="1">
-            <a:schemeClr val="accent1"/>
-          </a:fillRef>
-          <a:effectRef idx="0">
-            <a:schemeClr val="accent1"/>
-          </a:effectRef>
-          <a:fontRef idx="minor">
-            <a:schemeClr val="lt1"/>
-          </a:fontRef>
-        </p:style>
-        <p:txBody>
-          <a:bodyPr rtlCol="0" anchor="ctr"/>
-          <a:lstStyle/>
-          <a:p>
-            <a:pPr algn="ctr"/>
-            <a:endParaRPr lang="en-IN"/>
-          </a:p>
-        </p:txBody>
-      </p:sp>
-      <p:sp>
-        <p:nvSpPr>
-          <p:cNvPr id="24" name="Arrow: Right 23">
-            <a:extLst>
-              <a:ext uri="{FF2B5EF4-FFF2-40B4-BE49-F238E27FC236}">
-                <a16:creationId xmlns:a16="http://schemas.microsoft.com/office/drawing/2014/main" id="{3C786F4F-818A-2332-B5A3-5C8DEC5DC6A0}"/>
-              </a:ext>
-            </a:extLst>
-          </p:cNvPr>
-          <p:cNvSpPr/>
-          <p:nvPr/>
-        </p:nvSpPr>
-        <p:spPr>
-          <a:xfrm>
-            <a:off x="3922745" y="5131708"/>
-            <a:ext cx="462513" cy="307777"/>
-          </a:xfrm>
-          <a:prstGeom prst="rightArrow">
-            <a:avLst/>
-          </a:prstGeom>
-        </p:spPr>
-        <p:style>
-          <a:lnRef idx="2">
-            <a:schemeClr val="accent1">
-              <a:shade val="50000"/>
-            </a:schemeClr>
-          </a:lnRef>
-          <a:fillRef idx="1">
-            <a:schemeClr val="accent1"/>
-          </a:fillRef>
-          <a:effectRef idx="0">
-            <a:schemeClr val="accent1"/>
-          </a:effectRef>
-          <a:fontRef idx="minor">
-            <a:schemeClr val="lt1"/>
-          </a:fontRef>
-        </p:style>
-        <p:txBody>
-          <a:bodyPr rtlCol="0" anchor="ctr"/>
-          <a:lstStyle/>
-          <a:p>
-            <a:pPr algn="ctr"/>
-            <a:endParaRPr lang="en-IN"/>
-          </a:p>
-        </p:txBody>
-      </p:sp>
-      <p:pic>
-        <p:nvPicPr>
-          <p:cNvPr id="26" name="Picture 25">
-            <a:extLst>
-              <a:ext uri="{FF2B5EF4-FFF2-40B4-BE49-F238E27FC236}">
-                <a16:creationId xmlns:a16="http://schemas.microsoft.com/office/drawing/2014/main" id="{29B59F12-5CCD-FFD3-CA62-3438BFBFB832}"/>
-              </a:ext>
-            </a:extLst>
-          </p:cNvPr>
-          <p:cNvPicPr>
-            <a:picLocks noChangeAspect="1"/>
-          </p:cNvPicPr>
-          <p:nvPr/>
-        </p:nvPicPr>
-        <p:blipFill>
-          <a:blip r:embed="rId6"/>
-          <a:stretch>
-            <a:fillRect/>
-          </a:stretch>
-        </p:blipFill>
-        <p:spPr>
-          <a:xfrm>
-            <a:off x="4630057" y="1250713"/>
-            <a:ext cx="7397083" cy="1378394"/>
-          </a:xfrm>
-          <a:prstGeom prst="rect">
-            <a:avLst/>
-          </a:prstGeom>
-        </p:spPr>
-      </p:pic>
     </p:spTree>
     <p:extLst>
       <p:ext uri="{BB962C8B-B14F-4D97-AF65-F5344CB8AC3E}">
-        <p14:creationId xmlns:p14="http://schemas.microsoft.com/office/powerpoint/2010/main" val="3406773361"/>
+        <p14:creationId xmlns:p14="http://schemas.microsoft.com/office/powerpoint/2010/main" val="1694362061"/>
       </p:ext>
     </p:extLst>
   </p:cSld>
@@ -13178,43 +12882,97 @@
           </a:bodyPr>
           <a:lstStyle/>
           <a:p>
-            <a:pPr marL="0" marR="0" lvl="0" indent="0" algn="l" defTabSz="914400" rtl="0" eaLnBrk="1" fontAlgn="auto" latinLnBrk="0" hangingPunct="1">
+            <a:pPr>
               <a:lnSpc>
                 <a:spcPct val="115000"/>
               </a:lnSpc>
-              <a:spcBef>
-                <a:spcPts val="0"/>
-              </a:spcBef>
-              <a:spcAft>
-                <a:spcPts val="0"/>
-              </a:spcAft>
-              <a:buClrTx/>
-              <a:buSzTx/>
-              <a:buFontTx/>
-              <a:buNone/>
-              <a:tabLst/>
-              <a:defRPr/>
             </a:pPr>
             <a:r>
-              <a:rPr kumimoji="0" lang="en-IN" sz="2400" b="1" i="0" u="none" strike="noStrike" kern="1200" cap="none" spc="0" normalizeH="0" baseline="0" noProof="0" dirty="0">
-                <a:ln>
-                  <a:noFill/>
-                </a:ln>
+              <a:rPr lang="en-IN" sz="2400" b="1" dirty="0">
                 <a:solidFill>
-                  <a:prstClr val="white"/>
+                  <a:schemeClr val="bg1"/>
                 </a:solidFill>
-                <a:effectLst/>
-                <a:uLnTx/>
-                <a:uFillTx/>
                 <a:latin typeface="Times New Roman" panose="02020603050405020304" pitchFamily="18" charset="0"/>
-                <a:ea typeface="+mn-ea"/>
-                <a:cs typeface="+mn-cs"/>
               </a:rPr>
               <a:t>Appendices</a:t>
             </a:r>
           </a:p>
         </p:txBody>
       </p:sp>
+      <p:sp>
+        <p:nvSpPr>
+          <p:cNvPr id="7" name="TextBox 6">
+            <a:extLst>
+              <a:ext uri="{FF2B5EF4-FFF2-40B4-BE49-F238E27FC236}">
+                <a16:creationId xmlns:a16="http://schemas.microsoft.com/office/drawing/2014/main" id="{1A521886-A1DC-C1EC-6392-5263384F6C69}"/>
+              </a:ext>
+            </a:extLst>
+          </p:cNvPr>
+          <p:cNvSpPr txBox="1"/>
+          <p:nvPr/>
+        </p:nvSpPr>
+        <p:spPr>
+          <a:xfrm>
+            <a:off x="1889637" y="1402142"/>
+            <a:ext cx="1219446" cy="315151"/>
+          </a:xfrm>
+          <a:prstGeom prst="rect">
+            <a:avLst/>
+          </a:prstGeom>
+          <a:noFill/>
+        </p:spPr>
+        <p:txBody>
+          <a:bodyPr wrap="square">
+            <a:spAutoFit/>
+          </a:bodyPr>
+          <a:lstStyle/>
+          <a:p>
+            <a:pPr algn="just">
+              <a:lnSpc>
+                <a:spcPct val="115000"/>
+              </a:lnSpc>
+            </a:pPr>
+            <a:r>
+              <a:rPr lang="en-IN" sz="1400" dirty="0">
+                <a:effectLst/>
+                <a:latin typeface="Bahnschrift" panose="020B0502040204020203" pitchFamily="34" charset="0"/>
+                <a:ea typeface="Arial" panose="020B0604020202020204" pitchFamily="34" charset="0"/>
+              </a:rPr>
+              <a:t>Entity Class</a:t>
+            </a:r>
+          </a:p>
+        </p:txBody>
+      </p:sp>
+      <p:pic>
+        <p:nvPicPr>
+          <p:cNvPr id="3" name="Picture 2">
+            <a:extLst>
+              <a:ext uri="{FF2B5EF4-FFF2-40B4-BE49-F238E27FC236}">
+                <a16:creationId xmlns:a16="http://schemas.microsoft.com/office/drawing/2014/main" id="{87EE6B9D-468D-E6E6-713C-F9711E7D06CC}"/>
+              </a:ext>
+            </a:extLst>
+          </p:cNvPr>
+          <p:cNvPicPr>
+            <a:picLocks noChangeAspect="1"/>
+          </p:cNvPicPr>
+          <p:nvPr/>
+        </p:nvPicPr>
+        <p:blipFill>
+          <a:blip r:embed="rId4"/>
+          <a:stretch>
+            <a:fillRect/>
+          </a:stretch>
+        </p:blipFill>
+        <p:spPr>
+          <a:xfrm>
+            <a:off x="99234" y="1694729"/>
+            <a:ext cx="5401679" cy="5185835"/>
+          </a:xfrm>
+          <a:prstGeom prst="rect">
+            <a:avLst/>
+          </a:prstGeom>
+        </p:spPr>
+      </p:pic>
       <p:sp>
         <p:nvSpPr>
           <p:cNvPr id="9" name="TextBox 8">
@@ -13256,38 +13014,8 @@
           </a:bodyPr>
           <a:lstStyle/>
           <a:p>
-            <a:pPr marL="0" marR="0" lvl="0" indent="0" algn="l" defTabSz="914400" rtl="0" eaLnBrk="1" fontAlgn="auto" latinLnBrk="0" hangingPunct="1">
-              <a:lnSpc>
-                <a:spcPct val="100000"/>
-              </a:lnSpc>
-              <a:spcBef>
-                <a:spcPts val="0"/>
-              </a:spcBef>
-              <a:spcAft>
-                <a:spcPts val="0"/>
-              </a:spcAft>
-              <a:buClrTx/>
-              <a:buSzTx/>
-              <a:buFontTx/>
-              <a:buNone/>
-              <a:tabLst/>
-              <a:defRPr/>
-            </a:pPr>
-            <a:r>
-              <a:rPr kumimoji="0" lang="en-IN" sz="1800" b="0" i="0" u="none" strike="noStrike" kern="1200" cap="none" spc="0" normalizeH="0" baseline="0" noProof="0" dirty="0">
-                <a:ln>
-                  <a:noFill/>
-                </a:ln>
-                <a:solidFill>
-                  <a:prstClr val="black"/>
-                </a:solidFill>
-                <a:effectLst/>
-                <a:uLnTx/>
-                <a:uFillTx/>
-                <a:latin typeface="Calibri" panose="020F0502020204030204"/>
-                <a:ea typeface="+mn-ea"/>
-                <a:cs typeface="+mn-cs"/>
-              </a:rPr>
+            <a:r>
+              <a:rPr lang="en-IN" dirty="0"/>
               <a:t>Structure of Spring boot project</a:t>
             </a:r>
           </a:p>
@@ -13295,10 +13023,10 @@
       </p:sp>
       <p:sp>
         <p:nvSpPr>
-          <p:cNvPr id="19" name="TextBox 18">
-            <a:extLst>
-              <a:ext uri="{FF2B5EF4-FFF2-40B4-BE49-F238E27FC236}">
-                <a16:creationId xmlns:a16="http://schemas.microsoft.com/office/drawing/2014/main" id="{BD19879F-E0FA-FC0F-170B-4758E7372E9C}"/>
+          <p:cNvPr id="23" name="TextBox 22">
+            <a:extLst>
+              <a:ext uri="{FF2B5EF4-FFF2-40B4-BE49-F238E27FC236}">
+                <a16:creationId xmlns:a16="http://schemas.microsoft.com/office/drawing/2014/main" id="{47AEC542-BB99-4B57-538C-516CAE53B6E7}"/>
               </a:ext>
             </a:extLst>
           </p:cNvPr>
@@ -13307,8 +13035,8 @@
         </p:nvSpPr>
         <p:spPr>
           <a:xfrm>
-            <a:off x="1260011" y="1388605"/>
-            <a:ext cx="3947882" cy="307778"/>
+            <a:off x="7949754" y="1391021"/>
+            <a:ext cx="1868343" cy="307777"/>
           </a:xfrm>
           <a:prstGeom prst="rect">
             <a:avLst/>
@@ -13325,84 +13053,17 @@
               <a:rPr lang="en-IN" sz="1400" dirty="0">
                 <a:latin typeface="Bahnschrift" panose="020B0502040204020203" pitchFamily="34" charset="0"/>
               </a:rPr>
-              <a:t>DTO Class(Encryption to AES-256 in DTO class)</a:t>
-            </a:r>
-          </a:p>
-        </p:txBody>
-      </p:sp>
-      <p:sp>
-        <p:nvSpPr>
-          <p:cNvPr id="21" name="TextBox 20">
-            <a:extLst>
-              <a:ext uri="{FF2B5EF4-FFF2-40B4-BE49-F238E27FC236}">
-                <a16:creationId xmlns:a16="http://schemas.microsoft.com/office/drawing/2014/main" id="{BAC8FEB0-4C41-A710-D22A-583BF42C1331}"/>
-              </a:ext>
-            </a:extLst>
-          </p:cNvPr>
-          <p:cNvSpPr txBox="1"/>
-          <p:nvPr/>
-        </p:nvSpPr>
-        <p:spPr>
-          <a:xfrm>
-            <a:off x="7751523" y="1388605"/>
-            <a:ext cx="3077028" cy="307778"/>
-          </a:xfrm>
-          <a:prstGeom prst="rect">
-            <a:avLst/>
-          </a:prstGeom>
-          <a:noFill/>
-        </p:spPr>
-        <p:txBody>
-          <a:bodyPr wrap="square" rtlCol="0">
-            <a:spAutoFit/>
-          </a:bodyPr>
-          <a:lstStyle/>
-          <a:p>
-            <a:r>
-              <a:rPr lang="en-IN" sz="1400" dirty="0">
-                <a:latin typeface="Bahnschrift" panose="020B0502040204020203" pitchFamily="34" charset="0"/>
-              </a:rPr>
-              <a:t>Employee Service Test using Junit</a:t>
+              <a:t>Employee Controller</a:t>
             </a:r>
           </a:p>
         </p:txBody>
       </p:sp>
       <p:pic>
         <p:nvPicPr>
-          <p:cNvPr id="3" name="Picture 2">
-            <a:extLst>
-              <a:ext uri="{FF2B5EF4-FFF2-40B4-BE49-F238E27FC236}">
-                <a16:creationId xmlns:a16="http://schemas.microsoft.com/office/drawing/2014/main" id="{8F47B1A5-AA12-606C-2A06-58E67EFC167F}"/>
-              </a:ext>
-            </a:extLst>
-          </p:cNvPr>
-          <p:cNvPicPr>
-            <a:picLocks noChangeAspect="1"/>
-          </p:cNvPicPr>
-          <p:nvPr/>
-        </p:nvPicPr>
-        <p:blipFill>
-          <a:blip r:embed="rId4"/>
-          <a:stretch>
-            <a:fillRect/>
-          </a:stretch>
-        </p:blipFill>
-        <p:spPr>
-          <a:xfrm>
-            <a:off x="6467904" y="1693904"/>
-            <a:ext cx="5644267" cy="5163270"/>
-          </a:xfrm>
-          <a:prstGeom prst="rect">
-            <a:avLst/>
-          </a:prstGeom>
-        </p:spPr>
-      </p:pic>
-      <p:pic>
-        <p:nvPicPr>
-          <p:cNvPr id="7" name="Picture 6">
-            <a:extLst>
-              <a:ext uri="{FF2B5EF4-FFF2-40B4-BE49-F238E27FC236}">
-                <a16:creationId xmlns:a16="http://schemas.microsoft.com/office/drawing/2014/main" id="{A59C060B-9BE0-349A-3FF0-92FE23E9804C}"/>
+          <p:cNvPr id="11" name="Picture 10">
+            <a:extLst>
+              <a:ext uri="{FF2B5EF4-FFF2-40B4-BE49-F238E27FC236}">
+                <a16:creationId xmlns:a16="http://schemas.microsoft.com/office/drawing/2014/main" id="{7694634D-2D86-A106-FD62-2B1CCD8DEB03}"/>
               </a:ext>
             </a:extLst>
           </p:cNvPr>
@@ -13419,8 +13080,8 @@
         </p:blipFill>
         <p:spPr>
           <a:xfrm>
-            <a:off x="79829" y="1693904"/>
-            <a:ext cx="6308246" cy="5144218"/>
+            <a:off x="5675086" y="1694729"/>
+            <a:ext cx="6417680" cy="5163271"/>
           </a:xfrm>
           <a:prstGeom prst="rect">
             <a:avLst/>
@@ -13430,7 +13091,7 @@
     </p:spTree>
     <p:extLst>
       <p:ext uri="{BB962C8B-B14F-4D97-AF65-F5344CB8AC3E}">
-        <p14:creationId xmlns:p14="http://schemas.microsoft.com/office/powerpoint/2010/main" val="1715802902"/>
+        <p14:creationId xmlns:p14="http://schemas.microsoft.com/office/powerpoint/2010/main" val="2714149063"/>
       </p:ext>
     </p:extLst>
   </p:cSld>
@@ -14115,7 +13776,7 @@
         </p:nvSpPr>
         <p:spPr>
           <a:xfrm>
-            <a:off x="4365170" y="911994"/>
+            <a:off x="0" y="911994"/>
             <a:ext cx="3283859" cy="369332"/>
           </a:xfrm>
           <a:prstGeom prst="rect">
@@ -14142,7 +13803,7 @@
           </a:bodyPr>
           <a:lstStyle/>
           <a:p>
-            <a:pPr marL="0" marR="0" lvl="0" indent="0" algn="ctr" defTabSz="914400" rtl="0" eaLnBrk="1" fontAlgn="auto" latinLnBrk="0" hangingPunct="1">
+            <a:pPr marL="0" marR="0" lvl="0" indent="0" algn="l" defTabSz="914400" rtl="0" eaLnBrk="1" fontAlgn="auto" latinLnBrk="0" hangingPunct="1">
               <a:lnSpc>
                 <a:spcPct val="100000"/>
               </a:lnSpc>
@@ -14174,81 +13835,7 @@
                 <a:ea typeface="+mn-ea"/>
                 <a:cs typeface="+mn-cs"/>
               </a:rPr>
-              <a:t>Structure of Client program</a:t>
-            </a:r>
-          </a:p>
-        </p:txBody>
-      </p:sp>
-      <p:sp>
-        <p:nvSpPr>
-          <p:cNvPr id="16" name="TextBox 15">
-            <a:extLst>
-              <a:ext uri="{FF2B5EF4-FFF2-40B4-BE49-F238E27FC236}">
-                <a16:creationId xmlns:a16="http://schemas.microsoft.com/office/drawing/2014/main" id="{9566F95F-AD14-0E73-C183-4EF8A781B37D}"/>
-              </a:ext>
-            </a:extLst>
-          </p:cNvPr>
-          <p:cNvSpPr txBox="1"/>
-          <p:nvPr/>
-        </p:nvSpPr>
-        <p:spPr>
-          <a:xfrm>
-            <a:off x="873021" y="1326454"/>
-            <a:ext cx="4102343" cy="307777"/>
-          </a:xfrm>
-          <a:prstGeom prst="rect">
-            <a:avLst/>
-          </a:prstGeom>
-          <a:noFill/>
-        </p:spPr>
-        <p:txBody>
-          <a:bodyPr wrap="square" rtlCol="0">
-            <a:spAutoFit/>
-          </a:bodyPr>
-          <a:lstStyle/>
-          <a:p>
-            <a:r>
-              <a:rPr lang="en-IN" sz="1400" dirty="0">
-                <a:latin typeface="Bahnschrift" panose="020B0502040204020203" pitchFamily="34" charset="0"/>
-              </a:rPr>
-              <a:t>DTO class(Decryption of webservice response)</a:t>
-            </a:r>
-          </a:p>
-        </p:txBody>
-      </p:sp>
-      <p:sp>
-        <p:nvSpPr>
-          <p:cNvPr id="18" name="TextBox 17">
-            <a:extLst>
-              <a:ext uri="{FF2B5EF4-FFF2-40B4-BE49-F238E27FC236}">
-                <a16:creationId xmlns:a16="http://schemas.microsoft.com/office/drawing/2014/main" id="{AB33C17F-C27F-0ED4-83AB-DA26095A4261}"/>
-              </a:ext>
-            </a:extLst>
-          </p:cNvPr>
-          <p:cNvSpPr txBox="1"/>
-          <p:nvPr/>
-        </p:nvSpPr>
-        <p:spPr>
-          <a:xfrm>
-            <a:off x="6718128" y="1326455"/>
-            <a:ext cx="4485414" cy="307777"/>
-          </a:xfrm>
-          <a:prstGeom prst="rect">
-            <a:avLst/>
-          </a:prstGeom>
-          <a:noFill/>
-        </p:spPr>
-        <p:txBody>
-          <a:bodyPr wrap="square" rtlCol="0">
-            <a:spAutoFit/>
-          </a:bodyPr>
-          <a:lstStyle/>
-          <a:p>
-            <a:r>
-              <a:rPr lang="en-IN" sz="1400" dirty="0">
-                <a:latin typeface="Bahnschrift" panose="020B0502040204020203" pitchFamily="34" charset="0"/>
-              </a:rPr>
-              <a:t>RestTemplate custom config &amp; Client Controller class</a:t>
+              <a:t>Structure of Spring boot project</a:t>
             </a:r>
           </a:p>
         </p:txBody>
@@ -14258,7 +13845,7 @@
           <p:cNvPr id="7" name="Picture 6">
             <a:extLst>
               <a:ext uri="{FF2B5EF4-FFF2-40B4-BE49-F238E27FC236}">
-                <a16:creationId xmlns:a16="http://schemas.microsoft.com/office/drawing/2014/main" id="{BA9A4B21-CEB9-5DB6-570A-C0D3D15C6FE1}"/>
+                <a16:creationId xmlns:a16="http://schemas.microsoft.com/office/drawing/2014/main" id="{C9A34C19-263C-2454-6863-07B3227020A3}"/>
               </a:ext>
             </a:extLst>
           </p:cNvPr>
@@ -14275,20 +13862,57 @@
         </p:blipFill>
         <p:spPr>
           <a:xfrm>
-            <a:off x="118715" y="1634232"/>
-            <a:ext cx="5610956" cy="5096586"/>
+            <a:off x="4630057" y="2712607"/>
+            <a:ext cx="7397083" cy="1338535"/>
           </a:xfrm>
           <a:prstGeom prst="rect">
             <a:avLst/>
           </a:prstGeom>
         </p:spPr>
       </p:pic>
+      <p:sp>
+        <p:nvSpPr>
+          <p:cNvPr id="10" name="TextBox 9">
+            <a:extLst>
+              <a:ext uri="{FF2B5EF4-FFF2-40B4-BE49-F238E27FC236}">
+                <a16:creationId xmlns:a16="http://schemas.microsoft.com/office/drawing/2014/main" id="{61C538E0-86F4-9279-B451-3B47EDB4B592}"/>
+              </a:ext>
+            </a:extLst>
+          </p:cNvPr>
+          <p:cNvSpPr txBox="1"/>
+          <p:nvPr/>
+        </p:nvSpPr>
+        <p:spPr>
+          <a:xfrm>
+            <a:off x="1735985" y="1796683"/>
+            <a:ext cx="2293784" cy="307777"/>
+          </a:xfrm>
+          <a:prstGeom prst="rect">
+            <a:avLst/>
+          </a:prstGeom>
+          <a:noFill/>
+        </p:spPr>
+        <p:txBody>
+          <a:bodyPr wrap="square" rtlCol="0">
+            <a:spAutoFit/>
+          </a:bodyPr>
+          <a:lstStyle/>
+          <a:p>
+            <a:r>
+              <a:rPr lang="en-IN" sz="1400" dirty="0">
+                <a:latin typeface="Bahnschrift" panose="020B0502040204020203" pitchFamily="34" charset="0"/>
+              </a:rPr>
+              <a:t>JPA Repository interface</a:t>
+            </a:r>
+          </a:p>
+        </p:txBody>
+      </p:sp>
       <p:pic>
         <p:nvPicPr>
-          <p:cNvPr id="3" name="Picture 2">
-            <a:extLst>
-              <a:ext uri="{FF2B5EF4-FFF2-40B4-BE49-F238E27FC236}">
-                <a16:creationId xmlns:a16="http://schemas.microsoft.com/office/drawing/2014/main" id="{F2498466-6BF8-6707-6663-CBAF012B50A3}"/>
+          <p:cNvPr id="15" name="Picture 14">
+            <a:extLst>
+              <a:ext uri="{FF2B5EF4-FFF2-40B4-BE49-F238E27FC236}">
+                <a16:creationId xmlns:a16="http://schemas.microsoft.com/office/drawing/2014/main" id="{BAD9BE89-D56E-28CC-F44A-84A941456B89}"/>
               </a:ext>
             </a:extLst>
           </p:cNvPr>
@@ -14305,20 +13929,232 @@
         </p:blipFill>
         <p:spPr>
           <a:xfrm>
-            <a:off x="5848385" y="1634233"/>
-            <a:ext cx="6224900" cy="2667484"/>
+            <a:off x="4630057" y="4145393"/>
+            <a:ext cx="7397083" cy="2588187"/>
           </a:xfrm>
           <a:prstGeom prst="rect">
             <a:avLst/>
           </a:prstGeom>
         </p:spPr>
       </p:pic>
+      <p:sp>
+        <p:nvSpPr>
+          <p:cNvPr id="16" name="TextBox 15">
+            <a:extLst>
+              <a:ext uri="{FF2B5EF4-FFF2-40B4-BE49-F238E27FC236}">
+                <a16:creationId xmlns:a16="http://schemas.microsoft.com/office/drawing/2014/main" id="{500DAC5D-7AAA-E36A-0AAB-82919B96CDDE}"/>
+              </a:ext>
+            </a:extLst>
+          </p:cNvPr>
+          <p:cNvSpPr txBox="1"/>
+          <p:nvPr/>
+        </p:nvSpPr>
+        <p:spPr>
+          <a:xfrm>
+            <a:off x="1199237" y="3247323"/>
+            <a:ext cx="2770310" cy="307777"/>
+          </a:xfrm>
+          <a:prstGeom prst="rect">
+            <a:avLst/>
+          </a:prstGeom>
+          <a:noFill/>
+        </p:spPr>
+        <p:txBody>
+          <a:bodyPr wrap="none" rtlCol="0">
+            <a:spAutoFit/>
+          </a:bodyPr>
+          <a:lstStyle/>
+          <a:p>
+            <a:r>
+              <a:rPr lang="en-IN" sz="1400" dirty="0">
+                <a:latin typeface="Bahnschrift" panose="020B0502040204020203" pitchFamily="34" charset="0"/>
+              </a:rPr>
+              <a:t>EmployeeSpecification Interface</a:t>
+            </a:r>
+          </a:p>
+        </p:txBody>
+      </p:sp>
+      <p:sp>
+        <p:nvSpPr>
+          <p:cNvPr id="17" name="TextBox 16">
+            <a:extLst>
+              <a:ext uri="{FF2B5EF4-FFF2-40B4-BE49-F238E27FC236}">
+                <a16:creationId xmlns:a16="http://schemas.microsoft.com/office/drawing/2014/main" id="{D7A482D9-A3E1-8B57-C375-1A6EDD09A6AD}"/>
+              </a:ext>
+            </a:extLst>
+          </p:cNvPr>
+          <p:cNvSpPr txBox="1"/>
+          <p:nvPr/>
+        </p:nvSpPr>
+        <p:spPr>
+          <a:xfrm>
+            <a:off x="1684759" y="5131708"/>
+            <a:ext cx="2047355" cy="307777"/>
+          </a:xfrm>
+          <a:prstGeom prst="rect">
+            <a:avLst/>
+          </a:prstGeom>
+          <a:noFill/>
+        </p:spPr>
+        <p:txBody>
+          <a:bodyPr wrap="none" rtlCol="0">
+            <a:spAutoFit/>
+          </a:bodyPr>
+          <a:lstStyle/>
+          <a:p>
+            <a:r>
+              <a:rPr lang="en-IN" sz="1400" dirty="0">
+                <a:latin typeface="Bahnschrift" panose="020B0502040204020203" pitchFamily="34" charset="0"/>
+              </a:rPr>
+              <a:t>EmployeeService class</a:t>
+            </a:r>
+          </a:p>
+        </p:txBody>
+      </p:sp>
+      <p:sp>
+        <p:nvSpPr>
+          <p:cNvPr id="22" name="Arrow: Right 21">
+            <a:extLst>
+              <a:ext uri="{FF2B5EF4-FFF2-40B4-BE49-F238E27FC236}">
+                <a16:creationId xmlns:a16="http://schemas.microsoft.com/office/drawing/2014/main" id="{D275EEBC-49C9-59AC-6328-DA58277C6280}"/>
+              </a:ext>
+            </a:extLst>
+          </p:cNvPr>
+          <p:cNvSpPr/>
+          <p:nvPr/>
+        </p:nvSpPr>
+        <p:spPr>
+          <a:xfrm>
+            <a:off x="3941623" y="1793966"/>
+            <a:ext cx="435428" cy="307777"/>
+          </a:xfrm>
+          <a:prstGeom prst="rightArrow">
+            <a:avLst/>
+          </a:prstGeom>
+        </p:spPr>
+        <p:style>
+          <a:lnRef idx="2">
+            <a:schemeClr val="accent1">
+              <a:shade val="50000"/>
+            </a:schemeClr>
+          </a:lnRef>
+          <a:fillRef idx="1">
+            <a:schemeClr val="accent1"/>
+          </a:fillRef>
+          <a:effectRef idx="0">
+            <a:schemeClr val="accent1"/>
+          </a:effectRef>
+          <a:fontRef idx="minor">
+            <a:schemeClr val="lt1"/>
+          </a:fontRef>
+        </p:style>
+        <p:txBody>
+          <a:bodyPr rtlCol="0" anchor="ctr"/>
+          <a:lstStyle/>
+          <a:p>
+            <a:pPr algn="ctr"/>
+            <a:endParaRPr lang="en-IN" dirty="0"/>
+          </a:p>
+        </p:txBody>
+      </p:sp>
+      <p:sp>
+        <p:nvSpPr>
+          <p:cNvPr id="23" name="Arrow: Right 22">
+            <a:extLst>
+              <a:ext uri="{FF2B5EF4-FFF2-40B4-BE49-F238E27FC236}">
+                <a16:creationId xmlns:a16="http://schemas.microsoft.com/office/drawing/2014/main" id="{CE965569-BA7F-29A2-A39A-D51A2D28FA12}"/>
+              </a:ext>
+            </a:extLst>
+          </p:cNvPr>
+          <p:cNvSpPr/>
+          <p:nvPr/>
+        </p:nvSpPr>
+        <p:spPr>
+          <a:xfrm>
+            <a:off x="3969547" y="3247323"/>
+            <a:ext cx="435428" cy="307777"/>
+          </a:xfrm>
+          <a:prstGeom prst="rightArrow">
+            <a:avLst/>
+          </a:prstGeom>
+        </p:spPr>
+        <p:style>
+          <a:lnRef idx="2">
+            <a:schemeClr val="accent1">
+              <a:shade val="50000"/>
+            </a:schemeClr>
+          </a:lnRef>
+          <a:fillRef idx="1">
+            <a:schemeClr val="accent1"/>
+          </a:fillRef>
+          <a:effectRef idx="0">
+            <a:schemeClr val="accent1"/>
+          </a:effectRef>
+          <a:fontRef idx="minor">
+            <a:schemeClr val="lt1"/>
+          </a:fontRef>
+        </p:style>
+        <p:txBody>
+          <a:bodyPr rtlCol="0" anchor="ctr"/>
+          <a:lstStyle/>
+          <a:p>
+            <a:pPr algn="ctr"/>
+            <a:endParaRPr lang="en-IN"/>
+          </a:p>
+        </p:txBody>
+      </p:sp>
+      <p:sp>
+        <p:nvSpPr>
+          <p:cNvPr id="24" name="Arrow: Right 23">
+            <a:extLst>
+              <a:ext uri="{FF2B5EF4-FFF2-40B4-BE49-F238E27FC236}">
+                <a16:creationId xmlns:a16="http://schemas.microsoft.com/office/drawing/2014/main" id="{3C786F4F-818A-2332-B5A3-5C8DEC5DC6A0}"/>
+              </a:ext>
+            </a:extLst>
+          </p:cNvPr>
+          <p:cNvSpPr/>
+          <p:nvPr/>
+        </p:nvSpPr>
+        <p:spPr>
+          <a:xfrm>
+            <a:off x="3922745" y="5131708"/>
+            <a:ext cx="462513" cy="307777"/>
+          </a:xfrm>
+          <a:prstGeom prst="rightArrow">
+            <a:avLst/>
+          </a:prstGeom>
+        </p:spPr>
+        <p:style>
+          <a:lnRef idx="2">
+            <a:schemeClr val="accent1">
+              <a:shade val="50000"/>
+            </a:schemeClr>
+          </a:lnRef>
+          <a:fillRef idx="1">
+            <a:schemeClr val="accent1"/>
+          </a:fillRef>
+          <a:effectRef idx="0">
+            <a:schemeClr val="accent1"/>
+          </a:effectRef>
+          <a:fontRef idx="minor">
+            <a:schemeClr val="lt1"/>
+          </a:fontRef>
+        </p:style>
+        <p:txBody>
+          <a:bodyPr rtlCol="0" anchor="ctr"/>
+          <a:lstStyle/>
+          <a:p>
+            <a:pPr algn="ctr"/>
+            <a:endParaRPr lang="en-IN"/>
+          </a:p>
+        </p:txBody>
+      </p:sp>
       <p:pic>
         <p:nvPicPr>
-          <p:cNvPr id="13" name="Picture 12">
-            <a:extLst>
-              <a:ext uri="{FF2B5EF4-FFF2-40B4-BE49-F238E27FC236}">
-                <a16:creationId xmlns:a16="http://schemas.microsoft.com/office/drawing/2014/main" id="{49108ACA-19E4-176D-3735-376FB0DAFCC2}"/>
+          <p:cNvPr id="26" name="Picture 25">
+            <a:extLst>
+              <a:ext uri="{FF2B5EF4-FFF2-40B4-BE49-F238E27FC236}">
+                <a16:creationId xmlns:a16="http://schemas.microsoft.com/office/drawing/2014/main" id="{29B59F12-5CCD-FFD3-CA62-3438BFBFB832}"/>
               </a:ext>
             </a:extLst>
           </p:cNvPr>
@@ -14335,8 +14171,8 @@
         </p:blipFill>
         <p:spPr>
           <a:xfrm>
-            <a:off x="5848385" y="4426857"/>
-            <a:ext cx="6224900" cy="2303961"/>
+            <a:off x="4630057" y="1250713"/>
+            <a:ext cx="7397083" cy="1378394"/>
           </a:xfrm>
           <a:prstGeom prst="rect">
             <a:avLst/>
@@ -14346,7 +14182,7 @@
     </p:spTree>
     <p:extLst>
       <p:ext uri="{BB962C8B-B14F-4D97-AF65-F5344CB8AC3E}">
-        <p14:creationId xmlns:p14="http://schemas.microsoft.com/office/powerpoint/2010/main" val="3316123681"/>
+        <p14:creationId xmlns:p14="http://schemas.microsoft.com/office/powerpoint/2010/main" val="3406773361"/>
       </p:ext>
     </p:extLst>
   </p:cSld>
@@ -14573,8 +14409,8 @@
         </p:nvSpPr>
         <p:spPr>
           <a:xfrm>
-            <a:off x="4134756" y="934087"/>
-            <a:ext cx="3922487" cy="307777"/>
+            <a:off x="4365170" y="911994"/>
+            <a:ext cx="3283859" cy="369332"/>
           </a:xfrm>
           <a:prstGeom prst="rect">
             <a:avLst/>
@@ -14600,7 +14436,7 @@
           </a:bodyPr>
           <a:lstStyle/>
           <a:p>
-            <a:pPr marL="0" marR="0" lvl="0" indent="0" algn="ctr" defTabSz="914400" rtl="0" eaLnBrk="1" fontAlgn="auto" latinLnBrk="0" hangingPunct="1">
+            <a:pPr marL="0" marR="0" lvl="0" indent="0" algn="l" defTabSz="914400" rtl="0" eaLnBrk="1" fontAlgn="auto" latinLnBrk="0" hangingPunct="1">
               <a:lnSpc>
                 <a:spcPct val="100000"/>
               </a:lnSpc>
@@ -14618,28 +14454,96 @@
               <a:defRPr/>
             </a:pPr>
             <a:r>
-              <a:rPr lang="en-IN" sz="1400" dirty="0">
+              <a:rPr kumimoji="0" lang="en-IN" sz="1800" b="0" i="0" u="none" strike="noStrike" kern="1200" cap="none" spc="0" normalizeH="0" baseline="0" noProof="0" dirty="0">
+                <a:ln>
+                  <a:noFill/>
+                </a:ln>
                 <a:solidFill>
                   <a:prstClr val="black"/>
                 </a:solidFill>
+                <a:effectLst/>
+                <a:uLnTx/>
+                <a:uFillTx/>
                 <a:latin typeface="Calibri" panose="020F0502020204030204"/>
+                <a:ea typeface="+mn-ea"/>
+                <a:cs typeface="+mn-cs"/>
               </a:rPr>
-              <a:t>Postman API Platform Screenshots</a:t>
-            </a:r>
-            <a:endParaRPr kumimoji="0" lang="en-IN" sz="1400" b="0" i="0" u="none" strike="noStrike" kern="1200" cap="none" spc="0" normalizeH="0" baseline="0" noProof="0" dirty="0">
-              <a:ln>
-                <a:noFill/>
-              </a:ln>
-              <a:solidFill>
-                <a:prstClr val="black"/>
-              </a:solidFill>
-              <a:effectLst/>
-              <a:uLnTx/>
-              <a:uFillTx/>
-              <a:latin typeface="Calibri" panose="020F0502020204030204"/>
-              <a:ea typeface="+mn-ea"/>
-              <a:cs typeface="+mn-cs"/>
-            </a:endParaRPr>
+              <a:t>Structure of Spring boot project</a:t>
+            </a:r>
+          </a:p>
+        </p:txBody>
+      </p:sp>
+      <p:sp>
+        <p:nvSpPr>
+          <p:cNvPr id="19" name="TextBox 18">
+            <a:extLst>
+              <a:ext uri="{FF2B5EF4-FFF2-40B4-BE49-F238E27FC236}">
+                <a16:creationId xmlns:a16="http://schemas.microsoft.com/office/drawing/2014/main" id="{BD19879F-E0FA-FC0F-170B-4758E7372E9C}"/>
+              </a:ext>
+            </a:extLst>
+          </p:cNvPr>
+          <p:cNvSpPr txBox="1"/>
+          <p:nvPr/>
+        </p:nvSpPr>
+        <p:spPr>
+          <a:xfrm>
+            <a:off x="1260011" y="1388605"/>
+            <a:ext cx="3947882" cy="307778"/>
+          </a:xfrm>
+          <a:prstGeom prst="rect">
+            <a:avLst/>
+          </a:prstGeom>
+          <a:noFill/>
+        </p:spPr>
+        <p:txBody>
+          <a:bodyPr wrap="square" rtlCol="0">
+            <a:spAutoFit/>
+          </a:bodyPr>
+          <a:lstStyle/>
+          <a:p>
+            <a:r>
+              <a:rPr lang="en-IN" sz="1400" dirty="0">
+                <a:latin typeface="Bahnschrift" panose="020B0502040204020203" pitchFamily="34" charset="0"/>
+              </a:rPr>
+              <a:t>DTO Class(Encryption to AES-256 in DTO class)</a:t>
+            </a:r>
+          </a:p>
+        </p:txBody>
+      </p:sp>
+      <p:sp>
+        <p:nvSpPr>
+          <p:cNvPr id="21" name="TextBox 20">
+            <a:extLst>
+              <a:ext uri="{FF2B5EF4-FFF2-40B4-BE49-F238E27FC236}">
+                <a16:creationId xmlns:a16="http://schemas.microsoft.com/office/drawing/2014/main" id="{BAC8FEB0-4C41-A710-D22A-583BF42C1331}"/>
+              </a:ext>
+            </a:extLst>
+          </p:cNvPr>
+          <p:cNvSpPr txBox="1"/>
+          <p:nvPr/>
+        </p:nvSpPr>
+        <p:spPr>
+          <a:xfrm>
+            <a:off x="7751523" y="1388605"/>
+            <a:ext cx="3077028" cy="307778"/>
+          </a:xfrm>
+          <a:prstGeom prst="rect">
+            <a:avLst/>
+          </a:prstGeom>
+          <a:noFill/>
+        </p:spPr>
+        <p:txBody>
+          <a:bodyPr wrap="square" rtlCol="0">
+            <a:spAutoFit/>
+          </a:bodyPr>
+          <a:lstStyle/>
+          <a:p>
+            <a:r>
+              <a:rPr lang="en-IN" sz="1400" dirty="0">
+                <a:latin typeface="Bahnschrift" panose="020B0502040204020203" pitchFamily="34" charset="0"/>
+              </a:rPr>
+              <a:t>Employee Service Test using Junit</a:t>
+            </a:r>
           </a:p>
         </p:txBody>
       </p:sp>
@@ -14648,7 +14552,7 @@
           <p:cNvPr id="3" name="Picture 2">
             <a:extLst>
               <a:ext uri="{FF2B5EF4-FFF2-40B4-BE49-F238E27FC236}">
-                <a16:creationId xmlns:a16="http://schemas.microsoft.com/office/drawing/2014/main" id="{4EEF5A40-DD82-80C5-1641-6FC742A43F7A}"/>
+                <a16:creationId xmlns:a16="http://schemas.microsoft.com/office/drawing/2014/main" id="{8F47B1A5-AA12-606C-2A06-58E67EFC167F}"/>
               </a:ext>
             </a:extLst>
           </p:cNvPr>
@@ -14665,8 +14569,8 @@
         </p:blipFill>
         <p:spPr>
           <a:xfrm>
-            <a:off x="129914" y="1639337"/>
-            <a:ext cx="3005380" cy="5146092"/>
+            <a:off x="6467904" y="1693904"/>
+            <a:ext cx="5644267" cy="5163270"/>
           </a:xfrm>
           <a:prstGeom prst="rect">
             <a:avLst/>
@@ -14675,10 +14579,10 @@
       </p:pic>
       <p:pic>
         <p:nvPicPr>
-          <p:cNvPr id="10" name="Picture 9">
-            <a:extLst>
-              <a:ext uri="{FF2B5EF4-FFF2-40B4-BE49-F238E27FC236}">
-                <a16:creationId xmlns:a16="http://schemas.microsoft.com/office/drawing/2014/main" id="{2568C0AB-A13E-7C8A-CE4C-76EEFC181C3B}"/>
+          <p:cNvPr id="7" name="Picture 6">
+            <a:extLst>
+              <a:ext uri="{FF2B5EF4-FFF2-40B4-BE49-F238E27FC236}">
+                <a16:creationId xmlns:a16="http://schemas.microsoft.com/office/drawing/2014/main" id="{A59C060B-9BE0-349A-3FF0-92FE23E9804C}"/>
               </a:ext>
             </a:extLst>
           </p:cNvPr>
@@ -14695,182 +14599,8 @@
         </p:blipFill>
         <p:spPr>
           <a:xfrm>
-            <a:off x="3265208" y="1639337"/>
-            <a:ext cx="3290279" cy="5146092"/>
-          </a:xfrm>
-          <a:prstGeom prst="rect">
-            <a:avLst/>
-          </a:prstGeom>
-        </p:spPr>
-      </p:pic>
-      <p:sp>
-        <p:nvSpPr>
-          <p:cNvPr id="11" name="TextBox 10">
-            <a:extLst>
-              <a:ext uri="{FF2B5EF4-FFF2-40B4-BE49-F238E27FC236}">
-                <a16:creationId xmlns:a16="http://schemas.microsoft.com/office/drawing/2014/main" id="{3BC6FD12-CA8B-B962-2D94-4DEE254BBA0F}"/>
-              </a:ext>
-            </a:extLst>
-          </p:cNvPr>
-          <p:cNvSpPr txBox="1"/>
-          <p:nvPr/>
-        </p:nvSpPr>
-        <p:spPr>
-          <a:xfrm>
-            <a:off x="43795" y="1317002"/>
-            <a:ext cx="3352800" cy="307777"/>
-          </a:xfrm>
-          <a:prstGeom prst="rect">
-            <a:avLst/>
-          </a:prstGeom>
-          <a:noFill/>
-        </p:spPr>
-        <p:txBody>
-          <a:bodyPr wrap="square" rtlCol="0">
-            <a:spAutoFit/>
-          </a:bodyPr>
-          <a:lstStyle/>
-          <a:p>
-            <a:r>
-              <a:rPr lang="en-IN" sz="1400" dirty="0">
-                <a:latin typeface="Arial" panose="020B0604020202020204" pitchFamily="34" charset="0"/>
-                <a:cs typeface="Arial" panose="020B0604020202020204" pitchFamily="34" charset="0"/>
-              </a:rPr>
-              <a:t>Webservice Response Data encrypted</a:t>
-            </a:r>
-          </a:p>
-        </p:txBody>
-      </p:sp>
-      <p:sp>
-        <p:nvSpPr>
-          <p:cNvPr id="12" name="TextBox 11">
-            <a:extLst>
-              <a:ext uri="{FF2B5EF4-FFF2-40B4-BE49-F238E27FC236}">
-                <a16:creationId xmlns:a16="http://schemas.microsoft.com/office/drawing/2014/main" id="{08C072EB-BE10-EC35-1038-BF3F3E49CFCD}"/>
-              </a:ext>
-            </a:extLst>
-          </p:cNvPr>
-          <p:cNvSpPr txBox="1"/>
-          <p:nvPr/>
-        </p:nvSpPr>
-        <p:spPr>
-          <a:xfrm flipH="1">
-            <a:off x="3888242" y="1350613"/>
-            <a:ext cx="2309358" cy="307777"/>
-          </a:xfrm>
-          <a:prstGeom prst="rect">
-            <a:avLst/>
-          </a:prstGeom>
-          <a:noFill/>
-        </p:spPr>
-        <p:txBody>
-          <a:bodyPr wrap="square" rtlCol="0">
-            <a:spAutoFit/>
-          </a:bodyPr>
-          <a:lstStyle/>
-          <a:p>
-            <a:r>
-              <a:rPr lang="en-IN" sz="1400" dirty="0">
-                <a:latin typeface="Arial" panose="020B0604020202020204" pitchFamily="34" charset="0"/>
-                <a:cs typeface="Arial" panose="020B0604020202020204" pitchFamily="34" charset="0"/>
-              </a:rPr>
-              <a:t>Client request-response</a:t>
-            </a:r>
-          </a:p>
-        </p:txBody>
-      </p:sp>
-      <p:sp>
-        <p:nvSpPr>
-          <p:cNvPr id="15" name="TextBox 14">
-            <a:extLst>
-              <a:ext uri="{FF2B5EF4-FFF2-40B4-BE49-F238E27FC236}">
-                <a16:creationId xmlns:a16="http://schemas.microsoft.com/office/drawing/2014/main" id="{F2BC25FA-5028-C6FC-BE21-EF109BD91364}"/>
-              </a:ext>
-            </a:extLst>
-          </p:cNvPr>
-          <p:cNvSpPr txBox="1"/>
-          <p:nvPr/>
-        </p:nvSpPr>
-        <p:spPr>
-          <a:xfrm>
-            <a:off x="8258589" y="1350613"/>
-            <a:ext cx="2503357" cy="307777"/>
-          </a:xfrm>
-          <a:prstGeom prst="rect">
-            <a:avLst/>
-          </a:prstGeom>
-          <a:noFill/>
-        </p:spPr>
-        <p:txBody>
-          <a:bodyPr wrap="square" rtlCol="0">
-            <a:spAutoFit/>
-          </a:bodyPr>
-          <a:lstStyle/>
-          <a:p>
-            <a:r>
-              <a:rPr lang="en-IN" sz="1400" dirty="0">
-                <a:latin typeface="Arial" panose="020B0604020202020204" pitchFamily="34" charset="0"/>
-                <a:cs typeface="Arial" panose="020B0604020202020204" pitchFamily="34" charset="0"/>
-              </a:rPr>
-              <a:t>Exception Handling</a:t>
-            </a:r>
-          </a:p>
-        </p:txBody>
-      </p:sp>
-      <p:pic>
-        <p:nvPicPr>
-          <p:cNvPr id="7" name="Picture 6">
-            <a:extLst>
-              <a:ext uri="{FF2B5EF4-FFF2-40B4-BE49-F238E27FC236}">
-                <a16:creationId xmlns:a16="http://schemas.microsoft.com/office/drawing/2014/main" id="{FD51F1C2-1D27-CE2F-FE4A-27162522FCAA}"/>
-              </a:ext>
-            </a:extLst>
-          </p:cNvPr>
-          <p:cNvPicPr>
-            <a:picLocks noChangeAspect="1"/>
-          </p:cNvPicPr>
-          <p:nvPr/>
-        </p:nvPicPr>
-        <p:blipFill>
-          <a:blip r:embed="rId6"/>
-          <a:stretch>
-            <a:fillRect/>
-          </a:stretch>
-        </p:blipFill>
-        <p:spPr>
-          <a:xfrm>
-            <a:off x="6685400" y="1639338"/>
-            <a:ext cx="5376685" cy="2273932"/>
-          </a:xfrm>
-          <a:prstGeom prst="rect">
-            <a:avLst/>
-          </a:prstGeom>
-        </p:spPr>
-      </p:pic>
-      <p:pic>
-        <p:nvPicPr>
-          <p:cNvPr id="16" name="Picture 15">
-            <a:extLst>
-              <a:ext uri="{FF2B5EF4-FFF2-40B4-BE49-F238E27FC236}">
-                <a16:creationId xmlns:a16="http://schemas.microsoft.com/office/drawing/2014/main" id="{DC4434CB-0D3D-FE55-8951-B45E5C8746E3}"/>
-              </a:ext>
-            </a:extLst>
-          </p:cNvPr>
-          <p:cNvPicPr>
-            <a:picLocks noChangeAspect="1"/>
-          </p:cNvPicPr>
-          <p:nvPr/>
-        </p:nvPicPr>
-        <p:blipFill>
-          <a:blip r:embed="rId7"/>
-          <a:stretch>
-            <a:fillRect/>
-          </a:stretch>
-        </p:blipFill>
-        <p:spPr>
-          <a:xfrm>
-            <a:off x="6685400" y="4020457"/>
-            <a:ext cx="5376685" cy="2764972"/>
+            <a:off x="79829" y="1693904"/>
+            <a:ext cx="6308246" cy="5144218"/>
           </a:xfrm>
           <a:prstGeom prst="rect">
             <a:avLst/>
@@ -14880,7 +14610,7 @@
     </p:spTree>
     <p:extLst>
       <p:ext uri="{BB962C8B-B14F-4D97-AF65-F5344CB8AC3E}">
-        <p14:creationId xmlns:p14="http://schemas.microsoft.com/office/powerpoint/2010/main" val="4278196989"/>
+        <p14:creationId xmlns:p14="http://schemas.microsoft.com/office/powerpoint/2010/main" val="1715802902"/>
       </p:ext>
     </p:extLst>
   </p:cSld>
@@ -15056,17 +14786,37 @@
           </a:bodyPr>
           <a:lstStyle/>
           <a:p>
-            <a:pPr>
+            <a:pPr marL="0" marR="0" lvl="0" indent="0" algn="l" defTabSz="914400" rtl="0" eaLnBrk="1" fontAlgn="auto" latinLnBrk="0" hangingPunct="1">
               <a:lnSpc>
                 <a:spcPct val="115000"/>
               </a:lnSpc>
+              <a:spcBef>
+                <a:spcPts val="0"/>
+              </a:spcBef>
+              <a:spcAft>
+                <a:spcPts val="0"/>
+              </a:spcAft>
+              <a:buClrTx/>
+              <a:buSzTx/>
+              <a:buFontTx/>
+              <a:buNone/>
+              <a:tabLst/>
+              <a:defRPr/>
             </a:pPr>
             <a:r>
-              <a:rPr lang="en-IN" sz="2400" b="1" dirty="0">
+              <a:rPr kumimoji="0" lang="en-IN" sz="2400" b="1" i="0" u="none" strike="noStrike" kern="1200" cap="none" spc="0" normalizeH="0" baseline="0" noProof="0" dirty="0">
+                <a:ln>
+                  <a:noFill/>
+                </a:ln>
                 <a:solidFill>
-                  <a:schemeClr val="bg1"/>
+                  <a:prstClr val="white"/>
                 </a:solidFill>
+                <a:effectLst/>
+                <a:uLnTx/>
+                <a:uFillTx/>
                 <a:latin typeface="Times New Roman" panose="02020603050405020304" pitchFamily="18" charset="0"/>
+                <a:ea typeface="+mn-ea"/>
+                <a:cs typeface="+mn-cs"/>
               </a:rPr>
               <a:t>Appendices</a:t>
             </a:r>
@@ -15087,8 +14837,8 @@
         </p:nvSpPr>
         <p:spPr>
           <a:xfrm>
-            <a:off x="4944835" y="908345"/>
-            <a:ext cx="2302330" cy="369332"/>
+            <a:off x="4365170" y="911994"/>
+            <a:ext cx="3283859" cy="369332"/>
           </a:xfrm>
           <a:prstGeom prst="rect">
             <a:avLst/>
@@ -15114,19 +14864,123 @@
           </a:bodyPr>
           <a:lstStyle/>
           <a:p>
-            <a:r>
-              <a:rPr lang="en-IN" dirty="0"/>
-              <a:t>SonarQube Inspection</a:t>
+            <a:pPr marL="0" marR="0" lvl="0" indent="0" algn="ctr" defTabSz="914400" rtl="0" eaLnBrk="1" fontAlgn="auto" latinLnBrk="0" hangingPunct="1">
+              <a:lnSpc>
+                <a:spcPct val="100000"/>
+              </a:lnSpc>
+              <a:spcBef>
+                <a:spcPts val="0"/>
+              </a:spcBef>
+              <a:spcAft>
+                <a:spcPts val="0"/>
+              </a:spcAft>
+              <a:buClrTx/>
+              <a:buSzTx/>
+              <a:buFontTx/>
+              <a:buNone/>
+              <a:tabLst/>
+              <a:defRPr/>
+            </a:pPr>
+            <a:r>
+              <a:rPr kumimoji="0" lang="en-IN" sz="1800" b="0" i="0" u="none" strike="noStrike" kern="1200" cap="none" spc="0" normalizeH="0" baseline="0" noProof="0" dirty="0">
+                <a:ln>
+                  <a:noFill/>
+                </a:ln>
+                <a:solidFill>
+                  <a:prstClr val="black"/>
+                </a:solidFill>
+                <a:effectLst/>
+                <a:uLnTx/>
+                <a:uFillTx/>
+                <a:latin typeface="Calibri" panose="020F0502020204030204"/>
+                <a:ea typeface="+mn-ea"/>
+                <a:cs typeface="+mn-cs"/>
+              </a:rPr>
+              <a:t>Structure of Client program</a:t>
+            </a:r>
+          </a:p>
+        </p:txBody>
+      </p:sp>
+      <p:sp>
+        <p:nvSpPr>
+          <p:cNvPr id="16" name="TextBox 15">
+            <a:extLst>
+              <a:ext uri="{FF2B5EF4-FFF2-40B4-BE49-F238E27FC236}">
+                <a16:creationId xmlns:a16="http://schemas.microsoft.com/office/drawing/2014/main" id="{9566F95F-AD14-0E73-C183-4EF8A781B37D}"/>
+              </a:ext>
+            </a:extLst>
+          </p:cNvPr>
+          <p:cNvSpPr txBox="1"/>
+          <p:nvPr/>
+        </p:nvSpPr>
+        <p:spPr>
+          <a:xfrm>
+            <a:off x="873021" y="1326454"/>
+            <a:ext cx="4102343" cy="307777"/>
+          </a:xfrm>
+          <a:prstGeom prst="rect">
+            <a:avLst/>
+          </a:prstGeom>
+          <a:noFill/>
+        </p:spPr>
+        <p:txBody>
+          <a:bodyPr wrap="square" rtlCol="0">
+            <a:spAutoFit/>
+          </a:bodyPr>
+          <a:lstStyle/>
+          <a:p>
+            <a:r>
+              <a:rPr lang="en-IN" sz="1400" dirty="0">
+                <a:latin typeface="Bahnschrift" panose="020B0502040204020203" pitchFamily="34" charset="0"/>
+              </a:rPr>
+              <a:t>DTO class(Decryption of webservice response)</a:t>
+            </a:r>
+          </a:p>
+        </p:txBody>
+      </p:sp>
+      <p:sp>
+        <p:nvSpPr>
+          <p:cNvPr id="18" name="TextBox 17">
+            <a:extLst>
+              <a:ext uri="{FF2B5EF4-FFF2-40B4-BE49-F238E27FC236}">
+                <a16:creationId xmlns:a16="http://schemas.microsoft.com/office/drawing/2014/main" id="{AB33C17F-C27F-0ED4-83AB-DA26095A4261}"/>
+              </a:ext>
+            </a:extLst>
+          </p:cNvPr>
+          <p:cNvSpPr txBox="1"/>
+          <p:nvPr/>
+        </p:nvSpPr>
+        <p:spPr>
+          <a:xfrm>
+            <a:off x="6718128" y="1326455"/>
+            <a:ext cx="4485414" cy="307777"/>
+          </a:xfrm>
+          <a:prstGeom prst="rect">
+            <a:avLst/>
+          </a:prstGeom>
+          <a:noFill/>
+        </p:spPr>
+        <p:txBody>
+          <a:bodyPr wrap="square" rtlCol="0">
+            <a:spAutoFit/>
+          </a:bodyPr>
+          <a:lstStyle/>
+          <a:p>
+            <a:r>
+              <a:rPr lang="en-IN" sz="1400" dirty="0">
+                <a:latin typeface="Bahnschrift" panose="020B0502040204020203" pitchFamily="34" charset="0"/>
+              </a:rPr>
+              <a:t>RestTemplate custom config &amp; Client Controller class</a:t>
             </a:r>
           </a:p>
         </p:txBody>
       </p:sp>
       <p:pic>
         <p:nvPicPr>
-          <p:cNvPr id="15" name="Picture 14">
-            <a:extLst>
-              <a:ext uri="{FF2B5EF4-FFF2-40B4-BE49-F238E27FC236}">
-                <a16:creationId xmlns:a16="http://schemas.microsoft.com/office/drawing/2014/main" id="{FA67BD38-4DCE-D0D5-0967-6B05540207D8}"/>
+          <p:cNvPr id="7" name="Picture 6">
+            <a:extLst>
+              <a:ext uri="{FF2B5EF4-FFF2-40B4-BE49-F238E27FC236}">
+                <a16:creationId xmlns:a16="http://schemas.microsoft.com/office/drawing/2014/main" id="{BA9A4B21-CEB9-5DB6-570A-C0D3D15C6FE1}"/>
               </a:ext>
             </a:extLst>
           </p:cNvPr>
@@ -15143,8 +14997,68 @@
         </p:blipFill>
         <p:spPr>
           <a:xfrm>
-            <a:off x="101600" y="1326454"/>
-            <a:ext cx="12090399" cy="5531546"/>
+            <a:off x="118715" y="1634232"/>
+            <a:ext cx="5610956" cy="5096586"/>
+          </a:xfrm>
+          <a:prstGeom prst="rect">
+            <a:avLst/>
+          </a:prstGeom>
+        </p:spPr>
+      </p:pic>
+      <p:pic>
+        <p:nvPicPr>
+          <p:cNvPr id="3" name="Picture 2">
+            <a:extLst>
+              <a:ext uri="{FF2B5EF4-FFF2-40B4-BE49-F238E27FC236}">
+                <a16:creationId xmlns:a16="http://schemas.microsoft.com/office/drawing/2014/main" id="{F2498466-6BF8-6707-6663-CBAF012B50A3}"/>
+              </a:ext>
+            </a:extLst>
+          </p:cNvPr>
+          <p:cNvPicPr>
+            <a:picLocks noChangeAspect="1"/>
+          </p:cNvPicPr>
+          <p:nvPr/>
+        </p:nvPicPr>
+        <p:blipFill>
+          <a:blip r:embed="rId5"/>
+          <a:stretch>
+            <a:fillRect/>
+          </a:stretch>
+        </p:blipFill>
+        <p:spPr>
+          <a:xfrm>
+            <a:off x="5848385" y="1634233"/>
+            <a:ext cx="6224900" cy="2667484"/>
+          </a:xfrm>
+          <a:prstGeom prst="rect">
+            <a:avLst/>
+          </a:prstGeom>
+        </p:spPr>
+      </p:pic>
+      <p:pic>
+        <p:nvPicPr>
+          <p:cNvPr id="13" name="Picture 12">
+            <a:extLst>
+              <a:ext uri="{FF2B5EF4-FFF2-40B4-BE49-F238E27FC236}">
+                <a16:creationId xmlns:a16="http://schemas.microsoft.com/office/drawing/2014/main" id="{49108ACA-19E4-176D-3735-376FB0DAFCC2}"/>
+              </a:ext>
+            </a:extLst>
+          </p:cNvPr>
+          <p:cNvPicPr>
+            <a:picLocks noChangeAspect="1"/>
+          </p:cNvPicPr>
+          <p:nvPr/>
+        </p:nvPicPr>
+        <p:blipFill>
+          <a:blip r:embed="rId6"/>
+          <a:stretch>
+            <a:fillRect/>
+          </a:stretch>
+        </p:blipFill>
+        <p:spPr>
+          <a:xfrm>
+            <a:off x="5848385" y="4426857"/>
+            <a:ext cx="6224900" cy="2303961"/>
           </a:xfrm>
           <a:prstGeom prst="rect">
             <a:avLst/>
@@ -15154,7 +15068,7 @@
     </p:spTree>
     <p:extLst>
       <p:ext uri="{BB962C8B-B14F-4D97-AF65-F5344CB8AC3E}">
-        <p14:creationId xmlns:p14="http://schemas.microsoft.com/office/powerpoint/2010/main" val="311276636"/>
+        <p14:creationId xmlns:p14="http://schemas.microsoft.com/office/powerpoint/2010/main" val="3316123681"/>
       </p:ext>
     </p:extLst>
   </p:cSld>
@@ -15300,10 +15214,10 @@
       </p:pic>
       <p:sp>
         <p:nvSpPr>
-          <p:cNvPr id="2" name="TextBox 1">
-            <a:extLst>
-              <a:ext uri="{FF2B5EF4-FFF2-40B4-BE49-F238E27FC236}">
-                <a16:creationId xmlns:a16="http://schemas.microsoft.com/office/drawing/2014/main" id="{1A44BC85-1B87-95E2-D287-741884DBCDF1}"/>
+          <p:cNvPr id="8" name="TextBox 7">
+            <a:extLst>
+              <a:ext uri="{FF2B5EF4-FFF2-40B4-BE49-F238E27FC236}">
+                <a16:creationId xmlns:a16="http://schemas.microsoft.com/office/drawing/2014/main" id="{83A5D50A-7BF5-47B2-27E6-96AA33171B2B}"/>
               </a:ext>
             </a:extLst>
           </p:cNvPr>
@@ -15372,7 +15286,7 @@
           <p:cNvPr id="9" name="TextBox 8">
             <a:extLst>
               <a:ext uri="{FF2B5EF4-FFF2-40B4-BE49-F238E27FC236}">
-                <a16:creationId xmlns:a16="http://schemas.microsoft.com/office/drawing/2014/main" id="{8776E258-07B7-D5D9-7396-35BF7029BD2A}"/>
+                <a16:creationId xmlns:a16="http://schemas.microsoft.com/office/drawing/2014/main" id="{6EFC0530-9B9F-4025-AECD-21FC40BAD8C5}"/>
               </a:ext>
             </a:extLst>
           </p:cNvPr>
@@ -15381,7 +15295,7 @@
         </p:nvSpPr>
         <p:spPr>
           <a:xfrm>
-            <a:off x="0" y="1096824"/>
+            <a:off x="4134756" y="934087"/>
             <a:ext cx="3922487" cy="307777"/>
           </a:xfrm>
           <a:prstGeom prst="rect">
@@ -15432,6 +15346,814 @@
                 </a:solidFill>
                 <a:latin typeface="Calibri" panose="020F0502020204030204"/>
               </a:rPr>
+              <a:t>Postman API Platform Screenshots</a:t>
+            </a:r>
+            <a:endParaRPr kumimoji="0" lang="en-IN" sz="1400" b="0" i="0" u="none" strike="noStrike" kern="1200" cap="none" spc="0" normalizeH="0" baseline="0" noProof="0" dirty="0">
+              <a:ln>
+                <a:noFill/>
+              </a:ln>
+              <a:solidFill>
+                <a:prstClr val="black"/>
+              </a:solidFill>
+              <a:effectLst/>
+              <a:uLnTx/>
+              <a:uFillTx/>
+              <a:latin typeface="Calibri" panose="020F0502020204030204"/>
+              <a:ea typeface="+mn-ea"/>
+              <a:cs typeface="+mn-cs"/>
+            </a:endParaRPr>
+          </a:p>
+        </p:txBody>
+      </p:sp>
+      <p:pic>
+        <p:nvPicPr>
+          <p:cNvPr id="3" name="Picture 2">
+            <a:extLst>
+              <a:ext uri="{FF2B5EF4-FFF2-40B4-BE49-F238E27FC236}">
+                <a16:creationId xmlns:a16="http://schemas.microsoft.com/office/drawing/2014/main" id="{4EEF5A40-DD82-80C5-1641-6FC742A43F7A}"/>
+              </a:ext>
+            </a:extLst>
+          </p:cNvPr>
+          <p:cNvPicPr>
+            <a:picLocks noChangeAspect="1"/>
+          </p:cNvPicPr>
+          <p:nvPr/>
+        </p:nvPicPr>
+        <p:blipFill>
+          <a:blip r:embed="rId4"/>
+          <a:stretch>
+            <a:fillRect/>
+          </a:stretch>
+        </p:blipFill>
+        <p:spPr>
+          <a:xfrm>
+            <a:off x="129914" y="1639337"/>
+            <a:ext cx="3005380" cy="5146092"/>
+          </a:xfrm>
+          <a:prstGeom prst="rect">
+            <a:avLst/>
+          </a:prstGeom>
+        </p:spPr>
+      </p:pic>
+      <p:pic>
+        <p:nvPicPr>
+          <p:cNvPr id="10" name="Picture 9">
+            <a:extLst>
+              <a:ext uri="{FF2B5EF4-FFF2-40B4-BE49-F238E27FC236}">
+                <a16:creationId xmlns:a16="http://schemas.microsoft.com/office/drawing/2014/main" id="{2568C0AB-A13E-7C8A-CE4C-76EEFC181C3B}"/>
+              </a:ext>
+            </a:extLst>
+          </p:cNvPr>
+          <p:cNvPicPr>
+            <a:picLocks noChangeAspect="1"/>
+          </p:cNvPicPr>
+          <p:nvPr/>
+        </p:nvPicPr>
+        <p:blipFill>
+          <a:blip r:embed="rId5"/>
+          <a:stretch>
+            <a:fillRect/>
+          </a:stretch>
+        </p:blipFill>
+        <p:spPr>
+          <a:xfrm>
+            <a:off x="3265208" y="1639337"/>
+            <a:ext cx="3290279" cy="5146092"/>
+          </a:xfrm>
+          <a:prstGeom prst="rect">
+            <a:avLst/>
+          </a:prstGeom>
+        </p:spPr>
+      </p:pic>
+      <p:sp>
+        <p:nvSpPr>
+          <p:cNvPr id="11" name="TextBox 10">
+            <a:extLst>
+              <a:ext uri="{FF2B5EF4-FFF2-40B4-BE49-F238E27FC236}">
+                <a16:creationId xmlns:a16="http://schemas.microsoft.com/office/drawing/2014/main" id="{3BC6FD12-CA8B-B962-2D94-4DEE254BBA0F}"/>
+              </a:ext>
+            </a:extLst>
+          </p:cNvPr>
+          <p:cNvSpPr txBox="1"/>
+          <p:nvPr/>
+        </p:nvSpPr>
+        <p:spPr>
+          <a:xfrm>
+            <a:off x="43795" y="1317002"/>
+            <a:ext cx="3352800" cy="307777"/>
+          </a:xfrm>
+          <a:prstGeom prst="rect">
+            <a:avLst/>
+          </a:prstGeom>
+          <a:noFill/>
+        </p:spPr>
+        <p:txBody>
+          <a:bodyPr wrap="square" rtlCol="0">
+            <a:spAutoFit/>
+          </a:bodyPr>
+          <a:lstStyle/>
+          <a:p>
+            <a:r>
+              <a:rPr lang="en-IN" sz="1400" dirty="0">
+                <a:latin typeface="Arial" panose="020B0604020202020204" pitchFamily="34" charset="0"/>
+                <a:cs typeface="Arial" panose="020B0604020202020204" pitchFamily="34" charset="0"/>
+              </a:rPr>
+              <a:t>Webservice Response Data encrypted</a:t>
+            </a:r>
+          </a:p>
+        </p:txBody>
+      </p:sp>
+      <p:sp>
+        <p:nvSpPr>
+          <p:cNvPr id="12" name="TextBox 11">
+            <a:extLst>
+              <a:ext uri="{FF2B5EF4-FFF2-40B4-BE49-F238E27FC236}">
+                <a16:creationId xmlns:a16="http://schemas.microsoft.com/office/drawing/2014/main" id="{08C072EB-BE10-EC35-1038-BF3F3E49CFCD}"/>
+              </a:ext>
+            </a:extLst>
+          </p:cNvPr>
+          <p:cNvSpPr txBox="1"/>
+          <p:nvPr/>
+        </p:nvSpPr>
+        <p:spPr>
+          <a:xfrm flipH="1">
+            <a:off x="3888242" y="1350613"/>
+            <a:ext cx="2309358" cy="307777"/>
+          </a:xfrm>
+          <a:prstGeom prst="rect">
+            <a:avLst/>
+          </a:prstGeom>
+          <a:noFill/>
+        </p:spPr>
+        <p:txBody>
+          <a:bodyPr wrap="square" rtlCol="0">
+            <a:spAutoFit/>
+          </a:bodyPr>
+          <a:lstStyle/>
+          <a:p>
+            <a:r>
+              <a:rPr lang="en-IN" sz="1400" dirty="0">
+                <a:latin typeface="Arial" panose="020B0604020202020204" pitchFamily="34" charset="0"/>
+                <a:cs typeface="Arial" panose="020B0604020202020204" pitchFamily="34" charset="0"/>
+              </a:rPr>
+              <a:t>Client request-response</a:t>
+            </a:r>
+          </a:p>
+        </p:txBody>
+      </p:sp>
+      <p:sp>
+        <p:nvSpPr>
+          <p:cNvPr id="15" name="TextBox 14">
+            <a:extLst>
+              <a:ext uri="{FF2B5EF4-FFF2-40B4-BE49-F238E27FC236}">
+                <a16:creationId xmlns:a16="http://schemas.microsoft.com/office/drawing/2014/main" id="{F2BC25FA-5028-C6FC-BE21-EF109BD91364}"/>
+              </a:ext>
+            </a:extLst>
+          </p:cNvPr>
+          <p:cNvSpPr txBox="1"/>
+          <p:nvPr/>
+        </p:nvSpPr>
+        <p:spPr>
+          <a:xfrm>
+            <a:off x="8258589" y="1350613"/>
+            <a:ext cx="2503357" cy="307777"/>
+          </a:xfrm>
+          <a:prstGeom prst="rect">
+            <a:avLst/>
+          </a:prstGeom>
+          <a:noFill/>
+        </p:spPr>
+        <p:txBody>
+          <a:bodyPr wrap="square" rtlCol="0">
+            <a:spAutoFit/>
+          </a:bodyPr>
+          <a:lstStyle/>
+          <a:p>
+            <a:r>
+              <a:rPr lang="en-IN" sz="1400" dirty="0">
+                <a:latin typeface="Arial" panose="020B0604020202020204" pitchFamily="34" charset="0"/>
+                <a:cs typeface="Arial" panose="020B0604020202020204" pitchFamily="34" charset="0"/>
+              </a:rPr>
+              <a:t>Exception Handling</a:t>
+            </a:r>
+          </a:p>
+        </p:txBody>
+      </p:sp>
+      <p:pic>
+        <p:nvPicPr>
+          <p:cNvPr id="7" name="Picture 6">
+            <a:extLst>
+              <a:ext uri="{FF2B5EF4-FFF2-40B4-BE49-F238E27FC236}">
+                <a16:creationId xmlns:a16="http://schemas.microsoft.com/office/drawing/2014/main" id="{FD51F1C2-1D27-CE2F-FE4A-27162522FCAA}"/>
+              </a:ext>
+            </a:extLst>
+          </p:cNvPr>
+          <p:cNvPicPr>
+            <a:picLocks noChangeAspect="1"/>
+          </p:cNvPicPr>
+          <p:nvPr/>
+        </p:nvPicPr>
+        <p:blipFill>
+          <a:blip r:embed="rId6"/>
+          <a:stretch>
+            <a:fillRect/>
+          </a:stretch>
+        </p:blipFill>
+        <p:spPr>
+          <a:xfrm>
+            <a:off x="6685400" y="1639338"/>
+            <a:ext cx="5376685" cy="2273932"/>
+          </a:xfrm>
+          <a:prstGeom prst="rect">
+            <a:avLst/>
+          </a:prstGeom>
+        </p:spPr>
+      </p:pic>
+      <p:pic>
+        <p:nvPicPr>
+          <p:cNvPr id="16" name="Picture 15">
+            <a:extLst>
+              <a:ext uri="{FF2B5EF4-FFF2-40B4-BE49-F238E27FC236}">
+                <a16:creationId xmlns:a16="http://schemas.microsoft.com/office/drawing/2014/main" id="{DC4434CB-0D3D-FE55-8951-B45E5C8746E3}"/>
+              </a:ext>
+            </a:extLst>
+          </p:cNvPr>
+          <p:cNvPicPr>
+            <a:picLocks noChangeAspect="1"/>
+          </p:cNvPicPr>
+          <p:nvPr/>
+        </p:nvPicPr>
+        <p:blipFill>
+          <a:blip r:embed="rId7"/>
+          <a:stretch>
+            <a:fillRect/>
+          </a:stretch>
+        </p:blipFill>
+        <p:spPr>
+          <a:xfrm>
+            <a:off x="6685400" y="4020457"/>
+            <a:ext cx="5376685" cy="2764972"/>
+          </a:xfrm>
+          <a:prstGeom prst="rect">
+            <a:avLst/>
+          </a:prstGeom>
+        </p:spPr>
+      </p:pic>
+    </p:spTree>
+    <p:extLst>
+      <p:ext uri="{BB962C8B-B14F-4D97-AF65-F5344CB8AC3E}">
+        <p14:creationId xmlns:p14="http://schemas.microsoft.com/office/powerpoint/2010/main" val="4278196989"/>
+      </p:ext>
+    </p:extLst>
+  </p:cSld>
+  <p:clrMapOvr>
+    <a:masterClrMapping/>
+  </p:clrMapOvr>
+  <p:transition spd="slow">
+    <p:push/>
+  </p:transition>
+</p:sld>
+</file>
+
+<file path=ppt/slides/slide34.xml><?xml version="1.0" encoding="utf-8"?>
+<p:sld xmlns:a="http://schemas.openxmlformats.org/drawingml/2006/main" xmlns:r="http://schemas.openxmlformats.org/officeDocument/2006/relationships" xmlns:p="http://schemas.openxmlformats.org/presentationml/2006/main">
+  <p:cSld>
+    <p:spTree>
+      <p:nvGrpSpPr>
+        <p:cNvPr id="1" name=""/>
+        <p:cNvGrpSpPr/>
+        <p:nvPr/>
+      </p:nvGrpSpPr>
+      <p:grpSpPr>
+        <a:xfrm>
+          <a:off x="0" y="0"/>
+          <a:ext cx="0" cy="0"/>
+          <a:chOff x="0" y="0"/>
+          <a:chExt cx="0" cy="0"/>
+        </a:xfrm>
+      </p:grpSpPr>
+      <p:pic>
+        <p:nvPicPr>
+          <p:cNvPr id="4" name="Picture 3">
+            <a:extLst>
+              <a:ext uri="{FF2B5EF4-FFF2-40B4-BE49-F238E27FC236}">
+                <a16:creationId xmlns:a16="http://schemas.microsoft.com/office/drawing/2014/main" id="{3893C3C6-E6B4-0EAA-6168-B66B664B265B}"/>
+              </a:ext>
+            </a:extLst>
+          </p:cNvPr>
+          <p:cNvPicPr>
+            <a:picLocks noGrp="1" noRot="1" noChangeAspect="1" noMove="1" noResize="1" noEditPoints="1" noAdjustHandles="1" noChangeArrowheads="1" noChangeShapeType="1" noCrop="1"/>
+          </p:cNvPicPr>
+          <p:nvPr/>
+        </p:nvPicPr>
+        <p:blipFill>
+          <a:blip r:embed="rId2" cstate="email">
+            <a:extLst>
+              <a:ext uri="{28A0092B-C50C-407E-A947-70E740481C1C}">
+                <a14:useLocalDpi xmlns:a14="http://schemas.microsoft.com/office/drawing/2010/main"/>
+              </a:ext>
+            </a:extLst>
+          </a:blip>
+          <a:stretch>
+            <a:fillRect/>
+          </a:stretch>
+        </p:blipFill>
+        <p:spPr>
+          <a:xfrm flipH="1">
+            <a:off x="0" y="0"/>
+            <a:ext cx="12192000" cy="6858000"/>
+          </a:xfrm>
+          <a:prstGeom prst="rect">
+            <a:avLst/>
+          </a:prstGeom>
+        </p:spPr>
+      </p:pic>
+      <p:cxnSp>
+        <p:nvCxnSpPr>
+          <p:cNvPr id="5" name="Straight Connector 4">
+            <a:extLst>
+              <a:ext uri="{FF2B5EF4-FFF2-40B4-BE49-F238E27FC236}">
+                <a16:creationId xmlns:a16="http://schemas.microsoft.com/office/drawing/2014/main" id="{6317BEF4-F659-05B0-B884-5FBC9950BC38}"/>
+              </a:ext>
+            </a:extLst>
+          </p:cNvPr>
+          <p:cNvCxnSpPr>
+            <a:cxnSpLocks/>
+          </p:cNvCxnSpPr>
+          <p:nvPr/>
+        </p:nvCxnSpPr>
+        <p:spPr>
+          <a:xfrm>
+            <a:off x="2404113" y="383848"/>
+            <a:ext cx="0" cy="429893"/>
+          </a:xfrm>
+          <a:prstGeom prst="line">
+            <a:avLst/>
+          </a:prstGeom>
+          <a:ln w="12700">
+            <a:solidFill>
+              <a:srgbClr val="DD4F22"/>
+            </a:solidFill>
+          </a:ln>
+        </p:spPr>
+        <p:style>
+          <a:lnRef idx="1">
+            <a:schemeClr val="accent1"/>
+          </a:lnRef>
+          <a:fillRef idx="0">
+            <a:schemeClr val="accent1"/>
+          </a:fillRef>
+          <a:effectRef idx="0">
+            <a:schemeClr val="accent1"/>
+          </a:effectRef>
+          <a:fontRef idx="minor">
+            <a:schemeClr val="tx1"/>
+          </a:fontRef>
+        </p:style>
+      </p:cxnSp>
+      <p:pic>
+        <p:nvPicPr>
+          <p:cNvPr id="6" name="Picture 5">
+            <a:extLst>
+              <a:ext uri="{FF2B5EF4-FFF2-40B4-BE49-F238E27FC236}">
+                <a16:creationId xmlns:a16="http://schemas.microsoft.com/office/drawing/2014/main" id="{4C8E9BB0-02EA-460A-EDCE-9CB013DFF909}"/>
+              </a:ext>
+            </a:extLst>
+          </p:cNvPr>
+          <p:cNvPicPr>
+            <a:picLocks noGrp="1" noRot="1" noChangeAspect="1" noMove="1" noResize="1" noEditPoints="1" noAdjustHandles="1" noChangeArrowheads="1" noChangeShapeType="1" noCrop="1"/>
+          </p:cNvPicPr>
+          <p:nvPr/>
+        </p:nvPicPr>
+        <p:blipFill>
+          <a:blip r:embed="rId3">
+            <a:extLst>
+              <a:ext uri="{28A0092B-C50C-407E-A947-70E740481C1C}">
+                <a14:useLocalDpi xmlns:a14="http://schemas.microsoft.com/office/drawing/2010/main" val="0"/>
+              </a:ext>
+            </a:extLst>
+          </a:blip>
+          <a:srcRect/>
+          <a:stretch/>
+        </p:blipFill>
+        <p:spPr>
+          <a:xfrm>
+            <a:off x="217505" y="338023"/>
+            <a:ext cx="1963465" cy="521544"/>
+          </a:xfrm>
+          <a:prstGeom prst="rect">
+            <a:avLst/>
+          </a:prstGeom>
+        </p:spPr>
+      </p:pic>
+      <p:sp>
+        <p:nvSpPr>
+          <p:cNvPr id="8" name="TextBox 7">
+            <a:extLst>
+              <a:ext uri="{FF2B5EF4-FFF2-40B4-BE49-F238E27FC236}">
+                <a16:creationId xmlns:a16="http://schemas.microsoft.com/office/drawing/2014/main" id="{83A5D50A-7BF5-47B2-27E6-96AA33171B2B}"/>
+              </a:ext>
+            </a:extLst>
+          </p:cNvPr>
+          <p:cNvSpPr txBox="1">
+            <a:spLocks noGrp="1" noRot="1" noMove="1" noResize="1" noEditPoints="1" noAdjustHandles="1" noChangeArrowheads="1" noChangeShapeType="1"/>
+          </p:cNvSpPr>
+          <p:nvPr/>
+        </p:nvSpPr>
+        <p:spPr>
+          <a:xfrm>
+            <a:off x="2499360" y="383848"/>
+            <a:ext cx="8818879" cy="483017"/>
+          </a:xfrm>
+          <a:prstGeom prst="rect">
+            <a:avLst/>
+          </a:prstGeom>
+          <a:solidFill>
+            <a:srgbClr val="FF6709"/>
+          </a:solidFill>
+        </p:spPr>
+        <p:txBody>
+          <a:bodyPr wrap="square" rtlCol="0">
+            <a:spAutoFit/>
+          </a:bodyPr>
+          <a:lstStyle/>
+          <a:p>
+            <a:pPr>
+              <a:lnSpc>
+                <a:spcPct val="115000"/>
+              </a:lnSpc>
+            </a:pPr>
+            <a:r>
+              <a:rPr lang="en-IN" sz="2400" b="1" dirty="0">
+                <a:solidFill>
+                  <a:schemeClr val="bg1"/>
+                </a:solidFill>
+                <a:latin typeface="Times New Roman" panose="02020603050405020304" pitchFamily="18" charset="0"/>
+              </a:rPr>
+              <a:t>Appendices</a:t>
+            </a:r>
+          </a:p>
+        </p:txBody>
+      </p:sp>
+      <p:sp>
+        <p:nvSpPr>
+          <p:cNvPr id="9" name="TextBox 8">
+            <a:extLst>
+              <a:ext uri="{FF2B5EF4-FFF2-40B4-BE49-F238E27FC236}">
+                <a16:creationId xmlns:a16="http://schemas.microsoft.com/office/drawing/2014/main" id="{6EFC0530-9B9F-4025-AECD-21FC40BAD8C5}"/>
+              </a:ext>
+            </a:extLst>
+          </p:cNvPr>
+          <p:cNvSpPr txBox="1"/>
+          <p:nvPr/>
+        </p:nvSpPr>
+        <p:spPr>
+          <a:xfrm>
+            <a:off x="4944835" y="908345"/>
+            <a:ext cx="2302330" cy="369332"/>
+          </a:xfrm>
+          <a:prstGeom prst="rect">
+            <a:avLst/>
+          </a:prstGeom>
+        </p:spPr>
+        <p:style>
+          <a:lnRef idx="1">
+            <a:schemeClr val="accent3"/>
+          </a:lnRef>
+          <a:fillRef idx="2">
+            <a:schemeClr val="accent3"/>
+          </a:fillRef>
+          <a:effectRef idx="1">
+            <a:schemeClr val="accent3"/>
+          </a:effectRef>
+          <a:fontRef idx="minor">
+            <a:schemeClr val="dk1"/>
+          </a:fontRef>
+        </p:style>
+        <p:txBody>
+          <a:bodyPr wrap="square" rtlCol="0">
+            <a:spAutoFit/>
+          </a:bodyPr>
+          <a:lstStyle/>
+          <a:p>
+            <a:r>
+              <a:rPr lang="en-IN" dirty="0"/>
+              <a:t>SonarQube Inspection</a:t>
+            </a:r>
+          </a:p>
+        </p:txBody>
+      </p:sp>
+      <p:pic>
+        <p:nvPicPr>
+          <p:cNvPr id="15" name="Picture 14">
+            <a:extLst>
+              <a:ext uri="{FF2B5EF4-FFF2-40B4-BE49-F238E27FC236}">
+                <a16:creationId xmlns:a16="http://schemas.microsoft.com/office/drawing/2014/main" id="{FA67BD38-4DCE-D0D5-0967-6B05540207D8}"/>
+              </a:ext>
+            </a:extLst>
+          </p:cNvPr>
+          <p:cNvPicPr>
+            <a:picLocks noChangeAspect="1"/>
+          </p:cNvPicPr>
+          <p:nvPr/>
+        </p:nvPicPr>
+        <p:blipFill>
+          <a:blip r:embed="rId4"/>
+          <a:stretch>
+            <a:fillRect/>
+          </a:stretch>
+        </p:blipFill>
+        <p:spPr>
+          <a:xfrm>
+            <a:off x="101600" y="1326454"/>
+            <a:ext cx="12090399" cy="5531546"/>
+          </a:xfrm>
+          <a:prstGeom prst="rect">
+            <a:avLst/>
+          </a:prstGeom>
+        </p:spPr>
+      </p:pic>
+    </p:spTree>
+    <p:extLst>
+      <p:ext uri="{BB962C8B-B14F-4D97-AF65-F5344CB8AC3E}">
+        <p14:creationId xmlns:p14="http://schemas.microsoft.com/office/powerpoint/2010/main" val="311276636"/>
+      </p:ext>
+    </p:extLst>
+  </p:cSld>
+  <p:clrMapOvr>
+    <a:masterClrMapping/>
+  </p:clrMapOvr>
+  <p:transition spd="slow">
+    <p:push/>
+  </p:transition>
+</p:sld>
+</file>
+
+<file path=ppt/slides/slide35.xml><?xml version="1.0" encoding="utf-8"?>
+<p:sld xmlns:a="http://schemas.openxmlformats.org/drawingml/2006/main" xmlns:r="http://schemas.openxmlformats.org/officeDocument/2006/relationships" xmlns:p="http://schemas.openxmlformats.org/presentationml/2006/main">
+  <p:cSld>
+    <p:spTree>
+      <p:nvGrpSpPr>
+        <p:cNvPr id="1" name=""/>
+        <p:cNvGrpSpPr/>
+        <p:nvPr/>
+      </p:nvGrpSpPr>
+      <p:grpSpPr>
+        <a:xfrm>
+          <a:off x="0" y="0"/>
+          <a:ext cx="0" cy="0"/>
+          <a:chOff x="0" y="0"/>
+          <a:chExt cx="0" cy="0"/>
+        </a:xfrm>
+      </p:grpSpPr>
+      <p:pic>
+        <p:nvPicPr>
+          <p:cNvPr id="4" name="Picture 3">
+            <a:extLst>
+              <a:ext uri="{FF2B5EF4-FFF2-40B4-BE49-F238E27FC236}">
+                <a16:creationId xmlns:a16="http://schemas.microsoft.com/office/drawing/2014/main" id="{3893C3C6-E6B4-0EAA-6168-B66B664B265B}"/>
+              </a:ext>
+            </a:extLst>
+          </p:cNvPr>
+          <p:cNvPicPr>
+            <a:picLocks noGrp="1" noRot="1" noChangeAspect="1" noMove="1" noResize="1" noEditPoints="1" noAdjustHandles="1" noChangeArrowheads="1" noChangeShapeType="1" noCrop="1"/>
+          </p:cNvPicPr>
+          <p:nvPr/>
+        </p:nvPicPr>
+        <p:blipFill>
+          <a:blip r:embed="rId2" cstate="email">
+            <a:extLst>
+              <a:ext uri="{28A0092B-C50C-407E-A947-70E740481C1C}">
+                <a14:useLocalDpi xmlns:a14="http://schemas.microsoft.com/office/drawing/2010/main"/>
+              </a:ext>
+            </a:extLst>
+          </a:blip>
+          <a:stretch>
+            <a:fillRect/>
+          </a:stretch>
+        </p:blipFill>
+        <p:spPr>
+          <a:xfrm flipH="1">
+            <a:off x="0" y="0"/>
+            <a:ext cx="12192000" cy="6858000"/>
+          </a:xfrm>
+          <a:prstGeom prst="rect">
+            <a:avLst/>
+          </a:prstGeom>
+        </p:spPr>
+      </p:pic>
+      <p:cxnSp>
+        <p:nvCxnSpPr>
+          <p:cNvPr id="5" name="Straight Connector 4">
+            <a:extLst>
+              <a:ext uri="{FF2B5EF4-FFF2-40B4-BE49-F238E27FC236}">
+                <a16:creationId xmlns:a16="http://schemas.microsoft.com/office/drawing/2014/main" id="{6317BEF4-F659-05B0-B884-5FBC9950BC38}"/>
+              </a:ext>
+            </a:extLst>
+          </p:cNvPr>
+          <p:cNvCxnSpPr>
+            <a:cxnSpLocks/>
+          </p:cNvCxnSpPr>
+          <p:nvPr/>
+        </p:nvCxnSpPr>
+        <p:spPr>
+          <a:xfrm>
+            <a:off x="2404113" y="383848"/>
+            <a:ext cx="0" cy="429893"/>
+          </a:xfrm>
+          <a:prstGeom prst="line">
+            <a:avLst/>
+          </a:prstGeom>
+          <a:ln w="12700">
+            <a:solidFill>
+              <a:srgbClr val="DD4F22"/>
+            </a:solidFill>
+          </a:ln>
+        </p:spPr>
+        <p:style>
+          <a:lnRef idx="1">
+            <a:schemeClr val="accent1"/>
+          </a:lnRef>
+          <a:fillRef idx="0">
+            <a:schemeClr val="accent1"/>
+          </a:fillRef>
+          <a:effectRef idx="0">
+            <a:schemeClr val="accent1"/>
+          </a:effectRef>
+          <a:fontRef idx="minor">
+            <a:schemeClr val="tx1"/>
+          </a:fontRef>
+        </p:style>
+      </p:cxnSp>
+      <p:pic>
+        <p:nvPicPr>
+          <p:cNvPr id="6" name="Picture 5">
+            <a:extLst>
+              <a:ext uri="{FF2B5EF4-FFF2-40B4-BE49-F238E27FC236}">
+                <a16:creationId xmlns:a16="http://schemas.microsoft.com/office/drawing/2014/main" id="{4C8E9BB0-02EA-460A-EDCE-9CB013DFF909}"/>
+              </a:ext>
+            </a:extLst>
+          </p:cNvPr>
+          <p:cNvPicPr>
+            <a:picLocks noGrp="1" noRot="1" noChangeAspect="1" noMove="1" noResize="1" noEditPoints="1" noAdjustHandles="1" noChangeArrowheads="1" noChangeShapeType="1" noCrop="1"/>
+          </p:cNvPicPr>
+          <p:nvPr/>
+        </p:nvPicPr>
+        <p:blipFill>
+          <a:blip r:embed="rId3">
+            <a:extLst>
+              <a:ext uri="{28A0092B-C50C-407E-A947-70E740481C1C}">
+                <a14:useLocalDpi xmlns:a14="http://schemas.microsoft.com/office/drawing/2010/main" val="0"/>
+              </a:ext>
+            </a:extLst>
+          </a:blip>
+          <a:srcRect/>
+          <a:stretch/>
+        </p:blipFill>
+        <p:spPr>
+          <a:xfrm>
+            <a:off x="217505" y="338023"/>
+            <a:ext cx="1963465" cy="521544"/>
+          </a:xfrm>
+          <a:prstGeom prst="rect">
+            <a:avLst/>
+          </a:prstGeom>
+        </p:spPr>
+      </p:pic>
+      <p:sp>
+        <p:nvSpPr>
+          <p:cNvPr id="2" name="TextBox 1">
+            <a:extLst>
+              <a:ext uri="{FF2B5EF4-FFF2-40B4-BE49-F238E27FC236}">
+                <a16:creationId xmlns:a16="http://schemas.microsoft.com/office/drawing/2014/main" id="{1A44BC85-1B87-95E2-D287-741884DBCDF1}"/>
+              </a:ext>
+            </a:extLst>
+          </p:cNvPr>
+          <p:cNvSpPr txBox="1">
+            <a:spLocks noGrp="1" noRot="1" noMove="1" noResize="1" noEditPoints="1" noAdjustHandles="1" noChangeArrowheads="1" noChangeShapeType="1"/>
+          </p:cNvSpPr>
+          <p:nvPr/>
+        </p:nvSpPr>
+        <p:spPr>
+          <a:xfrm>
+            <a:off x="2499360" y="383848"/>
+            <a:ext cx="8818879" cy="483017"/>
+          </a:xfrm>
+          <a:prstGeom prst="rect">
+            <a:avLst/>
+          </a:prstGeom>
+          <a:solidFill>
+            <a:srgbClr val="FF6709"/>
+          </a:solidFill>
+        </p:spPr>
+        <p:txBody>
+          <a:bodyPr wrap="square" rtlCol="0">
+            <a:spAutoFit/>
+          </a:bodyPr>
+          <a:lstStyle/>
+          <a:p>
+            <a:pPr marL="0" marR="0" lvl="0" indent="0" algn="l" defTabSz="914400" rtl="0" eaLnBrk="1" fontAlgn="auto" latinLnBrk="0" hangingPunct="1">
+              <a:lnSpc>
+                <a:spcPct val="115000"/>
+              </a:lnSpc>
+              <a:spcBef>
+                <a:spcPts val="0"/>
+              </a:spcBef>
+              <a:spcAft>
+                <a:spcPts val="0"/>
+              </a:spcAft>
+              <a:buClrTx/>
+              <a:buSzTx/>
+              <a:buFontTx/>
+              <a:buNone/>
+              <a:tabLst/>
+              <a:defRPr/>
+            </a:pPr>
+            <a:r>
+              <a:rPr kumimoji="0" lang="en-IN" sz="2400" b="1" i="0" u="none" strike="noStrike" kern="1200" cap="none" spc="0" normalizeH="0" baseline="0" noProof="0" dirty="0">
+                <a:ln>
+                  <a:noFill/>
+                </a:ln>
+                <a:solidFill>
+                  <a:prstClr val="white"/>
+                </a:solidFill>
+                <a:effectLst/>
+                <a:uLnTx/>
+                <a:uFillTx/>
+                <a:latin typeface="Times New Roman" panose="02020603050405020304" pitchFamily="18" charset="0"/>
+                <a:ea typeface="+mn-ea"/>
+                <a:cs typeface="+mn-cs"/>
+              </a:rPr>
+              <a:t>Appendices</a:t>
+            </a:r>
+          </a:p>
+        </p:txBody>
+      </p:sp>
+      <p:sp>
+        <p:nvSpPr>
+          <p:cNvPr id="9" name="TextBox 8">
+            <a:extLst>
+              <a:ext uri="{FF2B5EF4-FFF2-40B4-BE49-F238E27FC236}">
+                <a16:creationId xmlns:a16="http://schemas.microsoft.com/office/drawing/2014/main" id="{8776E258-07B7-D5D9-7396-35BF7029BD2A}"/>
+              </a:ext>
+            </a:extLst>
+          </p:cNvPr>
+          <p:cNvSpPr txBox="1"/>
+          <p:nvPr/>
+        </p:nvSpPr>
+        <p:spPr>
+          <a:xfrm>
+            <a:off x="0" y="1096824"/>
+            <a:ext cx="3922487" cy="307777"/>
+          </a:xfrm>
+          <a:prstGeom prst="rect">
+            <a:avLst/>
+          </a:prstGeom>
+        </p:spPr>
+        <p:style>
+          <a:lnRef idx="1">
+            <a:schemeClr val="accent3"/>
+          </a:lnRef>
+          <a:fillRef idx="2">
+            <a:schemeClr val="accent3"/>
+          </a:fillRef>
+          <a:effectRef idx="1">
+            <a:schemeClr val="accent3"/>
+          </a:effectRef>
+          <a:fontRef idx="minor">
+            <a:schemeClr val="dk1"/>
+          </a:fontRef>
+        </p:style>
+        <p:txBody>
+          <a:bodyPr wrap="square" rtlCol="0">
+            <a:spAutoFit/>
+          </a:bodyPr>
+          <a:lstStyle/>
+          <a:p>
+            <a:pPr marL="0" marR="0" lvl="0" indent="0" algn="ctr" defTabSz="914400" rtl="0" eaLnBrk="1" fontAlgn="auto" latinLnBrk="0" hangingPunct="1">
+              <a:lnSpc>
+                <a:spcPct val="100000"/>
+              </a:lnSpc>
+              <a:spcBef>
+                <a:spcPts val="0"/>
+              </a:spcBef>
+              <a:spcAft>
+                <a:spcPts val="0"/>
+              </a:spcAft>
+              <a:buClrTx/>
+              <a:buSzTx/>
+              <a:buFontTx/>
+              <a:buNone/>
+              <a:tabLst/>
+              <a:defRPr/>
+            </a:pPr>
+            <a:r>
+              <a:rPr lang="en-IN" sz="1400" dirty="0">
+                <a:solidFill>
+                  <a:prstClr val="black"/>
+                </a:solidFill>
+                <a:latin typeface="Calibri" panose="020F0502020204030204"/>
+              </a:rPr>
               <a:t>CURL RESPONSE</a:t>
             </a:r>
             <a:endParaRPr kumimoji="0" lang="en-IN" sz="1400" b="0" i="0" u="none" strike="noStrike" kern="1200" cap="none" spc="0" normalizeH="0" baseline="0" noProof="0" dirty="0">
@@ -15497,7 +16219,7 @@
 </p:sld>
 </file>
 
-<file path=ppt/slides/slide34.xml><?xml version="1.0" encoding="utf-8"?>
+<file path=ppt/slides/slide36.xml><?xml version="1.0" encoding="utf-8"?>
 <p:sld xmlns:a="http://schemas.openxmlformats.org/drawingml/2006/main" xmlns:r="http://schemas.openxmlformats.org/officeDocument/2006/relationships" xmlns:p="http://schemas.openxmlformats.org/presentationml/2006/main">
   <p:cSld>
     <p:spTree>

--- a/Capstone_hdfc.pptx
+++ b/Capstone_hdfc.pptx
@@ -5,7 +5,7 @@
     <p:sldMasterId id="2147483648" r:id="rId1"/>
   </p:sldMasterIdLst>
   <p:notesMasterIdLst>
-    <p:notesMasterId r:id="rId38"/>
+    <p:notesMasterId r:id="rId39"/>
   </p:notesMasterIdLst>
   <p:sldIdLst>
     <p:sldId id="256" r:id="rId2"/>
@@ -39,11 +39,12 @@
     <p:sldId id="270" r:id="rId30"/>
     <p:sldId id="285" r:id="rId31"/>
     <p:sldId id="276" r:id="rId32"/>
-    <p:sldId id="277" r:id="rId33"/>
-    <p:sldId id="278" r:id="rId34"/>
-    <p:sldId id="291" r:id="rId35"/>
-    <p:sldId id="286" r:id="rId36"/>
-    <p:sldId id="280" r:id="rId37"/>
+    <p:sldId id="294" r:id="rId33"/>
+    <p:sldId id="277" r:id="rId34"/>
+    <p:sldId id="278" r:id="rId35"/>
+    <p:sldId id="291" r:id="rId36"/>
+    <p:sldId id="286" r:id="rId37"/>
+    <p:sldId id="280" r:id="rId38"/>
   </p:sldIdLst>
   <p:sldSz cx="12192000" cy="6858000"/>
   <p:notesSz cx="6858000" cy="9144000"/>
@@ -6327,10 +6328,10 @@
       </p:pic>
       <p:pic>
         <p:nvPicPr>
-          <p:cNvPr id="9" name="Picture 8">
-            <a:extLst>
-              <a:ext uri="{FF2B5EF4-FFF2-40B4-BE49-F238E27FC236}">
-                <a16:creationId xmlns:a16="http://schemas.microsoft.com/office/drawing/2014/main" id="{34178FC6-432B-BEF9-0B8C-121FC4F8ACE7}"/>
+          <p:cNvPr id="3" name="Picture 2">
+            <a:extLst>
+              <a:ext uri="{FF2B5EF4-FFF2-40B4-BE49-F238E27FC236}">
+                <a16:creationId xmlns:a16="http://schemas.microsoft.com/office/drawing/2014/main" id="{AF1C8373-461A-1F3A-C60D-3DB337167DE3}"/>
               </a:ext>
             </a:extLst>
           </p:cNvPr>
@@ -6347,8 +6348,8 @@
         </p:blipFill>
         <p:spPr>
           <a:xfrm>
-            <a:off x="308843" y="2109991"/>
-            <a:ext cx="6458851" cy="4589553"/>
+            <a:off x="308844" y="2063460"/>
+            <a:ext cx="6678748" cy="4636085"/>
           </a:xfrm>
           <a:prstGeom prst="rect">
             <a:avLst/>
@@ -10617,8 +10618,8 @@
         </p:blipFill>
         <p:spPr>
           <a:xfrm>
-            <a:off x="217505" y="2033025"/>
-            <a:ext cx="11481007" cy="1767720"/>
+            <a:off x="217505" y="1687133"/>
+            <a:ext cx="11481007" cy="1741867"/>
           </a:xfrm>
           <a:prstGeom prst="rect">
             <a:avLst/>
@@ -10647,8 +10648,8 @@
         </p:blipFill>
         <p:spPr>
           <a:xfrm>
-            <a:off x="217505" y="5272202"/>
-            <a:ext cx="11481009" cy="1247775"/>
+            <a:off x="217505" y="5170867"/>
+            <a:ext cx="11481009" cy="1606714"/>
           </a:xfrm>
           <a:prstGeom prst="rect">
             <a:avLst/>
@@ -10677,8 +10678,8 @@
         </p:blipFill>
         <p:spPr>
           <a:xfrm>
-            <a:off x="6037943" y="3969657"/>
-            <a:ext cx="5660569" cy="1133633"/>
+            <a:off x="6037943" y="3496577"/>
+            <a:ext cx="5660569" cy="1606714"/>
           </a:xfrm>
           <a:prstGeom prst="rect">
             <a:avLst/>
@@ -10707,8 +10708,8 @@
         </p:blipFill>
         <p:spPr>
           <a:xfrm>
-            <a:off x="217505" y="3969658"/>
-            <a:ext cx="5733352" cy="1133633"/>
+            <a:off x="224656" y="3496577"/>
+            <a:ext cx="5733352" cy="1606714"/>
           </a:xfrm>
           <a:prstGeom prst="rect">
             <a:avLst/>
@@ -12913,7 +12914,7 @@
         </p:nvSpPr>
         <p:spPr>
           <a:xfrm>
-            <a:off x="1889637" y="1402142"/>
+            <a:off x="2190350" y="1391021"/>
             <a:ext cx="1219446" cy="315151"/>
           </a:xfrm>
           <a:prstGeom prst="rect">
@@ -13840,36 +13841,6 @@
           </a:p>
         </p:txBody>
       </p:sp>
-      <p:pic>
-        <p:nvPicPr>
-          <p:cNvPr id="7" name="Picture 6">
-            <a:extLst>
-              <a:ext uri="{FF2B5EF4-FFF2-40B4-BE49-F238E27FC236}">
-                <a16:creationId xmlns:a16="http://schemas.microsoft.com/office/drawing/2014/main" id="{C9A34C19-263C-2454-6863-07B3227020A3}"/>
-              </a:ext>
-            </a:extLst>
-          </p:cNvPr>
-          <p:cNvPicPr>
-            <a:picLocks noChangeAspect="1"/>
-          </p:cNvPicPr>
-          <p:nvPr/>
-        </p:nvPicPr>
-        <p:blipFill>
-          <a:blip r:embed="rId4"/>
-          <a:stretch>
-            <a:fillRect/>
-          </a:stretch>
-        </p:blipFill>
-        <p:spPr>
-          <a:xfrm>
-            <a:off x="4630057" y="2712607"/>
-            <a:ext cx="7397083" cy="1338535"/>
-          </a:xfrm>
-          <a:prstGeom prst="rect">
-            <a:avLst/>
-          </a:prstGeom>
-        </p:spPr>
-      </p:pic>
       <p:sp>
         <p:nvSpPr>
           <p:cNvPr id="10" name="TextBox 9">
@@ -13922,7 +13893,7 @@
           <p:nvPr/>
         </p:nvPicPr>
         <p:blipFill>
-          <a:blip r:embed="rId5"/>
+          <a:blip r:embed="rId4"/>
           <a:stretch>
             <a:fillRect/>
           </a:stretch>
@@ -14164,6 +14135,36 @@
           <p:nvPr/>
         </p:nvPicPr>
         <p:blipFill>
+          <a:blip r:embed="rId5"/>
+          <a:stretch>
+            <a:fillRect/>
+          </a:stretch>
+        </p:blipFill>
+        <p:spPr>
+          <a:xfrm>
+            <a:off x="4630057" y="1250713"/>
+            <a:ext cx="7397083" cy="1378394"/>
+          </a:xfrm>
+          <a:prstGeom prst="rect">
+            <a:avLst/>
+          </a:prstGeom>
+        </p:spPr>
+      </p:pic>
+      <p:pic>
+        <p:nvPicPr>
+          <p:cNvPr id="3" name="Picture 2">
+            <a:extLst>
+              <a:ext uri="{FF2B5EF4-FFF2-40B4-BE49-F238E27FC236}">
+                <a16:creationId xmlns:a16="http://schemas.microsoft.com/office/drawing/2014/main" id="{93CDFD62-AF7A-F83C-CBF9-1217BF291355}"/>
+              </a:ext>
+            </a:extLst>
+          </p:cNvPr>
+          <p:cNvPicPr>
+            <a:picLocks noChangeAspect="1"/>
+          </p:cNvPicPr>
+          <p:nvPr/>
+        </p:nvPicPr>
+        <p:blipFill>
           <a:blip r:embed="rId6"/>
           <a:stretch>
             <a:fillRect/>
@@ -14171,8 +14172,8 @@
         </p:blipFill>
         <p:spPr>
           <a:xfrm>
-            <a:off x="4630057" y="1250713"/>
-            <a:ext cx="7397083" cy="1378394"/>
+            <a:off x="4630057" y="2712607"/>
+            <a:ext cx="7397082" cy="1378394"/>
           </a:xfrm>
           <a:prstGeom prst="rect">
             <a:avLst/>
@@ -14549,10 +14550,10 @@
       </p:sp>
       <p:pic>
         <p:nvPicPr>
-          <p:cNvPr id="3" name="Picture 2">
-            <a:extLst>
-              <a:ext uri="{FF2B5EF4-FFF2-40B4-BE49-F238E27FC236}">
-                <a16:creationId xmlns:a16="http://schemas.microsoft.com/office/drawing/2014/main" id="{8F47B1A5-AA12-606C-2A06-58E67EFC167F}"/>
+          <p:cNvPr id="7" name="Picture 6">
+            <a:extLst>
+              <a:ext uri="{FF2B5EF4-FFF2-40B4-BE49-F238E27FC236}">
+                <a16:creationId xmlns:a16="http://schemas.microsoft.com/office/drawing/2014/main" id="{A59C060B-9BE0-349A-3FF0-92FE23E9804C}"/>
               </a:ext>
             </a:extLst>
           </p:cNvPr>
@@ -14569,8 +14570,8 @@
         </p:blipFill>
         <p:spPr>
           <a:xfrm>
-            <a:off x="6467904" y="1693904"/>
-            <a:ext cx="5644267" cy="5163270"/>
+            <a:off x="79829" y="1693904"/>
+            <a:ext cx="6308246" cy="5144218"/>
           </a:xfrm>
           <a:prstGeom prst="rect">
             <a:avLst/>
@@ -14579,10 +14580,10 @@
       </p:pic>
       <p:pic>
         <p:nvPicPr>
-          <p:cNvPr id="7" name="Picture 6">
-            <a:extLst>
-              <a:ext uri="{FF2B5EF4-FFF2-40B4-BE49-F238E27FC236}">
-                <a16:creationId xmlns:a16="http://schemas.microsoft.com/office/drawing/2014/main" id="{A59C060B-9BE0-349A-3FF0-92FE23E9804C}"/>
+          <p:cNvPr id="10" name="Picture 9">
+            <a:extLst>
+              <a:ext uri="{FF2B5EF4-FFF2-40B4-BE49-F238E27FC236}">
+                <a16:creationId xmlns:a16="http://schemas.microsoft.com/office/drawing/2014/main" id="{C3DB0FF7-C5C1-3BF2-1B5E-CC5846D96AAF}"/>
               </a:ext>
             </a:extLst>
           </p:cNvPr>
@@ -14599,8 +14600,8 @@
         </p:blipFill>
         <p:spPr>
           <a:xfrm>
-            <a:off x="79829" y="1693904"/>
-            <a:ext cx="6308246" cy="5144218"/>
+            <a:off x="6467904" y="1693904"/>
+            <a:ext cx="5644267" cy="5144218"/>
           </a:xfrm>
           <a:prstGeom prst="rect">
             <a:avLst/>
@@ -14864,7 +14865,7 @@
           </a:bodyPr>
           <a:lstStyle/>
           <a:p>
-            <a:pPr marL="0" marR="0" lvl="0" indent="0" algn="ctr" defTabSz="914400" rtl="0" eaLnBrk="1" fontAlgn="auto" latinLnBrk="0" hangingPunct="1">
+            <a:pPr marL="0" marR="0" lvl="0" indent="0" algn="l" defTabSz="914400" rtl="0" eaLnBrk="1" fontAlgn="auto" latinLnBrk="0" hangingPunct="1">
               <a:lnSpc>
                 <a:spcPct val="100000"/>
               </a:lnSpc>
@@ -14896,17 +14897,17 @@
                 <a:ea typeface="+mn-ea"/>
                 <a:cs typeface="+mn-cs"/>
               </a:rPr>
-              <a:t>Structure of Client program</a:t>
+              <a:t>Structure of Spring boot project</a:t>
             </a:r>
           </a:p>
         </p:txBody>
       </p:sp>
       <p:sp>
         <p:nvSpPr>
-          <p:cNvPr id="16" name="TextBox 15">
-            <a:extLst>
-              <a:ext uri="{FF2B5EF4-FFF2-40B4-BE49-F238E27FC236}">
-                <a16:creationId xmlns:a16="http://schemas.microsoft.com/office/drawing/2014/main" id="{9566F95F-AD14-0E73-C183-4EF8A781B37D}"/>
+          <p:cNvPr id="19" name="TextBox 18">
+            <a:extLst>
+              <a:ext uri="{FF2B5EF4-FFF2-40B4-BE49-F238E27FC236}">
+                <a16:creationId xmlns:a16="http://schemas.microsoft.com/office/drawing/2014/main" id="{BD19879F-E0FA-FC0F-170B-4758E7372E9C}"/>
               </a:ext>
             </a:extLst>
           </p:cNvPr>
@@ -14915,8 +14916,8 @@
         </p:nvSpPr>
         <p:spPr>
           <a:xfrm>
-            <a:off x="873021" y="1326454"/>
-            <a:ext cx="4102343" cy="307777"/>
+            <a:off x="1260011" y="1388605"/>
+            <a:ext cx="3947882" cy="307778"/>
           </a:xfrm>
           <a:prstGeom prst="rect">
             <a:avLst/>
@@ -14929,21 +14930,22 @@
           </a:bodyPr>
           <a:lstStyle/>
           <a:p>
+            <a:pPr algn="ctr"/>
             <a:r>
               <a:rPr lang="en-IN" sz="1400" dirty="0">
                 <a:latin typeface="Bahnschrift" panose="020B0502040204020203" pitchFamily="34" charset="0"/>
               </a:rPr>
-              <a:t>DTO class(Decryption of webservice response)</a:t>
+              <a:t>GlobalExceptionHandler Class</a:t>
             </a:r>
           </a:p>
         </p:txBody>
       </p:sp>
       <p:sp>
         <p:nvSpPr>
-          <p:cNvPr id="18" name="TextBox 17">
-            <a:extLst>
-              <a:ext uri="{FF2B5EF4-FFF2-40B4-BE49-F238E27FC236}">
-                <a16:creationId xmlns:a16="http://schemas.microsoft.com/office/drawing/2014/main" id="{AB33C17F-C27F-0ED4-83AB-DA26095A4261}"/>
+          <p:cNvPr id="21" name="TextBox 20">
+            <a:extLst>
+              <a:ext uri="{FF2B5EF4-FFF2-40B4-BE49-F238E27FC236}">
+                <a16:creationId xmlns:a16="http://schemas.microsoft.com/office/drawing/2014/main" id="{BAC8FEB0-4C41-A710-D22A-583BF42C1331}"/>
               </a:ext>
             </a:extLst>
           </p:cNvPr>
@@ -14952,8 +14954,8 @@
         </p:nvSpPr>
         <p:spPr>
           <a:xfrm>
-            <a:off x="6718128" y="1326455"/>
-            <a:ext cx="4485414" cy="307777"/>
+            <a:off x="7174578" y="1388605"/>
+            <a:ext cx="4470399" cy="307777"/>
           </a:xfrm>
           <a:prstGeom prst="rect">
             <a:avLst/>
@@ -14970,17 +14972,17 @@
               <a:rPr lang="en-IN" sz="1400" dirty="0">
                 <a:latin typeface="Bahnschrift" panose="020B0502040204020203" pitchFamily="34" charset="0"/>
               </a:rPr>
-              <a:t>RestTemplate custom config &amp; Client Controller class</a:t>
+              <a:t>InvalidEmployeeIDException &amp; ErrorResponse Class</a:t>
             </a:r>
           </a:p>
         </p:txBody>
       </p:sp>
       <p:pic>
         <p:nvPicPr>
-          <p:cNvPr id="7" name="Picture 6">
-            <a:extLst>
-              <a:ext uri="{FF2B5EF4-FFF2-40B4-BE49-F238E27FC236}">
-                <a16:creationId xmlns:a16="http://schemas.microsoft.com/office/drawing/2014/main" id="{BA9A4B21-CEB9-5DB6-570A-C0D3D15C6FE1}"/>
+          <p:cNvPr id="3" name="Picture 2">
+            <a:extLst>
+              <a:ext uri="{FF2B5EF4-FFF2-40B4-BE49-F238E27FC236}">
+                <a16:creationId xmlns:a16="http://schemas.microsoft.com/office/drawing/2014/main" id="{272518BA-4C53-7D1C-C987-7FD984384359}"/>
               </a:ext>
             </a:extLst>
           </p:cNvPr>
@@ -14997,8 +14999,8 @@
         </p:blipFill>
         <p:spPr>
           <a:xfrm>
-            <a:off x="118715" y="1634232"/>
-            <a:ext cx="5610956" cy="5096586"/>
+            <a:off x="101599" y="1703902"/>
+            <a:ext cx="6241143" cy="5045241"/>
           </a:xfrm>
           <a:prstGeom prst="rect">
             <a:avLst/>
@@ -15007,10 +15009,10 @@
       </p:pic>
       <p:pic>
         <p:nvPicPr>
-          <p:cNvPr id="3" name="Picture 2">
-            <a:extLst>
-              <a:ext uri="{FF2B5EF4-FFF2-40B4-BE49-F238E27FC236}">
-                <a16:creationId xmlns:a16="http://schemas.microsoft.com/office/drawing/2014/main" id="{F2498466-6BF8-6707-6663-CBAF012B50A3}"/>
+          <p:cNvPr id="12" name="Picture 11">
+            <a:extLst>
+              <a:ext uri="{FF2B5EF4-FFF2-40B4-BE49-F238E27FC236}">
+                <a16:creationId xmlns:a16="http://schemas.microsoft.com/office/drawing/2014/main" id="{19FCE2B9-BFE4-AB87-CF60-6168EAE0D415}"/>
               </a:ext>
             </a:extLst>
           </p:cNvPr>
@@ -15027,8 +15029,8 @@
         </p:blipFill>
         <p:spPr>
           <a:xfrm>
-            <a:off x="5848385" y="1634233"/>
-            <a:ext cx="6224900" cy="2667484"/>
+            <a:off x="6437084" y="1696384"/>
+            <a:ext cx="5646060" cy="2010284"/>
           </a:xfrm>
           <a:prstGeom prst="rect">
             <a:avLst/>
@@ -15037,10 +15039,10 @@
       </p:pic>
       <p:pic>
         <p:nvPicPr>
-          <p:cNvPr id="13" name="Picture 12">
-            <a:extLst>
-              <a:ext uri="{FF2B5EF4-FFF2-40B4-BE49-F238E27FC236}">
-                <a16:creationId xmlns:a16="http://schemas.microsoft.com/office/drawing/2014/main" id="{49108ACA-19E4-176D-3735-376FB0DAFCC2}"/>
+          <p:cNvPr id="14" name="Picture 13">
+            <a:extLst>
+              <a:ext uri="{FF2B5EF4-FFF2-40B4-BE49-F238E27FC236}">
+                <a16:creationId xmlns:a16="http://schemas.microsoft.com/office/drawing/2014/main" id="{41C2A50B-DA17-85B6-381D-41BB658386E5}"/>
               </a:ext>
             </a:extLst>
           </p:cNvPr>
@@ -15057,8 +15059,8 @@
         </p:blipFill>
         <p:spPr>
           <a:xfrm>
-            <a:off x="5848385" y="4426857"/>
-            <a:ext cx="6224900" cy="2303961"/>
+            <a:off x="6444341" y="3815525"/>
+            <a:ext cx="5646060" cy="2933618"/>
           </a:xfrm>
           <a:prstGeom prst="rect">
             <a:avLst/>
@@ -15068,7 +15070,7 @@
     </p:spTree>
     <p:extLst>
       <p:ext uri="{BB962C8B-B14F-4D97-AF65-F5344CB8AC3E}">
-        <p14:creationId xmlns:p14="http://schemas.microsoft.com/office/powerpoint/2010/main" val="3316123681"/>
+        <p14:creationId xmlns:p14="http://schemas.microsoft.com/office/powerpoint/2010/main" val="1031463557"/>
       </p:ext>
     </p:extLst>
   </p:cSld>
@@ -15295,8 +15297,8 @@
         </p:nvSpPr>
         <p:spPr>
           <a:xfrm>
-            <a:off x="4134756" y="934087"/>
-            <a:ext cx="3922487" cy="307777"/>
+            <a:off x="4365170" y="911994"/>
+            <a:ext cx="3283859" cy="369332"/>
           </a:xfrm>
           <a:prstGeom prst="rect">
             <a:avLst/>
@@ -15340,37 +15342,105 @@
               <a:defRPr/>
             </a:pPr>
             <a:r>
-              <a:rPr lang="en-IN" sz="1400" dirty="0">
+              <a:rPr kumimoji="0" lang="en-IN" sz="1800" b="0" i="0" u="none" strike="noStrike" kern="1200" cap="none" spc="0" normalizeH="0" baseline="0" noProof="0" dirty="0">
+                <a:ln>
+                  <a:noFill/>
+                </a:ln>
                 <a:solidFill>
                   <a:prstClr val="black"/>
                 </a:solidFill>
+                <a:effectLst/>
+                <a:uLnTx/>
+                <a:uFillTx/>
                 <a:latin typeface="Calibri" panose="020F0502020204030204"/>
+                <a:ea typeface="+mn-ea"/>
+                <a:cs typeface="+mn-cs"/>
               </a:rPr>
-              <a:t>Postman API Platform Screenshots</a:t>
-            </a:r>
-            <a:endParaRPr kumimoji="0" lang="en-IN" sz="1400" b="0" i="0" u="none" strike="noStrike" kern="1200" cap="none" spc="0" normalizeH="0" baseline="0" noProof="0" dirty="0">
-              <a:ln>
-                <a:noFill/>
-              </a:ln>
-              <a:solidFill>
-                <a:prstClr val="black"/>
-              </a:solidFill>
-              <a:effectLst/>
-              <a:uLnTx/>
-              <a:uFillTx/>
-              <a:latin typeface="Calibri" panose="020F0502020204030204"/>
-              <a:ea typeface="+mn-ea"/>
-              <a:cs typeface="+mn-cs"/>
-            </a:endParaRPr>
+              <a:t>Structure of Client program</a:t>
+            </a:r>
+          </a:p>
+        </p:txBody>
+      </p:sp>
+      <p:sp>
+        <p:nvSpPr>
+          <p:cNvPr id="16" name="TextBox 15">
+            <a:extLst>
+              <a:ext uri="{FF2B5EF4-FFF2-40B4-BE49-F238E27FC236}">
+                <a16:creationId xmlns:a16="http://schemas.microsoft.com/office/drawing/2014/main" id="{9566F95F-AD14-0E73-C183-4EF8A781B37D}"/>
+              </a:ext>
+            </a:extLst>
+          </p:cNvPr>
+          <p:cNvSpPr txBox="1"/>
+          <p:nvPr/>
+        </p:nvSpPr>
+        <p:spPr>
+          <a:xfrm>
+            <a:off x="873021" y="1326454"/>
+            <a:ext cx="4102343" cy="307777"/>
+          </a:xfrm>
+          <a:prstGeom prst="rect">
+            <a:avLst/>
+          </a:prstGeom>
+          <a:noFill/>
+        </p:spPr>
+        <p:txBody>
+          <a:bodyPr wrap="square" rtlCol="0">
+            <a:spAutoFit/>
+          </a:bodyPr>
+          <a:lstStyle/>
+          <a:p>
+            <a:r>
+              <a:rPr lang="en-IN" sz="1400" dirty="0">
+                <a:latin typeface="Bahnschrift" panose="020B0502040204020203" pitchFamily="34" charset="0"/>
+              </a:rPr>
+              <a:t>DTO class(Decryption of webservice response)</a:t>
+            </a:r>
+          </a:p>
+        </p:txBody>
+      </p:sp>
+      <p:sp>
+        <p:nvSpPr>
+          <p:cNvPr id="18" name="TextBox 17">
+            <a:extLst>
+              <a:ext uri="{FF2B5EF4-FFF2-40B4-BE49-F238E27FC236}">
+                <a16:creationId xmlns:a16="http://schemas.microsoft.com/office/drawing/2014/main" id="{AB33C17F-C27F-0ED4-83AB-DA26095A4261}"/>
+              </a:ext>
+            </a:extLst>
+          </p:cNvPr>
+          <p:cNvSpPr txBox="1"/>
+          <p:nvPr/>
+        </p:nvSpPr>
+        <p:spPr>
+          <a:xfrm>
+            <a:off x="6718128" y="1326455"/>
+            <a:ext cx="4485414" cy="307777"/>
+          </a:xfrm>
+          <a:prstGeom prst="rect">
+            <a:avLst/>
+          </a:prstGeom>
+          <a:noFill/>
+        </p:spPr>
+        <p:txBody>
+          <a:bodyPr wrap="square" rtlCol="0">
+            <a:spAutoFit/>
+          </a:bodyPr>
+          <a:lstStyle/>
+          <a:p>
+            <a:r>
+              <a:rPr lang="en-IN" sz="1400" dirty="0">
+                <a:latin typeface="Bahnschrift" panose="020B0502040204020203" pitchFamily="34" charset="0"/>
+              </a:rPr>
+              <a:t>RestTemplate custom config &amp; Client Controller class</a:t>
+            </a:r>
           </a:p>
         </p:txBody>
       </p:sp>
       <p:pic>
         <p:nvPicPr>
-          <p:cNvPr id="3" name="Picture 2">
-            <a:extLst>
-              <a:ext uri="{FF2B5EF4-FFF2-40B4-BE49-F238E27FC236}">
-                <a16:creationId xmlns:a16="http://schemas.microsoft.com/office/drawing/2014/main" id="{4EEF5A40-DD82-80C5-1641-6FC742A43F7A}"/>
+          <p:cNvPr id="7" name="Picture 6">
+            <a:extLst>
+              <a:ext uri="{FF2B5EF4-FFF2-40B4-BE49-F238E27FC236}">
+                <a16:creationId xmlns:a16="http://schemas.microsoft.com/office/drawing/2014/main" id="{BA9A4B21-CEB9-5DB6-570A-C0D3D15C6FE1}"/>
               </a:ext>
             </a:extLst>
           </p:cNvPr>
@@ -15387,8 +15457,8 @@
         </p:blipFill>
         <p:spPr>
           <a:xfrm>
-            <a:off x="129914" y="1639337"/>
-            <a:ext cx="3005380" cy="5146092"/>
+            <a:off x="118715" y="1634232"/>
+            <a:ext cx="5610956" cy="5096586"/>
           </a:xfrm>
           <a:prstGeom prst="rect">
             <a:avLst/>
@@ -15397,10 +15467,10 @@
       </p:pic>
       <p:pic>
         <p:nvPicPr>
-          <p:cNvPr id="10" name="Picture 9">
-            <a:extLst>
-              <a:ext uri="{FF2B5EF4-FFF2-40B4-BE49-F238E27FC236}">
-                <a16:creationId xmlns:a16="http://schemas.microsoft.com/office/drawing/2014/main" id="{2568C0AB-A13E-7C8A-CE4C-76EEFC181C3B}"/>
+          <p:cNvPr id="3" name="Picture 2">
+            <a:extLst>
+              <a:ext uri="{FF2B5EF4-FFF2-40B4-BE49-F238E27FC236}">
+                <a16:creationId xmlns:a16="http://schemas.microsoft.com/office/drawing/2014/main" id="{F2498466-6BF8-6707-6663-CBAF012B50A3}"/>
               </a:ext>
             </a:extLst>
           </p:cNvPr>
@@ -15417,134 +15487,20 @@
         </p:blipFill>
         <p:spPr>
           <a:xfrm>
-            <a:off x="3265208" y="1639337"/>
-            <a:ext cx="3290279" cy="5146092"/>
+            <a:off x="5848385" y="1634233"/>
+            <a:ext cx="6224900" cy="2667484"/>
           </a:xfrm>
           <a:prstGeom prst="rect">
             <a:avLst/>
           </a:prstGeom>
         </p:spPr>
       </p:pic>
-      <p:sp>
-        <p:nvSpPr>
-          <p:cNvPr id="11" name="TextBox 10">
-            <a:extLst>
-              <a:ext uri="{FF2B5EF4-FFF2-40B4-BE49-F238E27FC236}">
-                <a16:creationId xmlns:a16="http://schemas.microsoft.com/office/drawing/2014/main" id="{3BC6FD12-CA8B-B962-2D94-4DEE254BBA0F}"/>
-              </a:ext>
-            </a:extLst>
-          </p:cNvPr>
-          <p:cNvSpPr txBox="1"/>
-          <p:nvPr/>
-        </p:nvSpPr>
-        <p:spPr>
-          <a:xfrm>
-            <a:off x="43795" y="1317002"/>
-            <a:ext cx="3352800" cy="307777"/>
-          </a:xfrm>
-          <a:prstGeom prst="rect">
-            <a:avLst/>
-          </a:prstGeom>
-          <a:noFill/>
-        </p:spPr>
-        <p:txBody>
-          <a:bodyPr wrap="square" rtlCol="0">
-            <a:spAutoFit/>
-          </a:bodyPr>
-          <a:lstStyle/>
-          <a:p>
-            <a:r>
-              <a:rPr lang="en-IN" sz="1400" dirty="0">
-                <a:latin typeface="Arial" panose="020B0604020202020204" pitchFamily="34" charset="0"/>
-                <a:cs typeface="Arial" panose="020B0604020202020204" pitchFamily="34" charset="0"/>
-              </a:rPr>
-              <a:t>Webservice Response Data encrypted</a:t>
-            </a:r>
-          </a:p>
-        </p:txBody>
-      </p:sp>
-      <p:sp>
-        <p:nvSpPr>
-          <p:cNvPr id="12" name="TextBox 11">
-            <a:extLst>
-              <a:ext uri="{FF2B5EF4-FFF2-40B4-BE49-F238E27FC236}">
-                <a16:creationId xmlns:a16="http://schemas.microsoft.com/office/drawing/2014/main" id="{08C072EB-BE10-EC35-1038-BF3F3E49CFCD}"/>
-              </a:ext>
-            </a:extLst>
-          </p:cNvPr>
-          <p:cNvSpPr txBox="1"/>
-          <p:nvPr/>
-        </p:nvSpPr>
-        <p:spPr>
-          <a:xfrm flipH="1">
-            <a:off x="3888242" y="1350613"/>
-            <a:ext cx="2309358" cy="307777"/>
-          </a:xfrm>
-          <a:prstGeom prst="rect">
-            <a:avLst/>
-          </a:prstGeom>
-          <a:noFill/>
-        </p:spPr>
-        <p:txBody>
-          <a:bodyPr wrap="square" rtlCol="0">
-            <a:spAutoFit/>
-          </a:bodyPr>
-          <a:lstStyle/>
-          <a:p>
-            <a:r>
-              <a:rPr lang="en-IN" sz="1400" dirty="0">
-                <a:latin typeface="Arial" panose="020B0604020202020204" pitchFamily="34" charset="0"/>
-                <a:cs typeface="Arial" panose="020B0604020202020204" pitchFamily="34" charset="0"/>
-              </a:rPr>
-              <a:t>Client request-response</a:t>
-            </a:r>
-          </a:p>
-        </p:txBody>
-      </p:sp>
-      <p:sp>
-        <p:nvSpPr>
-          <p:cNvPr id="15" name="TextBox 14">
-            <a:extLst>
-              <a:ext uri="{FF2B5EF4-FFF2-40B4-BE49-F238E27FC236}">
-                <a16:creationId xmlns:a16="http://schemas.microsoft.com/office/drawing/2014/main" id="{F2BC25FA-5028-C6FC-BE21-EF109BD91364}"/>
-              </a:ext>
-            </a:extLst>
-          </p:cNvPr>
-          <p:cNvSpPr txBox="1"/>
-          <p:nvPr/>
-        </p:nvSpPr>
-        <p:spPr>
-          <a:xfrm>
-            <a:off x="8258589" y="1350613"/>
-            <a:ext cx="2503357" cy="307777"/>
-          </a:xfrm>
-          <a:prstGeom prst="rect">
-            <a:avLst/>
-          </a:prstGeom>
-          <a:noFill/>
-        </p:spPr>
-        <p:txBody>
-          <a:bodyPr wrap="square" rtlCol="0">
-            <a:spAutoFit/>
-          </a:bodyPr>
-          <a:lstStyle/>
-          <a:p>
-            <a:r>
-              <a:rPr lang="en-IN" sz="1400" dirty="0">
-                <a:latin typeface="Arial" panose="020B0604020202020204" pitchFamily="34" charset="0"/>
-                <a:cs typeface="Arial" panose="020B0604020202020204" pitchFamily="34" charset="0"/>
-              </a:rPr>
-              <a:t>Exception Handling</a:t>
-            </a:r>
-          </a:p>
-        </p:txBody>
-      </p:sp>
       <p:pic>
         <p:nvPicPr>
-          <p:cNvPr id="7" name="Picture 6">
-            <a:extLst>
-              <a:ext uri="{FF2B5EF4-FFF2-40B4-BE49-F238E27FC236}">
-                <a16:creationId xmlns:a16="http://schemas.microsoft.com/office/drawing/2014/main" id="{FD51F1C2-1D27-CE2F-FE4A-27162522FCAA}"/>
+          <p:cNvPr id="13" name="Picture 12">
+            <a:extLst>
+              <a:ext uri="{FF2B5EF4-FFF2-40B4-BE49-F238E27FC236}">
+                <a16:creationId xmlns:a16="http://schemas.microsoft.com/office/drawing/2014/main" id="{49108ACA-19E4-176D-3735-376FB0DAFCC2}"/>
               </a:ext>
             </a:extLst>
           </p:cNvPr>
@@ -15561,38 +15517,8 @@
         </p:blipFill>
         <p:spPr>
           <a:xfrm>
-            <a:off x="6685400" y="1639338"/>
-            <a:ext cx="5376685" cy="2273932"/>
-          </a:xfrm>
-          <a:prstGeom prst="rect">
-            <a:avLst/>
-          </a:prstGeom>
-        </p:spPr>
-      </p:pic>
-      <p:pic>
-        <p:nvPicPr>
-          <p:cNvPr id="16" name="Picture 15">
-            <a:extLst>
-              <a:ext uri="{FF2B5EF4-FFF2-40B4-BE49-F238E27FC236}">
-                <a16:creationId xmlns:a16="http://schemas.microsoft.com/office/drawing/2014/main" id="{DC4434CB-0D3D-FE55-8951-B45E5C8746E3}"/>
-              </a:ext>
-            </a:extLst>
-          </p:cNvPr>
-          <p:cNvPicPr>
-            <a:picLocks noChangeAspect="1"/>
-          </p:cNvPicPr>
-          <p:nvPr/>
-        </p:nvPicPr>
-        <p:blipFill>
-          <a:blip r:embed="rId7"/>
-          <a:stretch>
-            <a:fillRect/>
-          </a:stretch>
-        </p:blipFill>
-        <p:spPr>
-          <a:xfrm>
-            <a:off x="6685400" y="4020457"/>
-            <a:ext cx="5376685" cy="2764972"/>
+            <a:off x="5848385" y="4426857"/>
+            <a:ext cx="6224900" cy="2303961"/>
           </a:xfrm>
           <a:prstGeom prst="rect">
             <a:avLst/>
@@ -15602,7 +15528,7 @@
     </p:spTree>
     <p:extLst>
       <p:ext uri="{BB962C8B-B14F-4D97-AF65-F5344CB8AC3E}">
-        <p14:creationId xmlns:p14="http://schemas.microsoft.com/office/powerpoint/2010/main" val="4278196989"/>
+        <p14:creationId xmlns:p14="http://schemas.microsoft.com/office/powerpoint/2010/main" val="3316123681"/>
       </p:ext>
     </p:extLst>
   </p:cSld>
@@ -15778,17 +15704,37 @@
           </a:bodyPr>
           <a:lstStyle/>
           <a:p>
-            <a:pPr>
+            <a:pPr marL="0" marR="0" lvl="0" indent="0" algn="l" defTabSz="914400" rtl="0" eaLnBrk="1" fontAlgn="auto" latinLnBrk="0" hangingPunct="1">
               <a:lnSpc>
                 <a:spcPct val="115000"/>
               </a:lnSpc>
+              <a:spcBef>
+                <a:spcPts val="0"/>
+              </a:spcBef>
+              <a:spcAft>
+                <a:spcPts val="0"/>
+              </a:spcAft>
+              <a:buClrTx/>
+              <a:buSzTx/>
+              <a:buFontTx/>
+              <a:buNone/>
+              <a:tabLst/>
+              <a:defRPr/>
             </a:pPr>
             <a:r>
-              <a:rPr lang="en-IN" sz="2400" b="1" dirty="0">
+              <a:rPr kumimoji="0" lang="en-IN" sz="2400" b="1" i="0" u="none" strike="noStrike" kern="1200" cap="none" spc="0" normalizeH="0" baseline="0" noProof="0" dirty="0">
+                <a:ln>
+                  <a:noFill/>
+                </a:ln>
                 <a:solidFill>
-                  <a:schemeClr val="bg1"/>
+                  <a:prstClr val="white"/>
                 </a:solidFill>
+                <a:effectLst/>
+                <a:uLnTx/>
+                <a:uFillTx/>
                 <a:latin typeface="Times New Roman" panose="02020603050405020304" pitchFamily="18" charset="0"/>
+                <a:ea typeface="+mn-ea"/>
+                <a:cs typeface="+mn-cs"/>
               </a:rPr>
               <a:t>Appendices</a:t>
             </a:r>
@@ -15809,8 +15755,8 @@
         </p:nvSpPr>
         <p:spPr>
           <a:xfrm>
-            <a:off x="4944835" y="908345"/>
-            <a:ext cx="2302330" cy="369332"/>
+            <a:off x="4134756" y="934087"/>
+            <a:ext cx="3922487" cy="307777"/>
           </a:xfrm>
           <a:prstGeom prst="rect">
             <a:avLst/>
@@ -15836,19 +15782,55 @@
           </a:bodyPr>
           <a:lstStyle/>
           <a:p>
-            <a:r>
-              <a:rPr lang="en-IN" dirty="0"/>
-              <a:t>SonarQube Inspection</a:t>
-            </a:r>
+            <a:pPr marL="0" marR="0" lvl="0" indent="0" algn="ctr" defTabSz="914400" rtl="0" eaLnBrk="1" fontAlgn="auto" latinLnBrk="0" hangingPunct="1">
+              <a:lnSpc>
+                <a:spcPct val="100000"/>
+              </a:lnSpc>
+              <a:spcBef>
+                <a:spcPts val="0"/>
+              </a:spcBef>
+              <a:spcAft>
+                <a:spcPts val="0"/>
+              </a:spcAft>
+              <a:buClrTx/>
+              <a:buSzTx/>
+              <a:buFontTx/>
+              <a:buNone/>
+              <a:tabLst/>
+              <a:defRPr/>
+            </a:pPr>
+            <a:r>
+              <a:rPr lang="en-IN" sz="1400" dirty="0">
+                <a:solidFill>
+                  <a:prstClr val="black"/>
+                </a:solidFill>
+                <a:latin typeface="Calibri" panose="020F0502020204030204"/>
+              </a:rPr>
+              <a:t>Postman API Platform Screenshots</a:t>
+            </a:r>
+            <a:endParaRPr kumimoji="0" lang="en-IN" sz="1400" b="0" i="0" u="none" strike="noStrike" kern="1200" cap="none" spc="0" normalizeH="0" baseline="0" noProof="0" dirty="0">
+              <a:ln>
+                <a:noFill/>
+              </a:ln>
+              <a:solidFill>
+                <a:prstClr val="black"/>
+              </a:solidFill>
+              <a:effectLst/>
+              <a:uLnTx/>
+              <a:uFillTx/>
+              <a:latin typeface="Calibri" panose="020F0502020204030204"/>
+              <a:ea typeface="+mn-ea"/>
+              <a:cs typeface="+mn-cs"/>
+            </a:endParaRPr>
           </a:p>
         </p:txBody>
       </p:sp>
       <p:pic>
         <p:nvPicPr>
-          <p:cNvPr id="15" name="Picture 14">
-            <a:extLst>
-              <a:ext uri="{FF2B5EF4-FFF2-40B4-BE49-F238E27FC236}">
-                <a16:creationId xmlns:a16="http://schemas.microsoft.com/office/drawing/2014/main" id="{FA67BD38-4DCE-D0D5-0967-6B05540207D8}"/>
+          <p:cNvPr id="3" name="Picture 2">
+            <a:extLst>
+              <a:ext uri="{FF2B5EF4-FFF2-40B4-BE49-F238E27FC236}">
+                <a16:creationId xmlns:a16="http://schemas.microsoft.com/office/drawing/2014/main" id="{4EEF5A40-DD82-80C5-1641-6FC742A43F7A}"/>
               </a:ext>
             </a:extLst>
           </p:cNvPr>
@@ -15865,8 +15847,212 @@
         </p:blipFill>
         <p:spPr>
           <a:xfrm>
-            <a:off x="101600" y="1326454"/>
-            <a:ext cx="12090399" cy="5531546"/>
+            <a:off x="129914" y="1639337"/>
+            <a:ext cx="3005380" cy="5146092"/>
+          </a:xfrm>
+          <a:prstGeom prst="rect">
+            <a:avLst/>
+          </a:prstGeom>
+        </p:spPr>
+      </p:pic>
+      <p:pic>
+        <p:nvPicPr>
+          <p:cNvPr id="10" name="Picture 9">
+            <a:extLst>
+              <a:ext uri="{FF2B5EF4-FFF2-40B4-BE49-F238E27FC236}">
+                <a16:creationId xmlns:a16="http://schemas.microsoft.com/office/drawing/2014/main" id="{2568C0AB-A13E-7C8A-CE4C-76EEFC181C3B}"/>
+              </a:ext>
+            </a:extLst>
+          </p:cNvPr>
+          <p:cNvPicPr>
+            <a:picLocks noChangeAspect="1"/>
+          </p:cNvPicPr>
+          <p:nvPr/>
+        </p:nvPicPr>
+        <p:blipFill>
+          <a:blip r:embed="rId5"/>
+          <a:stretch>
+            <a:fillRect/>
+          </a:stretch>
+        </p:blipFill>
+        <p:spPr>
+          <a:xfrm>
+            <a:off x="3265208" y="1639337"/>
+            <a:ext cx="3290279" cy="5146092"/>
+          </a:xfrm>
+          <a:prstGeom prst="rect">
+            <a:avLst/>
+          </a:prstGeom>
+        </p:spPr>
+      </p:pic>
+      <p:sp>
+        <p:nvSpPr>
+          <p:cNvPr id="11" name="TextBox 10">
+            <a:extLst>
+              <a:ext uri="{FF2B5EF4-FFF2-40B4-BE49-F238E27FC236}">
+                <a16:creationId xmlns:a16="http://schemas.microsoft.com/office/drawing/2014/main" id="{3BC6FD12-CA8B-B962-2D94-4DEE254BBA0F}"/>
+              </a:ext>
+            </a:extLst>
+          </p:cNvPr>
+          <p:cNvSpPr txBox="1"/>
+          <p:nvPr/>
+        </p:nvSpPr>
+        <p:spPr>
+          <a:xfrm>
+            <a:off x="43795" y="1317002"/>
+            <a:ext cx="3352800" cy="307777"/>
+          </a:xfrm>
+          <a:prstGeom prst="rect">
+            <a:avLst/>
+          </a:prstGeom>
+          <a:noFill/>
+        </p:spPr>
+        <p:txBody>
+          <a:bodyPr wrap="square" rtlCol="0">
+            <a:spAutoFit/>
+          </a:bodyPr>
+          <a:lstStyle/>
+          <a:p>
+            <a:r>
+              <a:rPr lang="en-IN" sz="1400" dirty="0">
+                <a:latin typeface="Arial" panose="020B0604020202020204" pitchFamily="34" charset="0"/>
+                <a:cs typeface="Arial" panose="020B0604020202020204" pitchFamily="34" charset="0"/>
+              </a:rPr>
+              <a:t>Webservice Response Data encrypted</a:t>
+            </a:r>
+          </a:p>
+        </p:txBody>
+      </p:sp>
+      <p:sp>
+        <p:nvSpPr>
+          <p:cNvPr id="12" name="TextBox 11">
+            <a:extLst>
+              <a:ext uri="{FF2B5EF4-FFF2-40B4-BE49-F238E27FC236}">
+                <a16:creationId xmlns:a16="http://schemas.microsoft.com/office/drawing/2014/main" id="{08C072EB-BE10-EC35-1038-BF3F3E49CFCD}"/>
+              </a:ext>
+            </a:extLst>
+          </p:cNvPr>
+          <p:cNvSpPr txBox="1"/>
+          <p:nvPr/>
+        </p:nvSpPr>
+        <p:spPr>
+          <a:xfrm flipH="1">
+            <a:off x="3888242" y="1350613"/>
+            <a:ext cx="2309358" cy="307777"/>
+          </a:xfrm>
+          <a:prstGeom prst="rect">
+            <a:avLst/>
+          </a:prstGeom>
+          <a:noFill/>
+        </p:spPr>
+        <p:txBody>
+          <a:bodyPr wrap="square" rtlCol="0">
+            <a:spAutoFit/>
+          </a:bodyPr>
+          <a:lstStyle/>
+          <a:p>
+            <a:r>
+              <a:rPr lang="en-IN" sz="1400" dirty="0">
+                <a:latin typeface="Arial" panose="020B0604020202020204" pitchFamily="34" charset="0"/>
+                <a:cs typeface="Arial" panose="020B0604020202020204" pitchFamily="34" charset="0"/>
+              </a:rPr>
+              <a:t>Client request-response</a:t>
+            </a:r>
+          </a:p>
+        </p:txBody>
+      </p:sp>
+      <p:sp>
+        <p:nvSpPr>
+          <p:cNvPr id="15" name="TextBox 14">
+            <a:extLst>
+              <a:ext uri="{FF2B5EF4-FFF2-40B4-BE49-F238E27FC236}">
+                <a16:creationId xmlns:a16="http://schemas.microsoft.com/office/drawing/2014/main" id="{F2BC25FA-5028-C6FC-BE21-EF109BD91364}"/>
+              </a:ext>
+            </a:extLst>
+          </p:cNvPr>
+          <p:cNvSpPr txBox="1"/>
+          <p:nvPr/>
+        </p:nvSpPr>
+        <p:spPr>
+          <a:xfrm>
+            <a:off x="8258589" y="1350613"/>
+            <a:ext cx="2503357" cy="307777"/>
+          </a:xfrm>
+          <a:prstGeom prst="rect">
+            <a:avLst/>
+          </a:prstGeom>
+          <a:noFill/>
+        </p:spPr>
+        <p:txBody>
+          <a:bodyPr wrap="square" rtlCol="0">
+            <a:spAutoFit/>
+          </a:bodyPr>
+          <a:lstStyle/>
+          <a:p>
+            <a:r>
+              <a:rPr lang="en-IN" sz="1400" dirty="0">
+                <a:latin typeface="Arial" panose="020B0604020202020204" pitchFamily="34" charset="0"/>
+                <a:cs typeface="Arial" panose="020B0604020202020204" pitchFamily="34" charset="0"/>
+              </a:rPr>
+              <a:t>Exception Handling</a:t>
+            </a:r>
+          </a:p>
+        </p:txBody>
+      </p:sp>
+      <p:pic>
+        <p:nvPicPr>
+          <p:cNvPr id="7" name="Picture 6">
+            <a:extLst>
+              <a:ext uri="{FF2B5EF4-FFF2-40B4-BE49-F238E27FC236}">
+                <a16:creationId xmlns:a16="http://schemas.microsoft.com/office/drawing/2014/main" id="{FD51F1C2-1D27-CE2F-FE4A-27162522FCAA}"/>
+              </a:ext>
+            </a:extLst>
+          </p:cNvPr>
+          <p:cNvPicPr>
+            <a:picLocks noChangeAspect="1"/>
+          </p:cNvPicPr>
+          <p:nvPr/>
+        </p:nvPicPr>
+        <p:blipFill>
+          <a:blip r:embed="rId6"/>
+          <a:stretch>
+            <a:fillRect/>
+          </a:stretch>
+        </p:blipFill>
+        <p:spPr>
+          <a:xfrm>
+            <a:off x="6685400" y="1639338"/>
+            <a:ext cx="5376685" cy="2273932"/>
+          </a:xfrm>
+          <a:prstGeom prst="rect">
+            <a:avLst/>
+          </a:prstGeom>
+        </p:spPr>
+      </p:pic>
+      <p:pic>
+        <p:nvPicPr>
+          <p:cNvPr id="16" name="Picture 15">
+            <a:extLst>
+              <a:ext uri="{FF2B5EF4-FFF2-40B4-BE49-F238E27FC236}">
+                <a16:creationId xmlns:a16="http://schemas.microsoft.com/office/drawing/2014/main" id="{DC4434CB-0D3D-FE55-8951-B45E5C8746E3}"/>
+              </a:ext>
+            </a:extLst>
+          </p:cNvPr>
+          <p:cNvPicPr>
+            <a:picLocks noChangeAspect="1"/>
+          </p:cNvPicPr>
+          <p:nvPr/>
+        </p:nvPicPr>
+        <p:blipFill>
+          <a:blip r:embed="rId7"/>
+          <a:stretch>
+            <a:fillRect/>
+          </a:stretch>
+        </p:blipFill>
+        <p:spPr>
+          <a:xfrm>
+            <a:off x="6685400" y="4020457"/>
+            <a:ext cx="5376685" cy="2764972"/>
           </a:xfrm>
           <a:prstGeom prst="rect">
             <a:avLst/>
@@ -15876,7 +16062,7 @@
     </p:spTree>
     <p:extLst>
       <p:ext uri="{BB962C8B-B14F-4D97-AF65-F5344CB8AC3E}">
-        <p14:creationId xmlns:p14="http://schemas.microsoft.com/office/powerpoint/2010/main" val="311276636"/>
+        <p14:creationId xmlns:p14="http://schemas.microsoft.com/office/powerpoint/2010/main" val="4278196989"/>
       </p:ext>
     </p:extLst>
   </p:cSld>
@@ -16022,10 +16208,10 @@
       </p:pic>
       <p:sp>
         <p:nvSpPr>
-          <p:cNvPr id="2" name="TextBox 1">
-            <a:extLst>
-              <a:ext uri="{FF2B5EF4-FFF2-40B4-BE49-F238E27FC236}">
-                <a16:creationId xmlns:a16="http://schemas.microsoft.com/office/drawing/2014/main" id="{1A44BC85-1B87-95E2-D287-741884DBCDF1}"/>
+          <p:cNvPr id="8" name="TextBox 7">
+            <a:extLst>
+              <a:ext uri="{FF2B5EF4-FFF2-40B4-BE49-F238E27FC236}">
+                <a16:creationId xmlns:a16="http://schemas.microsoft.com/office/drawing/2014/main" id="{83A5D50A-7BF5-47B2-27E6-96AA33171B2B}"/>
               </a:ext>
             </a:extLst>
           </p:cNvPr>
@@ -16052,37 +16238,17 @@
           </a:bodyPr>
           <a:lstStyle/>
           <a:p>
-            <a:pPr marL="0" marR="0" lvl="0" indent="0" algn="l" defTabSz="914400" rtl="0" eaLnBrk="1" fontAlgn="auto" latinLnBrk="0" hangingPunct="1">
+            <a:pPr>
               <a:lnSpc>
                 <a:spcPct val="115000"/>
               </a:lnSpc>
-              <a:spcBef>
-                <a:spcPts val="0"/>
-              </a:spcBef>
-              <a:spcAft>
-                <a:spcPts val="0"/>
-              </a:spcAft>
-              <a:buClrTx/>
-              <a:buSzTx/>
-              <a:buFontTx/>
-              <a:buNone/>
-              <a:tabLst/>
-              <a:defRPr/>
             </a:pPr>
             <a:r>
-              <a:rPr kumimoji="0" lang="en-IN" sz="2400" b="1" i="0" u="none" strike="noStrike" kern="1200" cap="none" spc="0" normalizeH="0" baseline="0" noProof="0" dirty="0">
-                <a:ln>
-                  <a:noFill/>
-                </a:ln>
+              <a:rPr lang="en-IN" sz="2400" b="1" dirty="0">
                 <a:solidFill>
-                  <a:prstClr val="white"/>
+                  <a:schemeClr val="bg1"/>
                 </a:solidFill>
-                <a:effectLst/>
-                <a:uLnTx/>
-                <a:uFillTx/>
                 <a:latin typeface="Times New Roman" panose="02020603050405020304" pitchFamily="18" charset="0"/>
-                <a:ea typeface="+mn-ea"/>
-                <a:cs typeface="+mn-cs"/>
               </a:rPr>
               <a:t>Appendices</a:t>
             </a:r>
@@ -16094,7 +16260,7 @@
           <p:cNvPr id="9" name="TextBox 8">
             <a:extLst>
               <a:ext uri="{FF2B5EF4-FFF2-40B4-BE49-F238E27FC236}">
-                <a16:creationId xmlns:a16="http://schemas.microsoft.com/office/drawing/2014/main" id="{8776E258-07B7-D5D9-7396-35BF7029BD2A}"/>
+                <a16:creationId xmlns:a16="http://schemas.microsoft.com/office/drawing/2014/main" id="{6EFC0530-9B9F-4025-AECD-21FC40BAD8C5}"/>
               </a:ext>
             </a:extLst>
           </p:cNvPr>
@@ -16103,8 +16269,8 @@
         </p:nvSpPr>
         <p:spPr>
           <a:xfrm>
-            <a:off x="0" y="1096824"/>
-            <a:ext cx="3922487" cy="307777"/>
+            <a:off x="4944835" y="908345"/>
+            <a:ext cx="2302330" cy="369332"/>
           </a:xfrm>
           <a:prstGeom prst="rect">
             <a:avLst/>
@@ -16130,6 +16296,300 @@
           </a:bodyPr>
           <a:lstStyle/>
           <a:p>
+            <a:r>
+              <a:rPr lang="en-IN" dirty="0"/>
+              <a:t>SonarQube Inspection</a:t>
+            </a:r>
+          </a:p>
+        </p:txBody>
+      </p:sp>
+      <p:pic>
+        <p:nvPicPr>
+          <p:cNvPr id="15" name="Picture 14">
+            <a:extLst>
+              <a:ext uri="{FF2B5EF4-FFF2-40B4-BE49-F238E27FC236}">
+                <a16:creationId xmlns:a16="http://schemas.microsoft.com/office/drawing/2014/main" id="{FA67BD38-4DCE-D0D5-0967-6B05540207D8}"/>
+              </a:ext>
+            </a:extLst>
+          </p:cNvPr>
+          <p:cNvPicPr>
+            <a:picLocks noChangeAspect="1"/>
+          </p:cNvPicPr>
+          <p:nvPr/>
+        </p:nvPicPr>
+        <p:blipFill>
+          <a:blip r:embed="rId4"/>
+          <a:stretch>
+            <a:fillRect/>
+          </a:stretch>
+        </p:blipFill>
+        <p:spPr>
+          <a:xfrm>
+            <a:off x="101600" y="1326454"/>
+            <a:ext cx="12090399" cy="5531546"/>
+          </a:xfrm>
+          <a:prstGeom prst="rect">
+            <a:avLst/>
+          </a:prstGeom>
+        </p:spPr>
+      </p:pic>
+    </p:spTree>
+    <p:extLst>
+      <p:ext uri="{BB962C8B-B14F-4D97-AF65-F5344CB8AC3E}">
+        <p14:creationId xmlns:p14="http://schemas.microsoft.com/office/powerpoint/2010/main" val="311276636"/>
+      </p:ext>
+    </p:extLst>
+  </p:cSld>
+  <p:clrMapOvr>
+    <a:masterClrMapping/>
+  </p:clrMapOvr>
+  <p:transition spd="slow">
+    <p:push/>
+  </p:transition>
+</p:sld>
+</file>
+
+<file path=ppt/slides/slide36.xml><?xml version="1.0" encoding="utf-8"?>
+<p:sld xmlns:a="http://schemas.openxmlformats.org/drawingml/2006/main" xmlns:r="http://schemas.openxmlformats.org/officeDocument/2006/relationships" xmlns:p="http://schemas.openxmlformats.org/presentationml/2006/main">
+  <p:cSld>
+    <p:spTree>
+      <p:nvGrpSpPr>
+        <p:cNvPr id="1" name=""/>
+        <p:cNvGrpSpPr/>
+        <p:nvPr/>
+      </p:nvGrpSpPr>
+      <p:grpSpPr>
+        <a:xfrm>
+          <a:off x="0" y="0"/>
+          <a:ext cx="0" cy="0"/>
+          <a:chOff x="0" y="0"/>
+          <a:chExt cx="0" cy="0"/>
+        </a:xfrm>
+      </p:grpSpPr>
+      <p:pic>
+        <p:nvPicPr>
+          <p:cNvPr id="4" name="Picture 3">
+            <a:extLst>
+              <a:ext uri="{FF2B5EF4-FFF2-40B4-BE49-F238E27FC236}">
+                <a16:creationId xmlns:a16="http://schemas.microsoft.com/office/drawing/2014/main" id="{3893C3C6-E6B4-0EAA-6168-B66B664B265B}"/>
+              </a:ext>
+            </a:extLst>
+          </p:cNvPr>
+          <p:cNvPicPr>
+            <a:picLocks noGrp="1" noRot="1" noChangeAspect="1" noMove="1" noResize="1" noEditPoints="1" noAdjustHandles="1" noChangeArrowheads="1" noChangeShapeType="1" noCrop="1"/>
+          </p:cNvPicPr>
+          <p:nvPr/>
+        </p:nvPicPr>
+        <p:blipFill>
+          <a:blip r:embed="rId2" cstate="email">
+            <a:extLst>
+              <a:ext uri="{28A0092B-C50C-407E-A947-70E740481C1C}">
+                <a14:useLocalDpi xmlns:a14="http://schemas.microsoft.com/office/drawing/2010/main"/>
+              </a:ext>
+            </a:extLst>
+          </a:blip>
+          <a:stretch>
+            <a:fillRect/>
+          </a:stretch>
+        </p:blipFill>
+        <p:spPr>
+          <a:xfrm flipH="1">
+            <a:off x="0" y="0"/>
+            <a:ext cx="12192000" cy="6858000"/>
+          </a:xfrm>
+          <a:prstGeom prst="rect">
+            <a:avLst/>
+          </a:prstGeom>
+        </p:spPr>
+      </p:pic>
+      <p:cxnSp>
+        <p:nvCxnSpPr>
+          <p:cNvPr id="5" name="Straight Connector 4">
+            <a:extLst>
+              <a:ext uri="{FF2B5EF4-FFF2-40B4-BE49-F238E27FC236}">
+                <a16:creationId xmlns:a16="http://schemas.microsoft.com/office/drawing/2014/main" id="{6317BEF4-F659-05B0-B884-5FBC9950BC38}"/>
+              </a:ext>
+            </a:extLst>
+          </p:cNvPr>
+          <p:cNvCxnSpPr>
+            <a:cxnSpLocks/>
+          </p:cNvCxnSpPr>
+          <p:nvPr/>
+        </p:nvCxnSpPr>
+        <p:spPr>
+          <a:xfrm>
+            <a:off x="2404113" y="383848"/>
+            <a:ext cx="0" cy="429893"/>
+          </a:xfrm>
+          <a:prstGeom prst="line">
+            <a:avLst/>
+          </a:prstGeom>
+          <a:ln w="12700">
+            <a:solidFill>
+              <a:srgbClr val="DD4F22"/>
+            </a:solidFill>
+          </a:ln>
+        </p:spPr>
+        <p:style>
+          <a:lnRef idx="1">
+            <a:schemeClr val="accent1"/>
+          </a:lnRef>
+          <a:fillRef idx="0">
+            <a:schemeClr val="accent1"/>
+          </a:fillRef>
+          <a:effectRef idx="0">
+            <a:schemeClr val="accent1"/>
+          </a:effectRef>
+          <a:fontRef idx="minor">
+            <a:schemeClr val="tx1"/>
+          </a:fontRef>
+        </p:style>
+      </p:cxnSp>
+      <p:pic>
+        <p:nvPicPr>
+          <p:cNvPr id="6" name="Picture 5">
+            <a:extLst>
+              <a:ext uri="{FF2B5EF4-FFF2-40B4-BE49-F238E27FC236}">
+                <a16:creationId xmlns:a16="http://schemas.microsoft.com/office/drawing/2014/main" id="{4C8E9BB0-02EA-460A-EDCE-9CB013DFF909}"/>
+              </a:ext>
+            </a:extLst>
+          </p:cNvPr>
+          <p:cNvPicPr>
+            <a:picLocks noGrp="1" noRot="1" noChangeAspect="1" noMove="1" noResize="1" noEditPoints="1" noAdjustHandles="1" noChangeArrowheads="1" noChangeShapeType="1" noCrop="1"/>
+          </p:cNvPicPr>
+          <p:nvPr/>
+        </p:nvPicPr>
+        <p:blipFill>
+          <a:blip r:embed="rId3">
+            <a:extLst>
+              <a:ext uri="{28A0092B-C50C-407E-A947-70E740481C1C}">
+                <a14:useLocalDpi xmlns:a14="http://schemas.microsoft.com/office/drawing/2010/main" val="0"/>
+              </a:ext>
+            </a:extLst>
+          </a:blip>
+          <a:srcRect/>
+          <a:stretch/>
+        </p:blipFill>
+        <p:spPr>
+          <a:xfrm>
+            <a:off x="217505" y="338023"/>
+            <a:ext cx="1963465" cy="521544"/>
+          </a:xfrm>
+          <a:prstGeom prst="rect">
+            <a:avLst/>
+          </a:prstGeom>
+        </p:spPr>
+      </p:pic>
+      <p:sp>
+        <p:nvSpPr>
+          <p:cNvPr id="2" name="TextBox 1">
+            <a:extLst>
+              <a:ext uri="{FF2B5EF4-FFF2-40B4-BE49-F238E27FC236}">
+                <a16:creationId xmlns:a16="http://schemas.microsoft.com/office/drawing/2014/main" id="{1A44BC85-1B87-95E2-D287-741884DBCDF1}"/>
+              </a:ext>
+            </a:extLst>
+          </p:cNvPr>
+          <p:cNvSpPr txBox="1">
+            <a:spLocks noGrp="1" noRot="1" noMove="1" noResize="1" noEditPoints="1" noAdjustHandles="1" noChangeArrowheads="1" noChangeShapeType="1"/>
+          </p:cNvSpPr>
+          <p:nvPr/>
+        </p:nvSpPr>
+        <p:spPr>
+          <a:xfrm>
+            <a:off x="2499360" y="383848"/>
+            <a:ext cx="8818879" cy="483017"/>
+          </a:xfrm>
+          <a:prstGeom prst="rect">
+            <a:avLst/>
+          </a:prstGeom>
+          <a:solidFill>
+            <a:srgbClr val="FF6709"/>
+          </a:solidFill>
+        </p:spPr>
+        <p:txBody>
+          <a:bodyPr wrap="square" rtlCol="0">
+            <a:spAutoFit/>
+          </a:bodyPr>
+          <a:lstStyle/>
+          <a:p>
+            <a:pPr marL="0" marR="0" lvl="0" indent="0" algn="l" defTabSz="914400" rtl="0" eaLnBrk="1" fontAlgn="auto" latinLnBrk="0" hangingPunct="1">
+              <a:lnSpc>
+                <a:spcPct val="115000"/>
+              </a:lnSpc>
+              <a:spcBef>
+                <a:spcPts val="0"/>
+              </a:spcBef>
+              <a:spcAft>
+                <a:spcPts val="0"/>
+              </a:spcAft>
+              <a:buClrTx/>
+              <a:buSzTx/>
+              <a:buFontTx/>
+              <a:buNone/>
+              <a:tabLst/>
+              <a:defRPr/>
+            </a:pPr>
+            <a:r>
+              <a:rPr kumimoji="0" lang="en-IN" sz="2400" b="1" i="0" u="none" strike="noStrike" kern="1200" cap="none" spc="0" normalizeH="0" baseline="0" noProof="0" dirty="0">
+                <a:ln>
+                  <a:noFill/>
+                </a:ln>
+                <a:solidFill>
+                  <a:prstClr val="white"/>
+                </a:solidFill>
+                <a:effectLst/>
+                <a:uLnTx/>
+                <a:uFillTx/>
+                <a:latin typeface="Times New Roman" panose="02020603050405020304" pitchFamily="18" charset="0"/>
+                <a:ea typeface="+mn-ea"/>
+                <a:cs typeface="+mn-cs"/>
+              </a:rPr>
+              <a:t>Appendices</a:t>
+            </a:r>
+          </a:p>
+        </p:txBody>
+      </p:sp>
+      <p:sp>
+        <p:nvSpPr>
+          <p:cNvPr id="9" name="TextBox 8">
+            <a:extLst>
+              <a:ext uri="{FF2B5EF4-FFF2-40B4-BE49-F238E27FC236}">
+                <a16:creationId xmlns:a16="http://schemas.microsoft.com/office/drawing/2014/main" id="{8776E258-07B7-D5D9-7396-35BF7029BD2A}"/>
+              </a:ext>
+            </a:extLst>
+          </p:cNvPr>
+          <p:cNvSpPr txBox="1"/>
+          <p:nvPr/>
+        </p:nvSpPr>
+        <p:spPr>
+          <a:xfrm>
+            <a:off x="0" y="1096824"/>
+            <a:ext cx="3922487" cy="307777"/>
+          </a:xfrm>
+          <a:prstGeom prst="rect">
+            <a:avLst/>
+          </a:prstGeom>
+        </p:spPr>
+        <p:style>
+          <a:lnRef idx="1">
+            <a:schemeClr val="accent3"/>
+          </a:lnRef>
+          <a:fillRef idx="2">
+            <a:schemeClr val="accent3"/>
+          </a:fillRef>
+          <a:effectRef idx="1">
+            <a:schemeClr val="accent3"/>
+          </a:effectRef>
+          <a:fontRef idx="minor">
+            <a:schemeClr val="dk1"/>
+          </a:fontRef>
+        </p:style>
+        <p:txBody>
+          <a:bodyPr wrap="square" rtlCol="0">
+            <a:spAutoFit/>
+          </a:bodyPr>
+          <a:lstStyle/>
+          <a:p>
             <a:pPr marL="0" marR="0" lvl="0" indent="0" algn="ctr" defTabSz="914400" rtl="0" eaLnBrk="1" fontAlgn="auto" latinLnBrk="0" hangingPunct="1">
               <a:lnSpc>
                 <a:spcPct val="100000"/>
@@ -16219,7 +16679,7 @@
 </p:sld>
 </file>
 
-<file path=ppt/slides/slide36.xml><?xml version="1.0" encoding="utf-8"?>
+<file path=ppt/slides/slide37.xml><?xml version="1.0" encoding="utf-8"?>
 <p:sld xmlns:a="http://schemas.openxmlformats.org/drawingml/2006/main" xmlns:r="http://schemas.openxmlformats.org/officeDocument/2006/relationships" xmlns:p="http://schemas.openxmlformats.org/presentationml/2006/main">
   <p:cSld>
     <p:spTree>

--- a/Capstone_hdfc.pptx
+++ b/Capstone_hdfc.pptx
@@ -245,7 +245,7 @@
           <a:p>
             <a:fld id="{DBBD1C85-E1A4-447F-BAAD-9CEDE6E82C22}" type="datetimeFigureOut">
               <a:rPr lang="en-IN" smtClean="0"/>
-              <a:t>30-04-2023</a:t>
+              <a:t>01-05-2023</a:t>
             </a:fld>
             <a:endParaRPr lang="en-IN"/>
           </a:p>
@@ -662,7 +662,7 @@
           <a:p>
             <a:fld id="{6D3052E0-193B-4471-BAD0-B156ECCE0645}" type="datetimeFigureOut">
               <a:rPr lang="en-IN" smtClean="0"/>
-              <a:t>30-04-2023</a:t>
+              <a:t>01-05-2023</a:t>
             </a:fld>
             <a:endParaRPr lang="en-IN"/>
           </a:p>
@@ -865,7 +865,7 @@
           <a:p>
             <a:fld id="{6D3052E0-193B-4471-BAD0-B156ECCE0645}" type="datetimeFigureOut">
               <a:rPr lang="en-IN" smtClean="0"/>
-              <a:t>30-04-2023</a:t>
+              <a:t>01-05-2023</a:t>
             </a:fld>
             <a:endParaRPr lang="en-IN"/>
           </a:p>
@@ -1078,7 +1078,7 @@
           <a:p>
             <a:fld id="{6D3052E0-193B-4471-BAD0-B156ECCE0645}" type="datetimeFigureOut">
               <a:rPr lang="en-IN" smtClean="0"/>
-              <a:t>30-04-2023</a:t>
+              <a:t>01-05-2023</a:t>
             </a:fld>
             <a:endParaRPr lang="en-IN"/>
           </a:p>
@@ -1281,7 +1281,7 @@
           <a:p>
             <a:fld id="{6D3052E0-193B-4471-BAD0-B156ECCE0645}" type="datetimeFigureOut">
               <a:rPr lang="en-IN" smtClean="0"/>
-              <a:t>30-04-2023</a:t>
+              <a:t>01-05-2023</a:t>
             </a:fld>
             <a:endParaRPr lang="en-IN"/>
           </a:p>
@@ -1560,7 +1560,7 @@
           <a:p>
             <a:fld id="{6D3052E0-193B-4471-BAD0-B156ECCE0645}" type="datetimeFigureOut">
               <a:rPr lang="en-IN" smtClean="0"/>
-              <a:t>30-04-2023</a:t>
+              <a:t>01-05-2023</a:t>
             </a:fld>
             <a:endParaRPr lang="en-IN"/>
           </a:p>
@@ -1831,7 +1831,7 @@
           <a:p>
             <a:fld id="{6D3052E0-193B-4471-BAD0-B156ECCE0645}" type="datetimeFigureOut">
               <a:rPr lang="en-IN" smtClean="0"/>
-              <a:t>30-04-2023</a:t>
+              <a:t>01-05-2023</a:t>
             </a:fld>
             <a:endParaRPr lang="en-IN"/>
           </a:p>
@@ -2249,7 +2249,7 @@
           <a:p>
             <a:fld id="{6D3052E0-193B-4471-BAD0-B156ECCE0645}" type="datetimeFigureOut">
               <a:rPr lang="en-IN" smtClean="0"/>
-              <a:t>30-04-2023</a:t>
+              <a:t>01-05-2023</a:t>
             </a:fld>
             <a:endParaRPr lang="en-IN"/>
           </a:p>
@@ -2394,7 +2394,7 @@
           <a:p>
             <a:fld id="{6D3052E0-193B-4471-BAD0-B156ECCE0645}" type="datetimeFigureOut">
               <a:rPr lang="en-IN" smtClean="0"/>
-              <a:t>30-04-2023</a:t>
+              <a:t>01-05-2023</a:t>
             </a:fld>
             <a:endParaRPr lang="en-IN"/>
           </a:p>
@@ -2510,7 +2510,7 @@
           <a:p>
             <a:fld id="{6D3052E0-193B-4471-BAD0-B156ECCE0645}" type="datetimeFigureOut">
               <a:rPr lang="en-IN" smtClean="0"/>
-              <a:t>30-04-2023</a:t>
+              <a:t>01-05-2023</a:t>
             </a:fld>
             <a:endParaRPr lang="en-IN"/>
           </a:p>
@@ -2826,7 +2826,7 @@
           <a:p>
             <a:fld id="{6D3052E0-193B-4471-BAD0-B156ECCE0645}" type="datetimeFigureOut">
               <a:rPr lang="en-IN" smtClean="0"/>
-              <a:t>30-04-2023</a:t>
+              <a:t>01-05-2023</a:t>
             </a:fld>
             <a:endParaRPr lang="en-IN"/>
           </a:p>
@@ -3122,7 +3122,7 @@
           <a:p>
             <a:fld id="{6D3052E0-193B-4471-BAD0-B156ECCE0645}" type="datetimeFigureOut">
               <a:rPr lang="en-IN" smtClean="0"/>
-              <a:t>30-04-2023</a:t>
+              <a:t>01-05-2023</a:t>
             </a:fld>
             <a:endParaRPr lang="en-IN"/>
           </a:p>
@@ -3368,7 +3368,7 @@
           <a:p>
             <a:fld id="{6D3052E0-193B-4471-BAD0-B156ECCE0645}" type="datetimeFigureOut">
               <a:rPr lang="en-IN" smtClean="0"/>
-              <a:t>30-04-2023</a:t>
+              <a:t>01-05-2023</a:t>
             </a:fld>
             <a:endParaRPr lang="en-IN"/>
           </a:p>
@@ -5941,42 +5941,6 @@
           <a:chExt cx="0" cy="0"/>
         </a:xfrm>
       </p:grpSpPr>
-      <p:pic>
-        <p:nvPicPr>
-          <p:cNvPr id="4" name="Picture 3">
-            <a:extLst>
-              <a:ext uri="{FF2B5EF4-FFF2-40B4-BE49-F238E27FC236}">
-                <a16:creationId xmlns:a16="http://schemas.microsoft.com/office/drawing/2014/main" id="{3893C3C6-E6B4-0EAA-6168-B66B664B265B}"/>
-              </a:ext>
-            </a:extLst>
-          </p:cNvPr>
-          <p:cNvPicPr>
-            <a:picLocks noGrp="1" noRot="1" noChangeAspect="1" noMove="1" noResize="1" noEditPoints="1" noAdjustHandles="1" noChangeArrowheads="1" noChangeShapeType="1" noCrop="1"/>
-          </p:cNvPicPr>
-          <p:nvPr/>
-        </p:nvPicPr>
-        <p:blipFill>
-          <a:blip r:embed="rId2" cstate="email">
-            <a:extLst>
-              <a:ext uri="{28A0092B-C50C-407E-A947-70E740481C1C}">
-                <a14:useLocalDpi xmlns:a14="http://schemas.microsoft.com/office/drawing/2010/main"/>
-              </a:ext>
-            </a:extLst>
-          </a:blip>
-          <a:stretch>
-            <a:fillRect/>
-          </a:stretch>
-        </p:blipFill>
-        <p:spPr>
-          <a:xfrm flipH="1">
-            <a:off x="0" y="-20320"/>
-            <a:ext cx="12192000" cy="6858000"/>
-          </a:xfrm>
-          <a:prstGeom prst="rect">
-            <a:avLst/>
-          </a:prstGeom>
-        </p:spPr>
-      </p:pic>
       <p:cxnSp>
         <p:nvCxnSpPr>
           <p:cNvPr id="5" name="Straight Connector 4">
@@ -6035,7 +5999,7 @@
           <p:nvPr/>
         </p:nvPicPr>
         <p:blipFill>
-          <a:blip r:embed="rId3">
+          <a:blip r:embed="rId2">
             <a:extLst>
               <a:ext uri="{28A0092B-C50C-407E-A947-70E740481C1C}">
                 <a14:useLocalDpi xmlns:a14="http://schemas.microsoft.com/office/drawing/2010/main" val="0"/>
@@ -6138,7 +6102,7 @@
         </p:nvSpPr>
         <p:spPr>
           <a:xfrm>
-            <a:off x="406190" y="1158953"/>
+            <a:off x="406190" y="909352"/>
             <a:ext cx="10912049" cy="325474"/>
           </a:xfrm>
           <a:prstGeom prst="rect">
@@ -6240,7 +6204,7 @@
         </p:nvSpPr>
         <p:spPr>
           <a:xfrm>
-            <a:off x="2180970" y="1763310"/>
+            <a:off x="4738701" y="1214517"/>
             <a:ext cx="2714597" cy="369332"/>
           </a:xfrm>
           <a:prstGeom prst="rect">
@@ -6255,7 +6219,15 @@
           <a:lstStyle/>
           <a:p>
             <a:r>
-              <a:rPr lang="en-IN" dirty="0"/>
+              <a:rPr lang="en-IN" i="1" u="sng" dirty="0">
+                <a:effectLst>
+                  <a:outerShdw blurRad="38100" dist="38100" dir="2700000" algn="tl">
+                    <a:srgbClr val="000000">
+                      <a:alpha val="43137"/>
+                    </a:srgbClr>
+                  </a:outerShdw>
+                </a:effectLst>
+              </a:rPr>
               <a:t>EmployeeServiceTest Class</a:t>
             </a:r>
           </a:p>
@@ -6275,8 +6247,8 @@
         </p:nvSpPr>
         <p:spPr>
           <a:xfrm>
-            <a:off x="8948665" y="1740659"/>
-            <a:ext cx="1225850" cy="369332"/>
+            <a:off x="10269464" y="1738362"/>
+            <a:ext cx="1225850" cy="307777"/>
           </a:xfrm>
           <a:prstGeom prst="rect">
             <a:avLst/>
@@ -6290,18 +6262,50 @@
           <a:lstStyle/>
           <a:p>
             <a:r>
-              <a:rPr lang="en-IN" dirty="0"/>
-              <a:t>Test Result</a:t>
+              <a:rPr lang="en-IN" sz="1400" dirty="0">
+                <a:latin typeface="Bahnschrift" panose="020B0502040204020203" pitchFamily="34" charset="0"/>
+              </a:rPr>
+              <a:t>Test Results</a:t>
             </a:r>
           </a:p>
         </p:txBody>
       </p:sp>
       <p:pic>
         <p:nvPicPr>
-          <p:cNvPr id="14" name="Picture 13">
-            <a:extLst>
-              <a:ext uri="{FF2B5EF4-FFF2-40B4-BE49-F238E27FC236}">
-                <a16:creationId xmlns:a16="http://schemas.microsoft.com/office/drawing/2014/main" id="{45E923A8-565F-558D-8896-681BF15C5173}"/>
+          <p:cNvPr id="11" name="Picture 10">
+            <a:extLst>
+              <a:ext uri="{FF2B5EF4-FFF2-40B4-BE49-F238E27FC236}">
+                <a16:creationId xmlns:a16="http://schemas.microsoft.com/office/drawing/2014/main" id="{3600D2AB-3293-7A8C-BBC3-E578BA52C5DC}"/>
+              </a:ext>
+            </a:extLst>
+          </p:cNvPr>
+          <p:cNvPicPr>
+            <a:picLocks noChangeAspect="1"/>
+          </p:cNvPicPr>
+          <p:nvPr/>
+        </p:nvPicPr>
+        <p:blipFill>
+          <a:blip r:embed="rId3"/>
+          <a:stretch>
+            <a:fillRect/>
+          </a:stretch>
+        </p:blipFill>
+        <p:spPr>
+          <a:xfrm>
+            <a:off x="0" y="2046139"/>
+            <a:ext cx="4934857" cy="4791542"/>
+          </a:xfrm>
+          <a:prstGeom prst="rect">
+            <a:avLst/>
+          </a:prstGeom>
+        </p:spPr>
+      </p:pic>
+      <p:pic>
+        <p:nvPicPr>
+          <p:cNvPr id="18" name="Picture 17">
+            <a:extLst>
+              <a:ext uri="{FF2B5EF4-FFF2-40B4-BE49-F238E27FC236}">
+                <a16:creationId xmlns:a16="http://schemas.microsoft.com/office/drawing/2014/main" id="{CD261C3E-4191-C773-CE6D-5172CDF81599}"/>
               </a:ext>
             </a:extLst>
           </p:cNvPr>
@@ -6318,8 +6322,8 @@
         </p:blipFill>
         <p:spPr>
           <a:xfrm>
-            <a:off x="7296434" y="2063460"/>
-            <a:ext cx="4586723" cy="4636085"/>
+            <a:off x="4981656" y="2046139"/>
+            <a:ext cx="4188115" cy="4791542"/>
           </a:xfrm>
           <a:prstGeom prst="rect">
             <a:avLst/>
@@ -6328,10 +6332,10 @@
       </p:pic>
       <p:pic>
         <p:nvPicPr>
-          <p:cNvPr id="3" name="Picture 2">
-            <a:extLst>
-              <a:ext uri="{FF2B5EF4-FFF2-40B4-BE49-F238E27FC236}">
-                <a16:creationId xmlns:a16="http://schemas.microsoft.com/office/drawing/2014/main" id="{AF1C8373-461A-1F3A-C60D-3DB337167DE3}"/>
+          <p:cNvPr id="20" name="Picture 19">
+            <a:extLst>
+              <a:ext uri="{FF2B5EF4-FFF2-40B4-BE49-F238E27FC236}">
+                <a16:creationId xmlns:a16="http://schemas.microsoft.com/office/drawing/2014/main" id="{500A1F1A-9B27-348B-CABE-E229D7305D96}"/>
               </a:ext>
             </a:extLst>
           </p:cNvPr>
@@ -6348,14 +6352,88 @@
         </p:blipFill>
         <p:spPr>
           <a:xfrm>
-            <a:off x="308844" y="2063460"/>
-            <a:ext cx="6678748" cy="4636085"/>
+            <a:off x="9216571" y="2046139"/>
+            <a:ext cx="2975430" cy="4791542"/>
           </a:xfrm>
           <a:prstGeom prst="rect">
             <a:avLst/>
           </a:prstGeom>
         </p:spPr>
       </p:pic>
+      <p:sp>
+        <p:nvSpPr>
+          <p:cNvPr id="21" name="TextBox 20">
+            <a:extLst>
+              <a:ext uri="{FF2B5EF4-FFF2-40B4-BE49-F238E27FC236}">
+                <a16:creationId xmlns:a16="http://schemas.microsoft.com/office/drawing/2014/main" id="{0F077A12-D089-2DCD-164C-1CB4FCFDF715}"/>
+              </a:ext>
+            </a:extLst>
+          </p:cNvPr>
+          <p:cNvSpPr txBox="1"/>
+          <p:nvPr/>
+        </p:nvSpPr>
+        <p:spPr>
+          <a:xfrm>
+            <a:off x="1103086" y="1738362"/>
+            <a:ext cx="2322285" cy="307777"/>
+          </a:xfrm>
+          <a:prstGeom prst="rect">
+            <a:avLst/>
+          </a:prstGeom>
+          <a:noFill/>
+        </p:spPr>
+        <p:txBody>
+          <a:bodyPr wrap="square" rtlCol="0">
+            <a:spAutoFit/>
+          </a:bodyPr>
+          <a:lstStyle/>
+          <a:p>
+            <a:r>
+              <a:rPr lang="en-IN" sz="1400" dirty="0">
+                <a:latin typeface="Bahnschrift" panose="020B0502040204020203" pitchFamily="34" charset="0"/>
+              </a:rPr>
+              <a:t>Testing with mock object</a:t>
+            </a:r>
+          </a:p>
+        </p:txBody>
+      </p:sp>
+      <p:sp>
+        <p:nvSpPr>
+          <p:cNvPr id="24" name="TextBox 23">
+            <a:extLst>
+              <a:ext uri="{FF2B5EF4-FFF2-40B4-BE49-F238E27FC236}">
+                <a16:creationId xmlns:a16="http://schemas.microsoft.com/office/drawing/2014/main" id="{43701EEC-C4CC-AB8C-BD9F-D8F232F30877}"/>
+              </a:ext>
+            </a:extLst>
+          </p:cNvPr>
+          <p:cNvSpPr txBox="1"/>
+          <p:nvPr/>
+        </p:nvSpPr>
+        <p:spPr>
+          <a:xfrm>
+            <a:off x="6095999" y="1738362"/>
+            <a:ext cx="2075543" cy="307777"/>
+          </a:xfrm>
+          <a:prstGeom prst="rect">
+            <a:avLst/>
+          </a:prstGeom>
+          <a:noFill/>
+        </p:spPr>
+        <p:txBody>
+          <a:bodyPr wrap="square" rtlCol="0">
+            <a:spAutoFit/>
+          </a:bodyPr>
+          <a:lstStyle/>
+          <a:p>
+            <a:r>
+              <a:rPr lang="en-IN" sz="1400" dirty="0">
+                <a:latin typeface="Bahnschrift" panose="020B0502040204020203" pitchFamily="34" charset="0"/>
+              </a:rPr>
+              <a:t>Testing with real object</a:t>
+            </a:r>
+          </a:p>
+        </p:txBody>
+      </p:sp>
     </p:spTree>
     <p:extLst>
       <p:ext uri="{BB962C8B-B14F-4D97-AF65-F5344CB8AC3E}">

--- a/Capstone_hdfc.pptx
+++ b/Capstone_hdfc.pptx
@@ -245,7 +245,7 @@
           <a:p>
             <a:fld id="{DBBD1C85-E1A4-447F-BAAD-9CEDE6E82C22}" type="datetimeFigureOut">
               <a:rPr lang="en-IN" smtClean="0"/>
-              <a:t>01-05-2023</a:t>
+              <a:t>06-05-2023</a:t>
             </a:fld>
             <a:endParaRPr lang="en-IN"/>
           </a:p>
@@ -662,7 +662,7 @@
           <a:p>
             <a:fld id="{6D3052E0-193B-4471-BAD0-B156ECCE0645}" type="datetimeFigureOut">
               <a:rPr lang="en-IN" smtClean="0"/>
-              <a:t>01-05-2023</a:t>
+              <a:t>06-05-2023</a:t>
             </a:fld>
             <a:endParaRPr lang="en-IN"/>
           </a:p>
@@ -865,7 +865,7 @@
           <a:p>
             <a:fld id="{6D3052E0-193B-4471-BAD0-B156ECCE0645}" type="datetimeFigureOut">
               <a:rPr lang="en-IN" smtClean="0"/>
-              <a:t>01-05-2023</a:t>
+              <a:t>06-05-2023</a:t>
             </a:fld>
             <a:endParaRPr lang="en-IN"/>
           </a:p>
@@ -1078,7 +1078,7 @@
           <a:p>
             <a:fld id="{6D3052E0-193B-4471-BAD0-B156ECCE0645}" type="datetimeFigureOut">
               <a:rPr lang="en-IN" smtClean="0"/>
-              <a:t>01-05-2023</a:t>
+              <a:t>06-05-2023</a:t>
             </a:fld>
             <a:endParaRPr lang="en-IN"/>
           </a:p>
@@ -1281,7 +1281,7 @@
           <a:p>
             <a:fld id="{6D3052E0-193B-4471-BAD0-B156ECCE0645}" type="datetimeFigureOut">
               <a:rPr lang="en-IN" smtClean="0"/>
-              <a:t>01-05-2023</a:t>
+              <a:t>06-05-2023</a:t>
             </a:fld>
             <a:endParaRPr lang="en-IN"/>
           </a:p>
@@ -1560,7 +1560,7 @@
           <a:p>
             <a:fld id="{6D3052E0-193B-4471-BAD0-B156ECCE0645}" type="datetimeFigureOut">
               <a:rPr lang="en-IN" smtClean="0"/>
-              <a:t>01-05-2023</a:t>
+              <a:t>06-05-2023</a:t>
             </a:fld>
             <a:endParaRPr lang="en-IN"/>
           </a:p>
@@ -1831,7 +1831,7 @@
           <a:p>
             <a:fld id="{6D3052E0-193B-4471-BAD0-B156ECCE0645}" type="datetimeFigureOut">
               <a:rPr lang="en-IN" smtClean="0"/>
-              <a:t>01-05-2023</a:t>
+              <a:t>06-05-2023</a:t>
             </a:fld>
             <a:endParaRPr lang="en-IN"/>
           </a:p>
@@ -2249,7 +2249,7 @@
           <a:p>
             <a:fld id="{6D3052E0-193B-4471-BAD0-B156ECCE0645}" type="datetimeFigureOut">
               <a:rPr lang="en-IN" smtClean="0"/>
-              <a:t>01-05-2023</a:t>
+              <a:t>06-05-2023</a:t>
             </a:fld>
             <a:endParaRPr lang="en-IN"/>
           </a:p>
@@ -2394,7 +2394,7 @@
           <a:p>
             <a:fld id="{6D3052E0-193B-4471-BAD0-B156ECCE0645}" type="datetimeFigureOut">
               <a:rPr lang="en-IN" smtClean="0"/>
-              <a:t>01-05-2023</a:t>
+              <a:t>06-05-2023</a:t>
             </a:fld>
             <a:endParaRPr lang="en-IN"/>
           </a:p>
@@ -2510,7 +2510,7 @@
           <a:p>
             <a:fld id="{6D3052E0-193B-4471-BAD0-B156ECCE0645}" type="datetimeFigureOut">
               <a:rPr lang="en-IN" smtClean="0"/>
-              <a:t>01-05-2023</a:t>
+              <a:t>06-05-2023</a:t>
             </a:fld>
             <a:endParaRPr lang="en-IN"/>
           </a:p>
@@ -2826,7 +2826,7 @@
           <a:p>
             <a:fld id="{6D3052E0-193B-4471-BAD0-B156ECCE0645}" type="datetimeFigureOut">
               <a:rPr lang="en-IN" smtClean="0"/>
-              <a:t>01-05-2023</a:t>
+              <a:t>06-05-2023</a:t>
             </a:fld>
             <a:endParaRPr lang="en-IN"/>
           </a:p>
@@ -3122,7 +3122,7 @@
           <a:p>
             <a:fld id="{6D3052E0-193B-4471-BAD0-B156ECCE0645}" type="datetimeFigureOut">
               <a:rPr lang="en-IN" smtClean="0"/>
-              <a:t>01-05-2023</a:t>
+              <a:t>06-05-2023</a:t>
             </a:fld>
             <a:endParaRPr lang="en-IN"/>
           </a:p>
@@ -3368,7 +3368,7 @@
           <a:p>
             <a:fld id="{6D3052E0-193B-4471-BAD0-B156ECCE0645}" type="datetimeFigureOut">
               <a:rPr lang="en-IN" smtClean="0"/>
-              <a:t>01-05-2023</a:t>
+              <a:t>06-05-2023</a:t>
             </a:fld>
             <a:endParaRPr lang="en-IN"/>
           </a:p>
@@ -12992,7 +12992,7 @@
         </p:nvSpPr>
         <p:spPr>
           <a:xfrm>
-            <a:off x="2190350" y="1391021"/>
+            <a:off x="1929094" y="1391021"/>
             <a:ext cx="1219446" cy="315151"/>
           </a:xfrm>
           <a:prstGeom prst="rect">
@@ -13022,36 +13022,6 @@
           </a:p>
         </p:txBody>
       </p:sp>
-      <p:pic>
-        <p:nvPicPr>
-          <p:cNvPr id="3" name="Picture 2">
-            <a:extLst>
-              <a:ext uri="{FF2B5EF4-FFF2-40B4-BE49-F238E27FC236}">
-                <a16:creationId xmlns:a16="http://schemas.microsoft.com/office/drawing/2014/main" id="{87EE6B9D-468D-E6E6-713C-F9711E7D06CC}"/>
-              </a:ext>
-            </a:extLst>
-          </p:cNvPr>
-          <p:cNvPicPr>
-            <a:picLocks noChangeAspect="1"/>
-          </p:cNvPicPr>
-          <p:nvPr/>
-        </p:nvPicPr>
-        <p:blipFill>
-          <a:blip r:embed="rId4"/>
-          <a:stretch>
-            <a:fillRect/>
-          </a:stretch>
-        </p:blipFill>
-        <p:spPr>
-          <a:xfrm>
-            <a:off x="99234" y="1694729"/>
-            <a:ext cx="5401679" cy="5185835"/>
-          </a:xfrm>
-          <a:prstGeom prst="rect">
-            <a:avLst/>
-          </a:prstGeom>
-        </p:spPr>
-      </p:pic>
       <p:sp>
         <p:nvSpPr>
           <p:cNvPr id="9" name="TextBox 8">
@@ -13114,7 +13084,7 @@
         </p:nvSpPr>
         <p:spPr>
           <a:xfrm>
-            <a:off x="7949754" y="1391021"/>
+            <a:off x="7887625" y="1398395"/>
             <a:ext cx="1868343" cy="307777"/>
           </a:xfrm>
           <a:prstGeom prst="rect">
@@ -13143,6 +13113,36 @@
             <a:extLst>
               <a:ext uri="{FF2B5EF4-FFF2-40B4-BE49-F238E27FC236}">
                 <a16:creationId xmlns:a16="http://schemas.microsoft.com/office/drawing/2014/main" id="{7694634D-2D86-A106-FD62-2B1CCD8DEB03}"/>
+              </a:ext>
+            </a:extLst>
+          </p:cNvPr>
+          <p:cNvPicPr>
+            <a:picLocks noChangeAspect="1"/>
+          </p:cNvPicPr>
+          <p:nvPr/>
+        </p:nvPicPr>
+        <p:blipFill>
+          <a:blip r:embed="rId4"/>
+          <a:stretch>
+            <a:fillRect/>
+          </a:stretch>
+        </p:blipFill>
+        <p:spPr>
+          <a:xfrm>
+            <a:off x="5077637" y="1694730"/>
+            <a:ext cx="7015130" cy="5039900"/>
+          </a:xfrm>
+          <a:prstGeom prst="rect">
+            <a:avLst/>
+          </a:prstGeom>
+        </p:spPr>
+      </p:pic>
+      <p:pic>
+        <p:nvPicPr>
+          <p:cNvPr id="15" name="Picture 14">
+            <a:extLst>
+              <a:ext uri="{FF2B5EF4-FFF2-40B4-BE49-F238E27FC236}">
+                <a16:creationId xmlns:a16="http://schemas.microsoft.com/office/drawing/2014/main" id="{F57A3D72-CC62-E8F8-3B71-28BC14957184}"/>
               </a:ext>
             </a:extLst>
           </p:cNvPr>
@@ -13159,8 +13159,8 @@
         </p:blipFill>
         <p:spPr>
           <a:xfrm>
-            <a:off x="5675086" y="1694729"/>
-            <a:ext cx="6417680" cy="5163271"/>
+            <a:off x="99232" y="1706172"/>
+            <a:ext cx="4879171" cy="5028458"/>
           </a:xfrm>
           <a:prstGeom prst="rect">
             <a:avLst/>
@@ -14628,10 +14628,10 @@
       </p:sp>
       <p:pic>
         <p:nvPicPr>
-          <p:cNvPr id="7" name="Picture 6">
-            <a:extLst>
-              <a:ext uri="{FF2B5EF4-FFF2-40B4-BE49-F238E27FC236}">
-                <a16:creationId xmlns:a16="http://schemas.microsoft.com/office/drawing/2014/main" id="{A59C060B-9BE0-349A-3FF0-92FE23E9804C}"/>
+          <p:cNvPr id="10" name="Picture 9">
+            <a:extLst>
+              <a:ext uri="{FF2B5EF4-FFF2-40B4-BE49-F238E27FC236}">
+                <a16:creationId xmlns:a16="http://schemas.microsoft.com/office/drawing/2014/main" id="{C3DB0FF7-C5C1-3BF2-1B5E-CC5846D96AAF}"/>
               </a:ext>
             </a:extLst>
           </p:cNvPr>
@@ -14648,8 +14648,8 @@
         </p:blipFill>
         <p:spPr>
           <a:xfrm>
-            <a:off x="79829" y="1693904"/>
-            <a:ext cx="6308246" cy="5144218"/>
+            <a:off x="6467904" y="1693904"/>
+            <a:ext cx="5644267" cy="5144218"/>
           </a:xfrm>
           <a:prstGeom prst="rect">
             <a:avLst/>
@@ -14658,10 +14658,10 @@
       </p:pic>
       <p:pic>
         <p:nvPicPr>
-          <p:cNvPr id="10" name="Picture 9">
-            <a:extLst>
-              <a:ext uri="{FF2B5EF4-FFF2-40B4-BE49-F238E27FC236}">
-                <a16:creationId xmlns:a16="http://schemas.microsoft.com/office/drawing/2014/main" id="{C3DB0FF7-C5C1-3BF2-1B5E-CC5846D96AAF}"/>
+          <p:cNvPr id="12" name="Picture 11">
+            <a:extLst>
+              <a:ext uri="{FF2B5EF4-FFF2-40B4-BE49-F238E27FC236}">
+                <a16:creationId xmlns:a16="http://schemas.microsoft.com/office/drawing/2014/main" id="{A18C500D-5BCA-08F4-AF45-6F3FDC4E66CD}"/>
               </a:ext>
             </a:extLst>
           </p:cNvPr>
@@ -14678,8 +14678,8 @@
         </p:blipFill>
         <p:spPr>
           <a:xfrm>
-            <a:off x="6467904" y="1693904"/>
-            <a:ext cx="5644267" cy="5144218"/>
+            <a:off x="79829" y="1693903"/>
+            <a:ext cx="6308245" cy="5144217"/>
           </a:xfrm>
           <a:prstGeom prst="rect">
             <a:avLst/>

--- a/Capstone_hdfc.pptx
+++ b/Capstone_hdfc.pptx
@@ -5,7 +5,7 @@
     <p:sldMasterId id="2147483648" r:id="rId1"/>
   </p:sldMasterIdLst>
   <p:notesMasterIdLst>
-    <p:notesMasterId r:id="rId39"/>
+    <p:notesMasterId r:id="rId40"/>
   </p:notesMasterIdLst>
   <p:sldIdLst>
     <p:sldId id="256" r:id="rId2"/>
@@ -30,21 +30,22 @@
     <p:sldId id="279" r:id="rId21"/>
     <p:sldId id="281" r:id="rId22"/>
     <p:sldId id="292" r:id="rId23"/>
-    <p:sldId id="293" r:id="rId24"/>
-    <p:sldId id="282" r:id="rId25"/>
-    <p:sldId id="284" r:id="rId26"/>
-    <p:sldId id="267" r:id="rId27"/>
-    <p:sldId id="268" r:id="rId28"/>
-    <p:sldId id="269" r:id="rId29"/>
-    <p:sldId id="270" r:id="rId30"/>
-    <p:sldId id="285" r:id="rId31"/>
-    <p:sldId id="276" r:id="rId32"/>
-    <p:sldId id="294" r:id="rId33"/>
-    <p:sldId id="277" r:id="rId34"/>
-    <p:sldId id="278" r:id="rId35"/>
-    <p:sldId id="291" r:id="rId36"/>
-    <p:sldId id="286" r:id="rId37"/>
-    <p:sldId id="280" r:id="rId38"/>
+    <p:sldId id="295" r:id="rId24"/>
+    <p:sldId id="293" r:id="rId25"/>
+    <p:sldId id="282" r:id="rId26"/>
+    <p:sldId id="284" r:id="rId27"/>
+    <p:sldId id="267" r:id="rId28"/>
+    <p:sldId id="268" r:id="rId29"/>
+    <p:sldId id="269" r:id="rId30"/>
+    <p:sldId id="270" r:id="rId31"/>
+    <p:sldId id="285" r:id="rId32"/>
+    <p:sldId id="276" r:id="rId33"/>
+    <p:sldId id="294" r:id="rId34"/>
+    <p:sldId id="277" r:id="rId35"/>
+    <p:sldId id="278" r:id="rId36"/>
+    <p:sldId id="291" r:id="rId37"/>
+    <p:sldId id="286" r:id="rId38"/>
+    <p:sldId id="280" r:id="rId39"/>
   </p:sldIdLst>
   <p:sldSz cx="12192000" cy="6858000"/>
   <p:notesSz cx="6858000" cy="9144000"/>
@@ -245,7 +246,7 @@
           <a:p>
             <a:fld id="{DBBD1C85-E1A4-447F-BAAD-9CEDE6E82C22}" type="datetimeFigureOut">
               <a:rPr lang="en-IN" smtClean="0"/>
-              <a:t>06-05-2023</a:t>
+              <a:t>07-05-2023</a:t>
             </a:fld>
             <a:endParaRPr lang="en-IN"/>
           </a:p>
@@ -662,7 +663,7 @@
           <a:p>
             <a:fld id="{6D3052E0-193B-4471-BAD0-B156ECCE0645}" type="datetimeFigureOut">
               <a:rPr lang="en-IN" smtClean="0"/>
-              <a:t>06-05-2023</a:t>
+              <a:t>07-05-2023</a:t>
             </a:fld>
             <a:endParaRPr lang="en-IN"/>
           </a:p>
@@ -865,7 +866,7 @@
           <a:p>
             <a:fld id="{6D3052E0-193B-4471-BAD0-B156ECCE0645}" type="datetimeFigureOut">
               <a:rPr lang="en-IN" smtClean="0"/>
-              <a:t>06-05-2023</a:t>
+              <a:t>07-05-2023</a:t>
             </a:fld>
             <a:endParaRPr lang="en-IN"/>
           </a:p>
@@ -1078,7 +1079,7 @@
           <a:p>
             <a:fld id="{6D3052E0-193B-4471-BAD0-B156ECCE0645}" type="datetimeFigureOut">
               <a:rPr lang="en-IN" smtClean="0"/>
-              <a:t>06-05-2023</a:t>
+              <a:t>07-05-2023</a:t>
             </a:fld>
             <a:endParaRPr lang="en-IN"/>
           </a:p>
@@ -1281,7 +1282,7 @@
           <a:p>
             <a:fld id="{6D3052E0-193B-4471-BAD0-B156ECCE0645}" type="datetimeFigureOut">
               <a:rPr lang="en-IN" smtClean="0"/>
-              <a:t>06-05-2023</a:t>
+              <a:t>07-05-2023</a:t>
             </a:fld>
             <a:endParaRPr lang="en-IN"/>
           </a:p>
@@ -1560,7 +1561,7 @@
           <a:p>
             <a:fld id="{6D3052E0-193B-4471-BAD0-B156ECCE0645}" type="datetimeFigureOut">
               <a:rPr lang="en-IN" smtClean="0"/>
-              <a:t>06-05-2023</a:t>
+              <a:t>07-05-2023</a:t>
             </a:fld>
             <a:endParaRPr lang="en-IN"/>
           </a:p>
@@ -1831,7 +1832,7 @@
           <a:p>
             <a:fld id="{6D3052E0-193B-4471-BAD0-B156ECCE0645}" type="datetimeFigureOut">
               <a:rPr lang="en-IN" smtClean="0"/>
-              <a:t>06-05-2023</a:t>
+              <a:t>07-05-2023</a:t>
             </a:fld>
             <a:endParaRPr lang="en-IN"/>
           </a:p>
@@ -2249,7 +2250,7 @@
           <a:p>
             <a:fld id="{6D3052E0-193B-4471-BAD0-B156ECCE0645}" type="datetimeFigureOut">
               <a:rPr lang="en-IN" smtClean="0"/>
-              <a:t>06-05-2023</a:t>
+              <a:t>07-05-2023</a:t>
             </a:fld>
             <a:endParaRPr lang="en-IN"/>
           </a:p>
@@ -2394,7 +2395,7 @@
           <a:p>
             <a:fld id="{6D3052E0-193B-4471-BAD0-B156ECCE0645}" type="datetimeFigureOut">
               <a:rPr lang="en-IN" smtClean="0"/>
-              <a:t>06-05-2023</a:t>
+              <a:t>07-05-2023</a:t>
             </a:fld>
             <a:endParaRPr lang="en-IN"/>
           </a:p>
@@ -2510,7 +2511,7 @@
           <a:p>
             <a:fld id="{6D3052E0-193B-4471-BAD0-B156ECCE0645}" type="datetimeFigureOut">
               <a:rPr lang="en-IN" smtClean="0"/>
-              <a:t>06-05-2023</a:t>
+              <a:t>07-05-2023</a:t>
             </a:fld>
             <a:endParaRPr lang="en-IN"/>
           </a:p>
@@ -2826,7 +2827,7 @@
           <a:p>
             <a:fld id="{6D3052E0-193B-4471-BAD0-B156ECCE0645}" type="datetimeFigureOut">
               <a:rPr lang="en-IN" smtClean="0"/>
-              <a:t>06-05-2023</a:t>
+              <a:t>07-05-2023</a:t>
             </a:fld>
             <a:endParaRPr lang="en-IN"/>
           </a:p>
@@ -3122,7 +3123,7 @@
           <a:p>
             <a:fld id="{6D3052E0-193B-4471-BAD0-B156ECCE0645}" type="datetimeFigureOut">
               <a:rPr lang="en-IN" smtClean="0"/>
-              <a:t>06-05-2023</a:t>
+              <a:t>07-05-2023</a:t>
             </a:fld>
             <a:endParaRPr lang="en-IN"/>
           </a:p>
@@ -3368,7 +3369,7 @@
           <a:p>
             <a:fld id="{6D3052E0-193B-4471-BAD0-B156ECCE0645}" type="datetimeFigureOut">
               <a:rPr lang="en-IN" smtClean="0"/>
-              <a:t>06-05-2023</a:t>
+              <a:t>07-05-2023</a:t>
             </a:fld>
             <a:endParaRPr lang="en-IN"/>
           </a:p>
@@ -10102,17 +10103,41 @@
                 <a:ea typeface="+mn-ea"/>
                 <a:cs typeface="Arial" panose="020B0604020202020204" pitchFamily="34" charset="0"/>
               </a:rPr>
-              <a:t>Kubernetes Deployment Information</a:t>
-            </a:r>
+              <a:t>Kubernetes Cluster </a:t>
+            </a:r>
+            <a:r>
+              <a:rPr lang="en-IN" sz="1400" dirty="0">
+                <a:solidFill>
+                  <a:prstClr val="black"/>
+                </a:solidFill>
+                <a:latin typeface="Arial" panose="020B0604020202020204" pitchFamily="34" charset="0"/>
+                <a:cs typeface="Arial" panose="020B0604020202020204" pitchFamily="34" charset="0"/>
+              </a:rPr>
+              <a:t>Setup</a:t>
+            </a:r>
+            <a:endParaRPr kumimoji="0" lang="en-IN" sz="1400" b="0" i="0" u="none" strike="noStrike" kern="1200" cap="none" spc="0" normalizeH="0" baseline="0" noProof="0" dirty="0">
+              <a:ln>
+                <a:noFill/>
+              </a:ln>
+              <a:solidFill>
+                <a:prstClr val="black"/>
+              </a:solidFill>
+              <a:effectLst/>
+              <a:uLnTx/>
+              <a:uFillTx/>
+              <a:latin typeface="Arial" panose="020B0604020202020204" pitchFamily="34" charset="0"/>
+              <a:ea typeface="+mn-ea"/>
+              <a:cs typeface="Arial" panose="020B0604020202020204" pitchFamily="34" charset="0"/>
+            </a:endParaRPr>
           </a:p>
         </p:txBody>
       </p:sp>
       <p:pic>
         <p:nvPicPr>
-          <p:cNvPr id="8" name="Picture 7">
-            <a:extLst>
-              <a:ext uri="{FF2B5EF4-FFF2-40B4-BE49-F238E27FC236}">
-                <a16:creationId xmlns:a16="http://schemas.microsoft.com/office/drawing/2014/main" id="{21572C7C-BFCB-909C-9EF8-9D0D64538CB0}"/>
+          <p:cNvPr id="11" name="Picture 10">
+            <a:extLst>
+              <a:ext uri="{FF2B5EF4-FFF2-40B4-BE49-F238E27FC236}">
+                <a16:creationId xmlns:a16="http://schemas.microsoft.com/office/drawing/2014/main" id="{8C12DC7D-4A00-0056-E927-9C1153F69854}"/>
               </a:ext>
             </a:extLst>
           </p:cNvPr>
@@ -10129,14 +10154,127 @@
         </p:blipFill>
         <p:spPr>
           <a:xfrm>
-            <a:off x="217504" y="1433030"/>
-            <a:ext cx="11785809" cy="5301599"/>
+            <a:off x="435426" y="4078514"/>
+            <a:ext cx="11016343" cy="2641600"/>
           </a:xfrm>
           <a:prstGeom prst="rect">
             <a:avLst/>
           </a:prstGeom>
         </p:spPr>
       </p:pic>
+      <p:pic>
+        <p:nvPicPr>
+          <p:cNvPr id="13" name="Picture 12">
+            <a:extLst>
+              <a:ext uri="{FF2B5EF4-FFF2-40B4-BE49-F238E27FC236}">
+                <a16:creationId xmlns:a16="http://schemas.microsoft.com/office/drawing/2014/main" id="{686D6DEB-BE68-CF3B-5A2A-5B00A87F7027}"/>
+              </a:ext>
+            </a:extLst>
+          </p:cNvPr>
+          <p:cNvPicPr>
+            <a:picLocks noChangeAspect="1"/>
+          </p:cNvPicPr>
+          <p:nvPr/>
+        </p:nvPicPr>
+        <p:blipFill>
+          <a:blip r:embed="rId5"/>
+          <a:stretch>
+            <a:fillRect/>
+          </a:stretch>
+        </p:blipFill>
+        <p:spPr>
+          <a:xfrm>
+            <a:off x="435426" y="1673568"/>
+            <a:ext cx="11016343" cy="2035213"/>
+          </a:xfrm>
+          <a:prstGeom prst="rect">
+            <a:avLst/>
+          </a:prstGeom>
+        </p:spPr>
+      </p:pic>
+      <p:sp>
+        <p:nvSpPr>
+          <p:cNvPr id="14" name="TextBox 13">
+            <a:extLst>
+              <a:ext uri="{FF2B5EF4-FFF2-40B4-BE49-F238E27FC236}">
+                <a16:creationId xmlns:a16="http://schemas.microsoft.com/office/drawing/2014/main" id="{74D35125-8AB7-1D7F-2127-6FFE10002387}"/>
+              </a:ext>
+            </a:extLst>
+          </p:cNvPr>
+          <p:cNvSpPr txBox="1"/>
+          <p:nvPr/>
+        </p:nvSpPr>
+        <p:spPr>
+          <a:xfrm>
+            <a:off x="3243942" y="1363340"/>
+            <a:ext cx="5704115" cy="307777"/>
+          </a:xfrm>
+          <a:prstGeom prst="rect">
+            <a:avLst/>
+          </a:prstGeom>
+          <a:noFill/>
+        </p:spPr>
+        <p:txBody>
+          <a:bodyPr wrap="square" rtlCol="0">
+            <a:spAutoFit/>
+          </a:bodyPr>
+          <a:lstStyle/>
+          <a:p>
+            <a:pPr algn="ctr"/>
+            <a:r>
+              <a:rPr lang="en-US" sz="1400" dirty="0">
+                <a:latin typeface="Bahnschrift" panose="020B0502040204020203" pitchFamily="34" charset="0"/>
+                <a:cs typeface="Arial" panose="020B0604020202020204" pitchFamily="34" charset="0"/>
+              </a:rPr>
+              <a:t>Master node and Worker node running inside docker containers</a:t>
+            </a:r>
+            <a:endParaRPr lang="en-IN" sz="1400" dirty="0">
+              <a:latin typeface="Bahnschrift" panose="020B0502040204020203" pitchFamily="34" charset="0"/>
+              <a:cs typeface="Arial" panose="020B0604020202020204" pitchFamily="34" charset="0"/>
+            </a:endParaRPr>
+          </a:p>
+        </p:txBody>
+      </p:sp>
+      <p:sp>
+        <p:nvSpPr>
+          <p:cNvPr id="15" name="TextBox 14">
+            <a:extLst>
+              <a:ext uri="{FF2B5EF4-FFF2-40B4-BE49-F238E27FC236}">
+                <a16:creationId xmlns:a16="http://schemas.microsoft.com/office/drawing/2014/main" id="{92BD4B88-9581-33F5-947E-4D01601EE701}"/>
+              </a:ext>
+            </a:extLst>
+          </p:cNvPr>
+          <p:cNvSpPr txBox="1"/>
+          <p:nvPr/>
+        </p:nvSpPr>
+        <p:spPr>
+          <a:xfrm>
+            <a:off x="4063997" y="3786739"/>
+            <a:ext cx="4093029" cy="307777"/>
+          </a:xfrm>
+          <a:prstGeom prst="rect">
+            <a:avLst/>
+          </a:prstGeom>
+          <a:noFill/>
+        </p:spPr>
+        <p:txBody>
+          <a:bodyPr wrap="square" rtlCol="0">
+            <a:spAutoFit/>
+          </a:bodyPr>
+          <a:lstStyle/>
+          <a:p>
+            <a:r>
+              <a:rPr lang="en-US" sz="1400" dirty="0">
+                <a:latin typeface="Bahnschrift" panose="020B0502040204020203" pitchFamily="34" charset="0"/>
+              </a:rPr>
+              <a:t>Master node and Worker node(Dashboard view)</a:t>
+            </a:r>
+            <a:endParaRPr lang="en-IN" sz="1400" dirty="0">
+              <a:latin typeface="Bahnschrift" panose="020B0502040204020203" pitchFamily="34" charset="0"/>
+            </a:endParaRPr>
+          </a:p>
+        </p:txBody>
+      </p:sp>
     </p:spTree>
     <p:extLst>
       <p:ext uri="{BB962C8B-B14F-4D97-AF65-F5344CB8AC3E}">
@@ -10373,8 +10511,8 @@
         </p:nvSpPr>
         <p:spPr>
           <a:xfrm>
-            <a:off x="0" y="923572"/>
-            <a:ext cx="3846286" cy="307777"/>
+            <a:off x="0" y="996059"/>
+            <a:ext cx="3396343" cy="307777"/>
           </a:xfrm>
           <a:prstGeom prst="rect">
             <a:avLst/>
@@ -10432,17 +10570,17 @@
                 <a:ea typeface="+mn-ea"/>
                 <a:cs typeface="Arial" panose="020B0604020202020204" pitchFamily="34" charset="0"/>
               </a:rPr>
-              <a:t>Pod status &amp; Config Maps &amp; Secrets</a:t>
+              <a:t>Kubernetes Deployment Information</a:t>
             </a:r>
           </a:p>
         </p:txBody>
       </p:sp>
       <p:pic>
         <p:nvPicPr>
-          <p:cNvPr id="10" name="Picture 9">
-            <a:extLst>
-              <a:ext uri="{FF2B5EF4-FFF2-40B4-BE49-F238E27FC236}">
-                <a16:creationId xmlns:a16="http://schemas.microsoft.com/office/drawing/2014/main" id="{A162A91C-C0B7-B6E3-C26B-1E97F771CDC1}"/>
+          <p:cNvPr id="13" name="Picture 12">
+            <a:extLst>
+              <a:ext uri="{FF2B5EF4-FFF2-40B4-BE49-F238E27FC236}">
+                <a16:creationId xmlns:a16="http://schemas.microsoft.com/office/drawing/2014/main" id="{79FEF3C3-5A06-997E-C3FB-E93484208ABA}"/>
               </a:ext>
             </a:extLst>
           </p:cNvPr>
@@ -10459,68 +10597,8 @@
         </p:blipFill>
         <p:spPr>
           <a:xfrm>
-            <a:off x="108752" y="1303836"/>
-            <a:ext cx="11974495" cy="2877713"/>
-          </a:xfrm>
-          <a:prstGeom prst="rect">
-            <a:avLst/>
-          </a:prstGeom>
-        </p:spPr>
-      </p:pic>
-      <p:pic>
-        <p:nvPicPr>
-          <p:cNvPr id="9" name="Picture 8">
-            <a:extLst>
-              <a:ext uri="{FF2B5EF4-FFF2-40B4-BE49-F238E27FC236}">
-                <a16:creationId xmlns:a16="http://schemas.microsoft.com/office/drawing/2014/main" id="{8D21192E-824F-E48D-6E76-9B6035DCD776}"/>
-              </a:ext>
-            </a:extLst>
-          </p:cNvPr>
-          <p:cNvPicPr>
-            <a:picLocks noChangeAspect="1"/>
-          </p:cNvPicPr>
-          <p:nvPr/>
-        </p:nvPicPr>
-        <p:blipFill>
-          <a:blip r:embed="rId5"/>
-          <a:stretch>
-            <a:fillRect/>
-          </a:stretch>
-        </p:blipFill>
-        <p:spPr>
-          <a:xfrm>
-            <a:off x="108752" y="4254036"/>
-            <a:ext cx="11974494" cy="1379884"/>
-          </a:xfrm>
-          <a:prstGeom prst="rect">
-            <a:avLst/>
-          </a:prstGeom>
-        </p:spPr>
-      </p:pic>
-      <p:pic>
-        <p:nvPicPr>
-          <p:cNvPr id="12" name="Picture 11">
-            <a:extLst>
-              <a:ext uri="{FF2B5EF4-FFF2-40B4-BE49-F238E27FC236}">
-                <a16:creationId xmlns:a16="http://schemas.microsoft.com/office/drawing/2014/main" id="{9DD3C40D-DC28-908A-C10D-DEFDC7D3CECD}"/>
-              </a:ext>
-            </a:extLst>
-          </p:cNvPr>
-          <p:cNvPicPr>
-            <a:picLocks noChangeAspect="1"/>
-          </p:cNvPicPr>
-          <p:nvPr/>
-        </p:nvPicPr>
-        <p:blipFill>
-          <a:blip r:embed="rId6"/>
-          <a:stretch>
-            <a:fillRect/>
-          </a:stretch>
-        </p:blipFill>
-        <p:spPr>
-          <a:xfrm>
-            <a:off x="108752" y="5722012"/>
-            <a:ext cx="11974494" cy="1047896"/>
+            <a:off x="217506" y="1440327"/>
+            <a:ext cx="11756780" cy="5308815"/>
           </a:xfrm>
           <a:prstGeom prst="rect">
             <a:avLst/>
@@ -10530,7 +10608,7 @@
     </p:spTree>
     <p:extLst>
       <p:ext uri="{BB962C8B-B14F-4D97-AF65-F5344CB8AC3E}">
-        <p14:creationId xmlns:p14="http://schemas.microsoft.com/office/powerpoint/2010/main" val="4294038686"/>
+        <p14:creationId xmlns:p14="http://schemas.microsoft.com/office/powerpoint/2010/main" val="3349795083"/>
       </p:ext>
     </p:extLst>
   </p:cSld>
@@ -10674,132 +10752,12 @@
           </a:prstGeom>
         </p:spPr>
       </p:pic>
-      <p:pic>
-        <p:nvPicPr>
-          <p:cNvPr id="3" name="Picture 2">
-            <a:extLst>
-              <a:ext uri="{FF2B5EF4-FFF2-40B4-BE49-F238E27FC236}">
-                <a16:creationId xmlns:a16="http://schemas.microsoft.com/office/drawing/2014/main" id="{B6E6118E-0847-0EFD-890E-2ACAC7745C84}"/>
-              </a:ext>
-            </a:extLst>
-          </p:cNvPr>
-          <p:cNvPicPr>
-            <a:picLocks noChangeAspect="1"/>
-          </p:cNvPicPr>
-          <p:nvPr/>
-        </p:nvPicPr>
-        <p:blipFill>
-          <a:blip r:embed="rId4"/>
-          <a:stretch>
-            <a:fillRect/>
-          </a:stretch>
-        </p:blipFill>
-        <p:spPr>
-          <a:xfrm>
-            <a:off x="217505" y="1687133"/>
-            <a:ext cx="11481007" cy="1741867"/>
-          </a:xfrm>
-          <a:prstGeom prst="rect">
-            <a:avLst/>
-          </a:prstGeom>
-        </p:spPr>
-      </p:pic>
-      <p:pic>
-        <p:nvPicPr>
-          <p:cNvPr id="12" name="Picture 11">
-            <a:extLst>
-              <a:ext uri="{FF2B5EF4-FFF2-40B4-BE49-F238E27FC236}">
-                <a16:creationId xmlns:a16="http://schemas.microsoft.com/office/drawing/2014/main" id="{F6C62E4C-1C92-8296-F18D-1E16B2BB9295}"/>
-              </a:ext>
-            </a:extLst>
-          </p:cNvPr>
-          <p:cNvPicPr>
-            <a:picLocks noChangeAspect="1"/>
-          </p:cNvPicPr>
-          <p:nvPr/>
-        </p:nvPicPr>
-        <p:blipFill>
-          <a:blip r:embed="rId5"/>
-          <a:stretch>
-            <a:fillRect/>
-          </a:stretch>
-        </p:blipFill>
-        <p:spPr>
-          <a:xfrm>
-            <a:off x="217505" y="5170867"/>
-            <a:ext cx="11481009" cy="1606714"/>
-          </a:xfrm>
-          <a:prstGeom prst="rect">
-            <a:avLst/>
-          </a:prstGeom>
-        </p:spPr>
-      </p:pic>
-      <p:pic>
-        <p:nvPicPr>
-          <p:cNvPr id="14" name="Picture 13">
-            <a:extLst>
-              <a:ext uri="{FF2B5EF4-FFF2-40B4-BE49-F238E27FC236}">
-                <a16:creationId xmlns:a16="http://schemas.microsoft.com/office/drawing/2014/main" id="{671DE48C-3FEB-7884-6B2C-CD52872334BD}"/>
-              </a:ext>
-            </a:extLst>
-          </p:cNvPr>
-          <p:cNvPicPr>
-            <a:picLocks noChangeAspect="1"/>
-          </p:cNvPicPr>
-          <p:nvPr/>
-        </p:nvPicPr>
-        <p:blipFill>
-          <a:blip r:embed="rId6"/>
-          <a:stretch>
-            <a:fillRect/>
-          </a:stretch>
-        </p:blipFill>
-        <p:spPr>
-          <a:xfrm>
-            <a:off x="6037943" y="3496577"/>
-            <a:ext cx="5660569" cy="1606714"/>
-          </a:xfrm>
-          <a:prstGeom prst="rect">
-            <a:avLst/>
-          </a:prstGeom>
-        </p:spPr>
-      </p:pic>
-      <p:pic>
-        <p:nvPicPr>
-          <p:cNvPr id="16" name="Picture 15">
-            <a:extLst>
-              <a:ext uri="{FF2B5EF4-FFF2-40B4-BE49-F238E27FC236}">
-                <a16:creationId xmlns:a16="http://schemas.microsoft.com/office/drawing/2014/main" id="{9BE252CD-1FDC-03EC-E71E-5D173429C442}"/>
-              </a:ext>
-            </a:extLst>
-          </p:cNvPr>
-          <p:cNvPicPr>
-            <a:picLocks noChangeAspect="1"/>
-          </p:cNvPicPr>
-          <p:nvPr/>
-        </p:nvPicPr>
-        <p:blipFill>
-          <a:blip r:embed="rId7"/>
-          <a:stretch>
-            <a:fillRect/>
-          </a:stretch>
-        </p:blipFill>
-        <p:spPr>
-          <a:xfrm>
-            <a:off x="224656" y="3496577"/>
-            <a:ext cx="5733352" cy="1606714"/>
-          </a:xfrm>
-          <a:prstGeom prst="rect">
-            <a:avLst/>
-          </a:prstGeom>
-        </p:spPr>
-      </p:pic>
       <p:sp>
         <p:nvSpPr>
           <p:cNvPr id="2" name="TextBox 1">
             <a:extLst>
               <a:ext uri="{FF2B5EF4-FFF2-40B4-BE49-F238E27FC236}">
-                <a16:creationId xmlns:a16="http://schemas.microsoft.com/office/drawing/2014/main" id="{1F0D5815-B622-3828-139C-5E314246006D}"/>
+                <a16:creationId xmlns:a16="http://schemas.microsoft.com/office/drawing/2014/main" id="{1A44BC85-1B87-95E2-D287-741884DBCDF1}"/>
               </a:ext>
             </a:extLst>
           </p:cNvPr>
@@ -10871,10 +10829,10 @@
       </p:sp>
       <p:sp>
         <p:nvSpPr>
-          <p:cNvPr id="7" name="TextBox 6">
-            <a:extLst>
-              <a:ext uri="{FF2B5EF4-FFF2-40B4-BE49-F238E27FC236}">
-                <a16:creationId xmlns:a16="http://schemas.microsoft.com/office/drawing/2014/main" id="{45554C6C-BE6F-3DAB-4B4A-949D212D9797}"/>
+          <p:cNvPr id="3" name="TextBox 2">
+            <a:extLst>
+              <a:ext uri="{FF2B5EF4-FFF2-40B4-BE49-F238E27FC236}">
+                <a16:creationId xmlns:a16="http://schemas.microsoft.com/office/drawing/2014/main" id="{4226EECD-9ECE-D3DA-DC1F-96B04232A59E}"/>
               </a:ext>
             </a:extLst>
           </p:cNvPr>
@@ -10883,33 +10841,25 @@
         </p:nvSpPr>
         <p:spPr>
           <a:xfrm>
-            <a:off x="0" y="1148890"/>
-            <a:ext cx="7286379" cy="369332"/>
-          </a:xfrm>
-          <a:prstGeom prst="rect">
-            <a:avLst/>
-          </a:prstGeom>
-          <a:solidFill>
-            <a:schemeClr val="accent5">
-              <a:alpha val="50000"/>
-            </a:schemeClr>
-          </a:solidFill>
-          <a:ln>
-            <a:noFill/>
-          </a:ln>
+            <a:off x="0" y="923572"/>
+            <a:ext cx="3846286" cy="307777"/>
+          </a:xfrm>
+          <a:prstGeom prst="rect">
+            <a:avLst/>
+          </a:prstGeom>
         </p:spPr>
         <p:style>
-          <a:lnRef idx="0">
-            <a:scrgbClr r="0" g="0" b="0"/>
+          <a:lnRef idx="1">
+            <a:schemeClr val="accent3"/>
           </a:lnRef>
-          <a:fillRef idx="0">
-            <a:scrgbClr r="0" g="0" b="0"/>
+          <a:fillRef idx="2">
+            <a:schemeClr val="accent3"/>
           </a:fillRef>
-          <a:effectRef idx="0">
-            <a:scrgbClr r="0" g="0" b="0"/>
+          <a:effectRef idx="1">
+            <a:schemeClr val="accent3"/>
           </a:effectRef>
           <a:fontRef idx="minor">
-            <a:schemeClr val="lt1"/>
+            <a:schemeClr val="dk1"/>
           </a:fontRef>
         </p:style>
         <p:txBody>
@@ -10918,7 +10868,7 @@
           </a:bodyPr>
           <a:lstStyle/>
           <a:p>
-            <a:pPr marL="0" marR="0" lvl="0" indent="0" algn="l" defTabSz="914400" rtl="0" eaLnBrk="1" fontAlgn="auto" latinLnBrk="0" hangingPunct="1">
+            <a:pPr marL="0" marR="0" lvl="0" indent="0" algn="ctr" defTabSz="914400" rtl="0" eaLnBrk="1" fontAlgn="auto" latinLnBrk="0" hangingPunct="1">
               <a:lnSpc>
                 <a:spcPct val="100000"/>
               </a:lnSpc>
@@ -10936,31 +10886,119 @@
               <a:defRPr/>
             </a:pPr>
             <a:r>
-              <a:rPr kumimoji="0" lang="en-IN" sz="1800" b="0" i="0" u="none" strike="noStrike" kern="1200" cap="none" spc="0" normalizeH="0" baseline="0" noProof="0" dirty="0">
+              <a:rPr kumimoji="0" lang="en-IN" sz="1400" b="0" i="0" u="none" strike="noStrike" kern="1200" cap="none" spc="0" normalizeH="0" baseline="0" noProof="0" dirty="0">
                 <a:ln>
                   <a:noFill/>
                 </a:ln>
                 <a:solidFill>
-                  <a:srgbClr val="E7E6E6">
-                    <a:lumMod val="25000"/>
-                  </a:srgbClr>
+                  <a:prstClr val="black"/>
                 </a:solidFill>
                 <a:effectLst/>
                 <a:uLnTx/>
                 <a:uFillTx/>
-                <a:latin typeface="Calibri" panose="020F0502020204030204"/>
+                <a:latin typeface="Arial" panose="020B0604020202020204" pitchFamily="34" charset="0"/>
                 <a:ea typeface="+mn-ea"/>
-                <a:cs typeface="+mn-cs"/>
-              </a:rPr>
-              <a:t>Accessing containerised webservice through external host using minikube</a:t>
+                <a:cs typeface="Arial" panose="020B0604020202020204" pitchFamily="34" charset="0"/>
+              </a:rPr>
+              <a:t>Pod status &amp; Config Maps &amp; Secrets</a:t>
             </a:r>
           </a:p>
         </p:txBody>
       </p:sp>
+      <p:pic>
+        <p:nvPicPr>
+          <p:cNvPr id="9" name="Picture 8">
+            <a:extLst>
+              <a:ext uri="{FF2B5EF4-FFF2-40B4-BE49-F238E27FC236}">
+                <a16:creationId xmlns:a16="http://schemas.microsoft.com/office/drawing/2014/main" id="{8D21192E-824F-E48D-6E76-9B6035DCD776}"/>
+              </a:ext>
+            </a:extLst>
+          </p:cNvPr>
+          <p:cNvPicPr>
+            <a:picLocks noChangeAspect="1"/>
+          </p:cNvPicPr>
+          <p:nvPr/>
+        </p:nvPicPr>
+        <p:blipFill>
+          <a:blip r:embed="rId4"/>
+          <a:stretch>
+            <a:fillRect/>
+          </a:stretch>
+        </p:blipFill>
+        <p:spPr>
+          <a:xfrm>
+            <a:off x="108752" y="4254036"/>
+            <a:ext cx="11974494" cy="1379884"/>
+          </a:xfrm>
+          <a:prstGeom prst="rect">
+            <a:avLst/>
+          </a:prstGeom>
+        </p:spPr>
+      </p:pic>
+      <p:pic>
+        <p:nvPicPr>
+          <p:cNvPr id="12" name="Picture 11">
+            <a:extLst>
+              <a:ext uri="{FF2B5EF4-FFF2-40B4-BE49-F238E27FC236}">
+                <a16:creationId xmlns:a16="http://schemas.microsoft.com/office/drawing/2014/main" id="{9DD3C40D-DC28-908A-C10D-DEFDC7D3CECD}"/>
+              </a:ext>
+            </a:extLst>
+          </p:cNvPr>
+          <p:cNvPicPr>
+            <a:picLocks noChangeAspect="1"/>
+          </p:cNvPicPr>
+          <p:nvPr/>
+        </p:nvPicPr>
+        <p:blipFill>
+          <a:blip r:embed="rId5"/>
+          <a:stretch>
+            <a:fillRect/>
+          </a:stretch>
+        </p:blipFill>
+        <p:spPr>
+          <a:xfrm>
+            <a:off x="108752" y="5722012"/>
+            <a:ext cx="11974494" cy="1047896"/>
+          </a:xfrm>
+          <a:prstGeom prst="rect">
+            <a:avLst/>
+          </a:prstGeom>
+        </p:spPr>
+      </p:pic>
+      <p:pic>
+        <p:nvPicPr>
+          <p:cNvPr id="8" name="Picture 7">
+            <a:extLst>
+              <a:ext uri="{FF2B5EF4-FFF2-40B4-BE49-F238E27FC236}">
+                <a16:creationId xmlns:a16="http://schemas.microsoft.com/office/drawing/2014/main" id="{1378E68A-1B7A-D980-1306-E4E197D303A8}"/>
+              </a:ext>
+            </a:extLst>
+          </p:cNvPr>
+          <p:cNvPicPr>
+            <a:picLocks noChangeAspect="1"/>
+          </p:cNvPicPr>
+          <p:nvPr/>
+        </p:nvPicPr>
+        <p:blipFill>
+          <a:blip r:embed="rId6"/>
+          <a:stretch>
+            <a:fillRect/>
+          </a:stretch>
+        </p:blipFill>
+        <p:spPr>
+          <a:xfrm>
+            <a:off x="108752" y="1295354"/>
+            <a:ext cx="11974493" cy="2870590"/>
+          </a:xfrm>
+          <a:prstGeom prst="rect">
+            <a:avLst/>
+          </a:prstGeom>
+        </p:spPr>
+      </p:pic>
     </p:spTree>
     <p:extLst>
       <p:ext uri="{BB962C8B-B14F-4D97-AF65-F5344CB8AC3E}">
-        <p14:creationId xmlns:p14="http://schemas.microsoft.com/office/powerpoint/2010/main" val="3395621759"/>
+        <p14:creationId xmlns:p14="http://schemas.microsoft.com/office/powerpoint/2010/main" val="4294038686"/>
       </p:ext>
     </p:extLst>
   </p:cSld>
@@ -11104,12 +11142,102 @@
           </a:prstGeom>
         </p:spPr>
       </p:pic>
+      <p:pic>
+        <p:nvPicPr>
+          <p:cNvPr id="12" name="Picture 11">
+            <a:extLst>
+              <a:ext uri="{FF2B5EF4-FFF2-40B4-BE49-F238E27FC236}">
+                <a16:creationId xmlns:a16="http://schemas.microsoft.com/office/drawing/2014/main" id="{F6C62E4C-1C92-8296-F18D-1E16B2BB9295}"/>
+              </a:ext>
+            </a:extLst>
+          </p:cNvPr>
+          <p:cNvPicPr>
+            <a:picLocks noChangeAspect="1"/>
+          </p:cNvPicPr>
+          <p:nvPr/>
+        </p:nvPicPr>
+        <p:blipFill>
+          <a:blip r:embed="rId4"/>
+          <a:stretch>
+            <a:fillRect/>
+          </a:stretch>
+        </p:blipFill>
+        <p:spPr>
+          <a:xfrm>
+            <a:off x="217505" y="5170867"/>
+            <a:ext cx="11481009" cy="1606714"/>
+          </a:xfrm>
+          <a:prstGeom prst="rect">
+            <a:avLst/>
+          </a:prstGeom>
+        </p:spPr>
+      </p:pic>
+      <p:pic>
+        <p:nvPicPr>
+          <p:cNvPr id="14" name="Picture 13">
+            <a:extLst>
+              <a:ext uri="{FF2B5EF4-FFF2-40B4-BE49-F238E27FC236}">
+                <a16:creationId xmlns:a16="http://schemas.microsoft.com/office/drawing/2014/main" id="{671DE48C-3FEB-7884-6B2C-CD52872334BD}"/>
+              </a:ext>
+            </a:extLst>
+          </p:cNvPr>
+          <p:cNvPicPr>
+            <a:picLocks noChangeAspect="1"/>
+          </p:cNvPicPr>
+          <p:nvPr/>
+        </p:nvPicPr>
+        <p:blipFill>
+          <a:blip r:embed="rId5"/>
+          <a:stretch>
+            <a:fillRect/>
+          </a:stretch>
+        </p:blipFill>
+        <p:spPr>
+          <a:xfrm>
+            <a:off x="6037943" y="3496577"/>
+            <a:ext cx="5660569" cy="1606714"/>
+          </a:xfrm>
+          <a:prstGeom prst="rect">
+            <a:avLst/>
+          </a:prstGeom>
+        </p:spPr>
+      </p:pic>
+      <p:pic>
+        <p:nvPicPr>
+          <p:cNvPr id="16" name="Picture 15">
+            <a:extLst>
+              <a:ext uri="{FF2B5EF4-FFF2-40B4-BE49-F238E27FC236}">
+                <a16:creationId xmlns:a16="http://schemas.microsoft.com/office/drawing/2014/main" id="{9BE252CD-1FDC-03EC-E71E-5D173429C442}"/>
+              </a:ext>
+            </a:extLst>
+          </p:cNvPr>
+          <p:cNvPicPr>
+            <a:picLocks noChangeAspect="1"/>
+          </p:cNvPicPr>
+          <p:nvPr/>
+        </p:nvPicPr>
+        <p:blipFill>
+          <a:blip r:embed="rId6"/>
+          <a:stretch>
+            <a:fillRect/>
+          </a:stretch>
+        </p:blipFill>
+        <p:spPr>
+          <a:xfrm>
+            <a:off x="224656" y="3496577"/>
+            <a:ext cx="5733352" cy="1606714"/>
+          </a:xfrm>
+          <a:prstGeom prst="rect">
+            <a:avLst/>
+          </a:prstGeom>
+        </p:spPr>
+      </p:pic>
       <p:sp>
         <p:nvSpPr>
           <p:cNvPr id="2" name="TextBox 1">
             <a:extLst>
               <a:ext uri="{FF2B5EF4-FFF2-40B4-BE49-F238E27FC236}">
-                <a16:creationId xmlns:a16="http://schemas.microsoft.com/office/drawing/2014/main" id="{1A44BC85-1B87-95E2-D287-741884DBCDF1}"/>
+                <a16:creationId xmlns:a16="http://schemas.microsoft.com/office/drawing/2014/main" id="{1F0D5815-B622-3828-139C-5E314246006D}"/>
               </a:ext>
             </a:extLst>
           </p:cNvPr>
@@ -11154,117 +11282,28 @@
               <a:defRPr/>
             </a:pPr>
             <a:r>
-              <a:rPr kumimoji="0" lang="en-IN" sz="2400" b="1" i="0" u="none" strike="noStrike" kern="1200" cap="none" spc="0" normalizeH="0" baseline="0" noProof="0" dirty="0">
-                <a:ln>
-                  <a:noFill/>
-                </a:ln>
+              <a:rPr lang="en-IN" sz="2400" b="1" dirty="0">
                 <a:solidFill>
                   <a:prstClr val="white"/>
                 </a:solidFill>
-                <a:effectLst/>
-                <a:uLnTx/>
-                <a:uFillTx/>
                 <a:latin typeface="Times New Roman" panose="02020603050405020304" pitchFamily="18" charset="0"/>
-                <a:ea typeface="+mn-ea"/>
-                <a:cs typeface="+mn-cs"/>
               </a:rPr>
               <a:t>Deployment</a:t>
             </a:r>
-          </a:p>
-        </p:txBody>
-      </p:sp>
-      <p:pic>
-        <p:nvPicPr>
-          <p:cNvPr id="8" name="Picture 7">
-            <a:extLst>
-              <a:ext uri="{FF2B5EF4-FFF2-40B4-BE49-F238E27FC236}">
-                <a16:creationId xmlns:a16="http://schemas.microsoft.com/office/drawing/2014/main" id="{7ACFEE9F-B9E0-F55C-BEBF-39FBFFEE7C83}"/>
-              </a:ext>
-            </a:extLst>
-          </p:cNvPr>
-          <p:cNvPicPr>
-            <a:picLocks noChangeAspect="1"/>
-          </p:cNvPicPr>
-          <p:nvPr/>
-        </p:nvPicPr>
-        <p:blipFill>
-          <a:blip r:embed="rId4"/>
-          <a:stretch>
-            <a:fillRect/>
-          </a:stretch>
-        </p:blipFill>
-        <p:spPr>
-          <a:xfrm>
-            <a:off x="160582" y="1557076"/>
-            <a:ext cx="5340331" cy="5177553"/>
-          </a:xfrm>
-          <a:prstGeom prst="rect">
-            <a:avLst/>
-          </a:prstGeom>
-        </p:spPr>
-      </p:pic>
-      <p:sp>
-        <p:nvSpPr>
-          <p:cNvPr id="3" name="TextBox 2">
-            <a:extLst>
-              <a:ext uri="{FF2B5EF4-FFF2-40B4-BE49-F238E27FC236}">
-                <a16:creationId xmlns:a16="http://schemas.microsoft.com/office/drawing/2014/main" id="{B18BCD5F-7D55-EF4C-731A-F37137B3DEE2}"/>
-              </a:ext>
-            </a:extLst>
-          </p:cNvPr>
-          <p:cNvSpPr txBox="1"/>
-          <p:nvPr/>
-        </p:nvSpPr>
-        <p:spPr>
-          <a:xfrm>
-            <a:off x="998057" y="1243415"/>
-            <a:ext cx="2365825" cy="307777"/>
-          </a:xfrm>
-          <a:prstGeom prst="rect">
-            <a:avLst/>
-          </a:prstGeom>
-          <a:noFill/>
-        </p:spPr>
-        <p:txBody>
-          <a:bodyPr wrap="square" rtlCol="0">
-            <a:spAutoFit/>
-          </a:bodyPr>
-          <a:lstStyle/>
-          <a:p>
-            <a:pPr marL="0" marR="0" lvl="0" indent="0" algn="ctr" defTabSz="914400" rtl="0" eaLnBrk="1" fontAlgn="auto" latinLnBrk="0" hangingPunct="1">
-              <a:lnSpc>
-                <a:spcPct val="100000"/>
-              </a:lnSpc>
-              <a:spcBef>
-                <a:spcPts val="0"/>
-              </a:spcBef>
-              <a:spcAft>
-                <a:spcPts val="0"/>
-              </a:spcAft>
-              <a:buClrTx/>
-              <a:buSzTx/>
-              <a:buFontTx/>
-              <a:buNone/>
-              <a:tabLst/>
-              <a:defRPr/>
-            </a:pPr>
-            <a:r>
-              <a:rPr kumimoji="0" lang="en-IN" sz="1400" b="0" i="0" u="none" strike="noStrike" kern="1200" cap="none" spc="0" normalizeH="0" baseline="0" noProof="0" dirty="0">
-                <a:ln>
-                  <a:noFill/>
-                </a:ln>
-                <a:solidFill>
-                  <a:prstClr val="black"/>
-                </a:solidFill>
-                <a:effectLst/>
-                <a:uLnTx/>
-                <a:uFillTx/>
-                <a:latin typeface="Arial" panose="020B0604020202020204" pitchFamily="34" charset="0"/>
-                <a:ea typeface="+mn-ea"/>
-                <a:cs typeface="Arial" panose="020B0604020202020204" pitchFamily="34" charset="0"/>
-              </a:rPr>
-              <a:t>Employee Table</a:t>
-            </a:r>
+            <a:endParaRPr kumimoji="0" lang="en-IN" sz="2400" b="1" i="0" u="none" strike="noStrike" kern="1200" cap="none" spc="0" normalizeH="0" baseline="0" noProof="0" dirty="0">
+              <a:ln>
+                <a:noFill/>
+              </a:ln>
+              <a:solidFill>
+                <a:prstClr val="white"/>
+              </a:solidFill>
+              <a:effectLst/>
+              <a:uLnTx/>
+              <a:uFillTx/>
+              <a:latin typeface="Times New Roman" panose="02020603050405020304" pitchFamily="18" charset="0"/>
+              <a:ea typeface="+mn-ea"/>
+              <a:cs typeface="+mn-cs"/>
+            </a:endParaRPr>
           </a:p>
         </p:txBody>
       </p:sp>
@@ -11273,7 +11312,7 @@
           <p:cNvPr id="7" name="TextBox 6">
             <a:extLst>
               <a:ext uri="{FF2B5EF4-FFF2-40B4-BE49-F238E27FC236}">
-                <a16:creationId xmlns:a16="http://schemas.microsoft.com/office/drawing/2014/main" id="{4C83CCD6-EE94-F670-0B4C-0C9FE07C57EE}"/>
+                <a16:creationId xmlns:a16="http://schemas.microsoft.com/office/drawing/2014/main" id="{45554C6C-BE6F-3DAB-4B4A-949D212D9797}"/>
               </a:ext>
             </a:extLst>
           </p:cNvPr>
@@ -11282,217 +11321,35 @@
         </p:nvSpPr>
         <p:spPr>
           <a:xfrm>
-            <a:off x="7911242" y="1327177"/>
-            <a:ext cx="1399175" cy="307777"/>
-          </a:xfrm>
-          <a:prstGeom prst="rect">
-            <a:avLst/>
-          </a:prstGeom>
-          <a:noFill/>
-        </p:spPr>
-        <p:txBody>
-          <a:bodyPr wrap="square" rtlCol="0">
-            <a:spAutoFit/>
-          </a:bodyPr>
-          <a:lstStyle/>
-          <a:p>
-            <a:pPr marL="0" marR="0" lvl="0" indent="0" algn="ctr" defTabSz="914400" rtl="0" eaLnBrk="1" fontAlgn="auto" latinLnBrk="0" hangingPunct="1">
-              <a:lnSpc>
-                <a:spcPct val="100000"/>
-              </a:lnSpc>
-              <a:spcBef>
-                <a:spcPts val="0"/>
-              </a:spcBef>
-              <a:spcAft>
-                <a:spcPts val="0"/>
-              </a:spcAft>
-              <a:buClrTx/>
-              <a:buSzTx/>
-              <a:buFontTx/>
-              <a:buNone/>
-              <a:tabLst/>
-              <a:defRPr/>
-            </a:pPr>
-            <a:r>
-              <a:rPr kumimoji="0" lang="en-IN" sz="1400" b="0" i="0" u="none" strike="noStrike" kern="1200" cap="none" spc="0" normalizeH="0" baseline="0" noProof="0" dirty="0">
-                <a:ln>
-                  <a:noFill/>
-                </a:ln>
-                <a:solidFill>
-                  <a:prstClr val="black"/>
-                </a:solidFill>
-                <a:effectLst/>
-                <a:uLnTx/>
-                <a:uFillTx/>
-                <a:latin typeface="Arial" panose="020B0604020202020204" pitchFamily="34" charset="0"/>
-                <a:ea typeface="+mn-ea"/>
-                <a:cs typeface="Arial" panose="020B0604020202020204" pitchFamily="34" charset="0"/>
-              </a:rPr>
-              <a:t>Table Schema</a:t>
-            </a:r>
-          </a:p>
-        </p:txBody>
-      </p:sp>
-      <p:sp>
-        <p:nvSpPr>
-          <p:cNvPr id="9" name="TextBox 8">
-            <a:extLst>
-              <a:ext uri="{FF2B5EF4-FFF2-40B4-BE49-F238E27FC236}">
-                <a16:creationId xmlns:a16="http://schemas.microsoft.com/office/drawing/2014/main" id="{8776E258-07B7-D5D9-7396-35BF7029BD2A}"/>
-              </a:ext>
-            </a:extLst>
-          </p:cNvPr>
-          <p:cNvSpPr txBox="1"/>
-          <p:nvPr/>
-        </p:nvSpPr>
-        <p:spPr>
-          <a:xfrm>
-            <a:off x="3749318" y="935638"/>
-            <a:ext cx="4693364" cy="307777"/>
-          </a:xfrm>
-          <a:prstGeom prst="rect">
-            <a:avLst/>
-          </a:prstGeom>
+            <a:off x="0" y="1148890"/>
+            <a:ext cx="7286379" cy="369332"/>
+          </a:xfrm>
+          <a:prstGeom prst="rect">
+            <a:avLst/>
+          </a:prstGeom>
+          <a:solidFill>
+            <a:schemeClr val="accent5">
+              <a:alpha val="50000"/>
+            </a:schemeClr>
+          </a:solidFill>
+          <a:ln>
+            <a:noFill/>
+          </a:ln>
         </p:spPr>
         <p:style>
-          <a:lnRef idx="1">
-            <a:schemeClr val="accent3"/>
+          <a:lnRef idx="0">
+            <a:scrgbClr r="0" g="0" b="0"/>
           </a:lnRef>
-          <a:fillRef idx="2">
-            <a:schemeClr val="accent3"/>
+          <a:fillRef idx="0">
+            <a:scrgbClr r="0" g="0" b="0"/>
           </a:fillRef>
-          <a:effectRef idx="1">
-            <a:schemeClr val="accent3"/>
+          <a:effectRef idx="0">
+            <a:scrgbClr r="0" g="0" b="0"/>
           </a:effectRef>
           <a:fontRef idx="minor">
-            <a:schemeClr val="dk1"/>
+            <a:schemeClr val="lt1"/>
           </a:fontRef>
         </p:style>
-        <p:txBody>
-          <a:bodyPr wrap="square" rtlCol="0">
-            <a:spAutoFit/>
-          </a:bodyPr>
-          <a:lstStyle/>
-          <a:p>
-            <a:pPr marL="0" marR="0" lvl="0" indent="0" algn="ctr" defTabSz="914400" rtl="0" eaLnBrk="1" fontAlgn="auto" latinLnBrk="0" hangingPunct="1">
-              <a:lnSpc>
-                <a:spcPct val="100000"/>
-              </a:lnSpc>
-              <a:spcBef>
-                <a:spcPts val="0"/>
-              </a:spcBef>
-              <a:spcAft>
-                <a:spcPts val="0"/>
-              </a:spcAft>
-              <a:buClrTx/>
-              <a:buSzTx/>
-              <a:buFontTx/>
-              <a:buNone/>
-              <a:tabLst/>
-              <a:defRPr/>
-            </a:pPr>
-            <a:r>
-              <a:rPr kumimoji="0" lang="en-IN" sz="1400" b="0" i="0" u="none" strike="noStrike" kern="1200" cap="none" spc="0" normalizeH="0" baseline="0" noProof="0" dirty="0">
-                <a:ln>
-                  <a:noFill/>
-                </a:ln>
-                <a:solidFill>
-                  <a:prstClr val="black"/>
-                </a:solidFill>
-                <a:effectLst/>
-                <a:uLnTx/>
-                <a:uFillTx/>
-                <a:latin typeface="Calibri" panose="020F0502020204030204"/>
-                <a:ea typeface="+mn-ea"/>
-                <a:cs typeface="+mn-cs"/>
-              </a:rPr>
-              <a:t>DATABASE STRUCTURE OF CONTAINERIZED WEBSERVICE</a:t>
-            </a:r>
-          </a:p>
-        </p:txBody>
-      </p:sp>
-      <p:pic>
-        <p:nvPicPr>
-          <p:cNvPr id="12" name="Picture 11">
-            <a:extLst>
-              <a:ext uri="{FF2B5EF4-FFF2-40B4-BE49-F238E27FC236}">
-                <a16:creationId xmlns:a16="http://schemas.microsoft.com/office/drawing/2014/main" id="{6BB3D807-13DF-6C0F-27B2-5827A669DA4F}"/>
-              </a:ext>
-            </a:extLst>
-          </p:cNvPr>
-          <p:cNvPicPr>
-            <a:picLocks noChangeAspect="1"/>
-          </p:cNvPicPr>
-          <p:nvPr/>
-        </p:nvPicPr>
-        <p:blipFill>
-          <a:blip r:embed="rId5"/>
-          <a:stretch>
-            <a:fillRect/>
-          </a:stretch>
-        </p:blipFill>
-        <p:spPr>
-          <a:xfrm>
-            <a:off x="5500914" y="1604437"/>
-            <a:ext cx="6139542" cy="1824564"/>
-          </a:xfrm>
-          <a:prstGeom prst="rect">
-            <a:avLst/>
-          </a:prstGeom>
-        </p:spPr>
-      </p:pic>
-      <p:pic>
-        <p:nvPicPr>
-          <p:cNvPr id="14" name="Picture 13">
-            <a:extLst>
-              <a:ext uri="{FF2B5EF4-FFF2-40B4-BE49-F238E27FC236}">
-                <a16:creationId xmlns:a16="http://schemas.microsoft.com/office/drawing/2014/main" id="{CFC0EA24-BEB9-43E9-8AD4-1BAB8498CEDC}"/>
-              </a:ext>
-            </a:extLst>
-          </p:cNvPr>
-          <p:cNvPicPr>
-            <a:picLocks noChangeAspect="1"/>
-          </p:cNvPicPr>
-          <p:nvPr/>
-        </p:nvPicPr>
-        <p:blipFill>
-          <a:blip r:embed="rId6"/>
-          <a:stretch>
-            <a:fillRect/>
-          </a:stretch>
-        </p:blipFill>
-        <p:spPr>
-          <a:xfrm>
-            <a:off x="5581204" y="3825754"/>
-            <a:ext cx="6059252" cy="2908875"/>
-          </a:xfrm>
-          <a:prstGeom prst="rect">
-            <a:avLst/>
-          </a:prstGeom>
-        </p:spPr>
-      </p:pic>
-      <p:sp>
-        <p:nvSpPr>
-          <p:cNvPr id="15" name="TextBox 14">
-            <a:extLst>
-              <a:ext uri="{FF2B5EF4-FFF2-40B4-BE49-F238E27FC236}">
-                <a16:creationId xmlns:a16="http://schemas.microsoft.com/office/drawing/2014/main" id="{D7668A47-3B3B-9F24-65C1-EFFC96A316AE}"/>
-              </a:ext>
-            </a:extLst>
-          </p:cNvPr>
-          <p:cNvSpPr txBox="1"/>
-          <p:nvPr/>
-        </p:nvSpPr>
-        <p:spPr>
-          <a:xfrm>
-            <a:off x="7402287" y="3548494"/>
-            <a:ext cx="2336799" cy="307777"/>
-          </a:xfrm>
-          <a:prstGeom prst="rect">
-            <a:avLst/>
-          </a:prstGeom>
-          <a:noFill/>
-        </p:spPr>
         <p:txBody>
           <a:bodyPr wrap="square" rtlCol="0">
             <a:spAutoFit/>
@@ -11517,29 +11374,61 @@
               <a:defRPr/>
             </a:pPr>
             <a:r>
-              <a:rPr kumimoji="0" lang="en-IN" sz="1400" b="0" i="0" u="none" strike="noStrike" kern="1200" cap="none" spc="0" normalizeH="0" baseline="0" noProof="0" dirty="0">
+              <a:rPr kumimoji="0" lang="en-IN" sz="1800" b="0" i="0" u="none" strike="noStrike" kern="1200" cap="none" spc="0" normalizeH="0" baseline="0" noProof="0" dirty="0">
                 <a:ln>
                   <a:noFill/>
                 </a:ln>
                 <a:solidFill>
-                  <a:prstClr val="black"/>
+                  <a:srgbClr val="E7E6E6">
+                    <a:lumMod val="25000"/>
+                  </a:srgbClr>
                 </a:solidFill>
                 <a:effectLst/>
                 <a:uLnTx/>
                 <a:uFillTx/>
-                <a:latin typeface="Arial" panose="020B0604020202020204" pitchFamily="34" charset="0"/>
+                <a:latin typeface="Calibri" panose="020F0502020204030204"/>
                 <a:ea typeface="+mn-ea"/>
-                <a:cs typeface="Arial" panose="020B0604020202020204" pitchFamily="34" charset="0"/>
-              </a:rPr>
-              <a:t>MySQL instance on cluster</a:t>
+                <a:cs typeface="+mn-cs"/>
+              </a:rPr>
+              <a:t>Accessing containerised webservice through external host using minikube</a:t>
             </a:r>
           </a:p>
         </p:txBody>
       </p:sp>
+      <p:pic>
+        <p:nvPicPr>
+          <p:cNvPr id="9" name="Picture 8">
+            <a:extLst>
+              <a:ext uri="{FF2B5EF4-FFF2-40B4-BE49-F238E27FC236}">
+                <a16:creationId xmlns:a16="http://schemas.microsoft.com/office/drawing/2014/main" id="{4AF52F9E-2F77-BBAB-40B9-EA6FA1AC47C7}"/>
+              </a:ext>
+            </a:extLst>
+          </p:cNvPr>
+          <p:cNvPicPr>
+            <a:picLocks noChangeAspect="1"/>
+          </p:cNvPicPr>
+          <p:nvPr/>
+        </p:nvPicPr>
+        <p:blipFill>
+          <a:blip r:embed="rId7"/>
+          <a:stretch>
+            <a:fillRect/>
+          </a:stretch>
+        </p:blipFill>
+        <p:spPr>
+          <a:xfrm>
+            <a:off x="217506" y="1585799"/>
+            <a:ext cx="11481006" cy="1843202"/>
+          </a:xfrm>
+          <a:prstGeom prst="rect">
+            <a:avLst/>
+          </a:prstGeom>
+        </p:spPr>
+      </p:pic>
     </p:spTree>
     <p:extLst>
       <p:ext uri="{BB962C8B-B14F-4D97-AF65-F5344CB8AC3E}">
-        <p14:creationId xmlns:p14="http://schemas.microsoft.com/office/powerpoint/2010/main" val="1427677089"/>
+        <p14:creationId xmlns:p14="http://schemas.microsoft.com/office/powerpoint/2010/main" val="3395621759"/>
       </p:ext>
     </p:extLst>
   </p:cSld>
@@ -11685,10 +11574,10 @@
       </p:pic>
       <p:sp>
         <p:nvSpPr>
-          <p:cNvPr id="8" name="TextBox 7">
-            <a:extLst>
-              <a:ext uri="{FF2B5EF4-FFF2-40B4-BE49-F238E27FC236}">
-                <a16:creationId xmlns:a16="http://schemas.microsoft.com/office/drawing/2014/main" id="{83A5D50A-7BF5-47B2-27E6-96AA33171B2B}"/>
+          <p:cNvPr id="2" name="TextBox 1">
+            <a:extLst>
+              <a:ext uri="{FF2B5EF4-FFF2-40B4-BE49-F238E27FC236}">
+                <a16:creationId xmlns:a16="http://schemas.microsoft.com/office/drawing/2014/main" id="{1A44BC85-1B87-95E2-D287-741884DBCDF1}"/>
               </a:ext>
             </a:extLst>
           </p:cNvPr>
@@ -11715,19 +11604,134 @@
           </a:bodyPr>
           <a:lstStyle/>
           <a:p>
-            <a:pPr>
+            <a:pPr marL="0" marR="0" lvl="0" indent="0" algn="l" defTabSz="914400" rtl="0" eaLnBrk="1" fontAlgn="auto" latinLnBrk="0" hangingPunct="1">
               <a:lnSpc>
                 <a:spcPct val="115000"/>
               </a:lnSpc>
+              <a:spcBef>
+                <a:spcPts val="0"/>
+              </a:spcBef>
+              <a:spcAft>
+                <a:spcPts val="0"/>
+              </a:spcAft>
+              <a:buClrTx/>
+              <a:buSzTx/>
+              <a:buFontTx/>
+              <a:buNone/>
+              <a:tabLst/>
+              <a:defRPr/>
             </a:pPr>
             <a:r>
-              <a:rPr lang="en-IN" sz="2400" b="1" dirty="0">
+              <a:rPr kumimoji="0" lang="en-IN" sz="2400" b="1" i="0" u="none" strike="noStrike" kern="1200" cap="none" spc="0" normalizeH="0" baseline="0" noProof="0" dirty="0">
+                <a:ln>
+                  <a:noFill/>
+                </a:ln>
                 <a:solidFill>
-                  <a:schemeClr val="bg1"/>
+                  <a:prstClr val="white"/>
                 </a:solidFill>
+                <a:effectLst/>
+                <a:uLnTx/>
+                <a:uFillTx/>
                 <a:latin typeface="Times New Roman" panose="02020603050405020304" pitchFamily="18" charset="0"/>
-              </a:rPr>
-              <a:t>Conclusion</a:t>
+                <a:ea typeface="+mn-ea"/>
+                <a:cs typeface="+mn-cs"/>
+              </a:rPr>
+              <a:t>Deployment</a:t>
+            </a:r>
+          </a:p>
+        </p:txBody>
+      </p:sp>
+      <p:pic>
+        <p:nvPicPr>
+          <p:cNvPr id="8" name="Picture 7">
+            <a:extLst>
+              <a:ext uri="{FF2B5EF4-FFF2-40B4-BE49-F238E27FC236}">
+                <a16:creationId xmlns:a16="http://schemas.microsoft.com/office/drawing/2014/main" id="{7ACFEE9F-B9E0-F55C-BEBF-39FBFFEE7C83}"/>
+              </a:ext>
+            </a:extLst>
+          </p:cNvPr>
+          <p:cNvPicPr>
+            <a:picLocks noChangeAspect="1"/>
+          </p:cNvPicPr>
+          <p:nvPr/>
+        </p:nvPicPr>
+        <p:blipFill>
+          <a:blip r:embed="rId4"/>
+          <a:stretch>
+            <a:fillRect/>
+          </a:stretch>
+        </p:blipFill>
+        <p:spPr>
+          <a:xfrm>
+            <a:off x="160582" y="1557076"/>
+            <a:ext cx="5340331" cy="5177553"/>
+          </a:xfrm>
+          <a:prstGeom prst="rect">
+            <a:avLst/>
+          </a:prstGeom>
+        </p:spPr>
+      </p:pic>
+      <p:sp>
+        <p:nvSpPr>
+          <p:cNvPr id="3" name="TextBox 2">
+            <a:extLst>
+              <a:ext uri="{FF2B5EF4-FFF2-40B4-BE49-F238E27FC236}">
+                <a16:creationId xmlns:a16="http://schemas.microsoft.com/office/drawing/2014/main" id="{B18BCD5F-7D55-EF4C-731A-F37137B3DEE2}"/>
+              </a:ext>
+            </a:extLst>
+          </p:cNvPr>
+          <p:cNvSpPr txBox="1"/>
+          <p:nvPr/>
+        </p:nvSpPr>
+        <p:spPr>
+          <a:xfrm>
+            <a:off x="998057" y="1243415"/>
+            <a:ext cx="2365825" cy="307777"/>
+          </a:xfrm>
+          <a:prstGeom prst="rect">
+            <a:avLst/>
+          </a:prstGeom>
+          <a:noFill/>
+        </p:spPr>
+        <p:txBody>
+          <a:bodyPr wrap="square" rtlCol="0">
+            <a:spAutoFit/>
+          </a:bodyPr>
+          <a:lstStyle/>
+          <a:p>
+            <a:pPr marL="0" marR="0" lvl="0" indent="0" algn="ctr" defTabSz="914400" rtl="0" eaLnBrk="1" fontAlgn="auto" latinLnBrk="0" hangingPunct="1">
+              <a:lnSpc>
+                <a:spcPct val="100000"/>
+              </a:lnSpc>
+              <a:spcBef>
+                <a:spcPts val="0"/>
+              </a:spcBef>
+              <a:spcAft>
+                <a:spcPts val="0"/>
+              </a:spcAft>
+              <a:buClrTx/>
+              <a:buSzTx/>
+              <a:buFontTx/>
+              <a:buNone/>
+              <a:tabLst/>
+              <a:defRPr/>
+            </a:pPr>
+            <a:r>
+              <a:rPr kumimoji="0" lang="en-IN" sz="1400" b="0" i="0" u="none" strike="noStrike" kern="1200" cap="none" spc="0" normalizeH="0" baseline="0" noProof="0" dirty="0">
+                <a:ln>
+                  <a:noFill/>
+                </a:ln>
+                <a:solidFill>
+                  <a:prstClr val="black"/>
+                </a:solidFill>
+                <a:effectLst/>
+                <a:uLnTx/>
+                <a:uFillTx/>
+                <a:latin typeface="Arial" panose="020B0604020202020204" pitchFamily="34" charset="0"/>
+                <a:ea typeface="+mn-ea"/>
+                <a:cs typeface="Arial" panose="020B0604020202020204" pitchFamily="34" charset="0"/>
+              </a:rPr>
+              <a:t>Employee Table</a:t>
             </a:r>
           </a:p>
         </p:txBody>
@@ -11737,7 +11741,7 @@
           <p:cNvPr id="7" name="TextBox 6">
             <a:extLst>
               <a:ext uri="{FF2B5EF4-FFF2-40B4-BE49-F238E27FC236}">
-                <a16:creationId xmlns:a16="http://schemas.microsoft.com/office/drawing/2014/main" id="{B4E07FE1-E878-E386-9DF4-34E931415690}"/>
+                <a16:creationId xmlns:a16="http://schemas.microsoft.com/office/drawing/2014/main" id="{4C83CCD6-EE94-F670-0B4C-0C9FE07C57EE}"/>
               </a:ext>
             </a:extLst>
           </p:cNvPr>
@@ -11746,8 +11750,8 @@
         </p:nvSpPr>
         <p:spPr>
           <a:xfrm>
-            <a:off x="490219" y="1349647"/>
-            <a:ext cx="11106695" cy="5078313"/>
+            <a:off x="7911242" y="1327177"/>
+            <a:ext cx="1399175" cy="307777"/>
           </a:xfrm>
           <a:prstGeom prst="rect">
             <a:avLst/>
@@ -11755,70 +11759,247 @@
           <a:noFill/>
         </p:spPr>
         <p:txBody>
-          <a:bodyPr wrap="square">
+          <a:bodyPr wrap="square" rtlCol="0">
             <a:spAutoFit/>
           </a:bodyPr>
           <a:lstStyle/>
           <a:p>
-            <a:r>
-              <a:rPr lang="en-US" b="0" i="0" dirty="0">
+            <a:pPr marL="0" marR="0" lvl="0" indent="0" algn="ctr" defTabSz="914400" rtl="0" eaLnBrk="1" fontAlgn="auto" latinLnBrk="0" hangingPunct="1">
+              <a:lnSpc>
+                <a:spcPct val="100000"/>
+              </a:lnSpc>
+              <a:spcBef>
+                <a:spcPts val="0"/>
+              </a:spcBef>
+              <a:spcAft>
+                <a:spcPts val="0"/>
+              </a:spcAft>
+              <a:buClrTx/>
+              <a:buSzTx/>
+              <a:buFontTx/>
+              <a:buNone/>
+              <a:tabLst/>
+              <a:defRPr/>
+            </a:pPr>
+            <a:r>
+              <a:rPr kumimoji="0" lang="en-IN" sz="1400" b="0" i="0" u="none" strike="noStrike" kern="1200" cap="none" spc="0" normalizeH="0" baseline="0" noProof="0" dirty="0">
+                <a:ln>
+                  <a:noFill/>
+                </a:ln>
+                <a:solidFill>
+                  <a:prstClr val="black"/>
+                </a:solidFill>
                 <a:effectLst/>
-                <a:latin typeface="Söhne"/>
-              </a:rPr>
-              <a:t> This capstone project involved creating a database table for Employee with EmployeeID, EmployeeName, and DateOfBirth columns. A Java program was written to query a single record based on EmployeeID, and Jenkins was used to deploy changes to the code to the Application server. A client program was also created to interact with our webservice.</a:t>
-            </a:r>
-          </a:p>
-          <a:p>
-            <a:endParaRPr lang="en-US" dirty="0">
-              <a:latin typeface="Söhne"/>
-            </a:endParaRPr>
-          </a:p>
-          <a:p>
-            <a:r>
-              <a:rPr lang="en-US" b="0" i="0" dirty="0">
+                <a:uLnTx/>
+                <a:uFillTx/>
+                <a:latin typeface="Arial" panose="020B0604020202020204" pitchFamily="34" charset="0"/>
+                <a:ea typeface="+mn-ea"/>
+                <a:cs typeface="Arial" panose="020B0604020202020204" pitchFamily="34" charset="0"/>
+              </a:rPr>
+              <a:t>Table Schema</a:t>
+            </a:r>
+          </a:p>
+        </p:txBody>
+      </p:sp>
+      <p:sp>
+        <p:nvSpPr>
+          <p:cNvPr id="9" name="TextBox 8">
+            <a:extLst>
+              <a:ext uri="{FF2B5EF4-FFF2-40B4-BE49-F238E27FC236}">
+                <a16:creationId xmlns:a16="http://schemas.microsoft.com/office/drawing/2014/main" id="{8776E258-07B7-D5D9-7396-35BF7029BD2A}"/>
+              </a:ext>
+            </a:extLst>
+          </p:cNvPr>
+          <p:cNvSpPr txBox="1"/>
+          <p:nvPr/>
+        </p:nvSpPr>
+        <p:spPr>
+          <a:xfrm>
+            <a:off x="3749318" y="935638"/>
+            <a:ext cx="4693364" cy="307777"/>
+          </a:xfrm>
+          <a:prstGeom prst="rect">
+            <a:avLst/>
+          </a:prstGeom>
+        </p:spPr>
+        <p:style>
+          <a:lnRef idx="1">
+            <a:schemeClr val="accent3"/>
+          </a:lnRef>
+          <a:fillRef idx="2">
+            <a:schemeClr val="accent3"/>
+          </a:fillRef>
+          <a:effectRef idx="1">
+            <a:schemeClr val="accent3"/>
+          </a:effectRef>
+          <a:fontRef idx="minor">
+            <a:schemeClr val="dk1"/>
+          </a:fontRef>
+        </p:style>
+        <p:txBody>
+          <a:bodyPr wrap="square" rtlCol="0">
+            <a:spAutoFit/>
+          </a:bodyPr>
+          <a:lstStyle/>
+          <a:p>
+            <a:pPr marL="0" marR="0" lvl="0" indent="0" algn="ctr" defTabSz="914400" rtl="0" eaLnBrk="1" fontAlgn="auto" latinLnBrk="0" hangingPunct="1">
+              <a:lnSpc>
+                <a:spcPct val="100000"/>
+              </a:lnSpc>
+              <a:spcBef>
+                <a:spcPts val="0"/>
+              </a:spcBef>
+              <a:spcAft>
+                <a:spcPts val="0"/>
+              </a:spcAft>
+              <a:buClrTx/>
+              <a:buSzTx/>
+              <a:buFontTx/>
+              <a:buNone/>
+              <a:tabLst/>
+              <a:defRPr/>
+            </a:pPr>
+            <a:r>
+              <a:rPr kumimoji="0" lang="en-IN" sz="1400" b="0" i="0" u="none" strike="noStrike" kern="1200" cap="none" spc="0" normalizeH="0" baseline="0" noProof="0" dirty="0">
+                <a:ln>
+                  <a:noFill/>
+                </a:ln>
+                <a:solidFill>
+                  <a:prstClr val="black"/>
+                </a:solidFill>
                 <a:effectLst/>
-                <a:latin typeface="Söhne"/>
-              </a:rPr>
-              <a:t>In conclusion, our capstone project successfully achieved the goal of creating a RESTful web service that queries a single record from a database and returns a response containing all relevant employee information. We also ensured security by using HTTPS with a self-signed certificate and encrypting sensitive information with AES-256. </a:t>
-            </a:r>
-          </a:p>
-          <a:p>
-            <a:r>
-              <a:rPr lang="en-US" b="0" i="0" dirty="0">
+                <a:uLnTx/>
+                <a:uFillTx/>
+                <a:latin typeface="Calibri" panose="020F0502020204030204"/>
+                <a:ea typeface="+mn-ea"/>
+                <a:cs typeface="+mn-cs"/>
+              </a:rPr>
+              <a:t>DATABASE STRUCTURE OF CONTAINERIZED WEBSERVICE</a:t>
+            </a:r>
+          </a:p>
+        </p:txBody>
+      </p:sp>
+      <p:pic>
+        <p:nvPicPr>
+          <p:cNvPr id="12" name="Picture 11">
+            <a:extLst>
+              <a:ext uri="{FF2B5EF4-FFF2-40B4-BE49-F238E27FC236}">
+                <a16:creationId xmlns:a16="http://schemas.microsoft.com/office/drawing/2014/main" id="{6BB3D807-13DF-6C0F-27B2-5827A669DA4F}"/>
+              </a:ext>
+            </a:extLst>
+          </p:cNvPr>
+          <p:cNvPicPr>
+            <a:picLocks noChangeAspect="1"/>
+          </p:cNvPicPr>
+          <p:nvPr/>
+        </p:nvPicPr>
+        <p:blipFill>
+          <a:blip r:embed="rId5"/>
+          <a:stretch>
+            <a:fillRect/>
+          </a:stretch>
+        </p:blipFill>
+        <p:spPr>
+          <a:xfrm>
+            <a:off x="5500914" y="1604437"/>
+            <a:ext cx="6139542" cy="1824564"/>
+          </a:xfrm>
+          <a:prstGeom prst="rect">
+            <a:avLst/>
+          </a:prstGeom>
+        </p:spPr>
+      </p:pic>
+      <p:pic>
+        <p:nvPicPr>
+          <p:cNvPr id="14" name="Picture 13">
+            <a:extLst>
+              <a:ext uri="{FF2B5EF4-FFF2-40B4-BE49-F238E27FC236}">
+                <a16:creationId xmlns:a16="http://schemas.microsoft.com/office/drawing/2014/main" id="{CFC0EA24-BEB9-43E9-8AD4-1BAB8498CEDC}"/>
+              </a:ext>
+            </a:extLst>
+          </p:cNvPr>
+          <p:cNvPicPr>
+            <a:picLocks noChangeAspect="1"/>
+          </p:cNvPicPr>
+          <p:nvPr/>
+        </p:nvPicPr>
+        <p:blipFill>
+          <a:blip r:embed="rId6"/>
+          <a:stretch>
+            <a:fillRect/>
+          </a:stretch>
+        </p:blipFill>
+        <p:spPr>
+          <a:xfrm>
+            <a:off x="5581204" y="3825754"/>
+            <a:ext cx="6059252" cy="2908875"/>
+          </a:xfrm>
+          <a:prstGeom prst="rect">
+            <a:avLst/>
+          </a:prstGeom>
+        </p:spPr>
+      </p:pic>
+      <p:sp>
+        <p:nvSpPr>
+          <p:cNvPr id="15" name="TextBox 14">
+            <a:extLst>
+              <a:ext uri="{FF2B5EF4-FFF2-40B4-BE49-F238E27FC236}">
+                <a16:creationId xmlns:a16="http://schemas.microsoft.com/office/drawing/2014/main" id="{D7668A47-3B3B-9F24-65C1-EFFC96A316AE}"/>
+              </a:ext>
+            </a:extLst>
+          </p:cNvPr>
+          <p:cNvSpPr txBox="1"/>
+          <p:nvPr/>
+        </p:nvSpPr>
+        <p:spPr>
+          <a:xfrm>
+            <a:off x="7402287" y="3548494"/>
+            <a:ext cx="2336799" cy="307777"/>
+          </a:xfrm>
+          <a:prstGeom prst="rect">
+            <a:avLst/>
+          </a:prstGeom>
+          <a:noFill/>
+        </p:spPr>
+        <p:txBody>
+          <a:bodyPr wrap="square" rtlCol="0">
+            <a:spAutoFit/>
+          </a:bodyPr>
+          <a:lstStyle/>
+          <a:p>
+            <a:pPr marL="0" marR="0" lvl="0" indent="0" algn="l" defTabSz="914400" rtl="0" eaLnBrk="1" fontAlgn="auto" latinLnBrk="0" hangingPunct="1">
+              <a:lnSpc>
+                <a:spcPct val="100000"/>
+              </a:lnSpc>
+              <a:spcBef>
+                <a:spcPts val="0"/>
+              </a:spcBef>
+              <a:spcAft>
+                <a:spcPts val="0"/>
+              </a:spcAft>
+              <a:buClrTx/>
+              <a:buSzTx/>
+              <a:buFontTx/>
+              <a:buNone/>
+              <a:tabLst/>
+              <a:defRPr/>
+            </a:pPr>
+            <a:r>
+              <a:rPr kumimoji="0" lang="en-IN" sz="1400" b="0" i="0" u="none" strike="noStrike" kern="1200" cap="none" spc="0" normalizeH="0" baseline="0" noProof="0" dirty="0">
+                <a:ln>
+                  <a:noFill/>
+                </a:ln>
+                <a:solidFill>
+                  <a:prstClr val="black"/>
+                </a:solidFill>
                 <a:effectLst/>
-                <a:latin typeface="Söhne"/>
-              </a:rPr>
-              <a:t>We utilized Spring boot and Jenkins for continuous integration and deployment, and deployed our containerized web service on Kubernetes. </a:t>
-            </a:r>
-          </a:p>
-          <a:p>
-            <a:endParaRPr lang="en-US" dirty="0">
-              <a:latin typeface="Söhne"/>
-            </a:endParaRPr>
-          </a:p>
-          <a:p>
-            <a:r>
-              <a:rPr lang="en-US" b="0" i="0" dirty="0">
-                <a:effectLst/>
-                <a:latin typeface="Söhne"/>
-              </a:rPr>
-              <a:t>During the development process, we faced several challenges such as debugging and troubleshooting issues with our containerized deployment on Kubernetes, ensuring secure communication between the client and server, and managing the rotation of log files. However, we were able to overcome these challenges by using online resources and interacting with batchmates to find effective solutions.</a:t>
-            </a:r>
-          </a:p>
-          <a:p>
-            <a:endParaRPr lang="en-US" b="0" i="0" dirty="0">
-              <a:effectLst/>
-              <a:latin typeface="Söhne"/>
-            </a:endParaRPr>
-          </a:p>
-          <a:p>
-            <a:pPr algn="l"/>
-            <a:r>
-              <a:rPr lang="en-US" b="0" i="0" dirty="0">
-                <a:effectLst/>
-                <a:latin typeface="Söhne"/>
-              </a:rPr>
-              <a:t>Overall, this capstone project provided valuable experience in developing and deploying a secure, scalable, and containerized web service, while also learning how to overcome challenges in a development environment.</a:t>
+                <a:uLnTx/>
+                <a:uFillTx/>
+                <a:latin typeface="Arial" panose="020B0604020202020204" pitchFamily="34" charset="0"/>
+                <a:ea typeface="+mn-ea"/>
+                <a:cs typeface="Arial" panose="020B0604020202020204" pitchFamily="34" charset="0"/>
+              </a:rPr>
+              <a:t>MySQL instance on cluster</a:t>
             </a:r>
           </a:p>
         </p:txBody>
@@ -11826,7 +12007,7 @@
     </p:spTree>
     <p:extLst>
       <p:ext uri="{BB962C8B-B14F-4D97-AF65-F5344CB8AC3E}">
-        <p14:creationId xmlns:p14="http://schemas.microsoft.com/office/powerpoint/2010/main" val="984102935"/>
+        <p14:creationId xmlns:p14="http://schemas.microsoft.com/office/powerpoint/2010/main" val="1427677089"/>
       </p:ext>
     </p:extLst>
   </p:cSld>
@@ -12014,17 +12195,17 @@
                 </a:solidFill>
                 <a:latin typeface="Times New Roman" panose="02020603050405020304" pitchFamily="18" charset="0"/>
               </a:rPr>
-              <a:t>Future Work</a:t>
+              <a:t>Conclusion</a:t>
             </a:r>
           </a:p>
         </p:txBody>
       </p:sp>
       <p:sp>
         <p:nvSpPr>
-          <p:cNvPr id="3" name="TextBox 2">
-            <a:extLst>
-              <a:ext uri="{FF2B5EF4-FFF2-40B4-BE49-F238E27FC236}">
-                <a16:creationId xmlns:a16="http://schemas.microsoft.com/office/drawing/2014/main" id="{0619899A-31DA-FCDF-48CA-B2A307298A93}"/>
+          <p:cNvPr id="7" name="TextBox 6">
+            <a:extLst>
+              <a:ext uri="{FF2B5EF4-FFF2-40B4-BE49-F238E27FC236}">
+                <a16:creationId xmlns:a16="http://schemas.microsoft.com/office/drawing/2014/main" id="{B4E07FE1-E878-E386-9DF4-34E931415690}"/>
               </a:ext>
             </a:extLst>
           </p:cNvPr>
@@ -12033,184 +12214,79 @@
         </p:nvSpPr>
         <p:spPr>
           <a:xfrm>
-            <a:off x="226060" y="1250713"/>
-            <a:ext cx="11092179" cy="703591"/>
-          </a:xfrm>
-          <a:prstGeom prst="rect">
-            <a:avLst/>
-          </a:prstGeom>
-        </p:spPr>
-        <p:style>
-          <a:lnRef idx="2">
-            <a:schemeClr val="accent2"/>
-          </a:lnRef>
-          <a:fillRef idx="1">
-            <a:schemeClr val="lt1"/>
-          </a:fillRef>
-          <a:effectRef idx="0">
-            <a:schemeClr val="accent2"/>
-          </a:effectRef>
-          <a:fontRef idx="minor">
-            <a:schemeClr val="dk1"/>
-          </a:fontRef>
-        </p:style>
+            <a:off x="490219" y="1349647"/>
+            <a:ext cx="11106695" cy="5078313"/>
+          </a:xfrm>
+          <a:prstGeom prst="rect">
+            <a:avLst/>
+          </a:prstGeom>
+          <a:noFill/>
+        </p:spPr>
         <p:txBody>
           <a:bodyPr wrap="square">
             <a:spAutoFit/>
           </a:bodyPr>
           <a:lstStyle/>
           <a:p>
-            <a:pPr marL="285750" indent="-285750" algn="just">
-              <a:lnSpc>
-                <a:spcPct val="115000"/>
-              </a:lnSpc>
-              <a:buFont typeface="Wingdings" panose="05000000000000000000" pitchFamily="2" charset="2"/>
-              <a:buChar char="Ø"/>
-            </a:pPr>
-            <a:r>
-              <a:rPr lang="en-US" sz="1800" dirty="0">
-                <a:effectLst/>
-                <a:latin typeface="Bahnschrift" panose="020B0502040204020203" pitchFamily="34" charset="0"/>
-                <a:ea typeface="Arial" panose="020B0604020202020204" pitchFamily="34" charset="0"/>
-              </a:rPr>
-              <a:t>These future work items will improve the overall functionality, usability, and performance of the application, providing more value to end-users and stakeholders.</a:t>
-            </a:r>
-            <a:endParaRPr lang="en-IN" sz="1400" dirty="0">
-              <a:effectLst/>
-              <a:latin typeface="Bahnschrift" panose="020B0502040204020203" pitchFamily="34" charset="0"/>
-              <a:ea typeface="Arial" panose="020B0604020202020204" pitchFamily="34" charset="0"/>
-            </a:endParaRPr>
-          </a:p>
-        </p:txBody>
-      </p:sp>
-      <p:sp>
-        <p:nvSpPr>
-          <p:cNvPr id="2" name="TextBox 1">
-            <a:extLst>
-              <a:ext uri="{FF2B5EF4-FFF2-40B4-BE49-F238E27FC236}">
-                <a16:creationId xmlns:a16="http://schemas.microsoft.com/office/drawing/2014/main" id="{26903B5E-9549-41FD-B5F1-7E2A8E7217D1}"/>
-              </a:ext>
-            </a:extLst>
-          </p:cNvPr>
-          <p:cNvSpPr txBox="1"/>
-          <p:nvPr/>
-        </p:nvSpPr>
-        <p:spPr>
-          <a:xfrm>
-            <a:off x="226060" y="2336799"/>
-            <a:ext cx="11092179" cy="4247317"/>
-          </a:xfrm>
-          <a:prstGeom prst="rect">
-            <a:avLst/>
-          </a:prstGeom>
-          <a:noFill/>
-        </p:spPr>
-        <p:txBody>
-          <a:bodyPr wrap="square" rtlCol="0">
-            <a:spAutoFit/>
-          </a:bodyPr>
-          <a:lstStyle/>
-          <a:p>
-            <a:pPr marL="285750" indent="-285750" algn="l">
-              <a:buFont typeface="Arial" panose="020B0604020202020204" pitchFamily="34" charset="0"/>
-              <a:buChar char="•"/>
-            </a:pPr>
             <a:r>
               <a:rPr lang="en-US" b="0" i="0" dirty="0">
                 <a:effectLst/>
                 <a:latin typeface="Söhne"/>
               </a:rPr>
-              <a:t>Implement a User Interface - Although the current application is designed as a back-end service, creating a user interface will provide better usability and accessibility for end-users.</a:t>
-            </a:r>
-          </a:p>
-          <a:p>
-            <a:pPr marL="285750" indent="-285750" algn="l">
-              <a:buFont typeface="Arial" panose="020B0604020202020204" pitchFamily="34" charset="0"/>
-              <a:buChar char="•"/>
-            </a:pPr>
+              <a:t> This capstone project involved creating a database table for Employee with EmployeeID, EmployeeName, and DateOfBirth columns. A Java program was written to query a single record based on EmployeeID, and Jenkins was used to deploy changes to the code to the Application server. A client program was also created to interact with our webservice.</a:t>
+            </a:r>
+          </a:p>
+          <a:p>
             <a:endParaRPr lang="en-US" dirty="0">
               <a:latin typeface="Söhne"/>
             </a:endParaRPr>
           </a:p>
           <a:p>
-            <a:pPr marL="285750" indent="-285750" algn="l">
-              <a:buFont typeface="Arial" panose="020B0604020202020204" pitchFamily="34" charset="0"/>
-              <a:buChar char="•"/>
-            </a:pPr>
             <a:r>
               <a:rPr lang="en-US" b="0" i="0" dirty="0">
                 <a:effectLst/>
                 <a:latin typeface="Söhne"/>
               </a:rPr>
-              <a:t>Integration with Third-Party Services - The application can be enhanced by integrating it with third-party services such as payroll management, performance management, or attendance management systems.</a:t>
-            </a:r>
-          </a:p>
-          <a:p>
-            <a:pPr marL="285750" indent="-285750" algn="l">
-              <a:buFont typeface="Arial" panose="020B0604020202020204" pitchFamily="34" charset="0"/>
-              <a:buChar char="•"/>
-            </a:pPr>
+              <a:t>In conclusion, our capstone project successfully achieved the goal of creating a RESTful web service that queries a single record from a database and returns a response containing all relevant employee information. We also ensured security by using HTTPS with a self-signed certificate and encrypting sensitive information with AES-256. </a:t>
+            </a:r>
+          </a:p>
+          <a:p>
+            <a:r>
+              <a:rPr lang="en-US" b="0" i="0" dirty="0">
+                <a:effectLst/>
+                <a:latin typeface="Söhne"/>
+              </a:rPr>
+              <a:t>We utilized Spring boot and Jenkins for continuous integration and deployment, and deployed our containerized web service on Kubernetes. </a:t>
+            </a:r>
+          </a:p>
+          <a:p>
             <a:endParaRPr lang="en-US" dirty="0">
               <a:latin typeface="Söhne"/>
             </a:endParaRPr>
           </a:p>
           <a:p>
-            <a:pPr marL="285750" indent="-285750">
-              <a:buFont typeface="Arial" panose="020B0604020202020204" pitchFamily="34" charset="0"/>
-              <a:buChar char="•"/>
-            </a:pPr>
             <a:r>
               <a:rPr lang="en-US" b="0" i="0" dirty="0">
                 <a:effectLst/>
                 <a:latin typeface="Söhne"/>
               </a:rPr>
-              <a:t>Add Role-Based Access Control (RBAC) - Implementing RBAC will provide more fine-grained access control to the application, allowing different roles to access only the necessary functionality.</a:t>
-            </a:r>
-          </a:p>
-          <a:p>
-            <a:pPr marL="285750" indent="-285750" algn="l">
-              <a:buFont typeface="Arial" panose="020B0604020202020204" pitchFamily="34" charset="0"/>
-              <a:buChar char="•"/>
-            </a:pPr>
+              <a:t>During the development process, we faced several challenges such as debugging and troubleshooting issues with our containerized deployment on Kubernetes, ensuring secure communication between the client and server, and managing the rotation of log files. However, we were able to overcome these challenges by using online resources and interacting with batchmates to find effective solutions.</a:t>
+            </a:r>
+          </a:p>
+          <a:p>
             <a:endParaRPr lang="en-US" b="0" i="0" dirty="0">
               <a:effectLst/>
               <a:latin typeface="Söhne"/>
             </a:endParaRPr>
           </a:p>
           <a:p>
-            <a:pPr marL="285750" indent="-285750" algn="l">
-              <a:buFont typeface="Arial" panose="020B0604020202020204" pitchFamily="34" charset="0"/>
-              <a:buChar char="•"/>
-            </a:pPr>
+            <a:pPr algn="l"/>
             <a:r>
               <a:rPr lang="en-US" b="0" i="0" dirty="0">
                 <a:effectLst/>
                 <a:latin typeface="Söhne"/>
               </a:rPr>
-              <a:t>Introduce Machine Learning Algorithms - Integrating machine learning algorithms can provide better insights into employee performance, identifying trends and predicting future outcomes.</a:t>
-            </a:r>
-          </a:p>
-          <a:p>
-            <a:pPr marL="285750" indent="-285750" algn="l">
-              <a:buFont typeface="Arial" panose="020B0604020202020204" pitchFamily="34" charset="0"/>
-              <a:buChar char="•"/>
-            </a:pPr>
-            <a:endParaRPr lang="en-US" b="0" i="0" dirty="0">
-              <a:effectLst/>
-              <a:latin typeface="Söhne"/>
-            </a:endParaRPr>
-          </a:p>
-          <a:p>
-            <a:pPr marL="285750" indent="-285750" algn="l">
-              <a:buFont typeface="Arial" panose="020B0604020202020204" pitchFamily="34" charset="0"/>
-              <a:buChar char="•"/>
-            </a:pPr>
-            <a:r>
-              <a:rPr lang="en-US" b="0" i="0" dirty="0">
-                <a:effectLst/>
-                <a:latin typeface="Söhne"/>
-              </a:rPr>
-              <a:t>Optimize Containerization and Deployment - As the application scales and more instances of the container are added, optimizing the deployment and containerization process can improve the overall performance and efficiency of the application.</a:t>
+              <a:t>Overall, this capstone project provided valuable experience in developing and deploying a secure, scalable, and containerized web service, while also learning how to overcome challenges in a development environment.</a:t>
             </a:r>
           </a:p>
         </p:txBody>
@@ -12218,7 +12294,7 @@
     </p:spTree>
     <p:extLst>
       <p:ext uri="{BB962C8B-B14F-4D97-AF65-F5344CB8AC3E}">
-        <p14:creationId xmlns:p14="http://schemas.microsoft.com/office/powerpoint/2010/main" val="2343796108"/>
+        <p14:creationId xmlns:p14="http://schemas.microsoft.com/office/powerpoint/2010/main" val="984102935"/>
       </p:ext>
     </p:extLst>
   </p:cSld>
@@ -12406,17 +12482,17 @@
                 </a:solidFill>
                 <a:latin typeface="Times New Roman" panose="02020603050405020304" pitchFamily="18" charset="0"/>
               </a:rPr>
-              <a:t>References</a:t>
+              <a:t>Future Work</a:t>
             </a:r>
           </a:p>
         </p:txBody>
       </p:sp>
       <p:sp>
         <p:nvSpPr>
-          <p:cNvPr id="10" name="TextBox 9">
-            <a:extLst>
-              <a:ext uri="{FF2B5EF4-FFF2-40B4-BE49-F238E27FC236}">
-                <a16:creationId xmlns:a16="http://schemas.microsoft.com/office/drawing/2014/main" id="{61206C2F-BDF5-071B-EC7C-A93066E34658}"/>
+          <p:cNvPr id="3" name="TextBox 2">
+            <a:extLst>
+              <a:ext uri="{FF2B5EF4-FFF2-40B4-BE49-F238E27FC236}">
+                <a16:creationId xmlns:a16="http://schemas.microsoft.com/office/drawing/2014/main" id="{0619899A-31DA-FCDF-48CA-B2A307298A93}"/>
               </a:ext>
             </a:extLst>
           </p:cNvPr>
@@ -12425,14 +12501,27 @@
         </p:nvSpPr>
         <p:spPr>
           <a:xfrm>
-            <a:off x="217505" y="1673850"/>
-            <a:ext cx="11974495" cy="4829014"/>
-          </a:xfrm>
-          <a:prstGeom prst="rect">
-            <a:avLst/>
-          </a:prstGeom>
-          <a:noFill/>
-        </p:spPr>
+            <a:off x="226060" y="1250713"/>
+            <a:ext cx="11092179" cy="703591"/>
+          </a:xfrm>
+          <a:prstGeom prst="rect">
+            <a:avLst/>
+          </a:prstGeom>
+        </p:spPr>
+        <p:style>
+          <a:lnRef idx="2">
+            <a:schemeClr val="accent2"/>
+          </a:lnRef>
+          <a:fillRef idx="1">
+            <a:schemeClr val="lt1"/>
+          </a:fillRef>
+          <a:effectRef idx="0">
+            <a:schemeClr val="accent2"/>
+          </a:effectRef>
+          <a:fontRef idx="minor">
+            <a:schemeClr val="dk1"/>
+          </a:fontRef>
+        </p:style>
         <p:txBody>
           <a:bodyPr wrap="square">
             <a:spAutoFit/>
@@ -12443,341 +12532,153 @@
               <a:lnSpc>
                 <a:spcPct val="115000"/>
               </a:lnSpc>
+              <a:buFont typeface="Wingdings" panose="05000000000000000000" pitchFamily="2" charset="2"/>
+              <a:buChar char="Ø"/>
+            </a:pPr>
+            <a:r>
+              <a:rPr lang="en-US" sz="1800" dirty="0">
+                <a:effectLst/>
+                <a:latin typeface="Bahnschrift" panose="020B0502040204020203" pitchFamily="34" charset="0"/>
+                <a:ea typeface="Arial" panose="020B0604020202020204" pitchFamily="34" charset="0"/>
+              </a:rPr>
+              <a:t>These future work items will improve the overall functionality, usability, and performance of the application, providing more value to end-users and stakeholders.</a:t>
+            </a:r>
+            <a:endParaRPr lang="en-IN" sz="1400" dirty="0">
+              <a:effectLst/>
+              <a:latin typeface="Bahnschrift" panose="020B0502040204020203" pitchFamily="34" charset="0"/>
+              <a:ea typeface="Arial" panose="020B0604020202020204" pitchFamily="34" charset="0"/>
+            </a:endParaRPr>
+          </a:p>
+        </p:txBody>
+      </p:sp>
+      <p:sp>
+        <p:nvSpPr>
+          <p:cNvPr id="2" name="TextBox 1">
+            <a:extLst>
+              <a:ext uri="{FF2B5EF4-FFF2-40B4-BE49-F238E27FC236}">
+                <a16:creationId xmlns:a16="http://schemas.microsoft.com/office/drawing/2014/main" id="{26903B5E-9549-41FD-B5F1-7E2A8E7217D1}"/>
+              </a:ext>
+            </a:extLst>
+          </p:cNvPr>
+          <p:cNvSpPr txBox="1"/>
+          <p:nvPr/>
+        </p:nvSpPr>
+        <p:spPr>
+          <a:xfrm>
+            <a:off x="226060" y="2336799"/>
+            <a:ext cx="11092179" cy="4247317"/>
+          </a:xfrm>
+          <a:prstGeom prst="rect">
+            <a:avLst/>
+          </a:prstGeom>
+          <a:noFill/>
+        </p:spPr>
+        <p:txBody>
+          <a:bodyPr wrap="square" rtlCol="0">
+            <a:spAutoFit/>
+          </a:bodyPr>
+          <a:lstStyle/>
+          <a:p>
+            <a:pPr marL="285750" indent="-285750" algn="l">
               <a:buFont typeface="Arial" panose="020B0604020202020204" pitchFamily="34" charset="0"/>
               <a:buChar char="•"/>
             </a:pPr>
             <a:r>
-              <a:rPr lang="en-US" dirty="0">
-                <a:latin typeface="Arial" panose="020B0604020202020204" pitchFamily="34" charset="0"/>
-                <a:cs typeface="Arial" panose="020B0604020202020204" pitchFamily="34" charset="0"/>
-              </a:rPr>
-              <a:t>Spring framework documentation(2022). Retrieved from </a:t>
-            </a:r>
-            <a:r>
-              <a:rPr lang="en-IN" sz="1400" dirty="0">
-                <a:latin typeface="Arial" panose="020B0604020202020204" pitchFamily="34" charset="0"/>
-                <a:ea typeface="Arial" panose="020B0604020202020204" pitchFamily="34" charset="0"/>
-                <a:hlinkClick r:id="rId4"/>
-              </a:rPr>
-              <a:t>https://docs.spring.io/spring-framework/docs/current/reference/html/</a:t>
-            </a:r>
-            <a:r>
-              <a:rPr lang="en-US" dirty="0">
-                <a:latin typeface="Arial" panose="020B0604020202020204" pitchFamily="34" charset="0"/>
-                <a:cs typeface="Arial" panose="020B0604020202020204" pitchFamily="34" charset="0"/>
-              </a:rPr>
-              <a:t>											</a:t>
-            </a:r>
-          </a:p>
-          <a:p>
-            <a:pPr marL="285750" indent="-285750" algn="just">
-              <a:lnSpc>
-                <a:spcPct val="115000"/>
-              </a:lnSpc>
+              <a:rPr lang="en-US" b="0" i="0" dirty="0">
+                <a:effectLst/>
+                <a:latin typeface="Söhne"/>
+              </a:rPr>
+              <a:t>Implement a User Interface - Although the current application is designed as a back-end service, creating a user interface will provide better usability and accessibility for end-users.</a:t>
+            </a:r>
+          </a:p>
+          <a:p>
+            <a:pPr marL="285750" indent="-285750" algn="l">
               <a:buFont typeface="Arial" panose="020B0604020202020204" pitchFamily="34" charset="0"/>
               <a:buChar char="•"/>
             </a:pPr>
-            <a:r>
-              <a:rPr lang="en-US" dirty="0">
-                <a:latin typeface="Arial" panose="020B0604020202020204" pitchFamily="34" charset="0"/>
-                <a:cs typeface="Arial" panose="020B0604020202020204" pitchFamily="34" charset="0"/>
-              </a:rPr>
-              <a:t>AES256 encryption-decryption reference from</a:t>
-            </a:r>
-            <a:r>
-              <a:rPr lang="en-IN" dirty="0">
-                <a:latin typeface="Arial" panose="020B0604020202020204" pitchFamily="34" charset="0"/>
-                <a:cs typeface="Arial" panose="020B0604020202020204" pitchFamily="34" charset="0"/>
-              </a:rPr>
-              <a:t> </a:t>
-            </a:r>
-            <a:r>
-              <a:rPr lang="en-IN" sz="1600" dirty="0">
-                <a:solidFill>
-                  <a:srgbClr val="0563C1"/>
-                </a:solidFill>
-                <a:latin typeface="Arial" panose="020B0604020202020204" pitchFamily="34" charset="0"/>
-                <a:cs typeface="Arial" panose="020B0604020202020204" pitchFamily="34" charset="0"/>
-                <a:hlinkClick r:id="rId5">
-                  <a:extLst>
-                    <a:ext uri="{A12FA001-AC4F-418D-AE19-62706E023703}">
-                      <ahyp:hlinkClr xmlns:ahyp="http://schemas.microsoft.com/office/drawing/2018/hyperlinkcolor" val="tx"/>
-                    </a:ext>
-                  </a:extLst>
-                </a:hlinkClick>
-              </a:rPr>
-              <a:t>Java AES Encryption and Decryption | Baeldung</a:t>
-            </a:r>
-            <a:endParaRPr lang="en-IN" sz="1600" dirty="0">
-              <a:solidFill>
-                <a:srgbClr val="0563C1"/>
-              </a:solidFill>
-              <a:latin typeface="Arial" panose="020B0604020202020204" pitchFamily="34" charset="0"/>
-              <a:cs typeface="Arial" panose="020B0604020202020204" pitchFamily="34" charset="0"/>
+            <a:endParaRPr lang="en-US" dirty="0">
+              <a:latin typeface="Söhne"/>
             </a:endParaRPr>
           </a:p>
           <a:p>
-            <a:pPr marL="285750" indent="-285750" algn="just">
-              <a:lnSpc>
-                <a:spcPct val="115000"/>
-              </a:lnSpc>
+            <a:pPr marL="285750" indent="-285750" algn="l">
               <a:buFont typeface="Arial" panose="020B0604020202020204" pitchFamily="34" charset="0"/>
               <a:buChar char="•"/>
             </a:pPr>
-            <a:endParaRPr lang="en-IN" dirty="0">
-              <a:solidFill>
-                <a:srgbClr val="0563C1"/>
-              </a:solidFill>
-              <a:latin typeface="Arial" panose="020B0604020202020204" pitchFamily="34" charset="0"/>
-              <a:cs typeface="Arial" panose="020B0604020202020204" pitchFamily="34" charset="0"/>
-            </a:endParaRPr>
-          </a:p>
-          <a:p>
-            <a:pPr marL="285750" indent="-285750" algn="just">
-              <a:lnSpc>
-                <a:spcPct val="115000"/>
-              </a:lnSpc>
+            <a:r>
+              <a:rPr lang="en-US" b="0" i="0" dirty="0">
+                <a:effectLst/>
+                <a:latin typeface="Söhne"/>
+              </a:rPr>
+              <a:t>Integration with Third-Party Services - The application can be enhanced by integrating it with third-party services such as payroll management, performance management, or attendance management systems.</a:t>
+            </a:r>
+          </a:p>
+          <a:p>
+            <a:pPr marL="285750" indent="-285750" algn="l">
               <a:buFont typeface="Arial" panose="020B0604020202020204" pitchFamily="34" charset="0"/>
               <a:buChar char="•"/>
             </a:pPr>
-            <a:r>
-              <a:rPr lang="en-IN" dirty="0">
-                <a:latin typeface="Arial" panose="020B0604020202020204" pitchFamily="34" charset="0"/>
-                <a:cs typeface="Arial" panose="020B0604020202020204" pitchFamily="34" charset="0"/>
-              </a:rPr>
-              <a:t>Https self-signed certificate reference retrieved from </a:t>
-            </a:r>
-            <a:r>
-              <a:rPr lang="en-US" sz="1600" dirty="0">
-                <a:latin typeface="Arial" panose="020B0604020202020204" pitchFamily="34" charset="0"/>
-                <a:cs typeface="Arial" panose="020B0604020202020204" pitchFamily="34" charset="0"/>
-                <a:hlinkClick r:id="rId6"/>
-              </a:rPr>
-              <a:t>HTTPS using Self-Signed Certificate in Spring Boot | Baeldung</a:t>
-            </a:r>
-            <a:endParaRPr lang="en-IN" sz="1600" dirty="0">
-              <a:latin typeface="Arial" panose="020B0604020202020204" pitchFamily="34" charset="0"/>
-              <a:cs typeface="Arial" panose="020B0604020202020204" pitchFamily="34" charset="0"/>
+            <a:endParaRPr lang="en-US" dirty="0">
+              <a:latin typeface="Söhne"/>
             </a:endParaRPr>
           </a:p>
           <a:p>
-            <a:pPr marL="285750" indent="-285750" algn="just">
-              <a:lnSpc>
-                <a:spcPct val="115000"/>
-              </a:lnSpc>
+            <a:pPr marL="285750" indent="-285750">
               <a:buFont typeface="Arial" panose="020B0604020202020204" pitchFamily="34" charset="0"/>
               <a:buChar char="•"/>
             </a:pPr>
-            <a:endParaRPr lang="en-IN" dirty="0">
-              <a:latin typeface="Arial" panose="020B0604020202020204" pitchFamily="34" charset="0"/>
-              <a:cs typeface="Arial" panose="020B0604020202020204" pitchFamily="34" charset="0"/>
-            </a:endParaRPr>
-          </a:p>
-          <a:p>
-            <a:pPr marL="285750" indent="-285750" algn="just">
-              <a:lnSpc>
-                <a:spcPct val="115000"/>
-              </a:lnSpc>
+            <a:r>
+              <a:rPr lang="en-US" b="0" i="0" dirty="0">
+                <a:effectLst/>
+                <a:latin typeface="Söhne"/>
+              </a:rPr>
+              <a:t>Add Role-Based Access Control (RBAC) - Implementing RBAC will provide more fine-grained access control to the application, allowing different roles to access only the necessary functionality.</a:t>
+            </a:r>
+          </a:p>
+          <a:p>
+            <a:pPr marL="285750" indent="-285750" algn="l">
               <a:buFont typeface="Arial" panose="020B0604020202020204" pitchFamily="34" charset="0"/>
               <a:buChar char="•"/>
             </a:pPr>
-            <a:r>
-              <a:rPr lang="en-IN" dirty="0">
-                <a:latin typeface="Arial" panose="020B0604020202020204" pitchFamily="34" charset="0"/>
-                <a:cs typeface="Arial" panose="020B0604020202020204" pitchFamily="34" charset="0"/>
-              </a:rPr>
-              <a:t>Bouncy Castle library reference from </a:t>
-            </a:r>
-            <a:r>
-              <a:rPr lang="en-IN" dirty="0">
-                <a:latin typeface="Arial" panose="020B0604020202020204" pitchFamily="34" charset="0"/>
-                <a:cs typeface="Arial" panose="020B0604020202020204" pitchFamily="34" charset="0"/>
-                <a:hlinkClick r:id="rId7"/>
-              </a:rPr>
-              <a:t>bouncycastle.org</a:t>
-            </a:r>
-            <a:endParaRPr lang="en-IN" dirty="0">
-              <a:latin typeface="Arial" panose="020B0604020202020204" pitchFamily="34" charset="0"/>
-              <a:cs typeface="Arial" panose="020B0604020202020204" pitchFamily="34" charset="0"/>
+            <a:endParaRPr lang="en-US" b="0" i="0" dirty="0">
+              <a:effectLst/>
+              <a:latin typeface="Söhne"/>
             </a:endParaRPr>
           </a:p>
           <a:p>
-            <a:pPr marL="285750" indent="-285750" algn="just">
-              <a:lnSpc>
-                <a:spcPct val="115000"/>
-              </a:lnSpc>
+            <a:pPr marL="285750" indent="-285750" algn="l">
               <a:buFont typeface="Arial" panose="020B0604020202020204" pitchFamily="34" charset="0"/>
               <a:buChar char="•"/>
             </a:pPr>
-            <a:endParaRPr lang="en-IN" dirty="0">
-              <a:latin typeface="Arial" panose="020B0604020202020204" pitchFamily="34" charset="0"/>
-              <a:cs typeface="Arial" panose="020B0604020202020204" pitchFamily="34" charset="0"/>
-            </a:endParaRPr>
-          </a:p>
-          <a:p>
-            <a:pPr marL="285750" indent="-285750" algn="just">
-              <a:lnSpc>
-                <a:spcPct val="115000"/>
-              </a:lnSpc>
+            <a:r>
+              <a:rPr lang="en-US" b="0" i="0" dirty="0">
+                <a:effectLst/>
+                <a:latin typeface="Söhne"/>
+              </a:rPr>
+              <a:t>Introduce Machine Learning Algorithms - Integrating machine learning algorithms can provide better insights into employee performance, identifying trends and predicting future outcomes.</a:t>
+            </a:r>
+          </a:p>
+          <a:p>
+            <a:pPr marL="285750" indent="-285750" algn="l">
               <a:buFont typeface="Arial" panose="020B0604020202020204" pitchFamily="34" charset="0"/>
               <a:buChar char="•"/>
             </a:pPr>
-            <a:r>
-              <a:rPr lang="en-IN" dirty="0">
-                <a:latin typeface="Arial" panose="020B0604020202020204" pitchFamily="34" charset="0"/>
-                <a:cs typeface="Arial" panose="020B0604020202020204" pitchFamily="34" charset="0"/>
-              </a:rPr>
-              <a:t>Jenkins automation tool reference retrieved from </a:t>
-            </a:r>
-            <a:r>
-              <a:rPr lang="en-IN" dirty="0">
-                <a:latin typeface="Arial" panose="020B0604020202020204" pitchFamily="34" charset="0"/>
-                <a:cs typeface="Arial" panose="020B0604020202020204" pitchFamily="34" charset="0"/>
-                <a:hlinkClick r:id="rId8"/>
-              </a:rPr>
-              <a:t>Jenkins User Documentation</a:t>
-            </a:r>
-            <a:r>
-              <a:rPr lang="en-IN" dirty="0">
-                <a:latin typeface="Arial" panose="020B0604020202020204" pitchFamily="34" charset="0"/>
-                <a:cs typeface="Arial" panose="020B0604020202020204" pitchFamily="34" charset="0"/>
-              </a:rPr>
-              <a:t>.</a:t>
-            </a:r>
-          </a:p>
-          <a:p>
-            <a:pPr marL="285750" indent="-285750" algn="just">
-              <a:lnSpc>
-                <a:spcPct val="115000"/>
-              </a:lnSpc>
+            <a:endParaRPr lang="en-US" b="0" i="0" dirty="0">
+              <a:effectLst/>
+              <a:latin typeface="Söhne"/>
+            </a:endParaRPr>
+          </a:p>
+          <a:p>
+            <a:pPr marL="285750" indent="-285750" algn="l">
               <a:buFont typeface="Arial" panose="020B0604020202020204" pitchFamily="34" charset="0"/>
               <a:buChar char="•"/>
             </a:pPr>
-            <a:endParaRPr lang="en-IN" dirty="0">
-              <a:latin typeface="Arial" panose="020B0604020202020204" pitchFamily="34" charset="0"/>
-              <a:cs typeface="Arial" panose="020B0604020202020204" pitchFamily="34" charset="0"/>
-            </a:endParaRPr>
-          </a:p>
-          <a:p>
-            <a:pPr marL="285750" indent="-285750" algn="just">
-              <a:lnSpc>
-                <a:spcPct val="115000"/>
-              </a:lnSpc>
-              <a:buFont typeface="Arial" panose="020B0604020202020204" pitchFamily="34" charset="0"/>
-              <a:buChar char="•"/>
-            </a:pPr>
-            <a:r>
-              <a:rPr lang="en-IN" dirty="0">
+            <a:r>
+              <a:rPr lang="en-US" b="0" i="0" dirty="0">
                 <a:effectLst/>
-                <a:latin typeface="Arial" panose="020B0604020202020204" pitchFamily="34" charset="0"/>
-                <a:ea typeface="Arial" panose="020B0604020202020204" pitchFamily="34" charset="0"/>
-                <a:cs typeface="Arial" panose="020B0604020202020204" pitchFamily="34" charset="0"/>
-              </a:rPr>
-              <a:t>Docker Documentation. (2021). Retrieved from </a:t>
-            </a:r>
-            <a:r>
-              <a:rPr lang="en-IN" dirty="0">
-                <a:effectLst/>
-                <a:latin typeface="Arial" panose="020B0604020202020204" pitchFamily="34" charset="0"/>
-                <a:ea typeface="Arial" panose="020B0604020202020204" pitchFamily="34" charset="0"/>
-                <a:cs typeface="Arial" panose="020B0604020202020204" pitchFamily="34" charset="0"/>
-                <a:hlinkClick r:id="rId9"/>
-              </a:rPr>
-              <a:t>https://docs.docker.com/</a:t>
-            </a:r>
-            <a:endParaRPr lang="en-IN" dirty="0">
-              <a:effectLst/>
-              <a:latin typeface="Arial" panose="020B0604020202020204" pitchFamily="34" charset="0"/>
-              <a:ea typeface="Arial" panose="020B0604020202020204" pitchFamily="34" charset="0"/>
-              <a:cs typeface="Arial" panose="020B0604020202020204" pitchFamily="34" charset="0"/>
-            </a:endParaRPr>
-          </a:p>
-          <a:p>
-            <a:pPr marL="285750" indent="-285750" algn="just">
-              <a:lnSpc>
-                <a:spcPct val="115000"/>
-              </a:lnSpc>
-              <a:buFont typeface="Arial" panose="020B0604020202020204" pitchFamily="34" charset="0"/>
-              <a:buChar char="•"/>
-            </a:pPr>
-            <a:endParaRPr lang="en-IN" dirty="0">
-              <a:latin typeface="Arial" panose="020B0604020202020204" pitchFamily="34" charset="0"/>
-              <a:ea typeface="Arial" panose="020B0604020202020204" pitchFamily="34" charset="0"/>
-              <a:cs typeface="Arial" panose="020B0604020202020204" pitchFamily="34" charset="0"/>
-            </a:endParaRPr>
-          </a:p>
-          <a:p>
-            <a:pPr marL="285750" indent="-285750" algn="just">
-              <a:lnSpc>
-                <a:spcPct val="115000"/>
-              </a:lnSpc>
-              <a:buFont typeface="Arial" panose="020B0604020202020204" pitchFamily="34" charset="0"/>
-              <a:buChar char="•"/>
-            </a:pPr>
-            <a:r>
-              <a:rPr lang="en-IN" dirty="0">
-                <a:effectLst/>
-                <a:latin typeface="Arial" panose="020B0604020202020204" pitchFamily="34" charset="0"/>
-                <a:ea typeface="Arial" panose="020B0604020202020204" pitchFamily="34" charset="0"/>
-                <a:cs typeface="Arial" panose="020B0604020202020204" pitchFamily="34" charset="0"/>
-              </a:rPr>
-              <a:t>Kubernetes Documentation. (2021). Retrieved from </a:t>
-            </a:r>
-            <a:r>
-              <a:rPr lang="en-IN" b="0" i="0" u="sng" dirty="0">
-                <a:effectLst/>
-                <a:latin typeface="Arial" panose="020B0604020202020204" pitchFamily="34" charset="0"/>
-                <a:cs typeface="Arial" panose="020B0604020202020204" pitchFamily="34" charset="0"/>
-                <a:hlinkClick r:id="rId10"/>
-              </a:rPr>
-              <a:t>https://kubernetes.io/docs/home/</a:t>
-            </a:r>
-            <a:endParaRPr lang="en-IN" b="0" i="0" u="sng" dirty="0">
-              <a:effectLst/>
-              <a:latin typeface="Arial" panose="020B0604020202020204" pitchFamily="34" charset="0"/>
-              <a:cs typeface="Arial" panose="020B0604020202020204" pitchFamily="34" charset="0"/>
-            </a:endParaRPr>
-          </a:p>
-          <a:p>
-            <a:pPr marL="285750" indent="-285750" algn="just">
-              <a:lnSpc>
-                <a:spcPct val="115000"/>
-              </a:lnSpc>
-              <a:buFont typeface="Arial" panose="020B0604020202020204" pitchFamily="34" charset="0"/>
-              <a:buChar char="•"/>
-            </a:pPr>
-            <a:endParaRPr lang="en-IN" u="sng" dirty="0">
-              <a:solidFill>
-                <a:schemeClr val="accent5">
-                  <a:lumMod val="75000"/>
-                </a:schemeClr>
-              </a:solidFill>
-              <a:latin typeface="Arial" panose="020B0604020202020204" pitchFamily="34" charset="0"/>
-              <a:ea typeface="Arial" panose="020B0604020202020204" pitchFamily="34" charset="0"/>
-              <a:cs typeface="Arial" panose="020B0604020202020204" pitchFamily="34" charset="0"/>
-            </a:endParaRPr>
-          </a:p>
-          <a:p>
-            <a:pPr marL="285750" indent="-285750" algn="l" fontAlgn="ctr">
-              <a:buFont typeface="Arial" panose="020B0604020202020204" pitchFamily="34" charset="0"/>
-              <a:buChar char="•"/>
-            </a:pPr>
-            <a:r>
-              <a:rPr lang="en-IN" dirty="0">
-                <a:effectLst/>
-                <a:latin typeface="Arial" panose="020B0604020202020204" pitchFamily="34" charset="0"/>
-                <a:ea typeface="Arial" panose="020B0604020202020204" pitchFamily="34" charset="0"/>
-                <a:cs typeface="Arial" panose="020B0604020202020204" pitchFamily="34" charset="0"/>
-              </a:rPr>
-              <a:t>Under Guidance of Mr. </a:t>
-            </a:r>
-            <a:r>
-              <a:rPr lang="en-IN" i="0" dirty="0">
-                <a:effectLst/>
-                <a:latin typeface="Arial" panose="020B0604020202020204" pitchFamily="34" charset="0"/>
-                <a:cs typeface="Arial" panose="020B0604020202020204" pitchFamily="34" charset="0"/>
-              </a:rPr>
-              <a:t>Javeed Mohammed Husnuddin Sir</a:t>
+                <a:latin typeface="Söhne"/>
+              </a:rPr>
+              <a:t>Optimize Containerization and Deployment - As the application scales and more instances of the container are added, optimizing the deployment and containerization process can improve the overall performance and efficiency of the application.</a:t>
             </a:r>
           </a:p>
         </p:txBody>
@@ -12785,7 +12686,7 @@
     </p:spTree>
     <p:extLst>
       <p:ext uri="{BB962C8B-B14F-4D97-AF65-F5344CB8AC3E}">
-        <p14:creationId xmlns:p14="http://schemas.microsoft.com/office/powerpoint/2010/main" val="1694362061"/>
+        <p14:creationId xmlns:p14="http://schemas.microsoft.com/office/powerpoint/2010/main" val="2343796108"/>
       </p:ext>
     </p:extLst>
   </p:cSld>
@@ -12973,17 +12874,17 @@
                 </a:solidFill>
                 <a:latin typeface="Times New Roman" panose="02020603050405020304" pitchFamily="18" charset="0"/>
               </a:rPr>
-              <a:t>Appendices</a:t>
+              <a:t>References</a:t>
             </a:r>
           </a:p>
         </p:txBody>
       </p:sp>
       <p:sp>
         <p:nvSpPr>
-          <p:cNvPr id="7" name="TextBox 6">
-            <a:extLst>
-              <a:ext uri="{FF2B5EF4-FFF2-40B4-BE49-F238E27FC236}">
-                <a16:creationId xmlns:a16="http://schemas.microsoft.com/office/drawing/2014/main" id="{1A521886-A1DC-C1EC-6392-5263384F6C69}"/>
+          <p:cNvPr id="10" name="TextBox 9">
+            <a:extLst>
+              <a:ext uri="{FF2B5EF4-FFF2-40B4-BE49-F238E27FC236}">
+                <a16:creationId xmlns:a16="http://schemas.microsoft.com/office/drawing/2014/main" id="{61206C2F-BDF5-071B-EC7C-A93066E34658}"/>
               </a:ext>
             </a:extLst>
           </p:cNvPr>
@@ -12992,8 +12893,8 @@
         </p:nvSpPr>
         <p:spPr>
           <a:xfrm>
-            <a:off x="1929094" y="1391021"/>
-            <a:ext cx="1219446" cy="315151"/>
+            <a:off x="217505" y="1673850"/>
+            <a:ext cx="11974495" cy="4829014"/>
           </a:xfrm>
           <a:prstGeom prst="rect">
             <a:avLst/>
@@ -13006,171 +12907,353 @@
           </a:bodyPr>
           <a:lstStyle/>
           <a:p>
-            <a:pPr algn="just">
+            <a:pPr marL="285750" indent="-285750" algn="just">
               <a:lnSpc>
                 <a:spcPct val="115000"/>
               </a:lnSpc>
+              <a:buFont typeface="Arial" panose="020B0604020202020204" pitchFamily="34" charset="0"/>
+              <a:buChar char="•"/>
             </a:pPr>
             <a:r>
+              <a:rPr lang="en-US" dirty="0">
+                <a:latin typeface="Arial" panose="020B0604020202020204" pitchFamily="34" charset="0"/>
+                <a:cs typeface="Arial" panose="020B0604020202020204" pitchFamily="34" charset="0"/>
+              </a:rPr>
+              <a:t>Spring framework documentation(2022). Retrieved from </a:t>
+            </a:r>
+            <a:r>
               <a:rPr lang="en-IN" sz="1400" dirty="0">
+                <a:latin typeface="Arial" panose="020B0604020202020204" pitchFamily="34" charset="0"/>
+                <a:ea typeface="Arial" panose="020B0604020202020204" pitchFamily="34" charset="0"/>
+                <a:hlinkClick r:id="rId4"/>
+              </a:rPr>
+              <a:t>https://docs.spring.io/spring-framework/docs/current/reference/html/</a:t>
+            </a:r>
+            <a:r>
+              <a:rPr lang="en-US" dirty="0">
+                <a:latin typeface="Arial" panose="020B0604020202020204" pitchFamily="34" charset="0"/>
+                <a:cs typeface="Arial" panose="020B0604020202020204" pitchFamily="34" charset="0"/>
+              </a:rPr>
+              <a:t>											</a:t>
+            </a:r>
+          </a:p>
+          <a:p>
+            <a:pPr marL="285750" indent="-285750" algn="just">
+              <a:lnSpc>
+                <a:spcPct val="115000"/>
+              </a:lnSpc>
+              <a:buFont typeface="Arial" panose="020B0604020202020204" pitchFamily="34" charset="0"/>
+              <a:buChar char="•"/>
+            </a:pPr>
+            <a:r>
+              <a:rPr lang="en-US" dirty="0">
+                <a:latin typeface="Arial" panose="020B0604020202020204" pitchFamily="34" charset="0"/>
+                <a:cs typeface="Arial" panose="020B0604020202020204" pitchFamily="34" charset="0"/>
+              </a:rPr>
+              <a:t>AES256 encryption-decryption reference from</a:t>
+            </a:r>
+            <a:r>
+              <a:rPr lang="en-IN" dirty="0">
+                <a:latin typeface="Arial" panose="020B0604020202020204" pitchFamily="34" charset="0"/>
+                <a:cs typeface="Arial" panose="020B0604020202020204" pitchFamily="34" charset="0"/>
+              </a:rPr>
+              <a:t> </a:t>
+            </a:r>
+            <a:r>
+              <a:rPr lang="en-IN" sz="1600" dirty="0">
+                <a:solidFill>
+                  <a:srgbClr val="0563C1"/>
+                </a:solidFill>
+                <a:latin typeface="Arial" panose="020B0604020202020204" pitchFamily="34" charset="0"/>
+                <a:cs typeface="Arial" panose="020B0604020202020204" pitchFamily="34" charset="0"/>
+                <a:hlinkClick r:id="rId5">
+                  <a:extLst>
+                    <a:ext uri="{A12FA001-AC4F-418D-AE19-62706E023703}">
+                      <ahyp:hlinkClr xmlns:ahyp="http://schemas.microsoft.com/office/drawing/2018/hyperlinkcolor" val="tx"/>
+                    </a:ext>
+                  </a:extLst>
+                </a:hlinkClick>
+              </a:rPr>
+              <a:t>Java AES Encryption and Decryption | Baeldung</a:t>
+            </a:r>
+            <a:endParaRPr lang="en-IN" sz="1600" dirty="0">
+              <a:solidFill>
+                <a:srgbClr val="0563C1"/>
+              </a:solidFill>
+              <a:latin typeface="Arial" panose="020B0604020202020204" pitchFamily="34" charset="0"/>
+              <a:cs typeface="Arial" panose="020B0604020202020204" pitchFamily="34" charset="0"/>
+            </a:endParaRPr>
+          </a:p>
+          <a:p>
+            <a:pPr marL="285750" indent="-285750" algn="just">
+              <a:lnSpc>
+                <a:spcPct val="115000"/>
+              </a:lnSpc>
+              <a:buFont typeface="Arial" panose="020B0604020202020204" pitchFamily="34" charset="0"/>
+              <a:buChar char="•"/>
+            </a:pPr>
+            <a:endParaRPr lang="en-IN" dirty="0">
+              <a:solidFill>
+                <a:srgbClr val="0563C1"/>
+              </a:solidFill>
+              <a:latin typeface="Arial" panose="020B0604020202020204" pitchFamily="34" charset="0"/>
+              <a:cs typeface="Arial" panose="020B0604020202020204" pitchFamily="34" charset="0"/>
+            </a:endParaRPr>
+          </a:p>
+          <a:p>
+            <a:pPr marL="285750" indent="-285750" algn="just">
+              <a:lnSpc>
+                <a:spcPct val="115000"/>
+              </a:lnSpc>
+              <a:buFont typeface="Arial" panose="020B0604020202020204" pitchFamily="34" charset="0"/>
+              <a:buChar char="•"/>
+            </a:pPr>
+            <a:r>
+              <a:rPr lang="en-IN" dirty="0">
+                <a:latin typeface="Arial" panose="020B0604020202020204" pitchFamily="34" charset="0"/>
+                <a:cs typeface="Arial" panose="020B0604020202020204" pitchFamily="34" charset="0"/>
+              </a:rPr>
+              <a:t>Https self-signed certificate reference retrieved from </a:t>
+            </a:r>
+            <a:r>
+              <a:rPr lang="en-US" sz="1600" dirty="0">
+                <a:latin typeface="Arial" panose="020B0604020202020204" pitchFamily="34" charset="0"/>
+                <a:cs typeface="Arial" panose="020B0604020202020204" pitchFamily="34" charset="0"/>
+                <a:hlinkClick r:id="rId6"/>
+              </a:rPr>
+              <a:t>HTTPS using Self-Signed Certificate in Spring Boot | Baeldung</a:t>
+            </a:r>
+            <a:endParaRPr lang="en-IN" sz="1600" dirty="0">
+              <a:latin typeface="Arial" panose="020B0604020202020204" pitchFamily="34" charset="0"/>
+              <a:cs typeface="Arial" panose="020B0604020202020204" pitchFamily="34" charset="0"/>
+            </a:endParaRPr>
+          </a:p>
+          <a:p>
+            <a:pPr marL="285750" indent="-285750" algn="just">
+              <a:lnSpc>
+                <a:spcPct val="115000"/>
+              </a:lnSpc>
+              <a:buFont typeface="Arial" panose="020B0604020202020204" pitchFamily="34" charset="0"/>
+              <a:buChar char="•"/>
+            </a:pPr>
+            <a:endParaRPr lang="en-IN" dirty="0">
+              <a:latin typeface="Arial" panose="020B0604020202020204" pitchFamily="34" charset="0"/>
+              <a:cs typeface="Arial" panose="020B0604020202020204" pitchFamily="34" charset="0"/>
+            </a:endParaRPr>
+          </a:p>
+          <a:p>
+            <a:pPr marL="285750" indent="-285750" algn="just">
+              <a:lnSpc>
+                <a:spcPct val="115000"/>
+              </a:lnSpc>
+              <a:buFont typeface="Arial" panose="020B0604020202020204" pitchFamily="34" charset="0"/>
+              <a:buChar char="•"/>
+            </a:pPr>
+            <a:r>
+              <a:rPr lang="en-IN" dirty="0">
+                <a:latin typeface="Arial" panose="020B0604020202020204" pitchFamily="34" charset="0"/>
+                <a:cs typeface="Arial" panose="020B0604020202020204" pitchFamily="34" charset="0"/>
+              </a:rPr>
+              <a:t>Bouncy Castle library reference from </a:t>
+            </a:r>
+            <a:r>
+              <a:rPr lang="en-IN" dirty="0">
+                <a:latin typeface="Arial" panose="020B0604020202020204" pitchFamily="34" charset="0"/>
+                <a:cs typeface="Arial" panose="020B0604020202020204" pitchFamily="34" charset="0"/>
+                <a:hlinkClick r:id="rId7"/>
+              </a:rPr>
+              <a:t>bouncycastle.org</a:t>
+            </a:r>
+            <a:endParaRPr lang="en-IN" dirty="0">
+              <a:latin typeface="Arial" panose="020B0604020202020204" pitchFamily="34" charset="0"/>
+              <a:cs typeface="Arial" panose="020B0604020202020204" pitchFamily="34" charset="0"/>
+            </a:endParaRPr>
+          </a:p>
+          <a:p>
+            <a:pPr marL="285750" indent="-285750" algn="just">
+              <a:lnSpc>
+                <a:spcPct val="115000"/>
+              </a:lnSpc>
+              <a:buFont typeface="Arial" panose="020B0604020202020204" pitchFamily="34" charset="0"/>
+              <a:buChar char="•"/>
+            </a:pPr>
+            <a:endParaRPr lang="en-IN" dirty="0">
+              <a:latin typeface="Arial" panose="020B0604020202020204" pitchFamily="34" charset="0"/>
+              <a:cs typeface="Arial" panose="020B0604020202020204" pitchFamily="34" charset="0"/>
+            </a:endParaRPr>
+          </a:p>
+          <a:p>
+            <a:pPr marL="285750" indent="-285750" algn="just">
+              <a:lnSpc>
+                <a:spcPct val="115000"/>
+              </a:lnSpc>
+              <a:buFont typeface="Arial" panose="020B0604020202020204" pitchFamily="34" charset="0"/>
+              <a:buChar char="•"/>
+            </a:pPr>
+            <a:r>
+              <a:rPr lang="en-IN" dirty="0">
+                <a:latin typeface="Arial" panose="020B0604020202020204" pitchFamily="34" charset="0"/>
+                <a:cs typeface="Arial" panose="020B0604020202020204" pitchFamily="34" charset="0"/>
+              </a:rPr>
+              <a:t>Jenkins automation tool reference retrieved from </a:t>
+            </a:r>
+            <a:r>
+              <a:rPr lang="en-IN" dirty="0">
+                <a:latin typeface="Arial" panose="020B0604020202020204" pitchFamily="34" charset="0"/>
+                <a:cs typeface="Arial" panose="020B0604020202020204" pitchFamily="34" charset="0"/>
+                <a:hlinkClick r:id="rId8"/>
+              </a:rPr>
+              <a:t>Jenkins User Documentation</a:t>
+            </a:r>
+            <a:r>
+              <a:rPr lang="en-IN" dirty="0">
+                <a:latin typeface="Arial" panose="020B0604020202020204" pitchFamily="34" charset="0"/>
+                <a:cs typeface="Arial" panose="020B0604020202020204" pitchFamily="34" charset="0"/>
+              </a:rPr>
+              <a:t>.</a:t>
+            </a:r>
+          </a:p>
+          <a:p>
+            <a:pPr marL="285750" indent="-285750" algn="just">
+              <a:lnSpc>
+                <a:spcPct val="115000"/>
+              </a:lnSpc>
+              <a:buFont typeface="Arial" panose="020B0604020202020204" pitchFamily="34" charset="0"/>
+              <a:buChar char="•"/>
+            </a:pPr>
+            <a:endParaRPr lang="en-IN" dirty="0">
+              <a:latin typeface="Arial" panose="020B0604020202020204" pitchFamily="34" charset="0"/>
+              <a:cs typeface="Arial" panose="020B0604020202020204" pitchFamily="34" charset="0"/>
+            </a:endParaRPr>
+          </a:p>
+          <a:p>
+            <a:pPr marL="285750" indent="-285750" algn="just">
+              <a:lnSpc>
+                <a:spcPct val="115000"/>
+              </a:lnSpc>
+              <a:buFont typeface="Arial" panose="020B0604020202020204" pitchFamily="34" charset="0"/>
+              <a:buChar char="•"/>
+            </a:pPr>
+            <a:r>
+              <a:rPr lang="en-IN" dirty="0">
                 <a:effectLst/>
-                <a:latin typeface="Bahnschrift" panose="020B0502040204020203" pitchFamily="34" charset="0"/>
+                <a:latin typeface="Arial" panose="020B0604020202020204" pitchFamily="34" charset="0"/>
                 <a:ea typeface="Arial" panose="020B0604020202020204" pitchFamily="34" charset="0"/>
-              </a:rPr>
-              <a:t>Entity Class</a:t>
+                <a:cs typeface="Arial" panose="020B0604020202020204" pitchFamily="34" charset="0"/>
+              </a:rPr>
+              <a:t>Docker Documentation. (2021). Retrieved from </a:t>
+            </a:r>
+            <a:r>
+              <a:rPr lang="en-IN" dirty="0">
+                <a:effectLst/>
+                <a:latin typeface="Arial" panose="020B0604020202020204" pitchFamily="34" charset="0"/>
+                <a:ea typeface="Arial" panose="020B0604020202020204" pitchFamily="34" charset="0"/>
+                <a:cs typeface="Arial" panose="020B0604020202020204" pitchFamily="34" charset="0"/>
+                <a:hlinkClick r:id="rId9"/>
+              </a:rPr>
+              <a:t>https://docs.docker.com/</a:t>
+            </a:r>
+            <a:endParaRPr lang="en-IN" dirty="0">
+              <a:effectLst/>
+              <a:latin typeface="Arial" panose="020B0604020202020204" pitchFamily="34" charset="0"/>
+              <a:ea typeface="Arial" panose="020B0604020202020204" pitchFamily="34" charset="0"/>
+              <a:cs typeface="Arial" panose="020B0604020202020204" pitchFamily="34" charset="0"/>
+            </a:endParaRPr>
+          </a:p>
+          <a:p>
+            <a:pPr marL="285750" indent="-285750" algn="just">
+              <a:lnSpc>
+                <a:spcPct val="115000"/>
+              </a:lnSpc>
+              <a:buFont typeface="Arial" panose="020B0604020202020204" pitchFamily="34" charset="0"/>
+              <a:buChar char="•"/>
+            </a:pPr>
+            <a:endParaRPr lang="en-IN" dirty="0">
+              <a:latin typeface="Arial" panose="020B0604020202020204" pitchFamily="34" charset="0"/>
+              <a:ea typeface="Arial" panose="020B0604020202020204" pitchFamily="34" charset="0"/>
+              <a:cs typeface="Arial" panose="020B0604020202020204" pitchFamily="34" charset="0"/>
+            </a:endParaRPr>
+          </a:p>
+          <a:p>
+            <a:pPr marL="285750" indent="-285750" algn="just">
+              <a:lnSpc>
+                <a:spcPct val="115000"/>
+              </a:lnSpc>
+              <a:buFont typeface="Arial" panose="020B0604020202020204" pitchFamily="34" charset="0"/>
+              <a:buChar char="•"/>
+            </a:pPr>
+            <a:r>
+              <a:rPr lang="en-IN" dirty="0">
+                <a:effectLst/>
+                <a:latin typeface="Arial" panose="020B0604020202020204" pitchFamily="34" charset="0"/>
+                <a:ea typeface="Arial" panose="020B0604020202020204" pitchFamily="34" charset="0"/>
+                <a:cs typeface="Arial" panose="020B0604020202020204" pitchFamily="34" charset="0"/>
+              </a:rPr>
+              <a:t>Kubernetes Documentation. (2021). Retrieved from </a:t>
+            </a:r>
+            <a:r>
+              <a:rPr lang="en-IN" b="0" i="0" u="sng" dirty="0">
+                <a:effectLst/>
+                <a:latin typeface="Arial" panose="020B0604020202020204" pitchFamily="34" charset="0"/>
+                <a:cs typeface="Arial" panose="020B0604020202020204" pitchFamily="34" charset="0"/>
+                <a:hlinkClick r:id="rId10"/>
+              </a:rPr>
+              <a:t>https://kubernetes.io/docs/home/</a:t>
+            </a:r>
+            <a:endParaRPr lang="en-IN" b="0" i="0" u="sng" dirty="0">
+              <a:effectLst/>
+              <a:latin typeface="Arial" panose="020B0604020202020204" pitchFamily="34" charset="0"/>
+              <a:cs typeface="Arial" panose="020B0604020202020204" pitchFamily="34" charset="0"/>
+            </a:endParaRPr>
+          </a:p>
+          <a:p>
+            <a:pPr marL="285750" indent="-285750" algn="just">
+              <a:lnSpc>
+                <a:spcPct val="115000"/>
+              </a:lnSpc>
+              <a:buFont typeface="Arial" panose="020B0604020202020204" pitchFamily="34" charset="0"/>
+              <a:buChar char="•"/>
+            </a:pPr>
+            <a:endParaRPr lang="en-IN" u="sng" dirty="0">
+              <a:solidFill>
+                <a:schemeClr val="accent5">
+                  <a:lumMod val="75000"/>
+                </a:schemeClr>
+              </a:solidFill>
+              <a:latin typeface="Arial" panose="020B0604020202020204" pitchFamily="34" charset="0"/>
+              <a:ea typeface="Arial" panose="020B0604020202020204" pitchFamily="34" charset="0"/>
+              <a:cs typeface="Arial" panose="020B0604020202020204" pitchFamily="34" charset="0"/>
+            </a:endParaRPr>
+          </a:p>
+          <a:p>
+            <a:pPr marL="285750" indent="-285750" algn="l" fontAlgn="ctr">
+              <a:buFont typeface="Arial" panose="020B0604020202020204" pitchFamily="34" charset="0"/>
+              <a:buChar char="•"/>
+            </a:pPr>
+            <a:r>
+              <a:rPr lang="en-IN" dirty="0">
+                <a:effectLst/>
+                <a:latin typeface="Arial" panose="020B0604020202020204" pitchFamily="34" charset="0"/>
+                <a:ea typeface="Arial" panose="020B0604020202020204" pitchFamily="34" charset="0"/>
+                <a:cs typeface="Arial" panose="020B0604020202020204" pitchFamily="34" charset="0"/>
+              </a:rPr>
+              <a:t>Under Guidance of Mr. </a:t>
+            </a:r>
+            <a:r>
+              <a:rPr lang="en-IN" i="0" dirty="0">
+                <a:effectLst/>
+                <a:latin typeface="Arial" panose="020B0604020202020204" pitchFamily="34" charset="0"/>
+                <a:cs typeface="Arial" panose="020B0604020202020204" pitchFamily="34" charset="0"/>
+              </a:rPr>
+              <a:t>Javeed Mohammed Husnuddin Sir</a:t>
             </a:r>
           </a:p>
         </p:txBody>
       </p:sp>
-      <p:sp>
-        <p:nvSpPr>
-          <p:cNvPr id="9" name="TextBox 8">
-            <a:extLst>
-              <a:ext uri="{FF2B5EF4-FFF2-40B4-BE49-F238E27FC236}">
-                <a16:creationId xmlns:a16="http://schemas.microsoft.com/office/drawing/2014/main" id="{6EFC0530-9B9F-4025-AECD-21FC40BAD8C5}"/>
-              </a:ext>
-            </a:extLst>
-          </p:cNvPr>
-          <p:cNvSpPr txBox="1"/>
-          <p:nvPr/>
-        </p:nvSpPr>
-        <p:spPr>
-          <a:xfrm>
-            <a:off x="4365170" y="911994"/>
-            <a:ext cx="3283859" cy="369332"/>
-          </a:xfrm>
-          <a:prstGeom prst="rect">
-            <a:avLst/>
-          </a:prstGeom>
-        </p:spPr>
-        <p:style>
-          <a:lnRef idx="1">
-            <a:schemeClr val="accent3"/>
-          </a:lnRef>
-          <a:fillRef idx="2">
-            <a:schemeClr val="accent3"/>
-          </a:fillRef>
-          <a:effectRef idx="1">
-            <a:schemeClr val="accent3"/>
-          </a:effectRef>
-          <a:fontRef idx="minor">
-            <a:schemeClr val="dk1"/>
-          </a:fontRef>
-        </p:style>
-        <p:txBody>
-          <a:bodyPr wrap="square" rtlCol="0">
-            <a:spAutoFit/>
-          </a:bodyPr>
-          <a:lstStyle/>
-          <a:p>
-            <a:r>
-              <a:rPr lang="en-IN" dirty="0"/>
-              <a:t>Structure of Spring boot project</a:t>
-            </a:r>
-          </a:p>
-        </p:txBody>
-      </p:sp>
-      <p:sp>
-        <p:nvSpPr>
-          <p:cNvPr id="23" name="TextBox 22">
-            <a:extLst>
-              <a:ext uri="{FF2B5EF4-FFF2-40B4-BE49-F238E27FC236}">
-                <a16:creationId xmlns:a16="http://schemas.microsoft.com/office/drawing/2014/main" id="{47AEC542-BB99-4B57-538C-516CAE53B6E7}"/>
-              </a:ext>
-            </a:extLst>
-          </p:cNvPr>
-          <p:cNvSpPr txBox="1"/>
-          <p:nvPr/>
-        </p:nvSpPr>
-        <p:spPr>
-          <a:xfrm>
-            <a:off x="7887625" y="1398395"/>
-            <a:ext cx="1868343" cy="307777"/>
-          </a:xfrm>
-          <a:prstGeom prst="rect">
-            <a:avLst/>
-          </a:prstGeom>
-          <a:noFill/>
-        </p:spPr>
-        <p:txBody>
-          <a:bodyPr wrap="square" rtlCol="0">
-            <a:spAutoFit/>
-          </a:bodyPr>
-          <a:lstStyle/>
-          <a:p>
-            <a:r>
-              <a:rPr lang="en-IN" sz="1400" dirty="0">
-                <a:latin typeface="Bahnschrift" panose="020B0502040204020203" pitchFamily="34" charset="0"/>
-              </a:rPr>
-              <a:t>Employee Controller</a:t>
-            </a:r>
-          </a:p>
-        </p:txBody>
-      </p:sp>
-      <p:pic>
-        <p:nvPicPr>
-          <p:cNvPr id="11" name="Picture 10">
-            <a:extLst>
-              <a:ext uri="{FF2B5EF4-FFF2-40B4-BE49-F238E27FC236}">
-                <a16:creationId xmlns:a16="http://schemas.microsoft.com/office/drawing/2014/main" id="{7694634D-2D86-A106-FD62-2B1CCD8DEB03}"/>
-              </a:ext>
-            </a:extLst>
-          </p:cNvPr>
-          <p:cNvPicPr>
-            <a:picLocks noChangeAspect="1"/>
-          </p:cNvPicPr>
-          <p:nvPr/>
-        </p:nvPicPr>
-        <p:blipFill>
-          <a:blip r:embed="rId4"/>
-          <a:stretch>
-            <a:fillRect/>
-          </a:stretch>
-        </p:blipFill>
-        <p:spPr>
-          <a:xfrm>
-            <a:off x="5077637" y="1694730"/>
-            <a:ext cx="7015130" cy="5039900"/>
-          </a:xfrm>
-          <a:prstGeom prst="rect">
-            <a:avLst/>
-          </a:prstGeom>
-        </p:spPr>
-      </p:pic>
-      <p:pic>
-        <p:nvPicPr>
-          <p:cNvPr id="15" name="Picture 14">
-            <a:extLst>
-              <a:ext uri="{FF2B5EF4-FFF2-40B4-BE49-F238E27FC236}">
-                <a16:creationId xmlns:a16="http://schemas.microsoft.com/office/drawing/2014/main" id="{F57A3D72-CC62-E8F8-3B71-28BC14957184}"/>
-              </a:ext>
-            </a:extLst>
-          </p:cNvPr>
-          <p:cNvPicPr>
-            <a:picLocks noChangeAspect="1"/>
-          </p:cNvPicPr>
-          <p:nvPr/>
-        </p:nvPicPr>
-        <p:blipFill>
-          <a:blip r:embed="rId5"/>
-          <a:stretch>
-            <a:fillRect/>
-          </a:stretch>
-        </p:blipFill>
-        <p:spPr>
-          <a:xfrm>
-            <a:off x="99232" y="1706172"/>
-            <a:ext cx="4879171" cy="5028458"/>
-          </a:xfrm>
-          <a:prstGeom prst="rect">
-            <a:avLst/>
-          </a:prstGeom>
-        </p:spPr>
-      </p:pic>
     </p:spTree>
     <p:extLst>
       <p:ext uri="{BB962C8B-B14F-4D97-AF65-F5344CB8AC3E}">
-        <p14:creationId xmlns:p14="http://schemas.microsoft.com/office/powerpoint/2010/main" val="2714149063"/>
+        <p14:creationId xmlns:p14="http://schemas.microsoft.com/office/powerpoint/2010/main" val="1694362061"/>
       </p:ext>
     </p:extLst>
   </p:cSld>
@@ -13804,39 +13887,63 @@
           </a:bodyPr>
           <a:lstStyle/>
           <a:p>
-            <a:pPr marL="0" marR="0" lvl="0" indent="0" algn="l" defTabSz="914400" rtl="0" eaLnBrk="1" fontAlgn="auto" latinLnBrk="0" hangingPunct="1">
+            <a:pPr>
               <a:lnSpc>
                 <a:spcPct val="115000"/>
               </a:lnSpc>
-              <a:spcBef>
-                <a:spcPts val="0"/>
-              </a:spcBef>
-              <a:spcAft>
-                <a:spcPts val="0"/>
-              </a:spcAft>
-              <a:buClrTx/>
-              <a:buSzTx/>
-              <a:buFontTx/>
-              <a:buNone/>
-              <a:tabLst/>
-              <a:defRPr/>
             </a:pPr>
             <a:r>
-              <a:rPr kumimoji="0" lang="en-IN" sz="2400" b="1" i="0" u="none" strike="noStrike" kern="1200" cap="none" spc="0" normalizeH="0" baseline="0" noProof="0" dirty="0">
-                <a:ln>
-                  <a:noFill/>
-                </a:ln>
+              <a:rPr lang="en-IN" sz="2400" b="1" dirty="0">
                 <a:solidFill>
-                  <a:prstClr val="white"/>
+                  <a:schemeClr val="bg1"/>
                 </a:solidFill>
+                <a:latin typeface="Times New Roman" panose="02020603050405020304" pitchFamily="18" charset="0"/>
+              </a:rPr>
+              <a:t>Appendices</a:t>
+            </a:r>
+          </a:p>
+        </p:txBody>
+      </p:sp>
+      <p:sp>
+        <p:nvSpPr>
+          <p:cNvPr id="7" name="TextBox 6">
+            <a:extLst>
+              <a:ext uri="{FF2B5EF4-FFF2-40B4-BE49-F238E27FC236}">
+                <a16:creationId xmlns:a16="http://schemas.microsoft.com/office/drawing/2014/main" id="{1A521886-A1DC-C1EC-6392-5263384F6C69}"/>
+              </a:ext>
+            </a:extLst>
+          </p:cNvPr>
+          <p:cNvSpPr txBox="1"/>
+          <p:nvPr/>
+        </p:nvSpPr>
+        <p:spPr>
+          <a:xfrm>
+            <a:off x="1929094" y="1391021"/>
+            <a:ext cx="1219446" cy="315151"/>
+          </a:xfrm>
+          <a:prstGeom prst="rect">
+            <a:avLst/>
+          </a:prstGeom>
+          <a:noFill/>
+        </p:spPr>
+        <p:txBody>
+          <a:bodyPr wrap="square">
+            <a:spAutoFit/>
+          </a:bodyPr>
+          <a:lstStyle/>
+          <a:p>
+            <a:pPr algn="just">
+              <a:lnSpc>
+                <a:spcPct val="115000"/>
+              </a:lnSpc>
+            </a:pPr>
+            <a:r>
+              <a:rPr lang="en-IN" sz="1400" dirty="0">
                 <a:effectLst/>
-                <a:uLnTx/>
-                <a:uFillTx/>
-                <a:latin typeface="Times New Roman" panose="02020603050405020304" pitchFamily="18" charset="0"/>
-                <a:ea typeface="+mn-ea"/>
-                <a:cs typeface="+mn-cs"/>
-              </a:rPr>
-              <a:t>Appendices</a:t>
+                <a:latin typeface="Bahnschrift" panose="020B0502040204020203" pitchFamily="34" charset="0"/>
+                <a:ea typeface="Arial" panose="020B0604020202020204" pitchFamily="34" charset="0"/>
+              </a:rPr>
+              <a:t>Entity Class</a:t>
             </a:r>
           </a:p>
         </p:txBody>
@@ -13855,7 +13962,7 @@
         </p:nvSpPr>
         <p:spPr>
           <a:xfrm>
-            <a:off x="0" y="911994"/>
+            <a:off x="4365170" y="911994"/>
             <a:ext cx="3283859" cy="369332"/>
           </a:xfrm>
           <a:prstGeom prst="rect">
@@ -13882,38 +13989,8 @@
           </a:bodyPr>
           <a:lstStyle/>
           <a:p>
-            <a:pPr marL="0" marR="0" lvl="0" indent="0" algn="l" defTabSz="914400" rtl="0" eaLnBrk="1" fontAlgn="auto" latinLnBrk="0" hangingPunct="1">
-              <a:lnSpc>
-                <a:spcPct val="100000"/>
-              </a:lnSpc>
-              <a:spcBef>
-                <a:spcPts val="0"/>
-              </a:spcBef>
-              <a:spcAft>
-                <a:spcPts val="0"/>
-              </a:spcAft>
-              <a:buClrTx/>
-              <a:buSzTx/>
-              <a:buFontTx/>
-              <a:buNone/>
-              <a:tabLst/>
-              <a:defRPr/>
-            </a:pPr>
-            <a:r>
-              <a:rPr kumimoji="0" lang="en-IN" sz="1800" b="0" i="0" u="none" strike="noStrike" kern="1200" cap="none" spc="0" normalizeH="0" baseline="0" noProof="0" dirty="0">
-                <a:ln>
-                  <a:noFill/>
-                </a:ln>
-                <a:solidFill>
-                  <a:prstClr val="black"/>
-                </a:solidFill>
-                <a:effectLst/>
-                <a:uLnTx/>
-                <a:uFillTx/>
-                <a:latin typeface="Calibri" panose="020F0502020204030204"/>
-                <a:ea typeface="+mn-ea"/>
-                <a:cs typeface="+mn-cs"/>
-              </a:rPr>
+            <a:r>
+              <a:rPr lang="en-IN" dirty="0"/>
               <a:t>Structure of Spring boot project</a:t>
             </a:r>
           </a:p>
@@ -13921,10 +13998,10 @@
       </p:sp>
       <p:sp>
         <p:nvSpPr>
-          <p:cNvPr id="10" name="TextBox 9">
-            <a:extLst>
-              <a:ext uri="{FF2B5EF4-FFF2-40B4-BE49-F238E27FC236}">
-                <a16:creationId xmlns:a16="http://schemas.microsoft.com/office/drawing/2014/main" id="{61C538E0-86F4-9279-B451-3B47EDB4B592}"/>
+          <p:cNvPr id="23" name="TextBox 22">
+            <a:extLst>
+              <a:ext uri="{FF2B5EF4-FFF2-40B4-BE49-F238E27FC236}">
+                <a16:creationId xmlns:a16="http://schemas.microsoft.com/office/drawing/2014/main" id="{47AEC542-BB99-4B57-538C-516CAE53B6E7}"/>
               </a:ext>
             </a:extLst>
           </p:cNvPr>
@@ -13933,8 +14010,8 @@
         </p:nvSpPr>
         <p:spPr>
           <a:xfrm>
-            <a:off x="1735985" y="1796683"/>
-            <a:ext cx="2293784" cy="307777"/>
+            <a:off x="7887625" y="1398395"/>
+            <a:ext cx="1868343" cy="307777"/>
           </a:xfrm>
           <a:prstGeom prst="rect">
             <a:avLst/>
@@ -13951,17 +14028,17 @@
               <a:rPr lang="en-IN" sz="1400" dirty="0">
                 <a:latin typeface="Bahnschrift" panose="020B0502040204020203" pitchFamily="34" charset="0"/>
               </a:rPr>
-              <a:t>JPA Repository interface</a:t>
+              <a:t>Employee Controller</a:t>
             </a:r>
           </a:p>
         </p:txBody>
       </p:sp>
       <p:pic>
         <p:nvPicPr>
-          <p:cNvPr id="15" name="Picture 14">
-            <a:extLst>
-              <a:ext uri="{FF2B5EF4-FFF2-40B4-BE49-F238E27FC236}">
-                <a16:creationId xmlns:a16="http://schemas.microsoft.com/office/drawing/2014/main" id="{BAD9BE89-D56E-28CC-F44A-84A941456B89}"/>
+          <p:cNvPr id="11" name="Picture 10">
+            <a:extLst>
+              <a:ext uri="{FF2B5EF4-FFF2-40B4-BE49-F238E27FC236}">
+                <a16:creationId xmlns:a16="http://schemas.microsoft.com/office/drawing/2014/main" id="{7694634D-2D86-A106-FD62-2B1CCD8DEB03}"/>
               </a:ext>
             </a:extLst>
           </p:cNvPr>
@@ -13978,232 +14055,20 @@
         </p:blipFill>
         <p:spPr>
           <a:xfrm>
-            <a:off x="4630057" y="4145393"/>
-            <a:ext cx="7397083" cy="2588187"/>
+            <a:off x="5077637" y="1694730"/>
+            <a:ext cx="7015130" cy="5039900"/>
           </a:xfrm>
           <a:prstGeom prst="rect">
             <a:avLst/>
           </a:prstGeom>
         </p:spPr>
       </p:pic>
-      <p:sp>
-        <p:nvSpPr>
-          <p:cNvPr id="16" name="TextBox 15">
-            <a:extLst>
-              <a:ext uri="{FF2B5EF4-FFF2-40B4-BE49-F238E27FC236}">
-                <a16:creationId xmlns:a16="http://schemas.microsoft.com/office/drawing/2014/main" id="{500DAC5D-7AAA-E36A-0AAB-82919B96CDDE}"/>
-              </a:ext>
-            </a:extLst>
-          </p:cNvPr>
-          <p:cNvSpPr txBox="1"/>
-          <p:nvPr/>
-        </p:nvSpPr>
-        <p:spPr>
-          <a:xfrm>
-            <a:off x="1199237" y="3247323"/>
-            <a:ext cx="2770310" cy="307777"/>
-          </a:xfrm>
-          <a:prstGeom prst="rect">
-            <a:avLst/>
-          </a:prstGeom>
-          <a:noFill/>
-        </p:spPr>
-        <p:txBody>
-          <a:bodyPr wrap="none" rtlCol="0">
-            <a:spAutoFit/>
-          </a:bodyPr>
-          <a:lstStyle/>
-          <a:p>
-            <a:r>
-              <a:rPr lang="en-IN" sz="1400" dirty="0">
-                <a:latin typeface="Bahnschrift" panose="020B0502040204020203" pitchFamily="34" charset="0"/>
-              </a:rPr>
-              <a:t>EmployeeSpecification Interface</a:t>
-            </a:r>
-          </a:p>
-        </p:txBody>
-      </p:sp>
-      <p:sp>
-        <p:nvSpPr>
-          <p:cNvPr id="17" name="TextBox 16">
-            <a:extLst>
-              <a:ext uri="{FF2B5EF4-FFF2-40B4-BE49-F238E27FC236}">
-                <a16:creationId xmlns:a16="http://schemas.microsoft.com/office/drawing/2014/main" id="{D7A482D9-A3E1-8B57-C375-1A6EDD09A6AD}"/>
-              </a:ext>
-            </a:extLst>
-          </p:cNvPr>
-          <p:cNvSpPr txBox="1"/>
-          <p:nvPr/>
-        </p:nvSpPr>
-        <p:spPr>
-          <a:xfrm>
-            <a:off x="1684759" y="5131708"/>
-            <a:ext cx="2047355" cy="307777"/>
-          </a:xfrm>
-          <a:prstGeom prst="rect">
-            <a:avLst/>
-          </a:prstGeom>
-          <a:noFill/>
-        </p:spPr>
-        <p:txBody>
-          <a:bodyPr wrap="none" rtlCol="0">
-            <a:spAutoFit/>
-          </a:bodyPr>
-          <a:lstStyle/>
-          <a:p>
-            <a:r>
-              <a:rPr lang="en-IN" sz="1400" dirty="0">
-                <a:latin typeface="Bahnschrift" panose="020B0502040204020203" pitchFamily="34" charset="0"/>
-              </a:rPr>
-              <a:t>EmployeeService class</a:t>
-            </a:r>
-          </a:p>
-        </p:txBody>
-      </p:sp>
-      <p:sp>
-        <p:nvSpPr>
-          <p:cNvPr id="22" name="Arrow: Right 21">
-            <a:extLst>
-              <a:ext uri="{FF2B5EF4-FFF2-40B4-BE49-F238E27FC236}">
-                <a16:creationId xmlns:a16="http://schemas.microsoft.com/office/drawing/2014/main" id="{D275EEBC-49C9-59AC-6328-DA58277C6280}"/>
-              </a:ext>
-            </a:extLst>
-          </p:cNvPr>
-          <p:cNvSpPr/>
-          <p:nvPr/>
-        </p:nvSpPr>
-        <p:spPr>
-          <a:xfrm>
-            <a:off x="3941623" y="1793966"/>
-            <a:ext cx="435428" cy="307777"/>
-          </a:xfrm>
-          <a:prstGeom prst="rightArrow">
-            <a:avLst/>
-          </a:prstGeom>
-        </p:spPr>
-        <p:style>
-          <a:lnRef idx="2">
-            <a:schemeClr val="accent1">
-              <a:shade val="50000"/>
-            </a:schemeClr>
-          </a:lnRef>
-          <a:fillRef idx="1">
-            <a:schemeClr val="accent1"/>
-          </a:fillRef>
-          <a:effectRef idx="0">
-            <a:schemeClr val="accent1"/>
-          </a:effectRef>
-          <a:fontRef idx="minor">
-            <a:schemeClr val="lt1"/>
-          </a:fontRef>
-        </p:style>
-        <p:txBody>
-          <a:bodyPr rtlCol="0" anchor="ctr"/>
-          <a:lstStyle/>
-          <a:p>
-            <a:pPr algn="ctr"/>
-            <a:endParaRPr lang="en-IN" dirty="0"/>
-          </a:p>
-        </p:txBody>
-      </p:sp>
-      <p:sp>
-        <p:nvSpPr>
-          <p:cNvPr id="23" name="Arrow: Right 22">
-            <a:extLst>
-              <a:ext uri="{FF2B5EF4-FFF2-40B4-BE49-F238E27FC236}">
-                <a16:creationId xmlns:a16="http://schemas.microsoft.com/office/drawing/2014/main" id="{CE965569-BA7F-29A2-A39A-D51A2D28FA12}"/>
-              </a:ext>
-            </a:extLst>
-          </p:cNvPr>
-          <p:cNvSpPr/>
-          <p:nvPr/>
-        </p:nvSpPr>
-        <p:spPr>
-          <a:xfrm>
-            <a:off x="3969547" y="3247323"/>
-            <a:ext cx="435428" cy="307777"/>
-          </a:xfrm>
-          <a:prstGeom prst="rightArrow">
-            <a:avLst/>
-          </a:prstGeom>
-        </p:spPr>
-        <p:style>
-          <a:lnRef idx="2">
-            <a:schemeClr val="accent1">
-              <a:shade val="50000"/>
-            </a:schemeClr>
-          </a:lnRef>
-          <a:fillRef idx="1">
-            <a:schemeClr val="accent1"/>
-          </a:fillRef>
-          <a:effectRef idx="0">
-            <a:schemeClr val="accent1"/>
-          </a:effectRef>
-          <a:fontRef idx="minor">
-            <a:schemeClr val="lt1"/>
-          </a:fontRef>
-        </p:style>
-        <p:txBody>
-          <a:bodyPr rtlCol="0" anchor="ctr"/>
-          <a:lstStyle/>
-          <a:p>
-            <a:pPr algn="ctr"/>
-            <a:endParaRPr lang="en-IN"/>
-          </a:p>
-        </p:txBody>
-      </p:sp>
-      <p:sp>
-        <p:nvSpPr>
-          <p:cNvPr id="24" name="Arrow: Right 23">
-            <a:extLst>
-              <a:ext uri="{FF2B5EF4-FFF2-40B4-BE49-F238E27FC236}">
-                <a16:creationId xmlns:a16="http://schemas.microsoft.com/office/drawing/2014/main" id="{3C786F4F-818A-2332-B5A3-5C8DEC5DC6A0}"/>
-              </a:ext>
-            </a:extLst>
-          </p:cNvPr>
-          <p:cNvSpPr/>
-          <p:nvPr/>
-        </p:nvSpPr>
-        <p:spPr>
-          <a:xfrm>
-            <a:off x="3922745" y="5131708"/>
-            <a:ext cx="462513" cy="307777"/>
-          </a:xfrm>
-          <a:prstGeom prst="rightArrow">
-            <a:avLst/>
-          </a:prstGeom>
-        </p:spPr>
-        <p:style>
-          <a:lnRef idx="2">
-            <a:schemeClr val="accent1">
-              <a:shade val="50000"/>
-            </a:schemeClr>
-          </a:lnRef>
-          <a:fillRef idx="1">
-            <a:schemeClr val="accent1"/>
-          </a:fillRef>
-          <a:effectRef idx="0">
-            <a:schemeClr val="accent1"/>
-          </a:effectRef>
-          <a:fontRef idx="minor">
-            <a:schemeClr val="lt1"/>
-          </a:fontRef>
-        </p:style>
-        <p:txBody>
-          <a:bodyPr rtlCol="0" anchor="ctr"/>
-          <a:lstStyle/>
-          <a:p>
-            <a:pPr algn="ctr"/>
-            <a:endParaRPr lang="en-IN"/>
-          </a:p>
-        </p:txBody>
-      </p:sp>
       <p:pic>
         <p:nvPicPr>
-          <p:cNvPr id="26" name="Picture 25">
-            <a:extLst>
-              <a:ext uri="{FF2B5EF4-FFF2-40B4-BE49-F238E27FC236}">
-                <a16:creationId xmlns:a16="http://schemas.microsoft.com/office/drawing/2014/main" id="{29B59F12-5CCD-FFD3-CA62-3438BFBFB832}"/>
+          <p:cNvPr id="15" name="Picture 14">
+            <a:extLst>
+              <a:ext uri="{FF2B5EF4-FFF2-40B4-BE49-F238E27FC236}">
+                <a16:creationId xmlns:a16="http://schemas.microsoft.com/office/drawing/2014/main" id="{F57A3D72-CC62-E8F8-3B71-28BC14957184}"/>
               </a:ext>
             </a:extLst>
           </p:cNvPr>
@@ -14220,38 +14085,8 @@
         </p:blipFill>
         <p:spPr>
           <a:xfrm>
-            <a:off x="4630057" y="1250713"/>
-            <a:ext cx="7397083" cy="1378394"/>
-          </a:xfrm>
-          <a:prstGeom prst="rect">
-            <a:avLst/>
-          </a:prstGeom>
-        </p:spPr>
-      </p:pic>
-      <p:pic>
-        <p:nvPicPr>
-          <p:cNvPr id="3" name="Picture 2">
-            <a:extLst>
-              <a:ext uri="{FF2B5EF4-FFF2-40B4-BE49-F238E27FC236}">
-                <a16:creationId xmlns:a16="http://schemas.microsoft.com/office/drawing/2014/main" id="{93CDFD62-AF7A-F83C-CBF9-1217BF291355}"/>
-              </a:ext>
-            </a:extLst>
-          </p:cNvPr>
-          <p:cNvPicPr>
-            <a:picLocks noChangeAspect="1"/>
-          </p:cNvPicPr>
-          <p:nvPr/>
-        </p:nvPicPr>
-        <p:blipFill>
-          <a:blip r:embed="rId6"/>
-          <a:stretch>
-            <a:fillRect/>
-          </a:stretch>
-        </p:blipFill>
-        <p:spPr>
-          <a:xfrm>
-            <a:off x="4630057" y="2712607"/>
-            <a:ext cx="7397082" cy="1378394"/>
+            <a:off x="99232" y="1706172"/>
+            <a:ext cx="4879171" cy="5028458"/>
           </a:xfrm>
           <a:prstGeom prst="rect">
             <a:avLst/>
@@ -14261,7 +14096,7 @@
     </p:spTree>
     <p:extLst>
       <p:ext uri="{BB962C8B-B14F-4D97-AF65-F5344CB8AC3E}">
-        <p14:creationId xmlns:p14="http://schemas.microsoft.com/office/powerpoint/2010/main" val="3406773361"/>
+        <p14:creationId xmlns:p14="http://schemas.microsoft.com/office/powerpoint/2010/main" val="2714149063"/>
       </p:ext>
     </p:extLst>
   </p:cSld>
@@ -14488,7 +14323,7 @@
         </p:nvSpPr>
         <p:spPr>
           <a:xfrm>
-            <a:off x="4365170" y="911994"/>
+            <a:off x="0" y="911994"/>
             <a:ext cx="3283859" cy="369332"/>
           </a:xfrm>
           <a:prstGeom prst="rect">
@@ -14554,10 +14389,10 @@
       </p:sp>
       <p:sp>
         <p:nvSpPr>
-          <p:cNvPr id="19" name="TextBox 18">
-            <a:extLst>
-              <a:ext uri="{FF2B5EF4-FFF2-40B4-BE49-F238E27FC236}">
-                <a16:creationId xmlns:a16="http://schemas.microsoft.com/office/drawing/2014/main" id="{BD19879F-E0FA-FC0F-170B-4758E7372E9C}"/>
+          <p:cNvPr id="10" name="TextBox 9">
+            <a:extLst>
+              <a:ext uri="{FF2B5EF4-FFF2-40B4-BE49-F238E27FC236}">
+                <a16:creationId xmlns:a16="http://schemas.microsoft.com/office/drawing/2014/main" id="{61C538E0-86F4-9279-B451-3B47EDB4B592}"/>
               </a:ext>
             </a:extLst>
           </p:cNvPr>
@@ -14566,8 +14401,8 @@
         </p:nvSpPr>
         <p:spPr>
           <a:xfrm>
-            <a:off x="1260011" y="1388605"/>
-            <a:ext cx="3947882" cy="307778"/>
+            <a:off x="1735985" y="1796683"/>
+            <a:ext cx="2293784" cy="307777"/>
           </a:xfrm>
           <a:prstGeom prst="rect">
             <a:avLst/>
@@ -14584,54 +14419,17 @@
               <a:rPr lang="en-IN" sz="1400" dirty="0">
                 <a:latin typeface="Bahnschrift" panose="020B0502040204020203" pitchFamily="34" charset="0"/>
               </a:rPr>
-              <a:t>DTO Class(Encryption to AES-256 in DTO class)</a:t>
-            </a:r>
-          </a:p>
-        </p:txBody>
-      </p:sp>
-      <p:sp>
-        <p:nvSpPr>
-          <p:cNvPr id="21" name="TextBox 20">
-            <a:extLst>
-              <a:ext uri="{FF2B5EF4-FFF2-40B4-BE49-F238E27FC236}">
-                <a16:creationId xmlns:a16="http://schemas.microsoft.com/office/drawing/2014/main" id="{BAC8FEB0-4C41-A710-D22A-583BF42C1331}"/>
-              </a:ext>
-            </a:extLst>
-          </p:cNvPr>
-          <p:cNvSpPr txBox="1"/>
-          <p:nvPr/>
-        </p:nvSpPr>
-        <p:spPr>
-          <a:xfrm>
-            <a:off x="7751523" y="1388605"/>
-            <a:ext cx="3077028" cy="307778"/>
-          </a:xfrm>
-          <a:prstGeom prst="rect">
-            <a:avLst/>
-          </a:prstGeom>
-          <a:noFill/>
-        </p:spPr>
-        <p:txBody>
-          <a:bodyPr wrap="square" rtlCol="0">
-            <a:spAutoFit/>
-          </a:bodyPr>
-          <a:lstStyle/>
-          <a:p>
-            <a:r>
-              <a:rPr lang="en-IN" sz="1400" dirty="0">
-                <a:latin typeface="Bahnschrift" panose="020B0502040204020203" pitchFamily="34" charset="0"/>
-              </a:rPr>
-              <a:t>Employee Service Test using Junit</a:t>
+              <a:t>JPA Repository interface</a:t>
             </a:r>
           </a:p>
         </p:txBody>
       </p:sp>
       <p:pic>
         <p:nvPicPr>
-          <p:cNvPr id="10" name="Picture 9">
-            <a:extLst>
-              <a:ext uri="{FF2B5EF4-FFF2-40B4-BE49-F238E27FC236}">
-                <a16:creationId xmlns:a16="http://schemas.microsoft.com/office/drawing/2014/main" id="{C3DB0FF7-C5C1-3BF2-1B5E-CC5846D96AAF}"/>
+          <p:cNvPr id="15" name="Picture 14">
+            <a:extLst>
+              <a:ext uri="{FF2B5EF4-FFF2-40B4-BE49-F238E27FC236}">
+                <a16:creationId xmlns:a16="http://schemas.microsoft.com/office/drawing/2014/main" id="{BAD9BE89-D56E-28CC-F44A-84A941456B89}"/>
               </a:ext>
             </a:extLst>
           </p:cNvPr>
@@ -14648,20 +14446,232 @@
         </p:blipFill>
         <p:spPr>
           <a:xfrm>
-            <a:off x="6467904" y="1693904"/>
-            <a:ext cx="5644267" cy="5144218"/>
+            <a:off x="4630057" y="4145393"/>
+            <a:ext cx="7397083" cy="2588187"/>
           </a:xfrm>
           <a:prstGeom prst="rect">
             <a:avLst/>
           </a:prstGeom>
         </p:spPr>
       </p:pic>
+      <p:sp>
+        <p:nvSpPr>
+          <p:cNvPr id="16" name="TextBox 15">
+            <a:extLst>
+              <a:ext uri="{FF2B5EF4-FFF2-40B4-BE49-F238E27FC236}">
+                <a16:creationId xmlns:a16="http://schemas.microsoft.com/office/drawing/2014/main" id="{500DAC5D-7AAA-E36A-0AAB-82919B96CDDE}"/>
+              </a:ext>
+            </a:extLst>
+          </p:cNvPr>
+          <p:cNvSpPr txBox="1"/>
+          <p:nvPr/>
+        </p:nvSpPr>
+        <p:spPr>
+          <a:xfrm>
+            <a:off x="1199237" y="3247323"/>
+            <a:ext cx="2770310" cy="307777"/>
+          </a:xfrm>
+          <a:prstGeom prst="rect">
+            <a:avLst/>
+          </a:prstGeom>
+          <a:noFill/>
+        </p:spPr>
+        <p:txBody>
+          <a:bodyPr wrap="none" rtlCol="0">
+            <a:spAutoFit/>
+          </a:bodyPr>
+          <a:lstStyle/>
+          <a:p>
+            <a:r>
+              <a:rPr lang="en-IN" sz="1400" dirty="0">
+                <a:latin typeface="Bahnschrift" panose="020B0502040204020203" pitchFamily="34" charset="0"/>
+              </a:rPr>
+              <a:t>EmployeeSpecification Interface</a:t>
+            </a:r>
+          </a:p>
+        </p:txBody>
+      </p:sp>
+      <p:sp>
+        <p:nvSpPr>
+          <p:cNvPr id="17" name="TextBox 16">
+            <a:extLst>
+              <a:ext uri="{FF2B5EF4-FFF2-40B4-BE49-F238E27FC236}">
+                <a16:creationId xmlns:a16="http://schemas.microsoft.com/office/drawing/2014/main" id="{D7A482D9-A3E1-8B57-C375-1A6EDD09A6AD}"/>
+              </a:ext>
+            </a:extLst>
+          </p:cNvPr>
+          <p:cNvSpPr txBox="1"/>
+          <p:nvPr/>
+        </p:nvSpPr>
+        <p:spPr>
+          <a:xfrm>
+            <a:off x="1684759" y="5131708"/>
+            <a:ext cx="2047355" cy="307777"/>
+          </a:xfrm>
+          <a:prstGeom prst="rect">
+            <a:avLst/>
+          </a:prstGeom>
+          <a:noFill/>
+        </p:spPr>
+        <p:txBody>
+          <a:bodyPr wrap="none" rtlCol="0">
+            <a:spAutoFit/>
+          </a:bodyPr>
+          <a:lstStyle/>
+          <a:p>
+            <a:r>
+              <a:rPr lang="en-IN" sz="1400" dirty="0">
+                <a:latin typeface="Bahnschrift" panose="020B0502040204020203" pitchFamily="34" charset="0"/>
+              </a:rPr>
+              <a:t>EmployeeService class</a:t>
+            </a:r>
+          </a:p>
+        </p:txBody>
+      </p:sp>
+      <p:sp>
+        <p:nvSpPr>
+          <p:cNvPr id="22" name="Arrow: Right 21">
+            <a:extLst>
+              <a:ext uri="{FF2B5EF4-FFF2-40B4-BE49-F238E27FC236}">
+                <a16:creationId xmlns:a16="http://schemas.microsoft.com/office/drawing/2014/main" id="{D275EEBC-49C9-59AC-6328-DA58277C6280}"/>
+              </a:ext>
+            </a:extLst>
+          </p:cNvPr>
+          <p:cNvSpPr/>
+          <p:nvPr/>
+        </p:nvSpPr>
+        <p:spPr>
+          <a:xfrm>
+            <a:off x="3941623" y="1793966"/>
+            <a:ext cx="435428" cy="307777"/>
+          </a:xfrm>
+          <a:prstGeom prst="rightArrow">
+            <a:avLst/>
+          </a:prstGeom>
+        </p:spPr>
+        <p:style>
+          <a:lnRef idx="2">
+            <a:schemeClr val="accent1">
+              <a:shade val="50000"/>
+            </a:schemeClr>
+          </a:lnRef>
+          <a:fillRef idx="1">
+            <a:schemeClr val="accent1"/>
+          </a:fillRef>
+          <a:effectRef idx="0">
+            <a:schemeClr val="accent1"/>
+          </a:effectRef>
+          <a:fontRef idx="minor">
+            <a:schemeClr val="lt1"/>
+          </a:fontRef>
+        </p:style>
+        <p:txBody>
+          <a:bodyPr rtlCol="0" anchor="ctr"/>
+          <a:lstStyle/>
+          <a:p>
+            <a:pPr algn="ctr"/>
+            <a:endParaRPr lang="en-IN" dirty="0"/>
+          </a:p>
+        </p:txBody>
+      </p:sp>
+      <p:sp>
+        <p:nvSpPr>
+          <p:cNvPr id="23" name="Arrow: Right 22">
+            <a:extLst>
+              <a:ext uri="{FF2B5EF4-FFF2-40B4-BE49-F238E27FC236}">
+                <a16:creationId xmlns:a16="http://schemas.microsoft.com/office/drawing/2014/main" id="{CE965569-BA7F-29A2-A39A-D51A2D28FA12}"/>
+              </a:ext>
+            </a:extLst>
+          </p:cNvPr>
+          <p:cNvSpPr/>
+          <p:nvPr/>
+        </p:nvSpPr>
+        <p:spPr>
+          <a:xfrm>
+            <a:off x="3969547" y="3247323"/>
+            <a:ext cx="435428" cy="307777"/>
+          </a:xfrm>
+          <a:prstGeom prst="rightArrow">
+            <a:avLst/>
+          </a:prstGeom>
+        </p:spPr>
+        <p:style>
+          <a:lnRef idx="2">
+            <a:schemeClr val="accent1">
+              <a:shade val="50000"/>
+            </a:schemeClr>
+          </a:lnRef>
+          <a:fillRef idx="1">
+            <a:schemeClr val="accent1"/>
+          </a:fillRef>
+          <a:effectRef idx="0">
+            <a:schemeClr val="accent1"/>
+          </a:effectRef>
+          <a:fontRef idx="minor">
+            <a:schemeClr val="lt1"/>
+          </a:fontRef>
+        </p:style>
+        <p:txBody>
+          <a:bodyPr rtlCol="0" anchor="ctr"/>
+          <a:lstStyle/>
+          <a:p>
+            <a:pPr algn="ctr"/>
+            <a:endParaRPr lang="en-IN"/>
+          </a:p>
+        </p:txBody>
+      </p:sp>
+      <p:sp>
+        <p:nvSpPr>
+          <p:cNvPr id="24" name="Arrow: Right 23">
+            <a:extLst>
+              <a:ext uri="{FF2B5EF4-FFF2-40B4-BE49-F238E27FC236}">
+                <a16:creationId xmlns:a16="http://schemas.microsoft.com/office/drawing/2014/main" id="{3C786F4F-818A-2332-B5A3-5C8DEC5DC6A0}"/>
+              </a:ext>
+            </a:extLst>
+          </p:cNvPr>
+          <p:cNvSpPr/>
+          <p:nvPr/>
+        </p:nvSpPr>
+        <p:spPr>
+          <a:xfrm>
+            <a:off x="3922745" y="5131708"/>
+            <a:ext cx="462513" cy="307777"/>
+          </a:xfrm>
+          <a:prstGeom prst="rightArrow">
+            <a:avLst/>
+          </a:prstGeom>
+        </p:spPr>
+        <p:style>
+          <a:lnRef idx="2">
+            <a:schemeClr val="accent1">
+              <a:shade val="50000"/>
+            </a:schemeClr>
+          </a:lnRef>
+          <a:fillRef idx="1">
+            <a:schemeClr val="accent1"/>
+          </a:fillRef>
+          <a:effectRef idx="0">
+            <a:schemeClr val="accent1"/>
+          </a:effectRef>
+          <a:fontRef idx="minor">
+            <a:schemeClr val="lt1"/>
+          </a:fontRef>
+        </p:style>
+        <p:txBody>
+          <a:bodyPr rtlCol="0" anchor="ctr"/>
+          <a:lstStyle/>
+          <a:p>
+            <a:pPr algn="ctr"/>
+            <a:endParaRPr lang="en-IN"/>
+          </a:p>
+        </p:txBody>
+      </p:sp>
       <p:pic>
         <p:nvPicPr>
-          <p:cNvPr id="12" name="Picture 11">
-            <a:extLst>
-              <a:ext uri="{FF2B5EF4-FFF2-40B4-BE49-F238E27FC236}">
-                <a16:creationId xmlns:a16="http://schemas.microsoft.com/office/drawing/2014/main" id="{A18C500D-5BCA-08F4-AF45-6F3FDC4E66CD}"/>
+          <p:cNvPr id="26" name="Picture 25">
+            <a:extLst>
+              <a:ext uri="{FF2B5EF4-FFF2-40B4-BE49-F238E27FC236}">
+                <a16:creationId xmlns:a16="http://schemas.microsoft.com/office/drawing/2014/main" id="{29B59F12-5CCD-FFD3-CA62-3438BFBFB832}"/>
               </a:ext>
             </a:extLst>
           </p:cNvPr>
@@ -14678,8 +14688,38 @@
         </p:blipFill>
         <p:spPr>
           <a:xfrm>
-            <a:off x="79829" y="1693903"/>
-            <a:ext cx="6308245" cy="5144217"/>
+            <a:off x="4630057" y="1250713"/>
+            <a:ext cx="7397083" cy="1378394"/>
+          </a:xfrm>
+          <a:prstGeom prst="rect">
+            <a:avLst/>
+          </a:prstGeom>
+        </p:spPr>
+      </p:pic>
+      <p:pic>
+        <p:nvPicPr>
+          <p:cNvPr id="3" name="Picture 2">
+            <a:extLst>
+              <a:ext uri="{FF2B5EF4-FFF2-40B4-BE49-F238E27FC236}">
+                <a16:creationId xmlns:a16="http://schemas.microsoft.com/office/drawing/2014/main" id="{93CDFD62-AF7A-F83C-CBF9-1217BF291355}"/>
+              </a:ext>
+            </a:extLst>
+          </p:cNvPr>
+          <p:cNvPicPr>
+            <a:picLocks noChangeAspect="1"/>
+          </p:cNvPicPr>
+          <p:nvPr/>
+        </p:nvPicPr>
+        <p:blipFill>
+          <a:blip r:embed="rId6"/>
+          <a:stretch>
+            <a:fillRect/>
+          </a:stretch>
+        </p:blipFill>
+        <p:spPr>
+          <a:xfrm>
+            <a:off x="4630057" y="2712607"/>
+            <a:ext cx="7397082" cy="1378394"/>
           </a:xfrm>
           <a:prstGeom prst="rect">
             <a:avLst/>
@@ -14689,7 +14729,7 @@
     </p:spTree>
     <p:extLst>
       <p:ext uri="{BB962C8B-B14F-4D97-AF65-F5344CB8AC3E}">
-        <p14:creationId xmlns:p14="http://schemas.microsoft.com/office/powerpoint/2010/main" val="1715802902"/>
+        <p14:creationId xmlns:p14="http://schemas.microsoft.com/office/powerpoint/2010/main" val="3406773361"/>
       </p:ext>
     </p:extLst>
   </p:cSld>
@@ -15008,12 +15048,11 @@
           </a:bodyPr>
           <a:lstStyle/>
           <a:p>
-            <a:pPr algn="ctr"/>
             <a:r>
               <a:rPr lang="en-IN" sz="1400" dirty="0">
                 <a:latin typeface="Bahnschrift" panose="020B0502040204020203" pitchFamily="34" charset="0"/>
               </a:rPr>
-              <a:t>GlobalExceptionHandler Class</a:t>
+              <a:t>DTO Class(Encryption to AES-256 in DTO class)</a:t>
             </a:r>
           </a:p>
         </p:txBody>
@@ -15032,8 +15071,8 @@
         </p:nvSpPr>
         <p:spPr>
           <a:xfrm>
-            <a:off x="7174578" y="1388605"/>
-            <a:ext cx="4470399" cy="307777"/>
+            <a:off x="7751523" y="1388605"/>
+            <a:ext cx="3077028" cy="307778"/>
           </a:xfrm>
           <a:prstGeom prst="rect">
             <a:avLst/>
@@ -15050,17 +15089,17 @@
               <a:rPr lang="en-IN" sz="1400" dirty="0">
                 <a:latin typeface="Bahnschrift" panose="020B0502040204020203" pitchFamily="34" charset="0"/>
               </a:rPr>
-              <a:t>InvalidEmployeeIDException &amp; ErrorResponse Class</a:t>
+              <a:t>Employee Service Test using Junit</a:t>
             </a:r>
           </a:p>
         </p:txBody>
       </p:sp>
       <p:pic>
         <p:nvPicPr>
-          <p:cNvPr id="3" name="Picture 2">
-            <a:extLst>
-              <a:ext uri="{FF2B5EF4-FFF2-40B4-BE49-F238E27FC236}">
-                <a16:creationId xmlns:a16="http://schemas.microsoft.com/office/drawing/2014/main" id="{272518BA-4C53-7D1C-C987-7FD984384359}"/>
+          <p:cNvPr id="10" name="Picture 9">
+            <a:extLst>
+              <a:ext uri="{FF2B5EF4-FFF2-40B4-BE49-F238E27FC236}">
+                <a16:creationId xmlns:a16="http://schemas.microsoft.com/office/drawing/2014/main" id="{C3DB0FF7-C5C1-3BF2-1B5E-CC5846D96AAF}"/>
               </a:ext>
             </a:extLst>
           </p:cNvPr>
@@ -15077,8 +15116,8 @@
         </p:blipFill>
         <p:spPr>
           <a:xfrm>
-            <a:off x="101599" y="1703902"/>
-            <a:ext cx="6241143" cy="5045241"/>
+            <a:off x="6467904" y="1693904"/>
+            <a:ext cx="5644267" cy="5144218"/>
           </a:xfrm>
           <a:prstGeom prst="rect">
             <a:avLst/>
@@ -15090,7 +15129,7 @@
           <p:cNvPr id="12" name="Picture 11">
             <a:extLst>
               <a:ext uri="{FF2B5EF4-FFF2-40B4-BE49-F238E27FC236}">
-                <a16:creationId xmlns:a16="http://schemas.microsoft.com/office/drawing/2014/main" id="{19FCE2B9-BFE4-AB87-CF60-6168EAE0D415}"/>
+                <a16:creationId xmlns:a16="http://schemas.microsoft.com/office/drawing/2014/main" id="{A18C500D-5BCA-08F4-AF45-6F3FDC4E66CD}"/>
               </a:ext>
             </a:extLst>
           </p:cNvPr>
@@ -15107,38 +15146,8 @@
         </p:blipFill>
         <p:spPr>
           <a:xfrm>
-            <a:off x="6437084" y="1696384"/>
-            <a:ext cx="5646060" cy="2010284"/>
-          </a:xfrm>
-          <a:prstGeom prst="rect">
-            <a:avLst/>
-          </a:prstGeom>
-        </p:spPr>
-      </p:pic>
-      <p:pic>
-        <p:nvPicPr>
-          <p:cNvPr id="14" name="Picture 13">
-            <a:extLst>
-              <a:ext uri="{FF2B5EF4-FFF2-40B4-BE49-F238E27FC236}">
-                <a16:creationId xmlns:a16="http://schemas.microsoft.com/office/drawing/2014/main" id="{41C2A50B-DA17-85B6-381D-41BB658386E5}"/>
-              </a:ext>
-            </a:extLst>
-          </p:cNvPr>
-          <p:cNvPicPr>
-            <a:picLocks noChangeAspect="1"/>
-          </p:cNvPicPr>
-          <p:nvPr/>
-        </p:nvPicPr>
-        <p:blipFill>
-          <a:blip r:embed="rId6"/>
-          <a:stretch>
-            <a:fillRect/>
-          </a:stretch>
-        </p:blipFill>
-        <p:spPr>
-          <a:xfrm>
-            <a:off x="6444341" y="3815525"/>
-            <a:ext cx="5646060" cy="2933618"/>
+            <a:off x="79829" y="1693903"/>
+            <a:ext cx="6308245" cy="5144217"/>
           </a:xfrm>
           <a:prstGeom prst="rect">
             <a:avLst/>
@@ -15148,7 +15157,7 @@
     </p:spTree>
     <p:extLst>
       <p:ext uri="{BB962C8B-B14F-4D97-AF65-F5344CB8AC3E}">
-        <p14:creationId xmlns:p14="http://schemas.microsoft.com/office/powerpoint/2010/main" val="1031463557"/>
+        <p14:creationId xmlns:p14="http://schemas.microsoft.com/office/powerpoint/2010/main" val="1715802902"/>
       </p:ext>
     </p:extLst>
   </p:cSld>
@@ -15402,7 +15411,7 @@
           </a:bodyPr>
           <a:lstStyle/>
           <a:p>
-            <a:pPr marL="0" marR="0" lvl="0" indent="0" algn="ctr" defTabSz="914400" rtl="0" eaLnBrk="1" fontAlgn="auto" latinLnBrk="0" hangingPunct="1">
+            <a:pPr marL="0" marR="0" lvl="0" indent="0" algn="l" defTabSz="914400" rtl="0" eaLnBrk="1" fontAlgn="auto" latinLnBrk="0" hangingPunct="1">
               <a:lnSpc>
                 <a:spcPct val="100000"/>
               </a:lnSpc>
@@ -15434,17 +15443,17 @@
                 <a:ea typeface="+mn-ea"/>
                 <a:cs typeface="+mn-cs"/>
               </a:rPr>
-              <a:t>Structure of Client program</a:t>
+              <a:t>Structure of Spring boot project</a:t>
             </a:r>
           </a:p>
         </p:txBody>
       </p:sp>
       <p:sp>
         <p:nvSpPr>
-          <p:cNvPr id="16" name="TextBox 15">
-            <a:extLst>
-              <a:ext uri="{FF2B5EF4-FFF2-40B4-BE49-F238E27FC236}">
-                <a16:creationId xmlns:a16="http://schemas.microsoft.com/office/drawing/2014/main" id="{9566F95F-AD14-0E73-C183-4EF8A781B37D}"/>
+          <p:cNvPr id="19" name="TextBox 18">
+            <a:extLst>
+              <a:ext uri="{FF2B5EF4-FFF2-40B4-BE49-F238E27FC236}">
+                <a16:creationId xmlns:a16="http://schemas.microsoft.com/office/drawing/2014/main" id="{BD19879F-E0FA-FC0F-170B-4758E7372E9C}"/>
               </a:ext>
             </a:extLst>
           </p:cNvPr>
@@ -15453,8 +15462,8 @@
         </p:nvSpPr>
         <p:spPr>
           <a:xfrm>
-            <a:off x="873021" y="1326454"/>
-            <a:ext cx="4102343" cy="307777"/>
+            <a:off x="1260011" y="1388605"/>
+            <a:ext cx="3947882" cy="307778"/>
           </a:xfrm>
           <a:prstGeom prst="rect">
             <a:avLst/>
@@ -15467,21 +15476,22 @@
           </a:bodyPr>
           <a:lstStyle/>
           <a:p>
+            <a:pPr algn="ctr"/>
             <a:r>
               <a:rPr lang="en-IN" sz="1400" dirty="0">
                 <a:latin typeface="Bahnschrift" panose="020B0502040204020203" pitchFamily="34" charset="0"/>
               </a:rPr>
-              <a:t>DTO class(Decryption of webservice response)</a:t>
+              <a:t>GlobalExceptionHandler Class</a:t>
             </a:r>
           </a:p>
         </p:txBody>
       </p:sp>
       <p:sp>
         <p:nvSpPr>
-          <p:cNvPr id="18" name="TextBox 17">
-            <a:extLst>
-              <a:ext uri="{FF2B5EF4-FFF2-40B4-BE49-F238E27FC236}">
-                <a16:creationId xmlns:a16="http://schemas.microsoft.com/office/drawing/2014/main" id="{AB33C17F-C27F-0ED4-83AB-DA26095A4261}"/>
+          <p:cNvPr id="21" name="TextBox 20">
+            <a:extLst>
+              <a:ext uri="{FF2B5EF4-FFF2-40B4-BE49-F238E27FC236}">
+                <a16:creationId xmlns:a16="http://schemas.microsoft.com/office/drawing/2014/main" id="{BAC8FEB0-4C41-A710-D22A-583BF42C1331}"/>
               </a:ext>
             </a:extLst>
           </p:cNvPr>
@@ -15490,8 +15500,8 @@
         </p:nvSpPr>
         <p:spPr>
           <a:xfrm>
-            <a:off x="6718128" y="1326455"/>
-            <a:ext cx="4485414" cy="307777"/>
+            <a:off x="7174578" y="1388605"/>
+            <a:ext cx="4470399" cy="307777"/>
           </a:xfrm>
           <a:prstGeom prst="rect">
             <a:avLst/>
@@ -15508,17 +15518,17 @@
               <a:rPr lang="en-IN" sz="1400" dirty="0">
                 <a:latin typeface="Bahnschrift" panose="020B0502040204020203" pitchFamily="34" charset="0"/>
               </a:rPr>
-              <a:t>RestTemplate custom config &amp; Client Controller class</a:t>
+              <a:t>InvalidEmployeeIDException &amp; ErrorResponse Class</a:t>
             </a:r>
           </a:p>
         </p:txBody>
       </p:sp>
       <p:pic>
         <p:nvPicPr>
-          <p:cNvPr id="7" name="Picture 6">
-            <a:extLst>
-              <a:ext uri="{FF2B5EF4-FFF2-40B4-BE49-F238E27FC236}">
-                <a16:creationId xmlns:a16="http://schemas.microsoft.com/office/drawing/2014/main" id="{BA9A4B21-CEB9-5DB6-570A-C0D3D15C6FE1}"/>
+          <p:cNvPr id="3" name="Picture 2">
+            <a:extLst>
+              <a:ext uri="{FF2B5EF4-FFF2-40B4-BE49-F238E27FC236}">
+                <a16:creationId xmlns:a16="http://schemas.microsoft.com/office/drawing/2014/main" id="{272518BA-4C53-7D1C-C987-7FD984384359}"/>
               </a:ext>
             </a:extLst>
           </p:cNvPr>
@@ -15535,8 +15545,8 @@
         </p:blipFill>
         <p:spPr>
           <a:xfrm>
-            <a:off x="118715" y="1634232"/>
-            <a:ext cx="5610956" cy="5096586"/>
+            <a:off x="101599" y="1703902"/>
+            <a:ext cx="6241143" cy="5045241"/>
           </a:xfrm>
           <a:prstGeom prst="rect">
             <a:avLst/>
@@ -15545,10 +15555,10 @@
       </p:pic>
       <p:pic>
         <p:nvPicPr>
-          <p:cNvPr id="3" name="Picture 2">
-            <a:extLst>
-              <a:ext uri="{FF2B5EF4-FFF2-40B4-BE49-F238E27FC236}">
-                <a16:creationId xmlns:a16="http://schemas.microsoft.com/office/drawing/2014/main" id="{F2498466-6BF8-6707-6663-CBAF012B50A3}"/>
+          <p:cNvPr id="12" name="Picture 11">
+            <a:extLst>
+              <a:ext uri="{FF2B5EF4-FFF2-40B4-BE49-F238E27FC236}">
+                <a16:creationId xmlns:a16="http://schemas.microsoft.com/office/drawing/2014/main" id="{19FCE2B9-BFE4-AB87-CF60-6168EAE0D415}"/>
               </a:ext>
             </a:extLst>
           </p:cNvPr>
@@ -15565,8 +15575,8 @@
         </p:blipFill>
         <p:spPr>
           <a:xfrm>
-            <a:off x="5848385" y="1634233"/>
-            <a:ext cx="6224900" cy="2667484"/>
+            <a:off x="6437084" y="1696384"/>
+            <a:ext cx="5646060" cy="2010284"/>
           </a:xfrm>
           <a:prstGeom prst="rect">
             <a:avLst/>
@@ -15575,10 +15585,10 @@
       </p:pic>
       <p:pic>
         <p:nvPicPr>
-          <p:cNvPr id="13" name="Picture 12">
-            <a:extLst>
-              <a:ext uri="{FF2B5EF4-FFF2-40B4-BE49-F238E27FC236}">
-                <a16:creationId xmlns:a16="http://schemas.microsoft.com/office/drawing/2014/main" id="{49108ACA-19E4-176D-3735-376FB0DAFCC2}"/>
+          <p:cNvPr id="14" name="Picture 13">
+            <a:extLst>
+              <a:ext uri="{FF2B5EF4-FFF2-40B4-BE49-F238E27FC236}">
+                <a16:creationId xmlns:a16="http://schemas.microsoft.com/office/drawing/2014/main" id="{41C2A50B-DA17-85B6-381D-41BB658386E5}"/>
               </a:ext>
             </a:extLst>
           </p:cNvPr>
@@ -15595,8 +15605,8 @@
         </p:blipFill>
         <p:spPr>
           <a:xfrm>
-            <a:off x="5848385" y="4426857"/>
-            <a:ext cx="6224900" cy="2303961"/>
+            <a:off x="6444341" y="3815525"/>
+            <a:ext cx="5646060" cy="2933618"/>
           </a:xfrm>
           <a:prstGeom prst="rect">
             <a:avLst/>
@@ -15606,7 +15616,7 @@
     </p:spTree>
     <p:extLst>
       <p:ext uri="{BB962C8B-B14F-4D97-AF65-F5344CB8AC3E}">
-        <p14:creationId xmlns:p14="http://schemas.microsoft.com/office/powerpoint/2010/main" val="3316123681"/>
+        <p14:creationId xmlns:p14="http://schemas.microsoft.com/office/powerpoint/2010/main" val="1031463557"/>
       </p:ext>
     </p:extLst>
   </p:cSld>
@@ -15833,8 +15843,8 @@
         </p:nvSpPr>
         <p:spPr>
           <a:xfrm>
-            <a:off x="4134756" y="934087"/>
-            <a:ext cx="3922487" cy="307777"/>
+            <a:off x="4365170" y="911994"/>
+            <a:ext cx="3283859" cy="369332"/>
           </a:xfrm>
           <a:prstGeom prst="rect">
             <a:avLst/>
@@ -15878,37 +15888,105 @@
               <a:defRPr/>
             </a:pPr>
             <a:r>
-              <a:rPr lang="en-IN" sz="1400" dirty="0">
+              <a:rPr kumimoji="0" lang="en-IN" sz="1800" b="0" i="0" u="none" strike="noStrike" kern="1200" cap="none" spc="0" normalizeH="0" baseline="0" noProof="0" dirty="0">
+                <a:ln>
+                  <a:noFill/>
+                </a:ln>
                 <a:solidFill>
                   <a:prstClr val="black"/>
                 </a:solidFill>
+                <a:effectLst/>
+                <a:uLnTx/>
+                <a:uFillTx/>
                 <a:latin typeface="Calibri" panose="020F0502020204030204"/>
-              </a:rPr>
-              <a:t>Postman API Platform Screenshots</a:t>
-            </a:r>
-            <a:endParaRPr kumimoji="0" lang="en-IN" sz="1400" b="0" i="0" u="none" strike="noStrike" kern="1200" cap="none" spc="0" normalizeH="0" baseline="0" noProof="0" dirty="0">
-              <a:ln>
-                <a:noFill/>
-              </a:ln>
-              <a:solidFill>
-                <a:prstClr val="black"/>
-              </a:solidFill>
-              <a:effectLst/>
-              <a:uLnTx/>
-              <a:uFillTx/>
-              <a:latin typeface="Calibri" panose="020F0502020204030204"/>
-              <a:ea typeface="+mn-ea"/>
-              <a:cs typeface="+mn-cs"/>
-            </a:endParaRPr>
+                <a:ea typeface="+mn-ea"/>
+                <a:cs typeface="+mn-cs"/>
+              </a:rPr>
+              <a:t>Structure of Client program</a:t>
+            </a:r>
+          </a:p>
+        </p:txBody>
+      </p:sp>
+      <p:sp>
+        <p:nvSpPr>
+          <p:cNvPr id="16" name="TextBox 15">
+            <a:extLst>
+              <a:ext uri="{FF2B5EF4-FFF2-40B4-BE49-F238E27FC236}">
+                <a16:creationId xmlns:a16="http://schemas.microsoft.com/office/drawing/2014/main" id="{9566F95F-AD14-0E73-C183-4EF8A781B37D}"/>
+              </a:ext>
+            </a:extLst>
+          </p:cNvPr>
+          <p:cNvSpPr txBox="1"/>
+          <p:nvPr/>
+        </p:nvSpPr>
+        <p:spPr>
+          <a:xfrm>
+            <a:off x="873021" y="1326454"/>
+            <a:ext cx="4102343" cy="307777"/>
+          </a:xfrm>
+          <a:prstGeom prst="rect">
+            <a:avLst/>
+          </a:prstGeom>
+          <a:noFill/>
+        </p:spPr>
+        <p:txBody>
+          <a:bodyPr wrap="square" rtlCol="0">
+            <a:spAutoFit/>
+          </a:bodyPr>
+          <a:lstStyle/>
+          <a:p>
+            <a:r>
+              <a:rPr lang="en-IN" sz="1400" dirty="0">
+                <a:latin typeface="Bahnschrift" panose="020B0502040204020203" pitchFamily="34" charset="0"/>
+              </a:rPr>
+              <a:t>DTO class(Decryption of webservice response)</a:t>
+            </a:r>
+          </a:p>
+        </p:txBody>
+      </p:sp>
+      <p:sp>
+        <p:nvSpPr>
+          <p:cNvPr id="18" name="TextBox 17">
+            <a:extLst>
+              <a:ext uri="{FF2B5EF4-FFF2-40B4-BE49-F238E27FC236}">
+                <a16:creationId xmlns:a16="http://schemas.microsoft.com/office/drawing/2014/main" id="{AB33C17F-C27F-0ED4-83AB-DA26095A4261}"/>
+              </a:ext>
+            </a:extLst>
+          </p:cNvPr>
+          <p:cNvSpPr txBox="1"/>
+          <p:nvPr/>
+        </p:nvSpPr>
+        <p:spPr>
+          <a:xfrm>
+            <a:off x="6718128" y="1326455"/>
+            <a:ext cx="4485414" cy="307777"/>
+          </a:xfrm>
+          <a:prstGeom prst="rect">
+            <a:avLst/>
+          </a:prstGeom>
+          <a:noFill/>
+        </p:spPr>
+        <p:txBody>
+          <a:bodyPr wrap="square" rtlCol="0">
+            <a:spAutoFit/>
+          </a:bodyPr>
+          <a:lstStyle/>
+          <a:p>
+            <a:r>
+              <a:rPr lang="en-IN" sz="1400" dirty="0">
+                <a:latin typeface="Bahnschrift" panose="020B0502040204020203" pitchFamily="34" charset="0"/>
+              </a:rPr>
+              <a:t>RestTemplate custom config &amp; Client Controller class</a:t>
+            </a:r>
           </a:p>
         </p:txBody>
       </p:sp>
       <p:pic>
         <p:nvPicPr>
-          <p:cNvPr id="3" name="Picture 2">
-            <a:extLst>
-              <a:ext uri="{FF2B5EF4-FFF2-40B4-BE49-F238E27FC236}">
-                <a16:creationId xmlns:a16="http://schemas.microsoft.com/office/drawing/2014/main" id="{4EEF5A40-DD82-80C5-1641-6FC742A43F7A}"/>
+          <p:cNvPr id="7" name="Picture 6">
+            <a:extLst>
+              <a:ext uri="{FF2B5EF4-FFF2-40B4-BE49-F238E27FC236}">
+                <a16:creationId xmlns:a16="http://schemas.microsoft.com/office/drawing/2014/main" id="{BA9A4B21-CEB9-5DB6-570A-C0D3D15C6FE1}"/>
               </a:ext>
             </a:extLst>
           </p:cNvPr>
@@ -15925,8 +16003,8 @@
         </p:blipFill>
         <p:spPr>
           <a:xfrm>
-            <a:off x="129914" y="1639337"/>
-            <a:ext cx="3005380" cy="5146092"/>
+            <a:off x="118715" y="1634232"/>
+            <a:ext cx="5610956" cy="5096586"/>
           </a:xfrm>
           <a:prstGeom prst="rect">
             <a:avLst/>
@@ -15935,10 +16013,10 @@
       </p:pic>
       <p:pic>
         <p:nvPicPr>
-          <p:cNvPr id="10" name="Picture 9">
-            <a:extLst>
-              <a:ext uri="{FF2B5EF4-FFF2-40B4-BE49-F238E27FC236}">
-                <a16:creationId xmlns:a16="http://schemas.microsoft.com/office/drawing/2014/main" id="{2568C0AB-A13E-7C8A-CE4C-76EEFC181C3B}"/>
+          <p:cNvPr id="3" name="Picture 2">
+            <a:extLst>
+              <a:ext uri="{FF2B5EF4-FFF2-40B4-BE49-F238E27FC236}">
+                <a16:creationId xmlns:a16="http://schemas.microsoft.com/office/drawing/2014/main" id="{F2498466-6BF8-6707-6663-CBAF012B50A3}"/>
               </a:ext>
             </a:extLst>
           </p:cNvPr>
@@ -15955,134 +16033,20 @@
         </p:blipFill>
         <p:spPr>
           <a:xfrm>
-            <a:off x="3265208" y="1639337"/>
-            <a:ext cx="3290279" cy="5146092"/>
+            <a:off x="5848385" y="1634233"/>
+            <a:ext cx="6224900" cy="2667484"/>
           </a:xfrm>
           <a:prstGeom prst="rect">
             <a:avLst/>
           </a:prstGeom>
         </p:spPr>
       </p:pic>
-      <p:sp>
-        <p:nvSpPr>
-          <p:cNvPr id="11" name="TextBox 10">
-            <a:extLst>
-              <a:ext uri="{FF2B5EF4-FFF2-40B4-BE49-F238E27FC236}">
-                <a16:creationId xmlns:a16="http://schemas.microsoft.com/office/drawing/2014/main" id="{3BC6FD12-CA8B-B962-2D94-4DEE254BBA0F}"/>
-              </a:ext>
-            </a:extLst>
-          </p:cNvPr>
-          <p:cNvSpPr txBox="1"/>
-          <p:nvPr/>
-        </p:nvSpPr>
-        <p:spPr>
-          <a:xfrm>
-            <a:off x="43795" y="1317002"/>
-            <a:ext cx="3352800" cy="307777"/>
-          </a:xfrm>
-          <a:prstGeom prst="rect">
-            <a:avLst/>
-          </a:prstGeom>
-          <a:noFill/>
-        </p:spPr>
-        <p:txBody>
-          <a:bodyPr wrap="square" rtlCol="0">
-            <a:spAutoFit/>
-          </a:bodyPr>
-          <a:lstStyle/>
-          <a:p>
-            <a:r>
-              <a:rPr lang="en-IN" sz="1400" dirty="0">
-                <a:latin typeface="Arial" panose="020B0604020202020204" pitchFamily="34" charset="0"/>
-                <a:cs typeface="Arial" panose="020B0604020202020204" pitchFamily="34" charset="0"/>
-              </a:rPr>
-              <a:t>Webservice Response Data encrypted</a:t>
-            </a:r>
-          </a:p>
-        </p:txBody>
-      </p:sp>
-      <p:sp>
-        <p:nvSpPr>
-          <p:cNvPr id="12" name="TextBox 11">
-            <a:extLst>
-              <a:ext uri="{FF2B5EF4-FFF2-40B4-BE49-F238E27FC236}">
-                <a16:creationId xmlns:a16="http://schemas.microsoft.com/office/drawing/2014/main" id="{08C072EB-BE10-EC35-1038-BF3F3E49CFCD}"/>
-              </a:ext>
-            </a:extLst>
-          </p:cNvPr>
-          <p:cNvSpPr txBox="1"/>
-          <p:nvPr/>
-        </p:nvSpPr>
-        <p:spPr>
-          <a:xfrm flipH="1">
-            <a:off x="3888242" y="1350613"/>
-            <a:ext cx="2309358" cy="307777"/>
-          </a:xfrm>
-          <a:prstGeom prst="rect">
-            <a:avLst/>
-          </a:prstGeom>
-          <a:noFill/>
-        </p:spPr>
-        <p:txBody>
-          <a:bodyPr wrap="square" rtlCol="0">
-            <a:spAutoFit/>
-          </a:bodyPr>
-          <a:lstStyle/>
-          <a:p>
-            <a:r>
-              <a:rPr lang="en-IN" sz="1400" dirty="0">
-                <a:latin typeface="Arial" panose="020B0604020202020204" pitchFamily="34" charset="0"/>
-                <a:cs typeface="Arial" panose="020B0604020202020204" pitchFamily="34" charset="0"/>
-              </a:rPr>
-              <a:t>Client request-response</a:t>
-            </a:r>
-          </a:p>
-        </p:txBody>
-      </p:sp>
-      <p:sp>
-        <p:nvSpPr>
-          <p:cNvPr id="15" name="TextBox 14">
-            <a:extLst>
-              <a:ext uri="{FF2B5EF4-FFF2-40B4-BE49-F238E27FC236}">
-                <a16:creationId xmlns:a16="http://schemas.microsoft.com/office/drawing/2014/main" id="{F2BC25FA-5028-C6FC-BE21-EF109BD91364}"/>
-              </a:ext>
-            </a:extLst>
-          </p:cNvPr>
-          <p:cNvSpPr txBox="1"/>
-          <p:nvPr/>
-        </p:nvSpPr>
-        <p:spPr>
-          <a:xfrm>
-            <a:off x="8258589" y="1350613"/>
-            <a:ext cx="2503357" cy="307777"/>
-          </a:xfrm>
-          <a:prstGeom prst="rect">
-            <a:avLst/>
-          </a:prstGeom>
-          <a:noFill/>
-        </p:spPr>
-        <p:txBody>
-          <a:bodyPr wrap="square" rtlCol="0">
-            <a:spAutoFit/>
-          </a:bodyPr>
-          <a:lstStyle/>
-          <a:p>
-            <a:r>
-              <a:rPr lang="en-IN" sz="1400" dirty="0">
-                <a:latin typeface="Arial" panose="020B0604020202020204" pitchFamily="34" charset="0"/>
-                <a:cs typeface="Arial" panose="020B0604020202020204" pitchFamily="34" charset="0"/>
-              </a:rPr>
-              <a:t>Exception Handling</a:t>
-            </a:r>
-          </a:p>
-        </p:txBody>
-      </p:sp>
       <p:pic>
         <p:nvPicPr>
-          <p:cNvPr id="7" name="Picture 6">
-            <a:extLst>
-              <a:ext uri="{FF2B5EF4-FFF2-40B4-BE49-F238E27FC236}">
-                <a16:creationId xmlns:a16="http://schemas.microsoft.com/office/drawing/2014/main" id="{FD51F1C2-1D27-CE2F-FE4A-27162522FCAA}"/>
+          <p:cNvPr id="13" name="Picture 12">
+            <a:extLst>
+              <a:ext uri="{FF2B5EF4-FFF2-40B4-BE49-F238E27FC236}">
+                <a16:creationId xmlns:a16="http://schemas.microsoft.com/office/drawing/2014/main" id="{49108ACA-19E4-176D-3735-376FB0DAFCC2}"/>
               </a:ext>
             </a:extLst>
           </p:cNvPr>
@@ -16099,38 +16063,8 @@
         </p:blipFill>
         <p:spPr>
           <a:xfrm>
-            <a:off x="6685400" y="1639338"/>
-            <a:ext cx="5376685" cy="2273932"/>
-          </a:xfrm>
-          <a:prstGeom prst="rect">
-            <a:avLst/>
-          </a:prstGeom>
-        </p:spPr>
-      </p:pic>
-      <p:pic>
-        <p:nvPicPr>
-          <p:cNvPr id="16" name="Picture 15">
-            <a:extLst>
-              <a:ext uri="{FF2B5EF4-FFF2-40B4-BE49-F238E27FC236}">
-                <a16:creationId xmlns:a16="http://schemas.microsoft.com/office/drawing/2014/main" id="{DC4434CB-0D3D-FE55-8951-B45E5C8746E3}"/>
-              </a:ext>
-            </a:extLst>
-          </p:cNvPr>
-          <p:cNvPicPr>
-            <a:picLocks noChangeAspect="1"/>
-          </p:cNvPicPr>
-          <p:nvPr/>
-        </p:nvPicPr>
-        <p:blipFill>
-          <a:blip r:embed="rId7"/>
-          <a:stretch>
-            <a:fillRect/>
-          </a:stretch>
-        </p:blipFill>
-        <p:spPr>
-          <a:xfrm>
-            <a:off x="6685400" y="4020457"/>
-            <a:ext cx="5376685" cy="2764972"/>
+            <a:off x="5848385" y="4426857"/>
+            <a:ext cx="6224900" cy="2303961"/>
           </a:xfrm>
           <a:prstGeom prst="rect">
             <a:avLst/>
@@ -16140,7 +16074,7 @@
     </p:spTree>
     <p:extLst>
       <p:ext uri="{BB962C8B-B14F-4D97-AF65-F5344CB8AC3E}">
-        <p14:creationId xmlns:p14="http://schemas.microsoft.com/office/powerpoint/2010/main" val="4278196989"/>
+        <p14:creationId xmlns:p14="http://schemas.microsoft.com/office/powerpoint/2010/main" val="3316123681"/>
       </p:ext>
     </p:extLst>
   </p:cSld>
@@ -16316,17 +16250,37 @@
           </a:bodyPr>
           <a:lstStyle/>
           <a:p>
-            <a:pPr>
+            <a:pPr marL="0" marR="0" lvl="0" indent="0" algn="l" defTabSz="914400" rtl="0" eaLnBrk="1" fontAlgn="auto" latinLnBrk="0" hangingPunct="1">
               <a:lnSpc>
                 <a:spcPct val="115000"/>
               </a:lnSpc>
+              <a:spcBef>
+                <a:spcPts val="0"/>
+              </a:spcBef>
+              <a:spcAft>
+                <a:spcPts val="0"/>
+              </a:spcAft>
+              <a:buClrTx/>
+              <a:buSzTx/>
+              <a:buFontTx/>
+              <a:buNone/>
+              <a:tabLst/>
+              <a:defRPr/>
             </a:pPr>
             <a:r>
-              <a:rPr lang="en-IN" sz="2400" b="1" dirty="0">
+              <a:rPr kumimoji="0" lang="en-IN" sz="2400" b="1" i="0" u="none" strike="noStrike" kern="1200" cap="none" spc="0" normalizeH="0" baseline="0" noProof="0" dirty="0">
+                <a:ln>
+                  <a:noFill/>
+                </a:ln>
                 <a:solidFill>
-                  <a:schemeClr val="bg1"/>
+                  <a:prstClr val="white"/>
                 </a:solidFill>
+                <a:effectLst/>
+                <a:uLnTx/>
+                <a:uFillTx/>
                 <a:latin typeface="Times New Roman" panose="02020603050405020304" pitchFamily="18" charset="0"/>
+                <a:ea typeface="+mn-ea"/>
+                <a:cs typeface="+mn-cs"/>
               </a:rPr>
               <a:t>Appendices</a:t>
             </a:r>
@@ -16347,8 +16301,8 @@
         </p:nvSpPr>
         <p:spPr>
           <a:xfrm>
-            <a:off x="4944835" y="908345"/>
-            <a:ext cx="2302330" cy="369332"/>
+            <a:off x="4134756" y="934087"/>
+            <a:ext cx="3922487" cy="307777"/>
           </a:xfrm>
           <a:prstGeom prst="rect">
             <a:avLst/>
@@ -16374,19 +16328,55 @@
           </a:bodyPr>
           <a:lstStyle/>
           <a:p>
-            <a:r>
-              <a:rPr lang="en-IN" dirty="0"/>
-              <a:t>SonarQube Inspection</a:t>
-            </a:r>
+            <a:pPr marL="0" marR="0" lvl="0" indent="0" algn="ctr" defTabSz="914400" rtl="0" eaLnBrk="1" fontAlgn="auto" latinLnBrk="0" hangingPunct="1">
+              <a:lnSpc>
+                <a:spcPct val="100000"/>
+              </a:lnSpc>
+              <a:spcBef>
+                <a:spcPts val="0"/>
+              </a:spcBef>
+              <a:spcAft>
+                <a:spcPts val="0"/>
+              </a:spcAft>
+              <a:buClrTx/>
+              <a:buSzTx/>
+              <a:buFontTx/>
+              <a:buNone/>
+              <a:tabLst/>
+              <a:defRPr/>
+            </a:pPr>
+            <a:r>
+              <a:rPr lang="en-IN" sz="1400" dirty="0">
+                <a:solidFill>
+                  <a:prstClr val="black"/>
+                </a:solidFill>
+                <a:latin typeface="Calibri" panose="020F0502020204030204"/>
+              </a:rPr>
+              <a:t>Postman API Platform Screenshots</a:t>
+            </a:r>
+            <a:endParaRPr kumimoji="0" lang="en-IN" sz="1400" b="0" i="0" u="none" strike="noStrike" kern="1200" cap="none" spc="0" normalizeH="0" baseline="0" noProof="0" dirty="0">
+              <a:ln>
+                <a:noFill/>
+              </a:ln>
+              <a:solidFill>
+                <a:prstClr val="black"/>
+              </a:solidFill>
+              <a:effectLst/>
+              <a:uLnTx/>
+              <a:uFillTx/>
+              <a:latin typeface="Calibri" panose="020F0502020204030204"/>
+              <a:ea typeface="+mn-ea"/>
+              <a:cs typeface="+mn-cs"/>
+            </a:endParaRPr>
           </a:p>
         </p:txBody>
       </p:sp>
       <p:pic>
         <p:nvPicPr>
-          <p:cNvPr id="15" name="Picture 14">
-            <a:extLst>
-              <a:ext uri="{FF2B5EF4-FFF2-40B4-BE49-F238E27FC236}">
-                <a16:creationId xmlns:a16="http://schemas.microsoft.com/office/drawing/2014/main" id="{FA67BD38-4DCE-D0D5-0967-6B05540207D8}"/>
+          <p:cNvPr id="3" name="Picture 2">
+            <a:extLst>
+              <a:ext uri="{FF2B5EF4-FFF2-40B4-BE49-F238E27FC236}">
+                <a16:creationId xmlns:a16="http://schemas.microsoft.com/office/drawing/2014/main" id="{4EEF5A40-DD82-80C5-1641-6FC742A43F7A}"/>
               </a:ext>
             </a:extLst>
           </p:cNvPr>
@@ -16403,8 +16393,212 @@
         </p:blipFill>
         <p:spPr>
           <a:xfrm>
-            <a:off x="101600" y="1326454"/>
-            <a:ext cx="12090399" cy="5531546"/>
+            <a:off x="129914" y="1639337"/>
+            <a:ext cx="3005380" cy="5146092"/>
+          </a:xfrm>
+          <a:prstGeom prst="rect">
+            <a:avLst/>
+          </a:prstGeom>
+        </p:spPr>
+      </p:pic>
+      <p:pic>
+        <p:nvPicPr>
+          <p:cNvPr id="10" name="Picture 9">
+            <a:extLst>
+              <a:ext uri="{FF2B5EF4-FFF2-40B4-BE49-F238E27FC236}">
+                <a16:creationId xmlns:a16="http://schemas.microsoft.com/office/drawing/2014/main" id="{2568C0AB-A13E-7C8A-CE4C-76EEFC181C3B}"/>
+              </a:ext>
+            </a:extLst>
+          </p:cNvPr>
+          <p:cNvPicPr>
+            <a:picLocks noChangeAspect="1"/>
+          </p:cNvPicPr>
+          <p:nvPr/>
+        </p:nvPicPr>
+        <p:blipFill>
+          <a:blip r:embed="rId5"/>
+          <a:stretch>
+            <a:fillRect/>
+          </a:stretch>
+        </p:blipFill>
+        <p:spPr>
+          <a:xfrm>
+            <a:off x="3265208" y="1639337"/>
+            <a:ext cx="3290279" cy="5146092"/>
+          </a:xfrm>
+          <a:prstGeom prst="rect">
+            <a:avLst/>
+          </a:prstGeom>
+        </p:spPr>
+      </p:pic>
+      <p:sp>
+        <p:nvSpPr>
+          <p:cNvPr id="11" name="TextBox 10">
+            <a:extLst>
+              <a:ext uri="{FF2B5EF4-FFF2-40B4-BE49-F238E27FC236}">
+                <a16:creationId xmlns:a16="http://schemas.microsoft.com/office/drawing/2014/main" id="{3BC6FD12-CA8B-B962-2D94-4DEE254BBA0F}"/>
+              </a:ext>
+            </a:extLst>
+          </p:cNvPr>
+          <p:cNvSpPr txBox="1"/>
+          <p:nvPr/>
+        </p:nvSpPr>
+        <p:spPr>
+          <a:xfrm>
+            <a:off x="43795" y="1317002"/>
+            <a:ext cx="3352800" cy="307777"/>
+          </a:xfrm>
+          <a:prstGeom prst="rect">
+            <a:avLst/>
+          </a:prstGeom>
+          <a:noFill/>
+        </p:spPr>
+        <p:txBody>
+          <a:bodyPr wrap="square" rtlCol="0">
+            <a:spAutoFit/>
+          </a:bodyPr>
+          <a:lstStyle/>
+          <a:p>
+            <a:r>
+              <a:rPr lang="en-IN" sz="1400" dirty="0">
+                <a:latin typeface="Arial" panose="020B0604020202020204" pitchFamily="34" charset="0"/>
+                <a:cs typeface="Arial" panose="020B0604020202020204" pitchFamily="34" charset="0"/>
+              </a:rPr>
+              <a:t>Webservice Response Data encrypted</a:t>
+            </a:r>
+          </a:p>
+        </p:txBody>
+      </p:sp>
+      <p:sp>
+        <p:nvSpPr>
+          <p:cNvPr id="12" name="TextBox 11">
+            <a:extLst>
+              <a:ext uri="{FF2B5EF4-FFF2-40B4-BE49-F238E27FC236}">
+                <a16:creationId xmlns:a16="http://schemas.microsoft.com/office/drawing/2014/main" id="{08C072EB-BE10-EC35-1038-BF3F3E49CFCD}"/>
+              </a:ext>
+            </a:extLst>
+          </p:cNvPr>
+          <p:cNvSpPr txBox="1"/>
+          <p:nvPr/>
+        </p:nvSpPr>
+        <p:spPr>
+          <a:xfrm flipH="1">
+            <a:off x="3888242" y="1350613"/>
+            <a:ext cx="2309358" cy="307777"/>
+          </a:xfrm>
+          <a:prstGeom prst="rect">
+            <a:avLst/>
+          </a:prstGeom>
+          <a:noFill/>
+        </p:spPr>
+        <p:txBody>
+          <a:bodyPr wrap="square" rtlCol="0">
+            <a:spAutoFit/>
+          </a:bodyPr>
+          <a:lstStyle/>
+          <a:p>
+            <a:r>
+              <a:rPr lang="en-IN" sz="1400" dirty="0">
+                <a:latin typeface="Arial" panose="020B0604020202020204" pitchFamily="34" charset="0"/>
+                <a:cs typeface="Arial" panose="020B0604020202020204" pitchFamily="34" charset="0"/>
+              </a:rPr>
+              <a:t>Client request-response</a:t>
+            </a:r>
+          </a:p>
+        </p:txBody>
+      </p:sp>
+      <p:sp>
+        <p:nvSpPr>
+          <p:cNvPr id="15" name="TextBox 14">
+            <a:extLst>
+              <a:ext uri="{FF2B5EF4-FFF2-40B4-BE49-F238E27FC236}">
+                <a16:creationId xmlns:a16="http://schemas.microsoft.com/office/drawing/2014/main" id="{F2BC25FA-5028-C6FC-BE21-EF109BD91364}"/>
+              </a:ext>
+            </a:extLst>
+          </p:cNvPr>
+          <p:cNvSpPr txBox="1"/>
+          <p:nvPr/>
+        </p:nvSpPr>
+        <p:spPr>
+          <a:xfrm>
+            <a:off x="8258589" y="1350613"/>
+            <a:ext cx="2503357" cy="307777"/>
+          </a:xfrm>
+          <a:prstGeom prst="rect">
+            <a:avLst/>
+          </a:prstGeom>
+          <a:noFill/>
+        </p:spPr>
+        <p:txBody>
+          <a:bodyPr wrap="square" rtlCol="0">
+            <a:spAutoFit/>
+          </a:bodyPr>
+          <a:lstStyle/>
+          <a:p>
+            <a:r>
+              <a:rPr lang="en-IN" sz="1400" dirty="0">
+                <a:latin typeface="Arial" panose="020B0604020202020204" pitchFamily="34" charset="0"/>
+                <a:cs typeface="Arial" panose="020B0604020202020204" pitchFamily="34" charset="0"/>
+              </a:rPr>
+              <a:t>Exception Handling</a:t>
+            </a:r>
+          </a:p>
+        </p:txBody>
+      </p:sp>
+      <p:pic>
+        <p:nvPicPr>
+          <p:cNvPr id="7" name="Picture 6">
+            <a:extLst>
+              <a:ext uri="{FF2B5EF4-FFF2-40B4-BE49-F238E27FC236}">
+                <a16:creationId xmlns:a16="http://schemas.microsoft.com/office/drawing/2014/main" id="{FD51F1C2-1D27-CE2F-FE4A-27162522FCAA}"/>
+              </a:ext>
+            </a:extLst>
+          </p:cNvPr>
+          <p:cNvPicPr>
+            <a:picLocks noChangeAspect="1"/>
+          </p:cNvPicPr>
+          <p:nvPr/>
+        </p:nvPicPr>
+        <p:blipFill>
+          <a:blip r:embed="rId6"/>
+          <a:stretch>
+            <a:fillRect/>
+          </a:stretch>
+        </p:blipFill>
+        <p:spPr>
+          <a:xfrm>
+            <a:off x="6685400" y="1639338"/>
+            <a:ext cx="5376685" cy="2273932"/>
+          </a:xfrm>
+          <a:prstGeom prst="rect">
+            <a:avLst/>
+          </a:prstGeom>
+        </p:spPr>
+      </p:pic>
+      <p:pic>
+        <p:nvPicPr>
+          <p:cNvPr id="16" name="Picture 15">
+            <a:extLst>
+              <a:ext uri="{FF2B5EF4-FFF2-40B4-BE49-F238E27FC236}">
+                <a16:creationId xmlns:a16="http://schemas.microsoft.com/office/drawing/2014/main" id="{DC4434CB-0D3D-FE55-8951-B45E5C8746E3}"/>
+              </a:ext>
+            </a:extLst>
+          </p:cNvPr>
+          <p:cNvPicPr>
+            <a:picLocks noChangeAspect="1"/>
+          </p:cNvPicPr>
+          <p:nvPr/>
+        </p:nvPicPr>
+        <p:blipFill>
+          <a:blip r:embed="rId7"/>
+          <a:stretch>
+            <a:fillRect/>
+          </a:stretch>
+        </p:blipFill>
+        <p:spPr>
+          <a:xfrm>
+            <a:off x="6685400" y="4020457"/>
+            <a:ext cx="5376685" cy="2764972"/>
           </a:xfrm>
           <a:prstGeom prst="rect">
             <a:avLst/>
@@ -16414,7 +16608,7 @@
     </p:spTree>
     <p:extLst>
       <p:ext uri="{BB962C8B-B14F-4D97-AF65-F5344CB8AC3E}">
-        <p14:creationId xmlns:p14="http://schemas.microsoft.com/office/powerpoint/2010/main" val="311276636"/>
+        <p14:creationId xmlns:p14="http://schemas.microsoft.com/office/powerpoint/2010/main" val="4278196989"/>
       </p:ext>
     </p:extLst>
   </p:cSld>
@@ -16560,10 +16754,10 @@
       </p:pic>
       <p:sp>
         <p:nvSpPr>
-          <p:cNvPr id="2" name="TextBox 1">
-            <a:extLst>
-              <a:ext uri="{FF2B5EF4-FFF2-40B4-BE49-F238E27FC236}">
-                <a16:creationId xmlns:a16="http://schemas.microsoft.com/office/drawing/2014/main" id="{1A44BC85-1B87-95E2-D287-741884DBCDF1}"/>
+          <p:cNvPr id="8" name="TextBox 7">
+            <a:extLst>
+              <a:ext uri="{FF2B5EF4-FFF2-40B4-BE49-F238E27FC236}">
+                <a16:creationId xmlns:a16="http://schemas.microsoft.com/office/drawing/2014/main" id="{83A5D50A-7BF5-47B2-27E6-96AA33171B2B}"/>
               </a:ext>
             </a:extLst>
           </p:cNvPr>
@@ -16590,37 +16784,17 @@
           </a:bodyPr>
           <a:lstStyle/>
           <a:p>
-            <a:pPr marL="0" marR="0" lvl="0" indent="0" algn="l" defTabSz="914400" rtl="0" eaLnBrk="1" fontAlgn="auto" latinLnBrk="0" hangingPunct="1">
+            <a:pPr>
               <a:lnSpc>
                 <a:spcPct val="115000"/>
               </a:lnSpc>
-              <a:spcBef>
-                <a:spcPts val="0"/>
-              </a:spcBef>
-              <a:spcAft>
-                <a:spcPts val="0"/>
-              </a:spcAft>
-              <a:buClrTx/>
-              <a:buSzTx/>
-              <a:buFontTx/>
-              <a:buNone/>
-              <a:tabLst/>
-              <a:defRPr/>
             </a:pPr>
             <a:r>
-              <a:rPr kumimoji="0" lang="en-IN" sz="2400" b="1" i="0" u="none" strike="noStrike" kern="1200" cap="none" spc="0" normalizeH="0" baseline="0" noProof="0" dirty="0">
-                <a:ln>
-                  <a:noFill/>
-                </a:ln>
+              <a:rPr lang="en-IN" sz="2400" b="1" dirty="0">
                 <a:solidFill>
-                  <a:prstClr val="white"/>
+                  <a:schemeClr val="bg1"/>
                 </a:solidFill>
-                <a:effectLst/>
-                <a:uLnTx/>
-                <a:uFillTx/>
                 <a:latin typeface="Times New Roman" panose="02020603050405020304" pitchFamily="18" charset="0"/>
-                <a:ea typeface="+mn-ea"/>
-                <a:cs typeface="+mn-cs"/>
               </a:rPr>
               <a:t>Appendices</a:t>
             </a:r>
@@ -16632,7 +16806,7 @@
           <p:cNvPr id="9" name="TextBox 8">
             <a:extLst>
               <a:ext uri="{FF2B5EF4-FFF2-40B4-BE49-F238E27FC236}">
-                <a16:creationId xmlns:a16="http://schemas.microsoft.com/office/drawing/2014/main" id="{8776E258-07B7-D5D9-7396-35BF7029BD2A}"/>
+                <a16:creationId xmlns:a16="http://schemas.microsoft.com/office/drawing/2014/main" id="{6EFC0530-9B9F-4025-AECD-21FC40BAD8C5}"/>
               </a:ext>
             </a:extLst>
           </p:cNvPr>
@@ -16641,8 +16815,8 @@
         </p:nvSpPr>
         <p:spPr>
           <a:xfrm>
-            <a:off x="0" y="1096824"/>
-            <a:ext cx="3922487" cy="307777"/>
+            <a:off x="4944835" y="908345"/>
+            <a:ext cx="2302330" cy="369332"/>
           </a:xfrm>
           <a:prstGeom prst="rect">
             <a:avLst/>
@@ -16668,6 +16842,300 @@
           </a:bodyPr>
           <a:lstStyle/>
           <a:p>
+            <a:r>
+              <a:rPr lang="en-IN" dirty="0"/>
+              <a:t>SonarQube Inspection</a:t>
+            </a:r>
+          </a:p>
+        </p:txBody>
+      </p:sp>
+      <p:pic>
+        <p:nvPicPr>
+          <p:cNvPr id="15" name="Picture 14">
+            <a:extLst>
+              <a:ext uri="{FF2B5EF4-FFF2-40B4-BE49-F238E27FC236}">
+                <a16:creationId xmlns:a16="http://schemas.microsoft.com/office/drawing/2014/main" id="{FA67BD38-4DCE-D0D5-0967-6B05540207D8}"/>
+              </a:ext>
+            </a:extLst>
+          </p:cNvPr>
+          <p:cNvPicPr>
+            <a:picLocks noChangeAspect="1"/>
+          </p:cNvPicPr>
+          <p:nvPr/>
+        </p:nvPicPr>
+        <p:blipFill>
+          <a:blip r:embed="rId4"/>
+          <a:stretch>
+            <a:fillRect/>
+          </a:stretch>
+        </p:blipFill>
+        <p:spPr>
+          <a:xfrm>
+            <a:off x="101600" y="1326454"/>
+            <a:ext cx="12090399" cy="5531546"/>
+          </a:xfrm>
+          <a:prstGeom prst="rect">
+            <a:avLst/>
+          </a:prstGeom>
+        </p:spPr>
+      </p:pic>
+    </p:spTree>
+    <p:extLst>
+      <p:ext uri="{BB962C8B-B14F-4D97-AF65-F5344CB8AC3E}">
+        <p14:creationId xmlns:p14="http://schemas.microsoft.com/office/powerpoint/2010/main" val="311276636"/>
+      </p:ext>
+    </p:extLst>
+  </p:cSld>
+  <p:clrMapOvr>
+    <a:masterClrMapping/>
+  </p:clrMapOvr>
+  <p:transition spd="slow">
+    <p:push/>
+  </p:transition>
+</p:sld>
+</file>
+
+<file path=ppt/slides/slide37.xml><?xml version="1.0" encoding="utf-8"?>
+<p:sld xmlns:a="http://schemas.openxmlformats.org/drawingml/2006/main" xmlns:r="http://schemas.openxmlformats.org/officeDocument/2006/relationships" xmlns:p="http://schemas.openxmlformats.org/presentationml/2006/main">
+  <p:cSld>
+    <p:spTree>
+      <p:nvGrpSpPr>
+        <p:cNvPr id="1" name=""/>
+        <p:cNvGrpSpPr/>
+        <p:nvPr/>
+      </p:nvGrpSpPr>
+      <p:grpSpPr>
+        <a:xfrm>
+          <a:off x="0" y="0"/>
+          <a:ext cx="0" cy="0"/>
+          <a:chOff x="0" y="0"/>
+          <a:chExt cx="0" cy="0"/>
+        </a:xfrm>
+      </p:grpSpPr>
+      <p:pic>
+        <p:nvPicPr>
+          <p:cNvPr id="4" name="Picture 3">
+            <a:extLst>
+              <a:ext uri="{FF2B5EF4-FFF2-40B4-BE49-F238E27FC236}">
+                <a16:creationId xmlns:a16="http://schemas.microsoft.com/office/drawing/2014/main" id="{3893C3C6-E6B4-0EAA-6168-B66B664B265B}"/>
+              </a:ext>
+            </a:extLst>
+          </p:cNvPr>
+          <p:cNvPicPr>
+            <a:picLocks noGrp="1" noRot="1" noChangeAspect="1" noMove="1" noResize="1" noEditPoints="1" noAdjustHandles="1" noChangeArrowheads="1" noChangeShapeType="1" noCrop="1"/>
+          </p:cNvPicPr>
+          <p:nvPr/>
+        </p:nvPicPr>
+        <p:blipFill>
+          <a:blip r:embed="rId2" cstate="email">
+            <a:extLst>
+              <a:ext uri="{28A0092B-C50C-407E-A947-70E740481C1C}">
+                <a14:useLocalDpi xmlns:a14="http://schemas.microsoft.com/office/drawing/2010/main"/>
+              </a:ext>
+            </a:extLst>
+          </a:blip>
+          <a:stretch>
+            <a:fillRect/>
+          </a:stretch>
+        </p:blipFill>
+        <p:spPr>
+          <a:xfrm flipH="1">
+            <a:off x="0" y="0"/>
+            <a:ext cx="12192000" cy="6858000"/>
+          </a:xfrm>
+          <a:prstGeom prst="rect">
+            <a:avLst/>
+          </a:prstGeom>
+        </p:spPr>
+      </p:pic>
+      <p:cxnSp>
+        <p:nvCxnSpPr>
+          <p:cNvPr id="5" name="Straight Connector 4">
+            <a:extLst>
+              <a:ext uri="{FF2B5EF4-FFF2-40B4-BE49-F238E27FC236}">
+                <a16:creationId xmlns:a16="http://schemas.microsoft.com/office/drawing/2014/main" id="{6317BEF4-F659-05B0-B884-5FBC9950BC38}"/>
+              </a:ext>
+            </a:extLst>
+          </p:cNvPr>
+          <p:cNvCxnSpPr>
+            <a:cxnSpLocks/>
+          </p:cNvCxnSpPr>
+          <p:nvPr/>
+        </p:nvCxnSpPr>
+        <p:spPr>
+          <a:xfrm>
+            <a:off x="2404113" y="383848"/>
+            <a:ext cx="0" cy="429893"/>
+          </a:xfrm>
+          <a:prstGeom prst="line">
+            <a:avLst/>
+          </a:prstGeom>
+          <a:ln w="12700">
+            <a:solidFill>
+              <a:srgbClr val="DD4F22"/>
+            </a:solidFill>
+          </a:ln>
+        </p:spPr>
+        <p:style>
+          <a:lnRef idx="1">
+            <a:schemeClr val="accent1"/>
+          </a:lnRef>
+          <a:fillRef idx="0">
+            <a:schemeClr val="accent1"/>
+          </a:fillRef>
+          <a:effectRef idx="0">
+            <a:schemeClr val="accent1"/>
+          </a:effectRef>
+          <a:fontRef idx="minor">
+            <a:schemeClr val="tx1"/>
+          </a:fontRef>
+        </p:style>
+      </p:cxnSp>
+      <p:pic>
+        <p:nvPicPr>
+          <p:cNvPr id="6" name="Picture 5">
+            <a:extLst>
+              <a:ext uri="{FF2B5EF4-FFF2-40B4-BE49-F238E27FC236}">
+                <a16:creationId xmlns:a16="http://schemas.microsoft.com/office/drawing/2014/main" id="{4C8E9BB0-02EA-460A-EDCE-9CB013DFF909}"/>
+              </a:ext>
+            </a:extLst>
+          </p:cNvPr>
+          <p:cNvPicPr>
+            <a:picLocks noGrp="1" noRot="1" noChangeAspect="1" noMove="1" noResize="1" noEditPoints="1" noAdjustHandles="1" noChangeArrowheads="1" noChangeShapeType="1" noCrop="1"/>
+          </p:cNvPicPr>
+          <p:nvPr/>
+        </p:nvPicPr>
+        <p:blipFill>
+          <a:blip r:embed="rId3">
+            <a:extLst>
+              <a:ext uri="{28A0092B-C50C-407E-A947-70E740481C1C}">
+                <a14:useLocalDpi xmlns:a14="http://schemas.microsoft.com/office/drawing/2010/main" val="0"/>
+              </a:ext>
+            </a:extLst>
+          </a:blip>
+          <a:srcRect/>
+          <a:stretch/>
+        </p:blipFill>
+        <p:spPr>
+          <a:xfrm>
+            <a:off x="217505" y="338023"/>
+            <a:ext cx="1963465" cy="521544"/>
+          </a:xfrm>
+          <a:prstGeom prst="rect">
+            <a:avLst/>
+          </a:prstGeom>
+        </p:spPr>
+      </p:pic>
+      <p:sp>
+        <p:nvSpPr>
+          <p:cNvPr id="2" name="TextBox 1">
+            <a:extLst>
+              <a:ext uri="{FF2B5EF4-FFF2-40B4-BE49-F238E27FC236}">
+                <a16:creationId xmlns:a16="http://schemas.microsoft.com/office/drawing/2014/main" id="{1A44BC85-1B87-95E2-D287-741884DBCDF1}"/>
+              </a:ext>
+            </a:extLst>
+          </p:cNvPr>
+          <p:cNvSpPr txBox="1">
+            <a:spLocks noGrp="1" noRot="1" noMove="1" noResize="1" noEditPoints="1" noAdjustHandles="1" noChangeArrowheads="1" noChangeShapeType="1"/>
+          </p:cNvSpPr>
+          <p:nvPr/>
+        </p:nvSpPr>
+        <p:spPr>
+          <a:xfrm>
+            <a:off x="2499360" y="383848"/>
+            <a:ext cx="8818879" cy="483017"/>
+          </a:xfrm>
+          <a:prstGeom prst="rect">
+            <a:avLst/>
+          </a:prstGeom>
+          <a:solidFill>
+            <a:srgbClr val="FF6709"/>
+          </a:solidFill>
+        </p:spPr>
+        <p:txBody>
+          <a:bodyPr wrap="square" rtlCol="0">
+            <a:spAutoFit/>
+          </a:bodyPr>
+          <a:lstStyle/>
+          <a:p>
+            <a:pPr marL="0" marR="0" lvl="0" indent="0" algn="l" defTabSz="914400" rtl="0" eaLnBrk="1" fontAlgn="auto" latinLnBrk="0" hangingPunct="1">
+              <a:lnSpc>
+                <a:spcPct val="115000"/>
+              </a:lnSpc>
+              <a:spcBef>
+                <a:spcPts val="0"/>
+              </a:spcBef>
+              <a:spcAft>
+                <a:spcPts val="0"/>
+              </a:spcAft>
+              <a:buClrTx/>
+              <a:buSzTx/>
+              <a:buFontTx/>
+              <a:buNone/>
+              <a:tabLst/>
+              <a:defRPr/>
+            </a:pPr>
+            <a:r>
+              <a:rPr kumimoji="0" lang="en-IN" sz="2400" b="1" i="0" u="none" strike="noStrike" kern="1200" cap="none" spc="0" normalizeH="0" baseline="0" noProof="0" dirty="0">
+                <a:ln>
+                  <a:noFill/>
+                </a:ln>
+                <a:solidFill>
+                  <a:prstClr val="white"/>
+                </a:solidFill>
+                <a:effectLst/>
+                <a:uLnTx/>
+                <a:uFillTx/>
+                <a:latin typeface="Times New Roman" panose="02020603050405020304" pitchFamily="18" charset="0"/>
+                <a:ea typeface="+mn-ea"/>
+                <a:cs typeface="+mn-cs"/>
+              </a:rPr>
+              <a:t>Appendices</a:t>
+            </a:r>
+          </a:p>
+        </p:txBody>
+      </p:sp>
+      <p:sp>
+        <p:nvSpPr>
+          <p:cNvPr id="9" name="TextBox 8">
+            <a:extLst>
+              <a:ext uri="{FF2B5EF4-FFF2-40B4-BE49-F238E27FC236}">
+                <a16:creationId xmlns:a16="http://schemas.microsoft.com/office/drawing/2014/main" id="{8776E258-07B7-D5D9-7396-35BF7029BD2A}"/>
+              </a:ext>
+            </a:extLst>
+          </p:cNvPr>
+          <p:cNvSpPr txBox="1"/>
+          <p:nvPr/>
+        </p:nvSpPr>
+        <p:spPr>
+          <a:xfrm>
+            <a:off x="0" y="1096824"/>
+            <a:ext cx="3922487" cy="307777"/>
+          </a:xfrm>
+          <a:prstGeom prst="rect">
+            <a:avLst/>
+          </a:prstGeom>
+        </p:spPr>
+        <p:style>
+          <a:lnRef idx="1">
+            <a:schemeClr val="accent3"/>
+          </a:lnRef>
+          <a:fillRef idx="2">
+            <a:schemeClr val="accent3"/>
+          </a:fillRef>
+          <a:effectRef idx="1">
+            <a:schemeClr val="accent3"/>
+          </a:effectRef>
+          <a:fontRef idx="minor">
+            <a:schemeClr val="dk1"/>
+          </a:fontRef>
+        </p:style>
+        <p:txBody>
+          <a:bodyPr wrap="square" rtlCol="0">
+            <a:spAutoFit/>
+          </a:bodyPr>
+          <a:lstStyle/>
+          <a:p>
             <a:pPr marL="0" marR="0" lvl="0" indent="0" algn="ctr" defTabSz="914400" rtl="0" eaLnBrk="1" fontAlgn="auto" latinLnBrk="0" hangingPunct="1">
               <a:lnSpc>
                 <a:spcPct val="100000"/>
@@ -16757,7 +17225,7 @@
 </p:sld>
 </file>
 
-<file path=ppt/slides/slide37.xml><?xml version="1.0" encoding="utf-8"?>
+<file path=ppt/slides/slide38.xml><?xml version="1.0" encoding="utf-8"?>
 <p:sld xmlns:a="http://schemas.openxmlformats.org/drawingml/2006/main" xmlns:r="http://schemas.openxmlformats.org/officeDocument/2006/relationships" xmlns:p="http://schemas.openxmlformats.org/presentationml/2006/main">
   <p:cSld>
     <p:spTree>

--- a/Capstone_hdfc.pptx
+++ b/Capstone_hdfc.pptx
@@ -10132,12 +10132,95 @@
           </a:p>
         </p:txBody>
       </p:sp>
+      <p:sp>
+        <p:nvSpPr>
+          <p:cNvPr id="14" name="TextBox 13">
+            <a:extLst>
+              <a:ext uri="{FF2B5EF4-FFF2-40B4-BE49-F238E27FC236}">
+                <a16:creationId xmlns:a16="http://schemas.microsoft.com/office/drawing/2014/main" id="{74D35125-8AB7-1D7F-2127-6FFE10002387}"/>
+              </a:ext>
+            </a:extLst>
+          </p:cNvPr>
+          <p:cNvSpPr txBox="1"/>
+          <p:nvPr/>
+        </p:nvSpPr>
+        <p:spPr>
+          <a:xfrm>
+            <a:off x="3243942" y="1363340"/>
+            <a:ext cx="5704115" cy="307777"/>
+          </a:xfrm>
+          <a:prstGeom prst="rect">
+            <a:avLst/>
+          </a:prstGeom>
+          <a:noFill/>
+        </p:spPr>
+        <p:txBody>
+          <a:bodyPr wrap="square" rtlCol="0">
+            <a:spAutoFit/>
+          </a:bodyPr>
+          <a:lstStyle/>
+          <a:p>
+            <a:pPr algn="ctr"/>
+            <a:r>
+              <a:rPr lang="en-US" sz="1400" dirty="0">
+                <a:latin typeface="Bahnschrift" panose="020B0502040204020203" pitchFamily="34" charset="0"/>
+                <a:cs typeface="Arial" panose="020B0604020202020204" pitchFamily="34" charset="0"/>
+              </a:rPr>
+              <a:t>Master node + Worker node running inside docker container</a:t>
+            </a:r>
+            <a:endParaRPr lang="en-IN" sz="1400" dirty="0">
+              <a:latin typeface="Bahnschrift" panose="020B0502040204020203" pitchFamily="34" charset="0"/>
+              <a:cs typeface="Arial" panose="020B0604020202020204" pitchFamily="34" charset="0"/>
+            </a:endParaRPr>
+          </a:p>
+        </p:txBody>
+      </p:sp>
+      <p:sp>
+        <p:nvSpPr>
+          <p:cNvPr id="15" name="TextBox 14">
+            <a:extLst>
+              <a:ext uri="{FF2B5EF4-FFF2-40B4-BE49-F238E27FC236}">
+                <a16:creationId xmlns:a16="http://schemas.microsoft.com/office/drawing/2014/main" id="{92BD4B88-9581-33F5-947E-4D01601EE701}"/>
+              </a:ext>
+            </a:extLst>
+          </p:cNvPr>
+          <p:cNvSpPr txBox="1"/>
+          <p:nvPr/>
+        </p:nvSpPr>
+        <p:spPr>
+          <a:xfrm>
+            <a:off x="3897082" y="3558598"/>
+            <a:ext cx="4093029" cy="307777"/>
+          </a:xfrm>
+          <a:prstGeom prst="rect">
+            <a:avLst/>
+          </a:prstGeom>
+          <a:noFill/>
+        </p:spPr>
+        <p:txBody>
+          <a:bodyPr wrap="square" rtlCol="0">
+            <a:spAutoFit/>
+          </a:bodyPr>
+          <a:lstStyle/>
+          <a:p>
+            <a:r>
+              <a:rPr lang="en-US" sz="1400" dirty="0">
+                <a:latin typeface="Bahnschrift" panose="020B0502040204020203" pitchFamily="34" charset="0"/>
+              </a:rPr>
+              <a:t>Master node + Worker node(Dashboard view)</a:t>
+            </a:r>
+            <a:endParaRPr lang="en-IN" sz="1400" dirty="0">
+              <a:latin typeface="Bahnschrift" panose="020B0502040204020203" pitchFamily="34" charset="0"/>
+            </a:endParaRPr>
+          </a:p>
+        </p:txBody>
+      </p:sp>
       <p:pic>
         <p:nvPicPr>
-          <p:cNvPr id="11" name="Picture 10">
-            <a:extLst>
-              <a:ext uri="{FF2B5EF4-FFF2-40B4-BE49-F238E27FC236}">
-                <a16:creationId xmlns:a16="http://schemas.microsoft.com/office/drawing/2014/main" id="{8C12DC7D-4A00-0056-E927-9C1153F69854}"/>
+          <p:cNvPr id="10" name="Picture 9">
+            <a:extLst>
+              <a:ext uri="{FF2B5EF4-FFF2-40B4-BE49-F238E27FC236}">
+                <a16:creationId xmlns:a16="http://schemas.microsoft.com/office/drawing/2014/main" id="{4CBFDB46-2063-587F-1708-BBFF4D00EC19}"/>
               </a:ext>
             </a:extLst>
           </p:cNvPr>
@@ -10154,8 +10237,8 @@
         </p:blipFill>
         <p:spPr>
           <a:xfrm>
-            <a:off x="435426" y="4078514"/>
-            <a:ext cx="11016343" cy="2641600"/>
+            <a:off x="435426" y="1671116"/>
+            <a:ext cx="11016343" cy="1748341"/>
           </a:xfrm>
           <a:prstGeom prst="rect">
             <a:avLst/>
@@ -10164,10 +10247,10 @@
       </p:pic>
       <p:pic>
         <p:nvPicPr>
-          <p:cNvPr id="13" name="Picture 12">
-            <a:extLst>
-              <a:ext uri="{FF2B5EF4-FFF2-40B4-BE49-F238E27FC236}">
-                <a16:creationId xmlns:a16="http://schemas.microsoft.com/office/drawing/2014/main" id="{686D6DEB-BE68-CF3B-5A2A-5B00A87F7027}"/>
+          <p:cNvPr id="20" name="Picture 19">
+            <a:extLst>
+              <a:ext uri="{FF2B5EF4-FFF2-40B4-BE49-F238E27FC236}">
+                <a16:creationId xmlns:a16="http://schemas.microsoft.com/office/drawing/2014/main" id="{332875CE-5266-F3DC-99A2-BD58FC6B338D}"/>
               </a:ext>
             </a:extLst>
           </p:cNvPr>
@@ -10184,97 +10267,14 @@
         </p:blipFill>
         <p:spPr>
           <a:xfrm>
-            <a:off x="435426" y="1673568"/>
-            <a:ext cx="11016343" cy="2035213"/>
+            <a:off x="435426" y="3866375"/>
+            <a:ext cx="11016343" cy="2868253"/>
           </a:xfrm>
           <a:prstGeom prst="rect">
             <a:avLst/>
           </a:prstGeom>
         </p:spPr>
       </p:pic>
-      <p:sp>
-        <p:nvSpPr>
-          <p:cNvPr id="14" name="TextBox 13">
-            <a:extLst>
-              <a:ext uri="{FF2B5EF4-FFF2-40B4-BE49-F238E27FC236}">
-                <a16:creationId xmlns:a16="http://schemas.microsoft.com/office/drawing/2014/main" id="{74D35125-8AB7-1D7F-2127-6FFE10002387}"/>
-              </a:ext>
-            </a:extLst>
-          </p:cNvPr>
-          <p:cNvSpPr txBox="1"/>
-          <p:nvPr/>
-        </p:nvSpPr>
-        <p:spPr>
-          <a:xfrm>
-            <a:off x="3243942" y="1363340"/>
-            <a:ext cx="5704115" cy="307777"/>
-          </a:xfrm>
-          <a:prstGeom prst="rect">
-            <a:avLst/>
-          </a:prstGeom>
-          <a:noFill/>
-        </p:spPr>
-        <p:txBody>
-          <a:bodyPr wrap="square" rtlCol="0">
-            <a:spAutoFit/>
-          </a:bodyPr>
-          <a:lstStyle/>
-          <a:p>
-            <a:pPr algn="ctr"/>
-            <a:r>
-              <a:rPr lang="en-US" sz="1400" dirty="0">
-                <a:latin typeface="Bahnschrift" panose="020B0502040204020203" pitchFamily="34" charset="0"/>
-                <a:cs typeface="Arial" panose="020B0604020202020204" pitchFamily="34" charset="0"/>
-              </a:rPr>
-              <a:t>Master node and Worker node running inside docker containers</a:t>
-            </a:r>
-            <a:endParaRPr lang="en-IN" sz="1400" dirty="0">
-              <a:latin typeface="Bahnschrift" panose="020B0502040204020203" pitchFamily="34" charset="0"/>
-              <a:cs typeface="Arial" panose="020B0604020202020204" pitchFamily="34" charset="0"/>
-            </a:endParaRPr>
-          </a:p>
-        </p:txBody>
-      </p:sp>
-      <p:sp>
-        <p:nvSpPr>
-          <p:cNvPr id="15" name="TextBox 14">
-            <a:extLst>
-              <a:ext uri="{FF2B5EF4-FFF2-40B4-BE49-F238E27FC236}">
-                <a16:creationId xmlns:a16="http://schemas.microsoft.com/office/drawing/2014/main" id="{92BD4B88-9581-33F5-947E-4D01601EE701}"/>
-              </a:ext>
-            </a:extLst>
-          </p:cNvPr>
-          <p:cNvSpPr txBox="1"/>
-          <p:nvPr/>
-        </p:nvSpPr>
-        <p:spPr>
-          <a:xfrm>
-            <a:off x="4063997" y="3786739"/>
-            <a:ext cx="4093029" cy="307777"/>
-          </a:xfrm>
-          <a:prstGeom prst="rect">
-            <a:avLst/>
-          </a:prstGeom>
-          <a:noFill/>
-        </p:spPr>
-        <p:txBody>
-          <a:bodyPr wrap="square" rtlCol="0">
-            <a:spAutoFit/>
-          </a:bodyPr>
-          <a:lstStyle/>
-          <a:p>
-            <a:r>
-              <a:rPr lang="en-US" sz="1400" dirty="0">
-                <a:latin typeface="Bahnschrift" panose="020B0502040204020203" pitchFamily="34" charset="0"/>
-              </a:rPr>
-              <a:t>Master node and Worker node(Dashboard view)</a:t>
-            </a:r>
-            <a:endParaRPr lang="en-IN" sz="1400" dirty="0">
-              <a:latin typeface="Bahnschrift" panose="020B0502040204020203" pitchFamily="34" charset="0"/>
-            </a:endParaRPr>
-          </a:p>
-        </p:txBody>
-      </p:sp>
     </p:spTree>
     <p:extLst>
       <p:ext uri="{BB962C8B-B14F-4D97-AF65-F5344CB8AC3E}">
@@ -10577,10 +10577,10 @@
       </p:sp>
       <p:pic>
         <p:nvPicPr>
-          <p:cNvPr id="13" name="Picture 12">
-            <a:extLst>
-              <a:ext uri="{FF2B5EF4-FFF2-40B4-BE49-F238E27FC236}">
-                <a16:creationId xmlns:a16="http://schemas.microsoft.com/office/drawing/2014/main" id="{79FEF3C3-5A06-997E-C3FB-E93484208ABA}"/>
+          <p:cNvPr id="8" name="Picture 7">
+            <a:extLst>
+              <a:ext uri="{FF2B5EF4-FFF2-40B4-BE49-F238E27FC236}">
+                <a16:creationId xmlns:a16="http://schemas.microsoft.com/office/drawing/2014/main" id="{14153F72-49D1-9032-8EE9-FB6BD7B375D6}"/>
               </a:ext>
             </a:extLst>
           </p:cNvPr>
@@ -10597,8 +10597,8 @@
         </p:blipFill>
         <p:spPr>
           <a:xfrm>
-            <a:off x="217506" y="1440327"/>
-            <a:ext cx="11756780" cy="5308815"/>
+            <a:off x="217505" y="1486154"/>
+            <a:ext cx="11814837" cy="5248475"/>
           </a:xfrm>
           <a:prstGeom prst="rect">
             <a:avLst/>
@@ -10967,10 +10967,10 @@
       </p:pic>
       <p:pic>
         <p:nvPicPr>
-          <p:cNvPr id="8" name="Picture 7">
-            <a:extLst>
-              <a:ext uri="{FF2B5EF4-FFF2-40B4-BE49-F238E27FC236}">
-                <a16:creationId xmlns:a16="http://schemas.microsoft.com/office/drawing/2014/main" id="{1378E68A-1B7A-D980-1306-E4E197D303A8}"/>
+          <p:cNvPr id="10" name="Picture 9">
+            <a:extLst>
+              <a:ext uri="{FF2B5EF4-FFF2-40B4-BE49-F238E27FC236}">
+                <a16:creationId xmlns:a16="http://schemas.microsoft.com/office/drawing/2014/main" id="{176CFA58-2775-FEA4-611F-22AA11BCABDB}"/>
               </a:ext>
             </a:extLst>
           </p:cNvPr>
@@ -10987,8 +10987,8 @@
         </p:blipFill>
         <p:spPr>
           <a:xfrm>
-            <a:off x="108752" y="1295354"/>
-            <a:ext cx="11974493" cy="2870590"/>
+            <a:off x="108751" y="1341180"/>
+            <a:ext cx="11974491" cy="2824764"/>
           </a:xfrm>
           <a:prstGeom prst="rect">
             <a:avLst/>
@@ -11397,10 +11397,10 @@
       </p:sp>
       <p:pic>
         <p:nvPicPr>
-          <p:cNvPr id="9" name="Picture 8">
-            <a:extLst>
-              <a:ext uri="{FF2B5EF4-FFF2-40B4-BE49-F238E27FC236}">
-                <a16:creationId xmlns:a16="http://schemas.microsoft.com/office/drawing/2014/main" id="{4AF52F9E-2F77-BBAB-40B9-EA6FA1AC47C7}"/>
+          <p:cNvPr id="11" name="Picture 10">
+            <a:extLst>
+              <a:ext uri="{FF2B5EF4-FFF2-40B4-BE49-F238E27FC236}">
+                <a16:creationId xmlns:a16="http://schemas.microsoft.com/office/drawing/2014/main" id="{3D355A8D-983E-59CF-61ED-F32EDF481590}"/>
               </a:ext>
             </a:extLst>
           </p:cNvPr>
@@ -11417,8 +11417,8 @@
         </p:blipFill>
         <p:spPr>
           <a:xfrm>
-            <a:off x="217506" y="1585799"/>
-            <a:ext cx="11481006" cy="1843202"/>
+            <a:off x="224656" y="1585798"/>
+            <a:ext cx="11473856" cy="1843202"/>
           </a:xfrm>
           <a:prstGeom prst="rect">
             <a:avLst/>
@@ -11909,36 +11909,6 @@
           </a:prstGeom>
         </p:spPr>
       </p:pic>
-      <p:pic>
-        <p:nvPicPr>
-          <p:cNvPr id="14" name="Picture 13">
-            <a:extLst>
-              <a:ext uri="{FF2B5EF4-FFF2-40B4-BE49-F238E27FC236}">
-                <a16:creationId xmlns:a16="http://schemas.microsoft.com/office/drawing/2014/main" id="{CFC0EA24-BEB9-43E9-8AD4-1BAB8498CEDC}"/>
-              </a:ext>
-            </a:extLst>
-          </p:cNvPr>
-          <p:cNvPicPr>
-            <a:picLocks noChangeAspect="1"/>
-          </p:cNvPicPr>
-          <p:nvPr/>
-        </p:nvPicPr>
-        <p:blipFill>
-          <a:blip r:embed="rId6"/>
-          <a:stretch>
-            <a:fillRect/>
-          </a:stretch>
-        </p:blipFill>
-        <p:spPr>
-          <a:xfrm>
-            <a:off x="5581204" y="3825754"/>
-            <a:ext cx="6059252" cy="2908875"/>
-          </a:xfrm>
-          <a:prstGeom prst="rect">
-            <a:avLst/>
-          </a:prstGeom>
-        </p:spPr>
-      </p:pic>
       <p:sp>
         <p:nvSpPr>
           <p:cNvPr id="15" name="TextBox 14">
@@ -11953,7 +11923,7 @@
         </p:nvSpPr>
         <p:spPr>
           <a:xfrm>
-            <a:off x="7402287" y="3548494"/>
+            <a:off x="7402285" y="3506879"/>
             <a:ext cx="2336799" cy="307777"/>
           </a:xfrm>
           <a:prstGeom prst="rect">
@@ -12004,6 +11974,36 @@
           </a:p>
         </p:txBody>
       </p:sp>
+      <p:pic>
+        <p:nvPicPr>
+          <p:cNvPr id="11" name="Picture 10">
+            <a:extLst>
+              <a:ext uri="{FF2B5EF4-FFF2-40B4-BE49-F238E27FC236}">
+                <a16:creationId xmlns:a16="http://schemas.microsoft.com/office/drawing/2014/main" id="{24598DBD-248F-95A9-D2B1-F1F255BA2F63}"/>
+              </a:ext>
+            </a:extLst>
+          </p:cNvPr>
+          <p:cNvPicPr>
+            <a:picLocks noChangeAspect="1"/>
+          </p:cNvPicPr>
+          <p:nvPr/>
+        </p:nvPicPr>
+        <p:blipFill>
+          <a:blip r:embed="rId6"/>
+          <a:stretch>
+            <a:fillRect/>
+          </a:stretch>
+        </p:blipFill>
+        <p:spPr>
+          <a:xfrm>
+            <a:off x="5661494" y="3784139"/>
+            <a:ext cx="5978961" cy="2950490"/>
+          </a:xfrm>
+          <a:prstGeom prst="rect">
+            <a:avLst/>
+          </a:prstGeom>
+        </p:spPr>
+      </p:pic>
     </p:spTree>
     <p:extLst>
       <p:ext uri="{BB962C8B-B14F-4D97-AF65-F5344CB8AC3E}">

--- a/Capstone_hdfc.pptx
+++ b/Capstone_hdfc.pptx
@@ -246,7 +246,7 @@
           <a:p>
             <a:fld id="{DBBD1C85-E1A4-447F-BAAD-9CEDE6E82C22}" type="datetimeFigureOut">
               <a:rPr lang="en-IN" smtClean="0"/>
-              <a:t>07-05-2023</a:t>
+              <a:t>10-05-2023</a:t>
             </a:fld>
             <a:endParaRPr lang="en-IN"/>
           </a:p>
@@ -663,7 +663,7 @@
           <a:p>
             <a:fld id="{6D3052E0-193B-4471-BAD0-B156ECCE0645}" type="datetimeFigureOut">
               <a:rPr lang="en-IN" smtClean="0"/>
-              <a:t>07-05-2023</a:t>
+              <a:t>10-05-2023</a:t>
             </a:fld>
             <a:endParaRPr lang="en-IN"/>
           </a:p>
@@ -866,7 +866,7 @@
           <a:p>
             <a:fld id="{6D3052E0-193B-4471-BAD0-B156ECCE0645}" type="datetimeFigureOut">
               <a:rPr lang="en-IN" smtClean="0"/>
-              <a:t>07-05-2023</a:t>
+              <a:t>10-05-2023</a:t>
             </a:fld>
             <a:endParaRPr lang="en-IN"/>
           </a:p>
@@ -1079,7 +1079,7 @@
           <a:p>
             <a:fld id="{6D3052E0-193B-4471-BAD0-B156ECCE0645}" type="datetimeFigureOut">
               <a:rPr lang="en-IN" smtClean="0"/>
-              <a:t>07-05-2023</a:t>
+              <a:t>10-05-2023</a:t>
             </a:fld>
             <a:endParaRPr lang="en-IN"/>
           </a:p>
@@ -1282,7 +1282,7 @@
           <a:p>
             <a:fld id="{6D3052E0-193B-4471-BAD0-B156ECCE0645}" type="datetimeFigureOut">
               <a:rPr lang="en-IN" smtClean="0"/>
-              <a:t>07-05-2023</a:t>
+              <a:t>10-05-2023</a:t>
             </a:fld>
             <a:endParaRPr lang="en-IN"/>
           </a:p>
@@ -1561,7 +1561,7 @@
           <a:p>
             <a:fld id="{6D3052E0-193B-4471-BAD0-B156ECCE0645}" type="datetimeFigureOut">
               <a:rPr lang="en-IN" smtClean="0"/>
-              <a:t>07-05-2023</a:t>
+              <a:t>10-05-2023</a:t>
             </a:fld>
             <a:endParaRPr lang="en-IN"/>
           </a:p>
@@ -1832,7 +1832,7 @@
           <a:p>
             <a:fld id="{6D3052E0-193B-4471-BAD0-B156ECCE0645}" type="datetimeFigureOut">
               <a:rPr lang="en-IN" smtClean="0"/>
-              <a:t>07-05-2023</a:t>
+              <a:t>10-05-2023</a:t>
             </a:fld>
             <a:endParaRPr lang="en-IN"/>
           </a:p>
@@ -2250,7 +2250,7 @@
           <a:p>
             <a:fld id="{6D3052E0-193B-4471-BAD0-B156ECCE0645}" type="datetimeFigureOut">
               <a:rPr lang="en-IN" smtClean="0"/>
-              <a:t>07-05-2023</a:t>
+              <a:t>10-05-2023</a:t>
             </a:fld>
             <a:endParaRPr lang="en-IN"/>
           </a:p>
@@ -2395,7 +2395,7 @@
           <a:p>
             <a:fld id="{6D3052E0-193B-4471-BAD0-B156ECCE0645}" type="datetimeFigureOut">
               <a:rPr lang="en-IN" smtClean="0"/>
-              <a:t>07-05-2023</a:t>
+              <a:t>10-05-2023</a:t>
             </a:fld>
             <a:endParaRPr lang="en-IN"/>
           </a:p>
@@ -2511,7 +2511,7 @@
           <a:p>
             <a:fld id="{6D3052E0-193B-4471-BAD0-B156ECCE0645}" type="datetimeFigureOut">
               <a:rPr lang="en-IN" smtClean="0"/>
-              <a:t>07-05-2023</a:t>
+              <a:t>10-05-2023</a:t>
             </a:fld>
             <a:endParaRPr lang="en-IN"/>
           </a:p>
@@ -2827,7 +2827,7 @@
           <a:p>
             <a:fld id="{6D3052E0-193B-4471-BAD0-B156ECCE0645}" type="datetimeFigureOut">
               <a:rPr lang="en-IN" smtClean="0"/>
-              <a:t>07-05-2023</a:t>
+              <a:t>10-05-2023</a:t>
             </a:fld>
             <a:endParaRPr lang="en-IN"/>
           </a:p>
@@ -3123,7 +3123,7 @@
           <a:p>
             <a:fld id="{6D3052E0-193B-4471-BAD0-B156ECCE0645}" type="datetimeFigureOut">
               <a:rPr lang="en-IN" smtClean="0"/>
-              <a:t>07-05-2023</a:t>
+              <a:t>10-05-2023</a:t>
             </a:fld>
             <a:endParaRPr lang="en-IN"/>
           </a:p>
@@ -3369,7 +3369,7 @@
           <a:p>
             <a:fld id="{6D3052E0-193B-4471-BAD0-B156ECCE0645}" type="datetimeFigureOut">
               <a:rPr lang="en-IN" smtClean="0"/>
-              <a:t>07-05-2023</a:t>
+              <a:t>10-05-2023</a:t>
             </a:fld>
             <a:endParaRPr lang="en-IN"/>
           </a:p>
@@ -5171,8 +5171,8 @@
         </p:nvSpPr>
         <p:spPr>
           <a:xfrm>
-            <a:off x="8244113" y="1678219"/>
-            <a:ext cx="3074125" cy="369332"/>
+            <a:off x="8129598" y="1678219"/>
+            <a:ext cx="2583544" cy="369332"/>
           </a:xfrm>
           <a:prstGeom prst="rect">
             <a:avLst/>
@@ -11142,96 +11142,6 @@
           </a:prstGeom>
         </p:spPr>
       </p:pic>
-      <p:pic>
-        <p:nvPicPr>
-          <p:cNvPr id="12" name="Picture 11">
-            <a:extLst>
-              <a:ext uri="{FF2B5EF4-FFF2-40B4-BE49-F238E27FC236}">
-                <a16:creationId xmlns:a16="http://schemas.microsoft.com/office/drawing/2014/main" id="{F6C62E4C-1C92-8296-F18D-1E16B2BB9295}"/>
-              </a:ext>
-            </a:extLst>
-          </p:cNvPr>
-          <p:cNvPicPr>
-            <a:picLocks noChangeAspect="1"/>
-          </p:cNvPicPr>
-          <p:nvPr/>
-        </p:nvPicPr>
-        <p:blipFill>
-          <a:blip r:embed="rId4"/>
-          <a:stretch>
-            <a:fillRect/>
-          </a:stretch>
-        </p:blipFill>
-        <p:spPr>
-          <a:xfrm>
-            <a:off x="217505" y="5170867"/>
-            <a:ext cx="11481009" cy="1606714"/>
-          </a:xfrm>
-          <a:prstGeom prst="rect">
-            <a:avLst/>
-          </a:prstGeom>
-        </p:spPr>
-      </p:pic>
-      <p:pic>
-        <p:nvPicPr>
-          <p:cNvPr id="14" name="Picture 13">
-            <a:extLst>
-              <a:ext uri="{FF2B5EF4-FFF2-40B4-BE49-F238E27FC236}">
-                <a16:creationId xmlns:a16="http://schemas.microsoft.com/office/drawing/2014/main" id="{671DE48C-3FEB-7884-6B2C-CD52872334BD}"/>
-              </a:ext>
-            </a:extLst>
-          </p:cNvPr>
-          <p:cNvPicPr>
-            <a:picLocks noChangeAspect="1"/>
-          </p:cNvPicPr>
-          <p:nvPr/>
-        </p:nvPicPr>
-        <p:blipFill>
-          <a:blip r:embed="rId5"/>
-          <a:stretch>
-            <a:fillRect/>
-          </a:stretch>
-        </p:blipFill>
-        <p:spPr>
-          <a:xfrm>
-            <a:off x="6037943" y="3496577"/>
-            <a:ext cx="5660569" cy="1606714"/>
-          </a:xfrm>
-          <a:prstGeom prst="rect">
-            <a:avLst/>
-          </a:prstGeom>
-        </p:spPr>
-      </p:pic>
-      <p:pic>
-        <p:nvPicPr>
-          <p:cNvPr id="16" name="Picture 15">
-            <a:extLst>
-              <a:ext uri="{FF2B5EF4-FFF2-40B4-BE49-F238E27FC236}">
-                <a16:creationId xmlns:a16="http://schemas.microsoft.com/office/drawing/2014/main" id="{9BE252CD-1FDC-03EC-E71E-5D173429C442}"/>
-              </a:ext>
-            </a:extLst>
-          </p:cNvPr>
-          <p:cNvPicPr>
-            <a:picLocks noChangeAspect="1"/>
-          </p:cNvPicPr>
-          <p:nvPr/>
-        </p:nvPicPr>
-        <p:blipFill>
-          <a:blip r:embed="rId6"/>
-          <a:stretch>
-            <a:fillRect/>
-          </a:stretch>
-        </p:blipFill>
-        <p:spPr>
-          <a:xfrm>
-            <a:off x="224656" y="3496577"/>
-            <a:ext cx="5733352" cy="1606714"/>
-          </a:xfrm>
-          <a:prstGeom prst="rect">
-            <a:avLst/>
-          </a:prstGeom>
-        </p:spPr>
-      </p:pic>
       <p:sp>
         <p:nvSpPr>
           <p:cNvPr id="2" name="TextBox 1">
@@ -11410,6 +11320,96 @@
           <p:nvPr/>
         </p:nvPicPr>
         <p:blipFill>
+          <a:blip r:embed="rId4"/>
+          <a:stretch>
+            <a:fillRect/>
+          </a:stretch>
+        </p:blipFill>
+        <p:spPr>
+          <a:xfrm>
+            <a:off x="224656" y="1585798"/>
+            <a:ext cx="11473856" cy="1843202"/>
+          </a:xfrm>
+          <a:prstGeom prst="rect">
+            <a:avLst/>
+          </a:prstGeom>
+        </p:spPr>
+      </p:pic>
+      <p:pic>
+        <p:nvPicPr>
+          <p:cNvPr id="10" name="Picture 9">
+            <a:extLst>
+              <a:ext uri="{FF2B5EF4-FFF2-40B4-BE49-F238E27FC236}">
+                <a16:creationId xmlns:a16="http://schemas.microsoft.com/office/drawing/2014/main" id="{4B899536-DC10-5093-D6DA-8945E5E3FDAC}"/>
+              </a:ext>
+            </a:extLst>
+          </p:cNvPr>
+          <p:cNvPicPr>
+            <a:picLocks noChangeAspect="1"/>
+          </p:cNvPicPr>
+          <p:nvPr/>
+        </p:nvPicPr>
+        <p:blipFill>
+          <a:blip r:embed="rId5"/>
+          <a:stretch>
+            <a:fillRect/>
+          </a:stretch>
+        </p:blipFill>
+        <p:spPr>
+          <a:xfrm>
+            <a:off x="224655" y="3496575"/>
+            <a:ext cx="5660569" cy="1606713"/>
+          </a:xfrm>
+          <a:prstGeom prst="rect">
+            <a:avLst/>
+          </a:prstGeom>
+        </p:spPr>
+      </p:pic>
+      <p:pic>
+        <p:nvPicPr>
+          <p:cNvPr id="15" name="Picture 14">
+            <a:extLst>
+              <a:ext uri="{FF2B5EF4-FFF2-40B4-BE49-F238E27FC236}">
+                <a16:creationId xmlns:a16="http://schemas.microsoft.com/office/drawing/2014/main" id="{82A96021-2D85-45A1-4AA3-DE98B8CE0F37}"/>
+              </a:ext>
+            </a:extLst>
+          </p:cNvPr>
+          <p:cNvPicPr>
+            <a:picLocks noChangeAspect="1"/>
+          </p:cNvPicPr>
+          <p:nvPr/>
+        </p:nvPicPr>
+        <p:blipFill>
+          <a:blip r:embed="rId6"/>
+          <a:stretch>
+            <a:fillRect/>
+          </a:stretch>
+        </p:blipFill>
+        <p:spPr>
+          <a:xfrm>
+            <a:off x="6037942" y="3496575"/>
+            <a:ext cx="5660569" cy="1606713"/>
+          </a:xfrm>
+          <a:prstGeom prst="rect">
+            <a:avLst/>
+          </a:prstGeom>
+        </p:spPr>
+      </p:pic>
+      <p:pic>
+        <p:nvPicPr>
+          <p:cNvPr id="18" name="Picture 17">
+            <a:extLst>
+              <a:ext uri="{FF2B5EF4-FFF2-40B4-BE49-F238E27FC236}">
+                <a16:creationId xmlns:a16="http://schemas.microsoft.com/office/drawing/2014/main" id="{1EBA1172-2CD7-DC72-4AE8-9913AE570332}"/>
+              </a:ext>
+            </a:extLst>
+          </p:cNvPr>
+          <p:cNvPicPr>
+            <a:picLocks noChangeAspect="1"/>
+          </p:cNvPicPr>
+          <p:nvPr/>
+        </p:nvPicPr>
+        <p:blipFill>
           <a:blip r:embed="rId7"/>
           <a:stretch>
             <a:fillRect/>
@@ -11417,8 +11417,8 @@
         </p:blipFill>
         <p:spPr>
           <a:xfrm>
-            <a:off x="224656" y="1585798"/>
-            <a:ext cx="11473856" cy="1843202"/>
+            <a:off x="224656" y="5170863"/>
+            <a:ext cx="11473856" cy="1606713"/>
           </a:xfrm>
           <a:prstGeom prst="rect">
             <a:avLst/>
@@ -14010,7 +14010,7 @@
         </p:nvSpPr>
         <p:spPr>
           <a:xfrm>
-            <a:off x="7887625" y="1398395"/>
+            <a:off x="7862547" y="1398395"/>
             <a:ext cx="1868343" cy="307777"/>
           </a:xfrm>
           <a:prstGeom prst="rect">
@@ -14035,10 +14035,10 @@
       </p:sp>
       <p:pic>
         <p:nvPicPr>
-          <p:cNvPr id="11" name="Picture 10">
-            <a:extLst>
-              <a:ext uri="{FF2B5EF4-FFF2-40B4-BE49-F238E27FC236}">
-                <a16:creationId xmlns:a16="http://schemas.microsoft.com/office/drawing/2014/main" id="{7694634D-2D86-A106-FD62-2B1CCD8DEB03}"/>
+          <p:cNvPr id="15" name="Picture 14">
+            <a:extLst>
+              <a:ext uri="{FF2B5EF4-FFF2-40B4-BE49-F238E27FC236}">
+                <a16:creationId xmlns:a16="http://schemas.microsoft.com/office/drawing/2014/main" id="{F57A3D72-CC62-E8F8-3B71-28BC14957184}"/>
               </a:ext>
             </a:extLst>
           </p:cNvPr>
@@ -14055,8 +14055,8 @@
         </p:blipFill>
         <p:spPr>
           <a:xfrm>
-            <a:off x="5077637" y="1694730"/>
-            <a:ext cx="7015130" cy="5039900"/>
+            <a:off x="99232" y="1706172"/>
+            <a:ext cx="4779935" cy="5028458"/>
           </a:xfrm>
           <a:prstGeom prst="rect">
             <a:avLst/>
@@ -14065,10 +14065,10 @@
       </p:pic>
       <p:pic>
         <p:nvPicPr>
-          <p:cNvPr id="15" name="Picture 14">
-            <a:extLst>
-              <a:ext uri="{FF2B5EF4-FFF2-40B4-BE49-F238E27FC236}">
-                <a16:creationId xmlns:a16="http://schemas.microsoft.com/office/drawing/2014/main" id="{F57A3D72-CC62-E8F8-3B71-28BC14957184}"/>
+          <p:cNvPr id="3" name="Picture 2">
+            <a:extLst>
+              <a:ext uri="{FF2B5EF4-FFF2-40B4-BE49-F238E27FC236}">
+                <a16:creationId xmlns:a16="http://schemas.microsoft.com/office/drawing/2014/main" id="{5B76EF8F-EAF7-9266-ECAB-76485107AB46}"/>
               </a:ext>
             </a:extLst>
           </p:cNvPr>
@@ -14085,8 +14085,8 @@
         </p:blipFill>
         <p:spPr>
           <a:xfrm>
-            <a:off x="99232" y="1706172"/>
-            <a:ext cx="4879171" cy="5028458"/>
+            <a:off x="4978401" y="1706172"/>
+            <a:ext cx="7114366" cy="5028458"/>
           </a:xfrm>
           <a:prstGeom prst="rect">
             <a:avLst/>
@@ -15525,10 +15525,10 @@
       </p:sp>
       <p:pic>
         <p:nvPicPr>
-          <p:cNvPr id="3" name="Picture 2">
-            <a:extLst>
-              <a:ext uri="{FF2B5EF4-FFF2-40B4-BE49-F238E27FC236}">
-                <a16:creationId xmlns:a16="http://schemas.microsoft.com/office/drawing/2014/main" id="{272518BA-4C53-7D1C-C987-7FD984384359}"/>
+          <p:cNvPr id="12" name="Picture 11">
+            <a:extLst>
+              <a:ext uri="{FF2B5EF4-FFF2-40B4-BE49-F238E27FC236}">
+                <a16:creationId xmlns:a16="http://schemas.microsoft.com/office/drawing/2014/main" id="{19FCE2B9-BFE4-AB87-CF60-6168EAE0D415}"/>
               </a:ext>
             </a:extLst>
           </p:cNvPr>
@@ -15545,8 +15545,8 @@
         </p:blipFill>
         <p:spPr>
           <a:xfrm>
-            <a:off x="101599" y="1703902"/>
-            <a:ext cx="6241143" cy="5045241"/>
+            <a:off x="6437084" y="1696384"/>
+            <a:ext cx="5646060" cy="2010284"/>
           </a:xfrm>
           <a:prstGeom prst="rect">
             <a:avLst/>
@@ -15555,10 +15555,10 @@
       </p:pic>
       <p:pic>
         <p:nvPicPr>
-          <p:cNvPr id="12" name="Picture 11">
-            <a:extLst>
-              <a:ext uri="{FF2B5EF4-FFF2-40B4-BE49-F238E27FC236}">
-                <a16:creationId xmlns:a16="http://schemas.microsoft.com/office/drawing/2014/main" id="{19FCE2B9-BFE4-AB87-CF60-6168EAE0D415}"/>
+          <p:cNvPr id="14" name="Picture 13">
+            <a:extLst>
+              <a:ext uri="{FF2B5EF4-FFF2-40B4-BE49-F238E27FC236}">
+                <a16:creationId xmlns:a16="http://schemas.microsoft.com/office/drawing/2014/main" id="{41C2A50B-DA17-85B6-381D-41BB658386E5}"/>
               </a:ext>
             </a:extLst>
           </p:cNvPr>
@@ -15575,8 +15575,8 @@
         </p:blipFill>
         <p:spPr>
           <a:xfrm>
-            <a:off x="6437084" y="1696384"/>
-            <a:ext cx="5646060" cy="2010284"/>
+            <a:off x="6444341" y="3815525"/>
+            <a:ext cx="5646060" cy="2933618"/>
           </a:xfrm>
           <a:prstGeom prst="rect">
             <a:avLst/>
@@ -15585,10 +15585,10 @@
       </p:pic>
       <p:pic>
         <p:nvPicPr>
-          <p:cNvPr id="14" name="Picture 13">
-            <a:extLst>
-              <a:ext uri="{FF2B5EF4-FFF2-40B4-BE49-F238E27FC236}">
-                <a16:creationId xmlns:a16="http://schemas.microsoft.com/office/drawing/2014/main" id="{41C2A50B-DA17-85B6-381D-41BB658386E5}"/>
+          <p:cNvPr id="7" name="Picture 6">
+            <a:extLst>
+              <a:ext uri="{FF2B5EF4-FFF2-40B4-BE49-F238E27FC236}">
+                <a16:creationId xmlns:a16="http://schemas.microsoft.com/office/drawing/2014/main" id="{CA81CC3C-B297-0E34-B70E-E98E2DD7112A}"/>
               </a:ext>
             </a:extLst>
           </p:cNvPr>
@@ -15605,8 +15605,8 @@
         </p:blipFill>
         <p:spPr>
           <a:xfrm>
-            <a:off x="6444341" y="3815525"/>
-            <a:ext cx="5646060" cy="2933618"/>
+            <a:off x="108856" y="1696382"/>
+            <a:ext cx="6233885" cy="5052761"/>
           </a:xfrm>
           <a:prstGeom prst="rect">
             <a:avLst/>
@@ -16423,8 +16423,8 @@
         </p:blipFill>
         <p:spPr>
           <a:xfrm>
-            <a:off x="3265208" y="1639337"/>
-            <a:ext cx="3290279" cy="5146092"/>
+            <a:off x="3265209" y="1639337"/>
+            <a:ext cx="2932392" cy="5146092"/>
           </a:xfrm>
           <a:prstGeom prst="rect">
             <a:avLst/>
@@ -16445,7 +16445,7 @@
         </p:nvSpPr>
         <p:spPr>
           <a:xfrm>
-            <a:off x="43795" y="1317002"/>
+            <a:off x="3210" y="1350560"/>
             <a:ext cx="3352800" cy="307777"/>
           </a:xfrm>
           <a:prstGeom prst="rect">
@@ -16483,8 +16483,8 @@
         </p:nvSpPr>
         <p:spPr>
           <a:xfrm flipH="1">
-            <a:off x="3888242" y="1350613"/>
-            <a:ext cx="2309358" cy="307777"/>
+            <a:off x="3687084" y="1350508"/>
+            <a:ext cx="2177401" cy="307829"/>
           </a:xfrm>
           <a:prstGeom prst="rect">
             <a:avLst/>
@@ -16521,8 +16521,8 @@
         </p:nvSpPr>
         <p:spPr>
           <a:xfrm>
-            <a:off x="8258589" y="1350613"/>
-            <a:ext cx="2503357" cy="307777"/>
+            <a:off x="8519846" y="1351291"/>
+            <a:ext cx="1785297" cy="307830"/>
           </a:xfrm>
           <a:prstGeom prst="rect">
             <a:avLst/>
@@ -16547,10 +16547,10 @@
       </p:sp>
       <p:pic>
         <p:nvPicPr>
-          <p:cNvPr id="7" name="Picture 6">
-            <a:extLst>
-              <a:ext uri="{FF2B5EF4-FFF2-40B4-BE49-F238E27FC236}">
-                <a16:creationId xmlns:a16="http://schemas.microsoft.com/office/drawing/2014/main" id="{FD51F1C2-1D27-CE2F-FE4A-27162522FCAA}"/>
+          <p:cNvPr id="13" name="Picture 12">
+            <a:extLst>
+              <a:ext uri="{FF2B5EF4-FFF2-40B4-BE49-F238E27FC236}">
+                <a16:creationId xmlns:a16="http://schemas.microsoft.com/office/drawing/2014/main" id="{3A24F756-4469-672C-452F-B9A283F2A6FC}"/>
               </a:ext>
             </a:extLst>
           </p:cNvPr>
@@ -16567,8 +16567,8 @@
         </p:blipFill>
         <p:spPr>
           <a:xfrm>
-            <a:off x="6685400" y="1639338"/>
-            <a:ext cx="5376685" cy="2273932"/>
+            <a:off x="6327516" y="1638050"/>
+            <a:ext cx="5715900" cy="2237264"/>
           </a:xfrm>
           <a:prstGeom prst="rect">
             <a:avLst/>
@@ -16577,10 +16577,10 @@
       </p:pic>
       <p:pic>
         <p:nvPicPr>
-          <p:cNvPr id="16" name="Picture 15">
-            <a:extLst>
-              <a:ext uri="{FF2B5EF4-FFF2-40B4-BE49-F238E27FC236}">
-                <a16:creationId xmlns:a16="http://schemas.microsoft.com/office/drawing/2014/main" id="{DC4434CB-0D3D-FE55-8951-B45E5C8746E3}"/>
+          <p:cNvPr id="17" name="Picture 16">
+            <a:extLst>
+              <a:ext uri="{FF2B5EF4-FFF2-40B4-BE49-F238E27FC236}">
+                <a16:creationId xmlns:a16="http://schemas.microsoft.com/office/drawing/2014/main" id="{DBA9C382-9FC8-B8E3-7FA6-3DA7F31B966B}"/>
               </a:ext>
             </a:extLst>
           </p:cNvPr>
@@ -16597,8 +16597,8 @@
         </p:blipFill>
         <p:spPr>
           <a:xfrm>
-            <a:off x="6685400" y="4020457"/>
-            <a:ext cx="5376685" cy="2764972"/>
+            <a:off x="6346185" y="3976915"/>
+            <a:ext cx="5715901" cy="2808514"/>
           </a:xfrm>
           <a:prstGeom prst="rect">
             <a:avLst/>
@@ -19624,48 +19624,6 @@
       </p:cxnSp>
       <p:cxnSp>
         <p:nvCxnSpPr>
-          <p:cNvPr id="35" name="Connector: Elbow 34">
-            <a:extLst>
-              <a:ext uri="{FF2B5EF4-FFF2-40B4-BE49-F238E27FC236}">
-                <a16:creationId xmlns:a16="http://schemas.microsoft.com/office/drawing/2014/main" id="{E55F5D5C-3219-249F-F75B-1443FA61A53F}"/>
-              </a:ext>
-            </a:extLst>
-          </p:cNvPr>
-          <p:cNvCxnSpPr>
-            <a:stCxn id="12" idx="2"/>
-            <a:endCxn id="13" idx="4"/>
-          </p:cNvCxnSpPr>
-          <p:nvPr/>
-        </p:nvCxnSpPr>
-        <p:spPr>
-          <a:xfrm rot="5400000">
-            <a:off x="8741041" y="4832468"/>
-            <a:ext cx="1270376" cy="696686"/>
-          </a:xfrm>
-          <a:prstGeom prst="bentConnector2">
-            <a:avLst/>
-          </a:prstGeom>
-          <a:ln>
-            <a:tailEnd type="triangle"/>
-          </a:ln>
-        </p:spPr>
-        <p:style>
-          <a:lnRef idx="1">
-            <a:schemeClr val="accent6"/>
-          </a:lnRef>
-          <a:fillRef idx="0">
-            <a:schemeClr val="accent6"/>
-          </a:fillRef>
-          <a:effectRef idx="0">
-            <a:schemeClr val="accent6"/>
-          </a:effectRef>
-          <a:fontRef idx="minor">
-            <a:schemeClr val="tx1"/>
-          </a:fontRef>
-        </p:style>
-      </p:cxnSp>
-      <p:cxnSp>
-        <p:nvCxnSpPr>
           <p:cNvPr id="37" name="Straight Arrow Connector 36">
             <a:extLst>
               <a:ext uri="{FF2B5EF4-FFF2-40B4-BE49-F238E27FC236}">
@@ -19979,7 +19937,7 @@
         </p:nvSpPr>
         <p:spPr>
           <a:xfrm>
-            <a:off x="9426126" y="5046385"/>
+            <a:off x="9376229" y="5044072"/>
             <a:ext cx="894629" cy="261610"/>
           </a:xfrm>
           <a:prstGeom prst="rect">
@@ -20083,54 +20041,6 @@
           </a:p>
         </p:txBody>
       </p:sp>
-      <p:cxnSp>
-        <p:nvCxnSpPr>
-          <p:cNvPr id="64" name="Straight Arrow Connector 63">
-            <a:extLst>
-              <a:ext uri="{FF2B5EF4-FFF2-40B4-BE49-F238E27FC236}">
-                <a16:creationId xmlns:a16="http://schemas.microsoft.com/office/drawing/2014/main" id="{609081F8-A17B-82DC-3AF2-ADF29545B16E}"/>
-              </a:ext>
-            </a:extLst>
-          </p:cNvPr>
-          <p:cNvCxnSpPr>
-            <a:stCxn id="11" idx="3"/>
-            <a:endCxn id="12" idx="1"/>
-          </p:cNvCxnSpPr>
-          <p:nvPr/>
-        </p:nvCxnSpPr>
-        <p:spPr>
-          <a:xfrm flipV="1">
-            <a:off x="7779657" y="4112325"/>
-            <a:ext cx="1233715" cy="10254"/>
-          </a:xfrm>
-          <a:prstGeom prst="straightConnector1">
-            <a:avLst/>
-          </a:prstGeom>
-          <a:ln w="9525" cap="flat" cmpd="sng" algn="ctr">
-            <a:solidFill>
-              <a:schemeClr val="accent6"/>
-            </a:solidFill>
-            <a:prstDash val="solid"/>
-            <a:round/>
-            <a:headEnd type="arrow" w="med" len="med"/>
-            <a:tailEnd type="arrow" w="med" len="med"/>
-          </a:ln>
-        </p:spPr>
-        <p:style>
-          <a:lnRef idx="0">
-            <a:scrgbClr r="0" g="0" b="0"/>
-          </a:lnRef>
-          <a:fillRef idx="0">
-            <a:scrgbClr r="0" g="0" b="0"/>
-          </a:fillRef>
-          <a:effectRef idx="0">
-            <a:scrgbClr r="0" g="0" b="0"/>
-          </a:effectRef>
-          <a:fontRef idx="minor">
-            <a:schemeClr val="tx1"/>
-          </a:fontRef>
-        </p:style>
-      </p:cxnSp>
       <p:sp>
         <p:nvSpPr>
           <p:cNvPr id="68" name="Rectangle 67">
@@ -20661,6 +20571,92 @@
           </a:p>
         </p:txBody>
       </p:sp>
+      <p:cxnSp>
+        <p:nvCxnSpPr>
+          <p:cNvPr id="25" name="Connector: Elbow 24">
+            <a:extLst>
+              <a:ext uri="{FF2B5EF4-FFF2-40B4-BE49-F238E27FC236}">
+                <a16:creationId xmlns:a16="http://schemas.microsoft.com/office/drawing/2014/main" id="{2802FF2E-E7BA-74B5-2ACA-D562C22C3EAF}"/>
+              </a:ext>
+            </a:extLst>
+          </p:cNvPr>
+          <p:cNvCxnSpPr>
+            <a:stCxn id="12" idx="2"/>
+            <a:endCxn id="13" idx="4"/>
+          </p:cNvCxnSpPr>
+          <p:nvPr/>
+        </p:nvCxnSpPr>
+        <p:spPr>
+          <a:xfrm rot="5400000">
+            <a:off x="8741041" y="4832468"/>
+            <a:ext cx="1270376" cy="696686"/>
+          </a:xfrm>
+          <a:prstGeom prst="bentConnector2">
+            <a:avLst/>
+          </a:prstGeom>
+          <a:ln>
+            <a:headEnd type="triangle"/>
+            <a:tailEnd type="triangle"/>
+          </a:ln>
+        </p:spPr>
+        <p:style>
+          <a:lnRef idx="1">
+            <a:schemeClr val="accent6"/>
+          </a:lnRef>
+          <a:fillRef idx="0">
+            <a:schemeClr val="accent6"/>
+          </a:fillRef>
+          <a:effectRef idx="0">
+            <a:schemeClr val="accent6"/>
+          </a:effectRef>
+          <a:fontRef idx="minor">
+            <a:schemeClr val="tx1"/>
+          </a:fontRef>
+        </p:style>
+      </p:cxnSp>
+      <p:cxnSp>
+        <p:nvCxnSpPr>
+          <p:cNvPr id="31" name="Straight Arrow Connector 30">
+            <a:extLst>
+              <a:ext uri="{FF2B5EF4-FFF2-40B4-BE49-F238E27FC236}">
+                <a16:creationId xmlns:a16="http://schemas.microsoft.com/office/drawing/2014/main" id="{A6985AFC-A24F-98A7-92E4-E0C6E1E7FB40}"/>
+              </a:ext>
+            </a:extLst>
+          </p:cNvPr>
+          <p:cNvCxnSpPr>
+            <a:stCxn id="11" idx="3"/>
+            <a:endCxn id="12" idx="1"/>
+          </p:cNvCxnSpPr>
+          <p:nvPr/>
+        </p:nvCxnSpPr>
+        <p:spPr>
+          <a:xfrm flipV="1">
+            <a:off x="7779657" y="4112325"/>
+            <a:ext cx="1233715" cy="10254"/>
+          </a:xfrm>
+          <a:prstGeom prst="straightConnector1">
+            <a:avLst/>
+          </a:prstGeom>
+          <a:ln>
+            <a:headEnd type="triangle"/>
+            <a:tailEnd type="triangle"/>
+          </a:ln>
+        </p:spPr>
+        <p:style>
+          <a:lnRef idx="1">
+            <a:schemeClr val="accent1"/>
+          </a:lnRef>
+          <a:fillRef idx="0">
+            <a:schemeClr val="accent1"/>
+          </a:fillRef>
+          <a:effectRef idx="0">
+            <a:schemeClr val="accent1"/>
+          </a:effectRef>
+          <a:fontRef idx="minor">
+            <a:schemeClr val="tx1"/>
+          </a:fontRef>
+        </p:style>
+      </p:cxnSp>
     </p:spTree>
     <p:extLst>
       <p:ext uri="{BB962C8B-B14F-4D97-AF65-F5344CB8AC3E}">
